--- a/MP1/SVG maps/library.pptx
+++ b/MP1/SVG maps/library.pptx
@@ -4,13 +4,16 @@
   <p:sldMasterIdLst>
     <p:sldMasterId id="2147483648" r:id="rId1"/>
   </p:sldMasterIdLst>
+  <p:notesMasterIdLst>
+    <p:notesMasterId r:id="rId5"/>
+  </p:notesMasterIdLst>
   <p:handoutMasterIdLst>
-    <p:handoutMasterId r:id="rId5"/>
+    <p:handoutMasterId r:id="rId6"/>
   </p:handoutMasterIdLst>
   <p:sldIdLst>
     <p:sldId id="256" r:id="rId2"/>
     <p:sldId id="257" r:id="rId3"/>
-    <p:sldId id="258" r:id="rId4"/>
+    <p:sldId id="260" r:id="rId4"/>
   </p:sldIdLst>
   <p:sldSz cx="43205400" cy="13681075"/>
   <p:notesSz cx="6858000" cy="9144000"/>
@@ -224,7 +227,7 @@
           <a:p>
             <a:fld id="{0EEB80C7-568E-4336-8748-0853E0112BA8}" type="datetimeFigureOut">
               <a:rPr lang="en-PH" smtClean="0"/>
-              <a:t>28/03/2017</a:t>
+              <a:t>30/03/2017</a:t>
             </a:fld>
             <a:endParaRPr lang="en-PH"/>
           </a:p>
@@ -305,6 +308,440 @@
   </p:cSld>
   <p:clrMap bg1="lt1" tx1="dk1" bg2="lt2" tx2="dk2" accent1="accent1" accent2="accent2" accent3="accent3" accent4="accent4" accent5="accent5" accent6="accent6" hlink="hlink" folHlink="folHlink"/>
 </p:handoutMaster>
+</file>
+
+<file path=ppt/notesMasters/notesMaster1.xml><?xml version="1.0" encoding="utf-8"?>
+<p:notesMaster xmlns:a="http://schemas.openxmlformats.org/drawingml/2006/main" xmlns:r="http://schemas.openxmlformats.org/officeDocument/2006/relationships" xmlns:p="http://schemas.openxmlformats.org/presentationml/2006/main">
+  <p:cSld>
+    <p:bg>
+      <p:bgRef idx="1001">
+        <a:schemeClr val="bg1"/>
+      </p:bgRef>
+    </p:bg>
+    <p:spTree>
+      <p:nvGrpSpPr>
+        <p:cNvPr id="1" name=""/>
+        <p:cNvGrpSpPr/>
+        <p:nvPr/>
+      </p:nvGrpSpPr>
+      <p:grpSpPr>
+        <a:xfrm>
+          <a:off x="0" y="0"/>
+          <a:ext cx="0" cy="0"/>
+          <a:chOff x="0" y="0"/>
+          <a:chExt cx="0" cy="0"/>
+        </a:xfrm>
+      </p:grpSpPr>
+      <p:sp>
+        <p:nvSpPr>
+          <p:cNvPr id="2" name="Header Placeholder 1"/>
+          <p:cNvSpPr>
+            <a:spLocks noGrp="1"/>
+          </p:cNvSpPr>
+          <p:nvPr>
+            <p:ph type="hdr" sz="quarter"/>
+          </p:nvPr>
+        </p:nvSpPr>
+        <p:spPr>
+          <a:xfrm>
+            <a:off x="0" y="0"/>
+            <a:ext cx="2971800" cy="458788"/>
+          </a:xfrm>
+          <a:prstGeom prst="rect">
+            <a:avLst/>
+          </a:prstGeom>
+        </p:spPr>
+        <p:txBody>
+          <a:bodyPr vert="horz" lIns="91440" tIns="45720" rIns="91440" bIns="45720" rtlCol="0"/>
+          <a:lstStyle>
+            <a:lvl1pPr algn="l">
+              <a:defRPr sz="1200"/>
+            </a:lvl1pPr>
+          </a:lstStyle>
+          <a:p>
+            <a:endParaRPr lang="en-US"/>
+          </a:p>
+        </p:txBody>
+      </p:sp>
+      <p:sp>
+        <p:nvSpPr>
+          <p:cNvPr id="3" name="Date Placeholder 2"/>
+          <p:cNvSpPr>
+            <a:spLocks noGrp="1"/>
+          </p:cNvSpPr>
+          <p:nvPr>
+            <p:ph type="dt" idx="1"/>
+          </p:nvPr>
+        </p:nvSpPr>
+        <p:spPr>
+          <a:xfrm>
+            <a:off x="3884613" y="0"/>
+            <a:ext cx="2971800" cy="458788"/>
+          </a:xfrm>
+          <a:prstGeom prst="rect">
+            <a:avLst/>
+          </a:prstGeom>
+        </p:spPr>
+        <p:txBody>
+          <a:bodyPr vert="horz" lIns="91440" tIns="45720" rIns="91440" bIns="45720" rtlCol="0"/>
+          <a:lstStyle>
+            <a:lvl1pPr algn="r">
+              <a:defRPr sz="1200"/>
+            </a:lvl1pPr>
+          </a:lstStyle>
+          <a:p>
+            <a:fld id="{6270E0D2-8F04-444F-8DD2-70DC9D5820D7}" type="datetimeFigureOut">
+              <a:rPr lang="en-US" smtClean="0"/>
+              <a:t>3/30/2017</a:t>
+            </a:fld>
+            <a:endParaRPr lang="en-US"/>
+          </a:p>
+        </p:txBody>
+      </p:sp>
+      <p:sp>
+        <p:nvSpPr>
+          <p:cNvPr id="4" name="Slide Image Placeholder 3"/>
+          <p:cNvSpPr>
+            <a:spLocks noGrp="1" noRot="1" noChangeAspect="1"/>
+          </p:cNvSpPr>
+          <p:nvPr>
+            <p:ph type="sldImg" idx="2"/>
+          </p:nvPr>
+        </p:nvSpPr>
+        <p:spPr>
+          <a:xfrm>
+            <a:off x="-1443038" y="1143000"/>
+            <a:ext cx="9744076" cy="3086100"/>
+          </a:xfrm>
+          <a:prstGeom prst="rect">
+            <a:avLst/>
+          </a:prstGeom>
+          <a:noFill/>
+          <a:ln w="12700">
+            <a:solidFill>
+              <a:prstClr val="black"/>
+            </a:solidFill>
+          </a:ln>
+        </p:spPr>
+        <p:txBody>
+          <a:bodyPr vert="horz" lIns="91440" tIns="45720" rIns="91440" bIns="45720" rtlCol="0" anchor="ctr"/>
+          <a:lstStyle/>
+          <a:p>
+            <a:endParaRPr lang="en-US"/>
+          </a:p>
+        </p:txBody>
+      </p:sp>
+      <p:sp>
+        <p:nvSpPr>
+          <p:cNvPr id="5" name="Notes Placeholder 4"/>
+          <p:cNvSpPr>
+            <a:spLocks noGrp="1"/>
+          </p:cNvSpPr>
+          <p:nvPr>
+            <p:ph type="body" sz="quarter" idx="3"/>
+          </p:nvPr>
+        </p:nvSpPr>
+        <p:spPr>
+          <a:xfrm>
+            <a:off x="685800" y="4400550"/>
+            <a:ext cx="5486400" cy="3600450"/>
+          </a:xfrm>
+          <a:prstGeom prst="rect">
+            <a:avLst/>
+          </a:prstGeom>
+        </p:spPr>
+        <p:txBody>
+          <a:bodyPr vert="horz" lIns="91440" tIns="45720" rIns="91440" bIns="45720" rtlCol="0"/>
+          <a:lstStyle/>
+          <a:p>
+            <a:pPr lvl="0"/>
+            <a:r>
+              <a:rPr lang="en-US" smtClean="0"/>
+              <a:t>Click to edit Master text styles</a:t>
+            </a:r>
+          </a:p>
+          <a:p>
+            <a:pPr lvl="1"/>
+            <a:r>
+              <a:rPr lang="en-US" smtClean="0"/>
+              <a:t>Second level</a:t>
+            </a:r>
+          </a:p>
+          <a:p>
+            <a:pPr lvl="2"/>
+            <a:r>
+              <a:rPr lang="en-US" smtClean="0"/>
+              <a:t>Third level</a:t>
+            </a:r>
+          </a:p>
+          <a:p>
+            <a:pPr lvl="3"/>
+            <a:r>
+              <a:rPr lang="en-US" smtClean="0"/>
+              <a:t>Fourth level</a:t>
+            </a:r>
+          </a:p>
+          <a:p>
+            <a:pPr lvl="4"/>
+            <a:r>
+              <a:rPr lang="en-US" smtClean="0"/>
+              <a:t>Fifth level</a:t>
+            </a:r>
+            <a:endParaRPr lang="en-US"/>
+          </a:p>
+        </p:txBody>
+      </p:sp>
+      <p:sp>
+        <p:nvSpPr>
+          <p:cNvPr id="6" name="Footer Placeholder 5"/>
+          <p:cNvSpPr>
+            <a:spLocks noGrp="1"/>
+          </p:cNvSpPr>
+          <p:nvPr>
+            <p:ph type="ftr" sz="quarter" idx="4"/>
+          </p:nvPr>
+        </p:nvSpPr>
+        <p:spPr>
+          <a:xfrm>
+            <a:off x="0" y="8685213"/>
+            <a:ext cx="2971800" cy="458787"/>
+          </a:xfrm>
+          <a:prstGeom prst="rect">
+            <a:avLst/>
+          </a:prstGeom>
+        </p:spPr>
+        <p:txBody>
+          <a:bodyPr vert="horz" lIns="91440" tIns="45720" rIns="91440" bIns="45720" rtlCol="0" anchor="b"/>
+          <a:lstStyle>
+            <a:lvl1pPr algn="l">
+              <a:defRPr sz="1200"/>
+            </a:lvl1pPr>
+          </a:lstStyle>
+          <a:p>
+            <a:endParaRPr lang="en-US"/>
+          </a:p>
+        </p:txBody>
+      </p:sp>
+      <p:sp>
+        <p:nvSpPr>
+          <p:cNvPr id="7" name="Slide Number Placeholder 6"/>
+          <p:cNvSpPr>
+            <a:spLocks noGrp="1"/>
+          </p:cNvSpPr>
+          <p:nvPr>
+            <p:ph type="sldNum" sz="quarter" idx="5"/>
+          </p:nvPr>
+        </p:nvSpPr>
+        <p:spPr>
+          <a:xfrm>
+            <a:off x="3884613" y="8685213"/>
+            <a:ext cx="2971800" cy="458787"/>
+          </a:xfrm>
+          <a:prstGeom prst="rect">
+            <a:avLst/>
+          </a:prstGeom>
+        </p:spPr>
+        <p:txBody>
+          <a:bodyPr vert="horz" lIns="91440" tIns="45720" rIns="91440" bIns="45720" rtlCol="0" anchor="b"/>
+          <a:lstStyle>
+            <a:lvl1pPr algn="r">
+              <a:defRPr sz="1200"/>
+            </a:lvl1pPr>
+          </a:lstStyle>
+          <a:p>
+            <a:fld id="{223FB6ED-9980-4739-97C6-112DBF3635CE}" type="slidenum">
+              <a:rPr lang="en-US" smtClean="0"/>
+              <a:t>‹#›</a:t>
+            </a:fld>
+            <a:endParaRPr lang="en-US"/>
+          </a:p>
+        </p:txBody>
+      </p:sp>
+    </p:spTree>
+    <p:extLst>
+      <p:ext uri="{BB962C8B-B14F-4D97-AF65-F5344CB8AC3E}">
+        <p14:creationId xmlns:p14="http://schemas.microsoft.com/office/powerpoint/2010/main" val="4176037217"/>
+      </p:ext>
+    </p:extLst>
+  </p:cSld>
+  <p:clrMap bg1="lt1" tx1="dk1" bg2="lt2" tx2="dk2" accent1="accent1" accent2="accent2" accent3="accent3" accent4="accent4" accent5="accent5" accent6="accent6" hlink="hlink" folHlink="folHlink"/>
+  <p:notesStyle>
+    <a:lvl1pPr marL="0" algn="l" defTabSz="914400" rtl="0" eaLnBrk="1" latinLnBrk="0" hangingPunct="1">
+      <a:defRPr sz="1200" kern="1200">
+        <a:solidFill>
+          <a:schemeClr val="tx1"/>
+        </a:solidFill>
+        <a:latin typeface="+mn-lt"/>
+        <a:ea typeface="+mn-ea"/>
+        <a:cs typeface="+mn-cs"/>
+      </a:defRPr>
+    </a:lvl1pPr>
+    <a:lvl2pPr marL="457200" algn="l" defTabSz="914400" rtl="0" eaLnBrk="1" latinLnBrk="0" hangingPunct="1">
+      <a:defRPr sz="1200" kern="1200">
+        <a:solidFill>
+          <a:schemeClr val="tx1"/>
+        </a:solidFill>
+        <a:latin typeface="+mn-lt"/>
+        <a:ea typeface="+mn-ea"/>
+        <a:cs typeface="+mn-cs"/>
+      </a:defRPr>
+    </a:lvl2pPr>
+    <a:lvl3pPr marL="914400" algn="l" defTabSz="914400" rtl="0" eaLnBrk="1" latinLnBrk="0" hangingPunct="1">
+      <a:defRPr sz="1200" kern="1200">
+        <a:solidFill>
+          <a:schemeClr val="tx1"/>
+        </a:solidFill>
+        <a:latin typeface="+mn-lt"/>
+        <a:ea typeface="+mn-ea"/>
+        <a:cs typeface="+mn-cs"/>
+      </a:defRPr>
+    </a:lvl3pPr>
+    <a:lvl4pPr marL="1371600" algn="l" defTabSz="914400" rtl="0" eaLnBrk="1" latinLnBrk="0" hangingPunct="1">
+      <a:defRPr sz="1200" kern="1200">
+        <a:solidFill>
+          <a:schemeClr val="tx1"/>
+        </a:solidFill>
+        <a:latin typeface="+mn-lt"/>
+        <a:ea typeface="+mn-ea"/>
+        <a:cs typeface="+mn-cs"/>
+      </a:defRPr>
+    </a:lvl4pPr>
+    <a:lvl5pPr marL="1828800" algn="l" defTabSz="914400" rtl="0" eaLnBrk="1" latinLnBrk="0" hangingPunct="1">
+      <a:defRPr sz="1200" kern="1200">
+        <a:solidFill>
+          <a:schemeClr val="tx1"/>
+        </a:solidFill>
+        <a:latin typeface="+mn-lt"/>
+        <a:ea typeface="+mn-ea"/>
+        <a:cs typeface="+mn-cs"/>
+      </a:defRPr>
+    </a:lvl5pPr>
+    <a:lvl6pPr marL="2286000" algn="l" defTabSz="914400" rtl="0" eaLnBrk="1" latinLnBrk="0" hangingPunct="1">
+      <a:defRPr sz="1200" kern="1200">
+        <a:solidFill>
+          <a:schemeClr val="tx1"/>
+        </a:solidFill>
+        <a:latin typeface="+mn-lt"/>
+        <a:ea typeface="+mn-ea"/>
+        <a:cs typeface="+mn-cs"/>
+      </a:defRPr>
+    </a:lvl6pPr>
+    <a:lvl7pPr marL="2743200" algn="l" defTabSz="914400" rtl="0" eaLnBrk="1" latinLnBrk="0" hangingPunct="1">
+      <a:defRPr sz="1200" kern="1200">
+        <a:solidFill>
+          <a:schemeClr val="tx1"/>
+        </a:solidFill>
+        <a:latin typeface="+mn-lt"/>
+        <a:ea typeface="+mn-ea"/>
+        <a:cs typeface="+mn-cs"/>
+      </a:defRPr>
+    </a:lvl7pPr>
+    <a:lvl8pPr marL="3200400" algn="l" defTabSz="914400" rtl="0" eaLnBrk="1" latinLnBrk="0" hangingPunct="1">
+      <a:defRPr sz="1200" kern="1200">
+        <a:solidFill>
+          <a:schemeClr val="tx1"/>
+        </a:solidFill>
+        <a:latin typeface="+mn-lt"/>
+        <a:ea typeface="+mn-ea"/>
+        <a:cs typeface="+mn-cs"/>
+      </a:defRPr>
+    </a:lvl8pPr>
+    <a:lvl9pPr marL="3657600" algn="l" defTabSz="914400" rtl="0" eaLnBrk="1" latinLnBrk="0" hangingPunct="1">
+      <a:defRPr sz="1200" kern="1200">
+        <a:solidFill>
+          <a:schemeClr val="tx1"/>
+        </a:solidFill>
+        <a:latin typeface="+mn-lt"/>
+        <a:ea typeface="+mn-ea"/>
+        <a:cs typeface="+mn-cs"/>
+      </a:defRPr>
+    </a:lvl9pPr>
+  </p:notesStyle>
+</p:notesMaster>
+</file>
+
+<file path=ppt/notesSlides/notesSlide1.xml><?xml version="1.0" encoding="utf-8"?>
+<p:notes xmlns:a="http://schemas.openxmlformats.org/drawingml/2006/main" xmlns:r="http://schemas.openxmlformats.org/officeDocument/2006/relationships" xmlns:p="http://schemas.openxmlformats.org/presentationml/2006/main">
+  <p:cSld>
+    <p:spTree>
+      <p:nvGrpSpPr>
+        <p:cNvPr id="1" name=""/>
+        <p:cNvGrpSpPr/>
+        <p:nvPr/>
+      </p:nvGrpSpPr>
+      <p:grpSpPr>
+        <a:xfrm>
+          <a:off x="0" y="0"/>
+          <a:ext cx="0" cy="0"/>
+          <a:chOff x="0" y="0"/>
+          <a:chExt cx="0" cy="0"/>
+        </a:xfrm>
+      </p:grpSpPr>
+      <p:sp>
+        <p:nvSpPr>
+          <p:cNvPr id="2" name="Slide Image Placeholder 1"/>
+          <p:cNvSpPr>
+            <a:spLocks noGrp="1" noRot="1" noChangeAspect="1"/>
+          </p:cNvSpPr>
+          <p:nvPr>
+            <p:ph type="sldImg"/>
+          </p:nvPr>
+        </p:nvSpPr>
+        <p:spPr/>
+      </p:sp>
+      <p:sp>
+        <p:nvSpPr>
+          <p:cNvPr id="3" name="Notes Placeholder 2"/>
+          <p:cNvSpPr>
+            <a:spLocks noGrp="1"/>
+          </p:cNvSpPr>
+          <p:nvPr>
+            <p:ph type="body" idx="1"/>
+          </p:nvPr>
+        </p:nvSpPr>
+        <p:spPr/>
+        <p:txBody>
+          <a:bodyPr/>
+          <a:lstStyle/>
+          <a:p>
+            <a:endParaRPr lang="en-US" dirty="0"/>
+          </a:p>
+        </p:txBody>
+      </p:sp>
+      <p:sp>
+        <p:nvSpPr>
+          <p:cNvPr id="4" name="Slide Number Placeholder 3"/>
+          <p:cNvSpPr>
+            <a:spLocks noGrp="1"/>
+          </p:cNvSpPr>
+          <p:nvPr>
+            <p:ph type="sldNum" sz="quarter" idx="10"/>
+          </p:nvPr>
+        </p:nvSpPr>
+        <p:spPr/>
+        <p:txBody>
+          <a:bodyPr/>
+          <a:lstStyle/>
+          <a:p>
+            <a:fld id="{223FB6ED-9980-4739-97C6-112DBF3635CE}" type="slidenum">
+              <a:rPr lang="en-US" smtClean="0"/>
+              <a:t>3</a:t>
+            </a:fld>
+            <a:endParaRPr lang="en-US"/>
+          </a:p>
+        </p:txBody>
+      </p:sp>
+    </p:spTree>
+    <p:extLst>
+      <p:ext uri="{BB962C8B-B14F-4D97-AF65-F5344CB8AC3E}">
+        <p14:creationId xmlns:p14="http://schemas.microsoft.com/office/powerpoint/2010/main" val="2607865465"/>
+      </p:ext>
+    </p:extLst>
+  </p:cSld>
+  <p:clrMapOvr>
+    <a:masterClrMapping/>
+  </p:clrMapOvr>
+</p:notes>
 </file>
 
 <file path=ppt/slideLayouts/slideLayout1.xml><?xml version="1.0" encoding="utf-8"?>
@@ -453,7 +890,7 @@
           <a:p>
             <a:fld id="{3AA74B47-8083-4345-865C-BA7499E5DF64}" type="datetimeFigureOut">
               <a:rPr lang="en-PH" smtClean="0"/>
-              <a:t>28/03/2017</a:t>
+              <a:t>30/03/2017</a:t>
             </a:fld>
             <a:endParaRPr lang="en-PH"/>
           </a:p>
@@ -4476,7 +4913,7 @@
           <a:p>
             <a:fld id="{3AA74B47-8083-4345-865C-BA7499E5DF64}" type="datetimeFigureOut">
               <a:rPr lang="en-PH" smtClean="0"/>
-              <a:t>28/03/2017</a:t>
+              <a:t>30/03/2017</a:t>
             </a:fld>
             <a:endParaRPr lang="en-PH"/>
           </a:p>
@@ -4722,7 +5159,7 @@
           <a:p>
             <a:fld id="{3AA74B47-8083-4345-865C-BA7499E5DF64}" type="datetimeFigureOut">
               <a:rPr lang="en-PH" smtClean="0"/>
-              <a:t>28/03/2017</a:t>
+              <a:t>30/03/2017</a:t>
             </a:fld>
             <a:endParaRPr lang="en-PH"/>
           </a:p>
@@ -5010,7 +5447,7 @@
           <a:p>
             <a:fld id="{3AA74B47-8083-4345-865C-BA7499E5DF64}" type="datetimeFigureOut">
               <a:rPr lang="en-PH" smtClean="0"/>
-              <a:t>28/03/2017</a:t>
+              <a:t>30/03/2017</a:t>
             </a:fld>
             <a:endParaRPr lang="en-PH"/>
           </a:p>
@@ -5437,7 +5874,7 @@
           <a:p>
             <a:fld id="{3AA74B47-8083-4345-865C-BA7499E5DF64}" type="datetimeFigureOut">
               <a:rPr lang="en-PH" smtClean="0"/>
-              <a:t>28/03/2017</a:t>
+              <a:t>30/03/2017</a:t>
             </a:fld>
             <a:endParaRPr lang="en-PH"/>
           </a:p>
@@ -5555,7 +5992,7 @@
           <a:p>
             <a:fld id="{3AA74B47-8083-4345-865C-BA7499E5DF64}" type="datetimeFigureOut">
               <a:rPr lang="en-PH" smtClean="0"/>
-              <a:t>28/03/2017</a:t>
+              <a:t>30/03/2017</a:t>
             </a:fld>
             <a:endParaRPr lang="en-PH"/>
           </a:p>
@@ -5650,7 +6087,7 @@
           <a:p>
             <a:fld id="{3AA74B47-8083-4345-865C-BA7499E5DF64}" type="datetimeFigureOut">
               <a:rPr lang="en-PH" smtClean="0"/>
-              <a:t>28/03/2017</a:t>
+              <a:t>30/03/2017</a:t>
             </a:fld>
             <a:endParaRPr lang="en-PH"/>
           </a:p>
@@ -5927,7 +6364,7 @@
           <a:p>
             <a:fld id="{3AA74B47-8083-4345-865C-BA7499E5DF64}" type="datetimeFigureOut">
               <a:rPr lang="en-PH" smtClean="0"/>
-              <a:t>28/03/2017</a:t>
+              <a:t>30/03/2017</a:t>
             </a:fld>
             <a:endParaRPr lang="en-PH"/>
           </a:p>
@@ -6180,7 +6617,7 @@
           <a:p>
             <a:fld id="{3AA74B47-8083-4345-865C-BA7499E5DF64}" type="datetimeFigureOut">
               <a:rPr lang="en-PH" smtClean="0"/>
-              <a:t>28/03/2017</a:t>
+              <a:t>30/03/2017</a:t>
             </a:fld>
             <a:endParaRPr lang="en-PH"/>
           </a:p>
@@ -6393,7 +6830,7 @@
           <a:p>
             <a:fld id="{3AA74B47-8083-4345-865C-BA7499E5DF64}" type="datetimeFigureOut">
               <a:rPr lang="en-PH" smtClean="0"/>
-              <a:t>28/03/2017</a:t>
+              <a:t>30/03/2017</a:t>
             </a:fld>
             <a:endParaRPr lang="en-PH"/>
           </a:p>
@@ -16585,2511 +17022,1913 @@
           <a:chExt cx="0" cy="0"/>
         </a:xfrm>
       </p:grpSpPr>
-      <p:graphicFrame>
-        <p:nvGraphicFramePr>
-          <p:cNvPr id="4" name="Table 3"/>
-          <p:cNvGraphicFramePr>
-            <a:graphicFrameLocks noGrp="1"/>
-          </p:cNvGraphicFramePr>
-          <p:nvPr>
-            <p:extLst>
-              <p:ext uri="{D42A27DB-BD31-4B8C-83A1-F6EECF244321}">
-                <p14:modId xmlns:p14="http://schemas.microsoft.com/office/powerpoint/2010/main" val="4152795515"/>
-              </p:ext>
-            </p:extLst>
-          </p:nvPr>
-        </p:nvGraphicFramePr>
-        <p:xfrm>
-          <a:off x="13644" y="1367928"/>
-          <a:ext cx="43191759" cy="11881320"/>
-        </p:xfrm>
-        <a:graphic>
-          <a:graphicData uri="http://schemas.openxmlformats.org/drawingml/2006/table">
-            <a:tbl>
-              <a:tblPr firstRow="1" bandRow="1">
-                <a:tableStyleId>{2D5ABB26-0587-4C30-8999-92F81FD0307C}</a:tableStyleId>
-              </a:tblPr>
-              <a:tblGrid>
-                <a:gridCol w="3322443"/>
-                <a:gridCol w="3322443"/>
-                <a:gridCol w="3322443"/>
-                <a:gridCol w="3322443"/>
-                <a:gridCol w="3322443"/>
-                <a:gridCol w="3322443"/>
-                <a:gridCol w="3322443"/>
-                <a:gridCol w="3322443"/>
-                <a:gridCol w="3322443"/>
-                <a:gridCol w="3322443"/>
-                <a:gridCol w="3322443"/>
-                <a:gridCol w="3322443"/>
-                <a:gridCol w="3322443"/>
-              </a:tblGrid>
-              <a:tr h="2970330">
-                <a:tc>
-                  <a:txBody>
-                    <a:bodyPr/>
-                    <a:lstStyle/>
-                    <a:p>
-                      <a:endParaRPr lang="en-US" dirty="0"/>
-                    </a:p>
-                  </a:txBody>
-                  <a:tcPr>
-                    <a:lnL w="12700" cap="flat" cmpd="sng" algn="ctr">
-                      <a:solidFill>
-                        <a:schemeClr val="tx1"/>
-                      </a:solidFill>
-                      <a:prstDash val="solid"/>
-                      <a:round/>
-                      <a:headEnd type="none" w="med" len="med"/>
-                      <a:tailEnd type="none" w="med" len="med"/>
-                    </a:lnL>
-                    <a:lnR w="12700" cap="flat" cmpd="sng" algn="ctr">
-                      <a:solidFill>
-                        <a:schemeClr val="tx1"/>
-                      </a:solidFill>
-                      <a:prstDash val="solid"/>
-                      <a:round/>
-                      <a:headEnd type="none" w="med" len="med"/>
-                      <a:tailEnd type="none" w="med" len="med"/>
-                    </a:lnR>
-                    <a:lnT w="12700" cap="flat" cmpd="sng" algn="ctr">
-                      <a:solidFill>
-                        <a:schemeClr val="tx1"/>
-                      </a:solidFill>
-                      <a:prstDash val="solid"/>
-                      <a:round/>
-                      <a:headEnd type="none" w="med" len="med"/>
-                      <a:tailEnd type="none" w="med" len="med"/>
-                    </a:lnT>
-                    <a:lnB w="12700" cap="flat" cmpd="sng" algn="ctr">
-                      <a:solidFill>
-                        <a:schemeClr val="tx1"/>
-                      </a:solidFill>
-                      <a:prstDash val="solid"/>
-                      <a:round/>
-                      <a:headEnd type="none" w="med" len="med"/>
-                      <a:tailEnd type="none" w="med" len="med"/>
-                    </a:lnB>
-                  </a:tcPr>
-                </a:tc>
-                <a:tc>
-                  <a:txBody>
-                    <a:bodyPr/>
-                    <a:lstStyle/>
-                    <a:p>
-                      <a:endParaRPr lang="en-US" dirty="0"/>
-                    </a:p>
-                  </a:txBody>
-                  <a:tcPr>
-                    <a:lnL w="12700" cap="flat" cmpd="sng" algn="ctr">
-                      <a:solidFill>
-                        <a:schemeClr val="tx1"/>
-                      </a:solidFill>
-                      <a:prstDash val="solid"/>
-                      <a:round/>
-                      <a:headEnd type="none" w="med" len="med"/>
-                      <a:tailEnd type="none" w="med" len="med"/>
-                    </a:lnL>
-                    <a:lnR w="12700" cap="flat" cmpd="sng" algn="ctr">
-                      <a:solidFill>
-                        <a:schemeClr val="tx1"/>
-                      </a:solidFill>
-                      <a:prstDash val="solid"/>
-                      <a:round/>
-                      <a:headEnd type="none" w="med" len="med"/>
-                      <a:tailEnd type="none" w="med" len="med"/>
-                    </a:lnR>
-                    <a:lnT w="12700" cap="flat" cmpd="sng" algn="ctr">
-                      <a:solidFill>
-                        <a:schemeClr val="tx1"/>
-                      </a:solidFill>
-                      <a:prstDash val="solid"/>
-                      <a:round/>
-                      <a:headEnd type="none" w="med" len="med"/>
-                      <a:tailEnd type="none" w="med" len="med"/>
-                    </a:lnT>
-                    <a:lnB w="12700" cap="flat" cmpd="sng" algn="ctr">
-                      <a:solidFill>
-                        <a:schemeClr val="tx1"/>
-                      </a:solidFill>
-                      <a:prstDash val="solid"/>
-                      <a:round/>
-                      <a:headEnd type="none" w="med" len="med"/>
-                      <a:tailEnd type="none" w="med" len="med"/>
-                    </a:lnB>
-                  </a:tcPr>
-                </a:tc>
-                <a:tc>
-                  <a:txBody>
-                    <a:bodyPr/>
-                    <a:lstStyle/>
-                    <a:p>
-                      <a:endParaRPr lang="en-US" dirty="0"/>
-                    </a:p>
-                  </a:txBody>
-                  <a:tcPr>
-                    <a:lnL w="12700" cap="flat" cmpd="sng" algn="ctr">
-                      <a:solidFill>
-                        <a:schemeClr val="tx1"/>
-                      </a:solidFill>
-                      <a:prstDash val="solid"/>
-                      <a:round/>
-                      <a:headEnd type="none" w="med" len="med"/>
-                      <a:tailEnd type="none" w="med" len="med"/>
-                    </a:lnL>
-                    <a:lnR w="12700" cap="flat" cmpd="sng" algn="ctr">
-                      <a:solidFill>
-                        <a:schemeClr val="tx1"/>
-                      </a:solidFill>
-                      <a:prstDash val="solid"/>
-                      <a:round/>
-                      <a:headEnd type="none" w="med" len="med"/>
-                      <a:tailEnd type="none" w="med" len="med"/>
-                    </a:lnR>
-                    <a:lnT w="12700" cap="flat" cmpd="sng" algn="ctr">
-                      <a:solidFill>
-                        <a:schemeClr val="tx1"/>
-                      </a:solidFill>
-                      <a:prstDash val="solid"/>
-                      <a:round/>
-                      <a:headEnd type="none" w="med" len="med"/>
-                      <a:tailEnd type="none" w="med" len="med"/>
-                    </a:lnT>
-                    <a:lnB w="12700" cap="flat" cmpd="sng" algn="ctr">
-                      <a:solidFill>
-                        <a:schemeClr val="tx1"/>
-                      </a:solidFill>
-                      <a:prstDash val="solid"/>
-                      <a:round/>
-                      <a:headEnd type="none" w="med" len="med"/>
-                      <a:tailEnd type="none" w="med" len="med"/>
-                    </a:lnB>
-                  </a:tcPr>
-                </a:tc>
-                <a:tc>
-                  <a:txBody>
-                    <a:bodyPr/>
-                    <a:lstStyle/>
-                    <a:p>
-                      <a:endParaRPr lang="en-US" dirty="0"/>
-                    </a:p>
-                  </a:txBody>
-                  <a:tcPr>
-                    <a:lnL w="12700" cap="flat" cmpd="sng" algn="ctr">
-                      <a:solidFill>
-                        <a:schemeClr val="tx1"/>
-                      </a:solidFill>
-                      <a:prstDash val="solid"/>
-                      <a:round/>
-                      <a:headEnd type="none" w="med" len="med"/>
-                      <a:tailEnd type="none" w="med" len="med"/>
-                    </a:lnL>
-                    <a:lnR w="12700" cap="flat" cmpd="sng" algn="ctr">
-                      <a:solidFill>
-                        <a:schemeClr val="tx1"/>
-                      </a:solidFill>
-                      <a:prstDash val="solid"/>
-                      <a:round/>
-                      <a:headEnd type="none" w="med" len="med"/>
-                      <a:tailEnd type="none" w="med" len="med"/>
-                    </a:lnR>
-                    <a:lnT w="12700" cap="flat" cmpd="sng" algn="ctr">
-                      <a:solidFill>
-                        <a:schemeClr val="tx1"/>
-                      </a:solidFill>
-                      <a:prstDash val="solid"/>
-                      <a:round/>
-                      <a:headEnd type="none" w="med" len="med"/>
-                      <a:tailEnd type="none" w="med" len="med"/>
-                    </a:lnT>
-                    <a:lnB w="12700" cap="flat" cmpd="sng" algn="ctr">
-                      <a:solidFill>
-                        <a:schemeClr val="tx1"/>
-                      </a:solidFill>
-                      <a:prstDash val="solid"/>
-                      <a:round/>
-                      <a:headEnd type="none" w="med" len="med"/>
-                      <a:tailEnd type="none" w="med" len="med"/>
-                    </a:lnB>
-                  </a:tcPr>
-                </a:tc>
-                <a:tc>
-                  <a:txBody>
-                    <a:bodyPr/>
-                    <a:lstStyle/>
-                    <a:p>
-                      <a:endParaRPr lang="en-US" dirty="0"/>
-                    </a:p>
-                  </a:txBody>
-                  <a:tcPr>
-                    <a:lnL w="12700" cap="flat" cmpd="sng" algn="ctr">
-                      <a:solidFill>
-                        <a:schemeClr val="tx1"/>
-                      </a:solidFill>
-                      <a:prstDash val="solid"/>
-                      <a:round/>
-                      <a:headEnd type="none" w="med" len="med"/>
-                      <a:tailEnd type="none" w="med" len="med"/>
-                    </a:lnL>
-                    <a:lnR w="12700" cap="flat" cmpd="sng" algn="ctr">
-                      <a:solidFill>
-                        <a:schemeClr val="tx1"/>
-                      </a:solidFill>
-                      <a:prstDash val="solid"/>
-                      <a:round/>
-                      <a:headEnd type="none" w="med" len="med"/>
-                      <a:tailEnd type="none" w="med" len="med"/>
-                    </a:lnR>
-                    <a:lnT w="12700" cap="flat" cmpd="sng" algn="ctr">
-                      <a:solidFill>
-                        <a:schemeClr val="tx1"/>
-                      </a:solidFill>
-                      <a:prstDash val="solid"/>
-                      <a:round/>
-                      <a:headEnd type="none" w="med" len="med"/>
-                      <a:tailEnd type="none" w="med" len="med"/>
-                    </a:lnT>
-                    <a:lnB w="12700" cap="flat" cmpd="sng" algn="ctr">
-                      <a:solidFill>
-                        <a:schemeClr val="tx1"/>
-                      </a:solidFill>
-                      <a:prstDash val="solid"/>
-                      <a:round/>
-                      <a:headEnd type="none" w="med" len="med"/>
-                      <a:tailEnd type="none" w="med" len="med"/>
-                    </a:lnB>
-                  </a:tcPr>
-                </a:tc>
-                <a:tc>
-                  <a:txBody>
-                    <a:bodyPr/>
-                    <a:lstStyle/>
-                    <a:p>
-                      <a:endParaRPr lang="en-US" dirty="0"/>
-                    </a:p>
-                  </a:txBody>
-                  <a:tcPr>
-                    <a:lnL w="12700" cap="flat" cmpd="sng" algn="ctr">
-                      <a:solidFill>
-                        <a:schemeClr val="tx1"/>
-                      </a:solidFill>
-                      <a:prstDash val="solid"/>
-                      <a:round/>
-                      <a:headEnd type="none" w="med" len="med"/>
-                      <a:tailEnd type="none" w="med" len="med"/>
-                    </a:lnL>
-                    <a:lnR w="12700" cap="flat" cmpd="sng" algn="ctr">
-                      <a:solidFill>
-                        <a:schemeClr val="tx1"/>
-                      </a:solidFill>
-                      <a:prstDash val="solid"/>
-                      <a:round/>
-                      <a:headEnd type="none" w="med" len="med"/>
-                      <a:tailEnd type="none" w="med" len="med"/>
-                    </a:lnR>
-                    <a:lnT w="12700" cap="flat" cmpd="sng" algn="ctr">
-                      <a:solidFill>
-                        <a:schemeClr val="tx1"/>
-                      </a:solidFill>
-                      <a:prstDash val="solid"/>
-                      <a:round/>
-                      <a:headEnd type="none" w="med" len="med"/>
-                      <a:tailEnd type="none" w="med" len="med"/>
-                    </a:lnT>
-                    <a:lnB w="12700" cap="flat" cmpd="sng" algn="ctr">
-                      <a:solidFill>
-                        <a:schemeClr val="tx1"/>
-                      </a:solidFill>
-                      <a:prstDash val="solid"/>
-                      <a:round/>
-                      <a:headEnd type="none" w="med" len="med"/>
-                      <a:tailEnd type="none" w="med" len="med"/>
-                    </a:lnB>
-                  </a:tcPr>
-                </a:tc>
-                <a:tc>
-                  <a:txBody>
-                    <a:bodyPr/>
-                    <a:lstStyle/>
-                    <a:p>
-                      <a:endParaRPr lang="en-US" dirty="0"/>
-                    </a:p>
-                  </a:txBody>
-                  <a:tcPr>
-                    <a:lnL w="12700" cap="flat" cmpd="sng" algn="ctr">
-                      <a:solidFill>
-                        <a:schemeClr val="tx1"/>
-                      </a:solidFill>
-                      <a:prstDash val="solid"/>
-                      <a:round/>
-                      <a:headEnd type="none" w="med" len="med"/>
-                      <a:tailEnd type="none" w="med" len="med"/>
-                    </a:lnL>
-                    <a:lnR w="12700" cap="flat" cmpd="sng" algn="ctr">
-                      <a:solidFill>
-                        <a:schemeClr val="tx1"/>
-                      </a:solidFill>
-                      <a:prstDash val="solid"/>
-                      <a:round/>
-                      <a:headEnd type="none" w="med" len="med"/>
-                      <a:tailEnd type="none" w="med" len="med"/>
-                    </a:lnR>
-                    <a:lnT w="12700" cap="flat" cmpd="sng" algn="ctr">
-                      <a:solidFill>
-                        <a:schemeClr val="tx1"/>
-                      </a:solidFill>
-                      <a:prstDash val="solid"/>
-                      <a:round/>
-                      <a:headEnd type="none" w="med" len="med"/>
-                      <a:tailEnd type="none" w="med" len="med"/>
-                    </a:lnT>
-                    <a:lnB w="12700" cap="flat" cmpd="sng" algn="ctr">
-                      <a:solidFill>
-                        <a:schemeClr val="tx1"/>
-                      </a:solidFill>
-                      <a:prstDash val="solid"/>
-                      <a:round/>
-                      <a:headEnd type="none" w="med" len="med"/>
-                      <a:tailEnd type="none" w="med" len="med"/>
-                    </a:lnB>
-                  </a:tcPr>
-                </a:tc>
-                <a:tc>
-                  <a:txBody>
-                    <a:bodyPr/>
-                    <a:lstStyle/>
-                    <a:p>
-                      <a:endParaRPr lang="en-US" dirty="0"/>
-                    </a:p>
-                  </a:txBody>
-                  <a:tcPr>
-                    <a:lnL w="12700" cap="flat" cmpd="sng" algn="ctr">
-                      <a:solidFill>
-                        <a:schemeClr val="tx1"/>
-                      </a:solidFill>
-                      <a:prstDash val="solid"/>
-                      <a:round/>
-                      <a:headEnd type="none" w="med" len="med"/>
-                      <a:tailEnd type="none" w="med" len="med"/>
-                    </a:lnL>
-                    <a:lnR w="12700" cap="flat" cmpd="sng" algn="ctr">
-                      <a:solidFill>
-                        <a:schemeClr val="tx1"/>
-                      </a:solidFill>
-                      <a:prstDash val="solid"/>
-                      <a:round/>
-                      <a:headEnd type="none" w="med" len="med"/>
-                      <a:tailEnd type="none" w="med" len="med"/>
-                    </a:lnR>
-                    <a:lnT w="12700" cap="flat" cmpd="sng" algn="ctr">
-                      <a:solidFill>
-                        <a:schemeClr val="tx1"/>
-                      </a:solidFill>
-                      <a:prstDash val="solid"/>
-                      <a:round/>
-                      <a:headEnd type="none" w="med" len="med"/>
-                      <a:tailEnd type="none" w="med" len="med"/>
-                    </a:lnT>
-                    <a:lnB w="12700" cap="flat" cmpd="sng" algn="ctr">
-                      <a:solidFill>
-                        <a:schemeClr val="tx1"/>
-                      </a:solidFill>
-                      <a:prstDash val="solid"/>
-                      <a:round/>
-                      <a:headEnd type="none" w="med" len="med"/>
-                      <a:tailEnd type="none" w="med" len="med"/>
-                    </a:lnB>
-                  </a:tcPr>
-                </a:tc>
-                <a:tc>
-                  <a:txBody>
-                    <a:bodyPr/>
-                    <a:lstStyle/>
-                    <a:p>
-                      <a:endParaRPr lang="en-US" dirty="0"/>
-                    </a:p>
-                  </a:txBody>
-                  <a:tcPr>
-                    <a:lnL w="12700" cap="flat" cmpd="sng" algn="ctr">
-                      <a:solidFill>
-                        <a:schemeClr val="tx1"/>
-                      </a:solidFill>
-                      <a:prstDash val="solid"/>
-                      <a:round/>
-                      <a:headEnd type="none" w="med" len="med"/>
-                      <a:tailEnd type="none" w="med" len="med"/>
-                    </a:lnL>
-                    <a:lnR w="12700" cap="flat" cmpd="sng" algn="ctr">
-                      <a:solidFill>
-                        <a:schemeClr val="tx1"/>
-                      </a:solidFill>
-                      <a:prstDash val="solid"/>
-                      <a:round/>
-                      <a:headEnd type="none" w="med" len="med"/>
-                      <a:tailEnd type="none" w="med" len="med"/>
-                    </a:lnR>
-                    <a:lnT w="12700" cap="flat" cmpd="sng" algn="ctr">
-                      <a:solidFill>
-                        <a:schemeClr val="tx1"/>
-                      </a:solidFill>
-                      <a:prstDash val="solid"/>
-                      <a:round/>
-                      <a:headEnd type="none" w="med" len="med"/>
-                      <a:tailEnd type="none" w="med" len="med"/>
-                    </a:lnT>
-                    <a:lnB w="12700" cap="flat" cmpd="sng" algn="ctr">
-                      <a:solidFill>
-                        <a:schemeClr val="tx1"/>
-                      </a:solidFill>
-                      <a:prstDash val="solid"/>
-                      <a:round/>
-                      <a:headEnd type="none" w="med" len="med"/>
-                      <a:tailEnd type="none" w="med" len="med"/>
-                    </a:lnB>
-                  </a:tcPr>
-                </a:tc>
-                <a:tc>
-                  <a:txBody>
-                    <a:bodyPr/>
-                    <a:lstStyle/>
-                    <a:p>
-                      <a:endParaRPr lang="en-US" dirty="0"/>
-                    </a:p>
-                  </a:txBody>
-                  <a:tcPr>
-                    <a:lnL w="12700" cap="flat" cmpd="sng" algn="ctr">
-                      <a:solidFill>
-                        <a:schemeClr val="tx1"/>
-                      </a:solidFill>
-                      <a:prstDash val="solid"/>
-                      <a:round/>
-                      <a:headEnd type="none" w="med" len="med"/>
-                      <a:tailEnd type="none" w="med" len="med"/>
-                    </a:lnL>
-                    <a:lnR w="12700" cap="flat" cmpd="sng" algn="ctr">
-                      <a:solidFill>
-                        <a:schemeClr val="tx1"/>
-                      </a:solidFill>
-                      <a:prstDash val="solid"/>
-                      <a:round/>
-                      <a:headEnd type="none" w="med" len="med"/>
-                      <a:tailEnd type="none" w="med" len="med"/>
-                    </a:lnR>
-                    <a:lnT w="12700" cap="flat" cmpd="sng" algn="ctr">
-                      <a:solidFill>
-                        <a:schemeClr val="tx1"/>
-                      </a:solidFill>
-                      <a:prstDash val="solid"/>
-                      <a:round/>
-                      <a:headEnd type="none" w="med" len="med"/>
-                      <a:tailEnd type="none" w="med" len="med"/>
-                    </a:lnT>
-                    <a:lnB w="12700" cap="flat" cmpd="sng" algn="ctr">
-                      <a:solidFill>
-                        <a:schemeClr val="tx1"/>
-                      </a:solidFill>
-                      <a:prstDash val="solid"/>
-                      <a:round/>
-                      <a:headEnd type="none" w="med" len="med"/>
-                      <a:tailEnd type="none" w="med" len="med"/>
-                    </a:lnB>
-                  </a:tcPr>
-                </a:tc>
-                <a:tc>
-                  <a:txBody>
-                    <a:bodyPr/>
-                    <a:lstStyle/>
-                    <a:p>
-                      <a:endParaRPr lang="en-US" dirty="0"/>
-                    </a:p>
-                  </a:txBody>
-                  <a:tcPr>
-                    <a:lnL w="12700" cap="flat" cmpd="sng" algn="ctr">
-                      <a:solidFill>
-                        <a:schemeClr val="tx1"/>
-                      </a:solidFill>
-                      <a:prstDash val="solid"/>
-                      <a:round/>
-                      <a:headEnd type="none" w="med" len="med"/>
-                      <a:tailEnd type="none" w="med" len="med"/>
-                    </a:lnL>
-                    <a:lnR w="12700" cap="flat" cmpd="sng" algn="ctr">
-                      <a:solidFill>
-                        <a:schemeClr val="tx1"/>
-                      </a:solidFill>
-                      <a:prstDash val="solid"/>
-                      <a:round/>
-                      <a:headEnd type="none" w="med" len="med"/>
-                      <a:tailEnd type="none" w="med" len="med"/>
-                    </a:lnR>
-                    <a:lnT w="12700" cap="flat" cmpd="sng" algn="ctr">
-                      <a:solidFill>
-                        <a:schemeClr val="tx1"/>
-                      </a:solidFill>
-                      <a:prstDash val="solid"/>
-                      <a:round/>
-                      <a:headEnd type="none" w="med" len="med"/>
-                      <a:tailEnd type="none" w="med" len="med"/>
-                    </a:lnT>
-                    <a:lnB w="12700" cap="flat" cmpd="sng" algn="ctr">
-                      <a:solidFill>
-                        <a:schemeClr val="tx1"/>
-                      </a:solidFill>
-                      <a:prstDash val="solid"/>
-                      <a:round/>
-                      <a:headEnd type="none" w="med" len="med"/>
-                      <a:tailEnd type="none" w="med" len="med"/>
-                    </a:lnB>
-                  </a:tcPr>
-                </a:tc>
-                <a:tc>
-                  <a:txBody>
-                    <a:bodyPr/>
-                    <a:lstStyle/>
-                    <a:p>
-                      <a:endParaRPr lang="en-US" dirty="0"/>
-                    </a:p>
-                  </a:txBody>
-                  <a:tcPr>
-                    <a:lnL w="12700" cap="flat" cmpd="sng" algn="ctr">
-                      <a:solidFill>
-                        <a:schemeClr val="tx1"/>
-                      </a:solidFill>
-                      <a:prstDash val="solid"/>
-                      <a:round/>
-                      <a:headEnd type="none" w="med" len="med"/>
-                      <a:tailEnd type="none" w="med" len="med"/>
-                    </a:lnL>
-                    <a:lnR w="12700" cap="flat" cmpd="sng" algn="ctr">
-                      <a:solidFill>
-                        <a:schemeClr val="tx1"/>
-                      </a:solidFill>
-                      <a:prstDash val="solid"/>
-                      <a:round/>
-                      <a:headEnd type="none" w="med" len="med"/>
-                      <a:tailEnd type="none" w="med" len="med"/>
-                    </a:lnR>
-                    <a:lnT w="12700" cap="flat" cmpd="sng" algn="ctr">
-                      <a:solidFill>
-                        <a:schemeClr val="tx1"/>
-                      </a:solidFill>
-                      <a:prstDash val="solid"/>
-                      <a:round/>
-                      <a:headEnd type="none" w="med" len="med"/>
-                      <a:tailEnd type="none" w="med" len="med"/>
-                    </a:lnT>
-                    <a:lnB w="12700" cap="flat" cmpd="sng" algn="ctr">
-                      <a:solidFill>
-                        <a:schemeClr val="tx1"/>
-                      </a:solidFill>
-                      <a:prstDash val="solid"/>
-                      <a:round/>
-                      <a:headEnd type="none" w="med" len="med"/>
-                      <a:tailEnd type="none" w="med" len="med"/>
-                    </a:lnB>
-                  </a:tcPr>
-                </a:tc>
-                <a:tc>
-                  <a:txBody>
-                    <a:bodyPr/>
-                    <a:lstStyle/>
-                    <a:p>
-                      <a:endParaRPr lang="en-US" dirty="0"/>
-                    </a:p>
-                  </a:txBody>
-                  <a:tcPr>
-                    <a:lnL w="12700" cap="flat" cmpd="sng" algn="ctr">
-                      <a:solidFill>
-                        <a:schemeClr val="tx1"/>
-                      </a:solidFill>
-                      <a:prstDash val="solid"/>
-                      <a:round/>
-                      <a:headEnd type="none" w="med" len="med"/>
-                      <a:tailEnd type="none" w="med" len="med"/>
-                    </a:lnL>
-                    <a:lnR w="12700" cap="flat" cmpd="sng" algn="ctr">
-                      <a:solidFill>
-                        <a:schemeClr val="tx1"/>
-                      </a:solidFill>
-                      <a:prstDash val="solid"/>
-                      <a:round/>
-                      <a:headEnd type="none" w="med" len="med"/>
-                      <a:tailEnd type="none" w="med" len="med"/>
-                    </a:lnR>
-                    <a:lnT w="12700" cap="flat" cmpd="sng" algn="ctr">
-                      <a:solidFill>
-                        <a:schemeClr val="tx1"/>
-                      </a:solidFill>
-                      <a:prstDash val="solid"/>
-                      <a:round/>
-                      <a:headEnd type="none" w="med" len="med"/>
-                      <a:tailEnd type="none" w="med" len="med"/>
-                    </a:lnT>
-                    <a:lnB w="12700" cap="flat" cmpd="sng" algn="ctr">
-                      <a:solidFill>
-                        <a:schemeClr val="tx1"/>
-                      </a:solidFill>
-                      <a:prstDash val="solid"/>
-                      <a:round/>
-                      <a:headEnd type="none" w="med" len="med"/>
-                      <a:tailEnd type="none" w="med" len="med"/>
-                    </a:lnB>
-                  </a:tcPr>
-                </a:tc>
-              </a:tr>
-              <a:tr h="2970330">
-                <a:tc>
-                  <a:txBody>
-                    <a:bodyPr/>
-                    <a:lstStyle/>
-                    <a:p>
-                      <a:endParaRPr lang="en-US"/>
-                    </a:p>
-                  </a:txBody>
-                  <a:tcPr>
-                    <a:lnL w="12700" cap="flat" cmpd="sng" algn="ctr">
-                      <a:solidFill>
-                        <a:schemeClr val="tx1"/>
-                      </a:solidFill>
-                      <a:prstDash val="solid"/>
-                      <a:round/>
-                      <a:headEnd type="none" w="med" len="med"/>
-                      <a:tailEnd type="none" w="med" len="med"/>
-                    </a:lnL>
-                    <a:lnR w="12700" cap="flat" cmpd="sng" algn="ctr">
-                      <a:solidFill>
-                        <a:schemeClr val="tx1"/>
-                      </a:solidFill>
-                      <a:prstDash val="solid"/>
-                      <a:round/>
-                      <a:headEnd type="none" w="med" len="med"/>
-                      <a:tailEnd type="none" w="med" len="med"/>
-                    </a:lnR>
-                    <a:lnT w="12700" cap="flat" cmpd="sng" algn="ctr">
-                      <a:solidFill>
-                        <a:schemeClr val="tx1"/>
-                      </a:solidFill>
-                      <a:prstDash val="solid"/>
-                      <a:round/>
-                      <a:headEnd type="none" w="med" len="med"/>
-                      <a:tailEnd type="none" w="med" len="med"/>
-                    </a:lnT>
-                    <a:lnB w="12700" cap="flat" cmpd="sng" algn="ctr">
-                      <a:solidFill>
-                        <a:schemeClr val="tx1"/>
-                      </a:solidFill>
-                      <a:prstDash val="solid"/>
-                      <a:round/>
-                      <a:headEnd type="none" w="med" len="med"/>
-                      <a:tailEnd type="none" w="med" len="med"/>
-                    </a:lnB>
-                  </a:tcPr>
-                </a:tc>
-                <a:tc>
-                  <a:txBody>
-                    <a:bodyPr/>
-                    <a:lstStyle/>
-                    <a:p>
-                      <a:endParaRPr lang="en-US"/>
-                    </a:p>
-                  </a:txBody>
-                  <a:tcPr>
-                    <a:lnL w="12700" cap="flat" cmpd="sng" algn="ctr">
-                      <a:solidFill>
-                        <a:schemeClr val="tx1"/>
-                      </a:solidFill>
-                      <a:prstDash val="solid"/>
-                      <a:round/>
-                      <a:headEnd type="none" w="med" len="med"/>
-                      <a:tailEnd type="none" w="med" len="med"/>
-                    </a:lnL>
-                    <a:lnR w="12700" cap="flat" cmpd="sng" algn="ctr">
-                      <a:solidFill>
-                        <a:schemeClr val="tx1"/>
-                      </a:solidFill>
-                      <a:prstDash val="solid"/>
-                      <a:round/>
-                      <a:headEnd type="none" w="med" len="med"/>
-                      <a:tailEnd type="none" w="med" len="med"/>
-                    </a:lnR>
-                    <a:lnT w="12700" cap="flat" cmpd="sng" algn="ctr">
-                      <a:solidFill>
-                        <a:schemeClr val="tx1"/>
-                      </a:solidFill>
-                      <a:prstDash val="solid"/>
-                      <a:round/>
-                      <a:headEnd type="none" w="med" len="med"/>
-                      <a:tailEnd type="none" w="med" len="med"/>
-                    </a:lnT>
-                    <a:lnB w="12700" cap="flat" cmpd="sng" algn="ctr">
-                      <a:solidFill>
-                        <a:schemeClr val="tx1"/>
-                      </a:solidFill>
-                      <a:prstDash val="solid"/>
-                      <a:round/>
-                      <a:headEnd type="none" w="med" len="med"/>
-                      <a:tailEnd type="none" w="med" len="med"/>
-                    </a:lnB>
-                  </a:tcPr>
-                </a:tc>
-                <a:tc>
-                  <a:txBody>
-                    <a:bodyPr/>
-                    <a:lstStyle/>
-                    <a:p>
-                      <a:endParaRPr lang="en-US"/>
-                    </a:p>
-                  </a:txBody>
-                  <a:tcPr>
-                    <a:lnL w="12700" cap="flat" cmpd="sng" algn="ctr">
-                      <a:solidFill>
-                        <a:schemeClr val="tx1"/>
-                      </a:solidFill>
-                      <a:prstDash val="solid"/>
-                      <a:round/>
-                      <a:headEnd type="none" w="med" len="med"/>
-                      <a:tailEnd type="none" w="med" len="med"/>
-                    </a:lnL>
-                    <a:lnR w="12700" cap="flat" cmpd="sng" algn="ctr">
-                      <a:solidFill>
-                        <a:schemeClr val="tx1"/>
-                      </a:solidFill>
-                      <a:prstDash val="solid"/>
-                      <a:round/>
-                      <a:headEnd type="none" w="med" len="med"/>
-                      <a:tailEnd type="none" w="med" len="med"/>
-                    </a:lnR>
-                    <a:lnT w="12700" cap="flat" cmpd="sng" algn="ctr">
-                      <a:solidFill>
-                        <a:schemeClr val="tx1"/>
-                      </a:solidFill>
-                      <a:prstDash val="solid"/>
-                      <a:round/>
-                      <a:headEnd type="none" w="med" len="med"/>
-                      <a:tailEnd type="none" w="med" len="med"/>
-                    </a:lnT>
-                    <a:lnB w="12700" cap="flat" cmpd="sng" algn="ctr">
-                      <a:solidFill>
-                        <a:schemeClr val="tx1"/>
-                      </a:solidFill>
-                      <a:prstDash val="solid"/>
-                      <a:round/>
-                      <a:headEnd type="none" w="med" len="med"/>
-                      <a:tailEnd type="none" w="med" len="med"/>
-                    </a:lnB>
-                  </a:tcPr>
-                </a:tc>
-                <a:tc>
-                  <a:txBody>
-                    <a:bodyPr/>
-                    <a:lstStyle/>
-                    <a:p>
-                      <a:endParaRPr lang="en-US"/>
-                    </a:p>
-                  </a:txBody>
-                  <a:tcPr>
-                    <a:lnL w="12700" cap="flat" cmpd="sng" algn="ctr">
-                      <a:solidFill>
-                        <a:schemeClr val="tx1"/>
-                      </a:solidFill>
-                      <a:prstDash val="solid"/>
-                      <a:round/>
-                      <a:headEnd type="none" w="med" len="med"/>
-                      <a:tailEnd type="none" w="med" len="med"/>
-                    </a:lnL>
-                    <a:lnR w="12700" cap="flat" cmpd="sng" algn="ctr">
-                      <a:solidFill>
-                        <a:schemeClr val="tx1"/>
-                      </a:solidFill>
-                      <a:prstDash val="solid"/>
-                      <a:round/>
-                      <a:headEnd type="none" w="med" len="med"/>
-                      <a:tailEnd type="none" w="med" len="med"/>
-                    </a:lnR>
-                    <a:lnT w="12700" cap="flat" cmpd="sng" algn="ctr">
-                      <a:solidFill>
-                        <a:schemeClr val="tx1"/>
-                      </a:solidFill>
-                      <a:prstDash val="solid"/>
-                      <a:round/>
-                      <a:headEnd type="none" w="med" len="med"/>
-                      <a:tailEnd type="none" w="med" len="med"/>
-                    </a:lnT>
-                    <a:lnB w="12700" cap="flat" cmpd="sng" algn="ctr">
-                      <a:solidFill>
-                        <a:schemeClr val="tx1"/>
-                      </a:solidFill>
-                      <a:prstDash val="solid"/>
-                      <a:round/>
-                      <a:headEnd type="none" w="med" len="med"/>
-                      <a:tailEnd type="none" w="med" len="med"/>
-                    </a:lnB>
-                  </a:tcPr>
-                </a:tc>
-                <a:tc>
-                  <a:txBody>
-                    <a:bodyPr/>
-                    <a:lstStyle/>
-                    <a:p>
-                      <a:endParaRPr lang="en-US"/>
-                    </a:p>
-                  </a:txBody>
-                  <a:tcPr>
-                    <a:lnL w="12700" cap="flat" cmpd="sng" algn="ctr">
-                      <a:solidFill>
-                        <a:schemeClr val="tx1"/>
-                      </a:solidFill>
-                      <a:prstDash val="solid"/>
-                      <a:round/>
-                      <a:headEnd type="none" w="med" len="med"/>
-                      <a:tailEnd type="none" w="med" len="med"/>
-                    </a:lnL>
-                    <a:lnR w="12700" cap="flat" cmpd="sng" algn="ctr">
-                      <a:solidFill>
-                        <a:schemeClr val="tx1"/>
-                      </a:solidFill>
-                      <a:prstDash val="solid"/>
-                      <a:round/>
-                      <a:headEnd type="none" w="med" len="med"/>
-                      <a:tailEnd type="none" w="med" len="med"/>
-                    </a:lnR>
-                    <a:lnT w="12700" cap="flat" cmpd="sng" algn="ctr">
-                      <a:solidFill>
-                        <a:schemeClr val="tx1"/>
-                      </a:solidFill>
-                      <a:prstDash val="solid"/>
-                      <a:round/>
-                      <a:headEnd type="none" w="med" len="med"/>
-                      <a:tailEnd type="none" w="med" len="med"/>
-                    </a:lnT>
-                    <a:lnB w="12700" cap="flat" cmpd="sng" algn="ctr">
-                      <a:solidFill>
-                        <a:schemeClr val="tx1"/>
-                      </a:solidFill>
-                      <a:prstDash val="solid"/>
-                      <a:round/>
-                      <a:headEnd type="none" w="med" len="med"/>
-                      <a:tailEnd type="none" w="med" len="med"/>
-                    </a:lnB>
-                  </a:tcPr>
-                </a:tc>
-                <a:tc>
-                  <a:txBody>
-                    <a:bodyPr/>
-                    <a:lstStyle/>
-                    <a:p>
-                      <a:endParaRPr lang="en-US"/>
-                    </a:p>
-                  </a:txBody>
-                  <a:tcPr>
-                    <a:lnL w="12700" cap="flat" cmpd="sng" algn="ctr">
-                      <a:solidFill>
-                        <a:schemeClr val="tx1"/>
-                      </a:solidFill>
-                      <a:prstDash val="solid"/>
-                      <a:round/>
-                      <a:headEnd type="none" w="med" len="med"/>
-                      <a:tailEnd type="none" w="med" len="med"/>
-                    </a:lnL>
-                    <a:lnR w="12700" cap="flat" cmpd="sng" algn="ctr">
-                      <a:solidFill>
-                        <a:schemeClr val="tx1"/>
-                      </a:solidFill>
-                      <a:prstDash val="solid"/>
-                      <a:round/>
-                      <a:headEnd type="none" w="med" len="med"/>
-                      <a:tailEnd type="none" w="med" len="med"/>
-                    </a:lnR>
-                    <a:lnT w="12700" cap="flat" cmpd="sng" algn="ctr">
-                      <a:solidFill>
-                        <a:schemeClr val="tx1"/>
-                      </a:solidFill>
-                      <a:prstDash val="solid"/>
-                      <a:round/>
-                      <a:headEnd type="none" w="med" len="med"/>
-                      <a:tailEnd type="none" w="med" len="med"/>
-                    </a:lnT>
-                    <a:lnB w="12700" cap="flat" cmpd="sng" algn="ctr">
-                      <a:solidFill>
-                        <a:schemeClr val="tx1"/>
-                      </a:solidFill>
-                      <a:prstDash val="solid"/>
-                      <a:round/>
-                      <a:headEnd type="none" w="med" len="med"/>
-                      <a:tailEnd type="none" w="med" len="med"/>
-                    </a:lnB>
-                  </a:tcPr>
-                </a:tc>
-                <a:tc>
-                  <a:txBody>
-                    <a:bodyPr/>
-                    <a:lstStyle/>
-                    <a:p>
-                      <a:endParaRPr lang="en-US" dirty="0"/>
-                    </a:p>
-                  </a:txBody>
-                  <a:tcPr>
-                    <a:lnL w="12700" cap="flat" cmpd="sng" algn="ctr">
-                      <a:solidFill>
-                        <a:schemeClr val="tx1"/>
-                      </a:solidFill>
-                      <a:prstDash val="solid"/>
-                      <a:round/>
-                      <a:headEnd type="none" w="med" len="med"/>
-                      <a:tailEnd type="none" w="med" len="med"/>
-                    </a:lnL>
-                    <a:lnR w="12700" cap="flat" cmpd="sng" algn="ctr">
-                      <a:solidFill>
-                        <a:schemeClr val="tx1"/>
-                      </a:solidFill>
-                      <a:prstDash val="solid"/>
-                      <a:round/>
-                      <a:headEnd type="none" w="med" len="med"/>
-                      <a:tailEnd type="none" w="med" len="med"/>
-                    </a:lnR>
-                    <a:lnT w="12700" cap="flat" cmpd="sng" algn="ctr">
-                      <a:solidFill>
-                        <a:schemeClr val="tx1"/>
-                      </a:solidFill>
-                      <a:prstDash val="solid"/>
-                      <a:round/>
-                      <a:headEnd type="none" w="med" len="med"/>
-                      <a:tailEnd type="none" w="med" len="med"/>
-                    </a:lnT>
-                    <a:lnB w="12700" cap="flat" cmpd="sng" algn="ctr">
-                      <a:solidFill>
-                        <a:schemeClr val="tx1"/>
-                      </a:solidFill>
-                      <a:prstDash val="solid"/>
-                      <a:round/>
-                      <a:headEnd type="none" w="med" len="med"/>
-                      <a:tailEnd type="none" w="med" len="med"/>
-                    </a:lnB>
-                  </a:tcPr>
-                </a:tc>
-                <a:tc>
-                  <a:txBody>
-                    <a:bodyPr/>
-                    <a:lstStyle/>
-                    <a:p>
-                      <a:endParaRPr lang="en-US" dirty="0"/>
-                    </a:p>
-                  </a:txBody>
-                  <a:tcPr>
-                    <a:lnL w="12700" cap="flat" cmpd="sng" algn="ctr">
-                      <a:solidFill>
-                        <a:schemeClr val="tx1"/>
-                      </a:solidFill>
-                      <a:prstDash val="solid"/>
-                      <a:round/>
-                      <a:headEnd type="none" w="med" len="med"/>
-                      <a:tailEnd type="none" w="med" len="med"/>
-                    </a:lnL>
-                    <a:lnR w="12700" cap="flat" cmpd="sng" algn="ctr">
-                      <a:solidFill>
-                        <a:schemeClr val="tx1"/>
-                      </a:solidFill>
-                      <a:prstDash val="solid"/>
-                      <a:round/>
-                      <a:headEnd type="none" w="med" len="med"/>
-                      <a:tailEnd type="none" w="med" len="med"/>
-                    </a:lnR>
-                    <a:lnT w="12700" cap="flat" cmpd="sng" algn="ctr">
-                      <a:solidFill>
-                        <a:schemeClr val="tx1"/>
-                      </a:solidFill>
-                      <a:prstDash val="solid"/>
-                      <a:round/>
-                      <a:headEnd type="none" w="med" len="med"/>
-                      <a:tailEnd type="none" w="med" len="med"/>
-                    </a:lnT>
-                    <a:lnB w="12700" cap="flat" cmpd="sng" algn="ctr">
-                      <a:solidFill>
-                        <a:schemeClr val="tx1"/>
-                      </a:solidFill>
-                      <a:prstDash val="solid"/>
-                      <a:round/>
-                      <a:headEnd type="none" w="med" len="med"/>
-                      <a:tailEnd type="none" w="med" len="med"/>
-                    </a:lnB>
-                  </a:tcPr>
-                </a:tc>
-                <a:tc>
-                  <a:txBody>
-                    <a:bodyPr/>
-                    <a:lstStyle/>
-                    <a:p>
-                      <a:endParaRPr lang="en-US" dirty="0"/>
-                    </a:p>
-                  </a:txBody>
-                  <a:tcPr>
-                    <a:lnL w="12700" cap="flat" cmpd="sng" algn="ctr">
-                      <a:solidFill>
-                        <a:schemeClr val="tx1"/>
-                      </a:solidFill>
-                      <a:prstDash val="solid"/>
-                      <a:round/>
-                      <a:headEnd type="none" w="med" len="med"/>
-                      <a:tailEnd type="none" w="med" len="med"/>
-                    </a:lnL>
-                    <a:lnR w="12700" cap="flat" cmpd="sng" algn="ctr">
-                      <a:solidFill>
-                        <a:schemeClr val="tx1"/>
-                      </a:solidFill>
-                      <a:prstDash val="solid"/>
-                      <a:round/>
-                      <a:headEnd type="none" w="med" len="med"/>
-                      <a:tailEnd type="none" w="med" len="med"/>
-                    </a:lnR>
-                    <a:lnT w="12700" cap="flat" cmpd="sng" algn="ctr">
-                      <a:solidFill>
-                        <a:schemeClr val="tx1"/>
-                      </a:solidFill>
-                      <a:prstDash val="solid"/>
-                      <a:round/>
-                      <a:headEnd type="none" w="med" len="med"/>
-                      <a:tailEnd type="none" w="med" len="med"/>
-                    </a:lnT>
-                    <a:lnB w="12700" cap="flat" cmpd="sng" algn="ctr">
-                      <a:solidFill>
-                        <a:schemeClr val="tx1"/>
-                      </a:solidFill>
-                      <a:prstDash val="solid"/>
-                      <a:round/>
-                      <a:headEnd type="none" w="med" len="med"/>
-                      <a:tailEnd type="none" w="med" len="med"/>
-                    </a:lnB>
-                  </a:tcPr>
-                </a:tc>
-                <a:tc>
-                  <a:txBody>
-                    <a:bodyPr/>
-                    <a:lstStyle/>
-                    <a:p>
-                      <a:endParaRPr lang="en-US" dirty="0"/>
-                    </a:p>
-                  </a:txBody>
-                  <a:tcPr>
-                    <a:lnL w="12700" cap="flat" cmpd="sng" algn="ctr">
-                      <a:solidFill>
-                        <a:schemeClr val="tx1"/>
-                      </a:solidFill>
-                      <a:prstDash val="solid"/>
-                      <a:round/>
-                      <a:headEnd type="none" w="med" len="med"/>
-                      <a:tailEnd type="none" w="med" len="med"/>
-                    </a:lnL>
-                    <a:lnR w="12700" cap="flat" cmpd="sng" algn="ctr">
-                      <a:solidFill>
-                        <a:schemeClr val="tx1"/>
-                      </a:solidFill>
-                      <a:prstDash val="solid"/>
-                      <a:round/>
-                      <a:headEnd type="none" w="med" len="med"/>
-                      <a:tailEnd type="none" w="med" len="med"/>
-                    </a:lnR>
-                    <a:lnT w="12700" cap="flat" cmpd="sng" algn="ctr">
-                      <a:solidFill>
-                        <a:schemeClr val="tx1"/>
-                      </a:solidFill>
-                      <a:prstDash val="solid"/>
-                      <a:round/>
-                      <a:headEnd type="none" w="med" len="med"/>
-                      <a:tailEnd type="none" w="med" len="med"/>
-                    </a:lnT>
-                    <a:lnB w="12700" cap="flat" cmpd="sng" algn="ctr">
-                      <a:solidFill>
-                        <a:schemeClr val="tx1"/>
-                      </a:solidFill>
-                      <a:prstDash val="solid"/>
-                      <a:round/>
-                      <a:headEnd type="none" w="med" len="med"/>
-                      <a:tailEnd type="none" w="med" len="med"/>
-                    </a:lnB>
-                  </a:tcPr>
-                </a:tc>
-                <a:tc>
-                  <a:txBody>
-                    <a:bodyPr/>
-                    <a:lstStyle/>
-                    <a:p>
-                      <a:endParaRPr lang="en-US" dirty="0"/>
-                    </a:p>
-                  </a:txBody>
-                  <a:tcPr>
-                    <a:lnL w="12700" cap="flat" cmpd="sng" algn="ctr">
-                      <a:solidFill>
-                        <a:schemeClr val="tx1"/>
-                      </a:solidFill>
-                      <a:prstDash val="solid"/>
-                      <a:round/>
-                      <a:headEnd type="none" w="med" len="med"/>
-                      <a:tailEnd type="none" w="med" len="med"/>
-                    </a:lnL>
-                    <a:lnR w="12700" cap="flat" cmpd="sng" algn="ctr">
-                      <a:solidFill>
-                        <a:schemeClr val="tx1"/>
-                      </a:solidFill>
-                      <a:prstDash val="solid"/>
-                      <a:round/>
-                      <a:headEnd type="none" w="med" len="med"/>
-                      <a:tailEnd type="none" w="med" len="med"/>
-                    </a:lnR>
-                    <a:lnT w="12700" cap="flat" cmpd="sng" algn="ctr">
-                      <a:solidFill>
-                        <a:schemeClr val="tx1"/>
-                      </a:solidFill>
-                      <a:prstDash val="solid"/>
-                      <a:round/>
-                      <a:headEnd type="none" w="med" len="med"/>
-                      <a:tailEnd type="none" w="med" len="med"/>
-                    </a:lnT>
-                    <a:lnB w="12700" cap="flat" cmpd="sng" algn="ctr">
-                      <a:solidFill>
-                        <a:schemeClr val="tx1"/>
-                      </a:solidFill>
-                      <a:prstDash val="solid"/>
-                      <a:round/>
-                      <a:headEnd type="none" w="med" len="med"/>
-                      <a:tailEnd type="none" w="med" len="med"/>
-                    </a:lnB>
-                  </a:tcPr>
-                </a:tc>
-                <a:tc>
-                  <a:txBody>
-                    <a:bodyPr/>
-                    <a:lstStyle/>
-                    <a:p>
-                      <a:endParaRPr lang="en-US" dirty="0"/>
-                    </a:p>
-                  </a:txBody>
-                  <a:tcPr>
-                    <a:lnL w="12700" cap="flat" cmpd="sng" algn="ctr">
-                      <a:solidFill>
-                        <a:schemeClr val="tx1"/>
-                      </a:solidFill>
-                      <a:prstDash val="solid"/>
-                      <a:round/>
-                      <a:headEnd type="none" w="med" len="med"/>
-                      <a:tailEnd type="none" w="med" len="med"/>
-                    </a:lnL>
-                    <a:lnR w="12700" cap="flat" cmpd="sng" algn="ctr">
-                      <a:solidFill>
-                        <a:schemeClr val="tx1"/>
-                      </a:solidFill>
-                      <a:prstDash val="solid"/>
-                      <a:round/>
-                      <a:headEnd type="none" w="med" len="med"/>
-                      <a:tailEnd type="none" w="med" len="med"/>
-                    </a:lnR>
-                    <a:lnT w="12700" cap="flat" cmpd="sng" algn="ctr">
-                      <a:solidFill>
-                        <a:schemeClr val="tx1"/>
-                      </a:solidFill>
-                      <a:prstDash val="solid"/>
-                      <a:round/>
-                      <a:headEnd type="none" w="med" len="med"/>
-                      <a:tailEnd type="none" w="med" len="med"/>
-                    </a:lnT>
-                    <a:lnB w="12700" cap="flat" cmpd="sng" algn="ctr">
-                      <a:solidFill>
-                        <a:schemeClr val="tx1"/>
-                      </a:solidFill>
-                      <a:prstDash val="solid"/>
-                      <a:round/>
-                      <a:headEnd type="none" w="med" len="med"/>
-                      <a:tailEnd type="none" w="med" len="med"/>
-                    </a:lnB>
-                  </a:tcPr>
-                </a:tc>
-                <a:tc>
-                  <a:txBody>
-                    <a:bodyPr/>
-                    <a:lstStyle/>
-                    <a:p>
-                      <a:endParaRPr lang="en-US" dirty="0"/>
-                    </a:p>
-                  </a:txBody>
-                  <a:tcPr>
-                    <a:lnL w="12700" cap="flat" cmpd="sng" algn="ctr">
-                      <a:solidFill>
-                        <a:schemeClr val="tx1"/>
-                      </a:solidFill>
-                      <a:prstDash val="solid"/>
-                      <a:round/>
-                      <a:headEnd type="none" w="med" len="med"/>
-                      <a:tailEnd type="none" w="med" len="med"/>
-                    </a:lnL>
-                    <a:lnR w="12700" cap="flat" cmpd="sng" algn="ctr">
-                      <a:solidFill>
-                        <a:schemeClr val="tx1"/>
-                      </a:solidFill>
-                      <a:prstDash val="solid"/>
-                      <a:round/>
-                      <a:headEnd type="none" w="med" len="med"/>
-                      <a:tailEnd type="none" w="med" len="med"/>
-                    </a:lnR>
-                    <a:lnT w="12700" cap="flat" cmpd="sng" algn="ctr">
-                      <a:solidFill>
-                        <a:schemeClr val="tx1"/>
-                      </a:solidFill>
-                      <a:prstDash val="solid"/>
-                      <a:round/>
-                      <a:headEnd type="none" w="med" len="med"/>
-                      <a:tailEnd type="none" w="med" len="med"/>
-                    </a:lnT>
-                    <a:lnB w="12700" cap="flat" cmpd="sng" algn="ctr">
-                      <a:solidFill>
-                        <a:schemeClr val="tx1"/>
-                      </a:solidFill>
-                      <a:prstDash val="solid"/>
-                      <a:round/>
-                      <a:headEnd type="none" w="med" len="med"/>
-                      <a:tailEnd type="none" w="med" len="med"/>
-                    </a:lnB>
-                  </a:tcPr>
-                </a:tc>
-              </a:tr>
-              <a:tr h="2970330">
-                <a:tc>
-                  <a:txBody>
-                    <a:bodyPr/>
-                    <a:lstStyle/>
-                    <a:p>
-                      <a:endParaRPr lang="en-US"/>
-                    </a:p>
-                  </a:txBody>
-                  <a:tcPr>
-                    <a:lnL w="12700" cap="flat" cmpd="sng" algn="ctr">
-                      <a:solidFill>
-                        <a:schemeClr val="tx1"/>
-                      </a:solidFill>
-                      <a:prstDash val="solid"/>
-                      <a:round/>
-                      <a:headEnd type="none" w="med" len="med"/>
-                      <a:tailEnd type="none" w="med" len="med"/>
-                    </a:lnL>
-                    <a:lnR w="12700" cap="flat" cmpd="sng" algn="ctr">
-                      <a:solidFill>
-                        <a:schemeClr val="tx1"/>
-                      </a:solidFill>
-                      <a:prstDash val="solid"/>
-                      <a:round/>
-                      <a:headEnd type="none" w="med" len="med"/>
-                      <a:tailEnd type="none" w="med" len="med"/>
-                    </a:lnR>
-                    <a:lnT w="12700" cap="flat" cmpd="sng" algn="ctr">
-                      <a:solidFill>
-                        <a:schemeClr val="tx1"/>
-                      </a:solidFill>
-                      <a:prstDash val="solid"/>
-                      <a:round/>
-                      <a:headEnd type="none" w="med" len="med"/>
-                      <a:tailEnd type="none" w="med" len="med"/>
-                    </a:lnT>
-                    <a:lnB w="12700" cap="flat" cmpd="sng" algn="ctr">
-                      <a:solidFill>
-                        <a:schemeClr val="tx1"/>
-                      </a:solidFill>
-                      <a:prstDash val="solid"/>
-                      <a:round/>
-                      <a:headEnd type="none" w="med" len="med"/>
-                      <a:tailEnd type="none" w="med" len="med"/>
-                    </a:lnB>
-                  </a:tcPr>
-                </a:tc>
-                <a:tc>
-                  <a:txBody>
-                    <a:bodyPr/>
-                    <a:lstStyle/>
-                    <a:p>
-                      <a:endParaRPr lang="en-US"/>
-                    </a:p>
-                  </a:txBody>
-                  <a:tcPr>
-                    <a:lnL w="12700" cap="flat" cmpd="sng" algn="ctr">
-                      <a:solidFill>
-                        <a:schemeClr val="tx1"/>
-                      </a:solidFill>
-                      <a:prstDash val="solid"/>
-                      <a:round/>
-                      <a:headEnd type="none" w="med" len="med"/>
-                      <a:tailEnd type="none" w="med" len="med"/>
-                    </a:lnL>
-                    <a:lnR w="12700" cap="flat" cmpd="sng" algn="ctr">
-                      <a:solidFill>
-                        <a:schemeClr val="tx1"/>
-                      </a:solidFill>
-                      <a:prstDash val="solid"/>
-                      <a:round/>
-                      <a:headEnd type="none" w="med" len="med"/>
-                      <a:tailEnd type="none" w="med" len="med"/>
-                    </a:lnR>
-                    <a:lnT w="12700" cap="flat" cmpd="sng" algn="ctr">
-                      <a:solidFill>
-                        <a:schemeClr val="tx1"/>
-                      </a:solidFill>
-                      <a:prstDash val="solid"/>
-                      <a:round/>
-                      <a:headEnd type="none" w="med" len="med"/>
-                      <a:tailEnd type="none" w="med" len="med"/>
-                    </a:lnT>
-                    <a:lnB w="12700" cap="flat" cmpd="sng" algn="ctr">
-                      <a:solidFill>
-                        <a:schemeClr val="tx1"/>
-                      </a:solidFill>
-                      <a:prstDash val="solid"/>
-                      <a:round/>
-                      <a:headEnd type="none" w="med" len="med"/>
-                      <a:tailEnd type="none" w="med" len="med"/>
-                    </a:lnB>
-                  </a:tcPr>
-                </a:tc>
-                <a:tc>
-                  <a:txBody>
-                    <a:bodyPr/>
-                    <a:lstStyle/>
-                    <a:p>
-                      <a:endParaRPr lang="en-US"/>
-                    </a:p>
-                  </a:txBody>
-                  <a:tcPr>
-                    <a:lnL w="12700" cap="flat" cmpd="sng" algn="ctr">
-                      <a:solidFill>
-                        <a:schemeClr val="tx1"/>
-                      </a:solidFill>
-                      <a:prstDash val="solid"/>
-                      <a:round/>
-                      <a:headEnd type="none" w="med" len="med"/>
-                      <a:tailEnd type="none" w="med" len="med"/>
-                    </a:lnL>
-                    <a:lnR w="12700" cap="flat" cmpd="sng" algn="ctr">
-                      <a:solidFill>
-                        <a:schemeClr val="tx1"/>
-                      </a:solidFill>
-                      <a:prstDash val="solid"/>
-                      <a:round/>
-                      <a:headEnd type="none" w="med" len="med"/>
-                      <a:tailEnd type="none" w="med" len="med"/>
-                    </a:lnR>
-                    <a:lnT w="12700" cap="flat" cmpd="sng" algn="ctr">
-                      <a:solidFill>
-                        <a:schemeClr val="tx1"/>
-                      </a:solidFill>
-                      <a:prstDash val="solid"/>
-                      <a:round/>
-                      <a:headEnd type="none" w="med" len="med"/>
-                      <a:tailEnd type="none" w="med" len="med"/>
-                    </a:lnT>
-                    <a:lnB w="12700" cap="flat" cmpd="sng" algn="ctr">
-                      <a:solidFill>
-                        <a:schemeClr val="tx1"/>
-                      </a:solidFill>
-                      <a:prstDash val="solid"/>
-                      <a:round/>
-                      <a:headEnd type="none" w="med" len="med"/>
-                      <a:tailEnd type="none" w="med" len="med"/>
-                    </a:lnB>
-                  </a:tcPr>
-                </a:tc>
-                <a:tc>
-                  <a:txBody>
-                    <a:bodyPr/>
-                    <a:lstStyle/>
-                    <a:p>
-                      <a:endParaRPr lang="en-US"/>
-                    </a:p>
-                  </a:txBody>
-                  <a:tcPr>
-                    <a:lnL w="12700" cap="flat" cmpd="sng" algn="ctr">
-                      <a:solidFill>
-                        <a:schemeClr val="tx1"/>
-                      </a:solidFill>
-                      <a:prstDash val="solid"/>
-                      <a:round/>
-                      <a:headEnd type="none" w="med" len="med"/>
-                      <a:tailEnd type="none" w="med" len="med"/>
-                    </a:lnL>
-                    <a:lnR w="12700" cap="flat" cmpd="sng" algn="ctr">
-                      <a:solidFill>
-                        <a:schemeClr val="tx1"/>
-                      </a:solidFill>
-                      <a:prstDash val="solid"/>
-                      <a:round/>
-                      <a:headEnd type="none" w="med" len="med"/>
-                      <a:tailEnd type="none" w="med" len="med"/>
-                    </a:lnR>
-                    <a:lnT w="12700" cap="flat" cmpd="sng" algn="ctr">
-                      <a:solidFill>
-                        <a:schemeClr val="tx1"/>
-                      </a:solidFill>
-                      <a:prstDash val="solid"/>
-                      <a:round/>
-                      <a:headEnd type="none" w="med" len="med"/>
-                      <a:tailEnd type="none" w="med" len="med"/>
-                    </a:lnT>
-                    <a:lnB w="12700" cap="flat" cmpd="sng" algn="ctr">
-                      <a:solidFill>
-                        <a:schemeClr val="tx1"/>
-                      </a:solidFill>
-                      <a:prstDash val="solid"/>
-                      <a:round/>
-                      <a:headEnd type="none" w="med" len="med"/>
-                      <a:tailEnd type="none" w="med" len="med"/>
-                    </a:lnB>
-                  </a:tcPr>
-                </a:tc>
-                <a:tc>
-                  <a:txBody>
-                    <a:bodyPr/>
-                    <a:lstStyle/>
-                    <a:p>
-                      <a:endParaRPr lang="en-US"/>
-                    </a:p>
-                  </a:txBody>
-                  <a:tcPr>
-                    <a:lnL w="12700" cap="flat" cmpd="sng" algn="ctr">
-                      <a:solidFill>
-                        <a:schemeClr val="tx1"/>
-                      </a:solidFill>
-                      <a:prstDash val="solid"/>
-                      <a:round/>
-                      <a:headEnd type="none" w="med" len="med"/>
-                      <a:tailEnd type="none" w="med" len="med"/>
-                    </a:lnL>
-                    <a:lnR w="12700" cap="flat" cmpd="sng" algn="ctr">
-                      <a:solidFill>
-                        <a:schemeClr val="tx1"/>
-                      </a:solidFill>
-                      <a:prstDash val="solid"/>
-                      <a:round/>
-                      <a:headEnd type="none" w="med" len="med"/>
-                      <a:tailEnd type="none" w="med" len="med"/>
-                    </a:lnR>
-                    <a:lnT w="12700" cap="flat" cmpd="sng" algn="ctr">
-                      <a:solidFill>
-                        <a:schemeClr val="tx1"/>
-                      </a:solidFill>
-                      <a:prstDash val="solid"/>
-                      <a:round/>
-                      <a:headEnd type="none" w="med" len="med"/>
-                      <a:tailEnd type="none" w="med" len="med"/>
-                    </a:lnT>
-                    <a:lnB w="12700" cap="flat" cmpd="sng" algn="ctr">
-                      <a:solidFill>
-                        <a:schemeClr val="tx1"/>
-                      </a:solidFill>
-                      <a:prstDash val="solid"/>
-                      <a:round/>
-                      <a:headEnd type="none" w="med" len="med"/>
-                      <a:tailEnd type="none" w="med" len="med"/>
-                    </a:lnB>
-                  </a:tcPr>
-                </a:tc>
-                <a:tc>
-                  <a:txBody>
-                    <a:bodyPr/>
-                    <a:lstStyle/>
-                    <a:p>
-                      <a:endParaRPr lang="en-US"/>
-                    </a:p>
-                  </a:txBody>
-                  <a:tcPr>
-                    <a:lnL w="12700" cap="flat" cmpd="sng" algn="ctr">
-                      <a:solidFill>
-                        <a:schemeClr val="tx1"/>
-                      </a:solidFill>
-                      <a:prstDash val="solid"/>
-                      <a:round/>
-                      <a:headEnd type="none" w="med" len="med"/>
-                      <a:tailEnd type="none" w="med" len="med"/>
-                    </a:lnL>
-                    <a:lnR w="12700" cap="flat" cmpd="sng" algn="ctr">
-                      <a:solidFill>
-                        <a:schemeClr val="tx1"/>
-                      </a:solidFill>
-                      <a:prstDash val="solid"/>
-                      <a:round/>
-                      <a:headEnd type="none" w="med" len="med"/>
-                      <a:tailEnd type="none" w="med" len="med"/>
-                    </a:lnR>
-                    <a:lnT w="12700" cap="flat" cmpd="sng" algn="ctr">
-                      <a:solidFill>
-                        <a:schemeClr val="tx1"/>
-                      </a:solidFill>
-                      <a:prstDash val="solid"/>
-                      <a:round/>
-                      <a:headEnd type="none" w="med" len="med"/>
-                      <a:tailEnd type="none" w="med" len="med"/>
-                    </a:lnT>
-                    <a:lnB w="12700" cap="flat" cmpd="sng" algn="ctr">
-                      <a:solidFill>
-                        <a:schemeClr val="tx1"/>
-                      </a:solidFill>
-                      <a:prstDash val="solid"/>
-                      <a:round/>
-                      <a:headEnd type="none" w="med" len="med"/>
-                      <a:tailEnd type="none" w="med" len="med"/>
-                    </a:lnB>
-                  </a:tcPr>
-                </a:tc>
-                <a:tc>
-                  <a:txBody>
-                    <a:bodyPr/>
-                    <a:lstStyle/>
-                    <a:p>
-                      <a:endParaRPr lang="en-US" dirty="0"/>
-                    </a:p>
-                  </a:txBody>
-                  <a:tcPr>
-                    <a:lnL w="12700" cap="flat" cmpd="sng" algn="ctr">
-                      <a:solidFill>
-                        <a:schemeClr val="tx1"/>
-                      </a:solidFill>
-                      <a:prstDash val="solid"/>
-                      <a:round/>
-                      <a:headEnd type="none" w="med" len="med"/>
-                      <a:tailEnd type="none" w="med" len="med"/>
-                    </a:lnL>
-                    <a:lnR w="12700" cap="flat" cmpd="sng" algn="ctr">
-                      <a:solidFill>
-                        <a:schemeClr val="tx1"/>
-                      </a:solidFill>
-                      <a:prstDash val="solid"/>
-                      <a:round/>
-                      <a:headEnd type="none" w="med" len="med"/>
-                      <a:tailEnd type="none" w="med" len="med"/>
-                    </a:lnR>
-                    <a:lnT w="12700" cap="flat" cmpd="sng" algn="ctr">
-                      <a:solidFill>
-                        <a:schemeClr val="tx1"/>
-                      </a:solidFill>
-                      <a:prstDash val="solid"/>
-                      <a:round/>
-                      <a:headEnd type="none" w="med" len="med"/>
-                      <a:tailEnd type="none" w="med" len="med"/>
-                    </a:lnT>
-                    <a:lnB w="12700" cap="flat" cmpd="sng" algn="ctr">
-                      <a:solidFill>
-                        <a:schemeClr val="tx1"/>
-                      </a:solidFill>
-                      <a:prstDash val="solid"/>
-                      <a:round/>
-                      <a:headEnd type="none" w="med" len="med"/>
-                      <a:tailEnd type="none" w="med" len="med"/>
-                    </a:lnB>
-                  </a:tcPr>
-                </a:tc>
-                <a:tc>
-                  <a:txBody>
-                    <a:bodyPr/>
-                    <a:lstStyle/>
-                    <a:p>
-                      <a:endParaRPr lang="en-US" dirty="0"/>
-                    </a:p>
-                  </a:txBody>
-                  <a:tcPr>
-                    <a:lnL w="12700" cap="flat" cmpd="sng" algn="ctr">
-                      <a:solidFill>
-                        <a:schemeClr val="tx1"/>
-                      </a:solidFill>
-                      <a:prstDash val="solid"/>
-                      <a:round/>
-                      <a:headEnd type="none" w="med" len="med"/>
-                      <a:tailEnd type="none" w="med" len="med"/>
-                    </a:lnL>
-                    <a:lnR w="12700" cap="flat" cmpd="sng" algn="ctr">
-                      <a:solidFill>
-                        <a:schemeClr val="tx1"/>
-                      </a:solidFill>
-                      <a:prstDash val="solid"/>
-                      <a:round/>
-                      <a:headEnd type="none" w="med" len="med"/>
-                      <a:tailEnd type="none" w="med" len="med"/>
-                    </a:lnR>
-                    <a:lnT w="12700" cap="flat" cmpd="sng" algn="ctr">
-                      <a:solidFill>
-                        <a:schemeClr val="tx1"/>
-                      </a:solidFill>
-                      <a:prstDash val="solid"/>
-                      <a:round/>
-                      <a:headEnd type="none" w="med" len="med"/>
-                      <a:tailEnd type="none" w="med" len="med"/>
-                    </a:lnT>
-                    <a:lnB w="12700" cap="flat" cmpd="sng" algn="ctr">
-                      <a:solidFill>
-                        <a:schemeClr val="tx1"/>
-                      </a:solidFill>
-                      <a:prstDash val="solid"/>
-                      <a:round/>
-                      <a:headEnd type="none" w="med" len="med"/>
-                      <a:tailEnd type="none" w="med" len="med"/>
-                    </a:lnB>
-                  </a:tcPr>
-                </a:tc>
-                <a:tc>
-                  <a:txBody>
-                    <a:bodyPr/>
-                    <a:lstStyle/>
-                    <a:p>
-                      <a:endParaRPr lang="en-US" dirty="0"/>
-                    </a:p>
-                  </a:txBody>
-                  <a:tcPr>
-                    <a:lnL w="12700" cap="flat" cmpd="sng" algn="ctr">
-                      <a:solidFill>
-                        <a:schemeClr val="tx1"/>
-                      </a:solidFill>
-                      <a:prstDash val="solid"/>
-                      <a:round/>
-                      <a:headEnd type="none" w="med" len="med"/>
-                      <a:tailEnd type="none" w="med" len="med"/>
-                    </a:lnL>
-                    <a:lnR w="12700" cap="flat" cmpd="sng" algn="ctr">
-                      <a:solidFill>
-                        <a:schemeClr val="tx1"/>
-                      </a:solidFill>
-                      <a:prstDash val="solid"/>
-                      <a:round/>
-                      <a:headEnd type="none" w="med" len="med"/>
-                      <a:tailEnd type="none" w="med" len="med"/>
-                    </a:lnR>
-                    <a:lnT w="12700" cap="flat" cmpd="sng" algn="ctr">
-                      <a:solidFill>
-                        <a:schemeClr val="tx1"/>
-                      </a:solidFill>
-                      <a:prstDash val="solid"/>
-                      <a:round/>
-                      <a:headEnd type="none" w="med" len="med"/>
-                      <a:tailEnd type="none" w="med" len="med"/>
-                    </a:lnT>
-                    <a:lnB w="12700" cap="flat" cmpd="sng" algn="ctr">
-                      <a:solidFill>
-                        <a:schemeClr val="tx1"/>
-                      </a:solidFill>
-                      <a:prstDash val="solid"/>
-                      <a:round/>
-                      <a:headEnd type="none" w="med" len="med"/>
-                      <a:tailEnd type="none" w="med" len="med"/>
-                    </a:lnB>
-                  </a:tcPr>
-                </a:tc>
-                <a:tc>
-                  <a:txBody>
-                    <a:bodyPr/>
-                    <a:lstStyle/>
-                    <a:p>
-                      <a:endParaRPr lang="en-US" dirty="0"/>
-                    </a:p>
-                  </a:txBody>
-                  <a:tcPr>
-                    <a:lnL w="12700" cap="flat" cmpd="sng" algn="ctr">
-                      <a:solidFill>
-                        <a:schemeClr val="tx1"/>
-                      </a:solidFill>
-                      <a:prstDash val="solid"/>
-                      <a:round/>
-                      <a:headEnd type="none" w="med" len="med"/>
-                      <a:tailEnd type="none" w="med" len="med"/>
-                    </a:lnL>
-                    <a:lnR w="12700" cap="flat" cmpd="sng" algn="ctr">
-                      <a:solidFill>
-                        <a:schemeClr val="tx1"/>
-                      </a:solidFill>
-                      <a:prstDash val="solid"/>
-                      <a:round/>
-                      <a:headEnd type="none" w="med" len="med"/>
-                      <a:tailEnd type="none" w="med" len="med"/>
-                    </a:lnR>
-                    <a:lnT w="12700" cap="flat" cmpd="sng" algn="ctr">
-                      <a:solidFill>
-                        <a:schemeClr val="tx1"/>
-                      </a:solidFill>
-                      <a:prstDash val="solid"/>
-                      <a:round/>
-                      <a:headEnd type="none" w="med" len="med"/>
-                      <a:tailEnd type="none" w="med" len="med"/>
-                    </a:lnT>
-                    <a:lnB w="12700" cap="flat" cmpd="sng" algn="ctr">
-                      <a:solidFill>
-                        <a:schemeClr val="tx1"/>
-                      </a:solidFill>
-                      <a:prstDash val="solid"/>
-                      <a:round/>
-                      <a:headEnd type="none" w="med" len="med"/>
-                      <a:tailEnd type="none" w="med" len="med"/>
-                    </a:lnB>
-                  </a:tcPr>
-                </a:tc>
-                <a:tc>
-                  <a:txBody>
-                    <a:bodyPr/>
-                    <a:lstStyle/>
-                    <a:p>
-                      <a:endParaRPr lang="en-US" dirty="0"/>
-                    </a:p>
-                  </a:txBody>
-                  <a:tcPr>
-                    <a:lnL w="12700" cap="flat" cmpd="sng" algn="ctr">
-                      <a:solidFill>
-                        <a:schemeClr val="tx1"/>
-                      </a:solidFill>
-                      <a:prstDash val="solid"/>
-                      <a:round/>
-                      <a:headEnd type="none" w="med" len="med"/>
-                      <a:tailEnd type="none" w="med" len="med"/>
-                    </a:lnL>
-                    <a:lnR w="12700" cap="flat" cmpd="sng" algn="ctr">
-                      <a:solidFill>
-                        <a:schemeClr val="tx1"/>
-                      </a:solidFill>
-                      <a:prstDash val="solid"/>
-                      <a:round/>
-                      <a:headEnd type="none" w="med" len="med"/>
-                      <a:tailEnd type="none" w="med" len="med"/>
-                    </a:lnR>
-                    <a:lnT w="12700" cap="flat" cmpd="sng" algn="ctr">
-                      <a:solidFill>
-                        <a:schemeClr val="tx1"/>
-                      </a:solidFill>
-                      <a:prstDash val="solid"/>
-                      <a:round/>
-                      <a:headEnd type="none" w="med" len="med"/>
-                      <a:tailEnd type="none" w="med" len="med"/>
-                    </a:lnT>
-                    <a:lnB w="12700" cap="flat" cmpd="sng" algn="ctr">
-                      <a:solidFill>
-                        <a:schemeClr val="tx1"/>
-                      </a:solidFill>
-                      <a:prstDash val="solid"/>
-                      <a:round/>
-                      <a:headEnd type="none" w="med" len="med"/>
-                      <a:tailEnd type="none" w="med" len="med"/>
-                    </a:lnB>
-                  </a:tcPr>
-                </a:tc>
-                <a:tc>
-                  <a:txBody>
-                    <a:bodyPr/>
-                    <a:lstStyle/>
-                    <a:p>
-                      <a:endParaRPr lang="en-US" dirty="0"/>
-                    </a:p>
-                  </a:txBody>
-                  <a:tcPr>
-                    <a:lnL w="12700" cap="flat" cmpd="sng" algn="ctr">
-                      <a:solidFill>
-                        <a:schemeClr val="tx1"/>
-                      </a:solidFill>
-                      <a:prstDash val="solid"/>
-                      <a:round/>
-                      <a:headEnd type="none" w="med" len="med"/>
-                      <a:tailEnd type="none" w="med" len="med"/>
-                    </a:lnL>
-                    <a:lnR w="12700" cap="flat" cmpd="sng" algn="ctr">
-                      <a:solidFill>
-                        <a:schemeClr val="tx1"/>
-                      </a:solidFill>
-                      <a:prstDash val="solid"/>
-                      <a:round/>
-                      <a:headEnd type="none" w="med" len="med"/>
-                      <a:tailEnd type="none" w="med" len="med"/>
-                    </a:lnR>
-                    <a:lnT w="12700" cap="flat" cmpd="sng" algn="ctr">
-                      <a:solidFill>
-                        <a:schemeClr val="tx1"/>
-                      </a:solidFill>
-                      <a:prstDash val="solid"/>
-                      <a:round/>
-                      <a:headEnd type="none" w="med" len="med"/>
-                      <a:tailEnd type="none" w="med" len="med"/>
-                    </a:lnT>
-                    <a:lnB w="12700" cap="flat" cmpd="sng" algn="ctr">
-                      <a:solidFill>
-                        <a:schemeClr val="tx1"/>
-                      </a:solidFill>
-                      <a:prstDash val="solid"/>
-                      <a:round/>
-                      <a:headEnd type="none" w="med" len="med"/>
-                      <a:tailEnd type="none" w="med" len="med"/>
-                    </a:lnB>
-                  </a:tcPr>
-                </a:tc>
-                <a:tc>
-                  <a:txBody>
-                    <a:bodyPr/>
-                    <a:lstStyle/>
-                    <a:p>
-                      <a:endParaRPr lang="en-US" dirty="0"/>
-                    </a:p>
-                  </a:txBody>
-                  <a:tcPr>
-                    <a:lnL w="12700" cap="flat" cmpd="sng" algn="ctr">
-                      <a:solidFill>
-                        <a:schemeClr val="tx1"/>
-                      </a:solidFill>
-                      <a:prstDash val="solid"/>
-                      <a:round/>
-                      <a:headEnd type="none" w="med" len="med"/>
-                      <a:tailEnd type="none" w="med" len="med"/>
-                    </a:lnL>
-                    <a:lnR w="12700" cap="flat" cmpd="sng" algn="ctr">
-                      <a:solidFill>
-                        <a:schemeClr val="tx1"/>
-                      </a:solidFill>
-                      <a:prstDash val="solid"/>
-                      <a:round/>
-                      <a:headEnd type="none" w="med" len="med"/>
-                      <a:tailEnd type="none" w="med" len="med"/>
-                    </a:lnR>
-                    <a:lnT w="12700" cap="flat" cmpd="sng" algn="ctr">
-                      <a:solidFill>
-                        <a:schemeClr val="tx1"/>
-                      </a:solidFill>
-                      <a:prstDash val="solid"/>
-                      <a:round/>
-                      <a:headEnd type="none" w="med" len="med"/>
-                      <a:tailEnd type="none" w="med" len="med"/>
-                    </a:lnT>
-                    <a:lnB w="12700" cap="flat" cmpd="sng" algn="ctr">
-                      <a:solidFill>
-                        <a:schemeClr val="tx1"/>
-                      </a:solidFill>
-                      <a:prstDash val="solid"/>
-                      <a:round/>
-                      <a:headEnd type="none" w="med" len="med"/>
-                      <a:tailEnd type="none" w="med" len="med"/>
-                    </a:lnB>
-                  </a:tcPr>
-                </a:tc>
-              </a:tr>
-              <a:tr h="2970330">
-                <a:tc>
-                  <a:txBody>
-                    <a:bodyPr/>
-                    <a:lstStyle/>
-                    <a:p>
-                      <a:endParaRPr lang="en-US"/>
-                    </a:p>
-                  </a:txBody>
-                  <a:tcPr>
-                    <a:lnL w="12700" cap="flat" cmpd="sng" algn="ctr">
-                      <a:solidFill>
-                        <a:schemeClr val="tx1"/>
-                      </a:solidFill>
-                      <a:prstDash val="solid"/>
-                      <a:round/>
-                      <a:headEnd type="none" w="med" len="med"/>
-                      <a:tailEnd type="none" w="med" len="med"/>
-                    </a:lnL>
-                    <a:lnR w="12700" cap="flat" cmpd="sng" algn="ctr">
-                      <a:solidFill>
-                        <a:schemeClr val="tx1"/>
-                      </a:solidFill>
-                      <a:prstDash val="solid"/>
-                      <a:round/>
-                      <a:headEnd type="none" w="med" len="med"/>
-                      <a:tailEnd type="none" w="med" len="med"/>
-                    </a:lnR>
-                    <a:lnT w="12700" cap="flat" cmpd="sng" algn="ctr">
-                      <a:solidFill>
-                        <a:schemeClr val="tx1"/>
-                      </a:solidFill>
-                      <a:prstDash val="solid"/>
-                      <a:round/>
-                      <a:headEnd type="none" w="med" len="med"/>
-                      <a:tailEnd type="none" w="med" len="med"/>
-                    </a:lnT>
-                    <a:lnB w="12700" cap="flat" cmpd="sng" algn="ctr">
-                      <a:solidFill>
-                        <a:schemeClr val="tx1"/>
-                      </a:solidFill>
-                      <a:prstDash val="solid"/>
-                      <a:round/>
-                      <a:headEnd type="none" w="med" len="med"/>
-                      <a:tailEnd type="none" w="med" len="med"/>
-                    </a:lnB>
-                  </a:tcPr>
-                </a:tc>
-                <a:tc>
-                  <a:txBody>
-                    <a:bodyPr/>
-                    <a:lstStyle/>
-                    <a:p>
-                      <a:endParaRPr lang="en-US"/>
-                    </a:p>
-                  </a:txBody>
-                  <a:tcPr>
-                    <a:lnL w="12700" cap="flat" cmpd="sng" algn="ctr">
-                      <a:solidFill>
-                        <a:schemeClr val="tx1"/>
-                      </a:solidFill>
-                      <a:prstDash val="solid"/>
-                      <a:round/>
-                      <a:headEnd type="none" w="med" len="med"/>
-                      <a:tailEnd type="none" w="med" len="med"/>
-                    </a:lnL>
-                    <a:lnR w="12700" cap="flat" cmpd="sng" algn="ctr">
-                      <a:solidFill>
-                        <a:schemeClr val="tx1"/>
-                      </a:solidFill>
-                      <a:prstDash val="solid"/>
-                      <a:round/>
-                      <a:headEnd type="none" w="med" len="med"/>
-                      <a:tailEnd type="none" w="med" len="med"/>
-                    </a:lnR>
-                    <a:lnT w="12700" cap="flat" cmpd="sng" algn="ctr">
-                      <a:solidFill>
-                        <a:schemeClr val="tx1"/>
-                      </a:solidFill>
-                      <a:prstDash val="solid"/>
-                      <a:round/>
-                      <a:headEnd type="none" w="med" len="med"/>
-                      <a:tailEnd type="none" w="med" len="med"/>
-                    </a:lnT>
-                    <a:lnB w="12700" cap="flat" cmpd="sng" algn="ctr">
-                      <a:solidFill>
-                        <a:schemeClr val="tx1"/>
-                      </a:solidFill>
-                      <a:prstDash val="solid"/>
-                      <a:round/>
-                      <a:headEnd type="none" w="med" len="med"/>
-                      <a:tailEnd type="none" w="med" len="med"/>
-                    </a:lnB>
-                  </a:tcPr>
-                </a:tc>
-                <a:tc>
-                  <a:txBody>
-                    <a:bodyPr/>
-                    <a:lstStyle/>
-                    <a:p>
-                      <a:endParaRPr lang="en-US"/>
-                    </a:p>
-                  </a:txBody>
-                  <a:tcPr>
-                    <a:lnL w="12700" cap="flat" cmpd="sng" algn="ctr">
-                      <a:solidFill>
-                        <a:schemeClr val="tx1"/>
-                      </a:solidFill>
-                      <a:prstDash val="solid"/>
-                      <a:round/>
-                      <a:headEnd type="none" w="med" len="med"/>
-                      <a:tailEnd type="none" w="med" len="med"/>
-                    </a:lnL>
-                    <a:lnR w="12700" cap="flat" cmpd="sng" algn="ctr">
-                      <a:solidFill>
-                        <a:schemeClr val="tx1"/>
-                      </a:solidFill>
-                      <a:prstDash val="solid"/>
-                      <a:round/>
-                      <a:headEnd type="none" w="med" len="med"/>
-                      <a:tailEnd type="none" w="med" len="med"/>
-                    </a:lnR>
-                    <a:lnT w="12700" cap="flat" cmpd="sng" algn="ctr">
-                      <a:solidFill>
-                        <a:schemeClr val="tx1"/>
-                      </a:solidFill>
-                      <a:prstDash val="solid"/>
-                      <a:round/>
-                      <a:headEnd type="none" w="med" len="med"/>
-                      <a:tailEnd type="none" w="med" len="med"/>
-                    </a:lnT>
-                    <a:lnB w="12700" cap="flat" cmpd="sng" algn="ctr">
-                      <a:solidFill>
-                        <a:schemeClr val="tx1"/>
-                      </a:solidFill>
-                      <a:prstDash val="solid"/>
-                      <a:round/>
-                      <a:headEnd type="none" w="med" len="med"/>
-                      <a:tailEnd type="none" w="med" len="med"/>
-                    </a:lnB>
-                  </a:tcPr>
-                </a:tc>
-                <a:tc>
-                  <a:txBody>
-                    <a:bodyPr/>
-                    <a:lstStyle/>
-                    <a:p>
-                      <a:endParaRPr lang="en-US"/>
-                    </a:p>
-                  </a:txBody>
-                  <a:tcPr>
-                    <a:lnL w="12700" cap="flat" cmpd="sng" algn="ctr">
-                      <a:solidFill>
-                        <a:schemeClr val="tx1"/>
-                      </a:solidFill>
-                      <a:prstDash val="solid"/>
-                      <a:round/>
-                      <a:headEnd type="none" w="med" len="med"/>
-                      <a:tailEnd type="none" w="med" len="med"/>
-                    </a:lnL>
-                    <a:lnR w="12700" cap="flat" cmpd="sng" algn="ctr">
-                      <a:solidFill>
-                        <a:schemeClr val="tx1"/>
-                      </a:solidFill>
-                      <a:prstDash val="solid"/>
-                      <a:round/>
-                      <a:headEnd type="none" w="med" len="med"/>
-                      <a:tailEnd type="none" w="med" len="med"/>
-                    </a:lnR>
-                    <a:lnT w="12700" cap="flat" cmpd="sng" algn="ctr">
-                      <a:solidFill>
-                        <a:schemeClr val="tx1"/>
-                      </a:solidFill>
-                      <a:prstDash val="solid"/>
-                      <a:round/>
-                      <a:headEnd type="none" w="med" len="med"/>
-                      <a:tailEnd type="none" w="med" len="med"/>
-                    </a:lnT>
-                    <a:lnB w="12700" cap="flat" cmpd="sng" algn="ctr">
-                      <a:solidFill>
-                        <a:schemeClr val="tx1"/>
-                      </a:solidFill>
-                      <a:prstDash val="solid"/>
-                      <a:round/>
-                      <a:headEnd type="none" w="med" len="med"/>
-                      <a:tailEnd type="none" w="med" len="med"/>
-                    </a:lnB>
-                  </a:tcPr>
-                </a:tc>
-                <a:tc>
-                  <a:txBody>
-                    <a:bodyPr/>
-                    <a:lstStyle/>
-                    <a:p>
-                      <a:endParaRPr lang="en-US"/>
-                    </a:p>
-                  </a:txBody>
-                  <a:tcPr>
-                    <a:lnL w="12700" cap="flat" cmpd="sng" algn="ctr">
-                      <a:solidFill>
-                        <a:schemeClr val="tx1"/>
-                      </a:solidFill>
-                      <a:prstDash val="solid"/>
-                      <a:round/>
-                      <a:headEnd type="none" w="med" len="med"/>
-                      <a:tailEnd type="none" w="med" len="med"/>
-                    </a:lnL>
-                    <a:lnR w="12700" cap="flat" cmpd="sng" algn="ctr">
-                      <a:solidFill>
-                        <a:schemeClr val="tx1"/>
-                      </a:solidFill>
-                      <a:prstDash val="solid"/>
-                      <a:round/>
-                      <a:headEnd type="none" w="med" len="med"/>
-                      <a:tailEnd type="none" w="med" len="med"/>
-                    </a:lnR>
-                    <a:lnT w="12700" cap="flat" cmpd="sng" algn="ctr">
-                      <a:solidFill>
-                        <a:schemeClr val="tx1"/>
-                      </a:solidFill>
-                      <a:prstDash val="solid"/>
-                      <a:round/>
-                      <a:headEnd type="none" w="med" len="med"/>
-                      <a:tailEnd type="none" w="med" len="med"/>
-                    </a:lnT>
-                    <a:lnB w="12700" cap="flat" cmpd="sng" algn="ctr">
-                      <a:solidFill>
-                        <a:schemeClr val="tx1"/>
-                      </a:solidFill>
-                      <a:prstDash val="solid"/>
-                      <a:round/>
-                      <a:headEnd type="none" w="med" len="med"/>
-                      <a:tailEnd type="none" w="med" len="med"/>
-                    </a:lnB>
-                  </a:tcPr>
-                </a:tc>
-                <a:tc>
-                  <a:txBody>
-                    <a:bodyPr/>
-                    <a:lstStyle/>
-                    <a:p>
-                      <a:endParaRPr lang="en-US"/>
-                    </a:p>
-                  </a:txBody>
-                  <a:tcPr>
-                    <a:lnL w="12700" cap="flat" cmpd="sng" algn="ctr">
-                      <a:solidFill>
-                        <a:schemeClr val="tx1"/>
-                      </a:solidFill>
-                      <a:prstDash val="solid"/>
-                      <a:round/>
-                      <a:headEnd type="none" w="med" len="med"/>
-                      <a:tailEnd type="none" w="med" len="med"/>
-                    </a:lnL>
-                    <a:lnR w="12700" cap="flat" cmpd="sng" algn="ctr">
-                      <a:solidFill>
-                        <a:schemeClr val="tx1"/>
-                      </a:solidFill>
-                      <a:prstDash val="solid"/>
-                      <a:round/>
-                      <a:headEnd type="none" w="med" len="med"/>
-                      <a:tailEnd type="none" w="med" len="med"/>
-                    </a:lnR>
-                    <a:lnT w="12700" cap="flat" cmpd="sng" algn="ctr">
-                      <a:solidFill>
-                        <a:schemeClr val="tx1"/>
-                      </a:solidFill>
-                      <a:prstDash val="solid"/>
-                      <a:round/>
-                      <a:headEnd type="none" w="med" len="med"/>
-                      <a:tailEnd type="none" w="med" len="med"/>
-                    </a:lnT>
-                    <a:lnB w="12700" cap="flat" cmpd="sng" algn="ctr">
-                      <a:solidFill>
-                        <a:schemeClr val="tx1"/>
-                      </a:solidFill>
-                      <a:prstDash val="solid"/>
-                      <a:round/>
-                      <a:headEnd type="none" w="med" len="med"/>
-                      <a:tailEnd type="none" w="med" len="med"/>
-                    </a:lnB>
-                  </a:tcPr>
-                </a:tc>
-                <a:tc>
-                  <a:txBody>
-                    <a:bodyPr/>
-                    <a:lstStyle/>
-                    <a:p>
-                      <a:endParaRPr lang="en-US" dirty="0"/>
-                    </a:p>
-                  </a:txBody>
-                  <a:tcPr>
-                    <a:lnL w="12700" cap="flat" cmpd="sng" algn="ctr">
-                      <a:solidFill>
-                        <a:schemeClr val="tx1"/>
-                      </a:solidFill>
-                      <a:prstDash val="solid"/>
-                      <a:round/>
-                      <a:headEnd type="none" w="med" len="med"/>
-                      <a:tailEnd type="none" w="med" len="med"/>
-                    </a:lnL>
-                    <a:lnR w="12700" cap="flat" cmpd="sng" algn="ctr">
-                      <a:solidFill>
-                        <a:schemeClr val="tx1"/>
-                      </a:solidFill>
-                      <a:prstDash val="solid"/>
-                      <a:round/>
-                      <a:headEnd type="none" w="med" len="med"/>
-                      <a:tailEnd type="none" w="med" len="med"/>
-                    </a:lnR>
-                    <a:lnT w="12700" cap="flat" cmpd="sng" algn="ctr">
-                      <a:solidFill>
-                        <a:schemeClr val="tx1"/>
-                      </a:solidFill>
-                      <a:prstDash val="solid"/>
-                      <a:round/>
-                      <a:headEnd type="none" w="med" len="med"/>
-                      <a:tailEnd type="none" w="med" len="med"/>
-                    </a:lnT>
-                    <a:lnB w="12700" cap="flat" cmpd="sng" algn="ctr">
-                      <a:solidFill>
-                        <a:schemeClr val="tx1"/>
-                      </a:solidFill>
-                      <a:prstDash val="solid"/>
-                      <a:round/>
-                      <a:headEnd type="none" w="med" len="med"/>
-                      <a:tailEnd type="none" w="med" len="med"/>
-                    </a:lnB>
-                  </a:tcPr>
-                </a:tc>
-                <a:tc>
-                  <a:txBody>
-                    <a:bodyPr/>
-                    <a:lstStyle/>
-                    <a:p>
-                      <a:endParaRPr lang="en-US" dirty="0"/>
-                    </a:p>
-                  </a:txBody>
-                  <a:tcPr>
-                    <a:lnL w="12700" cap="flat" cmpd="sng" algn="ctr">
-                      <a:solidFill>
-                        <a:schemeClr val="tx1"/>
-                      </a:solidFill>
-                      <a:prstDash val="solid"/>
-                      <a:round/>
-                      <a:headEnd type="none" w="med" len="med"/>
-                      <a:tailEnd type="none" w="med" len="med"/>
-                    </a:lnL>
-                    <a:lnR w="12700" cap="flat" cmpd="sng" algn="ctr">
-                      <a:solidFill>
-                        <a:schemeClr val="tx1"/>
-                      </a:solidFill>
-                      <a:prstDash val="solid"/>
-                      <a:round/>
-                      <a:headEnd type="none" w="med" len="med"/>
-                      <a:tailEnd type="none" w="med" len="med"/>
-                    </a:lnR>
-                    <a:lnT w="12700" cap="flat" cmpd="sng" algn="ctr">
-                      <a:solidFill>
-                        <a:schemeClr val="tx1"/>
-                      </a:solidFill>
-                      <a:prstDash val="solid"/>
-                      <a:round/>
-                      <a:headEnd type="none" w="med" len="med"/>
-                      <a:tailEnd type="none" w="med" len="med"/>
-                    </a:lnT>
-                    <a:lnB w="12700" cap="flat" cmpd="sng" algn="ctr">
-                      <a:solidFill>
-                        <a:schemeClr val="tx1"/>
-                      </a:solidFill>
-                      <a:prstDash val="solid"/>
-                      <a:round/>
-                      <a:headEnd type="none" w="med" len="med"/>
-                      <a:tailEnd type="none" w="med" len="med"/>
-                    </a:lnB>
-                  </a:tcPr>
-                </a:tc>
-                <a:tc>
-                  <a:txBody>
-                    <a:bodyPr/>
-                    <a:lstStyle/>
-                    <a:p>
-                      <a:endParaRPr lang="en-US" dirty="0"/>
-                    </a:p>
-                  </a:txBody>
-                  <a:tcPr>
-                    <a:lnL w="12700" cap="flat" cmpd="sng" algn="ctr">
-                      <a:solidFill>
-                        <a:schemeClr val="tx1"/>
-                      </a:solidFill>
-                      <a:prstDash val="solid"/>
-                      <a:round/>
-                      <a:headEnd type="none" w="med" len="med"/>
-                      <a:tailEnd type="none" w="med" len="med"/>
-                    </a:lnL>
-                    <a:lnR w="12700" cap="flat" cmpd="sng" algn="ctr">
-                      <a:solidFill>
-                        <a:schemeClr val="tx1"/>
-                      </a:solidFill>
-                      <a:prstDash val="solid"/>
-                      <a:round/>
-                      <a:headEnd type="none" w="med" len="med"/>
-                      <a:tailEnd type="none" w="med" len="med"/>
-                    </a:lnR>
-                    <a:lnT w="12700" cap="flat" cmpd="sng" algn="ctr">
-                      <a:solidFill>
-                        <a:schemeClr val="tx1"/>
-                      </a:solidFill>
-                      <a:prstDash val="solid"/>
-                      <a:round/>
-                      <a:headEnd type="none" w="med" len="med"/>
-                      <a:tailEnd type="none" w="med" len="med"/>
-                    </a:lnT>
-                    <a:lnB w="12700" cap="flat" cmpd="sng" algn="ctr">
-                      <a:solidFill>
-                        <a:schemeClr val="tx1"/>
-                      </a:solidFill>
-                      <a:prstDash val="solid"/>
-                      <a:round/>
-                      <a:headEnd type="none" w="med" len="med"/>
-                      <a:tailEnd type="none" w="med" len="med"/>
-                    </a:lnB>
-                  </a:tcPr>
-                </a:tc>
-                <a:tc>
-                  <a:txBody>
-                    <a:bodyPr/>
-                    <a:lstStyle/>
-                    <a:p>
-                      <a:endParaRPr lang="en-US" dirty="0"/>
-                    </a:p>
-                  </a:txBody>
-                  <a:tcPr>
-                    <a:lnL w="12700" cap="flat" cmpd="sng" algn="ctr">
-                      <a:solidFill>
-                        <a:schemeClr val="tx1"/>
-                      </a:solidFill>
-                      <a:prstDash val="solid"/>
-                      <a:round/>
-                      <a:headEnd type="none" w="med" len="med"/>
-                      <a:tailEnd type="none" w="med" len="med"/>
-                    </a:lnL>
-                    <a:lnR w="12700" cap="flat" cmpd="sng" algn="ctr">
-                      <a:solidFill>
-                        <a:schemeClr val="tx1"/>
-                      </a:solidFill>
-                      <a:prstDash val="solid"/>
-                      <a:round/>
-                      <a:headEnd type="none" w="med" len="med"/>
-                      <a:tailEnd type="none" w="med" len="med"/>
-                    </a:lnR>
-                    <a:lnT w="12700" cap="flat" cmpd="sng" algn="ctr">
-                      <a:solidFill>
-                        <a:schemeClr val="tx1"/>
-                      </a:solidFill>
-                      <a:prstDash val="solid"/>
-                      <a:round/>
-                      <a:headEnd type="none" w="med" len="med"/>
-                      <a:tailEnd type="none" w="med" len="med"/>
-                    </a:lnT>
-                    <a:lnB w="12700" cap="flat" cmpd="sng" algn="ctr">
-                      <a:solidFill>
-                        <a:schemeClr val="tx1"/>
-                      </a:solidFill>
-                      <a:prstDash val="solid"/>
-                      <a:round/>
-                      <a:headEnd type="none" w="med" len="med"/>
-                      <a:tailEnd type="none" w="med" len="med"/>
-                    </a:lnB>
-                  </a:tcPr>
-                </a:tc>
-                <a:tc>
-                  <a:txBody>
-                    <a:bodyPr/>
-                    <a:lstStyle/>
-                    <a:p>
-                      <a:endParaRPr lang="en-US" dirty="0"/>
-                    </a:p>
-                  </a:txBody>
-                  <a:tcPr>
-                    <a:lnL w="12700" cap="flat" cmpd="sng" algn="ctr">
-                      <a:solidFill>
-                        <a:schemeClr val="tx1"/>
-                      </a:solidFill>
-                      <a:prstDash val="solid"/>
-                      <a:round/>
-                      <a:headEnd type="none" w="med" len="med"/>
-                      <a:tailEnd type="none" w="med" len="med"/>
-                    </a:lnL>
-                    <a:lnR w="12700" cap="flat" cmpd="sng" algn="ctr">
-                      <a:solidFill>
-                        <a:schemeClr val="tx1"/>
-                      </a:solidFill>
-                      <a:prstDash val="solid"/>
-                      <a:round/>
-                      <a:headEnd type="none" w="med" len="med"/>
-                      <a:tailEnd type="none" w="med" len="med"/>
-                    </a:lnR>
-                    <a:lnT w="12700" cap="flat" cmpd="sng" algn="ctr">
-                      <a:solidFill>
-                        <a:schemeClr val="tx1"/>
-                      </a:solidFill>
-                      <a:prstDash val="solid"/>
-                      <a:round/>
-                      <a:headEnd type="none" w="med" len="med"/>
-                      <a:tailEnd type="none" w="med" len="med"/>
-                    </a:lnT>
-                    <a:lnB w="12700" cap="flat" cmpd="sng" algn="ctr">
-                      <a:solidFill>
-                        <a:schemeClr val="tx1"/>
-                      </a:solidFill>
-                      <a:prstDash val="solid"/>
-                      <a:round/>
-                      <a:headEnd type="none" w="med" len="med"/>
-                      <a:tailEnd type="none" w="med" len="med"/>
-                    </a:lnB>
-                  </a:tcPr>
-                </a:tc>
-                <a:tc>
-                  <a:txBody>
-                    <a:bodyPr/>
-                    <a:lstStyle/>
-                    <a:p>
-                      <a:endParaRPr lang="en-US" dirty="0"/>
-                    </a:p>
-                  </a:txBody>
-                  <a:tcPr>
-                    <a:lnL w="12700" cap="flat" cmpd="sng" algn="ctr">
-                      <a:solidFill>
-                        <a:schemeClr val="tx1"/>
-                      </a:solidFill>
-                      <a:prstDash val="solid"/>
-                      <a:round/>
-                      <a:headEnd type="none" w="med" len="med"/>
-                      <a:tailEnd type="none" w="med" len="med"/>
-                    </a:lnL>
-                    <a:lnR w="12700" cap="flat" cmpd="sng" algn="ctr">
-                      <a:solidFill>
-                        <a:schemeClr val="tx1"/>
-                      </a:solidFill>
-                      <a:prstDash val="solid"/>
-                      <a:round/>
-                      <a:headEnd type="none" w="med" len="med"/>
-                      <a:tailEnd type="none" w="med" len="med"/>
-                    </a:lnR>
-                    <a:lnT w="12700" cap="flat" cmpd="sng" algn="ctr">
-                      <a:solidFill>
-                        <a:schemeClr val="tx1"/>
-                      </a:solidFill>
-                      <a:prstDash val="solid"/>
-                      <a:round/>
-                      <a:headEnd type="none" w="med" len="med"/>
-                      <a:tailEnd type="none" w="med" len="med"/>
-                    </a:lnT>
-                    <a:lnB w="12700" cap="flat" cmpd="sng" algn="ctr">
-                      <a:solidFill>
-                        <a:schemeClr val="tx1"/>
-                      </a:solidFill>
-                      <a:prstDash val="solid"/>
-                      <a:round/>
-                      <a:headEnd type="none" w="med" len="med"/>
-                      <a:tailEnd type="none" w="med" len="med"/>
-                    </a:lnB>
-                  </a:tcPr>
-                </a:tc>
-                <a:tc>
-                  <a:txBody>
-                    <a:bodyPr/>
-                    <a:lstStyle/>
-                    <a:p>
-                      <a:endParaRPr lang="en-US" dirty="0"/>
-                    </a:p>
-                  </a:txBody>
-                  <a:tcPr>
-                    <a:lnL w="12700" cap="flat" cmpd="sng" algn="ctr">
-                      <a:solidFill>
-                        <a:schemeClr val="tx1"/>
-                      </a:solidFill>
-                      <a:prstDash val="solid"/>
-                      <a:round/>
-                      <a:headEnd type="none" w="med" len="med"/>
-                      <a:tailEnd type="none" w="med" len="med"/>
-                    </a:lnL>
-                    <a:lnR w="12700" cap="flat" cmpd="sng" algn="ctr">
-                      <a:solidFill>
-                        <a:schemeClr val="tx1"/>
-                      </a:solidFill>
-                      <a:prstDash val="solid"/>
-                      <a:round/>
-                      <a:headEnd type="none" w="med" len="med"/>
-                      <a:tailEnd type="none" w="med" len="med"/>
-                    </a:lnR>
-                    <a:lnT w="12700" cap="flat" cmpd="sng" algn="ctr">
-                      <a:solidFill>
-                        <a:schemeClr val="tx1"/>
-                      </a:solidFill>
-                      <a:prstDash val="solid"/>
-                      <a:round/>
-                      <a:headEnd type="none" w="med" len="med"/>
-                      <a:tailEnd type="none" w="med" len="med"/>
-                    </a:lnT>
-                    <a:lnB w="12700" cap="flat" cmpd="sng" algn="ctr">
-                      <a:solidFill>
-                        <a:schemeClr val="tx1"/>
-                      </a:solidFill>
-                      <a:prstDash val="solid"/>
-                      <a:round/>
-                      <a:headEnd type="none" w="med" len="med"/>
-                      <a:tailEnd type="none" w="med" len="med"/>
-                    </a:lnB>
-                  </a:tcPr>
-                </a:tc>
-              </a:tr>
-            </a:tbl>
-          </a:graphicData>
-        </a:graphic>
-      </p:graphicFrame>
       <p:sp>
         <p:nvSpPr>
-          <p:cNvPr id="5" name="L-Shape 4"/>
+          <p:cNvPr id="94" name="Rectangle 93"/>
+          <p:cNvSpPr/>
+          <p:nvPr/>
+        </p:nvSpPr>
+        <p:spPr>
+          <a:xfrm flipV="1">
+            <a:off x="2906836" y="543668"/>
+            <a:ext cx="36299980" cy="12849593"/>
+          </a:xfrm>
+          <a:prstGeom prst="rect">
+            <a:avLst/>
+          </a:prstGeom>
+          <a:solidFill>
+            <a:schemeClr val="accent4">
+              <a:lumMod val="20000"/>
+              <a:lumOff val="80000"/>
+            </a:schemeClr>
+          </a:solidFill>
+          <a:ln w="76200"/>
+        </p:spPr>
+        <p:style>
+          <a:lnRef idx="2">
+            <a:schemeClr val="accent1">
+              <a:shade val="50000"/>
+            </a:schemeClr>
+          </a:lnRef>
+          <a:fillRef idx="1">
+            <a:schemeClr val="accent1"/>
+          </a:fillRef>
+          <a:effectRef idx="0">
+            <a:schemeClr val="accent1"/>
+          </a:effectRef>
+          <a:fontRef idx="minor">
+            <a:schemeClr val="lt1"/>
+          </a:fontRef>
+        </p:style>
+        <p:txBody>
+          <a:bodyPr rtlCol="0" anchor="ctr"/>
+          <a:lstStyle/>
+          <a:p>
+            <a:pPr algn="ctr"/>
+            <a:endParaRPr lang="en-PH"/>
+          </a:p>
+        </p:txBody>
+      </p:sp>
+      <p:sp>
+        <p:nvSpPr>
+          <p:cNvPr id="28" name="Rectangle 27"/>
+          <p:cNvSpPr/>
+          <p:nvPr/>
+        </p:nvSpPr>
+        <p:spPr>
+          <a:xfrm>
+            <a:off x="40468795" y="518067"/>
+            <a:ext cx="1296144" cy="7416824"/>
+          </a:xfrm>
+          <a:prstGeom prst="rect">
+            <a:avLst/>
+          </a:prstGeom>
+          <a:ln>
+            <a:noFill/>
+          </a:ln>
+        </p:spPr>
+        <p:style>
+          <a:lnRef idx="2">
+            <a:schemeClr val="accent2">
+              <a:shade val="50000"/>
+            </a:schemeClr>
+          </a:lnRef>
+          <a:fillRef idx="1">
+            <a:schemeClr val="accent2"/>
+          </a:fillRef>
+          <a:effectRef idx="0">
+            <a:schemeClr val="accent2"/>
+          </a:effectRef>
+          <a:fontRef idx="minor">
+            <a:schemeClr val="lt1"/>
+          </a:fontRef>
+        </p:style>
+        <p:txBody>
+          <a:bodyPr rtlCol="0" anchor="ctr"/>
+          <a:lstStyle/>
+          <a:p>
+            <a:pPr algn="ctr"/>
+            <a:endParaRPr lang="en-PH"/>
+          </a:p>
+        </p:txBody>
+      </p:sp>
+      <p:sp>
+        <p:nvSpPr>
+          <p:cNvPr id="29" name="Rectangle 28"/>
+          <p:cNvSpPr/>
+          <p:nvPr/>
+        </p:nvSpPr>
+        <p:spPr>
+          <a:xfrm>
+            <a:off x="45588" y="531114"/>
+            <a:ext cx="1296144" cy="7416824"/>
+          </a:xfrm>
+          <a:prstGeom prst="rect">
+            <a:avLst/>
+          </a:prstGeom>
+          <a:ln>
+            <a:noFill/>
+          </a:ln>
+        </p:spPr>
+        <p:style>
+          <a:lnRef idx="2">
+            <a:schemeClr val="accent2">
+              <a:shade val="50000"/>
+            </a:schemeClr>
+          </a:lnRef>
+          <a:fillRef idx="1">
+            <a:schemeClr val="accent2"/>
+          </a:fillRef>
+          <a:effectRef idx="0">
+            <a:schemeClr val="accent2"/>
+          </a:effectRef>
+          <a:fontRef idx="minor">
+            <a:schemeClr val="lt1"/>
+          </a:fontRef>
+        </p:style>
+        <p:txBody>
+          <a:bodyPr rtlCol="0" anchor="ctr"/>
+          <a:lstStyle/>
+          <a:p>
+            <a:pPr algn="ctr"/>
+            <a:endParaRPr lang="en-PH"/>
+          </a:p>
+        </p:txBody>
+      </p:sp>
+      <p:sp>
+        <p:nvSpPr>
+          <p:cNvPr id="31" name="Rectangle 30"/>
+          <p:cNvSpPr/>
+          <p:nvPr/>
+        </p:nvSpPr>
+        <p:spPr>
+          <a:xfrm>
+            <a:off x="38925" y="6579786"/>
+            <a:ext cx="2835709" cy="1368152"/>
+          </a:xfrm>
+          <a:prstGeom prst="rect">
+            <a:avLst/>
+          </a:prstGeom>
+          <a:ln>
+            <a:noFill/>
+          </a:ln>
+        </p:spPr>
+        <p:style>
+          <a:lnRef idx="2">
+            <a:schemeClr val="accent2">
+              <a:shade val="50000"/>
+            </a:schemeClr>
+          </a:lnRef>
+          <a:fillRef idx="1">
+            <a:schemeClr val="accent2"/>
+          </a:fillRef>
+          <a:effectRef idx="0">
+            <a:schemeClr val="accent2"/>
+          </a:effectRef>
+          <a:fontRef idx="minor">
+            <a:schemeClr val="lt1"/>
+          </a:fontRef>
+        </p:style>
+        <p:txBody>
+          <a:bodyPr rtlCol="0" anchor="ctr"/>
+          <a:lstStyle/>
+          <a:p>
+            <a:pPr algn="ctr"/>
+            <a:endParaRPr lang="en-PH"/>
+          </a:p>
+        </p:txBody>
+      </p:sp>
+      <p:sp>
+        <p:nvSpPr>
+          <p:cNvPr id="32" name="Rectangle 31"/>
+          <p:cNvSpPr/>
+          <p:nvPr/>
+        </p:nvSpPr>
+        <p:spPr>
+          <a:xfrm>
+            <a:off x="39206817" y="6644865"/>
+            <a:ext cx="2414108" cy="1290026"/>
+          </a:xfrm>
+          <a:prstGeom prst="rect">
+            <a:avLst/>
+          </a:prstGeom>
+          <a:ln>
+            <a:noFill/>
+          </a:ln>
+        </p:spPr>
+        <p:style>
+          <a:lnRef idx="2">
+            <a:schemeClr val="accent2">
+              <a:shade val="50000"/>
+            </a:schemeClr>
+          </a:lnRef>
+          <a:fillRef idx="1">
+            <a:schemeClr val="accent2"/>
+          </a:fillRef>
+          <a:effectRef idx="0">
+            <a:schemeClr val="accent2"/>
+          </a:effectRef>
+          <a:fontRef idx="minor">
+            <a:schemeClr val="lt1"/>
+          </a:fontRef>
+        </p:style>
+        <p:txBody>
+          <a:bodyPr rtlCol="0" anchor="ctr"/>
+          <a:lstStyle/>
+          <a:p>
+            <a:pPr algn="ctr"/>
+            <a:endParaRPr lang="en-PH"/>
+          </a:p>
+        </p:txBody>
+      </p:sp>
+      <p:sp>
+        <p:nvSpPr>
+          <p:cNvPr id="33" name="Rectangle 32"/>
+          <p:cNvSpPr/>
+          <p:nvPr/>
+        </p:nvSpPr>
+        <p:spPr>
+          <a:xfrm>
+            <a:off x="1095724" y="531114"/>
+            <a:ext cx="1784896" cy="6138127"/>
+          </a:xfrm>
+          <a:prstGeom prst="rect">
+            <a:avLst/>
+          </a:prstGeom>
+        </p:spPr>
+        <p:style>
+          <a:lnRef idx="2">
+            <a:schemeClr val="accent6">
+              <a:shade val="50000"/>
+            </a:schemeClr>
+          </a:lnRef>
+          <a:fillRef idx="1">
+            <a:schemeClr val="accent6"/>
+          </a:fillRef>
+          <a:effectRef idx="0">
+            <a:schemeClr val="accent6"/>
+          </a:effectRef>
+          <a:fontRef idx="minor">
+            <a:schemeClr val="lt1"/>
+          </a:fontRef>
+        </p:style>
+        <p:txBody>
+          <a:bodyPr rtlCol="0" anchor="ctr"/>
+          <a:lstStyle/>
+          <a:p>
+            <a:pPr algn="ctr"/>
+            <a:endParaRPr lang="en-PH"/>
+          </a:p>
+        </p:txBody>
+      </p:sp>
+      <p:sp>
+        <p:nvSpPr>
+          <p:cNvPr id="34" name="Rectangle 33"/>
+          <p:cNvSpPr/>
+          <p:nvPr/>
+        </p:nvSpPr>
+        <p:spPr>
+          <a:xfrm>
+            <a:off x="39233032" y="518067"/>
+            <a:ext cx="1784896" cy="6138127"/>
+          </a:xfrm>
+          <a:prstGeom prst="rect">
+            <a:avLst/>
+          </a:prstGeom>
+        </p:spPr>
+        <p:style>
+          <a:lnRef idx="2">
+            <a:schemeClr val="accent6">
+              <a:shade val="50000"/>
+            </a:schemeClr>
+          </a:lnRef>
+          <a:fillRef idx="1">
+            <a:schemeClr val="accent6"/>
+          </a:fillRef>
+          <a:effectRef idx="0">
+            <a:schemeClr val="accent6"/>
+          </a:effectRef>
+          <a:fontRef idx="minor">
+            <a:schemeClr val="lt1"/>
+          </a:fontRef>
+        </p:style>
+        <p:txBody>
+          <a:bodyPr rtlCol="0" anchor="ctr"/>
+          <a:lstStyle/>
+          <a:p>
+            <a:pPr algn="ctr"/>
+            <a:endParaRPr lang="en-PH"/>
+          </a:p>
+        </p:txBody>
+      </p:sp>
+      <p:grpSp>
+        <p:nvGrpSpPr>
+          <p:cNvPr id="35" name="Group 34"/>
+          <p:cNvGrpSpPr/>
+          <p:nvPr/>
+        </p:nvGrpSpPr>
+        <p:grpSpPr>
+          <a:xfrm>
+            <a:off x="26886708" y="501290"/>
+            <a:ext cx="548640" cy="3017520"/>
+            <a:chOff x="25275108" y="1009135"/>
+            <a:chExt cx="634254" cy="4248000"/>
+          </a:xfrm>
+        </p:grpSpPr>
+        <p:sp>
+          <p:nvSpPr>
+            <p:cNvPr id="36" name="Rectangle 35"/>
+            <p:cNvSpPr/>
+            <p:nvPr/>
+          </p:nvSpPr>
+          <p:spPr>
+            <a:xfrm>
+              <a:off x="25275108" y="1009135"/>
+              <a:ext cx="324000" cy="4248000"/>
+            </a:xfrm>
+            <a:prstGeom prst="rect">
+              <a:avLst/>
+            </a:prstGeom>
+          </p:spPr>
+          <p:style>
+            <a:lnRef idx="2">
+              <a:schemeClr val="accent1">
+                <a:shade val="50000"/>
+              </a:schemeClr>
+            </a:lnRef>
+            <a:fillRef idx="1">
+              <a:schemeClr val="accent1"/>
+            </a:fillRef>
+            <a:effectRef idx="0">
+              <a:schemeClr val="accent1"/>
+            </a:effectRef>
+            <a:fontRef idx="minor">
+              <a:schemeClr val="lt1"/>
+            </a:fontRef>
+          </p:style>
+          <p:txBody>
+            <a:bodyPr rtlCol="0" anchor="ctr"/>
+            <a:lstStyle/>
+            <a:p>
+              <a:pPr algn="ctr"/>
+              <a:endParaRPr lang="en-PH"/>
+            </a:p>
+          </p:txBody>
+        </p:sp>
+        <p:sp>
+          <p:nvSpPr>
+            <p:cNvPr id="37" name="Rectangle 36"/>
+            <p:cNvSpPr/>
+            <p:nvPr/>
+          </p:nvSpPr>
+          <p:spPr>
+            <a:xfrm>
+              <a:off x="25585362" y="1009135"/>
+              <a:ext cx="324000" cy="4248000"/>
+            </a:xfrm>
+            <a:prstGeom prst="rect">
+              <a:avLst/>
+            </a:prstGeom>
+          </p:spPr>
+          <p:style>
+            <a:lnRef idx="2">
+              <a:schemeClr val="accent4">
+                <a:shade val="50000"/>
+              </a:schemeClr>
+            </a:lnRef>
+            <a:fillRef idx="1">
+              <a:schemeClr val="accent4"/>
+            </a:fillRef>
+            <a:effectRef idx="0">
+              <a:schemeClr val="accent4"/>
+            </a:effectRef>
+            <a:fontRef idx="minor">
+              <a:schemeClr val="lt1"/>
+            </a:fontRef>
+          </p:style>
+          <p:txBody>
+            <a:bodyPr rtlCol="0" anchor="ctr"/>
+            <a:lstStyle/>
+            <a:p>
+              <a:pPr algn="ctr"/>
+              <a:endParaRPr lang="en-PH"/>
+            </a:p>
+          </p:txBody>
+        </p:sp>
+      </p:grpSp>
+      <p:grpSp>
+        <p:nvGrpSpPr>
+          <p:cNvPr id="38" name="Group 37"/>
+          <p:cNvGrpSpPr/>
+          <p:nvPr/>
+        </p:nvGrpSpPr>
+        <p:grpSpPr>
+          <a:xfrm>
+            <a:off x="26166628" y="501290"/>
+            <a:ext cx="548640" cy="3017520"/>
+            <a:chOff x="25275108" y="1009135"/>
+            <a:chExt cx="634254" cy="4248000"/>
+          </a:xfrm>
+        </p:grpSpPr>
+        <p:sp>
+          <p:nvSpPr>
+            <p:cNvPr id="39" name="Rectangle 38"/>
+            <p:cNvSpPr/>
+            <p:nvPr/>
+          </p:nvSpPr>
+          <p:spPr>
+            <a:xfrm>
+              <a:off x="25275108" y="1009135"/>
+              <a:ext cx="324000" cy="4248000"/>
+            </a:xfrm>
+            <a:prstGeom prst="rect">
+              <a:avLst/>
+            </a:prstGeom>
+          </p:spPr>
+          <p:style>
+            <a:lnRef idx="2">
+              <a:schemeClr val="accent1">
+                <a:shade val="50000"/>
+              </a:schemeClr>
+            </a:lnRef>
+            <a:fillRef idx="1">
+              <a:schemeClr val="accent1"/>
+            </a:fillRef>
+            <a:effectRef idx="0">
+              <a:schemeClr val="accent1"/>
+            </a:effectRef>
+            <a:fontRef idx="minor">
+              <a:schemeClr val="lt1"/>
+            </a:fontRef>
+          </p:style>
+          <p:txBody>
+            <a:bodyPr rtlCol="0" anchor="ctr"/>
+            <a:lstStyle/>
+            <a:p>
+              <a:pPr algn="ctr"/>
+              <a:endParaRPr lang="en-PH"/>
+            </a:p>
+          </p:txBody>
+        </p:sp>
+        <p:sp>
+          <p:nvSpPr>
+            <p:cNvPr id="40" name="Rectangle 39"/>
+            <p:cNvSpPr/>
+            <p:nvPr/>
+          </p:nvSpPr>
+          <p:spPr>
+            <a:xfrm>
+              <a:off x="25585362" y="1009135"/>
+              <a:ext cx="324000" cy="4248000"/>
+            </a:xfrm>
+            <a:prstGeom prst="rect">
+              <a:avLst/>
+            </a:prstGeom>
+          </p:spPr>
+          <p:style>
+            <a:lnRef idx="2">
+              <a:schemeClr val="accent4">
+                <a:shade val="50000"/>
+              </a:schemeClr>
+            </a:lnRef>
+            <a:fillRef idx="1">
+              <a:schemeClr val="accent4"/>
+            </a:fillRef>
+            <a:effectRef idx="0">
+              <a:schemeClr val="accent4"/>
+            </a:effectRef>
+            <a:fontRef idx="minor">
+              <a:schemeClr val="lt1"/>
+            </a:fontRef>
+          </p:style>
+          <p:txBody>
+            <a:bodyPr rtlCol="0" anchor="ctr"/>
+            <a:lstStyle/>
+            <a:p>
+              <a:pPr algn="ctr"/>
+              <a:endParaRPr lang="en-PH"/>
+            </a:p>
+          </p:txBody>
+        </p:sp>
+      </p:grpSp>
+      <p:grpSp>
+        <p:nvGrpSpPr>
+          <p:cNvPr id="41" name="Group 40"/>
+          <p:cNvGrpSpPr/>
+          <p:nvPr/>
+        </p:nvGrpSpPr>
+        <p:grpSpPr>
+          <a:xfrm>
+            <a:off x="24726468" y="501290"/>
+            <a:ext cx="548640" cy="3017520"/>
+            <a:chOff x="25275108" y="1009135"/>
+            <a:chExt cx="634254" cy="4248000"/>
+          </a:xfrm>
+        </p:grpSpPr>
+        <p:sp>
+          <p:nvSpPr>
+            <p:cNvPr id="42" name="Rectangle 41"/>
+            <p:cNvSpPr/>
+            <p:nvPr/>
+          </p:nvSpPr>
+          <p:spPr>
+            <a:xfrm>
+              <a:off x="25275108" y="1009135"/>
+              <a:ext cx="324000" cy="4248000"/>
+            </a:xfrm>
+            <a:prstGeom prst="rect">
+              <a:avLst/>
+            </a:prstGeom>
+          </p:spPr>
+          <p:style>
+            <a:lnRef idx="2">
+              <a:schemeClr val="accent1">
+                <a:shade val="50000"/>
+              </a:schemeClr>
+            </a:lnRef>
+            <a:fillRef idx="1">
+              <a:schemeClr val="accent1"/>
+            </a:fillRef>
+            <a:effectRef idx="0">
+              <a:schemeClr val="accent1"/>
+            </a:effectRef>
+            <a:fontRef idx="minor">
+              <a:schemeClr val="lt1"/>
+            </a:fontRef>
+          </p:style>
+          <p:txBody>
+            <a:bodyPr rtlCol="0" anchor="ctr"/>
+            <a:lstStyle/>
+            <a:p>
+              <a:pPr algn="ctr"/>
+              <a:endParaRPr lang="en-PH"/>
+            </a:p>
+          </p:txBody>
+        </p:sp>
+        <p:sp>
+          <p:nvSpPr>
+            <p:cNvPr id="43" name="Rectangle 42"/>
+            <p:cNvSpPr/>
+            <p:nvPr/>
+          </p:nvSpPr>
+          <p:spPr>
+            <a:xfrm>
+              <a:off x="25585362" y="1009135"/>
+              <a:ext cx="324000" cy="4248000"/>
+            </a:xfrm>
+            <a:prstGeom prst="rect">
+              <a:avLst/>
+            </a:prstGeom>
+          </p:spPr>
+          <p:style>
+            <a:lnRef idx="2">
+              <a:schemeClr val="accent4">
+                <a:shade val="50000"/>
+              </a:schemeClr>
+            </a:lnRef>
+            <a:fillRef idx="1">
+              <a:schemeClr val="accent4"/>
+            </a:fillRef>
+            <a:effectRef idx="0">
+              <a:schemeClr val="accent4"/>
+            </a:effectRef>
+            <a:fontRef idx="minor">
+              <a:schemeClr val="lt1"/>
+            </a:fontRef>
+          </p:style>
+          <p:txBody>
+            <a:bodyPr rtlCol="0" anchor="ctr"/>
+            <a:lstStyle/>
+            <a:p>
+              <a:pPr algn="ctr"/>
+              <a:endParaRPr lang="en-PH"/>
+            </a:p>
+          </p:txBody>
+        </p:sp>
+      </p:grpSp>
+      <p:grpSp>
+        <p:nvGrpSpPr>
+          <p:cNvPr id="44" name="Group 43"/>
+          <p:cNvGrpSpPr/>
+          <p:nvPr/>
+        </p:nvGrpSpPr>
+        <p:grpSpPr>
+          <a:xfrm>
+            <a:off x="25446548" y="501290"/>
+            <a:ext cx="548640" cy="3017520"/>
+            <a:chOff x="25275108" y="1009135"/>
+            <a:chExt cx="634254" cy="4248000"/>
+          </a:xfrm>
+        </p:grpSpPr>
+        <p:sp>
+          <p:nvSpPr>
+            <p:cNvPr id="45" name="Rectangle 44"/>
+            <p:cNvSpPr/>
+            <p:nvPr/>
+          </p:nvSpPr>
+          <p:spPr>
+            <a:xfrm>
+              <a:off x="25275108" y="1009135"/>
+              <a:ext cx="324000" cy="4248000"/>
+            </a:xfrm>
+            <a:prstGeom prst="rect">
+              <a:avLst/>
+            </a:prstGeom>
+          </p:spPr>
+          <p:style>
+            <a:lnRef idx="2">
+              <a:schemeClr val="accent1">
+                <a:shade val="50000"/>
+              </a:schemeClr>
+            </a:lnRef>
+            <a:fillRef idx="1">
+              <a:schemeClr val="accent1"/>
+            </a:fillRef>
+            <a:effectRef idx="0">
+              <a:schemeClr val="accent1"/>
+            </a:effectRef>
+            <a:fontRef idx="minor">
+              <a:schemeClr val="lt1"/>
+            </a:fontRef>
+          </p:style>
+          <p:txBody>
+            <a:bodyPr rtlCol="0" anchor="ctr"/>
+            <a:lstStyle/>
+            <a:p>
+              <a:pPr algn="ctr"/>
+              <a:endParaRPr lang="en-PH"/>
+            </a:p>
+          </p:txBody>
+        </p:sp>
+        <p:sp>
+          <p:nvSpPr>
+            <p:cNvPr id="46" name="Rectangle 45"/>
+            <p:cNvSpPr/>
+            <p:nvPr/>
+          </p:nvSpPr>
+          <p:spPr>
+            <a:xfrm>
+              <a:off x="25585362" y="1009135"/>
+              <a:ext cx="324000" cy="4248000"/>
+            </a:xfrm>
+            <a:prstGeom prst="rect">
+              <a:avLst/>
+            </a:prstGeom>
+          </p:spPr>
+          <p:style>
+            <a:lnRef idx="2">
+              <a:schemeClr val="accent4">
+                <a:shade val="50000"/>
+              </a:schemeClr>
+            </a:lnRef>
+            <a:fillRef idx="1">
+              <a:schemeClr val="accent4"/>
+            </a:fillRef>
+            <a:effectRef idx="0">
+              <a:schemeClr val="accent4"/>
+            </a:effectRef>
+            <a:fontRef idx="minor">
+              <a:schemeClr val="lt1"/>
+            </a:fontRef>
+          </p:style>
+          <p:txBody>
+            <a:bodyPr rtlCol="0" anchor="ctr"/>
+            <a:lstStyle/>
+            <a:p>
+              <a:pPr algn="ctr"/>
+              <a:endParaRPr lang="en-PH"/>
+            </a:p>
+          </p:txBody>
+        </p:sp>
+      </p:grpSp>
+      <p:grpSp>
+        <p:nvGrpSpPr>
+          <p:cNvPr id="47" name="Group 46"/>
+          <p:cNvGrpSpPr/>
+          <p:nvPr/>
+        </p:nvGrpSpPr>
+        <p:grpSpPr>
+          <a:xfrm>
+            <a:off x="27626220" y="479331"/>
+            <a:ext cx="548640" cy="3017520"/>
+            <a:chOff x="25275108" y="1009135"/>
+            <a:chExt cx="634254" cy="4248000"/>
+          </a:xfrm>
+        </p:grpSpPr>
+        <p:sp>
+          <p:nvSpPr>
+            <p:cNvPr id="48" name="Rectangle 47"/>
+            <p:cNvSpPr/>
+            <p:nvPr/>
+          </p:nvSpPr>
+          <p:spPr>
+            <a:xfrm>
+              <a:off x="25275108" y="1009135"/>
+              <a:ext cx="324000" cy="4248000"/>
+            </a:xfrm>
+            <a:prstGeom prst="rect">
+              <a:avLst/>
+            </a:prstGeom>
+          </p:spPr>
+          <p:style>
+            <a:lnRef idx="2">
+              <a:schemeClr val="accent1">
+                <a:shade val="50000"/>
+              </a:schemeClr>
+            </a:lnRef>
+            <a:fillRef idx="1">
+              <a:schemeClr val="accent1"/>
+            </a:fillRef>
+            <a:effectRef idx="0">
+              <a:schemeClr val="accent1"/>
+            </a:effectRef>
+            <a:fontRef idx="minor">
+              <a:schemeClr val="lt1"/>
+            </a:fontRef>
+          </p:style>
+          <p:txBody>
+            <a:bodyPr rtlCol="0" anchor="ctr"/>
+            <a:lstStyle/>
+            <a:p>
+              <a:pPr algn="ctr"/>
+              <a:endParaRPr lang="en-PH"/>
+            </a:p>
+          </p:txBody>
+        </p:sp>
+        <p:sp>
+          <p:nvSpPr>
+            <p:cNvPr id="49" name="Rectangle 48"/>
+            <p:cNvSpPr/>
+            <p:nvPr/>
+          </p:nvSpPr>
+          <p:spPr>
+            <a:xfrm>
+              <a:off x="25585362" y="1009135"/>
+              <a:ext cx="324000" cy="4248000"/>
+            </a:xfrm>
+            <a:prstGeom prst="rect">
+              <a:avLst/>
+            </a:prstGeom>
+          </p:spPr>
+          <p:style>
+            <a:lnRef idx="2">
+              <a:schemeClr val="accent4">
+                <a:shade val="50000"/>
+              </a:schemeClr>
+            </a:lnRef>
+            <a:fillRef idx="1">
+              <a:schemeClr val="accent4"/>
+            </a:fillRef>
+            <a:effectRef idx="0">
+              <a:schemeClr val="accent4"/>
+            </a:effectRef>
+            <a:fontRef idx="minor">
+              <a:schemeClr val="lt1"/>
+            </a:fontRef>
+          </p:style>
+          <p:txBody>
+            <a:bodyPr rtlCol="0" anchor="ctr"/>
+            <a:lstStyle/>
+            <a:p>
+              <a:pPr algn="ctr"/>
+              <a:endParaRPr lang="en-PH"/>
+            </a:p>
+          </p:txBody>
+        </p:sp>
+      </p:grpSp>
+      <p:grpSp>
+        <p:nvGrpSpPr>
+          <p:cNvPr id="55" name="Group 54"/>
+          <p:cNvGrpSpPr/>
+          <p:nvPr/>
+        </p:nvGrpSpPr>
+        <p:grpSpPr>
+          <a:xfrm rot="16200000">
+            <a:off x="32243660" y="549018"/>
+            <a:ext cx="634254" cy="2011680"/>
+            <a:chOff x="25275108" y="1009135"/>
+            <a:chExt cx="634254" cy="4248000"/>
+          </a:xfrm>
+        </p:grpSpPr>
+        <p:sp>
+          <p:nvSpPr>
+            <p:cNvPr id="56" name="Rectangle 55"/>
+            <p:cNvSpPr/>
+            <p:nvPr/>
+          </p:nvSpPr>
+          <p:spPr>
+            <a:xfrm>
+              <a:off x="25275108" y="1009135"/>
+              <a:ext cx="324000" cy="4248000"/>
+            </a:xfrm>
+            <a:prstGeom prst="rect">
+              <a:avLst/>
+            </a:prstGeom>
+          </p:spPr>
+          <p:style>
+            <a:lnRef idx="2">
+              <a:schemeClr val="accent1">
+                <a:shade val="50000"/>
+              </a:schemeClr>
+            </a:lnRef>
+            <a:fillRef idx="1">
+              <a:schemeClr val="accent1"/>
+            </a:fillRef>
+            <a:effectRef idx="0">
+              <a:schemeClr val="accent1"/>
+            </a:effectRef>
+            <a:fontRef idx="minor">
+              <a:schemeClr val="lt1"/>
+            </a:fontRef>
+          </p:style>
+          <p:txBody>
+            <a:bodyPr rtlCol="0" anchor="ctr"/>
+            <a:lstStyle/>
+            <a:p>
+              <a:pPr algn="ctr"/>
+              <a:endParaRPr lang="en-PH"/>
+            </a:p>
+          </p:txBody>
+        </p:sp>
+        <p:sp>
+          <p:nvSpPr>
+            <p:cNvPr id="57" name="Rectangle 56"/>
+            <p:cNvSpPr/>
+            <p:nvPr/>
+          </p:nvSpPr>
+          <p:spPr>
+            <a:xfrm>
+              <a:off x="25585362" y="1009135"/>
+              <a:ext cx="324000" cy="4248000"/>
+            </a:xfrm>
+            <a:prstGeom prst="rect">
+              <a:avLst/>
+            </a:prstGeom>
+          </p:spPr>
+          <p:style>
+            <a:lnRef idx="2">
+              <a:schemeClr val="accent4">
+                <a:shade val="50000"/>
+              </a:schemeClr>
+            </a:lnRef>
+            <a:fillRef idx="1">
+              <a:schemeClr val="accent4"/>
+            </a:fillRef>
+            <a:effectRef idx="0">
+              <a:schemeClr val="accent4"/>
+            </a:effectRef>
+            <a:fontRef idx="minor">
+              <a:schemeClr val="lt1"/>
+            </a:fontRef>
+          </p:style>
+          <p:txBody>
+            <a:bodyPr rtlCol="0" anchor="ctr"/>
+            <a:lstStyle/>
+            <a:p>
+              <a:pPr algn="ctr"/>
+              <a:endParaRPr lang="en-PH"/>
+            </a:p>
+          </p:txBody>
+        </p:sp>
+      </p:grpSp>
+      <p:grpSp>
+        <p:nvGrpSpPr>
+          <p:cNvPr id="58" name="Group 57"/>
+          <p:cNvGrpSpPr/>
+          <p:nvPr/>
+        </p:nvGrpSpPr>
+        <p:grpSpPr>
+          <a:xfrm rot="16200000">
+            <a:off x="32246601" y="1485122"/>
+            <a:ext cx="634254" cy="2011680"/>
+            <a:chOff x="25275108" y="1009135"/>
+            <a:chExt cx="634254" cy="4248000"/>
+          </a:xfrm>
+        </p:grpSpPr>
+        <p:sp>
+          <p:nvSpPr>
+            <p:cNvPr id="59" name="Rectangle 58"/>
+            <p:cNvSpPr/>
+            <p:nvPr/>
+          </p:nvSpPr>
+          <p:spPr>
+            <a:xfrm>
+              <a:off x="25275108" y="1009135"/>
+              <a:ext cx="324000" cy="4248000"/>
+            </a:xfrm>
+            <a:prstGeom prst="rect">
+              <a:avLst/>
+            </a:prstGeom>
+          </p:spPr>
+          <p:style>
+            <a:lnRef idx="2">
+              <a:schemeClr val="accent1">
+                <a:shade val="50000"/>
+              </a:schemeClr>
+            </a:lnRef>
+            <a:fillRef idx="1">
+              <a:schemeClr val="accent1"/>
+            </a:fillRef>
+            <a:effectRef idx="0">
+              <a:schemeClr val="accent1"/>
+            </a:effectRef>
+            <a:fontRef idx="minor">
+              <a:schemeClr val="lt1"/>
+            </a:fontRef>
+          </p:style>
+          <p:txBody>
+            <a:bodyPr rtlCol="0" anchor="ctr"/>
+            <a:lstStyle/>
+            <a:p>
+              <a:pPr algn="ctr"/>
+              <a:endParaRPr lang="en-PH"/>
+            </a:p>
+          </p:txBody>
+        </p:sp>
+        <p:sp>
+          <p:nvSpPr>
+            <p:cNvPr id="60" name="Rectangle 59"/>
+            <p:cNvSpPr/>
+            <p:nvPr/>
+          </p:nvSpPr>
+          <p:spPr>
+            <a:xfrm>
+              <a:off x="25585362" y="1009135"/>
+              <a:ext cx="324000" cy="4248000"/>
+            </a:xfrm>
+            <a:prstGeom prst="rect">
+              <a:avLst/>
+            </a:prstGeom>
+          </p:spPr>
+          <p:style>
+            <a:lnRef idx="2">
+              <a:schemeClr val="accent4">
+                <a:shade val="50000"/>
+              </a:schemeClr>
+            </a:lnRef>
+            <a:fillRef idx="1">
+              <a:schemeClr val="accent4"/>
+            </a:fillRef>
+            <a:effectRef idx="0">
+              <a:schemeClr val="accent4"/>
+            </a:effectRef>
+            <a:fontRef idx="minor">
+              <a:schemeClr val="lt1"/>
+            </a:fontRef>
+          </p:style>
+          <p:txBody>
+            <a:bodyPr rtlCol="0" anchor="ctr"/>
+            <a:lstStyle/>
+            <a:p>
+              <a:pPr algn="ctr"/>
+              <a:endParaRPr lang="en-PH"/>
+            </a:p>
+          </p:txBody>
+        </p:sp>
+      </p:grpSp>
+      <p:grpSp>
+        <p:nvGrpSpPr>
+          <p:cNvPr id="61" name="Group 60"/>
+          <p:cNvGrpSpPr/>
+          <p:nvPr/>
+        </p:nvGrpSpPr>
+        <p:grpSpPr>
+          <a:xfrm rot="16200000">
+            <a:off x="32243660" y="2493234"/>
+            <a:ext cx="634254" cy="2011680"/>
+            <a:chOff x="25275108" y="1009135"/>
+            <a:chExt cx="634254" cy="4248000"/>
+          </a:xfrm>
+        </p:grpSpPr>
+        <p:sp>
+          <p:nvSpPr>
+            <p:cNvPr id="62" name="Rectangle 61"/>
+            <p:cNvSpPr/>
+            <p:nvPr/>
+          </p:nvSpPr>
+          <p:spPr>
+            <a:xfrm>
+              <a:off x="25275108" y="1009135"/>
+              <a:ext cx="324000" cy="4248000"/>
+            </a:xfrm>
+            <a:prstGeom prst="rect">
+              <a:avLst/>
+            </a:prstGeom>
+          </p:spPr>
+          <p:style>
+            <a:lnRef idx="2">
+              <a:schemeClr val="accent1">
+                <a:shade val="50000"/>
+              </a:schemeClr>
+            </a:lnRef>
+            <a:fillRef idx="1">
+              <a:schemeClr val="accent1"/>
+            </a:fillRef>
+            <a:effectRef idx="0">
+              <a:schemeClr val="accent1"/>
+            </a:effectRef>
+            <a:fontRef idx="minor">
+              <a:schemeClr val="lt1"/>
+            </a:fontRef>
+          </p:style>
+          <p:txBody>
+            <a:bodyPr rtlCol="0" anchor="ctr"/>
+            <a:lstStyle/>
+            <a:p>
+              <a:pPr algn="ctr"/>
+              <a:endParaRPr lang="en-PH"/>
+            </a:p>
+          </p:txBody>
+        </p:sp>
+        <p:sp>
+          <p:nvSpPr>
+            <p:cNvPr id="63" name="Rectangle 62"/>
+            <p:cNvSpPr/>
+            <p:nvPr/>
+          </p:nvSpPr>
+          <p:spPr>
+            <a:xfrm>
+              <a:off x="25585362" y="1009135"/>
+              <a:ext cx="324000" cy="4248000"/>
+            </a:xfrm>
+            <a:prstGeom prst="rect">
+              <a:avLst/>
+            </a:prstGeom>
+          </p:spPr>
+          <p:style>
+            <a:lnRef idx="2">
+              <a:schemeClr val="accent4">
+                <a:shade val="50000"/>
+              </a:schemeClr>
+            </a:lnRef>
+            <a:fillRef idx="1">
+              <a:schemeClr val="accent4"/>
+            </a:fillRef>
+            <a:effectRef idx="0">
+              <a:schemeClr val="accent4"/>
+            </a:effectRef>
+            <a:fontRef idx="minor">
+              <a:schemeClr val="lt1"/>
+            </a:fontRef>
+          </p:style>
+          <p:txBody>
+            <a:bodyPr rtlCol="0" anchor="ctr"/>
+            <a:lstStyle/>
+            <a:p>
+              <a:pPr algn="ctr"/>
+              <a:endParaRPr lang="en-PH"/>
+            </a:p>
+          </p:txBody>
+        </p:sp>
+      </p:grpSp>
+      <p:grpSp>
+        <p:nvGrpSpPr>
+          <p:cNvPr id="64" name="Group 63"/>
+          <p:cNvGrpSpPr/>
+          <p:nvPr/>
+        </p:nvGrpSpPr>
+        <p:grpSpPr>
+          <a:xfrm rot="16200000">
+            <a:off x="32243660" y="3429338"/>
+            <a:ext cx="634254" cy="2011680"/>
+            <a:chOff x="25275108" y="1009135"/>
+            <a:chExt cx="634254" cy="4248000"/>
+          </a:xfrm>
+        </p:grpSpPr>
+        <p:sp>
+          <p:nvSpPr>
+            <p:cNvPr id="65" name="Rectangle 64"/>
+            <p:cNvSpPr/>
+            <p:nvPr/>
+          </p:nvSpPr>
+          <p:spPr>
+            <a:xfrm>
+              <a:off x="25275108" y="1009135"/>
+              <a:ext cx="324000" cy="4248000"/>
+            </a:xfrm>
+            <a:prstGeom prst="rect">
+              <a:avLst/>
+            </a:prstGeom>
+          </p:spPr>
+          <p:style>
+            <a:lnRef idx="2">
+              <a:schemeClr val="accent1">
+                <a:shade val="50000"/>
+              </a:schemeClr>
+            </a:lnRef>
+            <a:fillRef idx="1">
+              <a:schemeClr val="accent1"/>
+            </a:fillRef>
+            <a:effectRef idx="0">
+              <a:schemeClr val="accent1"/>
+            </a:effectRef>
+            <a:fontRef idx="minor">
+              <a:schemeClr val="lt1"/>
+            </a:fontRef>
+          </p:style>
+          <p:txBody>
+            <a:bodyPr rtlCol="0" anchor="ctr"/>
+            <a:lstStyle/>
+            <a:p>
+              <a:pPr algn="ctr"/>
+              <a:endParaRPr lang="en-PH"/>
+            </a:p>
+          </p:txBody>
+        </p:sp>
+        <p:sp>
+          <p:nvSpPr>
+            <p:cNvPr id="66" name="Rectangle 65"/>
+            <p:cNvSpPr/>
+            <p:nvPr/>
+          </p:nvSpPr>
+          <p:spPr>
+            <a:xfrm>
+              <a:off x="25585362" y="1009135"/>
+              <a:ext cx="324000" cy="4248000"/>
+            </a:xfrm>
+            <a:prstGeom prst="rect">
+              <a:avLst/>
+            </a:prstGeom>
+          </p:spPr>
+          <p:style>
+            <a:lnRef idx="2">
+              <a:schemeClr val="accent4">
+                <a:shade val="50000"/>
+              </a:schemeClr>
+            </a:lnRef>
+            <a:fillRef idx="1">
+              <a:schemeClr val="accent4"/>
+            </a:fillRef>
+            <a:effectRef idx="0">
+              <a:schemeClr val="accent4"/>
+            </a:effectRef>
+            <a:fontRef idx="minor">
+              <a:schemeClr val="lt1"/>
+            </a:fontRef>
+          </p:style>
+          <p:txBody>
+            <a:bodyPr rtlCol="0" anchor="ctr"/>
+            <a:lstStyle/>
+            <a:p>
+              <a:pPr algn="ctr"/>
+              <a:endParaRPr lang="en-PH"/>
+            </a:p>
+          </p:txBody>
+        </p:sp>
+      </p:grpSp>
+      <p:grpSp>
+        <p:nvGrpSpPr>
+          <p:cNvPr id="67" name="Group 66"/>
+          <p:cNvGrpSpPr/>
+          <p:nvPr/>
+        </p:nvGrpSpPr>
+        <p:grpSpPr>
+          <a:xfrm rot="16200000">
+            <a:off x="32242002" y="4365442"/>
+            <a:ext cx="634254" cy="2011680"/>
+            <a:chOff x="25275108" y="1009135"/>
+            <a:chExt cx="634254" cy="4248000"/>
+          </a:xfrm>
+        </p:grpSpPr>
+        <p:sp>
+          <p:nvSpPr>
+            <p:cNvPr id="68" name="Rectangle 67"/>
+            <p:cNvSpPr/>
+            <p:nvPr/>
+          </p:nvSpPr>
+          <p:spPr>
+            <a:xfrm>
+              <a:off x="25275108" y="1009135"/>
+              <a:ext cx="324000" cy="4248000"/>
+            </a:xfrm>
+            <a:prstGeom prst="rect">
+              <a:avLst/>
+            </a:prstGeom>
+          </p:spPr>
+          <p:style>
+            <a:lnRef idx="2">
+              <a:schemeClr val="accent1">
+                <a:shade val="50000"/>
+              </a:schemeClr>
+            </a:lnRef>
+            <a:fillRef idx="1">
+              <a:schemeClr val="accent1"/>
+            </a:fillRef>
+            <a:effectRef idx="0">
+              <a:schemeClr val="accent1"/>
+            </a:effectRef>
+            <a:fontRef idx="minor">
+              <a:schemeClr val="lt1"/>
+            </a:fontRef>
+          </p:style>
+          <p:txBody>
+            <a:bodyPr rtlCol="0" anchor="ctr"/>
+            <a:lstStyle/>
+            <a:p>
+              <a:pPr algn="ctr"/>
+              <a:endParaRPr lang="en-PH"/>
+            </a:p>
+          </p:txBody>
+        </p:sp>
+        <p:sp>
+          <p:nvSpPr>
+            <p:cNvPr id="69" name="Rectangle 68"/>
+            <p:cNvSpPr/>
+            <p:nvPr/>
+          </p:nvSpPr>
+          <p:spPr>
+            <a:xfrm>
+              <a:off x="25585362" y="1009135"/>
+              <a:ext cx="324000" cy="4248000"/>
+            </a:xfrm>
+            <a:prstGeom prst="rect">
+              <a:avLst/>
+            </a:prstGeom>
+          </p:spPr>
+          <p:style>
+            <a:lnRef idx="2">
+              <a:schemeClr val="accent4">
+                <a:shade val="50000"/>
+              </a:schemeClr>
+            </a:lnRef>
+            <a:fillRef idx="1">
+              <a:schemeClr val="accent4"/>
+            </a:fillRef>
+            <a:effectRef idx="0">
+              <a:schemeClr val="accent4"/>
+            </a:effectRef>
+            <a:fontRef idx="minor">
+              <a:schemeClr val="lt1"/>
+            </a:fontRef>
+          </p:style>
+          <p:txBody>
+            <a:bodyPr rtlCol="0" anchor="ctr"/>
+            <a:lstStyle/>
+            <a:p>
+              <a:pPr algn="ctr"/>
+              <a:endParaRPr lang="en-PH"/>
+            </a:p>
+          </p:txBody>
+        </p:sp>
+      </p:grpSp>
+      <p:sp>
+        <p:nvSpPr>
+          <p:cNvPr id="70" name="Rectangle 69"/>
+          <p:cNvSpPr/>
+          <p:nvPr/>
+        </p:nvSpPr>
+        <p:spPr>
+          <a:xfrm>
+            <a:off x="34987727" y="3928816"/>
+            <a:ext cx="4136926" cy="1903609"/>
+          </a:xfrm>
+          <a:prstGeom prst="rect">
+            <a:avLst/>
+          </a:prstGeom>
+          <a:ln/>
+        </p:spPr>
+        <p:style>
+          <a:lnRef idx="2">
+            <a:schemeClr val="accent3">
+              <a:shade val="50000"/>
+            </a:schemeClr>
+          </a:lnRef>
+          <a:fillRef idx="1">
+            <a:schemeClr val="accent3"/>
+          </a:fillRef>
+          <a:effectRef idx="0">
+            <a:schemeClr val="accent3"/>
+          </a:effectRef>
+          <a:fontRef idx="minor">
+            <a:schemeClr val="lt1"/>
+          </a:fontRef>
+        </p:style>
+        <p:txBody>
+          <a:bodyPr rtlCol="0" anchor="ctr"/>
+          <a:lstStyle/>
+          <a:p>
+            <a:pPr algn="ctr"/>
+            <a:endParaRPr lang="en-PH"/>
+          </a:p>
+        </p:txBody>
+      </p:sp>
+      <p:grpSp>
+        <p:nvGrpSpPr>
+          <p:cNvPr id="71" name="Group 70"/>
+          <p:cNvGrpSpPr/>
+          <p:nvPr/>
+        </p:nvGrpSpPr>
+        <p:grpSpPr>
+          <a:xfrm rot="16200000">
+            <a:off x="35982767" y="456303"/>
+            <a:ext cx="548640" cy="3017520"/>
+            <a:chOff x="25275108" y="1009135"/>
+            <a:chExt cx="634254" cy="4248000"/>
+          </a:xfrm>
+        </p:grpSpPr>
+        <p:sp>
+          <p:nvSpPr>
+            <p:cNvPr id="72" name="Rectangle 71"/>
+            <p:cNvSpPr/>
+            <p:nvPr/>
+          </p:nvSpPr>
+          <p:spPr>
+            <a:xfrm>
+              <a:off x="25275108" y="1009135"/>
+              <a:ext cx="324000" cy="4248000"/>
+            </a:xfrm>
+            <a:prstGeom prst="rect">
+              <a:avLst/>
+            </a:prstGeom>
+          </p:spPr>
+          <p:style>
+            <a:lnRef idx="2">
+              <a:schemeClr val="accent1">
+                <a:shade val="50000"/>
+              </a:schemeClr>
+            </a:lnRef>
+            <a:fillRef idx="1">
+              <a:schemeClr val="accent1"/>
+            </a:fillRef>
+            <a:effectRef idx="0">
+              <a:schemeClr val="accent1"/>
+            </a:effectRef>
+            <a:fontRef idx="minor">
+              <a:schemeClr val="lt1"/>
+            </a:fontRef>
+          </p:style>
+          <p:txBody>
+            <a:bodyPr rtlCol="0" anchor="ctr"/>
+            <a:lstStyle/>
+            <a:p>
+              <a:pPr algn="ctr"/>
+              <a:endParaRPr lang="en-PH"/>
+            </a:p>
+          </p:txBody>
+        </p:sp>
+        <p:sp>
+          <p:nvSpPr>
+            <p:cNvPr id="73" name="Rectangle 72"/>
+            <p:cNvSpPr/>
+            <p:nvPr/>
+          </p:nvSpPr>
+          <p:spPr>
+            <a:xfrm>
+              <a:off x="25585362" y="1009135"/>
+              <a:ext cx="324000" cy="4248000"/>
+            </a:xfrm>
+            <a:prstGeom prst="rect">
+              <a:avLst/>
+            </a:prstGeom>
+          </p:spPr>
+          <p:style>
+            <a:lnRef idx="2">
+              <a:schemeClr val="accent4">
+                <a:shade val="50000"/>
+              </a:schemeClr>
+            </a:lnRef>
+            <a:fillRef idx="1">
+              <a:schemeClr val="accent4"/>
+            </a:fillRef>
+            <a:effectRef idx="0">
+              <a:schemeClr val="accent4"/>
+            </a:effectRef>
+            <a:fontRef idx="minor">
+              <a:schemeClr val="lt1"/>
+            </a:fontRef>
+          </p:style>
+          <p:txBody>
+            <a:bodyPr rtlCol="0" anchor="ctr"/>
+            <a:lstStyle/>
+            <a:p>
+              <a:pPr algn="ctr"/>
+              <a:endParaRPr lang="en-PH"/>
+            </a:p>
+          </p:txBody>
+        </p:sp>
+      </p:grpSp>
+      <p:grpSp>
+        <p:nvGrpSpPr>
+          <p:cNvPr id="74" name="Group 73"/>
+          <p:cNvGrpSpPr/>
+          <p:nvPr/>
+        </p:nvGrpSpPr>
+        <p:grpSpPr>
+          <a:xfrm rot="16200000">
+            <a:off x="35982767" y="1443345"/>
+            <a:ext cx="548640" cy="3017520"/>
+            <a:chOff x="25275108" y="1009135"/>
+            <a:chExt cx="634254" cy="4248000"/>
+          </a:xfrm>
+        </p:grpSpPr>
+        <p:sp>
+          <p:nvSpPr>
+            <p:cNvPr id="75" name="Rectangle 74"/>
+            <p:cNvSpPr/>
+            <p:nvPr/>
+          </p:nvSpPr>
+          <p:spPr>
+            <a:xfrm>
+              <a:off x="25275108" y="1009135"/>
+              <a:ext cx="324000" cy="4248000"/>
+            </a:xfrm>
+            <a:prstGeom prst="rect">
+              <a:avLst/>
+            </a:prstGeom>
+          </p:spPr>
+          <p:style>
+            <a:lnRef idx="2">
+              <a:schemeClr val="accent1">
+                <a:shade val="50000"/>
+              </a:schemeClr>
+            </a:lnRef>
+            <a:fillRef idx="1">
+              <a:schemeClr val="accent1"/>
+            </a:fillRef>
+            <a:effectRef idx="0">
+              <a:schemeClr val="accent1"/>
+            </a:effectRef>
+            <a:fontRef idx="minor">
+              <a:schemeClr val="lt1"/>
+            </a:fontRef>
+          </p:style>
+          <p:txBody>
+            <a:bodyPr rtlCol="0" anchor="ctr"/>
+            <a:lstStyle/>
+            <a:p>
+              <a:pPr algn="ctr"/>
+              <a:endParaRPr lang="en-PH"/>
+            </a:p>
+          </p:txBody>
+        </p:sp>
+        <p:sp>
+          <p:nvSpPr>
+            <p:cNvPr id="76" name="Rectangle 75"/>
+            <p:cNvSpPr/>
+            <p:nvPr/>
+          </p:nvSpPr>
+          <p:spPr>
+            <a:xfrm>
+              <a:off x="25585362" y="1009135"/>
+              <a:ext cx="324000" cy="4248000"/>
+            </a:xfrm>
+            <a:prstGeom prst="rect">
+              <a:avLst/>
+            </a:prstGeom>
+          </p:spPr>
+          <p:style>
+            <a:lnRef idx="2">
+              <a:schemeClr val="accent4">
+                <a:shade val="50000"/>
+              </a:schemeClr>
+            </a:lnRef>
+            <a:fillRef idx="1">
+              <a:schemeClr val="accent4"/>
+            </a:fillRef>
+            <a:effectRef idx="0">
+              <a:schemeClr val="accent4"/>
+            </a:effectRef>
+            <a:fontRef idx="minor">
+              <a:schemeClr val="lt1"/>
+            </a:fontRef>
+          </p:style>
+          <p:txBody>
+            <a:bodyPr rtlCol="0" anchor="ctr"/>
+            <a:lstStyle/>
+            <a:p>
+              <a:pPr algn="ctr"/>
+              <a:endParaRPr lang="en-PH"/>
+            </a:p>
+          </p:txBody>
+        </p:sp>
+      </p:grpSp>
+      <p:sp>
+        <p:nvSpPr>
+          <p:cNvPr id="78" name="Rectangle 77"/>
+          <p:cNvSpPr/>
+          <p:nvPr/>
+        </p:nvSpPr>
+        <p:spPr>
+          <a:xfrm>
+            <a:off x="38870355" y="1823953"/>
+            <a:ext cx="280265" cy="2103120"/>
+          </a:xfrm>
+          <a:prstGeom prst="rect">
+            <a:avLst/>
+          </a:prstGeom>
+        </p:spPr>
+        <p:style>
+          <a:lnRef idx="2">
+            <a:schemeClr val="accent1">
+              <a:shade val="50000"/>
+            </a:schemeClr>
+          </a:lnRef>
+          <a:fillRef idx="1">
+            <a:schemeClr val="accent1"/>
+          </a:fillRef>
+          <a:effectRef idx="0">
+            <a:schemeClr val="accent1"/>
+          </a:effectRef>
+          <a:fontRef idx="minor">
+            <a:schemeClr val="lt1"/>
+          </a:fontRef>
+        </p:style>
+        <p:txBody>
+          <a:bodyPr rtlCol="0" anchor="ctr"/>
+          <a:lstStyle/>
+          <a:p>
+            <a:pPr algn="ctr"/>
+            <a:endParaRPr lang="en-PH"/>
+          </a:p>
+        </p:txBody>
+      </p:sp>
+      <p:sp>
+        <p:nvSpPr>
+          <p:cNvPr id="82" name="Rectangle 81"/>
+          <p:cNvSpPr/>
+          <p:nvPr/>
+        </p:nvSpPr>
+        <p:spPr>
+          <a:xfrm>
+            <a:off x="38870354" y="3178698"/>
+            <a:ext cx="280265" cy="731520"/>
+          </a:xfrm>
+          <a:prstGeom prst="rect">
+            <a:avLst/>
+          </a:prstGeom>
+        </p:spPr>
+        <p:style>
+          <a:lnRef idx="2">
+            <a:schemeClr val="accent4">
+              <a:shade val="50000"/>
+            </a:schemeClr>
+          </a:lnRef>
+          <a:fillRef idx="1">
+            <a:schemeClr val="accent4"/>
+          </a:fillRef>
+          <a:effectRef idx="0">
+            <a:schemeClr val="accent4"/>
+          </a:effectRef>
+          <a:fontRef idx="minor">
+            <a:schemeClr val="lt1"/>
+          </a:fontRef>
+        </p:style>
+        <p:txBody>
+          <a:bodyPr rtlCol="0" anchor="ctr"/>
+          <a:lstStyle/>
+          <a:p>
+            <a:pPr algn="ctr"/>
+            <a:endParaRPr lang="en-PH"/>
+          </a:p>
+        </p:txBody>
+      </p:sp>
+      <p:sp>
+        <p:nvSpPr>
+          <p:cNvPr id="83" name="Rectangle 82"/>
+          <p:cNvSpPr/>
+          <p:nvPr/>
+        </p:nvSpPr>
+        <p:spPr>
+          <a:xfrm>
+            <a:off x="28248144" y="545117"/>
+            <a:ext cx="3032720" cy="5287308"/>
+          </a:xfrm>
+          <a:prstGeom prst="rect">
+            <a:avLst/>
+          </a:prstGeom>
+          <a:solidFill>
+            <a:schemeClr val="accent3">
+              <a:lumMod val="40000"/>
+              <a:lumOff val="60000"/>
+            </a:schemeClr>
+          </a:solidFill>
+          <a:ln w="76200">
+            <a:solidFill>
+              <a:schemeClr val="accent3">
+                <a:lumMod val="75000"/>
+              </a:schemeClr>
+            </a:solidFill>
+          </a:ln>
+        </p:spPr>
+        <p:style>
+          <a:lnRef idx="2">
+            <a:schemeClr val="accent1">
+              <a:shade val="50000"/>
+            </a:schemeClr>
+          </a:lnRef>
+          <a:fillRef idx="1">
+            <a:schemeClr val="accent1"/>
+          </a:fillRef>
+          <a:effectRef idx="0">
+            <a:schemeClr val="accent1"/>
+          </a:effectRef>
+          <a:fontRef idx="minor">
+            <a:schemeClr val="lt1"/>
+          </a:fontRef>
+        </p:style>
+        <p:txBody>
+          <a:bodyPr rtlCol="0" anchor="ctr"/>
+          <a:lstStyle/>
+          <a:p>
+            <a:pPr algn="ctr"/>
+            <a:endParaRPr lang="en-PH"/>
+          </a:p>
+        </p:txBody>
+      </p:sp>
+      <p:sp>
+        <p:nvSpPr>
+          <p:cNvPr id="84" name="Rectangle 83"/>
+          <p:cNvSpPr/>
+          <p:nvPr/>
+        </p:nvSpPr>
+        <p:spPr>
+          <a:xfrm>
+            <a:off x="25174064" y="7736035"/>
+            <a:ext cx="3074080" cy="5657230"/>
+          </a:xfrm>
+          <a:prstGeom prst="rect">
+            <a:avLst/>
+          </a:prstGeom>
+          <a:solidFill>
+            <a:schemeClr val="accent6">
+              <a:lumMod val="40000"/>
+              <a:lumOff val="60000"/>
+            </a:schemeClr>
+          </a:solidFill>
+          <a:ln w="76200">
+            <a:solidFill>
+              <a:schemeClr val="accent6">
+                <a:lumMod val="75000"/>
+              </a:schemeClr>
+            </a:solidFill>
+          </a:ln>
+        </p:spPr>
+        <p:style>
+          <a:lnRef idx="2">
+            <a:schemeClr val="accent1">
+              <a:shade val="50000"/>
+            </a:schemeClr>
+          </a:lnRef>
+          <a:fillRef idx="1">
+            <a:schemeClr val="accent1"/>
+          </a:fillRef>
+          <a:effectRef idx="0">
+            <a:schemeClr val="accent1"/>
+          </a:effectRef>
+          <a:fontRef idx="minor">
+            <a:schemeClr val="lt1"/>
+          </a:fontRef>
+        </p:style>
+        <p:txBody>
+          <a:bodyPr rtlCol="0" anchor="ctr"/>
+          <a:lstStyle/>
+          <a:p>
+            <a:pPr algn="ctr"/>
+            <a:endParaRPr lang="en-PH"/>
+          </a:p>
+        </p:txBody>
+      </p:sp>
+      <p:grpSp>
+        <p:nvGrpSpPr>
+          <p:cNvPr id="88" name="Group 87"/>
+          <p:cNvGrpSpPr/>
+          <p:nvPr/>
+        </p:nvGrpSpPr>
+        <p:grpSpPr>
+          <a:xfrm>
+            <a:off x="29220204" y="8568029"/>
+            <a:ext cx="548640" cy="2377440"/>
+            <a:chOff x="25275108" y="1009135"/>
+            <a:chExt cx="634254" cy="4248000"/>
+          </a:xfrm>
+        </p:grpSpPr>
+        <p:sp>
+          <p:nvSpPr>
+            <p:cNvPr id="89" name="Rectangle 88"/>
+            <p:cNvSpPr/>
+            <p:nvPr/>
+          </p:nvSpPr>
+          <p:spPr>
+            <a:xfrm>
+              <a:off x="25275108" y="1009135"/>
+              <a:ext cx="324000" cy="4248000"/>
+            </a:xfrm>
+            <a:prstGeom prst="rect">
+              <a:avLst/>
+            </a:prstGeom>
+          </p:spPr>
+          <p:style>
+            <a:lnRef idx="2">
+              <a:schemeClr val="accent1">
+                <a:shade val="50000"/>
+              </a:schemeClr>
+            </a:lnRef>
+            <a:fillRef idx="1">
+              <a:schemeClr val="accent1"/>
+            </a:fillRef>
+            <a:effectRef idx="0">
+              <a:schemeClr val="accent1"/>
+            </a:effectRef>
+            <a:fontRef idx="minor">
+              <a:schemeClr val="lt1"/>
+            </a:fontRef>
+          </p:style>
+          <p:txBody>
+            <a:bodyPr rtlCol="0" anchor="ctr"/>
+            <a:lstStyle/>
+            <a:p>
+              <a:pPr algn="ctr"/>
+              <a:endParaRPr lang="en-PH"/>
+            </a:p>
+          </p:txBody>
+        </p:sp>
+        <p:sp>
+          <p:nvSpPr>
+            <p:cNvPr id="90" name="Rectangle 89"/>
+            <p:cNvSpPr/>
+            <p:nvPr/>
+          </p:nvSpPr>
+          <p:spPr>
+            <a:xfrm>
+              <a:off x="25585362" y="1009135"/>
+              <a:ext cx="324000" cy="4248000"/>
+            </a:xfrm>
+            <a:prstGeom prst="rect">
+              <a:avLst/>
+            </a:prstGeom>
+          </p:spPr>
+          <p:style>
+            <a:lnRef idx="2">
+              <a:schemeClr val="accent4">
+                <a:shade val="50000"/>
+              </a:schemeClr>
+            </a:lnRef>
+            <a:fillRef idx="1">
+              <a:schemeClr val="accent4"/>
+            </a:fillRef>
+            <a:effectRef idx="0">
+              <a:schemeClr val="accent4"/>
+            </a:effectRef>
+            <a:fontRef idx="minor">
+              <a:schemeClr val="lt1"/>
+            </a:fontRef>
+          </p:style>
+          <p:txBody>
+            <a:bodyPr rtlCol="0" anchor="ctr"/>
+            <a:lstStyle/>
+            <a:p>
+              <a:pPr algn="ctr"/>
+              <a:endParaRPr lang="en-PH"/>
+            </a:p>
+          </p:txBody>
+        </p:sp>
+      </p:grpSp>
+      <p:grpSp>
+        <p:nvGrpSpPr>
+          <p:cNvPr id="91" name="Group 90"/>
+          <p:cNvGrpSpPr/>
+          <p:nvPr/>
+        </p:nvGrpSpPr>
+        <p:grpSpPr>
+          <a:xfrm>
+            <a:off x="30315668" y="8568029"/>
+            <a:ext cx="548640" cy="2377440"/>
+            <a:chOff x="25275108" y="1009135"/>
+            <a:chExt cx="634254" cy="4248000"/>
+          </a:xfrm>
+        </p:grpSpPr>
+        <p:sp>
+          <p:nvSpPr>
+            <p:cNvPr id="92" name="Rectangle 91"/>
+            <p:cNvSpPr/>
+            <p:nvPr/>
+          </p:nvSpPr>
+          <p:spPr>
+            <a:xfrm>
+              <a:off x="25275108" y="1009135"/>
+              <a:ext cx="324000" cy="4248000"/>
+            </a:xfrm>
+            <a:prstGeom prst="rect">
+              <a:avLst/>
+            </a:prstGeom>
+          </p:spPr>
+          <p:style>
+            <a:lnRef idx="2">
+              <a:schemeClr val="accent1">
+                <a:shade val="50000"/>
+              </a:schemeClr>
+            </a:lnRef>
+            <a:fillRef idx="1">
+              <a:schemeClr val="accent1"/>
+            </a:fillRef>
+            <a:effectRef idx="0">
+              <a:schemeClr val="accent1"/>
+            </a:effectRef>
+            <a:fontRef idx="minor">
+              <a:schemeClr val="lt1"/>
+            </a:fontRef>
+          </p:style>
+          <p:txBody>
+            <a:bodyPr rtlCol="0" anchor="ctr"/>
+            <a:lstStyle/>
+            <a:p>
+              <a:pPr algn="ctr"/>
+              <a:endParaRPr lang="en-PH"/>
+            </a:p>
+          </p:txBody>
+        </p:sp>
+        <p:sp>
+          <p:nvSpPr>
+            <p:cNvPr id="93" name="Rectangle 92"/>
+            <p:cNvSpPr/>
+            <p:nvPr/>
+          </p:nvSpPr>
+          <p:spPr>
+            <a:xfrm>
+              <a:off x="25585362" y="1009135"/>
+              <a:ext cx="324000" cy="4248000"/>
+            </a:xfrm>
+            <a:prstGeom prst="rect">
+              <a:avLst/>
+            </a:prstGeom>
+          </p:spPr>
+          <p:style>
+            <a:lnRef idx="2">
+              <a:schemeClr val="accent4">
+                <a:shade val="50000"/>
+              </a:schemeClr>
+            </a:lnRef>
+            <a:fillRef idx="1">
+              <a:schemeClr val="accent4"/>
+            </a:fillRef>
+            <a:effectRef idx="0">
+              <a:schemeClr val="accent4"/>
+            </a:effectRef>
+            <a:fontRef idx="minor">
+              <a:schemeClr val="lt1"/>
+            </a:fontRef>
+          </p:style>
+          <p:txBody>
+            <a:bodyPr rtlCol="0" anchor="ctr"/>
+            <a:lstStyle/>
+            <a:p>
+              <a:pPr algn="ctr"/>
+              <a:endParaRPr lang="en-PH"/>
+            </a:p>
+          </p:txBody>
+        </p:sp>
+      </p:grpSp>
+      <p:sp>
+        <p:nvSpPr>
+          <p:cNvPr id="95" name="Rectangle 94"/>
+          <p:cNvSpPr/>
+          <p:nvPr/>
+        </p:nvSpPr>
+        <p:spPr>
+          <a:xfrm>
+            <a:off x="2931887" y="7794588"/>
+            <a:ext cx="18310774" cy="5540123"/>
+          </a:xfrm>
+          <a:prstGeom prst="rect">
+            <a:avLst/>
+          </a:prstGeom>
+          <a:ln/>
+        </p:spPr>
+        <p:style>
+          <a:lnRef idx="2">
+            <a:schemeClr val="accent4">
+              <a:shade val="50000"/>
+            </a:schemeClr>
+          </a:lnRef>
+          <a:fillRef idx="1">
+            <a:schemeClr val="accent4"/>
+          </a:fillRef>
+          <a:effectRef idx="0">
+            <a:schemeClr val="accent4"/>
+          </a:effectRef>
+          <a:fontRef idx="minor">
+            <a:schemeClr val="lt1"/>
+          </a:fontRef>
+        </p:style>
+        <p:txBody>
+          <a:bodyPr rtlCol="0" anchor="ctr"/>
+          <a:lstStyle/>
+          <a:p>
+            <a:pPr algn="ctr"/>
+            <a:endParaRPr lang="en-PH"/>
+          </a:p>
+        </p:txBody>
+      </p:sp>
+      <p:sp>
+        <p:nvSpPr>
+          <p:cNvPr id="79" name="L-Shape 78"/>
           <p:cNvSpPr/>
           <p:nvPr/>
         </p:nvSpPr>
         <p:spPr>
           <a:xfrm rot="5400000">
-            <a:off x="18852348" y="805912"/>
-            <a:ext cx="532151" cy="1656184"/>
+            <a:off x="17981248" y="290580"/>
+            <a:ext cx="720080" cy="936104"/>
           </a:xfrm>
           <a:prstGeom prst="corner">
             <a:avLst>
@@ -19123,345 +18962,16 @@
           </a:p>
         </p:txBody>
       </p:sp>
-      <p:grpSp>
-        <p:nvGrpSpPr>
-          <p:cNvPr id="8" name="Group 7"/>
-          <p:cNvGrpSpPr/>
-          <p:nvPr/>
-        </p:nvGrpSpPr>
-        <p:grpSpPr>
-          <a:xfrm rot="5400000">
-            <a:off x="22651583" y="-319494"/>
-            <a:ext cx="1430627" cy="1944217"/>
-            <a:chOff x="17650644" y="6552505"/>
-            <a:chExt cx="1935832" cy="942142"/>
-          </a:xfrm>
-          <a:solidFill>
-            <a:schemeClr val="accent2">
-              <a:lumMod val="40000"/>
-              <a:lumOff val="60000"/>
-            </a:schemeClr>
-          </a:solidFill>
-        </p:grpSpPr>
-        <p:sp>
-          <p:nvSpPr>
-            <p:cNvPr id="9" name="Rectangle 8"/>
-            <p:cNvSpPr/>
-            <p:nvPr/>
-          </p:nvSpPr>
-          <p:spPr>
-            <a:xfrm>
-              <a:off x="17650644" y="6552505"/>
-              <a:ext cx="1935832" cy="936104"/>
-            </a:xfrm>
-            <a:prstGeom prst="rect">
-              <a:avLst/>
-            </a:prstGeom>
-            <a:grpFill/>
-            <a:ln w="76200"/>
-          </p:spPr>
-          <p:style>
-            <a:lnRef idx="2">
-              <a:schemeClr val="accent1">
-                <a:shade val="50000"/>
-              </a:schemeClr>
-            </a:lnRef>
-            <a:fillRef idx="1">
-              <a:schemeClr val="accent1"/>
-            </a:fillRef>
-            <a:effectRef idx="0">
-              <a:schemeClr val="accent1"/>
-            </a:effectRef>
-            <a:fontRef idx="minor">
-              <a:schemeClr val="lt1"/>
-            </a:fontRef>
-          </p:style>
-          <p:txBody>
-            <a:bodyPr rtlCol="0" anchor="ctr"/>
-            <a:lstStyle/>
-            <a:p>
-              <a:pPr algn="ctr"/>
-              <a:endParaRPr lang="en-PH"/>
-            </a:p>
-          </p:txBody>
-        </p:sp>
-        <p:cxnSp>
-          <p:nvCxnSpPr>
-            <p:cNvPr id="10" name="Straight Connector 9"/>
-            <p:cNvCxnSpPr/>
-            <p:nvPr/>
-          </p:nvCxnSpPr>
-          <p:spPr>
-            <a:xfrm>
-              <a:off x="17930292" y="6552505"/>
-              <a:ext cx="0" cy="936104"/>
-            </a:xfrm>
-            <a:prstGeom prst="line">
-              <a:avLst/>
-            </a:prstGeom>
-            <a:grpFill/>
-            <a:ln w="76200">
-              <a:solidFill>
-                <a:schemeClr val="tx2">
-                  <a:lumMod val="75000"/>
-                </a:schemeClr>
-              </a:solidFill>
-            </a:ln>
-          </p:spPr>
-          <p:style>
-            <a:lnRef idx="1">
-              <a:schemeClr val="accent1"/>
-            </a:lnRef>
-            <a:fillRef idx="0">
-              <a:schemeClr val="accent1"/>
-            </a:fillRef>
-            <a:effectRef idx="0">
-              <a:schemeClr val="accent1"/>
-            </a:effectRef>
-            <a:fontRef idx="minor">
-              <a:schemeClr val="tx1"/>
-            </a:fontRef>
-          </p:style>
-        </p:cxnSp>
-        <p:cxnSp>
-          <p:nvCxnSpPr>
-            <p:cNvPr id="11" name="Straight Connector 10"/>
-            <p:cNvCxnSpPr/>
-            <p:nvPr/>
-          </p:nvCxnSpPr>
-          <p:spPr>
-            <a:xfrm>
-              <a:off x="18146316" y="6552505"/>
-              <a:ext cx="0" cy="936104"/>
-            </a:xfrm>
-            <a:prstGeom prst="line">
-              <a:avLst/>
-            </a:prstGeom>
-            <a:grpFill/>
-            <a:ln w="76200">
-              <a:solidFill>
-                <a:schemeClr val="tx2">
-                  <a:lumMod val="75000"/>
-                </a:schemeClr>
-              </a:solidFill>
-            </a:ln>
-          </p:spPr>
-          <p:style>
-            <a:lnRef idx="1">
-              <a:schemeClr val="accent1"/>
-            </a:lnRef>
-            <a:fillRef idx="0">
-              <a:schemeClr val="accent1"/>
-            </a:fillRef>
-            <a:effectRef idx="0">
-              <a:schemeClr val="accent1"/>
-            </a:effectRef>
-            <a:fontRef idx="minor">
-              <a:schemeClr val="tx1"/>
-            </a:fontRef>
-          </p:style>
-        </p:cxnSp>
-        <p:cxnSp>
-          <p:nvCxnSpPr>
-            <p:cNvPr id="12" name="Straight Connector 11"/>
-            <p:cNvCxnSpPr/>
-            <p:nvPr/>
-          </p:nvCxnSpPr>
-          <p:spPr>
-            <a:xfrm>
-              <a:off x="18362340" y="6552505"/>
-              <a:ext cx="0" cy="936104"/>
-            </a:xfrm>
-            <a:prstGeom prst="line">
-              <a:avLst/>
-            </a:prstGeom>
-            <a:grpFill/>
-            <a:ln w="76200">
-              <a:solidFill>
-                <a:schemeClr val="tx2">
-                  <a:lumMod val="75000"/>
-                </a:schemeClr>
-              </a:solidFill>
-            </a:ln>
-          </p:spPr>
-          <p:style>
-            <a:lnRef idx="1">
-              <a:schemeClr val="accent1"/>
-            </a:lnRef>
-            <a:fillRef idx="0">
-              <a:schemeClr val="accent1"/>
-            </a:fillRef>
-            <a:effectRef idx="0">
-              <a:schemeClr val="accent1"/>
-            </a:effectRef>
-            <a:fontRef idx="minor">
-              <a:schemeClr val="tx1"/>
-            </a:fontRef>
-          </p:style>
-        </p:cxnSp>
-        <p:cxnSp>
-          <p:nvCxnSpPr>
-            <p:cNvPr id="13" name="Straight Connector 12"/>
-            <p:cNvCxnSpPr/>
-            <p:nvPr/>
-          </p:nvCxnSpPr>
-          <p:spPr>
-            <a:xfrm>
-              <a:off x="18618560" y="6552505"/>
-              <a:ext cx="0" cy="936104"/>
-            </a:xfrm>
-            <a:prstGeom prst="line">
-              <a:avLst/>
-            </a:prstGeom>
-            <a:grpFill/>
-            <a:ln w="76200">
-              <a:solidFill>
-                <a:schemeClr val="tx2">
-                  <a:lumMod val="75000"/>
-                </a:schemeClr>
-              </a:solidFill>
-            </a:ln>
-          </p:spPr>
-          <p:style>
-            <a:lnRef idx="1">
-              <a:schemeClr val="accent1"/>
-            </a:lnRef>
-            <a:fillRef idx="0">
-              <a:schemeClr val="accent1"/>
-            </a:fillRef>
-            <a:effectRef idx="0">
-              <a:schemeClr val="accent1"/>
-            </a:effectRef>
-            <a:fontRef idx="minor">
-              <a:schemeClr val="tx1"/>
-            </a:fontRef>
-          </p:style>
-        </p:cxnSp>
-        <p:cxnSp>
-          <p:nvCxnSpPr>
-            <p:cNvPr id="14" name="Straight Connector 13"/>
-            <p:cNvCxnSpPr/>
-            <p:nvPr/>
-          </p:nvCxnSpPr>
-          <p:spPr>
-            <a:xfrm>
-              <a:off x="18866396" y="6558543"/>
-              <a:ext cx="0" cy="936104"/>
-            </a:xfrm>
-            <a:prstGeom prst="line">
-              <a:avLst/>
-            </a:prstGeom>
-            <a:grpFill/>
-            <a:ln w="76200">
-              <a:solidFill>
-                <a:schemeClr val="tx2">
-                  <a:lumMod val="75000"/>
-                </a:schemeClr>
-              </a:solidFill>
-            </a:ln>
-          </p:spPr>
-          <p:style>
-            <a:lnRef idx="1">
-              <a:schemeClr val="accent1"/>
-            </a:lnRef>
-            <a:fillRef idx="0">
-              <a:schemeClr val="accent1"/>
-            </a:fillRef>
-            <a:effectRef idx="0">
-              <a:schemeClr val="accent1"/>
-            </a:effectRef>
-            <a:fontRef idx="minor">
-              <a:schemeClr val="tx1"/>
-            </a:fontRef>
-          </p:style>
-        </p:cxnSp>
-        <p:cxnSp>
-          <p:nvCxnSpPr>
-            <p:cNvPr id="15" name="Straight Connector 14"/>
-            <p:cNvCxnSpPr/>
-            <p:nvPr/>
-          </p:nvCxnSpPr>
-          <p:spPr>
-            <a:xfrm>
-              <a:off x="19154428" y="6552505"/>
-              <a:ext cx="0" cy="936104"/>
-            </a:xfrm>
-            <a:prstGeom prst="line">
-              <a:avLst/>
-            </a:prstGeom>
-            <a:grpFill/>
-            <a:ln w="76200">
-              <a:solidFill>
-                <a:schemeClr val="tx2">
-                  <a:lumMod val="75000"/>
-                </a:schemeClr>
-              </a:solidFill>
-            </a:ln>
-          </p:spPr>
-          <p:style>
-            <a:lnRef idx="1">
-              <a:schemeClr val="accent1"/>
-            </a:lnRef>
-            <a:fillRef idx="0">
-              <a:schemeClr val="accent1"/>
-            </a:fillRef>
-            <a:effectRef idx="0">
-              <a:schemeClr val="accent1"/>
-            </a:effectRef>
-            <a:fontRef idx="minor">
-              <a:schemeClr val="tx1"/>
-            </a:fontRef>
-          </p:style>
-        </p:cxnSp>
-        <p:cxnSp>
-          <p:nvCxnSpPr>
-            <p:cNvPr id="16" name="Straight Connector 15"/>
-            <p:cNvCxnSpPr/>
-            <p:nvPr/>
-          </p:nvCxnSpPr>
-          <p:spPr>
-            <a:xfrm>
-              <a:off x="19370452" y="6552505"/>
-              <a:ext cx="0" cy="936104"/>
-            </a:xfrm>
-            <a:prstGeom prst="line">
-              <a:avLst/>
-            </a:prstGeom>
-            <a:grpFill/>
-            <a:ln w="76200">
-              <a:solidFill>
-                <a:schemeClr val="tx2">
-                  <a:lumMod val="75000"/>
-                </a:schemeClr>
-              </a:solidFill>
-            </a:ln>
-          </p:spPr>
-          <p:style>
-            <a:lnRef idx="1">
-              <a:schemeClr val="accent1"/>
-            </a:lnRef>
-            <a:fillRef idx="0">
-              <a:schemeClr val="accent1"/>
-            </a:fillRef>
-            <a:effectRef idx="0">
-              <a:schemeClr val="accent1"/>
-            </a:effectRef>
-            <a:fontRef idx="minor">
-              <a:schemeClr val="tx1"/>
-            </a:fontRef>
-          </p:style>
-        </p:cxnSp>
-      </p:grpSp>
       <p:sp>
         <p:nvSpPr>
-          <p:cNvPr id="26" name="L-Shape 25"/>
+          <p:cNvPr id="80" name="L-Shape 79"/>
           <p:cNvSpPr/>
           <p:nvPr/>
         </p:nvSpPr>
         <p:spPr>
-          <a:xfrm rot="10800000" flipV="1">
-            <a:off x="19946516" y="748585"/>
-            <a:ext cx="529884" cy="648072"/>
+          <a:xfrm rot="16200000" flipV="1">
+            <a:off x="19247859" y="-277754"/>
+            <a:ext cx="720080" cy="936104"/>
           </a:xfrm>
           <a:prstGeom prst="corner">
             <a:avLst>
@@ -19495,10 +19005,57 @@
           </a:p>
         </p:txBody>
       </p:sp>
+      <p:sp>
+        <p:nvSpPr>
+          <p:cNvPr id="102" name="Rectangle 101"/>
+          <p:cNvSpPr/>
+          <p:nvPr/>
+        </p:nvSpPr>
+        <p:spPr>
+          <a:xfrm>
+            <a:off x="21155403" y="7710832"/>
+            <a:ext cx="3970663" cy="5724811"/>
+          </a:xfrm>
+          <a:prstGeom prst="rect">
+            <a:avLst/>
+          </a:prstGeom>
+          <a:solidFill>
+            <a:schemeClr val="accent3">
+              <a:lumMod val="40000"/>
+              <a:lumOff val="60000"/>
+            </a:schemeClr>
+          </a:solidFill>
+          <a:ln w="76200"/>
+        </p:spPr>
+        <p:style>
+          <a:lnRef idx="2">
+            <a:schemeClr val="accent1">
+              <a:shade val="50000"/>
+            </a:schemeClr>
+          </a:lnRef>
+          <a:fillRef idx="1">
+            <a:schemeClr val="accent1"/>
+          </a:fillRef>
+          <a:effectRef idx="0">
+            <a:schemeClr val="accent1"/>
+          </a:effectRef>
+          <a:fontRef idx="minor">
+            <a:schemeClr val="lt1"/>
+          </a:fontRef>
+        </p:style>
+        <p:txBody>
+          <a:bodyPr rtlCol="0" anchor="ctr"/>
+          <a:lstStyle/>
+          <a:p>
+            <a:pPr algn="ctr"/>
+            <a:endParaRPr lang="en-PH"/>
+          </a:p>
+        </p:txBody>
+      </p:sp>
     </p:spTree>
     <p:extLst>
       <p:ext uri="{BB962C8B-B14F-4D97-AF65-F5344CB8AC3E}">
-        <p14:creationId xmlns:p14="http://schemas.microsoft.com/office/powerpoint/2010/main" val="4267180093"/>
+        <p14:creationId xmlns:p14="http://schemas.microsoft.com/office/powerpoint/2010/main" val="2095750972"/>
       </p:ext>
     </p:extLst>
   </p:cSld>
@@ -19804,6 +19361,267 @@
         <a:sysClr val="window" lastClr="FFFFFF"/>
       </a:lt1>
       <a:dk2>
+        <a:srgbClr val="44546A"/>
+      </a:dk2>
+      <a:lt2>
+        <a:srgbClr val="E7E6E6"/>
+      </a:lt2>
+      <a:accent1>
+        <a:srgbClr val="5B9BD5"/>
+      </a:accent1>
+      <a:accent2>
+        <a:srgbClr val="ED7D31"/>
+      </a:accent2>
+      <a:accent3>
+        <a:srgbClr val="A5A5A5"/>
+      </a:accent3>
+      <a:accent4>
+        <a:srgbClr val="FFC000"/>
+      </a:accent4>
+      <a:accent5>
+        <a:srgbClr val="4472C4"/>
+      </a:accent5>
+      <a:accent6>
+        <a:srgbClr val="70AD47"/>
+      </a:accent6>
+      <a:hlink>
+        <a:srgbClr val="0563C1"/>
+      </a:hlink>
+      <a:folHlink>
+        <a:srgbClr val="954F72"/>
+      </a:folHlink>
+    </a:clrScheme>
+    <a:fontScheme name="Office">
+      <a:majorFont>
+        <a:latin typeface="Calibri Light" panose="020F0302020204030204"/>
+        <a:ea typeface=""/>
+        <a:cs typeface=""/>
+        <a:font script="Jpan" typeface="ＭＳ Ｐゴシック"/>
+        <a:font script="Hang" typeface="맑은 고딕"/>
+        <a:font script="Hans" typeface="宋体"/>
+        <a:font script="Hant" typeface="新細明體"/>
+        <a:font script="Arab" typeface="Times New Roman"/>
+        <a:font script="Hebr" typeface="Times New Roman"/>
+        <a:font script="Thai" typeface="Angsana New"/>
+        <a:font script="Ethi" typeface="Nyala"/>
+        <a:font script="Beng" typeface="Vrinda"/>
+        <a:font script="Gujr" typeface="Shruti"/>
+        <a:font script="Khmr" typeface="MoolBoran"/>
+        <a:font script="Knda" typeface="Tunga"/>
+        <a:font script="Guru" typeface="Raavi"/>
+        <a:font script="Cans" typeface="Euphemia"/>
+        <a:font script="Cher" typeface="Plantagenet Cherokee"/>
+        <a:font script="Yiii" typeface="Microsoft Yi Baiti"/>
+        <a:font script="Tibt" typeface="Microsoft Himalaya"/>
+        <a:font script="Thaa" typeface="MV Boli"/>
+        <a:font script="Deva" typeface="Mangal"/>
+        <a:font script="Telu" typeface="Gautami"/>
+        <a:font script="Taml" typeface="Latha"/>
+        <a:font script="Syrc" typeface="Estrangelo Edessa"/>
+        <a:font script="Orya" typeface="Kalinga"/>
+        <a:font script="Mlym" typeface="Kartika"/>
+        <a:font script="Laoo" typeface="DokChampa"/>
+        <a:font script="Sinh" typeface="Iskoola Pota"/>
+        <a:font script="Mong" typeface="Mongolian Baiti"/>
+        <a:font script="Viet" typeface="Times New Roman"/>
+        <a:font script="Uigh" typeface="Microsoft Uighur"/>
+        <a:font script="Geor" typeface="Sylfaen"/>
+      </a:majorFont>
+      <a:minorFont>
+        <a:latin typeface="Calibri" panose="020F0502020204030204"/>
+        <a:ea typeface=""/>
+        <a:cs typeface=""/>
+        <a:font script="Jpan" typeface="ＭＳ Ｐゴシック"/>
+        <a:font script="Hang" typeface="맑은 고딕"/>
+        <a:font script="Hans" typeface="宋体"/>
+        <a:font script="Hant" typeface="新細明體"/>
+        <a:font script="Arab" typeface="Arial"/>
+        <a:font script="Hebr" typeface="Arial"/>
+        <a:font script="Thai" typeface="Cordia New"/>
+        <a:font script="Ethi" typeface="Nyala"/>
+        <a:font script="Beng" typeface="Vrinda"/>
+        <a:font script="Gujr" typeface="Shruti"/>
+        <a:font script="Khmr" typeface="DaunPenh"/>
+        <a:font script="Knda" typeface="Tunga"/>
+        <a:font script="Guru" typeface="Raavi"/>
+        <a:font script="Cans" typeface="Euphemia"/>
+        <a:font script="Cher" typeface="Plantagenet Cherokee"/>
+        <a:font script="Yiii" typeface="Microsoft Yi Baiti"/>
+        <a:font script="Tibt" typeface="Microsoft Himalaya"/>
+        <a:font script="Thaa" typeface="MV Boli"/>
+        <a:font script="Deva" typeface="Mangal"/>
+        <a:font script="Telu" typeface="Gautami"/>
+        <a:font script="Taml" typeface="Latha"/>
+        <a:font script="Syrc" typeface="Estrangelo Edessa"/>
+        <a:font script="Orya" typeface="Kalinga"/>
+        <a:font script="Mlym" typeface="Kartika"/>
+        <a:font script="Laoo" typeface="DokChampa"/>
+        <a:font script="Sinh" typeface="Iskoola Pota"/>
+        <a:font script="Mong" typeface="Mongolian Baiti"/>
+        <a:font script="Viet" typeface="Arial"/>
+        <a:font script="Uigh" typeface="Microsoft Uighur"/>
+        <a:font script="Geor" typeface="Sylfaen"/>
+      </a:minorFont>
+    </a:fontScheme>
+    <a:fmtScheme name="Office">
+      <a:fillStyleLst>
+        <a:solidFill>
+          <a:schemeClr val="phClr"/>
+        </a:solidFill>
+        <a:gradFill rotWithShape="1">
+          <a:gsLst>
+            <a:gs pos="0">
+              <a:schemeClr val="phClr">
+                <a:lumMod val="110000"/>
+                <a:satMod val="105000"/>
+                <a:tint val="67000"/>
+              </a:schemeClr>
+            </a:gs>
+            <a:gs pos="50000">
+              <a:schemeClr val="phClr">
+                <a:lumMod val="105000"/>
+                <a:satMod val="103000"/>
+                <a:tint val="73000"/>
+              </a:schemeClr>
+            </a:gs>
+            <a:gs pos="100000">
+              <a:schemeClr val="phClr">
+                <a:lumMod val="105000"/>
+                <a:satMod val="109000"/>
+                <a:tint val="81000"/>
+              </a:schemeClr>
+            </a:gs>
+          </a:gsLst>
+          <a:lin ang="5400000" scaled="0"/>
+        </a:gradFill>
+        <a:gradFill rotWithShape="1">
+          <a:gsLst>
+            <a:gs pos="0">
+              <a:schemeClr val="phClr">
+                <a:satMod val="103000"/>
+                <a:lumMod val="102000"/>
+                <a:tint val="94000"/>
+              </a:schemeClr>
+            </a:gs>
+            <a:gs pos="50000">
+              <a:schemeClr val="phClr">
+                <a:satMod val="110000"/>
+                <a:lumMod val="100000"/>
+                <a:shade val="100000"/>
+              </a:schemeClr>
+            </a:gs>
+            <a:gs pos="100000">
+              <a:schemeClr val="phClr">
+                <a:lumMod val="99000"/>
+                <a:satMod val="120000"/>
+                <a:shade val="78000"/>
+              </a:schemeClr>
+            </a:gs>
+          </a:gsLst>
+          <a:lin ang="5400000" scaled="0"/>
+        </a:gradFill>
+      </a:fillStyleLst>
+      <a:lnStyleLst>
+        <a:ln w="6350" cap="flat" cmpd="sng" algn="ctr">
+          <a:solidFill>
+            <a:schemeClr val="phClr"/>
+          </a:solidFill>
+          <a:prstDash val="solid"/>
+          <a:miter lim="800000"/>
+        </a:ln>
+        <a:ln w="12700" cap="flat" cmpd="sng" algn="ctr">
+          <a:solidFill>
+            <a:schemeClr val="phClr"/>
+          </a:solidFill>
+          <a:prstDash val="solid"/>
+          <a:miter lim="800000"/>
+        </a:ln>
+        <a:ln w="19050" cap="flat" cmpd="sng" algn="ctr">
+          <a:solidFill>
+            <a:schemeClr val="phClr"/>
+          </a:solidFill>
+          <a:prstDash val="solid"/>
+          <a:miter lim="800000"/>
+        </a:ln>
+      </a:lnStyleLst>
+      <a:effectStyleLst>
+        <a:effectStyle>
+          <a:effectLst/>
+        </a:effectStyle>
+        <a:effectStyle>
+          <a:effectLst/>
+        </a:effectStyle>
+        <a:effectStyle>
+          <a:effectLst>
+            <a:outerShdw blurRad="57150" dist="19050" dir="5400000" algn="ctr" rotWithShape="0">
+              <a:srgbClr val="000000">
+                <a:alpha val="63000"/>
+              </a:srgbClr>
+            </a:outerShdw>
+          </a:effectLst>
+        </a:effectStyle>
+      </a:effectStyleLst>
+      <a:bgFillStyleLst>
+        <a:solidFill>
+          <a:schemeClr val="phClr"/>
+        </a:solidFill>
+        <a:solidFill>
+          <a:schemeClr val="phClr">
+            <a:tint val="95000"/>
+            <a:satMod val="170000"/>
+          </a:schemeClr>
+        </a:solidFill>
+        <a:gradFill rotWithShape="1">
+          <a:gsLst>
+            <a:gs pos="0">
+              <a:schemeClr val="phClr">
+                <a:tint val="93000"/>
+                <a:satMod val="150000"/>
+                <a:shade val="98000"/>
+                <a:lumMod val="102000"/>
+              </a:schemeClr>
+            </a:gs>
+            <a:gs pos="50000">
+              <a:schemeClr val="phClr">
+                <a:tint val="98000"/>
+                <a:satMod val="130000"/>
+                <a:shade val="90000"/>
+                <a:lumMod val="103000"/>
+              </a:schemeClr>
+            </a:gs>
+            <a:gs pos="100000">
+              <a:schemeClr val="phClr">
+                <a:shade val="63000"/>
+                <a:satMod val="120000"/>
+              </a:schemeClr>
+            </a:gs>
+          </a:gsLst>
+          <a:lin ang="5400000" scaled="0"/>
+        </a:gradFill>
+      </a:bgFillStyleLst>
+    </a:fmtScheme>
+  </a:themeElements>
+  <a:objectDefaults/>
+  <a:extraClrSchemeLst/>
+  <a:extLst>
+    <a:ext uri="{05A4C25C-085E-4340-85A3-A5531E510DB2}">
+      <thm15:themeFamily xmlns:thm15="http://schemas.microsoft.com/office/thememl/2012/main" name="Office Theme" id="{62F939B6-93AF-4DB8-9C6B-D6C7DFDC589F}" vid="{4A3C46E8-61CC-4603-A589-7422A47A8E4A}"/>
+    </a:ext>
+  </a:extLst>
+</a:theme>
+</file>
+
+<file path=ppt/theme/theme3.xml><?xml version="1.0" encoding="utf-8"?>
+<a:theme xmlns:a="http://schemas.openxmlformats.org/drawingml/2006/main" name="Office Theme">
+  <a:themeElements>
+    <a:clrScheme name="Office">
+      <a:dk1>
+        <a:sysClr val="windowText" lastClr="000000"/>
+      </a:dk1>
+      <a:lt1>
+        <a:sysClr val="window" lastClr="FFFFFF"/>
+      </a:lt1>
+      <a:dk2>
         <a:srgbClr val="1F497D"/>
       </a:dk2>
       <a:lt2>

--- a/MP1/SVG maps/library.pptx
+++ b/MP1/SVG maps/library.pptx
@@ -5,15 +5,16 @@
     <p:sldMasterId id="2147483648" r:id="rId1"/>
   </p:sldMasterIdLst>
   <p:notesMasterIdLst>
-    <p:notesMasterId r:id="rId5"/>
+    <p:notesMasterId r:id="rId6"/>
   </p:notesMasterIdLst>
   <p:handoutMasterIdLst>
-    <p:handoutMasterId r:id="rId6"/>
+    <p:handoutMasterId r:id="rId7"/>
   </p:handoutMasterIdLst>
   <p:sldIdLst>
     <p:sldId id="256" r:id="rId2"/>
     <p:sldId id="257" r:id="rId3"/>
-    <p:sldId id="260" r:id="rId4"/>
+    <p:sldId id="261" r:id="rId4"/>
+    <p:sldId id="260" r:id="rId5"/>
   </p:sldIdLst>
   <p:sldSz cx="43205400" cy="13681075"/>
   <p:notesSz cx="6858000" cy="9144000"/>
@@ -725,7 +726,7 @@
           <a:p>
             <a:fld id="{223FB6ED-9980-4739-97C6-112DBF3635CE}" type="slidenum">
               <a:rPr lang="en-US" smtClean="0"/>
-              <a:t>3</a:t>
+              <a:t>4</a:t>
             </a:fld>
             <a:endParaRPr lang="en-US"/>
           </a:p>
@@ -17024,6 +17025,6573 @@
       </p:grpSpPr>
       <p:sp>
         <p:nvSpPr>
+          <p:cNvPr id="79" name="Rectangle 78"/>
+          <p:cNvSpPr/>
+          <p:nvPr/>
+        </p:nvSpPr>
+        <p:spPr>
+          <a:xfrm>
+            <a:off x="39485745" y="5494348"/>
+            <a:ext cx="2661618" cy="2303010"/>
+          </a:xfrm>
+          <a:prstGeom prst="rect">
+            <a:avLst/>
+          </a:prstGeom>
+          <a:solidFill>
+            <a:schemeClr val="accent4">
+              <a:lumMod val="20000"/>
+              <a:lumOff val="80000"/>
+            </a:schemeClr>
+          </a:solidFill>
+          <a:ln w="76200"/>
+        </p:spPr>
+        <p:style>
+          <a:lnRef idx="2">
+            <a:schemeClr val="accent1">
+              <a:shade val="50000"/>
+            </a:schemeClr>
+          </a:lnRef>
+          <a:fillRef idx="1">
+            <a:schemeClr val="accent1"/>
+          </a:fillRef>
+          <a:effectRef idx="0">
+            <a:schemeClr val="accent1"/>
+          </a:effectRef>
+          <a:fontRef idx="minor">
+            <a:schemeClr val="lt1"/>
+          </a:fontRef>
+        </p:style>
+        <p:txBody>
+          <a:bodyPr rtlCol="0" anchor="ctr"/>
+          <a:lstStyle/>
+          <a:p>
+            <a:pPr algn="ctr"/>
+            <a:endParaRPr lang="en-PH"/>
+          </a:p>
+        </p:txBody>
+      </p:sp>
+      <p:sp>
+        <p:nvSpPr>
+          <p:cNvPr id="75" name="Rectangle 74"/>
+          <p:cNvSpPr/>
+          <p:nvPr/>
+        </p:nvSpPr>
+        <p:spPr>
+          <a:xfrm>
+            <a:off x="3168652" y="294103"/>
+            <a:ext cx="36292032" cy="12739121"/>
+          </a:xfrm>
+          <a:prstGeom prst="rect">
+            <a:avLst/>
+          </a:prstGeom>
+          <a:solidFill>
+            <a:schemeClr val="accent5">
+              <a:lumMod val="40000"/>
+              <a:lumOff val="60000"/>
+            </a:schemeClr>
+          </a:solidFill>
+        </p:spPr>
+        <p:style>
+          <a:lnRef idx="2">
+            <a:schemeClr val="accent1">
+              <a:shade val="50000"/>
+            </a:schemeClr>
+          </a:lnRef>
+          <a:fillRef idx="1">
+            <a:schemeClr val="accent1"/>
+          </a:fillRef>
+          <a:effectRef idx="0">
+            <a:schemeClr val="accent1"/>
+          </a:effectRef>
+          <a:fontRef idx="minor">
+            <a:schemeClr val="lt1"/>
+          </a:fontRef>
+        </p:style>
+        <p:txBody>
+          <a:bodyPr rtlCol="0" anchor="ctr"/>
+          <a:lstStyle/>
+          <a:p>
+            <a:pPr algn="ctr"/>
+            <a:endParaRPr lang="en-PH" dirty="0"/>
+          </a:p>
+        </p:txBody>
+      </p:sp>
+      <p:sp>
+        <p:nvSpPr>
+          <p:cNvPr id="280" name="Round Same Side Corner Rectangle 279"/>
+          <p:cNvSpPr/>
+          <p:nvPr/>
+        </p:nvSpPr>
+        <p:spPr>
+          <a:xfrm flipV="1">
+            <a:off x="4104756" y="339023"/>
+            <a:ext cx="34303177" cy="6194169"/>
+          </a:xfrm>
+          <a:prstGeom prst="round2SameRect">
+            <a:avLst/>
+          </a:prstGeom>
+          <a:solidFill>
+            <a:schemeClr val="accent5">
+              <a:lumMod val="20000"/>
+              <a:lumOff val="80000"/>
+            </a:schemeClr>
+          </a:solidFill>
+        </p:spPr>
+        <p:style>
+          <a:lnRef idx="2">
+            <a:schemeClr val="accent1">
+              <a:shade val="50000"/>
+            </a:schemeClr>
+          </a:lnRef>
+          <a:fillRef idx="1">
+            <a:schemeClr val="accent1"/>
+          </a:fillRef>
+          <a:effectRef idx="0">
+            <a:schemeClr val="accent1"/>
+          </a:effectRef>
+          <a:fontRef idx="minor">
+            <a:schemeClr val="lt1"/>
+          </a:fontRef>
+        </p:style>
+        <p:txBody>
+          <a:bodyPr rtlCol="0" anchor="ctr"/>
+          <a:lstStyle/>
+          <a:p>
+            <a:pPr algn="ctr"/>
+            <a:endParaRPr lang="en-PH"/>
+          </a:p>
+        </p:txBody>
+      </p:sp>
+      <p:sp>
+        <p:nvSpPr>
+          <p:cNvPr id="7" name="Rectangle 6"/>
+          <p:cNvSpPr/>
+          <p:nvPr/>
+        </p:nvSpPr>
+        <p:spPr>
+          <a:xfrm>
+            <a:off x="20090532" y="1655961"/>
+            <a:ext cx="2592288" cy="1440160"/>
+          </a:xfrm>
+          <a:prstGeom prst="rect">
+            <a:avLst/>
+          </a:prstGeom>
+          <a:solidFill>
+            <a:schemeClr val="accent6">
+              <a:lumMod val="40000"/>
+              <a:lumOff val="60000"/>
+            </a:schemeClr>
+          </a:solidFill>
+          <a:ln w="76200"/>
+        </p:spPr>
+        <p:style>
+          <a:lnRef idx="2">
+            <a:schemeClr val="accent1">
+              <a:shade val="50000"/>
+            </a:schemeClr>
+          </a:lnRef>
+          <a:fillRef idx="1">
+            <a:schemeClr val="accent1"/>
+          </a:fillRef>
+          <a:effectRef idx="0">
+            <a:schemeClr val="accent1"/>
+          </a:effectRef>
+          <a:fontRef idx="minor">
+            <a:schemeClr val="lt1"/>
+          </a:fontRef>
+        </p:style>
+        <p:txBody>
+          <a:bodyPr rtlCol="0" anchor="ctr"/>
+          <a:lstStyle/>
+          <a:p>
+            <a:pPr algn="ctr"/>
+            <a:endParaRPr lang="en-PH"/>
+          </a:p>
+        </p:txBody>
+      </p:sp>
+      <p:cxnSp>
+        <p:nvCxnSpPr>
+          <p:cNvPr id="19" name="Straight Connector 18"/>
+          <p:cNvCxnSpPr/>
+          <p:nvPr/>
+        </p:nvCxnSpPr>
+        <p:spPr>
+          <a:xfrm>
+            <a:off x="17930292" y="359817"/>
+            <a:ext cx="0" cy="1296144"/>
+          </a:xfrm>
+          <a:prstGeom prst="line">
+            <a:avLst/>
+          </a:prstGeom>
+          <a:ln w="76200">
+            <a:solidFill>
+              <a:schemeClr val="tx2">
+                <a:lumMod val="75000"/>
+              </a:schemeClr>
+            </a:solidFill>
+          </a:ln>
+        </p:spPr>
+        <p:style>
+          <a:lnRef idx="1">
+            <a:schemeClr val="accent1"/>
+          </a:lnRef>
+          <a:fillRef idx="0">
+            <a:schemeClr val="accent1"/>
+          </a:fillRef>
+          <a:effectRef idx="0">
+            <a:schemeClr val="accent1"/>
+          </a:effectRef>
+          <a:fontRef idx="minor">
+            <a:schemeClr val="tx1"/>
+          </a:fontRef>
+        </p:style>
+      </p:cxnSp>
+      <p:cxnSp>
+        <p:nvCxnSpPr>
+          <p:cNvPr id="21" name="Straight Connector 20"/>
+          <p:cNvCxnSpPr/>
+          <p:nvPr/>
+        </p:nvCxnSpPr>
+        <p:spPr>
+          <a:xfrm>
+            <a:off x="24771052" y="358571"/>
+            <a:ext cx="0" cy="1296144"/>
+          </a:xfrm>
+          <a:prstGeom prst="line">
+            <a:avLst/>
+          </a:prstGeom>
+          <a:ln w="76200">
+            <a:solidFill>
+              <a:schemeClr val="tx2">
+                <a:lumMod val="75000"/>
+              </a:schemeClr>
+            </a:solidFill>
+          </a:ln>
+        </p:spPr>
+        <p:style>
+          <a:lnRef idx="1">
+            <a:schemeClr val="accent1"/>
+          </a:lnRef>
+          <a:fillRef idx="0">
+            <a:schemeClr val="accent1"/>
+          </a:fillRef>
+          <a:effectRef idx="0">
+            <a:schemeClr val="accent1"/>
+          </a:effectRef>
+          <a:fontRef idx="minor">
+            <a:schemeClr val="tx1"/>
+          </a:fontRef>
+        </p:style>
+      </p:cxnSp>
+      <p:grpSp>
+        <p:nvGrpSpPr>
+          <p:cNvPr id="38" name="Group 37"/>
+          <p:cNvGrpSpPr/>
+          <p:nvPr/>
+        </p:nvGrpSpPr>
+        <p:grpSpPr>
+          <a:xfrm>
+            <a:off x="17650644" y="6552505"/>
+            <a:ext cx="1935832" cy="942142"/>
+            <a:chOff x="17650644" y="6552505"/>
+            <a:chExt cx="1935832" cy="942142"/>
+          </a:xfrm>
+          <a:solidFill>
+            <a:schemeClr val="accent2">
+              <a:lumMod val="40000"/>
+              <a:lumOff val="60000"/>
+            </a:schemeClr>
+          </a:solidFill>
+        </p:grpSpPr>
+        <p:sp>
+          <p:nvSpPr>
+            <p:cNvPr id="17" name="Rectangle 16"/>
+            <p:cNvSpPr/>
+            <p:nvPr/>
+          </p:nvSpPr>
+          <p:spPr>
+            <a:xfrm>
+              <a:off x="17650644" y="6552505"/>
+              <a:ext cx="1935832" cy="936104"/>
+            </a:xfrm>
+            <a:prstGeom prst="rect">
+              <a:avLst/>
+            </a:prstGeom>
+            <a:grpFill/>
+            <a:ln w="76200"/>
+          </p:spPr>
+          <p:style>
+            <a:lnRef idx="2">
+              <a:schemeClr val="accent1">
+                <a:shade val="50000"/>
+              </a:schemeClr>
+            </a:lnRef>
+            <a:fillRef idx="1">
+              <a:schemeClr val="accent1"/>
+            </a:fillRef>
+            <a:effectRef idx="0">
+              <a:schemeClr val="accent1"/>
+            </a:effectRef>
+            <a:fontRef idx="minor">
+              <a:schemeClr val="lt1"/>
+            </a:fontRef>
+          </p:style>
+          <p:txBody>
+            <a:bodyPr rtlCol="0" anchor="ctr"/>
+            <a:lstStyle/>
+            <a:p>
+              <a:pPr algn="ctr"/>
+              <a:endParaRPr lang="en-PH"/>
+            </a:p>
+          </p:txBody>
+        </p:sp>
+        <p:cxnSp>
+          <p:nvCxnSpPr>
+            <p:cNvPr id="22" name="Straight Connector 21"/>
+            <p:cNvCxnSpPr/>
+            <p:nvPr/>
+          </p:nvCxnSpPr>
+          <p:spPr>
+            <a:xfrm>
+              <a:off x="17930292" y="6552505"/>
+              <a:ext cx="0" cy="936104"/>
+            </a:xfrm>
+            <a:prstGeom prst="line">
+              <a:avLst/>
+            </a:prstGeom>
+            <a:grpFill/>
+            <a:ln w="76200">
+              <a:solidFill>
+                <a:schemeClr val="tx2">
+                  <a:lumMod val="75000"/>
+                </a:schemeClr>
+              </a:solidFill>
+            </a:ln>
+          </p:spPr>
+          <p:style>
+            <a:lnRef idx="1">
+              <a:schemeClr val="accent1"/>
+            </a:lnRef>
+            <a:fillRef idx="0">
+              <a:schemeClr val="accent1"/>
+            </a:fillRef>
+            <a:effectRef idx="0">
+              <a:schemeClr val="accent1"/>
+            </a:effectRef>
+            <a:fontRef idx="minor">
+              <a:schemeClr val="tx1"/>
+            </a:fontRef>
+          </p:style>
+        </p:cxnSp>
+        <p:cxnSp>
+          <p:nvCxnSpPr>
+            <p:cNvPr id="24" name="Straight Connector 23"/>
+            <p:cNvCxnSpPr/>
+            <p:nvPr/>
+          </p:nvCxnSpPr>
+          <p:spPr>
+            <a:xfrm>
+              <a:off x="18146316" y="6552505"/>
+              <a:ext cx="0" cy="936104"/>
+            </a:xfrm>
+            <a:prstGeom prst="line">
+              <a:avLst/>
+            </a:prstGeom>
+            <a:grpFill/>
+            <a:ln w="76200">
+              <a:solidFill>
+                <a:schemeClr val="tx2">
+                  <a:lumMod val="75000"/>
+                </a:schemeClr>
+              </a:solidFill>
+            </a:ln>
+          </p:spPr>
+          <p:style>
+            <a:lnRef idx="1">
+              <a:schemeClr val="accent1"/>
+            </a:lnRef>
+            <a:fillRef idx="0">
+              <a:schemeClr val="accent1"/>
+            </a:fillRef>
+            <a:effectRef idx="0">
+              <a:schemeClr val="accent1"/>
+            </a:effectRef>
+            <a:fontRef idx="minor">
+              <a:schemeClr val="tx1"/>
+            </a:fontRef>
+          </p:style>
+        </p:cxnSp>
+        <p:cxnSp>
+          <p:nvCxnSpPr>
+            <p:cNvPr id="25" name="Straight Connector 24"/>
+            <p:cNvCxnSpPr/>
+            <p:nvPr/>
+          </p:nvCxnSpPr>
+          <p:spPr>
+            <a:xfrm>
+              <a:off x="18362340" y="6552505"/>
+              <a:ext cx="0" cy="936104"/>
+            </a:xfrm>
+            <a:prstGeom prst="line">
+              <a:avLst/>
+            </a:prstGeom>
+            <a:grpFill/>
+            <a:ln w="76200">
+              <a:solidFill>
+                <a:schemeClr val="tx2">
+                  <a:lumMod val="75000"/>
+                </a:schemeClr>
+              </a:solidFill>
+            </a:ln>
+          </p:spPr>
+          <p:style>
+            <a:lnRef idx="1">
+              <a:schemeClr val="accent1"/>
+            </a:lnRef>
+            <a:fillRef idx="0">
+              <a:schemeClr val="accent1"/>
+            </a:fillRef>
+            <a:effectRef idx="0">
+              <a:schemeClr val="accent1"/>
+            </a:effectRef>
+            <a:fontRef idx="minor">
+              <a:schemeClr val="tx1"/>
+            </a:fontRef>
+          </p:style>
+        </p:cxnSp>
+        <p:cxnSp>
+          <p:nvCxnSpPr>
+            <p:cNvPr id="26" name="Straight Connector 25"/>
+            <p:cNvCxnSpPr/>
+            <p:nvPr/>
+          </p:nvCxnSpPr>
+          <p:spPr>
+            <a:xfrm>
+              <a:off x="18618560" y="6552505"/>
+              <a:ext cx="0" cy="936104"/>
+            </a:xfrm>
+            <a:prstGeom prst="line">
+              <a:avLst/>
+            </a:prstGeom>
+            <a:grpFill/>
+            <a:ln w="76200">
+              <a:solidFill>
+                <a:schemeClr val="tx2">
+                  <a:lumMod val="75000"/>
+                </a:schemeClr>
+              </a:solidFill>
+            </a:ln>
+          </p:spPr>
+          <p:style>
+            <a:lnRef idx="1">
+              <a:schemeClr val="accent1"/>
+            </a:lnRef>
+            <a:fillRef idx="0">
+              <a:schemeClr val="accent1"/>
+            </a:fillRef>
+            <a:effectRef idx="0">
+              <a:schemeClr val="accent1"/>
+            </a:effectRef>
+            <a:fontRef idx="minor">
+              <a:schemeClr val="tx1"/>
+            </a:fontRef>
+          </p:style>
+        </p:cxnSp>
+        <p:cxnSp>
+          <p:nvCxnSpPr>
+            <p:cNvPr id="27" name="Straight Connector 26"/>
+            <p:cNvCxnSpPr/>
+            <p:nvPr/>
+          </p:nvCxnSpPr>
+          <p:spPr>
+            <a:xfrm>
+              <a:off x="18866396" y="6558543"/>
+              <a:ext cx="0" cy="936104"/>
+            </a:xfrm>
+            <a:prstGeom prst="line">
+              <a:avLst/>
+            </a:prstGeom>
+            <a:grpFill/>
+            <a:ln w="76200">
+              <a:solidFill>
+                <a:schemeClr val="tx2">
+                  <a:lumMod val="75000"/>
+                </a:schemeClr>
+              </a:solidFill>
+            </a:ln>
+          </p:spPr>
+          <p:style>
+            <a:lnRef idx="1">
+              <a:schemeClr val="accent1"/>
+            </a:lnRef>
+            <a:fillRef idx="0">
+              <a:schemeClr val="accent1"/>
+            </a:fillRef>
+            <a:effectRef idx="0">
+              <a:schemeClr val="accent1"/>
+            </a:effectRef>
+            <a:fontRef idx="minor">
+              <a:schemeClr val="tx1"/>
+            </a:fontRef>
+          </p:style>
+        </p:cxnSp>
+        <p:cxnSp>
+          <p:nvCxnSpPr>
+            <p:cNvPr id="28" name="Straight Connector 27"/>
+            <p:cNvCxnSpPr/>
+            <p:nvPr/>
+          </p:nvCxnSpPr>
+          <p:spPr>
+            <a:xfrm>
+              <a:off x="19154428" y="6552505"/>
+              <a:ext cx="0" cy="936104"/>
+            </a:xfrm>
+            <a:prstGeom prst="line">
+              <a:avLst/>
+            </a:prstGeom>
+            <a:grpFill/>
+            <a:ln w="76200">
+              <a:solidFill>
+                <a:schemeClr val="tx2">
+                  <a:lumMod val="75000"/>
+                </a:schemeClr>
+              </a:solidFill>
+            </a:ln>
+          </p:spPr>
+          <p:style>
+            <a:lnRef idx="1">
+              <a:schemeClr val="accent1"/>
+            </a:lnRef>
+            <a:fillRef idx="0">
+              <a:schemeClr val="accent1"/>
+            </a:fillRef>
+            <a:effectRef idx="0">
+              <a:schemeClr val="accent1"/>
+            </a:effectRef>
+            <a:fontRef idx="minor">
+              <a:schemeClr val="tx1"/>
+            </a:fontRef>
+          </p:style>
+        </p:cxnSp>
+        <p:cxnSp>
+          <p:nvCxnSpPr>
+            <p:cNvPr id="29" name="Straight Connector 28"/>
+            <p:cNvCxnSpPr/>
+            <p:nvPr/>
+          </p:nvCxnSpPr>
+          <p:spPr>
+            <a:xfrm>
+              <a:off x="19370452" y="6552505"/>
+              <a:ext cx="0" cy="936104"/>
+            </a:xfrm>
+            <a:prstGeom prst="line">
+              <a:avLst/>
+            </a:prstGeom>
+            <a:grpFill/>
+            <a:ln w="76200">
+              <a:solidFill>
+                <a:schemeClr val="tx2">
+                  <a:lumMod val="75000"/>
+                </a:schemeClr>
+              </a:solidFill>
+            </a:ln>
+          </p:spPr>
+          <p:style>
+            <a:lnRef idx="1">
+              <a:schemeClr val="accent1"/>
+            </a:lnRef>
+            <a:fillRef idx="0">
+              <a:schemeClr val="accent1"/>
+            </a:fillRef>
+            <a:effectRef idx="0">
+              <a:schemeClr val="accent1"/>
+            </a:effectRef>
+            <a:fontRef idx="minor">
+              <a:schemeClr val="tx1"/>
+            </a:fontRef>
+          </p:style>
+        </p:cxnSp>
+      </p:grpSp>
+      <p:grpSp>
+        <p:nvGrpSpPr>
+          <p:cNvPr id="23" name="Group 22"/>
+          <p:cNvGrpSpPr/>
+          <p:nvPr/>
+        </p:nvGrpSpPr>
+        <p:grpSpPr>
+          <a:xfrm>
+            <a:off x="23227072" y="6558957"/>
+            <a:ext cx="1935832" cy="942142"/>
+            <a:chOff x="23227072" y="6558957"/>
+            <a:chExt cx="1935832" cy="942142"/>
+          </a:xfrm>
+          <a:solidFill>
+            <a:schemeClr val="accent2">
+              <a:lumMod val="40000"/>
+              <a:lumOff val="60000"/>
+            </a:schemeClr>
+          </a:solidFill>
+        </p:grpSpPr>
+        <p:sp>
+          <p:nvSpPr>
+            <p:cNvPr id="30" name="Rectangle 29"/>
+            <p:cNvSpPr/>
+            <p:nvPr/>
+          </p:nvSpPr>
+          <p:spPr>
+            <a:xfrm>
+              <a:off x="23227072" y="6558957"/>
+              <a:ext cx="1935832" cy="936104"/>
+            </a:xfrm>
+            <a:prstGeom prst="rect">
+              <a:avLst/>
+            </a:prstGeom>
+            <a:grpFill/>
+            <a:ln w="76200"/>
+          </p:spPr>
+          <p:style>
+            <a:lnRef idx="2">
+              <a:schemeClr val="accent1">
+                <a:shade val="50000"/>
+              </a:schemeClr>
+            </a:lnRef>
+            <a:fillRef idx="1">
+              <a:schemeClr val="accent1"/>
+            </a:fillRef>
+            <a:effectRef idx="0">
+              <a:schemeClr val="accent1"/>
+            </a:effectRef>
+            <a:fontRef idx="minor">
+              <a:schemeClr val="lt1"/>
+            </a:fontRef>
+          </p:style>
+          <p:txBody>
+            <a:bodyPr rtlCol="0" anchor="ctr"/>
+            <a:lstStyle/>
+            <a:p>
+              <a:pPr algn="ctr"/>
+              <a:endParaRPr lang="en-PH"/>
+            </a:p>
+          </p:txBody>
+        </p:sp>
+        <p:cxnSp>
+          <p:nvCxnSpPr>
+            <p:cNvPr id="31" name="Straight Connector 30"/>
+            <p:cNvCxnSpPr/>
+            <p:nvPr/>
+          </p:nvCxnSpPr>
+          <p:spPr>
+            <a:xfrm>
+              <a:off x="23506720" y="6558957"/>
+              <a:ext cx="0" cy="936104"/>
+            </a:xfrm>
+            <a:prstGeom prst="line">
+              <a:avLst/>
+            </a:prstGeom>
+            <a:grpFill/>
+            <a:ln w="76200">
+              <a:solidFill>
+                <a:schemeClr val="tx2">
+                  <a:lumMod val="75000"/>
+                </a:schemeClr>
+              </a:solidFill>
+            </a:ln>
+          </p:spPr>
+          <p:style>
+            <a:lnRef idx="1">
+              <a:schemeClr val="accent1"/>
+            </a:lnRef>
+            <a:fillRef idx="0">
+              <a:schemeClr val="accent1"/>
+            </a:fillRef>
+            <a:effectRef idx="0">
+              <a:schemeClr val="accent1"/>
+            </a:effectRef>
+            <a:fontRef idx="minor">
+              <a:schemeClr val="tx1"/>
+            </a:fontRef>
+          </p:style>
+        </p:cxnSp>
+        <p:cxnSp>
+          <p:nvCxnSpPr>
+            <p:cNvPr id="32" name="Straight Connector 31"/>
+            <p:cNvCxnSpPr/>
+            <p:nvPr/>
+          </p:nvCxnSpPr>
+          <p:spPr>
+            <a:xfrm>
+              <a:off x="23722744" y="6558957"/>
+              <a:ext cx="0" cy="936104"/>
+            </a:xfrm>
+            <a:prstGeom prst="line">
+              <a:avLst/>
+            </a:prstGeom>
+            <a:grpFill/>
+            <a:ln w="76200">
+              <a:solidFill>
+                <a:schemeClr val="tx2">
+                  <a:lumMod val="75000"/>
+                </a:schemeClr>
+              </a:solidFill>
+            </a:ln>
+          </p:spPr>
+          <p:style>
+            <a:lnRef idx="1">
+              <a:schemeClr val="accent1"/>
+            </a:lnRef>
+            <a:fillRef idx="0">
+              <a:schemeClr val="accent1"/>
+            </a:fillRef>
+            <a:effectRef idx="0">
+              <a:schemeClr val="accent1"/>
+            </a:effectRef>
+            <a:fontRef idx="minor">
+              <a:schemeClr val="tx1"/>
+            </a:fontRef>
+          </p:style>
+        </p:cxnSp>
+        <p:cxnSp>
+          <p:nvCxnSpPr>
+            <p:cNvPr id="33" name="Straight Connector 32"/>
+            <p:cNvCxnSpPr/>
+            <p:nvPr/>
+          </p:nvCxnSpPr>
+          <p:spPr>
+            <a:xfrm>
+              <a:off x="23938768" y="6558957"/>
+              <a:ext cx="0" cy="936104"/>
+            </a:xfrm>
+            <a:prstGeom prst="line">
+              <a:avLst/>
+            </a:prstGeom>
+            <a:grpFill/>
+            <a:ln w="76200">
+              <a:solidFill>
+                <a:schemeClr val="tx2">
+                  <a:lumMod val="75000"/>
+                </a:schemeClr>
+              </a:solidFill>
+            </a:ln>
+          </p:spPr>
+          <p:style>
+            <a:lnRef idx="1">
+              <a:schemeClr val="accent1"/>
+            </a:lnRef>
+            <a:fillRef idx="0">
+              <a:schemeClr val="accent1"/>
+            </a:fillRef>
+            <a:effectRef idx="0">
+              <a:schemeClr val="accent1"/>
+            </a:effectRef>
+            <a:fontRef idx="minor">
+              <a:schemeClr val="tx1"/>
+            </a:fontRef>
+          </p:style>
+        </p:cxnSp>
+        <p:cxnSp>
+          <p:nvCxnSpPr>
+            <p:cNvPr id="34" name="Straight Connector 33"/>
+            <p:cNvCxnSpPr/>
+            <p:nvPr/>
+          </p:nvCxnSpPr>
+          <p:spPr>
+            <a:xfrm>
+              <a:off x="24194988" y="6558957"/>
+              <a:ext cx="0" cy="936104"/>
+            </a:xfrm>
+            <a:prstGeom prst="line">
+              <a:avLst/>
+            </a:prstGeom>
+            <a:grpFill/>
+            <a:ln w="76200">
+              <a:solidFill>
+                <a:schemeClr val="tx2">
+                  <a:lumMod val="75000"/>
+                </a:schemeClr>
+              </a:solidFill>
+            </a:ln>
+          </p:spPr>
+          <p:style>
+            <a:lnRef idx="1">
+              <a:schemeClr val="accent1"/>
+            </a:lnRef>
+            <a:fillRef idx="0">
+              <a:schemeClr val="accent1"/>
+            </a:fillRef>
+            <a:effectRef idx="0">
+              <a:schemeClr val="accent1"/>
+            </a:effectRef>
+            <a:fontRef idx="minor">
+              <a:schemeClr val="tx1"/>
+            </a:fontRef>
+          </p:style>
+        </p:cxnSp>
+        <p:cxnSp>
+          <p:nvCxnSpPr>
+            <p:cNvPr id="35" name="Straight Connector 34"/>
+            <p:cNvCxnSpPr/>
+            <p:nvPr/>
+          </p:nvCxnSpPr>
+          <p:spPr>
+            <a:xfrm>
+              <a:off x="24442824" y="6564995"/>
+              <a:ext cx="0" cy="936104"/>
+            </a:xfrm>
+            <a:prstGeom prst="line">
+              <a:avLst/>
+            </a:prstGeom>
+            <a:grpFill/>
+            <a:ln w="76200">
+              <a:solidFill>
+                <a:schemeClr val="tx2">
+                  <a:lumMod val="75000"/>
+                </a:schemeClr>
+              </a:solidFill>
+            </a:ln>
+          </p:spPr>
+          <p:style>
+            <a:lnRef idx="1">
+              <a:schemeClr val="accent1"/>
+            </a:lnRef>
+            <a:fillRef idx="0">
+              <a:schemeClr val="accent1"/>
+            </a:fillRef>
+            <a:effectRef idx="0">
+              <a:schemeClr val="accent1"/>
+            </a:effectRef>
+            <a:fontRef idx="minor">
+              <a:schemeClr val="tx1"/>
+            </a:fontRef>
+          </p:style>
+        </p:cxnSp>
+        <p:cxnSp>
+          <p:nvCxnSpPr>
+            <p:cNvPr id="36" name="Straight Connector 35"/>
+            <p:cNvCxnSpPr/>
+            <p:nvPr/>
+          </p:nvCxnSpPr>
+          <p:spPr>
+            <a:xfrm>
+              <a:off x="24730856" y="6558957"/>
+              <a:ext cx="0" cy="936104"/>
+            </a:xfrm>
+            <a:prstGeom prst="line">
+              <a:avLst/>
+            </a:prstGeom>
+            <a:grpFill/>
+            <a:ln w="76200">
+              <a:solidFill>
+                <a:schemeClr val="tx2">
+                  <a:lumMod val="75000"/>
+                </a:schemeClr>
+              </a:solidFill>
+            </a:ln>
+          </p:spPr>
+          <p:style>
+            <a:lnRef idx="1">
+              <a:schemeClr val="accent1"/>
+            </a:lnRef>
+            <a:fillRef idx="0">
+              <a:schemeClr val="accent1"/>
+            </a:fillRef>
+            <a:effectRef idx="0">
+              <a:schemeClr val="accent1"/>
+            </a:effectRef>
+            <a:fontRef idx="minor">
+              <a:schemeClr val="tx1"/>
+            </a:fontRef>
+          </p:style>
+        </p:cxnSp>
+        <p:cxnSp>
+          <p:nvCxnSpPr>
+            <p:cNvPr id="37" name="Straight Connector 36"/>
+            <p:cNvCxnSpPr/>
+            <p:nvPr/>
+          </p:nvCxnSpPr>
+          <p:spPr>
+            <a:xfrm>
+              <a:off x="24946880" y="6558957"/>
+              <a:ext cx="0" cy="936104"/>
+            </a:xfrm>
+            <a:prstGeom prst="line">
+              <a:avLst/>
+            </a:prstGeom>
+            <a:grpFill/>
+            <a:ln w="76200">
+              <a:solidFill>
+                <a:schemeClr val="tx2">
+                  <a:lumMod val="75000"/>
+                </a:schemeClr>
+              </a:solidFill>
+            </a:ln>
+          </p:spPr>
+          <p:style>
+            <a:lnRef idx="1">
+              <a:schemeClr val="accent1"/>
+            </a:lnRef>
+            <a:fillRef idx="0">
+              <a:schemeClr val="accent1"/>
+            </a:fillRef>
+            <a:effectRef idx="0">
+              <a:schemeClr val="accent1"/>
+            </a:effectRef>
+            <a:fontRef idx="minor">
+              <a:schemeClr val="tx1"/>
+            </a:fontRef>
+          </p:style>
+        </p:cxnSp>
+      </p:grpSp>
+      <p:cxnSp>
+        <p:nvCxnSpPr>
+          <p:cNvPr id="40" name="Straight Connector 39"/>
+          <p:cNvCxnSpPr/>
+          <p:nvPr/>
+        </p:nvCxnSpPr>
+        <p:spPr>
+          <a:xfrm flipH="1">
+            <a:off x="17930292" y="1655961"/>
+            <a:ext cx="2160240" cy="4430"/>
+          </a:xfrm>
+          <a:prstGeom prst="line">
+            <a:avLst/>
+          </a:prstGeom>
+          <a:ln w="76200">
+            <a:solidFill>
+              <a:schemeClr val="tx2">
+                <a:lumMod val="75000"/>
+              </a:schemeClr>
+            </a:solidFill>
+          </a:ln>
+        </p:spPr>
+        <p:style>
+          <a:lnRef idx="1">
+            <a:schemeClr val="accent1"/>
+          </a:lnRef>
+          <a:fillRef idx="0">
+            <a:schemeClr val="accent1"/>
+          </a:fillRef>
+          <a:effectRef idx="0">
+            <a:schemeClr val="accent1"/>
+          </a:effectRef>
+          <a:fontRef idx="minor">
+            <a:schemeClr val="tx1"/>
+          </a:fontRef>
+        </p:style>
+      </p:cxnSp>
+      <p:cxnSp>
+        <p:nvCxnSpPr>
+          <p:cNvPr id="44" name="Straight Connector 43"/>
+          <p:cNvCxnSpPr/>
+          <p:nvPr/>
+        </p:nvCxnSpPr>
+        <p:spPr>
+          <a:xfrm flipH="1" flipV="1">
+            <a:off x="22682820" y="1655961"/>
+            <a:ext cx="2146943" cy="4430"/>
+          </a:xfrm>
+          <a:prstGeom prst="line">
+            <a:avLst/>
+          </a:prstGeom>
+          <a:ln w="76200">
+            <a:solidFill>
+              <a:schemeClr val="tx2">
+                <a:lumMod val="75000"/>
+              </a:schemeClr>
+            </a:solidFill>
+          </a:ln>
+        </p:spPr>
+        <p:style>
+          <a:lnRef idx="1">
+            <a:schemeClr val="accent1"/>
+          </a:lnRef>
+          <a:fillRef idx="0">
+            <a:schemeClr val="accent1"/>
+          </a:fillRef>
+          <a:effectRef idx="0">
+            <a:schemeClr val="accent1"/>
+          </a:effectRef>
+          <a:fontRef idx="minor">
+            <a:schemeClr val="tx1"/>
+          </a:fontRef>
+        </p:style>
+      </p:cxnSp>
+      <p:sp>
+        <p:nvSpPr>
+          <p:cNvPr id="52" name="L-Shape 51"/>
+          <p:cNvSpPr/>
+          <p:nvPr/>
+        </p:nvSpPr>
+        <p:spPr>
+          <a:xfrm rot="5400000">
+            <a:off x="18362340" y="1655961"/>
+            <a:ext cx="864096" cy="720080"/>
+          </a:xfrm>
+          <a:prstGeom prst="corner">
+            <a:avLst>
+              <a:gd name="adj1" fmla="val 39704"/>
+              <a:gd name="adj2" fmla="val 19111"/>
+            </a:avLst>
+          </a:prstGeom>
+        </p:spPr>
+        <p:style>
+          <a:lnRef idx="2">
+            <a:schemeClr val="accent4">
+              <a:shade val="50000"/>
+            </a:schemeClr>
+          </a:lnRef>
+          <a:fillRef idx="1">
+            <a:schemeClr val="accent4"/>
+          </a:fillRef>
+          <a:effectRef idx="0">
+            <a:schemeClr val="accent4"/>
+          </a:effectRef>
+          <a:fontRef idx="minor">
+            <a:schemeClr val="lt1"/>
+          </a:fontRef>
+        </p:style>
+        <p:txBody>
+          <a:bodyPr rtlCol="0" anchor="ctr"/>
+          <a:lstStyle/>
+          <a:p>
+            <a:pPr algn="ctr"/>
+            <a:endParaRPr lang="en-PH"/>
+          </a:p>
+        </p:txBody>
+      </p:sp>
+      <p:sp>
+        <p:nvSpPr>
+          <p:cNvPr id="54" name="L-Shape 53"/>
+          <p:cNvSpPr/>
+          <p:nvPr/>
+        </p:nvSpPr>
+        <p:spPr>
+          <a:xfrm rot="16200000" flipH="1">
+            <a:off x="23618924" y="1686729"/>
+            <a:ext cx="864096" cy="720080"/>
+          </a:xfrm>
+          <a:prstGeom prst="corner">
+            <a:avLst>
+              <a:gd name="adj1" fmla="val 39704"/>
+              <a:gd name="adj2" fmla="val 19111"/>
+            </a:avLst>
+          </a:prstGeom>
+        </p:spPr>
+        <p:style>
+          <a:lnRef idx="2">
+            <a:schemeClr val="accent4">
+              <a:shade val="50000"/>
+            </a:schemeClr>
+          </a:lnRef>
+          <a:fillRef idx="1">
+            <a:schemeClr val="accent4"/>
+          </a:fillRef>
+          <a:effectRef idx="0">
+            <a:schemeClr val="accent4"/>
+          </a:effectRef>
+          <a:fontRef idx="minor">
+            <a:schemeClr val="lt1"/>
+          </a:fontRef>
+        </p:style>
+        <p:txBody>
+          <a:bodyPr rtlCol="0" anchor="ctr"/>
+          <a:lstStyle/>
+          <a:p>
+            <a:pPr algn="ctr"/>
+            <a:endParaRPr lang="en-PH"/>
+          </a:p>
+        </p:txBody>
+      </p:sp>
+      <p:cxnSp>
+        <p:nvCxnSpPr>
+          <p:cNvPr id="55" name="Straight Connector 54"/>
+          <p:cNvCxnSpPr/>
+          <p:nvPr/>
+        </p:nvCxnSpPr>
+        <p:spPr>
+          <a:xfrm>
+            <a:off x="3168652" y="359817"/>
+            <a:ext cx="36292032" cy="0"/>
+          </a:xfrm>
+          <a:prstGeom prst="line">
+            <a:avLst/>
+          </a:prstGeom>
+          <a:ln w="76200">
+            <a:solidFill>
+              <a:schemeClr val="tx2">
+                <a:lumMod val="75000"/>
+              </a:schemeClr>
+            </a:solidFill>
+          </a:ln>
+        </p:spPr>
+        <p:style>
+          <a:lnRef idx="3">
+            <a:schemeClr val="accent1"/>
+          </a:lnRef>
+          <a:fillRef idx="0">
+            <a:schemeClr val="accent1"/>
+          </a:fillRef>
+          <a:effectRef idx="2">
+            <a:schemeClr val="accent1"/>
+          </a:effectRef>
+          <a:fontRef idx="minor">
+            <a:schemeClr val="tx1"/>
+          </a:fontRef>
+        </p:style>
+      </p:cxnSp>
+      <p:sp>
+        <p:nvSpPr>
+          <p:cNvPr id="72" name="Rectangle 71"/>
+          <p:cNvSpPr/>
+          <p:nvPr/>
+        </p:nvSpPr>
+        <p:spPr>
+          <a:xfrm>
+            <a:off x="504356" y="5473631"/>
+            <a:ext cx="2661618" cy="2303010"/>
+          </a:xfrm>
+          <a:prstGeom prst="rect">
+            <a:avLst/>
+          </a:prstGeom>
+          <a:solidFill>
+            <a:schemeClr val="accent4">
+              <a:lumMod val="20000"/>
+              <a:lumOff val="80000"/>
+            </a:schemeClr>
+          </a:solidFill>
+          <a:ln w="76200"/>
+        </p:spPr>
+        <p:style>
+          <a:lnRef idx="2">
+            <a:schemeClr val="accent1">
+              <a:shade val="50000"/>
+            </a:schemeClr>
+          </a:lnRef>
+          <a:fillRef idx="1">
+            <a:schemeClr val="accent1"/>
+          </a:fillRef>
+          <a:effectRef idx="0">
+            <a:schemeClr val="accent1"/>
+          </a:effectRef>
+          <a:fontRef idx="minor">
+            <a:schemeClr val="lt1"/>
+          </a:fontRef>
+        </p:style>
+        <p:txBody>
+          <a:bodyPr rtlCol="0" anchor="ctr"/>
+          <a:lstStyle/>
+          <a:p>
+            <a:pPr algn="ctr"/>
+            <a:endParaRPr lang="en-PH"/>
+          </a:p>
+        </p:txBody>
+      </p:sp>
+      <p:cxnSp>
+        <p:nvCxnSpPr>
+          <p:cNvPr id="58" name="Straight Connector 57"/>
+          <p:cNvCxnSpPr/>
+          <p:nvPr/>
+        </p:nvCxnSpPr>
+        <p:spPr>
+          <a:xfrm flipV="1">
+            <a:off x="3168652" y="359817"/>
+            <a:ext cx="0" cy="12673408"/>
+          </a:xfrm>
+          <a:prstGeom prst="line">
+            <a:avLst/>
+          </a:prstGeom>
+          <a:ln w="76200"/>
+        </p:spPr>
+        <p:style>
+          <a:lnRef idx="1">
+            <a:schemeClr val="accent1"/>
+          </a:lnRef>
+          <a:fillRef idx="0">
+            <a:schemeClr val="accent1"/>
+          </a:fillRef>
+          <a:effectRef idx="0">
+            <a:schemeClr val="accent1"/>
+          </a:effectRef>
+          <a:fontRef idx="minor">
+            <a:schemeClr val="tx1"/>
+          </a:fontRef>
+        </p:style>
+      </p:cxnSp>
+      <p:sp>
+        <p:nvSpPr>
+          <p:cNvPr id="60" name="Rectangle 59"/>
+          <p:cNvSpPr/>
+          <p:nvPr/>
+        </p:nvSpPr>
+        <p:spPr>
+          <a:xfrm>
+            <a:off x="504356" y="287809"/>
+            <a:ext cx="2664296" cy="5185822"/>
+          </a:xfrm>
+          <a:prstGeom prst="rect">
+            <a:avLst/>
+          </a:prstGeom>
+        </p:spPr>
+        <p:style>
+          <a:lnRef idx="2">
+            <a:schemeClr val="accent2">
+              <a:shade val="50000"/>
+            </a:schemeClr>
+          </a:lnRef>
+          <a:fillRef idx="1">
+            <a:schemeClr val="accent2"/>
+          </a:fillRef>
+          <a:effectRef idx="0">
+            <a:schemeClr val="accent2"/>
+          </a:effectRef>
+          <a:fontRef idx="minor">
+            <a:schemeClr val="lt1"/>
+          </a:fontRef>
+        </p:style>
+        <p:txBody>
+          <a:bodyPr rtlCol="0" anchor="ctr"/>
+          <a:lstStyle/>
+          <a:p>
+            <a:pPr algn="ctr"/>
+            <a:endParaRPr lang="en-PH"/>
+          </a:p>
+        </p:txBody>
+      </p:sp>
+      <p:sp>
+        <p:nvSpPr>
+          <p:cNvPr id="63" name="Rectangle 62"/>
+          <p:cNvSpPr/>
+          <p:nvPr/>
+        </p:nvSpPr>
+        <p:spPr>
+          <a:xfrm>
+            <a:off x="39460684" y="287809"/>
+            <a:ext cx="2664296" cy="5185822"/>
+          </a:xfrm>
+          <a:prstGeom prst="rect">
+            <a:avLst/>
+          </a:prstGeom>
+        </p:spPr>
+        <p:style>
+          <a:lnRef idx="2">
+            <a:schemeClr val="accent2">
+              <a:shade val="50000"/>
+            </a:schemeClr>
+          </a:lnRef>
+          <a:fillRef idx="1">
+            <a:schemeClr val="accent2"/>
+          </a:fillRef>
+          <a:effectRef idx="0">
+            <a:schemeClr val="accent2"/>
+          </a:effectRef>
+          <a:fontRef idx="minor">
+            <a:schemeClr val="lt1"/>
+          </a:fontRef>
+        </p:style>
+        <p:txBody>
+          <a:bodyPr rtlCol="0" anchor="ctr"/>
+          <a:lstStyle/>
+          <a:p>
+            <a:pPr algn="ctr"/>
+            <a:endParaRPr lang="en-PH"/>
+          </a:p>
+        </p:txBody>
+      </p:sp>
+      <p:sp>
+        <p:nvSpPr>
+          <p:cNvPr id="64" name="L-Shape 63"/>
+          <p:cNvSpPr/>
+          <p:nvPr/>
+        </p:nvSpPr>
+        <p:spPr>
+          <a:xfrm rot="5400000">
+            <a:off x="1404456" y="5545639"/>
+            <a:ext cx="864096" cy="720080"/>
+          </a:xfrm>
+          <a:prstGeom prst="corner">
+            <a:avLst>
+              <a:gd name="adj1" fmla="val 39704"/>
+              <a:gd name="adj2" fmla="val 19111"/>
+            </a:avLst>
+          </a:prstGeom>
+        </p:spPr>
+        <p:style>
+          <a:lnRef idx="2">
+            <a:schemeClr val="accent4">
+              <a:shade val="50000"/>
+            </a:schemeClr>
+          </a:lnRef>
+          <a:fillRef idx="1">
+            <a:schemeClr val="accent4"/>
+          </a:fillRef>
+          <a:effectRef idx="0">
+            <a:schemeClr val="accent4"/>
+          </a:effectRef>
+          <a:fontRef idx="minor">
+            <a:schemeClr val="lt1"/>
+          </a:fontRef>
+        </p:style>
+        <p:txBody>
+          <a:bodyPr rtlCol="0" anchor="ctr"/>
+          <a:lstStyle/>
+          <a:p>
+            <a:pPr algn="ctr"/>
+            <a:endParaRPr lang="en-PH"/>
+          </a:p>
+        </p:txBody>
+      </p:sp>
+      <p:sp>
+        <p:nvSpPr>
+          <p:cNvPr id="65" name="L-Shape 64"/>
+          <p:cNvSpPr/>
+          <p:nvPr/>
+        </p:nvSpPr>
+        <p:spPr>
+          <a:xfrm>
+            <a:off x="3168652" y="5670498"/>
+            <a:ext cx="864096" cy="720080"/>
+          </a:xfrm>
+          <a:prstGeom prst="corner">
+            <a:avLst>
+              <a:gd name="adj1" fmla="val 39704"/>
+              <a:gd name="adj2" fmla="val 19111"/>
+            </a:avLst>
+          </a:prstGeom>
+        </p:spPr>
+        <p:style>
+          <a:lnRef idx="2">
+            <a:schemeClr val="accent4">
+              <a:shade val="50000"/>
+            </a:schemeClr>
+          </a:lnRef>
+          <a:fillRef idx="1">
+            <a:schemeClr val="accent4"/>
+          </a:fillRef>
+          <a:effectRef idx="0">
+            <a:schemeClr val="accent4"/>
+          </a:effectRef>
+          <a:fontRef idx="minor">
+            <a:schemeClr val="lt1"/>
+          </a:fontRef>
+        </p:style>
+        <p:txBody>
+          <a:bodyPr rtlCol="0" anchor="ctr"/>
+          <a:lstStyle/>
+          <a:p>
+            <a:pPr algn="ctr"/>
+            <a:endParaRPr lang="en-PH"/>
+          </a:p>
+        </p:txBody>
+      </p:sp>
+      <p:sp>
+        <p:nvSpPr>
+          <p:cNvPr id="67" name="L-Shape 66"/>
+          <p:cNvSpPr/>
+          <p:nvPr/>
+        </p:nvSpPr>
+        <p:spPr>
+          <a:xfrm flipH="1">
+            <a:off x="38596588" y="5655561"/>
+            <a:ext cx="864096" cy="720080"/>
+          </a:xfrm>
+          <a:prstGeom prst="corner">
+            <a:avLst>
+              <a:gd name="adj1" fmla="val 39704"/>
+              <a:gd name="adj2" fmla="val 19111"/>
+            </a:avLst>
+          </a:prstGeom>
+        </p:spPr>
+        <p:style>
+          <a:lnRef idx="2">
+            <a:schemeClr val="accent4">
+              <a:shade val="50000"/>
+            </a:schemeClr>
+          </a:lnRef>
+          <a:fillRef idx="1">
+            <a:schemeClr val="accent4"/>
+          </a:fillRef>
+          <a:effectRef idx="0">
+            <a:schemeClr val="accent4"/>
+          </a:effectRef>
+          <a:fontRef idx="minor">
+            <a:schemeClr val="lt1"/>
+          </a:fontRef>
+        </p:style>
+        <p:txBody>
+          <a:bodyPr rtlCol="0" anchor="ctr"/>
+          <a:lstStyle/>
+          <a:p>
+            <a:pPr algn="ctr"/>
+            <a:endParaRPr lang="en-PH"/>
+          </a:p>
+        </p:txBody>
+      </p:sp>
+      <p:sp>
+        <p:nvSpPr>
+          <p:cNvPr id="68" name="L-Shape 67"/>
+          <p:cNvSpPr/>
+          <p:nvPr/>
+        </p:nvSpPr>
+        <p:spPr>
+          <a:xfrm flipH="1">
+            <a:off x="41260884" y="5681566"/>
+            <a:ext cx="864096" cy="720080"/>
+          </a:xfrm>
+          <a:prstGeom prst="corner">
+            <a:avLst>
+              <a:gd name="adj1" fmla="val 39704"/>
+              <a:gd name="adj2" fmla="val 19111"/>
+            </a:avLst>
+          </a:prstGeom>
+        </p:spPr>
+        <p:style>
+          <a:lnRef idx="2">
+            <a:schemeClr val="accent4">
+              <a:shade val="50000"/>
+            </a:schemeClr>
+          </a:lnRef>
+          <a:fillRef idx="1">
+            <a:schemeClr val="accent4"/>
+          </a:fillRef>
+          <a:effectRef idx="0">
+            <a:schemeClr val="accent4"/>
+          </a:effectRef>
+          <a:fontRef idx="minor">
+            <a:schemeClr val="lt1"/>
+          </a:fontRef>
+        </p:style>
+        <p:txBody>
+          <a:bodyPr rtlCol="0" anchor="ctr"/>
+          <a:lstStyle/>
+          <a:p>
+            <a:pPr algn="ctr"/>
+            <a:endParaRPr lang="en-PH"/>
+          </a:p>
+        </p:txBody>
+      </p:sp>
+      <p:cxnSp>
+        <p:nvCxnSpPr>
+          <p:cNvPr id="69" name="Straight Connector 68"/>
+          <p:cNvCxnSpPr/>
+          <p:nvPr/>
+        </p:nvCxnSpPr>
+        <p:spPr>
+          <a:xfrm>
+            <a:off x="3168652" y="13033225"/>
+            <a:ext cx="36292032" cy="0"/>
+          </a:xfrm>
+          <a:prstGeom prst="line">
+            <a:avLst/>
+          </a:prstGeom>
+          <a:ln w="76200">
+            <a:solidFill>
+              <a:schemeClr val="tx2">
+                <a:lumMod val="75000"/>
+              </a:schemeClr>
+            </a:solidFill>
+          </a:ln>
+        </p:spPr>
+        <p:style>
+          <a:lnRef idx="3">
+            <a:schemeClr val="accent1"/>
+          </a:lnRef>
+          <a:fillRef idx="0">
+            <a:schemeClr val="accent1"/>
+          </a:fillRef>
+          <a:effectRef idx="2">
+            <a:schemeClr val="accent1"/>
+          </a:effectRef>
+          <a:fontRef idx="minor">
+            <a:schemeClr val="tx1"/>
+          </a:fontRef>
+        </p:style>
+      </p:cxnSp>
+      <p:cxnSp>
+        <p:nvCxnSpPr>
+          <p:cNvPr id="70" name="Straight Connector 69"/>
+          <p:cNvCxnSpPr/>
+          <p:nvPr/>
+        </p:nvCxnSpPr>
+        <p:spPr>
+          <a:xfrm flipV="1">
+            <a:off x="39460684" y="359817"/>
+            <a:ext cx="0" cy="12673408"/>
+          </a:xfrm>
+          <a:prstGeom prst="line">
+            <a:avLst/>
+          </a:prstGeom>
+          <a:ln w="76200">
+            <a:solidFill>
+              <a:schemeClr val="tx2">
+                <a:lumMod val="75000"/>
+              </a:schemeClr>
+            </a:solidFill>
+          </a:ln>
+        </p:spPr>
+        <p:style>
+          <a:lnRef idx="3">
+            <a:schemeClr val="accent1"/>
+          </a:lnRef>
+          <a:fillRef idx="0">
+            <a:schemeClr val="accent1"/>
+          </a:fillRef>
+          <a:effectRef idx="2">
+            <a:schemeClr val="accent1"/>
+          </a:effectRef>
+          <a:fontRef idx="minor">
+            <a:schemeClr val="tx1"/>
+          </a:fontRef>
+        </p:style>
+      </p:cxnSp>
+      <p:cxnSp>
+        <p:nvCxnSpPr>
+          <p:cNvPr id="73" name="Straight Connector 72"/>
+          <p:cNvCxnSpPr/>
+          <p:nvPr/>
+        </p:nvCxnSpPr>
+        <p:spPr>
+          <a:xfrm flipV="1">
+            <a:off x="3165974" y="359817"/>
+            <a:ext cx="0" cy="12673408"/>
+          </a:xfrm>
+          <a:prstGeom prst="line">
+            <a:avLst/>
+          </a:prstGeom>
+          <a:ln w="76200">
+            <a:solidFill>
+              <a:schemeClr val="tx2">
+                <a:lumMod val="75000"/>
+              </a:schemeClr>
+            </a:solidFill>
+          </a:ln>
+        </p:spPr>
+        <p:style>
+          <a:lnRef idx="3">
+            <a:schemeClr val="accent1"/>
+          </a:lnRef>
+          <a:fillRef idx="0">
+            <a:schemeClr val="accent1"/>
+          </a:fillRef>
+          <a:effectRef idx="2">
+            <a:schemeClr val="accent1"/>
+          </a:effectRef>
+          <a:fontRef idx="minor">
+            <a:schemeClr val="tx1"/>
+          </a:fontRef>
+        </p:style>
+      </p:cxnSp>
+      <p:sp>
+        <p:nvSpPr>
+          <p:cNvPr id="77" name="Rectangle 76"/>
+          <p:cNvSpPr/>
+          <p:nvPr/>
+        </p:nvSpPr>
+        <p:spPr>
+          <a:xfrm>
+            <a:off x="19370452" y="11089008"/>
+            <a:ext cx="3856620" cy="1964933"/>
+          </a:xfrm>
+          <a:prstGeom prst="rect">
+            <a:avLst/>
+          </a:prstGeom>
+          <a:solidFill>
+            <a:schemeClr val="accent3">
+              <a:lumMod val="40000"/>
+              <a:lumOff val="60000"/>
+            </a:schemeClr>
+          </a:solidFill>
+          <a:ln w="76200"/>
+        </p:spPr>
+        <p:style>
+          <a:lnRef idx="2">
+            <a:schemeClr val="accent1">
+              <a:shade val="50000"/>
+            </a:schemeClr>
+          </a:lnRef>
+          <a:fillRef idx="1">
+            <a:schemeClr val="accent1"/>
+          </a:fillRef>
+          <a:effectRef idx="0">
+            <a:schemeClr val="accent1"/>
+          </a:effectRef>
+          <a:fontRef idx="minor">
+            <a:schemeClr val="lt1"/>
+          </a:fontRef>
+        </p:style>
+        <p:txBody>
+          <a:bodyPr rtlCol="0" anchor="ctr"/>
+          <a:lstStyle/>
+          <a:p>
+            <a:pPr algn="ctr"/>
+            <a:endParaRPr lang="en-PH"/>
+          </a:p>
+        </p:txBody>
+      </p:sp>
+      <p:sp>
+        <p:nvSpPr>
+          <p:cNvPr id="78" name="L-Shape 77"/>
+          <p:cNvSpPr/>
+          <p:nvPr/>
+        </p:nvSpPr>
+        <p:spPr>
+          <a:xfrm rot="5400000" flipH="1">
+            <a:off x="20882620" y="10296921"/>
+            <a:ext cx="864096" cy="720080"/>
+          </a:xfrm>
+          <a:prstGeom prst="corner">
+            <a:avLst>
+              <a:gd name="adj1" fmla="val 39704"/>
+              <a:gd name="adj2" fmla="val 19111"/>
+            </a:avLst>
+          </a:prstGeom>
+        </p:spPr>
+        <p:style>
+          <a:lnRef idx="2">
+            <a:schemeClr val="accent4">
+              <a:shade val="50000"/>
+            </a:schemeClr>
+          </a:lnRef>
+          <a:fillRef idx="1">
+            <a:schemeClr val="accent4"/>
+          </a:fillRef>
+          <a:effectRef idx="0">
+            <a:schemeClr val="accent4"/>
+          </a:effectRef>
+          <a:fontRef idx="minor">
+            <a:schemeClr val="lt1"/>
+          </a:fontRef>
+        </p:style>
+        <p:txBody>
+          <a:bodyPr rtlCol="0" anchor="ctr"/>
+          <a:lstStyle/>
+          <a:p>
+            <a:pPr algn="ctr"/>
+            <a:endParaRPr lang="en-PH"/>
+          </a:p>
+        </p:txBody>
+      </p:sp>
+      <p:sp>
+        <p:nvSpPr>
+          <p:cNvPr id="82" name="Rectangle 81"/>
+          <p:cNvSpPr/>
+          <p:nvPr/>
+        </p:nvSpPr>
+        <p:spPr>
+          <a:xfrm>
+            <a:off x="17606292" y="371273"/>
+            <a:ext cx="324000" cy="1243448"/>
+          </a:xfrm>
+          <a:prstGeom prst="rect">
+            <a:avLst/>
+          </a:prstGeom>
+        </p:spPr>
+        <p:style>
+          <a:lnRef idx="2">
+            <a:schemeClr val="accent1">
+              <a:shade val="50000"/>
+            </a:schemeClr>
+          </a:lnRef>
+          <a:fillRef idx="1">
+            <a:schemeClr val="accent1"/>
+          </a:fillRef>
+          <a:effectRef idx="0">
+            <a:schemeClr val="accent1"/>
+          </a:effectRef>
+          <a:fontRef idx="minor">
+            <a:schemeClr val="lt1"/>
+          </a:fontRef>
+        </p:style>
+        <p:txBody>
+          <a:bodyPr rtlCol="0" anchor="ctr"/>
+          <a:lstStyle/>
+          <a:p>
+            <a:pPr algn="ctr"/>
+            <a:endParaRPr lang="en-PH"/>
+          </a:p>
+        </p:txBody>
+      </p:sp>
+      <p:sp>
+        <p:nvSpPr>
+          <p:cNvPr id="83" name="Rectangle 82"/>
+          <p:cNvSpPr/>
+          <p:nvPr/>
+        </p:nvSpPr>
+        <p:spPr>
+          <a:xfrm>
+            <a:off x="24771052" y="400915"/>
+            <a:ext cx="324000" cy="1243448"/>
+          </a:xfrm>
+          <a:prstGeom prst="rect">
+            <a:avLst/>
+          </a:prstGeom>
+        </p:spPr>
+        <p:style>
+          <a:lnRef idx="2">
+            <a:schemeClr val="accent1">
+              <a:shade val="50000"/>
+            </a:schemeClr>
+          </a:lnRef>
+          <a:fillRef idx="1">
+            <a:schemeClr val="accent1"/>
+          </a:fillRef>
+          <a:effectRef idx="0">
+            <a:schemeClr val="accent1"/>
+          </a:effectRef>
+          <a:fontRef idx="minor">
+            <a:schemeClr val="lt1"/>
+          </a:fontRef>
+        </p:style>
+        <p:txBody>
+          <a:bodyPr rtlCol="0" anchor="ctr"/>
+          <a:lstStyle/>
+          <a:p>
+            <a:pPr algn="ctr"/>
+            <a:endParaRPr lang="en-PH"/>
+          </a:p>
+        </p:txBody>
+      </p:sp>
+      <p:grpSp>
+        <p:nvGrpSpPr>
+          <p:cNvPr id="156" name="Group 155"/>
+          <p:cNvGrpSpPr/>
+          <p:nvPr/>
+        </p:nvGrpSpPr>
+        <p:grpSpPr>
+          <a:xfrm>
+            <a:off x="4291709" y="935881"/>
+            <a:ext cx="540000" cy="4248000"/>
+            <a:chOff x="25275108" y="1009135"/>
+            <a:chExt cx="634254" cy="4248000"/>
+          </a:xfrm>
+        </p:grpSpPr>
+        <p:sp>
+          <p:nvSpPr>
+            <p:cNvPr id="157" name="Rectangle 156"/>
+            <p:cNvSpPr/>
+            <p:nvPr/>
+          </p:nvSpPr>
+          <p:spPr>
+            <a:xfrm>
+              <a:off x="25275108" y="1009135"/>
+              <a:ext cx="324000" cy="4248000"/>
+            </a:xfrm>
+            <a:prstGeom prst="rect">
+              <a:avLst/>
+            </a:prstGeom>
+          </p:spPr>
+          <p:style>
+            <a:lnRef idx="2">
+              <a:schemeClr val="accent1">
+                <a:shade val="50000"/>
+              </a:schemeClr>
+            </a:lnRef>
+            <a:fillRef idx="1">
+              <a:schemeClr val="accent1"/>
+            </a:fillRef>
+            <a:effectRef idx="0">
+              <a:schemeClr val="accent1"/>
+            </a:effectRef>
+            <a:fontRef idx="minor">
+              <a:schemeClr val="lt1"/>
+            </a:fontRef>
+          </p:style>
+          <p:txBody>
+            <a:bodyPr rtlCol="0" anchor="ctr"/>
+            <a:lstStyle/>
+            <a:p>
+              <a:pPr algn="ctr"/>
+              <a:endParaRPr lang="en-PH"/>
+            </a:p>
+          </p:txBody>
+        </p:sp>
+        <p:sp>
+          <p:nvSpPr>
+            <p:cNvPr id="158" name="Rectangle 157"/>
+            <p:cNvSpPr/>
+            <p:nvPr/>
+          </p:nvSpPr>
+          <p:spPr>
+            <a:xfrm>
+              <a:off x="25585362" y="1009135"/>
+              <a:ext cx="324000" cy="4248000"/>
+            </a:xfrm>
+            <a:prstGeom prst="rect">
+              <a:avLst/>
+            </a:prstGeom>
+          </p:spPr>
+          <p:style>
+            <a:lnRef idx="2">
+              <a:schemeClr val="accent4">
+                <a:shade val="50000"/>
+              </a:schemeClr>
+            </a:lnRef>
+            <a:fillRef idx="1">
+              <a:schemeClr val="accent4"/>
+            </a:fillRef>
+            <a:effectRef idx="0">
+              <a:schemeClr val="accent4"/>
+            </a:effectRef>
+            <a:fontRef idx="minor">
+              <a:schemeClr val="lt1"/>
+            </a:fontRef>
+          </p:style>
+          <p:txBody>
+            <a:bodyPr rtlCol="0" anchor="ctr"/>
+            <a:lstStyle/>
+            <a:p>
+              <a:pPr algn="ctr"/>
+              <a:endParaRPr lang="en-PH"/>
+            </a:p>
+          </p:txBody>
+        </p:sp>
+      </p:grpSp>
+      <p:grpSp>
+        <p:nvGrpSpPr>
+          <p:cNvPr id="159" name="Group 158"/>
+          <p:cNvGrpSpPr/>
+          <p:nvPr/>
+        </p:nvGrpSpPr>
+        <p:grpSpPr>
+          <a:xfrm>
+            <a:off x="5148932" y="935881"/>
+            <a:ext cx="540000" cy="4248000"/>
+            <a:chOff x="25275108" y="1009135"/>
+            <a:chExt cx="634254" cy="4248000"/>
+          </a:xfrm>
+        </p:grpSpPr>
+        <p:sp>
+          <p:nvSpPr>
+            <p:cNvPr id="160" name="Rectangle 159"/>
+            <p:cNvSpPr/>
+            <p:nvPr/>
+          </p:nvSpPr>
+          <p:spPr>
+            <a:xfrm>
+              <a:off x="25275108" y="1009135"/>
+              <a:ext cx="324000" cy="4248000"/>
+            </a:xfrm>
+            <a:prstGeom prst="rect">
+              <a:avLst/>
+            </a:prstGeom>
+          </p:spPr>
+          <p:style>
+            <a:lnRef idx="2">
+              <a:schemeClr val="accent1">
+                <a:shade val="50000"/>
+              </a:schemeClr>
+            </a:lnRef>
+            <a:fillRef idx="1">
+              <a:schemeClr val="accent1"/>
+            </a:fillRef>
+            <a:effectRef idx="0">
+              <a:schemeClr val="accent1"/>
+            </a:effectRef>
+            <a:fontRef idx="minor">
+              <a:schemeClr val="lt1"/>
+            </a:fontRef>
+          </p:style>
+          <p:txBody>
+            <a:bodyPr rtlCol="0" anchor="ctr"/>
+            <a:lstStyle/>
+            <a:p>
+              <a:pPr algn="ctr"/>
+              <a:endParaRPr lang="en-PH"/>
+            </a:p>
+          </p:txBody>
+        </p:sp>
+        <p:sp>
+          <p:nvSpPr>
+            <p:cNvPr id="161" name="Rectangle 160"/>
+            <p:cNvSpPr/>
+            <p:nvPr/>
+          </p:nvSpPr>
+          <p:spPr>
+            <a:xfrm>
+              <a:off x="25585362" y="1009135"/>
+              <a:ext cx="324000" cy="4248000"/>
+            </a:xfrm>
+            <a:prstGeom prst="rect">
+              <a:avLst/>
+            </a:prstGeom>
+          </p:spPr>
+          <p:style>
+            <a:lnRef idx="2">
+              <a:schemeClr val="accent4">
+                <a:shade val="50000"/>
+              </a:schemeClr>
+            </a:lnRef>
+            <a:fillRef idx="1">
+              <a:schemeClr val="accent4"/>
+            </a:fillRef>
+            <a:effectRef idx="0">
+              <a:schemeClr val="accent4"/>
+            </a:effectRef>
+            <a:fontRef idx="minor">
+              <a:schemeClr val="lt1"/>
+            </a:fontRef>
+          </p:style>
+          <p:txBody>
+            <a:bodyPr rtlCol="0" anchor="ctr"/>
+            <a:lstStyle/>
+            <a:p>
+              <a:pPr algn="ctr"/>
+              <a:endParaRPr lang="en-PH"/>
+            </a:p>
+          </p:txBody>
+        </p:sp>
+      </p:grpSp>
+      <p:grpSp>
+        <p:nvGrpSpPr>
+          <p:cNvPr id="162" name="Group 161"/>
+          <p:cNvGrpSpPr/>
+          <p:nvPr/>
+        </p:nvGrpSpPr>
+        <p:grpSpPr>
+          <a:xfrm>
+            <a:off x="6085036" y="935881"/>
+            <a:ext cx="540000" cy="4248000"/>
+            <a:chOff x="25275108" y="1009135"/>
+            <a:chExt cx="634254" cy="4248000"/>
+          </a:xfrm>
+        </p:grpSpPr>
+        <p:sp>
+          <p:nvSpPr>
+            <p:cNvPr id="163" name="Rectangle 162"/>
+            <p:cNvSpPr/>
+            <p:nvPr/>
+          </p:nvSpPr>
+          <p:spPr>
+            <a:xfrm>
+              <a:off x="25275108" y="1009135"/>
+              <a:ext cx="324000" cy="4248000"/>
+            </a:xfrm>
+            <a:prstGeom prst="rect">
+              <a:avLst/>
+            </a:prstGeom>
+          </p:spPr>
+          <p:style>
+            <a:lnRef idx="2">
+              <a:schemeClr val="accent1">
+                <a:shade val="50000"/>
+              </a:schemeClr>
+            </a:lnRef>
+            <a:fillRef idx="1">
+              <a:schemeClr val="accent1"/>
+            </a:fillRef>
+            <a:effectRef idx="0">
+              <a:schemeClr val="accent1"/>
+            </a:effectRef>
+            <a:fontRef idx="minor">
+              <a:schemeClr val="lt1"/>
+            </a:fontRef>
+          </p:style>
+          <p:txBody>
+            <a:bodyPr rtlCol="0" anchor="ctr"/>
+            <a:lstStyle/>
+            <a:p>
+              <a:pPr algn="ctr"/>
+              <a:endParaRPr lang="en-PH"/>
+            </a:p>
+          </p:txBody>
+        </p:sp>
+        <p:sp>
+          <p:nvSpPr>
+            <p:cNvPr id="164" name="Rectangle 163"/>
+            <p:cNvSpPr/>
+            <p:nvPr/>
+          </p:nvSpPr>
+          <p:spPr>
+            <a:xfrm>
+              <a:off x="25585362" y="1009135"/>
+              <a:ext cx="324000" cy="4248000"/>
+            </a:xfrm>
+            <a:prstGeom prst="rect">
+              <a:avLst/>
+            </a:prstGeom>
+          </p:spPr>
+          <p:style>
+            <a:lnRef idx="2">
+              <a:schemeClr val="accent4">
+                <a:shade val="50000"/>
+              </a:schemeClr>
+            </a:lnRef>
+            <a:fillRef idx="1">
+              <a:schemeClr val="accent4"/>
+            </a:fillRef>
+            <a:effectRef idx="0">
+              <a:schemeClr val="accent4"/>
+            </a:effectRef>
+            <a:fontRef idx="minor">
+              <a:schemeClr val="lt1"/>
+            </a:fontRef>
+          </p:style>
+          <p:txBody>
+            <a:bodyPr rtlCol="0" anchor="ctr"/>
+            <a:lstStyle/>
+            <a:p>
+              <a:pPr algn="ctr"/>
+              <a:endParaRPr lang="en-PH"/>
+            </a:p>
+          </p:txBody>
+        </p:sp>
+      </p:grpSp>
+      <p:grpSp>
+        <p:nvGrpSpPr>
+          <p:cNvPr id="165" name="Group 164"/>
+          <p:cNvGrpSpPr/>
+          <p:nvPr/>
+        </p:nvGrpSpPr>
+        <p:grpSpPr>
+          <a:xfrm>
+            <a:off x="7021140" y="935881"/>
+            <a:ext cx="540000" cy="4248000"/>
+            <a:chOff x="25275108" y="1009135"/>
+            <a:chExt cx="634254" cy="4248000"/>
+          </a:xfrm>
+        </p:grpSpPr>
+        <p:sp>
+          <p:nvSpPr>
+            <p:cNvPr id="166" name="Rectangle 165"/>
+            <p:cNvSpPr/>
+            <p:nvPr/>
+          </p:nvSpPr>
+          <p:spPr>
+            <a:xfrm>
+              <a:off x="25275108" y="1009135"/>
+              <a:ext cx="324000" cy="4248000"/>
+            </a:xfrm>
+            <a:prstGeom prst="rect">
+              <a:avLst/>
+            </a:prstGeom>
+          </p:spPr>
+          <p:style>
+            <a:lnRef idx="2">
+              <a:schemeClr val="accent1">
+                <a:shade val="50000"/>
+              </a:schemeClr>
+            </a:lnRef>
+            <a:fillRef idx="1">
+              <a:schemeClr val="accent1"/>
+            </a:fillRef>
+            <a:effectRef idx="0">
+              <a:schemeClr val="accent1"/>
+            </a:effectRef>
+            <a:fontRef idx="minor">
+              <a:schemeClr val="lt1"/>
+            </a:fontRef>
+          </p:style>
+          <p:txBody>
+            <a:bodyPr rtlCol="0" anchor="ctr"/>
+            <a:lstStyle/>
+            <a:p>
+              <a:pPr algn="ctr"/>
+              <a:endParaRPr lang="en-PH"/>
+            </a:p>
+          </p:txBody>
+        </p:sp>
+        <p:sp>
+          <p:nvSpPr>
+            <p:cNvPr id="167" name="Rectangle 166"/>
+            <p:cNvSpPr/>
+            <p:nvPr/>
+          </p:nvSpPr>
+          <p:spPr>
+            <a:xfrm>
+              <a:off x="25585362" y="1009135"/>
+              <a:ext cx="324000" cy="4248000"/>
+            </a:xfrm>
+            <a:prstGeom prst="rect">
+              <a:avLst/>
+            </a:prstGeom>
+          </p:spPr>
+          <p:style>
+            <a:lnRef idx="2">
+              <a:schemeClr val="accent4">
+                <a:shade val="50000"/>
+              </a:schemeClr>
+            </a:lnRef>
+            <a:fillRef idx="1">
+              <a:schemeClr val="accent4"/>
+            </a:fillRef>
+            <a:effectRef idx="0">
+              <a:schemeClr val="accent4"/>
+            </a:effectRef>
+            <a:fontRef idx="minor">
+              <a:schemeClr val="lt1"/>
+            </a:fontRef>
+          </p:style>
+          <p:txBody>
+            <a:bodyPr rtlCol="0" anchor="ctr"/>
+            <a:lstStyle/>
+            <a:p>
+              <a:pPr algn="ctr"/>
+              <a:endParaRPr lang="en-PH"/>
+            </a:p>
+          </p:txBody>
+        </p:sp>
+      </p:grpSp>
+      <p:grpSp>
+        <p:nvGrpSpPr>
+          <p:cNvPr id="168" name="Group 167"/>
+          <p:cNvGrpSpPr/>
+          <p:nvPr/>
+        </p:nvGrpSpPr>
+        <p:grpSpPr>
+          <a:xfrm>
+            <a:off x="7957244" y="935881"/>
+            <a:ext cx="540000" cy="4248000"/>
+            <a:chOff x="25275108" y="1009135"/>
+            <a:chExt cx="634254" cy="4248000"/>
+          </a:xfrm>
+        </p:grpSpPr>
+        <p:sp>
+          <p:nvSpPr>
+            <p:cNvPr id="169" name="Rectangle 168"/>
+            <p:cNvSpPr/>
+            <p:nvPr/>
+          </p:nvSpPr>
+          <p:spPr>
+            <a:xfrm>
+              <a:off x="25275108" y="1009135"/>
+              <a:ext cx="324000" cy="4248000"/>
+            </a:xfrm>
+            <a:prstGeom prst="rect">
+              <a:avLst/>
+            </a:prstGeom>
+          </p:spPr>
+          <p:style>
+            <a:lnRef idx="2">
+              <a:schemeClr val="accent1">
+                <a:shade val="50000"/>
+              </a:schemeClr>
+            </a:lnRef>
+            <a:fillRef idx="1">
+              <a:schemeClr val="accent1"/>
+            </a:fillRef>
+            <a:effectRef idx="0">
+              <a:schemeClr val="accent1"/>
+            </a:effectRef>
+            <a:fontRef idx="minor">
+              <a:schemeClr val="lt1"/>
+            </a:fontRef>
+          </p:style>
+          <p:txBody>
+            <a:bodyPr rtlCol="0" anchor="ctr"/>
+            <a:lstStyle/>
+            <a:p>
+              <a:pPr algn="ctr"/>
+              <a:endParaRPr lang="en-PH"/>
+            </a:p>
+          </p:txBody>
+        </p:sp>
+        <p:sp>
+          <p:nvSpPr>
+            <p:cNvPr id="170" name="Rectangle 169"/>
+            <p:cNvSpPr/>
+            <p:nvPr/>
+          </p:nvSpPr>
+          <p:spPr>
+            <a:xfrm>
+              <a:off x="25585362" y="1009135"/>
+              <a:ext cx="324000" cy="4248000"/>
+            </a:xfrm>
+            <a:prstGeom prst="rect">
+              <a:avLst/>
+            </a:prstGeom>
+          </p:spPr>
+          <p:style>
+            <a:lnRef idx="2">
+              <a:schemeClr val="accent4">
+                <a:shade val="50000"/>
+              </a:schemeClr>
+            </a:lnRef>
+            <a:fillRef idx="1">
+              <a:schemeClr val="accent4"/>
+            </a:fillRef>
+            <a:effectRef idx="0">
+              <a:schemeClr val="accent4"/>
+            </a:effectRef>
+            <a:fontRef idx="minor">
+              <a:schemeClr val="lt1"/>
+            </a:fontRef>
+          </p:style>
+          <p:txBody>
+            <a:bodyPr rtlCol="0" anchor="ctr"/>
+            <a:lstStyle/>
+            <a:p>
+              <a:pPr algn="ctr"/>
+              <a:endParaRPr lang="en-PH"/>
+            </a:p>
+          </p:txBody>
+        </p:sp>
+      </p:grpSp>
+      <p:grpSp>
+        <p:nvGrpSpPr>
+          <p:cNvPr id="171" name="Group 170"/>
+          <p:cNvGrpSpPr/>
+          <p:nvPr/>
+        </p:nvGrpSpPr>
+        <p:grpSpPr>
+          <a:xfrm>
+            <a:off x="8965356" y="935881"/>
+            <a:ext cx="540000" cy="4248000"/>
+            <a:chOff x="25275108" y="1009135"/>
+            <a:chExt cx="634254" cy="4248000"/>
+          </a:xfrm>
+        </p:grpSpPr>
+        <p:sp>
+          <p:nvSpPr>
+            <p:cNvPr id="172" name="Rectangle 171"/>
+            <p:cNvSpPr/>
+            <p:nvPr/>
+          </p:nvSpPr>
+          <p:spPr>
+            <a:xfrm>
+              <a:off x="25275108" y="1009135"/>
+              <a:ext cx="324000" cy="4248000"/>
+            </a:xfrm>
+            <a:prstGeom prst="rect">
+              <a:avLst/>
+            </a:prstGeom>
+          </p:spPr>
+          <p:style>
+            <a:lnRef idx="2">
+              <a:schemeClr val="accent1">
+                <a:shade val="50000"/>
+              </a:schemeClr>
+            </a:lnRef>
+            <a:fillRef idx="1">
+              <a:schemeClr val="accent1"/>
+            </a:fillRef>
+            <a:effectRef idx="0">
+              <a:schemeClr val="accent1"/>
+            </a:effectRef>
+            <a:fontRef idx="minor">
+              <a:schemeClr val="lt1"/>
+            </a:fontRef>
+          </p:style>
+          <p:txBody>
+            <a:bodyPr rtlCol="0" anchor="ctr"/>
+            <a:lstStyle/>
+            <a:p>
+              <a:pPr algn="ctr"/>
+              <a:endParaRPr lang="en-PH"/>
+            </a:p>
+          </p:txBody>
+        </p:sp>
+        <p:sp>
+          <p:nvSpPr>
+            <p:cNvPr id="173" name="Rectangle 172"/>
+            <p:cNvSpPr/>
+            <p:nvPr/>
+          </p:nvSpPr>
+          <p:spPr>
+            <a:xfrm>
+              <a:off x="25585362" y="1009135"/>
+              <a:ext cx="324000" cy="4248000"/>
+            </a:xfrm>
+            <a:prstGeom prst="rect">
+              <a:avLst/>
+            </a:prstGeom>
+          </p:spPr>
+          <p:style>
+            <a:lnRef idx="2">
+              <a:schemeClr val="accent4">
+                <a:shade val="50000"/>
+              </a:schemeClr>
+            </a:lnRef>
+            <a:fillRef idx="1">
+              <a:schemeClr val="accent4"/>
+            </a:fillRef>
+            <a:effectRef idx="0">
+              <a:schemeClr val="accent4"/>
+            </a:effectRef>
+            <a:fontRef idx="minor">
+              <a:schemeClr val="lt1"/>
+            </a:fontRef>
+          </p:style>
+          <p:txBody>
+            <a:bodyPr rtlCol="0" anchor="ctr"/>
+            <a:lstStyle/>
+            <a:p>
+              <a:pPr algn="ctr"/>
+              <a:endParaRPr lang="en-PH"/>
+            </a:p>
+          </p:txBody>
+        </p:sp>
+      </p:grpSp>
+      <p:grpSp>
+        <p:nvGrpSpPr>
+          <p:cNvPr id="174" name="Group 173"/>
+          <p:cNvGrpSpPr/>
+          <p:nvPr/>
+        </p:nvGrpSpPr>
+        <p:grpSpPr>
+          <a:xfrm>
+            <a:off x="9973468" y="935881"/>
+            <a:ext cx="540000" cy="4248000"/>
+            <a:chOff x="25275108" y="1009135"/>
+            <a:chExt cx="634254" cy="4248000"/>
+          </a:xfrm>
+        </p:grpSpPr>
+        <p:sp>
+          <p:nvSpPr>
+            <p:cNvPr id="175" name="Rectangle 174"/>
+            <p:cNvSpPr/>
+            <p:nvPr/>
+          </p:nvSpPr>
+          <p:spPr>
+            <a:xfrm>
+              <a:off x="25275108" y="1009135"/>
+              <a:ext cx="324000" cy="4248000"/>
+            </a:xfrm>
+            <a:prstGeom prst="rect">
+              <a:avLst/>
+            </a:prstGeom>
+          </p:spPr>
+          <p:style>
+            <a:lnRef idx="2">
+              <a:schemeClr val="accent1">
+                <a:shade val="50000"/>
+              </a:schemeClr>
+            </a:lnRef>
+            <a:fillRef idx="1">
+              <a:schemeClr val="accent1"/>
+            </a:fillRef>
+            <a:effectRef idx="0">
+              <a:schemeClr val="accent1"/>
+            </a:effectRef>
+            <a:fontRef idx="minor">
+              <a:schemeClr val="lt1"/>
+            </a:fontRef>
+          </p:style>
+          <p:txBody>
+            <a:bodyPr rtlCol="0" anchor="ctr"/>
+            <a:lstStyle/>
+            <a:p>
+              <a:pPr algn="ctr"/>
+              <a:endParaRPr lang="en-PH"/>
+            </a:p>
+          </p:txBody>
+        </p:sp>
+        <p:sp>
+          <p:nvSpPr>
+            <p:cNvPr id="176" name="Rectangle 175"/>
+            <p:cNvSpPr/>
+            <p:nvPr/>
+          </p:nvSpPr>
+          <p:spPr>
+            <a:xfrm>
+              <a:off x="25585362" y="1009135"/>
+              <a:ext cx="324000" cy="4248000"/>
+            </a:xfrm>
+            <a:prstGeom prst="rect">
+              <a:avLst/>
+            </a:prstGeom>
+          </p:spPr>
+          <p:style>
+            <a:lnRef idx="2">
+              <a:schemeClr val="accent4">
+                <a:shade val="50000"/>
+              </a:schemeClr>
+            </a:lnRef>
+            <a:fillRef idx="1">
+              <a:schemeClr val="accent4"/>
+            </a:fillRef>
+            <a:effectRef idx="0">
+              <a:schemeClr val="accent4"/>
+            </a:effectRef>
+            <a:fontRef idx="minor">
+              <a:schemeClr val="lt1"/>
+            </a:fontRef>
+          </p:style>
+          <p:txBody>
+            <a:bodyPr rtlCol="0" anchor="ctr"/>
+            <a:lstStyle/>
+            <a:p>
+              <a:pPr algn="ctr"/>
+              <a:endParaRPr lang="en-PH"/>
+            </a:p>
+          </p:txBody>
+        </p:sp>
+      </p:grpSp>
+      <p:grpSp>
+        <p:nvGrpSpPr>
+          <p:cNvPr id="177" name="Group 176"/>
+          <p:cNvGrpSpPr/>
+          <p:nvPr/>
+        </p:nvGrpSpPr>
+        <p:grpSpPr>
+          <a:xfrm>
+            <a:off x="10909572" y="935881"/>
+            <a:ext cx="540000" cy="4248000"/>
+            <a:chOff x="25275108" y="1009135"/>
+            <a:chExt cx="634254" cy="4248000"/>
+          </a:xfrm>
+        </p:grpSpPr>
+        <p:sp>
+          <p:nvSpPr>
+            <p:cNvPr id="178" name="Rectangle 177"/>
+            <p:cNvSpPr/>
+            <p:nvPr/>
+          </p:nvSpPr>
+          <p:spPr>
+            <a:xfrm>
+              <a:off x="25275108" y="1009135"/>
+              <a:ext cx="324000" cy="4248000"/>
+            </a:xfrm>
+            <a:prstGeom prst="rect">
+              <a:avLst/>
+            </a:prstGeom>
+          </p:spPr>
+          <p:style>
+            <a:lnRef idx="2">
+              <a:schemeClr val="accent1">
+                <a:shade val="50000"/>
+              </a:schemeClr>
+            </a:lnRef>
+            <a:fillRef idx="1">
+              <a:schemeClr val="accent1"/>
+            </a:fillRef>
+            <a:effectRef idx="0">
+              <a:schemeClr val="accent1"/>
+            </a:effectRef>
+            <a:fontRef idx="minor">
+              <a:schemeClr val="lt1"/>
+            </a:fontRef>
+          </p:style>
+          <p:txBody>
+            <a:bodyPr rtlCol="0" anchor="ctr"/>
+            <a:lstStyle/>
+            <a:p>
+              <a:pPr algn="ctr"/>
+              <a:endParaRPr lang="en-PH"/>
+            </a:p>
+          </p:txBody>
+        </p:sp>
+        <p:sp>
+          <p:nvSpPr>
+            <p:cNvPr id="179" name="Rectangle 178"/>
+            <p:cNvSpPr/>
+            <p:nvPr/>
+          </p:nvSpPr>
+          <p:spPr>
+            <a:xfrm>
+              <a:off x="25585362" y="1009135"/>
+              <a:ext cx="324000" cy="4248000"/>
+            </a:xfrm>
+            <a:prstGeom prst="rect">
+              <a:avLst/>
+            </a:prstGeom>
+          </p:spPr>
+          <p:style>
+            <a:lnRef idx="2">
+              <a:schemeClr val="accent4">
+                <a:shade val="50000"/>
+              </a:schemeClr>
+            </a:lnRef>
+            <a:fillRef idx="1">
+              <a:schemeClr val="accent4"/>
+            </a:fillRef>
+            <a:effectRef idx="0">
+              <a:schemeClr val="accent4"/>
+            </a:effectRef>
+            <a:fontRef idx="minor">
+              <a:schemeClr val="lt1"/>
+            </a:fontRef>
+          </p:style>
+          <p:txBody>
+            <a:bodyPr rtlCol="0" anchor="ctr"/>
+            <a:lstStyle/>
+            <a:p>
+              <a:pPr algn="ctr"/>
+              <a:endParaRPr lang="en-PH"/>
+            </a:p>
+          </p:txBody>
+        </p:sp>
+      </p:grpSp>
+      <p:grpSp>
+        <p:nvGrpSpPr>
+          <p:cNvPr id="180" name="Group 179"/>
+          <p:cNvGrpSpPr/>
+          <p:nvPr/>
+        </p:nvGrpSpPr>
+        <p:grpSpPr>
+          <a:xfrm>
+            <a:off x="31395796" y="756720"/>
+            <a:ext cx="612000" cy="4248000"/>
+            <a:chOff x="25275108" y="1009135"/>
+            <a:chExt cx="634254" cy="4248000"/>
+          </a:xfrm>
+        </p:grpSpPr>
+        <p:sp>
+          <p:nvSpPr>
+            <p:cNvPr id="181" name="Rectangle 180"/>
+            <p:cNvSpPr/>
+            <p:nvPr/>
+          </p:nvSpPr>
+          <p:spPr>
+            <a:xfrm>
+              <a:off x="25275108" y="1009135"/>
+              <a:ext cx="324000" cy="4248000"/>
+            </a:xfrm>
+            <a:prstGeom prst="rect">
+              <a:avLst/>
+            </a:prstGeom>
+          </p:spPr>
+          <p:style>
+            <a:lnRef idx="2">
+              <a:schemeClr val="accent1">
+                <a:shade val="50000"/>
+              </a:schemeClr>
+            </a:lnRef>
+            <a:fillRef idx="1">
+              <a:schemeClr val="accent1"/>
+            </a:fillRef>
+            <a:effectRef idx="0">
+              <a:schemeClr val="accent1"/>
+            </a:effectRef>
+            <a:fontRef idx="minor">
+              <a:schemeClr val="lt1"/>
+            </a:fontRef>
+          </p:style>
+          <p:txBody>
+            <a:bodyPr rtlCol="0" anchor="ctr"/>
+            <a:lstStyle/>
+            <a:p>
+              <a:pPr algn="ctr"/>
+              <a:endParaRPr lang="en-PH"/>
+            </a:p>
+          </p:txBody>
+        </p:sp>
+        <p:sp>
+          <p:nvSpPr>
+            <p:cNvPr id="182" name="Rectangle 181"/>
+            <p:cNvSpPr/>
+            <p:nvPr/>
+          </p:nvSpPr>
+          <p:spPr>
+            <a:xfrm>
+              <a:off x="25585362" y="1009135"/>
+              <a:ext cx="324000" cy="4248000"/>
+            </a:xfrm>
+            <a:prstGeom prst="rect">
+              <a:avLst/>
+            </a:prstGeom>
+          </p:spPr>
+          <p:style>
+            <a:lnRef idx="2">
+              <a:schemeClr val="accent4">
+                <a:shade val="50000"/>
+              </a:schemeClr>
+            </a:lnRef>
+            <a:fillRef idx="1">
+              <a:schemeClr val="accent4"/>
+            </a:fillRef>
+            <a:effectRef idx="0">
+              <a:schemeClr val="accent4"/>
+            </a:effectRef>
+            <a:fontRef idx="minor">
+              <a:schemeClr val="lt1"/>
+            </a:fontRef>
+          </p:style>
+          <p:txBody>
+            <a:bodyPr rtlCol="0" anchor="ctr"/>
+            <a:lstStyle/>
+            <a:p>
+              <a:pPr algn="ctr"/>
+              <a:endParaRPr lang="en-PH"/>
+            </a:p>
+          </p:txBody>
+        </p:sp>
+      </p:grpSp>
+      <p:grpSp>
+        <p:nvGrpSpPr>
+          <p:cNvPr id="183" name="Group 182"/>
+          <p:cNvGrpSpPr/>
+          <p:nvPr/>
+        </p:nvGrpSpPr>
+        <p:grpSpPr>
+          <a:xfrm>
+            <a:off x="32331900" y="719857"/>
+            <a:ext cx="612000" cy="4248000"/>
+            <a:chOff x="25275108" y="1009135"/>
+            <a:chExt cx="634254" cy="4248000"/>
+          </a:xfrm>
+        </p:grpSpPr>
+        <p:sp>
+          <p:nvSpPr>
+            <p:cNvPr id="184" name="Rectangle 183"/>
+            <p:cNvSpPr/>
+            <p:nvPr/>
+          </p:nvSpPr>
+          <p:spPr>
+            <a:xfrm>
+              <a:off x="25275108" y="1009135"/>
+              <a:ext cx="324000" cy="4248000"/>
+            </a:xfrm>
+            <a:prstGeom prst="rect">
+              <a:avLst/>
+            </a:prstGeom>
+          </p:spPr>
+          <p:style>
+            <a:lnRef idx="2">
+              <a:schemeClr val="accent1">
+                <a:shade val="50000"/>
+              </a:schemeClr>
+            </a:lnRef>
+            <a:fillRef idx="1">
+              <a:schemeClr val="accent1"/>
+            </a:fillRef>
+            <a:effectRef idx="0">
+              <a:schemeClr val="accent1"/>
+            </a:effectRef>
+            <a:fontRef idx="minor">
+              <a:schemeClr val="lt1"/>
+            </a:fontRef>
+          </p:style>
+          <p:txBody>
+            <a:bodyPr rtlCol="0" anchor="ctr"/>
+            <a:lstStyle/>
+            <a:p>
+              <a:pPr algn="ctr"/>
+              <a:endParaRPr lang="en-PH"/>
+            </a:p>
+          </p:txBody>
+        </p:sp>
+        <p:sp>
+          <p:nvSpPr>
+            <p:cNvPr id="185" name="Rectangle 184"/>
+            <p:cNvSpPr/>
+            <p:nvPr/>
+          </p:nvSpPr>
+          <p:spPr>
+            <a:xfrm>
+              <a:off x="25585362" y="1009135"/>
+              <a:ext cx="324000" cy="4248000"/>
+            </a:xfrm>
+            <a:prstGeom prst="rect">
+              <a:avLst/>
+            </a:prstGeom>
+          </p:spPr>
+          <p:style>
+            <a:lnRef idx="2">
+              <a:schemeClr val="accent4">
+                <a:shade val="50000"/>
+              </a:schemeClr>
+            </a:lnRef>
+            <a:fillRef idx="1">
+              <a:schemeClr val="accent4"/>
+            </a:fillRef>
+            <a:effectRef idx="0">
+              <a:schemeClr val="accent4"/>
+            </a:effectRef>
+            <a:fontRef idx="minor">
+              <a:schemeClr val="lt1"/>
+            </a:fontRef>
+          </p:style>
+          <p:txBody>
+            <a:bodyPr rtlCol="0" anchor="ctr"/>
+            <a:lstStyle/>
+            <a:p>
+              <a:pPr algn="ctr"/>
+              <a:endParaRPr lang="en-PH"/>
+            </a:p>
+          </p:txBody>
+        </p:sp>
+      </p:grpSp>
+      <p:grpSp>
+        <p:nvGrpSpPr>
+          <p:cNvPr id="186" name="Group 185"/>
+          <p:cNvGrpSpPr/>
+          <p:nvPr/>
+        </p:nvGrpSpPr>
+        <p:grpSpPr>
+          <a:xfrm>
+            <a:off x="33304068" y="756720"/>
+            <a:ext cx="612000" cy="4248000"/>
+            <a:chOff x="25275108" y="1009135"/>
+            <a:chExt cx="634254" cy="4248000"/>
+          </a:xfrm>
+        </p:grpSpPr>
+        <p:sp>
+          <p:nvSpPr>
+            <p:cNvPr id="187" name="Rectangle 186"/>
+            <p:cNvSpPr/>
+            <p:nvPr/>
+          </p:nvSpPr>
+          <p:spPr>
+            <a:xfrm>
+              <a:off x="25275108" y="1009135"/>
+              <a:ext cx="324000" cy="4248000"/>
+            </a:xfrm>
+            <a:prstGeom prst="rect">
+              <a:avLst/>
+            </a:prstGeom>
+          </p:spPr>
+          <p:style>
+            <a:lnRef idx="2">
+              <a:schemeClr val="accent1">
+                <a:shade val="50000"/>
+              </a:schemeClr>
+            </a:lnRef>
+            <a:fillRef idx="1">
+              <a:schemeClr val="accent1"/>
+            </a:fillRef>
+            <a:effectRef idx="0">
+              <a:schemeClr val="accent1"/>
+            </a:effectRef>
+            <a:fontRef idx="minor">
+              <a:schemeClr val="lt1"/>
+            </a:fontRef>
+          </p:style>
+          <p:txBody>
+            <a:bodyPr rtlCol="0" anchor="ctr"/>
+            <a:lstStyle/>
+            <a:p>
+              <a:pPr algn="ctr"/>
+              <a:endParaRPr lang="en-PH"/>
+            </a:p>
+          </p:txBody>
+        </p:sp>
+        <p:sp>
+          <p:nvSpPr>
+            <p:cNvPr id="188" name="Rectangle 187"/>
+            <p:cNvSpPr/>
+            <p:nvPr/>
+          </p:nvSpPr>
+          <p:spPr>
+            <a:xfrm>
+              <a:off x="25585362" y="1009135"/>
+              <a:ext cx="324000" cy="4248000"/>
+            </a:xfrm>
+            <a:prstGeom prst="rect">
+              <a:avLst/>
+            </a:prstGeom>
+          </p:spPr>
+          <p:style>
+            <a:lnRef idx="2">
+              <a:schemeClr val="accent4">
+                <a:shade val="50000"/>
+              </a:schemeClr>
+            </a:lnRef>
+            <a:fillRef idx="1">
+              <a:schemeClr val="accent4"/>
+            </a:fillRef>
+            <a:effectRef idx="0">
+              <a:schemeClr val="accent4"/>
+            </a:effectRef>
+            <a:fontRef idx="minor">
+              <a:schemeClr val="lt1"/>
+            </a:fontRef>
+          </p:style>
+          <p:txBody>
+            <a:bodyPr rtlCol="0" anchor="ctr"/>
+            <a:lstStyle/>
+            <a:p>
+              <a:pPr algn="ctr"/>
+              <a:endParaRPr lang="en-PH"/>
+            </a:p>
+          </p:txBody>
+        </p:sp>
+      </p:grpSp>
+      <p:grpSp>
+        <p:nvGrpSpPr>
+          <p:cNvPr id="189" name="Group 188"/>
+          <p:cNvGrpSpPr/>
+          <p:nvPr/>
+        </p:nvGrpSpPr>
+        <p:grpSpPr>
+          <a:xfrm>
+            <a:off x="34240172" y="756720"/>
+            <a:ext cx="612000" cy="4248000"/>
+            <a:chOff x="25275108" y="1009135"/>
+            <a:chExt cx="634254" cy="4248000"/>
+          </a:xfrm>
+        </p:grpSpPr>
+        <p:sp>
+          <p:nvSpPr>
+            <p:cNvPr id="190" name="Rectangle 189"/>
+            <p:cNvSpPr/>
+            <p:nvPr/>
+          </p:nvSpPr>
+          <p:spPr>
+            <a:xfrm>
+              <a:off x="25275108" y="1009135"/>
+              <a:ext cx="324000" cy="4248000"/>
+            </a:xfrm>
+            <a:prstGeom prst="rect">
+              <a:avLst/>
+            </a:prstGeom>
+          </p:spPr>
+          <p:style>
+            <a:lnRef idx="2">
+              <a:schemeClr val="accent1">
+                <a:shade val="50000"/>
+              </a:schemeClr>
+            </a:lnRef>
+            <a:fillRef idx="1">
+              <a:schemeClr val="accent1"/>
+            </a:fillRef>
+            <a:effectRef idx="0">
+              <a:schemeClr val="accent1"/>
+            </a:effectRef>
+            <a:fontRef idx="minor">
+              <a:schemeClr val="lt1"/>
+            </a:fontRef>
+          </p:style>
+          <p:txBody>
+            <a:bodyPr rtlCol="0" anchor="ctr"/>
+            <a:lstStyle/>
+            <a:p>
+              <a:pPr algn="ctr"/>
+              <a:endParaRPr lang="en-PH"/>
+            </a:p>
+          </p:txBody>
+        </p:sp>
+        <p:sp>
+          <p:nvSpPr>
+            <p:cNvPr id="191" name="Rectangle 190"/>
+            <p:cNvSpPr/>
+            <p:nvPr/>
+          </p:nvSpPr>
+          <p:spPr>
+            <a:xfrm>
+              <a:off x="25585362" y="1009135"/>
+              <a:ext cx="324000" cy="4248000"/>
+            </a:xfrm>
+            <a:prstGeom prst="rect">
+              <a:avLst/>
+            </a:prstGeom>
+          </p:spPr>
+          <p:style>
+            <a:lnRef idx="2">
+              <a:schemeClr val="accent4">
+                <a:shade val="50000"/>
+              </a:schemeClr>
+            </a:lnRef>
+            <a:fillRef idx="1">
+              <a:schemeClr val="accent4"/>
+            </a:fillRef>
+            <a:effectRef idx="0">
+              <a:schemeClr val="accent4"/>
+            </a:effectRef>
+            <a:fontRef idx="minor">
+              <a:schemeClr val="lt1"/>
+            </a:fontRef>
+          </p:style>
+          <p:txBody>
+            <a:bodyPr rtlCol="0" anchor="ctr"/>
+            <a:lstStyle/>
+            <a:p>
+              <a:pPr algn="ctr"/>
+              <a:endParaRPr lang="en-PH"/>
+            </a:p>
+          </p:txBody>
+        </p:sp>
+      </p:grpSp>
+      <p:grpSp>
+        <p:nvGrpSpPr>
+          <p:cNvPr id="192" name="Group 191"/>
+          <p:cNvGrpSpPr/>
+          <p:nvPr/>
+        </p:nvGrpSpPr>
+        <p:grpSpPr>
+          <a:xfrm>
+            <a:off x="35212220" y="756720"/>
+            <a:ext cx="612000" cy="4248000"/>
+            <a:chOff x="25275108" y="1009135"/>
+            <a:chExt cx="634254" cy="4248000"/>
+          </a:xfrm>
+        </p:grpSpPr>
+        <p:sp>
+          <p:nvSpPr>
+            <p:cNvPr id="193" name="Rectangle 192"/>
+            <p:cNvSpPr/>
+            <p:nvPr/>
+          </p:nvSpPr>
+          <p:spPr>
+            <a:xfrm>
+              <a:off x="25275108" y="1009135"/>
+              <a:ext cx="324000" cy="4248000"/>
+            </a:xfrm>
+            <a:prstGeom prst="rect">
+              <a:avLst/>
+            </a:prstGeom>
+          </p:spPr>
+          <p:style>
+            <a:lnRef idx="2">
+              <a:schemeClr val="accent1">
+                <a:shade val="50000"/>
+              </a:schemeClr>
+            </a:lnRef>
+            <a:fillRef idx="1">
+              <a:schemeClr val="accent1"/>
+            </a:fillRef>
+            <a:effectRef idx="0">
+              <a:schemeClr val="accent1"/>
+            </a:effectRef>
+            <a:fontRef idx="minor">
+              <a:schemeClr val="lt1"/>
+            </a:fontRef>
+          </p:style>
+          <p:txBody>
+            <a:bodyPr rtlCol="0" anchor="ctr"/>
+            <a:lstStyle/>
+            <a:p>
+              <a:pPr algn="ctr"/>
+              <a:endParaRPr lang="en-PH"/>
+            </a:p>
+          </p:txBody>
+        </p:sp>
+        <p:sp>
+          <p:nvSpPr>
+            <p:cNvPr id="194" name="Rectangle 193"/>
+            <p:cNvSpPr/>
+            <p:nvPr/>
+          </p:nvSpPr>
+          <p:spPr>
+            <a:xfrm>
+              <a:off x="25585362" y="1009135"/>
+              <a:ext cx="324000" cy="4248000"/>
+            </a:xfrm>
+            <a:prstGeom prst="rect">
+              <a:avLst/>
+            </a:prstGeom>
+          </p:spPr>
+          <p:style>
+            <a:lnRef idx="2">
+              <a:schemeClr val="accent4">
+                <a:shade val="50000"/>
+              </a:schemeClr>
+            </a:lnRef>
+            <a:fillRef idx="1">
+              <a:schemeClr val="accent4"/>
+            </a:fillRef>
+            <a:effectRef idx="0">
+              <a:schemeClr val="accent4"/>
+            </a:effectRef>
+            <a:fontRef idx="minor">
+              <a:schemeClr val="lt1"/>
+            </a:fontRef>
+          </p:style>
+          <p:txBody>
+            <a:bodyPr rtlCol="0" anchor="ctr"/>
+            <a:lstStyle/>
+            <a:p>
+              <a:pPr algn="ctr"/>
+              <a:endParaRPr lang="en-PH"/>
+            </a:p>
+          </p:txBody>
+        </p:sp>
+      </p:grpSp>
+      <p:grpSp>
+        <p:nvGrpSpPr>
+          <p:cNvPr id="195" name="Group 194"/>
+          <p:cNvGrpSpPr/>
+          <p:nvPr/>
+        </p:nvGrpSpPr>
+        <p:grpSpPr>
+          <a:xfrm>
+            <a:off x="36184388" y="756720"/>
+            <a:ext cx="612000" cy="4248000"/>
+            <a:chOff x="25275108" y="1009135"/>
+            <a:chExt cx="634254" cy="4248000"/>
+          </a:xfrm>
+        </p:grpSpPr>
+        <p:sp>
+          <p:nvSpPr>
+            <p:cNvPr id="196" name="Rectangle 195"/>
+            <p:cNvSpPr/>
+            <p:nvPr/>
+          </p:nvSpPr>
+          <p:spPr>
+            <a:xfrm>
+              <a:off x="25275108" y="1009135"/>
+              <a:ext cx="324000" cy="4248000"/>
+            </a:xfrm>
+            <a:prstGeom prst="rect">
+              <a:avLst/>
+            </a:prstGeom>
+          </p:spPr>
+          <p:style>
+            <a:lnRef idx="2">
+              <a:schemeClr val="accent1">
+                <a:shade val="50000"/>
+              </a:schemeClr>
+            </a:lnRef>
+            <a:fillRef idx="1">
+              <a:schemeClr val="accent1"/>
+            </a:fillRef>
+            <a:effectRef idx="0">
+              <a:schemeClr val="accent1"/>
+            </a:effectRef>
+            <a:fontRef idx="minor">
+              <a:schemeClr val="lt1"/>
+            </a:fontRef>
+          </p:style>
+          <p:txBody>
+            <a:bodyPr rtlCol="0" anchor="ctr"/>
+            <a:lstStyle/>
+            <a:p>
+              <a:pPr algn="ctr"/>
+              <a:endParaRPr lang="en-PH"/>
+            </a:p>
+          </p:txBody>
+        </p:sp>
+        <p:sp>
+          <p:nvSpPr>
+            <p:cNvPr id="197" name="Rectangle 196"/>
+            <p:cNvSpPr/>
+            <p:nvPr/>
+          </p:nvSpPr>
+          <p:spPr>
+            <a:xfrm>
+              <a:off x="25585362" y="1009135"/>
+              <a:ext cx="324000" cy="4248000"/>
+            </a:xfrm>
+            <a:prstGeom prst="rect">
+              <a:avLst/>
+            </a:prstGeom>
+          </p:spPr>
+          <p:style>
+            <a:lnRef idx="2">
+              <a:schemeClr val="accent4">
+                <a:shade val="50000"/>
+              </a:schemeClr>
+            </a:lnRef>
+            <a:fillRef idx="1">
+              <a:schemeClr val="accent4"/>
+            </a:fillRef>
+            <a:effectRef idx="0">
+              <a:schemeClr val="accent4"/>
+            </a:effectRef>
+            <a:fontRef idx="minor">
+              <a:schemeClr val="lt1"/>
+            </a:fontRef>
+          </p:style>
+          <p:txBody>
+            <a:bodyPr rtlCol="0" anchor="ctr"/>
+            <a:lstStyle/>
+            <a:p>
+              <a:pPr algn="ctr"/>
+              <a:endParaRPr lang="en-PH"/>
+            </a:p>
+          </p:txBody>
+        </p:sp>
+      </p:grpSp>
+      <p:grpSp>
+        <p:nvGrpSpPr>
+          <p:cNvPr id="198" name="Group 197"/>
+          <p:cNvGrpSpPr/>
+          <p:nvPr/>
+        </p:nvGrpSpPr>
+        <p:grpSpPr>
+          <a:xfrm>
+            <a:off x="37120492" y="756720"/>
+            <a:ext cx="612000" cy="4248000"/>
+            <a:chOff x="25275108" y="1009135"/>
+            <a:chExt cx="634254" cy="4248000"/>
+          </a:xfrm>
+        </p:grpSpPr>
+        <p:sp>
+          <p:nvSpPr>
+            <p:cNvPr id="199" name="Rectangle 198"/>
+            <p:cNvSpPr/>
+            <p:nvPr/>
+          </p:nvSpPr>
+          <p:spPr>
+            <a:xfrm>
+              <a:off x="25275108" y="1009135"/>
+              <a:ext cx="324000" cy="4248000"/>
+            </a:xfrm>
+            <a:prstGeom prst="rect">
+              <a:avLst/>
+            </a:prstGeom>
+          </p:spPr>
+          <p:style>
+            <a:lnRef idx="2">
+              <a:schemeClr val="accent1">
+                <a:shade val="50000"/>
+              </a:schemeClr>
+            </a:lnRef>
+            <a:fillRef idx="1">
+              <a:schemeClr val="accent1"/>
+            </a:fillRef>
+            <a:effectRef idx="0">
+              <a:schemeClr val="accent1"/>
+            </a:effectRef>
+            <a:fontRef idx="minor">
+              <a:schemeClr val="lt1"/>
+            </a:fontRef>
+          </p:style>
+          <p:txBody>
+            <a:bodyPr rtlCol="0" anchor="ctr"/>
+            <a:lstStyle/>
+            <a:p>
+              <a:pPr algn="ctr"/>
+              <a:endParaRPr lang="en-PH"/>
+            </a:p>
+          </p:txBody>
+        </p:sp>
+        <p:sp>
+          <p:nvSpPr>
+            <p:cNvPr id="200" name="Rectangle 199"/>
+            <p:cNvSpPr/>
+            <p:nvPr/>
+          </p:nvSpPr>
+          <p:spPr>
+            <a:xfrm>
+              <a:off x="25585362" y="1009135"/>
+              <a:ext cx="324000" cy="4248000"/>
+            </a:xfrm>
+            <a:prstGeom prst="rect">
+              <a:avLst/>
+            </a:prstGeom>
+          </p:spPr>
+          <p:style>
+            <a:lnRef idx="2">
+              <a:schemeClr val="accent4">
+                <a:shade val="50000"/>
+              </a:schemeClr>
+            </a:lnRef>
+            <a:fillRef idx="1">
+              <a:schemeClr val="accent4"/>
+            </a:fillRef>
+            <a:effectRef idx="0">
+              <a:schemeClr val="accent4"/>
+            </a:effectRef>
+            <a:fontRef idx="minor">
+              <a:schemeClr val="lt1"/>
+            </a:fontRef>
+          </p:style>
+          <p:txBody>
+            <a:bodyPr rtlCol="0" anchor="ctr"/>
+            <a:lstStyle/>
+            <a:p>
+              <a:pPr algn="ctr"/>
+              <a:endParaRPr lang="en-PH"/>
+            </a:p>
+          </p:txBody>
+        </p:sp>
+      </p:grpSp>
+      <p:grpSp>
+        <p:nvGrpSpPr>
+          <p:cNvPr id="201" name="Group 200"/>
+          <p:cNvGrpSpPr/>
+          <p:nvPr/>
+        </p:nvGrpSpPr>
+        <p:grpSpPr>
+          <a:xfrm>
+            <a:off x="38128604" y="756720"/>
+            <a:ext cx="612000" cy="4248000"/>
+            <a:chOff x="25275108" y="1009135"/>
+            <a:chExt cx="634254" cy="4248000"/>
+          </a:xfrm>
+        </p:grpSpPr>
+        <p:sp>
+          <p:nvSpPr>
+            <p:cNvPr id="202" name="Rectangle 201"/>
+            <p:cNvSpPr/>
+            <p:nvPr/>
+          </p:nvSpPr>
+          <p:spPr>
+            <a:xfrm>
+              <a:off x="25275108" y="1009135"/>
+              <a:ext cx="324000" cy="4248000"/>
+            </a:xfrm>
+            <a:prstGeom prst="rect">
+              <a:avLst/>
+            </a:prstGeom>
+          </p:spPr>
+          <p:style>
+            <a:lnRef idx="2">
+              <a:schemeClr val="accent1">
+                <a:shade val="50000"/>
+              </a:schemeClr>
+            </a:lnRef>
+            <a:fillRef idx="1">
+              <a:schemeClr val="accent1"/>
+            </a:fillRef>
+            <a:effectRef idx="0">
+              <a:schemeClr val="accent1"/>
+            </a:effectRef>
+            <a:fontRef idx="minor">
+              <a:schemeClr val="lt1"/>
+            </a:fontRef>
+          </p:style>
+          <p:txBody>
+            <a:bodyPr rtlCol="0" anchor="ctr"/>
+            <a:lstStyle/>
+            <a:p>
+              <a:pPr algn="ctr"/>
+              <a:endParaRPr lang="en-PH"/>
+            </a:p>
+          </p:txBody>
+        </p:sp>
+        <p:sp>
+          <p:nvSpPr>
+            <p:cNvPr id="203" name="Rectangle 202"/>
+            <p:cNvSpPr/>
+            <p:nvPr/>
+          </p:nvSpPr>
+          <p:spPr>
+            <a:xfrm>
+              <a:off x="25585362" y="1009135"/>
+              <a:ext cx="324000" cy="4248000"/>
+            </a:xfrm>
+            <a:prstGeom prst="rect">
+              <a:avLst/>
+            </a:prstGeom>
+          </p:spPr>
+          <p:style>
+            <a:lnRef idx="2">
+              <a:schemeClr val="accent4">
+                <a:shade val="50000"/>
+              </a:schemeClr>
+            </a:lnRef>
+            <a:fillRef idx="1">
+              <a:schemeClr val="accent4"/>
+            </a:fillRef>
+            <a:effectRef idx="0">
+              <a:schemeClr val="accent4"/>
+            </a:effectRef>
+            <a:fontRef idx="minor">
+              <a:schemeClr val="lt1"/>
+            </a:fontRef>
+          </p:style>
+          <p:txBody>
+            <a:bodyPr rtlCol="0" anchor="ctr"/>
+            <a:lstStyle/>
+            <a:p>
+              <a:pPr algn="ctr"/>
+              <a:endParaRPr lang="en-PH"/>
+            </a:p>
+          </p:txBody>
+        </p:sp>
+      </p:grpSp>
+      <p:grpSp>
+        <p:nvGrpSpPr>
+          <p:cNvPr id="204" name="Group 203"/>
+          <p:cNvGrpSpPr/>
+          <p:nvPr/>
+        </p:nvGrpSpPr>
+        <p:grpSpPr>
+          <a:xfrm>
+            <a:off x="27399412" y="756720"/>
+            <a:ext cx="612000" cy="4248000"/>
+            <a:chOff x="25275108" y="1009135"/>
+            <a:chExt cx="634254" cy="4248000"/>
+          </a:xfrm>
+        </p:grpSpPr>
+        <p:sp>
+          <p:nvSpPr>
+            <p:cNvPr id="205" name="Rectangle 204"/>
+            <p:cNvSpPr/>
+            <p:nvPr/>
+          </p:nvSpPr>
+          <p:spPr>
+            <a:xfrm>
+              <a:off x="25275108" y="1009135"/>
+              <a:ext cx="324000" cy="4248000"/>
+            </a:xfrm>
+            <a:prstGeom prst="rect">
+              <a:avLst/>
+            </a:prstGeom>
+          </p:spPr>
+          <p:style>
+            <a:lnRef idx="2">
+              <a:schemeClr val="accent1">
+                <a:shade val="50000"/>
+              </a:schemeClr>
+            </a:lnRef>
+            <a:fillRef idx="1">
+              <a:schemeClr val="accent1"/>
+            </a:fillRef>
+            <a:effectRef idx="0">
+              <a:schemeClr val="accent1"/>
+            </a:effectRef>
+            <a:fontRef idx="minor">
+              <a:schemeClr val="lt1"/>
+            </a:fontRef>
+          </p:style>
+          <p:txBody>
+            <a:bodyPr rtlCol="0" anchor="ctr"/>
+            <a:lstStyle/>
+            <a:p>
+              <a:pPr algn="ctr"/>
+              <a:endParaRPr lang="en-PH"/>
+            </a:p>
+          </p:txBody>
+        </p:sp>
+        <p:sp>
+          <p:nvSpPr>
+            <p:cNvPr id="206" name="Rectangle 205"/>
+            <p:cNvSpPr/>
+            <p:nvPr/>
+          </p:nvSpPr>
+          <p:spPr>
+            <a:xfrm>
+              <a:off x="25585362" y="1009135"/>
+              <a:ext cx="324000" cy="4248000"/>
+            </a:xfrm>
+            <a:prstGeom prst="rect">
+              <a:avLst/>
+            </a:prstGeom>
+          </p:spPr>
+          <p:style>
+            <a:lnRef idx="2">
+              <a:schemeClr val="accent4">
+                <a:shade val="50000"/>
+              </a:schemeClr>
+            </a:lnRef>
+            <a:fillRef idx="1">
+              <a:schemeClr val="accent4"/>
+            </a:fillRef>
+            <a:effectRef idx="0">
+              <a:schemeClr val="accent4"/>
+            </a:effectRef>
+            <a:fontRef idx="minor">
+              <a:schemeClr val="lt1"/>
+            </a:fontRef>
+          </p:style>
+          <p:txBody>
+            <a:bodyPr rtlCol="0" anchor="ctr"/>
+            <a:lstStyle/>
+            <a:p>
+              <a:pPr algn="ctr"/>
+              <a:endParaRPr lang="en-PH"/>
+            </a:p>
+          </p:txBody>
+        </p:sp>
+      </p:grpSp>
+      <p:grpSp>
+        <p:nvGrpSpPr>
+          <p:cNvPr id="207" name="Group 206"/>
+          <p:cNvGrpSpPr/>
+          <p:nvPr/>
+        </p:nvGrpSpPr>
+        <p:grpSpPr>
+          <a:xfrm>
+            <a:off x="28407524" y="756720"/>
+            <a:ext cx="612000" cy="4248000"/>
+            <a:chOff x="25275108" y="1009135"/>
+            <a:chExt cx="634254" cy="4248000"/>
+          </a:xfrm>
+        </p:grpSpPr>
+        <p:sp>
+          <p:nvSpPr>
+            <p:cNvPr id="208" name="Rectangle 207"/>
+            <p:cNvSpPr/>
+            <p:nvPr/>
+          </p:nvSpPr>
+          <p:spPr>
+            <a:xfrm>
+              <a:off x="25275108" y="1009135"/>
+              <a:ext cx="324000" cy="4248000"/>
+            </a:xfrm>
+            <a:prstGeom prst="rect">
+              <a:avLst/>
+            </a:prstGeom>
+          </p:spPr>
+          <p:style>
+            <a:lnRef idx="2">
+              <a:schemeClr val="accent1">
+                <a:shade val="50000"/>
+              </a:schemeClr>
+            </a:lnRef>
+            <a:fillRef idx="1">
+              <a:schemeClr val="accent1"/>
+            </a:fillRef>
+            <a:effectRef idx="0">
+              <a:schemeClr val="accent1"/>
+            </a:effectRef>
+            <a:fontRef idx="minor">
+              <a:schemeClr val="lt1"/>
+            </a:fontRef>
+          </p:style>
+          <p:txBody>
+            <a:bodyPr rtlCol="0" anchor="ctr"/>
+            <a:lstStyle/>
+            <a:p>
+              <a:pPr algn="ctr"/>
+              <a:endParaRPr lang="en-PH"/>
+            </a:p>
+          </p:txBody>
+        </p:sp>
+        <p:sp>
+          <p:nvSpPr>
+            <p:cNvPr id="209" name="Rectangle 208"/>
+            <p:cNvSpPr/>
+            <p:nvPr/>
+          </p:nvSpPr>
+          <p:spPr>
+            <a:xfrm>
+              <a:off x="25585362" y="1009135"/>
+              <a:ext cx="324000" cy="4248000"/>
+            </a:xfrm>
+            <a:prstGeom prst="rect">
+              <a:avLst/>
+            </a:prstGeom>
+          </p:spPr>
+          <p:style>
+            <a:lnRef idx="2">
+              <a:schemeClr val="accent4">
+                <a:shade val="50000"/>
+              </a:schemeClr>
+            </a:lnRef>
+            <a:fillRef idx="1">
+              <a:schemeClr val="accent4"/>
+            </a:fillRef>
+            <a:effectRef idx="0">
+              <a:schemeClr val="accent4"/>
+            </a:effectRef>
+            <a:fontRef idx="minor">
+              <a:schemeClr val="lt1"/>
+            </a:fontRef>
+          </p:style>
+          <p:txBody>
+            <a:bodyPr rtlCol="0" anchor="ctr"/>
+            <a:lstStyle/>
+            <a:p>
+              <a:pPr algn="ctr"/>
+              <a:endParaRPr lang="en-PH"/>
+            </a:p>
+          </p:txBody>
+        </p:sp>
+      </p:grpSp>
+      <p:grpSp>
+        <p:nvGrpSpPr>
+          <p:cNvPr id="210" name="Group 209"/>
+          <p:cNvGrpSpPr/>
+          <p:nvPr/>
+        </p:nvGrpSpPr>
+        <p:grpSpPr>
+          <a:xfrm>
+            <a:off x="29415636" y="792337"/>
+            <a:ext cx="612000" cy="4248000"/>
+            <a:chOff x="25275108" y="1009135"/>
+            <a:chExt cx="634254" cy="4248000"/>
+          </a:xfrm>
+        </p:grpSpPr>
+        <p:sp>
+          <p:nvSpPr>
+            <p:cNvPr id="211" name="Rectangle 210"/>
+            <p:cNvSpPr/>
+            <p:nvPr/>
+          </p:nvSpPr>
+          <p:spPr>
+            <a:xfrm>
+              <a:off x="25275108" y="1009135"/>
+              <a:ext cx="324000" cy="4248000"/>
+            </a:xfrm>
+            <a:prstGeom prst="rect">
+              <a:avLst/>
+            </a:prstGeom>
+          </p:spPr>
+          <p:style>
+            <a:lnRef idx="2">
+              <a:schemeClr val="accent1">
+                <a:shade val="50000"/>
+              </a:schemeClr>
+            </a:lnRef>
+            <a:fillRef idx="1">
+              <a:schemeClr val="accent1"/>
+            </a:fillRef>
+            <a:effectRef idx="0">
+              <a:schemeClr val="accent1"/>
+            </a:effectRef>
+            <a:fontRef idx="minor">
+              <a:schemeClr val="lt1"/>
+            </a:fontRef>
+          </p:style>
+          <p:txBody>
+            <a:bodyPr rtlCol="0" anchor="ctr"/>
+            <a:lstStyle/>
+            <a:p>
+              <a:pPr algn="ctr"/>
+              <a:endParaRPr lang="en-PH"/>
+            </a:p>
+          </p:txBody>
+        </p:sp>
+        <p:sp>
+          <p:nvSpPr>
+            <p:cNvPr id="212" name="Rectangle 211"/>
+            <p:cNvSpPr/>
+            <p:nvPr/>
+          </p:nvSpPr>
+          <p:spPr>
+            <a:xfrm>
+              <a:off x="25585362" y="1009135"/>
+              <a:ext cx="324000" cy="4248000"/>
+            </a:xfrm>
+            <a:prstGeom prst="rect">
+              <a:avLst/>
+            </a:prstGeom>
+          </p:spPr>
+          <p:style>
+            <a:lnRef idx="2">
+              <a:schemeClr val="accent4">
+                <a:shade val="50000"/>
+              </a:schemeClr>
+            </a:lnRef>
+            <a:fillRef idx="1">
+              <a:schemeClr val="accent4"/>
+            </a:fillRef>
+            <a:effectRef idx="0">
+              <a:schemeClr val="accent4"/>
+            </a:effectRef>
+            <a:fontRef idx="minor">
+              <a:schemeClr val="lt1"/>
+            </a:fontRef>
+          </p:style>
+          <p:txBody>
+            <a:bodyPr rtlCol="0" anchor="ctr"/>
+            <a:lstStyle/>
+            <a:p>
+              <a:pPr algn="ctr"/>
+              <a:endParaRPr lang="en-PH"/>
+            </a:p>
+          </p:txBody>
+        </p:sp>
+      </p:grpSp>
+      <p:grpSp>
+        <p:nvGrpSpPr>
+          <p:cNvPr id="213" name="Group 212"/>
+          <p:cNvGrpSpPr/>
+          <p:nvPr/>
+        </p:nvGrpSpPr>
+        <p:grpSpPr>
+          <a:xfrm>
+            <a:off x="30423748" y="756720"/>
+            <a:ext cx="612000" cy="4248000"/>
+            <a:chOff x="25275108" y="1009135"/>
+            <a:chExt cx="634254" cy="4248000"/>
+          </a:xfrm>
+        </p:grpSpPr>
+        <p:sp>
+          <p:nvSpPr>
+            <p:cNvPr id="214" name="Rectangle 213"/>
+            <p:cNvSpPr/>
+            <p:nvPr/>
+          </p:nvSpPr>
+          <p:spPr>
+            <a:xfrm>
+              <a:off x="25275108" y="1009135"/>
+              <a:ext cx="324000" cy="4248000"/>
+            </a:xfrm>
+            <a:prstGeom prst="rect">
+              <a:avLst/>
+            </a:prstGeom>
+          </p:spPr>
+          <p:style>
+            <a:lnRef idx="2">
+              <a:schemeClr val="accent1">
+                <a:shade val="50000"/>
+              </a:schemeClr>
+            </a:lnRef>
+            <a:fillRef idx="1">
+              <a:schemeClr val="accent1"/>
+            </a:fillRef>
+            <a:effectRef idx="0">
+              <a:schemeClr val="accent1"/>
+            </a:effectRef>
+            <a:fontRef idx="minor">
+              <a:schemeClr val="lt1"/>
+            </a:fontRef>
+          </p:style>
+          <p:txBody>
+            <a:bodyPr rtlCol="0" anchor="ctr"/>
+            <a:lstStyle/>
+            <a:p>
+              <a:pPr algn="ctr"/>
+              <a:endParaRPr lang="en-PH"/>
+            </a:p>
+          </p:txBody>
+        </p:sp>
+        <p:sp>
+          <p:nvSpPr>
+            <p:cNvPr id="215" name="Rectangle 214"/>
+            <p:cNvSpPr/>
+            <p:nvPr/>
+          </p:nvSpPr>
+          <p:spPr>
+            <a:xfrm>
+              <a:off x="25585362" y="1009135"/>
+              <a:ext cx="324000" cy="4248000"/>
+            </a:xfrm>
+            <a:prstGeom prst="rect">
+              <a:avLst/>
+            </a:prstGeom>
+          </p:spPr>
+          <p:style>
+            <a:lnRef idx="2">
+              <a:schemeClr val="accent4">
+                <a:shade val="50000"/>
+              </a:schemeClr>
+            </a:lnRef>
+            <a:fillRef idx="1">
+              <a:schemeClr val="accent4"/>
+            </a:fillRef>
+            <a:effectRef idx="0">
+              <a:schemeClr val="accent4"/>
+            </a:effectRef>
+            <a:fontRef idx="minor">
+              <a:schemeClr val="lt1"/>
+            </a:fontRef>
+          </p:style>
+          <p:txBody>
+            <a:bodyPr rtlCol="0" anchor="ctr"/>
+            <a:lstStyle/>
+            <a:p>
+              <a:pPr algn="ctr"/>
+              <a:endParaRPr lang="en-PH"/>
+            </a:p>
+          </p:txBody>
+        </p:sp>
+      </p:grpSp>
+      <p:grpSp>
+        <p:nvGrpSpPr>
+          <p:cNvPr id="217" name="Group 216"/>
+          <p:cNvGrpSpPr/>
+          <p:nvPr/>
+        </p:nvGrpSpPr>
+        <p:grpSpPr>
+          <a:xfrm>
+            <a:off x="30982900" y="8172920"/>
+            <a:ext cx="634254" cy="4248000"/>
+            <a:chOff x="25275108" y="1009135"/>
+            <a:chExt cx="634254" cy="4248000"/>
+          </a:xfrm>
+        </p:grpSpPr>
+        <p:sp>
+          <p:nvSpPr>
+            <p:cNvPr id="218" name="Rectangle 217"/>
+            <p:cNvSpPr/>
+            <p:nvPr/>
+          </p:nvSpPr>
+          <p:spPr>
+            <a:xfrm>
+              <a:off x="25275108" y="1009135"/>
+              <a:ext cx="324000" cy="4248000"/>
+            </a:xfrm>
+            <a:prstGeom prst="rect">
+              <a:avLst/>
+            </a:prstGeom>
+          </p:spPr>
+          <p:style>
+            <a:lnRef idx="2">
+              <a:schemeClr val="accent1">
+                <a:shade val="50000"/>
+              </a:schemeClr>
+            </a:lnRef>
+            <a:fillRef idx="1">
+              <a:schemeClr val="accent1"/>
+            </a:fillRef>
+            <a:effectRef idx="0">
+              <a:schemeClr val="accent1"/>
+            </a:effectRef>
+            <a:fontRef idx="minor">
+              <a:schemeClr val="lt1"/>
+            </a:fontRef>
+          </p:style>
+          <p:txBody>
+            <a:bodyPr rtlCol="0" anchor="ctr"/>
+            <a:lstStyle/>
+            <a:p>
+              <a:pPr algn="ctr"/>
+              <a:endParaRPr lang="en-PH"/>
+            </a:p>
+          </p:txBody>
+        </p:sp>
+        <p:sp>
+          <p:nvSpPr>
+            <p:cNvPr id="219" name="Rectangle 218"/>
+            <p:cNvSpPr/>
+            <p:nvPr/>
+          </p:nvSpPr>
+          <p:spPr>
+            <a:xfrm>
+              <a:off x="25585362" y="1009135"/>
+              <a:ext cx="324000" cy="4248000"/>
+            </a:xfrm>
+            <a:prstGeom prst="rect">
+              <a:avLst/>
+            </a:prstGeom>
+          </p:spPr>
+          <p:style>
+            <a:lnRef idx="2">
+              <a:schemeClr val="accent4">
+                <a:shade val="50000"/>
+              </a:schemeClr>
+            </a:lnRef>
+            <a:fillRef idx="1">
+              <a:schemeClr val="accent4"/>
+            </a:fillRef>
+            <a:effectRef idx="0">
+              <a:schemeClr val="accent4"/>
+            </a:effectRef>
+            <a:fontRef idx="minor">
+              <a:schemeClr val="lt1"/>
+            </a:fontRef>
+          </p:style>
+          <p:txBody>
+            <a:bodyPr rtlCol="0" anchor="ctr"/>
+            <a:lstStyle/>
+            <a:p>
+              <a:pPr algn="ctr"/>
+              <a:endParaRPr lang="en-PH"/>
+            </a:p>
+          </p:txBody>
+        </p:sp>
+      </p:grpSp>
+      <p:grpSp>
+        <p:nvGrpSpPr>
+          <p:cNvPr id="220" name="Group 219"/>
+          <p:cNvGrpSpPr/>
+          <p:nvPr/>
+        </p:nvGrpSpPr>
+        <p:grpSpPr>
+          <a:xfrm>
+            <a:off x="32148846" y="8172920"/>
+            <a:ext cx="634254" cy="4248000"/>
+            <a:chOff x="25275108" y="1009135"/>
+            <a:chExt cx="634254" cy="4248000"/>
+          </a:xfrm>
+        </p:grpSpPr>
+        <p:sp>
+          <p:nvSpPr>
+            <p:cNvPr id="221" name="Rectangle 220"/>
+            <p:cNvSpPr/>
+            <p:nvPr/>
+          </p:nvSpPr>
+          <p:spPr>
+            <a:xfrm>
+              <a:off x="25275108" y="1009135"/>
+              <a:ext cx="324000" cy="4248000"/>
+            </a:xfrm>
+            <a:prstGeom prst="rect">
+              <a:avLst/>
+            </a:prstGeom>
+          </p:spPr>
+          <p:style>
+            <a:lnRef idx="2">
+              <a:schemeClr val="accent1">
+                <a:shade val="50000"/>
+              </a:schemeClr>
+            </a:lnRef>
+            <a:fillRef idx="1">
+              <a:schemeClr val="accent1"/>
+            </a:fillRef>
+            <a:effectRef idx="0">
+              <a:schemeClr val="accent1"/>
+            </a:effectRef>
+            <a:fontRef idx="minor">
+              <a:schemeClr val="lt1"/>
+            </a:fontRef>
+          </p:style>
+          <p:txBody>
+            <a:bodyPr rtlCol="0" anchor="ctr"/>
+            <a:lstStyle/>
+            <a:p>
+              <a:pPr algn="ctr"/>
+              <a:endParaRPr lang="en-PH"/>
+            </a:p>
+          </p:txBody>
+        </p:sp>
+        <p:sp>
+          <p:nvSpPr>
+            <p:cNvPr id="222" name="Rectangle 221"/>
+            <p:cNvSpPr/>
+            <p:nvPr/>
+          </p:nvSpPr>
+          <p:spPr>
+            <a:xfrm>
+              <a:off x="25585362" y="1009135"/>
+              <a:ext cx="324000" cy="4248000"/>
+            </a:xfrm>
+            <a:prstGeom prst="rect">
+              <a:avLst/>
+            </a:prstGeom>
+          </p:spPr>
+          <p:style>
+            <a:lnRef idx="2">
+              <a:schemeClr val="accent4">
+                <a:shade val="50000"/>
+              </a:schemeClr>
+            </a:lnRef>
+            <a:fillRef idx="1">
+              <a:schemeClr val="accent4"/>
+            </a:fillRef>
+            <a:effectRef idx="0">
+              <a:schemeClr val="accent4"/>
+            </a:effectRef>
+            <a:fontRef idx="minor">
+              <a:schemeClr val="lt1"/>
+            </a:fontRef>
+          </p:style>
+          <p:txBody>
+            <a:bodyPr rtlCol="0" anchor="ctr"/>
+            <a:lstStyle/>
+            <a:p>
+              <a:pPr algn="ctr"/>
+              <a:endParaRPr lang="en-PH"/>
+            </a:p>
+          </p:txBody>
+        </p:sp>
+      </p:grpSp>
+      <p:grpSp>
+        <p:nvGrpSpPr>
+          <p:cNvPr id="223" name="Group 222"/>
+          <p:cNvGrpSpPr/>
+          <p:nvPr/>
+        </p:nvGrpSpPr>
+        <p:grpSpPr>
+          <a:xfrm>
+            <a:off x="33215148" y="8172920"/>
+            <a:ext cx="634254" cy="4248000"/>
+            <a:chOff x="25275108" y="1009135"/>
+            <a:chExt cx="634254" cy="4248000"/>
+          </a:xfrm>
+        </p:grpSpPr>
+        <p:sp>
+          <p:nvSpPr>
+            <p:cNvPr id="224" name="Rectangle 223"/>
+            <p:cNvSpPr/>
+            <p:nvPr/>
+          </p:nvSpPr>
+          <p:spPr>
+            <a:xfrm>
+              <a:off x="25275108" y="1009135"/>
+              <a:ext cx="324000" cy="4248000"/>
+            </a:xfrm>
+            <a:prstGeom prst="rect">
+              <a:avLst/>
+            </a:prstGeom>
+          </p:spPr>
+          <p:style>
+            <a:lnRef idx="2">
+              <a:schemeClr val="accent1">
+                <a:shade val="50000"/>
+              </a:schemeClr>
+            </a:lnRef>
+            <a:fillRef idx="1">
+              <a:schemeClr val="accent1"/>
+            </a:fillRef>
+            <a:effectRef idx="0">
+              <a:schemeClr val="accent1"/>
+            </a:effectRef>
+            <a:fontRef idx="minor">
+              <a:schemeClr val="lt1"/>
+            </a:fontRef>
+          </p:style>
+          <p:txBody>
+            <a:bodyPr rtlCol="0" anchor="ctr"/>
+            <a:lstStyle/>
+            <a:p>
+              <a:pPr algn="ctr"/>
+              <a:endParaRPr lang="en-PH"/>
+            </a:p>
+          </p:txBody>
+        </p:sp>
+        <p:sp>
+          <p:nvSpPr>
+            <p:cNvPr id="225" name="Rectangle 224"/>
+            <p:cNvSpPr/>
+            <p:nvPr/>
+          </p:nvSpPr>
+          <p:spPr>
+            <a:xfrm>
+              <a:off x="25585362" y="1009135"/>
+              <a:ext cx="324000" cy="4248000"/>
+            </a:xfrm>
+            <a:prstGeom prst="rect">
+              <a:avLst/>
+            </a:prstGeom>
+          </p:spPr>
+          <p:style>
+            <a:lnRef idx="2">
+              <a:schemeClr val="accent4">
+                <a:shade val="50000"/>
+              </a:schemeClr>
+            </a:lnRef>
+            <a:fillRef idx="1">
+              <a:schemeClr val="accent4"/>
+            </a:fillRef>
+            <a:effectRef idx="0">
+              <a:schemeClr val="accent4"/>
+            </a:effectRef>
+            <a:fontRef idx="minor">
+              <a:schemeClr val="lt1"/>
+            </a:fontRef>
+          </p:style>
+          <p:txBody>
+            <a:bodyPr rtlCol="0" anchor="ctr"/>
+            <a:lstStyle/>
+            <a:p>
+              <a:pPr algn="ctr"/>
+              <a:endParaRPr lang="en-PH"/>
+            </a:p>
+          </p:txBody>
+        </p:sp>
+      </p:grpSp>
+      <p:grpSp>
+        <p:nvGrpSpPr>
+          <p:cNvPr id="226" name="Group 225"/>
+          <p:cNvGrpSpPr/>
+          <p:nvPr/>
+        </p:nvGrpSpPr>
+        <p:grpSpPr>
+          <a:xfrm>
+            <a:off x="34309086" y="8172920"/>
+            <a:ext cx="634254" cy="4248000"/>
+            <a:chOff x="25275108" y="1009135"/>
+            <a:chExt cx="634254" cy="4248000"/>
+          </a:xfrm>
+        </p:grpSpPr>
+        <p:sp>
+          <p:nvSpPr>
+            <p:cNvPr id="227" name="Rectangle 226"/>
+            <p:cNvSpPr/>
+            <p:nvPr/>
+          </p:nvSpPr>
+          <p:spPr>
+            <a:xfrm>
+              <a:off x="25275108" y="1009135"/>
+              <a:ext cx="324000" cy="4248000"/>
+            </a:xfrm>
+            <a:prstGeom prst="rect">
+              <a:avLst/>
+            </a:prstGeom>
+          </p:spPr>
+          <p:style>
+            <a:lnRef idx="2">
+              <a:schemeClr val="accent1">
+                <a:shade val="50000"/>
+              </a:schemeClr>
+            </a:lnRef>
+            <a:fillRef idx="1">
+              <a:schemeClr val="accent1"/>
+            </a:fillRef>
+            <a:effectRef idx="0">
+              <a:schemeClr val="accent1"/>
+            </a:effectRef>
+            <a:fontRef idx="minor">
+              <a:schemeClr val="lt1"/>
+            </a:fontRef>
+          </p:style>
+          <p:txBody>
+            <a:bodyPr rtlCol="0" anchor="ctr"/>
+            <a:lstStyle/>
+            <a:p>
+              <a:pPr algn="ctr"/>
+              <a:endParaRPr lang="en-PH"/>
+            </a:p>
+          </p:txBody>
+        </p:sp>
+        <p:sp>
+          <p:nvSpPr>
+            <p:cNvPr id="228" name="Rectangle 227"/>
+            <p:cNvSpPr/>
+            <p:nvPr/>
+          </p:nvSpPr>
+          <p:spPr>
+            <a:xfrm>
+              <a:off x="25585362" y="1009135"/>
+              <a:ext cx="324000" cy="4248000"/>
+            </a:xfrm>
+            <a:prstGeom prst="rect">
+              <a:avLst/>
+            </a:prstGeom>
+          </p:spPr>
+          <p:style>
+            <a:lnRef idx="2">
+              <a:schemeClr val="accent4">
+                <a:shade val="50000"/>
+              </a:schemeClr>
+            </a:lnRef>
+            <a:fillRef idx="1">
+              <a:schemeClr val="accent4"/>
+            </a:fillRef>
+            <a:effectRef idx="0">
+              <a:schemeClr val="accent4"/>
+            </a:effectRef>
+            <a:fontRef idx="minor">
+              <a:schemeClr val="lt1"/>
+            </a:fontRef>
+          </p:style>
+          <p:txBody>
+            <a:bodyPr rtlCol="0" anchor="ctr"/>
+            <a:lstStyle/>
+            <a:p>
+              <a:pPr algn="ctr"/>
+              <a:endParaRPr lang="en-PH"/>
+            </a:p>
+          </p:txBody>
+        </p:sp>
+      </p:grpSp>
+      <p:grpSp>
+        <p:nvGrpSpPr>
+          <p:cNvPr id="229" name="Group 228"/>
+          <p:cNvGrpSpPr/>
+          <p:nvPr/>
+        </p:nvGrpSpPr>
+        <p:grpSpPr>
+          <a:xfrm>
+            <a:off x="35317198" y="8172920"/>
+            <a:ext cx="634254" cy="4248000"/>
+            <a:chOff x="25275108" y="1009135"/>
+            <a:chExt cx="634254" cy="4248000"/>
+          </a:xfrm>
+        </p:grpSpPr>
+        <p:sp>
+          <p:nvSpPr>
+            <p:cNvPr id="230" name="Rectangle 229"/>
+            <p:cNvSpPr/>
+            <p:nvPr/>
+          </p:nvSpPr>
+          <p:spPr>
+            <a:xfrm>
+              <a:off x="25275108" y="1009135"/>
+              <a:ext cx="324000" cy="4248000"/>
+            </a:xfrm>
+            <a:prstGeom prst="rect">
+              <a:avLst/>
+            </a:prstGeom>
+          </p:spPr>
+          <p:style>
+            <a:lnRef idx="2">
+              <a:schemeClr val="accent1">
+                <a:shade val="50000"/>
+              </a:schemeClr>
+            </a:lnRef>
+            <a:fillRef idx="1">
+              <a:schemeClr val="accent1"/>
+            </a:fillRef>
+            <a:effectRef idx="0">
+              <a:schemeClr val="accent1"/>
+            </a:effectRef>
+            <a:fontRef idx="minor">
+              <a:schemeClr val="lt1"/>
+            </a:fontRef>
+          </p:style>
+          <p:txBody>
+            <a:bodyPr rtlCol="0" anchor="ctr"/>
+            <a:lstStyle/>
+            <a:p>
+              <a:pPr algn="ctr"/>
+              <a:endParaRPr lang="en-PH"/>
+            </a:p>
+          </p:txBody>
+        </p:sp>
+        <p:sp>
+          <p:nvSpPr>
+            <p:cNvPr id="231" name="Rectangle 230"/>
+            <p:cNvSpPr/>
+            <p:nvPr/>
+          </p:nvSpPr>
+          <p:spPr>
+            <a:xfrm>
+              <a:off x="25585362" y="1009135"/>
+              <a:ext cx="324000" cy="4248000"/>
+            </a:xfrm>
+            <a:prstGeom prst="rect">
+              <a:avLst/>
+            </a:prstGeom>
+          </p:spPr>
+          <p:style>
+            <a:lnRef idx="2">
+              <a:schemeClr val="accent4">
+                <a:shade val="50000"/>
+              </a:schemeClr>
+            </a:lnRef>
+            <a:fillRef idx="1">
+              <a:schemeClr val="accent4"/>
+            </a:fillRef>
+            <a:effectRef idx="0">
+              <a:schemeClr val="accent4"/>
+            </a:effectRef>
+            <a:fontRef idx="minor">
+              <a:schemeClr val="lt1"/>
+            </a:fontRef>
+          </p:style>
+          <p:txBody>
+            <a:bodyPr rtlCol="0" anchor="ctr"/>
+            <a:lstStyle/>
+            <a:p>
+              <a:pPr algn="ctr"/>
+              <a:endParaRPr lang="en-PH"/>
+            </a:p>
+          </p:txBody>
+        </p:sp>
+      </p:grpSp>
+      <p:grpSp>
+        <p:nvGrpSpPr>
+          <p:cNvPr id="232" name="Group 231"/>
+          <p:cNvGrpSpPr/>
+          <p:nvPr/>
+        </p:nvGrpSpPr>
+        <p:grpSpPr>
+          <a:xfrm>
+            <a:off x="36325310" y="8172920"/>
+            <a:ext cx="634254" cy="4248000"/>
+            <a:chOff x="25275108" y="1009135"/>
+            <a:chExt cx="634254" cy="4248000"/>
+          </a:xfrm>
+        </p:grpSpPr>
+        <p:sp>
+          <p:nvSpPr>
+            <p:cNvPr id="233" name="Rectangle 232"/>
+            <p:cNvSpPr/>
+            <p:nvPr/>
+          </p:nvSpPr>
+          <p:spPr>
+            <a:xfrm>
+              <a:off x="25275108" y="1009135"/>
+              <a:ext cx="324000" cy="4248000"/>
+            </a:xfrm>
+            <a:prstGeom prst="rect">
+              <a:avLst/>
+            </a:prstGeom>
+          </p:spPr>
+          <p:style>
+            <a:lnRef idx="2">
+              <a:schemeClr val="accent1">
+                <a:shade val="50000"/>
+              </a:schemeClr>
+            </a:lnRef>
+            <a:fillRef idx="1">
+              <a:schemeClr val="accent1"/>
+            </a:fillRef>
+            <a:effectRef idx="0">
+              <a:schemeClr val="accent1"/>
+            </a:effectRef>
+            <a:fontRef idx="minor">
+              <a:schemeClr val="lt1"/>
+            </a:fontRef>
+          </p:style>
+          <p:txBody>
+            <a:bodyPr rtlCol="0" anchor="ctr"/>
+            <a:lstStyle/>
+            <a:p>
+              <a:pPr algn="ctr"/>
+              <a:endParaRPr lang="en-PH"/>
+            </a:p>
+          </p:txBody>
+        </p:sp>
+        <p:sp>
+          <p:nvSpPr>
+            <p:cNvPr id="234" name="Rectangle 233"/>
+            <p:cNvSpPr/>
+            <p:nvPr/>
+          </p:nvSpPr>
+          <p:spPr>
+            <a:xfrm>
+              <a:off x="25585362" y="1009135"/>
+              <a:ext cx="324000" cy="4248000"/>
+            </a:xfrm>
+            <a:prstGeom prst="rect">
+              <a:avLst/>
+            </a:prstGeom>
+          </p:spPr>
+          <p:style>
+            <a:lnRef idx="2">
+              <a:schemeClr val="accent4">
+                <a:shade val="50000"/>
+              </a:schemeClr>
+            </a:lnRef>
+            <a:fillRef idx="1">
+              <a:schemeClr val="accent4"/>
+            </a:fillRef>
+            <a:effectRef idx="0">
+              <a:schemeClr val="accent4"/>
+            </a:effectRef>
+            <a:fontRef idx="minor">
+              <a:schemeClr val="lt1"/>
+            </a:fontRef>
+          </p:style>
+          <p:txBody>
+            <a:bodyPr rtlCol="0" anchor="ctr"/>
+            <a:lstStyle/>
+            <a:p>
+              <a:pPr algn="ctr"/>
+              <a:endParaRPr lang="en-PH"/>
+            </a:p>
+          </p:txBody>
+        </p:sp>
+      </p:grpSp>
+      <p:grpSp>
+        <p:nvGrpSpPr>
+          <p:cNvPr id="235" name="Group 234"/>
+          <p:cNvGrpSpPr/>
+          <p:nvPr/>
+        </p:nvGrpSpPr>
+        <p:grpSpPr>
+          <a:xfrm>
+            <a:off x="37333422" y="8172920"/>
+            <a:ext cx="634254" cy="4248000"/>
+            <a:chOff x="25275108" y="1009135"/>
+            <a:chExt cx="634254" cy="4248000"/>
+          </a:xfrm>
+        </p:grpSpPr>
+        <p:sp>
+          <p:nvSpPr>
+            <p:cNvPr id="236" name="Rectangle 235"/>
+            <p:cNvSpPr/>
+            <p:nvPr/>
+          </p:nvSpPr>
+          <p:spPr>
+            <a:xfrm>
+              <a:off x="25275108" y="1009135"/>
+              <a:ext cx="324000" cy="4248000"/>
+            </a:xfrm>
+            <a:prstGeom prst="rect">
+              <a:avLst/>
+            </a:prstGeom>
+          </p:spPr>
+          <p:style>
+            <a:lnRef idx="2">
+              <a:schemeClr val="accent1">
+                <a:shade val="50000"/>
+              </a:schemeClr>
+            </a:lnRef>
+            <a:fillRef idx="1">
+              <a:schemeClr val="accent1"/>
+            </a:fillRef>
+            <a:effectRef idx="0">
+              <a:schemeClr val="accent1"/>
+            </a:effectRef>
+            <a:fontRef idx="minor">
+              <a:schemeClr val="lt1"/>
+            </a:fontRef>
+          </p:style>
+          <p:txBody>
+            <a:bodyPr rtlCol="0" anchor="ctr"/>
+            <a:lstStyle/>
+            <a:p>
+              <a:pPr algn="ctr"/>
+              <a:endParaRPr lang="en-PH"/>
+            </a:p>
+          </p:txBody>
+        </p:sp>
+        <p:sp>
+          <p:nvSpPr>
+            <p:cNvPr id="237" name="Rectangle 236"/>
+            <p:cNvSpPr/>
+            <p:nvPr/>
+          </p:nvSpPr>
+          <p:spPr>
+            <a:xfrm>
+              <a:off x="25585362" y="1009135"/>
+              <a:ext cx="324000" cy="4248000"/>
+            </a:xfrm>
+            <a:prstGeom prst="rect">
+              <a:avLst/>
+            </a:prstGeom>
+          </p:spPr>
+          <p:style>
+            <a:lnRef idx="2">
+              <a:schemeClr val="accent4">
+                <a:shade val="50000"/>
+              </a:schemeClr>
+            </a:lnRef>
+            <a:fillRef idx="1">
+              <a:schemeClr val="accent4"/>
+            </a:fillRef>
+            <a:effectRef idx="0">
+              <a:schemeClr val="accent4"/>
+            </a:effectRef>
+            <a:fontRef idx="minor">
+              <a:schemeClr val="lt1"/>
+            </a:fontRef>
+          </p:style>
+          <p:txBody>
+            <a:bodyPr rtlCol="0" anchor="ctr"/>
+            <a:lstStyle/>
+            <a:p>
+              <a:pPr algn="ctr"/>
+              <a:endParaRPr lang="en-PH"/>
+            </a:p>
+          </p:txBody>
+        </p:sp>
+      </p:grpSp>
+      <p:grpSp>
+        <p:nvGrpSpPr>
+          <p:cNvPr id="238" name="Group 237"/>
+          <p:cNvGrpSpPr/>
+          <p:nvPr/>
+        </p:nvGrpSpPr>
+        <p:grpSpPr>
+          <a:xfrm>
+            <a:off x="38322374" y="8172920"/>
+            <a:ext cx="634254" cy="4248000"/>
+            <a:chOff x="25275108" y="1009135"/>
+            <a:chExt cx="634254" cy="4248000"/>
+          </a:xfrm>
+        </p:grpSpPr>
+        <p:sp>
+          <p:nvSpPr>
+            <p:cNvPr id="239" name="Rectangle 238"/>
+            <p:cNvSpPr/>
+            <p:nvPr/>
+          </p:nvSpPr>
+          <p:spPr>
+            <a:xfrm>
+              <a:off x="25275108" y="1009135"/>
+              <a:ext cx="324000" cy="4248000"/>
+            </a:xfrm>
+            <a:prstGeom prst="rect">
+              <a:avLst/>
+            </a:prstGeom>
+          </p:spPr>
+          <p:style>
+            <a:lnRef idx="2">
+              <a:schemeClr val="accent1">
+                <a:shade val="50000"/>
+              </a:schemeClr>
+            </a:lnRef>
+            <a:fillRef idx="1">
+              <a:schemeClr val="accent1"/>
+            </a:fillRef>
+            <a:effectRef idx="0">
+              <a:schemeClr val="accent1"/>
+            </a:effectRef>
+            <a:fontRef idx="minor">
+              <a:schemeClr val="lt1"/>
+            </a:fontRef>
+          </p:style>
+          <p:txBody>
+            <a:bodyPr rtlCol="0" anchor="ctr"/>
+            <a:lstStyle/>
+            <a:p>
+              <a:pPr algn="ctr"/>
+              <a:endParaRPr lang="en-PH"/>
+            </a:p>
+          </p:txBody>
+        </p:sp>
+        <p:sp>
+          <p:nvSpPr>
+            <p:cNvPr id="240" name="Rectangle 239"/>
+            <p:cNvSpPr/>
+            <p:nvPr/>
+          </p:nvSpPr>
+          <p:spPr>
+            <a:xfrm>
+              <a:off x="25585362" y="1009135"/>
+              <a:ext cx="324000" cy="4248000"/>
+            </a:xfrm>
+            <a:prstGeom prst="rect">
+              <a:avLst/>
+            </a:prstGeom>
+          </p:spPr>
+          <p:style>
+            <a:lnRef idx="2">
+              <a:schemeClr val="accent4">
+                <a:shade val="50000"/>
+              </a:schemeClr>
+            </a:lnRef>
+            <a:fillRef idx="1">
+              <a:schemeClr val="accent4"/>
+            </a:fillRef>
+            <a:effectRef idx="0">
+              <a:schemeClr val="accent4"/>
+            </a:effectRef>
+            <a:fontRef idx="minor">
+              <a:schemeClr val="lt1"/>
+            </a:fontRef>
+          </p:style>
+          <p:txBody>
+            <a:bodyPr rtlCol="0" anchor="ctr"/>
+            <a:lstStyle/>
+            <a:p>
+              <a:pPr algn="ctr"/>
+              <a:endParaRPr lang="en-PH"/>
+            </a:p>
+          </p:txBody>
+        </p:sp>
+      </p:grpSp>
+      <p:grpSp>
+        <p:nvGrpSpPr>
+          <p:cNvPr id="241" name="Group 240"/>
+          <p:cNvGrpSpPr/>
+          <p:nvPr/>
+        </p:nvGrpSpPr>
+        <p:grpSpPr>
+          <a:xfrm>
+            <a:off x="26532222" y="8172920"/>
+            <a:ext cx="634254" cy="4248000"/>
+            <a:chOff x="25275108" y="1009135"/>
+            <a:chExt cx="634254" cy="4248000"/>
+          </a:xfrm>
+        </p:grpSpPr>
+        <p:sp>
+          <p:nvSpPr>
+            <p:cNvPr id="242" name="Rectangle 241"/>
+            <p:cNvSpPr/>
+            <p:nvPr/>
+          </p:nvSpPr>
+          <p:spPr>
+            <a:xfrm>
+              <a:off x="25275108" y="1009135"/>
+              <a:ext cx="324000" cy="4248000"/>
+            </a:xfrm>
+            <a:prstGeom prst="rect">
+              <a:avLst/>
+            </a:prstGeom>
+          </p:spPr>
+          <p:style>
+            <a:lnRef idx="2">
+              <a:schemeClr val="accent1">
+                <a:shade val="50000"/>
+              </a:schemeClr>
+            </a:lnRef>
+            <a:fillRef idx="1">
+              <a:schemeClr val="accent1"/>
+            </a:fillRef>
+            <a:effectRef idx="0">
+              <a:schemeClr val="accent1"/>
+            </a:effectRef>
+            <a:fontRef idx="minor">
+              <a:schemeClr val="lt1"/>
+            </a:fontRef>
+          </p:style>
+          <p:txBody>
+            <a:bodyPr rtlCol="0" anchor="ctr"/>
+            <a:lstStyle/>
+            <a:p>
+              <a:pPr algn="ctr"/>
+              <a:endParaRPr lang="en-PH"/>
+            </a:p>
+          </p:txBody>
+        </p:sp>
+        <p:sp>
+          <p:nvSpPr>
+            <p:cNvPr id="243" name="Rectangle 242"/>
+            <p:cNvSpPr/>
+            <p:nvPr/>
+          </p:nvSpPr>
+          <p:spPr>
+            <a:xfrm>
+              <a:off x="25585362" y="1009135"/>
+              <a:ext cx="324000" cy="4248000"/>
+            </a:xfrm>
+            <a:prstGeom prst="rect">
+              <a:avLst/>
+            </a:prstGeom>
+          </p:spPr>
+          <p:style>
+            <a:lnRef idx="2">
+              <a:schemeClr val="accent4">
+                <a:shade val="50000"/>
+              </a:schemeClr>
+            </a:lnRef>
+            <a:fillRef idx="1">
+              <a:schemeClr val="accent4"/>
+            </a:fillRef>
+            <a:effectRef idx="0">
+              <a:schemeClr val="accent4"/>
+            </a:effectRef>
+            <a:fontRef idx="minor">
+              <a:schemeClr val="lt1"/>
+            </a:fontRef>
+          </p:style>
+          <p:txBody>
+            <a:bodyPr rtlCol="0" anchor="ctr"/>
+            <a:lstStyle/>
+            <a:p>
+              <a:pPr algn="ctr"/>
+              <a:endParaRPr lang="en-PH"/>
+            </a:p>
+          </p:txBody>
+        </p:sp>
+      </p:grpSp>
+      <p:grpSp>
+        <p:nvGrpSpPr>
+          <p:cNvPr id="244" name="Group 243"/>
+          <p:cNvGrpSpPr/>
+          <p:nvPr/>
+        </p:nvGrpSpPr>
+        <p:grpSpPr>
+          <a:xfrm>
+            <a:off x="27612342" y="8172920"/>
+            <a:ext cx="634254" cy="4248000"/>
+            <a:chOff x="25275108" y="1009135"/>
+            <a:chExt cx="634254" cy="4248000"/>
+          </a:xfrm>
+        </p:grpSpPr>
+        <p:sp>
+          <p:nvSpPr>
+            <p:cNvPr id="245" name="Rectangle 244"/>
+            <p:cNvSpPr/>
+            <p:nvPr/>
+          </p:nvSpPr>
+          <p:spPr>
+            <a:xfrm>
+              <a:off x="25275108" y="1009135"/>
+              <a:ext cx="324000" cy="4248000"/>
+            </a:xfrm>
+            <a:prstGeom prst="rect">
+              <a:avLst/>
+            </a:prstGeom>
+          </p:spPr>
+          <p:style>
+            <a:lnRef idx="2">
+              <a:schemeClr val="accent1">
+                <a:shade val="50000"/>
+              </a:schemeClr>
+            </a:lnRef>
+            <a:fillRef idx="1">
+              <a:schemeClr val="accent1"/>
+            </a:fillRef>
+            <a:effectRef idx="0">
+              <a:schemeClr val="accent1"/>
+            </a:effectRef>
+            <a:fontRef idx="minor">
+              <a:schemeClr val="lt1"/>
+            </a:fontRef>
+          </p:style>
+          <p:txBody>
+            <a:bodyPr rtlCol="0" anchor="ctr"/>
+            <a:lstStyle/>
+            <a:p>
+              <a:pPr algn="ctr"/>
+              <a:endParaRPr lang="en-PH"/>
+            </a:p>
+          </p:txBody>
+        </p:sp>
+        <p:sp>
+          <p:nvSpPr>
+            <p:cNvPr id="246" name="Rectangle 245"/>
+            <p:cNvSpPr/>
+            <p:nvPr/>
+          </p:nvSpPr>
+          <p:spPr>
+            <a:xfrm>
+              <a:off x="25585362" y="1009135"/>
+              <a:ext cx="324000" cy="4248000"/>
+            </a:xfrm>
+            <a:prstGeom prst="rect">
+              <a:avLst/>
+            </a:prstGeom>
+          </p:spPr>
+          <p:style>
+            <a:lnRef idx="2">
+              <a:schemeClr val="accent4">
+                <a:shade val="50000"/>
+              </a:schemeClr>
+            </a:lnRef>
+            <a:fillRef idx="1">
+              <a:schemeClr val="accent4"/>
+            </a:fillRef>
+            <a:effectRef idx="0">
+              <a:schemeClr val="accent4"/>
+            </a:effectRef>
+            <a:fontRef idx="minor">
+              <a:schemeClr val="lt1"/>
+            </a:fontRef>
+          </p:style>
+          <p:txBody>
+            <a:bodyPr rtlCol="0" anchor="ctr"/>
+            <a:lstStyle/>
+            <a:p>
+              <a:pPr algn="ctr"/>
+              <a:endParaRPr lang="en-PH"/>
+            </a:p>
+          </p:txBody>
+        </p:sp>
+      </p:grpSp>
+      <p:grpSp>
+        <p:nvGrpSpPr>
+          <p:cNvPr id="247" name="Group 246"/>
+          <p:cNvGrpSpPr/>
+          <p:nvPr/>
+        </p:nvGrpSpPr>
+        <p:grpSpPr>
+          <a:xfrm>
+            <a:off x="28692462" y="8172920"/>
+            <a:ext cx="634254" cy="4248000"/>
+            <a:chOff x="25275108" y="1009135"/>
+            <a:chExt cx="634254" cy="4248000"/>
+          </a:xfrm>
+        </p:grpSpPr>
+        <p:sp>
+          <p:nvSpPr>
+            <p:cNvPr id="248" name="Rectangle 247"/>
+            <p:cNvSpPr/>
+            <p:nvPr/>
+          </p:nvSpPr>
+          <p:spPr>
+            <a:xfrm>
+              <a:off x="25275108" y="1009135"/>
+              <a:ext cx="324000" cy="4248000"/>
+            </a:xfrm>
+            <a:prstGeom prst="rect">
+              <a:avLst/>
+            </a:prstGeom>
+          </p:spPr>
+          <p:style>
+            <a:lnRef idx="2">
+              <a:schemeClr val="accent1">
+                <a:shade val="50000"/>
+              </a:schemeClr>
+            </a:lnRef>
+            <a:fillRef idx="1">
+              <a:schemeClr val="accent1"/>
+            </a:fillRef>
+            <a:effectRef idx="0">
+              <a:schemeClr val="accent1"/>
+            </a:effectRef>
+            <a:fontRef idx="minor">
+              <a:schemeClr val="lt1"/>
+            </a:fontRef>
+          </p:style>
+          <p:txBody>
+            <a:bodyPr rtlCol="0" anchor="ctr"/>
+            <a:lstStyle/>
+            <a:p>
+              <a:pPr algn="ctr"/>
+              <a:endParaRPr lang="en-PH"/>
+            </a:p>
+          </p:txBody>
+        </p:sp>
+        <p:sp>
+          <p:nvSpPr>
+            <p:cNvPr id="249" name="Rectangle 248"/>
+            <p:cNvSpPr/>
+            <p:nvPr/>
+          </p:nvSpPr>
+          <p:spPr>
+            <a:xfrm>
+              <a:off x="25585362" y="1009135"/>
+              <a:ext cx="324000" cy="4248000"/>
+            </a:xfrm>
+            <a:prstGeom prst="rect">
+              <a:avLst/>
+            </a:prstGeom>
+          </p:spPr>
+          <p:style>
+            <a:lnRef idx="2">
+              <a:schemeClr val="accent4">
+                <a:shade val="50000"/>
+              </a:schemeClr>
+            </a:lnRef>
+            <a:fillRef idx="1">
+              <a:schemeClr val="accent4"/>
+            </a:fillRef>
+            <a:effectRef idx="0">
+              <a:schemeClr val="accent4"/>
+            </a:effectRef>
+            <a:fontRef idx="minor">
+              <a:schemeClr val="lt1"/>
+            </a:fontRef>
+          </p:style>
+          <p:txBody>
+            <a:bodyPr rtlCol="0" anchor="ctr"/>
+            <a:lstStyle/>
+            <a:p>
+              <a:pPr algn="ctr"/>
+              <a:endParaRPr lang="en-PH"/>
+            </a:p>
+          </p:txBody>
+        </p:sp>
+      </p:grpSp>
+      <p:grpSp>
+        <p:nvGrpSpPr>
+          <p:cNvPr id="250" name="Group 249"/>
+          <p:cNvGrpSpPr/>
+          <p:nvPr/>
+        </p:nvGrpSpPr>
+        <p:grpSpPr>
+          <a:xfrm>
+            <a:off x="29844590" y="8172920"/>
+            <a:ext cx="634254" cy="4248000"/>
+            <a:chOff x="25275108" y="1009135"/>
+            <a:chExt cx="634254" cy="4248000"/>
+          </a:xfrm>
+        </p:grpSpPr>
+        <p:sp>
+          <p:nvSpPr>
+            <p:cNvPr id="251" name="Rectangle 250"/>
+            <p:cNvSpPr/>
+            <p:nvPr/>
+          </p:nvSpPr>
+          <p:spPr>
+            <a:xfrm>
+              <a:off x="25275108" y="1009135"/>
+              <a:ext cx="324000" cy="4248000"/>
+            </a:xfrm>
+            <a:prstGeom prst="rect">
+              <a:avLst/>
+            </a:prstGeom>
+          </p:spPr>
+          <p:style>
+            <a:lnRef idx="2">
+              <a:schemeClr val="accent1">
+                <a:shade val="50000"/>
+              </a:schemeClr>
+            </a:lnRef>
+            <a:fillRef idx="1">
+              <a:schemeClr val="accent1"/>
+            </a:fillRef>
+            <a:effectRef idx="0">
+              <a:schemeClr val="accent1"/>
+            </a:effectRef>
+            <a:fontRef idx="minor">
+              <a:schemeClr val="lt1"/>
+            </a:fontRef>
+          </p:style>
+          <p:txBody>
+            <a:bodyPr rtlCol="0" anchor="ctr"/>
+            <a:lstStyle/>
+            <a:p>
+              <a:pPr algn="ctr"/>
+              <a:endParaRPr lang="en-PH"/>
+            </a:p>
+          </p:txBody>
+        </p:sp>
+        <p:sp>
+          <p:nvSpPr>
+            <p:cNvPr id="252" name="Rectangle 251"/>
+            <p:cNvSpPr/>
+            <p:nvPr/>
+          </p:nvSpPr>
+          <p:spPr>
+            <a:xfrm>
+              <a:off x="25585362" y="1009135"/>
+              <a:ext cx="324000" cy="4248000"/>
+            </a:xfrm>
+            <a:prstGeom prst="rect">
+              <a:avLst/>
+            </a:prstGeom>
+          </p:spPr>
+          <p:style>
+            <a:lnRef idx="2">
+              <a:schemeClr val="accent4">
+                <a:shade val="50000"/>
+              </a:schemeClr>
+            </a:lnRef>
+            <a:fillRef idx="1">
+              <a:schemeClr val="accent4"/>
+            </a:fillRef>
+            <a:effectRef idx="0">
+              <a:schemeClr val="accent4"/>
+            </a:effectRef>
+            <a:fontRef idx="minor">
+              <a:schemeClr val="lt1"/>
+            </a:fontRef>
+          </p:style>
+          <p:txBody>
+            <a:bodyPr rtlCol="0" anchor="ctr"/>
+            <a:lstStyle/>
+            <a:p>
+              <a:pPr algn="ctr"/>
+              <a:endParaRPr lang="en-PH"/>
+            </a:p>
+          </p:txBody>
+        </p:sp>
+      </p:grpSp>
+      <p:grpSp>
+        <p:nvGrpSpPr>
+          <p:cNvPr id="255" name="Group 254"/>
+          <p:cNvGrpSpPr/>
+          <p:nvPr/>
+        </p:nvGrpSpPr>
+        <p:grpSpPr>
+          <a:xfrm>
+            <a:off x="3492748" y="8244456"/>
+            <a:ext cx="540000" cy="4248000"/>
+            <a:chOff x="25275108" y="1009135"/>
+            <a:chExt cx="634254" cy="4248000"/>
+          </a:xfrm>
+        </p:grpSpPr>
+        <p:sp>
+          <p:nvSpPr>
+            <p:cNvPr id="256" name="Rectangle 255"/>
+            <p:cNvSpPr/>
+            <p:nvPr/>
+          </p:nvSpPr>
+          <p:spPr>
+            <a:xfrm>
+              <a:off x="25275108" y="1009135"/>
+              <a:ext cx="324000" cy="4248000"/>
+            </a:xfrm>
+            <a:prstGeom prst="rect">
+              <a:avLst/>
+            </a:prstGeom>
+          </p:spPr>
+          <p:style>
+            <a:lnRef idx="2">
+              <a:schemeClr val="accent1">
+                <a:shade val="50000"/>
+              </a:schemeClr>
+            </a:lnRef>
+            <a:fillRef idx="1">
+              <a:schemeClr val="accent1"/>
+            </a:fillRef>
+            <a:effectRef idx="0">
+              <a:schemeClr val="accent1"/>
+            </a:effectRef>
+            <a:fontRef idx="minor">
+              <a:schemeClr val="lt1"/>
+            </a:fontRef>
+          </p:style>
+          <p:txBody>
+            <a:bodyPr rtlCol="0" anchor="ctr"/>
+            <a:lstStyle/>
+            <a:p>
+              <a:pPr algn="ctr"/>
+              <a:endParaRPr lang="en-PH"/>
+            </a:p>
+          </p:txBody>
+        </p:sp>
+        <p:sp>
+          <p:nvSpPr>
+            <p:cNvPr id="257" name="Rectangle 256"/>
+            <p:cNvSpPr/>
+            <p:nvPr/>
+          </p:nvSpPr>
+          <p:spPr>
+            <a:xfrm>
+              <a:off x="25585362" y="1009135"/>
+              <a:ext cx="324000" cy="4248000"/>
+            </a:xfrm>
+            <a:prstGeom prst="rect">
+              <a:avLst/>
+            </a:prstGeom>
+          </p:spPr>
+          <p:style>
+            <a:lnRef idx="2">
+              <a:schemeClr val="accent4">
+                <a:shade val="50000"/>
+              </a:schemeClr>
+            </a:lnRef>
+            <a:fillRef idx="1">
+              <a:schemeClr val="accent4"/>
+            </a:fillRef>
+            <a:effectRef idx="0">
+              <a:schemeClr val="accent4"/>
+            </a:effectRef>
+            <a:fontRef idx="minor">
+              <a:schemeClr val="lt1"/>
+            </a:fontRef>
+          </p:style>
+          <p:txBody>
+            <a:bodyPr rtlCol="0" anchor="ctr"/>
+            <a:lstStyle/>
+            <a:p>
+              <a:pPr algn="ctr"/>
+              <a:endParaRPr lang="en-PH"/>
+            </a:p>
+          </p:txBody>
+        </p:sp>
+      </p:grpSp>
+      <p:grpSp>
+        <p:nvGrpSpPr>
+          <p:cNvPr id="258" name="Group 257"/>
+          <p:cNvGrpSpPr/>
+          <p:nvPr/>
+        </p:nvGrpSpPr>
+        <p:grpSpPr>
+          <a:xfrm>
+            <a:off x="4356844" y="8244456"/>
+            <a:ext cx="540000" cy="4248000"/>
+            <a:chOff x="25275108" y="1009135"/>
+            <a:chExt cx="634254" cy="4248000"/>
+          </a:xfrm>
+        </p:grpSpPr>
+        <p:sp>
+          <p:nvSpPr>
+            <p:cNvPr id="259" name="Rectangle 258"/>
+            <p:cNvSpPr/>
+            <p:nvPr/>
+          </p:nvSpPr>
+          <p:spPr>
+            <a:xfrm>
+              <a:off x="25275108" y="1009135"/>
+              <a:ext cx="324000" cy="4248000"/>
+            </a:xfrm>
+            <a:prstGeom prst="rect">
+              <a:avLst/>
+            </a:prstGeom>
+          </p:spPr>
+          <p:style>
+            <a:lnRef idx="2">
+              <a:schemeClr val="accent1">
+                <a:shade val="50000"/>
+              </a:schemeClr>
+            </a:lnRef>
+            <a:fillRef idx="1">
+              <a:schemeClr val="accent1"/>
+            </a:fillRef>
+            <a:effectRef idx="0">
+              <a:schemeClr val="accent1"/>
+            </a:effectRef>
+            <a:fontRef idx="minor">
+              <a:schemeClr val="lt1"/>
+            </a:fontRef>
+          </p:style>
+          <p:txBody>
+            <a:bodyPr rtlCol="0" anchor="ctr"/>
+            <a:lstStyle/>
+            <a:p>
+              <a:pPr algn="ctr"/>
+              <a:endParaRPr lang="en-PH"/>
+            </a:p>
+          </p:txBody>
+        </p:sp>
+        <p:sp>
+          <p:nvSpPr>
+            <p:cNvPr id="260" name="Rectangle 259"/>
+            <p:cNvSpPr/>
+            <p:nvPr/>
+          </p:nvSpPr>
+          <p:spPr>
+            <a:xfrm>
+              <a:off x="25585362" y="1009135"/>
+              <a:ext cx="324000" cy="4248000"/>
+            </a:xfrm>
+            <a:prstGeom prst="rect">
+              <a:avLst/>
+            </a:prstGeom>
+          </p:spPr>
+          <p:style>
+            <a:lnRef idx="2">
+              <a:schemeClr val="accent4">
+                <a:shade val="50000"/>
+              </a:schemeClr>
+            </a:lnRef>
+            <a:fillRef idx="1">
+              <a:schemeClr val="accent4"/>
+            </a:fillRef>
+            <a:effectRef idx="0">
+              <a:schemeClr val="accent4"/>
+            </a:effectRef>
+            <a:fontRef idx="minor">
+              <a:schemeClr val="lt1"/>
+            </a:fontRef>
+          </p:style>
+          <p:txBody>
+            <a:bodyPr rtlCol="0" anchor="ctr"/>
+            <a:lstStyle/>
+            <a:p>
+              <a:pPr algn="ctr"/>
+              <a:endParaRPr lang="en-PH"/>
+            </a:p>
+          </p:txBody>
+        </p:sp>
+      </p:grpSp>
+      <p:grpSp>
+        <p:nvGrpSpPr>
+          <p:cNvPr id="261" name="Group 260"/>
+          <p:cNvGrpSpPr/>
+          <p:nvPr/>
+        </p:nvGrpSpPr>
+        <p:grpSpPr>
+          <a:xfrm>
+            <a:off x="5328892" y="8244456"/>
+            <a:ext cx="540000" cy="4248000"/>
+            <a:chOff x="25275108" y="1009135"/>
+            <a:chExt cx="634254" cy="4248000"/>
+          </a:xfrm>
+        </p:grpSpPr>
+        <p:sp>
+          <p:nvSpPr>
+            <p:cNvPr id="262" name="Rectangle 261"/>
+            <p:cNvSpPr/>
+            <p:nvPr/>
+          </p:nvSpPr>
+          <p:spPr>
+            <a:xfrm>
+              <a:off x="25275108" y="1009135"/>
+              <a:ext cx="324000" cy="4248000"/>
+            </a:xfrm>
+            <a:prstGeom prst="rect">
+              <a:avLst/>
+            </a:prstGeom>
+          </p:spPr>
+          <p:style>
+            <a:lnRef idx="2">
+              <a:schemeClr val="accent1">
+                <a:shade val="50000"/>
+              </a:schemeClr>
+            </a:lnRef>
+            <a:fillRef idx="1">
+              <a:schemeClr val="accent1"/>
+            </a:fillRef>
+            <a:effectRef idx="0">
+              <a:schemeClr val="accent1"/>
+            </a:effectRef>
+            <a:fontRef idx="minor">
+              <a:schemeClr val="lt1"/>
+            </a:fontRef>
+          </p:style>
+          <p:txBody>
+            <a:bodyPr rtlCol="0" anchor="ctr"/>
+            <a:lstStyle/>
+            <a:p>
+              <a:pPr algn="ctr"/>
+              <a:endParaRPr lang="en-PH"/>
+            </a:p>
+          </p:txBody>
+        </p:sp>
+        <p:sp>
+          <p:nvSpPr>
+            <p:cNvPr id="263" name="Rectangle 262"/>
+            <p:cNvSpPr/>
+            <p:nvPr/>
+          </p:nvSpPr>
+          <p:spPr>
+            <a:xfrm>
+              <a:off x="25585362" y="1009135"/>
+              <a:ext cx="324000" cy="4248000"/>
+            </a:xfrm>
+            <a:prstGeom prst="rect">
+              <a:avLst/>
+            </a:prstGeom>
+          </p:spPr>
+          <p:style>
+            <a:lnRef idx="2">
+              <a:schemeClr val="accent4">
+                <a:shade val="50000"/>
+              </a:schemeClr>
+            </a:lnRef>
+            <a:fillRef idx="1">
+              <a:schemeClr val="accent4"/>
+            </a:fillRef>
+            <a:effectRef idx="0">
+              <a:schemeClr val="accent4"/>
+            </a:effectRef>
+            <a:fontRef idx="minor">
+              <a:schemeClr val="lt1"/>
+            </a:fontRef>
+          </p:style>
+          <p:txBody>
+            <a:bodyPr rtlCol="0" anchor="ctr"/>
+            <a:lstStyle/>
+            <a:p>
+              <a:pPr algn="ctr"/>
+              <a:endParaRPr lang="en-PH"/>
+            </a:p>
+          </p:txBody>
+        </p:sp>
+      </p:grpSp>
+      <p:grpSp>
+        <p:nvGrpSpPr>
+          <p:cNvPr id="264" name="Group 263"/>
+          <p:cNvGrpSpPr/>
+          <p:nvPr/>
+        </p:nvGrpSpPr>
+        <p:grpSpPr>
+          <a:xfrm>
+            <a:off x="6229052" y="8244456"/>
+            <a:ext cx="540000" cy="4248000"/>
+            <a:chOff x="25275108" y="1009135"/>
+            <a:chExt cx="634254" cy="4248000"/>
+          </a:xfrm>
+        </p:grpSpPr>
+        <p:sp>
+          <p:nvSpPr>
+            <p:cNvPr id="265" name="Rectangle 264"/>
+            <p:cNvSpPr/>
+            <p:nvPr/>
+          </p:nvSpPr>
+          <p:spPr>
+            <a:xfrm>
+              <a:off x="25275108" y="1009135"/>
+              <a:ext cx="324000" cy="4248000"/>
+            </a:xfrm>
+            <a:prstGeom prst="rect">
+              <a:avLst/>
+            </a:prstGeom>
+          </p:spPr>
+          <p:style>
+            <a:lnRef idx="2">
+              <a:schemeClr val="accent1">
+                <a:shade val="50000"/>
+              </a:schemeClr>
+            </a:lnRef>
+            <a:fillRef idx="1">
+              <a:schemeClr val="accent1"/>
+            </a:fillRef>
+            <a:effectRef idx="0">
+              <a:schemeClr val="accent1"/>
+            </a:effectRef>
+            <a:fontRef idx="minor">
+              <a:schemeClr val="lt1"/>
+            </a:fontRef>
+          </p:style>
+          <p:txBody>
+            <a:bodyPr rtlCol="0" anchor="ctr"/>
+            <a:lstStyle/>
+            <a:p>
+              <a:pPr algn="ctr"/>
+              <a:endParaRPr lang="en-PH"/>
+            </a:p>
+          </p:txBody>
+        </p:sp>
+        <p:sp>
+          <p:nvSpPr>
+            <p:cNvPr id="266" name="Rectangle 265"/>
+            <p:cNvSpPr/>
+            <p:nvPr/>
+          </p:nvSpPr>
+          <p:spPr>
+            <a:xfrm>
+              <a:off x="25585362" y="1009135"/>
+              <a:ext cx="324000" cy="4248000"/>
+            </a:xfrm>
+            <a:prstGeom prst="rect">
+              <a:avLst/>
+            </a:prstGeom>
+          </p:spPr>
+          <p:style>
+            <a:lnRef idx="2">
+              <a:schemeClr val="accent4">
+                <a:shade val="50000"/>
+              </a:schemeClr>
+            </a:lnRef>
+            <a:fillRef idx="1">
+              <a:schemeClr val="accent4"/>
+            </a:fillRef>
+            <a:effectRef idx="0">
+              <a:schemeClr val="accent4"/>
+            </a:effectRef>
+            <a:fontRef idx="minor">
+              <a:schemeClr val="lt1"/>
+            </a:fontRef>
+          </p:style>
+          <p:txBody>
+            <a:bodyPr rtlCol="0" anchor="ctr"/>
+            <a:lstStyle/>
+            <a:p>
+              <a:pPr algn="ctr"/>
+              <a:endParaRPr lang="en-PH"/>
+            </a:p>
+          </p:txBody>
+        </p:sp>
+      </p:grpSp>
+      <p:grpSp>
+        <p:nvGrpSpPr>
+          <p:cNvPr id="267" name="Group 266"/>
+          <p:cNvGrpSpPr/>
+          <p:nvPr/>
+        </p:nvGrpSpPr>
+        <p:grpSpPr>
+          <a:xfrm>
+            <a:off x="7201100" y="8244456"/>
+            <a:ext cx="540000" cy="4248000"/>
+            <a:chOff x="25275108" y="1009135"/>
+            <a:chExt cx="634254" cy="4248000"/>
+          </a:xfrm>
+        </p:grpSpPr>
+        <p:sp>
+          <p:nvSpPr>
+            <p:cNvPr id="268" name="Rectangle 267"/>
+            <p:cNvSpPr/>
+            <p:nvPr/>
+          </p:nvSpPr>
+          <p:spPr>
+            <a:xfrm>
+              <a:off x="25275108" y="1009135"/>
+              <a:ext cx="324000" cy="4248000"/>
+            </a:xfrm>
+            <a:prstGeom prst="rect">
+              <a:avLst/>
+            </a:prstGeom>
+          </p:spPr>
+          <p:style>
+            <a:lnRef idx="2">
+              <a:schemeClr val="accent1">
+                <a:shade val="50000"/>
+              </a:schemeClr>
+            </a:lnRef>
+            <a:fillRef idx="1">
+              <a:schemeClr val="accent1"/>
+            </a:fillRef>
+            <a:effectRef idx="0">
+              <a:schemeClr val="accent1"/>
+            </a:effectRef>
+            <a:fontRef idx="minor">
+              <a:schemeClr val="lt1"/>
+            </a:fontRef>
+          </p:style>
+          <p:txBody>
+            <a:bodyPr rtlCol="0" anchor="ctr"/>
+            <a:lstStyle/>
+            <a:p>
+              <a:pPr algn="ctr"/>
+              <a:endParaRPr lang="en-PH"/>
+            </a:p>
+          </p:txBody>
+        </p:sp>
+        <p:sp>
+          <p:nvSpPr>
+            <p:cNvPr id="269" name="Rectangle 268"/>
+            <p:cNvSpPr/>
+            <p:nvPr/>
+          </p:nvSpPr>
+          <p:spPr>
+            <a:xfrm>
+              <a:off x="25585362" y="1009135"/>
+              <a:ext cx="324000" cy="4248000"/>
+            </a:xfrm>
+            <a:prstGeom prst="rect">
+              <a:avLst/>
+            </a:prstGeom>
+          </p:spPr>
+          <p:style>
+            <a:lnRef idx="2">
+              <a:schemeClr val="accent4">
+                <a:shade val="50000"/>
+              </a:schemeClr>
+            </a:lnRef>
+            <a:fillRef idx="1">
+              <a:schemeClr val="accent4"/>
+            </a:fillRef>
+            <a:effectRef idx="0">
+              <a:schemeClr val="accent4"/>
+            </a:effectRef>
+            <a:fontRef idx="minor">
+              <a:schemeClr val="lt1"/>
+            </a:fontRef>
+          </p:style>
+          <p:txBody>
+            <a:bodyPr rtlCol="0" anchor="ctr"/>
+            <a:lstStyle/>
+            <a:p>
+              <a:pPr algn="ctr"/>
+              <a:endParaRPr lang="en-PH"/>
+            </a:p>
+          </p:txBody>
+        </p:sp>
+      </p:grpSp>
+      <p:grpSp>
+        <p:nvGrpSpPr>
+          <p:cNvPr id="270" name="Group 269"/>
+          <p:cNvGrpSpPr/>
+          <p:nvPr/>
+        </p:nvGrpSpPr>
+        <p:grpSpPr>
+          <a:xfrm>
+            <a:off x="8173268" y="8244456"/>
+            <a:ext cx="540000" cy="4248000"/>
+            <a:chOff x="25275108" y="1009135"/>
+            <a:chExt cx="634254" cy="4248000"/>
+          </a:xfrm>
+        </p:grpSpPr>
+        <p:sp>
+          <p:nvSpPr>
+            <p:cNvPr id="271" name="Rectangle 270"/>
+            <p:cNvSpPr/>
+            <p:nvPr/>
+          </p:nvSpPr>
+          <p:spPr>
+            <a:xfrm>
+              <a:off x="25275108" y="1009135"/>
+              <a:ext cx="324000" cy="4248000"/>
+            </a:xfrm>
+            <a:prstGeom prst="rect">
+              <a:avLst/>
+            </a:prstGeom>
+          </p:spPr>
+          <p:style>
+            <a:lnRef idx="2">
+              <a:schemeClr val="accent1">
+                <a:shade val="50000"/>
+              </a:schemeClr>
+            </a:lnRef>
+            <a:fillRef idx="1">
+              <a:schemeClr val="accent1"/>
+            </a:fillRef>
+            <a:effectRef idx="0">
+              <a:schemeClr val="accent1"/>
+            </a:effectRef>
+            <a:fontRef idx="minor">
+              <a:schemeClr val="lt1"/>
+            </a:fontRef>
+          </p:style>
+          <p:txBody>
+            <a:bodyPr rtlCol="0" anchor="ctr"/>
+            <a:lstStyle/>
+            <a:p>
+              <a:pPr algn="ctr"/>
+              <a:endParaRPr lang="en-PH"/>
+            </a:p>
+          </p:txBody>
+        </p:sp>
+        <p:sp>
+          <p:nvSpPr>
+            <p:cNvPr id="272" name="Rectangle 271"/>
+            <p:cNvSpPr/>
+            <p:nvPr/>
+          </p:nvSpPr>
+          <p:spPr>
+            <a:xfrm>
+              <a:off x="25585362" y="1009135"/>
+              <a:ext cx="324000" cy="4248000"/>
+            </a:xfrm>
+            <a:prstGeom prst="rect">
+              <a:avLst/>
+            </a:prstGeom>
+          </p:spPr>
+          <p:style>
+            <a:lnRef idx="2">
+              <a:schemeClr val="accent4">
+                <a:shade val="50000"/>
+              </a:schemeClr>
+            </a:lnRef>
+            <a:fillRef idx="1">
+              <a:schemeClr val="accent4"/>
+            </a:fillRef>
+            <a:effectRef idx="0">
+              <a:schemeClr val="accent4"/>
+            </a:effectRef>
+            <a:fontRef idx="minor">
+              <a:schemeClr val="lt1"/>
+            </a:fontRef>
+          </p:style>
+          <p:txBody>
+            <a:bodyPr rtlCol="0" anchor="ctr"/>
+            <a:lstStyle/>
+            <a:p>
+              <a:pPr algn="ctr"/>
+              <a:endParaRPr lang="en-PH"/>
+            </a:p>
+          </p:txBody>
+        </p:sp>
+      </p:grpSp>
+      <p:grpSp>
+        <p:nvGrpSpPr>
+          <p:cNvPr id="273" name="Group 272"/>
+          <p:cNvGrpSpPr/>
+          <p:nvPr/>
+        </p:nvGrpSpPr>
+        <p:grpSpPr>
+          <a:xfrm>
+            <a:off x="9217324" y="8244456"/>
+            <a:ext cx="540000" cy="4248000"/>
+            <a:chOff x="25275108" y="1009135"/>
+            <a:chExt cx="634254" cy="4248000"/>
+          </a:xfrm>
+        </p:grpSpPr>
+        <p:sp>
+          <p:nvSpPr>
+            <p:cNvPr id="274" name="Rectangle 273"/>
+            <p:cNvSpPr/>
+            <p:nvPr/>
+          </p:nvSpPr>
+          <p:spPr>
+            <a:xfrm>
+              <a:off x="25275108" y="1009135"/>
+              <a:ext cx="324000" cy="4248000"/>
+            </a:xfrm>
+            <a:prstGeom prst="rect">
+              <a:avLst/>
+            </a:prstGeom>
+          </p:spPr>
+          <p:style>
+            <a:lnRef idx="2">
+              <a:schemeClr val="accent1">
+                <a:shade val="50000"/>
+              </a:schemeClr>
+            </a:lnRef>
+            <a:fillRef idx="1">
+              <a:schemeClr val="accent1"/>
+            </a:fillRef>
+            <a:effectRef idx="0">
+              <a:schemeClr val="accent1"/>
+            </a:effectRef>
+            <a:fontRef idx="minor">
+              <a:schemeClr val="lt1"/>
+            </a:fontRef>
+          </p:style>
+          <p:txBody>
+            <a:bodyPr rtlCol="0" anchor="ctr"/>
+            <a:lstStyle/>
+            <a:p>
+              <a:pPr algn="ctr"/>
+              <a:endParaRPr lang="en-PH"/>
+            </a:p>
+          </p:txBody>
+        </p:sp>
+        <p:sp>
+          <p:nvSpPr>
+            <p:cNvPr id="275" name="Rectangle 274"/>
+            <p:cNvSpPr/>
+            <p:nvPr/>
+          </p:nvSpPr>
+          <p:spPr>
+            <a:xfrm>
+              <a:off x="25585362" y="1009135"/>
+              <a:ext cx="324000" cy="4248000"/>
+            </a:xfrm>
+            <a:prstGeom prst="rect">
+              <a:avLst/>
+            </a:prstGeom>
+          </p:spPr>
+          <p:style>
+            <a:lnRef idx="2">
+              <a:schemeClr val="accent4">
+                <a:shade val="50000"/>
+              </a:schemeClr>
+            </a:lnRef>
+            <a:fillRef idx="1">
+              <a:schemeClr val="accent4"/>
+            </a:fillRef>
+            <a:effectRef idx="0">
+              <a:schemeClr val="accent4"/>
+            </a:effectRef>
+            <a:fontRef idx="minor">
+              <a:schemeClr val="lt1"/>
+            </a:fontRef>
+          </p:style>
+          <p:txBody>
+            <a:bodyPr rtlCol="0" anchor="ctr"/>
+            <a:lstStyle/>
+            <a:p>
+              <a:pPr algn="ctr"/>
+              <a:endParaRPr lang="en-PH"/>
+            </a:p>
+          </p:txBody>
+        </p:sp>
+      </p:grpSp>
+      <p:grpSp>
+        <p:nvGrpSpPr>
+          <p:cNvPr id="276" name="Group 275"/>
+          <p:cNvGrpSpPr/>
+          <p:nvPr/>
+        </p:nvGrpSpPr>
+        <p:grpSpPr>
+          <a:xfrm>
+            <a:off x="10225436" y="8244456"/>
+            <a:ext cx="540000" cy="4248000"/>
+            <a:chOff x="25275108" y="1009135"/>
+            <a:chExt cx="634254" cy="4248000"/>
+          </a:xfrm>
+        </p:grpSpPr>
+        <p:sp>
+          <p:nvSpPr>
+            <p:cNvPr id="277" name="Rectangle 276"/>
+            <p:cNvSpPr/>
+            <p:nvPr/>
+          </p:nvSpPr>
+          <p:spPr>
+            <a:xfrm>
+              <a:off x="25275108" y="1009135"/>
+              <a:ext cx="324000" cy="4248000"/>
+            </a:xfrm>
+            <a:prstGeom prst="rect">
+              <a:avLst/>
+            </a:prstGeom>
+          </p:spPr>
+          <p:style>
+            <a:lnRef idx="2">
+              <a:schemeClr val="accent1">
+                <a:shade val="50000"/>
+              </a:schemeClr>
+            </a:lnRef>
+            <a:fillRef idx="1">
+              <a:schemeClr val="accent1"/>
+            </a:fillRef>
+            <a:effectRef idx="0">
+              <a:schemeClr val="accent1"/>
+            </a:effectRef>
+            <a:fontRef idx="minor">
+              <a:schemeClr val="lt1"/>
+            </a:fontRef>
+          </p:style>
+          <p:txBody>
+            <a:bodyPr rtlCol="0" anchor="ctr"/>
+            <a:lstStyle/>
+            <a:p>
+              <a:pPr algn="ctr"/>
+              <a:endParaRPr lang="en-PH"/>
+            </a:p>
+          </p:txBody>
+        </p:sp>
+        <p:sp>
+          <p:nvSpPr>
+            <p:cNvPr id="278" name="Rectangle 277"/>
+            <p:cNvSpPr/>
+            <p:nvPr/>
+          </p:nvSpPr>
+          <p:spPr>
+            <a:xfrm>
+              <a:off x="25585362" y="1009135"/>
+              <a:ext cx="324000" cy="4248000"/>
+            </a:xfrm>
+            <a:prstGeom prst="rect">
+              <a:avLst/>
+            </a:prstGeom>
+          </p:spPr>
+          <p:style>
+            <a:lnRef idx="2">
+              <a:schemeClr val="accent4">
+                <a:shade val="50000"/>
+              </a:schemeClr>
+            </a:lnRef>
+            <a:fillRef idx="1">
+              <a:schemeClr val="accent4"/>
+            </a:fillRef>
+            <a:effectRef idx="0">
+              <a:schemeClr val="accent4"/>
+            </a:effectRef>
+            <a:fontRef idx="minor">
+              <a:schemeClr val="lt1"/>
+            </a:fontRef>
+          </p:style>
+          <p:txBody>
+            <a:bodyPr rtlCol="0" anchor="ctr"/>
+            <a:lstStyle/>
+            <a:p>
+              <a:pPr algn="ctr"/>
+              <a:endParaRPr lang="en-PH"/>
+            </a:p>
+          </p:txBody>
+        </p:sp>
+      </p:grpSp>
+      <p:sp>
+        <p:nvSpPr>
+          <p:cNvPr id="279" name="Rectangle 278"/>
+          <p:cNvSpPr/>
+          <p:nvPr/>
+        </p:nvSpPr>
+        <p:spPr>
+          <a:xfrm>
+            <a:off x="3204692" y="6533193"/>
+            <a:ext cx="324000" cy="1243448"/>
+          </a:xfrm>
+          <a:prstGeom prst="rect">
+            <a:avLst/>
+          </a:prstGeom>
+        </p:spPr>
+        <p:style>
+          <a:lnRef idx="2">
+            <a:schemeClr val="accent1">
+              <a:shade val="50000"/>
+            </a:schemeClr>
+          </a:lnRef>
+          <a:fillRef idx="1">
+            <a:schemeClr val="accent1"/>
+          </a:fillRef>
+          <a:effectRef idx="0">
+            <a:schemeClr val="accent1"/>
+          </a:effectRef>
+          <a:fontRef idx="minor">
+            <a:schemeClr val="lt1"/>
+          </a:fontRef>
+        </p:style>
+        <p:txBody>
+          <a:bodyPr rtlCol="0" anchor="ctr"/>
+          <a:lstStyle/>
+          <a:p>
+            <a:pPr algn="ctr"/>
+            <a:endParaRPr lang="en-PH"/>
+          </a:p>
+        </p:txBody>
+      </p:sp>
+      <p:sp>
+        <p:nvSpPr>
+          <p:cNvPr id="281" name="Rectangle 280"/>
+          <p:cNvSpPr/>
+          <p:nvPr/>
+        </p:nvSpPr>
+        <p:spPr>
+          <a:xfrm>
+            <a:off x="19586476" y="6506143"/>
+            <a:ext cx="3640596" cy="982466"/>
+          </a:xfrm>
+          <a:prstGeom prst="rect">
+            <a:avLst/>
+          </a:prstGeom>
+          <a:solidFill>
+            <a:schemeClr val="accent3">
+              <a:lumMod val="40000"/>
+              <a:lumOff val="60000"/>
+            </a:schemeClr>
+          </a:solidFill>
+          <a:ln w="76200"/>
+        </p:spPr>
+        <p:style>
+          <a:lnRef idx="2">
+            <a:schemeClr val="accent1">
+              <a:shade val="50000"/>
+            </a:schemeClr>
+          </a:lnRef>
+          <a:fillRef idx="1">
+            <a:schemeClr val="accent1"/>
+          </a:fillRef>
+          <a:effectRef idx="0">
+            <a:schemeClr val="accent1"/>
+          </a:effectRef>
+          <a:fontRef idx="minor">
+            <a:schemeClr val="lt1"/>
+          </a:fontRef>
+        </p:style>
+        <p:txBody>
+          <a:bodyPr rtlCol="0" anchor="ctr"/>
+          <a:lstStyle/>
+          <a:p>
+            <a:pPr algn="ctr"/>
+            <a:endParaRPr lang="en-PH"/>
+          </a:p>
+        </p:txBody>
+      </p:sp>
+      <p:grpSp>
+        <p:nvGrpSpPr>
+          <p:cNvPr id="288" name="Group 287"/>
+          <p:cNvGrpSpPr/>
+          <p:nvPr/>
+        </p:nvGrpSpPr>
+        <p:grpSpPr>
+          <a:xfrm>
+            <a:off x="3492748" y="936353"/>
+            <a:ext cx="540000" cy="4248000"/>
+            <a:chOff x="25275108" y="1009135"/>
+            <a:chExt cx="634254" cy="4248000"/>
+          </a:xfrm>
+        </p:grpSpPr>
+        <p:sp>
+          <p:nvSpPr>
+            <p:cNvPr id="289" name="Rectangle 288"/>
+            <p:cNvSpPr/>
+            <p:nvPr/>
+          </p:nvSpPr>
+          <p:spPr>
+            <a:xfrm>
+              <a:off x="25275108" y="1009135"/>
+              <a:ext cx="324000" cy="4248000"/>
+            </a:xfrm>
+            <a:prstGeom prst="rect">
+              <a:avLst/>
+            </a:prstGeom>
+          </p:spPr>
+          <p:style>
+            <a:lnRef idx="2">
+              <a:schemeClr val="accent1">
+                <a:shade val="50000"/>
+              </a:schemeClr>
+            </a:lnRef>
+            <a:fillRef idx="1">
+              <a:schemeClr val="accent1"/>
+            </a:fillRef>
+            <a:effectRef idx="0">
+              <a:schemeClr val="accent1"/>
+            </a:effectRef>
+            <a:fontRef idx="minor">
+              <a:schemeClr val="lt1"/>
+            </a:fontRef>
+          </p:style>
+          <p:txBody>
+            <a:bodyPr rtlCol="0" anchor="ctr"/>
+            <a:lstStyle/>
+            <a:p>
+              <a:pPr algn="ctr"/>
+              <a:endParaRPr lang="en-PH"/>
+            </a:p>
+          </p:txBody>
+        </p:sp>
+        <p:sp>
+          <p:nvSpPr>
+            <p:cNvPr id="290" name="Rectangle 289"/>
+            <p:cNvSpPr/>
+            <p:nvPr/>
+          </p:nvSpPr>
+          <p:spPr>
+            <a:xfrm>
+              <a:off x="25585362" y="1009135"/>
+              <a:ext cx="324000" cy="4248000"/>
+            </a:xfrm>
+            <a:prstGeom prst="rect">
+              <a:avLst/>
+            </a:prstGeom>
+          </p:spPr>
+          <p:style>
+            <a:lnRef idx="2">
+              <a:schemeClr val="accent4">
+                <a:shade val="50000"/>
+              </a:schemeClr>
+            </a:lnRef>
+            <a:fillRef idx="1">
+              <a:schemeClr val="accent4"/>
+            </a:fillRef>
+            <a:effectRef idx="0">
+              <a:schemeClr val="accent4"/>
+            </a:effectRef>
+            <a:fontRef idx="minor">
+              <a:schemeClr val="lt1"/>
+            </a:fontRef>
+          </p:style>
+          <p:txBody>
+            <a:bodyPr rtlCol="0" anchor="ctr"/>
+            <a:lstStyle/>
+            <a:p>
+              <a:pPr algn="ctr"/>
+              <a:endParaRPr lang="en-PH"/>
+            </a:p>
+          </p:txBody>
+        </p:sp>
+      </p:grpSp>
+      <p:grpSp>
+        <p:nvGrpSpPr>
+          <p:cNvPr id="291" name="Group 290"/>
+          <p:cNvGrpSpPr/>
+          <p:nvPr/>
+        </p:nvGrpSpPr>
+        <p:grpSpPr>
+          <a:xfrm>
+            <a:off x="11917684" y="899311"/>
+            <a:ext cx="540000" cy="4248000"/>
+            <a:chOff x="25275108" y="1009135"/>
+            <a:chExt cx="634254" cy="4248000"/>
+          </a:xfrm>
+        </p:grpSpPr>
+        <p:sp>
+          <p:nvSpPr>
+            <p:cNvPr id="292" name="Rectangle 291"/>
+            <p:cNvSpPr/>
+            <p:nvPr/>
+          </p:nvSpPr>
+          <p:spPr>
+            <a:xfrm>
+              <a:off x="25275108" y="1009135"/>
+              <a:ext cx="324000" cy="4248000"/>
+            </a:xfrm>
+            <a:prstGeom prst="rect">
+              <a:avLst/>
+            </a:prstGeom>
+          </p:spPr>
+          <p:style>
+            <a:lnRef idx="2">
+              <a:schemeClr val="accent1">
+                <a:shade val="50000"/>
+              </a:schemeClr>
+            </a:lnRef>
+            <a:fillRef idx="1">
+              <a:schemeClr val="accent1"/>
+            </a:fillRef>
+            <a:effectRef idx="0">
+              <a:schemeClr val="accent1"/>
+            </a:effectRef>
+            <a:fontRef idx="minor">
+              <a:schemeClr val="lt1"/>
+            </a:fontRef>
+          </p:style>
+          <p:txBody>
+            <a:bodyPr rtlCol="0" anchor="ctr"/>
+            <a:lstStyle/>
+            <a:p>
+              <a:pPr algn="ctr"/>
+              <a:endParaRPr lang="en-PH"/>
+            </a:p>
+          </p:txBody>
+        </p:sp>
+        <p:sp>
+          <p:nvSpPr>
+            <p:cNvPr id="293" name="Rectangle 292"/>
+            <p:cNvSpPr/>
+            <p:nvPr/>
+          </p:nvSpPr>
+          <p:spPr>
+            <a:xfrm>
+              <a:off x="25585362" y="1009135"/>
+              <a:ext cx="324000" cy="4248000"/>
+            </a:xfrm>
+            <a:prstGeom prst="rect">
+              <a:avLst/>
+            </a:prstGeom>
+          </p:spPr>
+          <p:style>
+            <a:lnRef idx="2">
+              <a:schemeClr val="accent4">
+                <a:shade val="50000"/>
+              </a:schemeClr>
+            </a:lnRef>
+            <a:fillRef idx="1">
+              <a:schemeClr val="accent4"/>
+            </a:fillRef>
+            <a:effectRef idx="0">
+              <a:schemeClr val="accent4"/>
+            </a:effectRef>
+            <a:fontRef idx="minor">
+              <a:schemeClr val="lt1"/>
+            </a:fontRef>
+          </p:style>
+          <p:txBody>
+            <a:bodyPr rtlCol="0" anchor="ctr"/>
+            <a:lstStyle/>
+            <a:p>
+              <a:pPr algn="ctr"/>
+              <a:endParaRPr lang="en-PH"/>
+            </a:p>
+          </p:txBody>
+        </p:sp>
+      </p:grpSp>
+      <p:grpSp>
+        <p:nvGrpSpPr>
+          <p:cNvPr id="294" name="Group 293"/>
+          <p:cNvGrpSpPr/>
+          <p:nvPr/>
+        </p:nvGrpSpPr>
+        <p:grpSpPr>
+          <a:xfrm>
+            <a:off x="12925796" y="936353"/>
+            <a:ext cx="540000" cy="4248000"/>
+            <a:chOff x="25275108" y="1009135"/>
+            <a:chExt cx="634254" cy="4248000"/>
+          </a:xfrm>
+        </p:grpSpPr>
+        <p:sp>
+          <p:nvSpPr>
+            <p:cNvPr id="295" name="Rectangle 294"/>
+            <p:cNvSpPr/>
+            <p:nvPr/>
+          </p:nvSpPr>
+          <p:spPr>
+            <a:xfrm>
+              <a:off x="25275108" y="1009135"/>
+              <a:ext cx="324000" cy="4248000"/>
+            </a:xfrm>
+            <a:prstGeom prst="rect">
+              <a:avLst/>
+            </a:prstGeom>
+          </p:spPr>
+          <p:style>
+            <a:lnRef idx="2">
+              <a:schemeClr val="accent1">
+                <a:shade val="50000"/>
+              </a:schemeClr>
+            </a:lnRef>
+            <a:fillRef idx="1">
+              <a:schemeClr val="accent1"/>
+            </a:fillRef>
+            <a:effectRef idx="0">
+              <a:schemeClr val="accent1"/>
+            </a:effectRef>
+            <a:fontRef idx="minor">
+              <a:schemeClr val="lt1"/>
+            </a:fontRef>
+          </p:style>
+          <p:txBody>
+            <a:bodyPr rtlCol="0" anchor="ctr"/>
+            <a:lstStyle/>
+            <a:p>
+              <a:pPr algn="ctr"/>
+              <a:endParaRPr lang="en-PH"/>
+            </a:p>
+          </p:txBody>
+        </p:sp>
+        <p:sp>
+          <p:nvSpPr>
+            <p:cNvPr id="296" name="Rectangle 295"/>
+            <p:cNvSpPr/>
+            <p:nvPr/>
+          </p:nvSpPr>
+          <p:spPr>
+            <a:xfrm>
+              <a:off x="25585362" y="1009135"/>
+              <a:ext cx="324000" cy="4248000"/>
+            </a:xfrm>
+            <a:prstGeom prst="rect">
+              <a:avLst/>
+            </a:prstGeom>
+          </p:spPr>
+          <p:style>
+            <a:lnRef idx="2">
+              <a:schemeClr val="accent4">
+                <a:shade val="50000"/>
+              </a:schemeClr>
+            </a:lnRef>
+            <a:fillRef idx="1">
+              <a:schemeClr val="accent4"/>
+            </a:fillRef>
+            <a:effectRef idx="0">
+              <a:schemeClr val="accent4"/>
+            </a:effectRef>
+            <a:fontRef idx="minor">
+              <a:schemeClr val="lt1"/>
+            </a:fontRef>
+          </p:style>
+          <p:txBody>
+            <a:bodyPr rtlCol="0" anchor="ctr"/>
+            <a:lstStyle/>
+            <a:p>
+              <a:pPr algn="ctr"/>
+              <a:endParaRPr lang="en-PH"/>
+            </a:p>
+          </p:txBody>
+        </p:sp>
+      </p:grpSp>
+      <p:grpSp>
+        <p:nvGrpSpPr>
+          <p:cNvPr id="306" name="Group 305"/>
+          <p:cNvGrpSpPr/>
+          <p:nvPr/>
+        </p:nvGrpSpPr>
+        <p:grpSpPr>
+          <a:xfrm>
+            <a:off x="13861900" y="899311"/>
+            <a:ext cx="540000" cy="4248000"/>
+            <a:chOff x="25275108" y="1009135"/>
+            <a:chExt cx="634254" cy="4248000"/>
+          </a:xfrm>
+        </p:grpSpPr>
+        <p:sp>
+          <p:nvSpPr>
+            <p:cNvPr id="307" name="Rectangle 306"/>
+            <p:cNvSpPr/>
+            <p:nvPr/>
+          </p:nvSpPr>
+          <p:spPr>
+            <a:xfrm>
+              <a:off x="25275108" y="1009135"/>
+              <a:ext cx="324000" cy="4248000"/>
+            </a:xfrm>
+            <a:prstGeom prst="rect">
+              <a:avLst/>
+            </a:prstGeom>
+          </p:spPr>
+          <p:style>
+            <a:lnRef idx="2">
+              <a:schemeClr val="accent1">
+                <a:shade val="50000"/>
+              </a:schemeClr>
+            </a:lnRef>
+            <a:fillRef idx="1">
+              <a:schemeClr val="accent1"/>
+            </a:fillRef>
+            <a:effectRef idx="0">
+              <a:schemeClr val="accent1"/>
+            </a:effectRef>
+            <a:fontRef idx="minor">
+              <a:schemeClr val="lt1"/>
+            </a:fontRef>
+          </p:style>
+          <p:txBody>
+            <a:bodyPr rtlCol="0" anchor="ctr"/>
+            <a:lstStyle/>
+            <a:p>
+              <a:pPr algn="ctr"/>
+              <a:endParaRPr lang="en-PH"/>
+            </a:p>
+          </p:txBody>
+        </p:sp>
+        <p:sp>
+          <p:nvSpPr>
+            <p:cNvPr id="308" name="Rectangle 307"/>
+            <p:cNvSpPr/>
+            <p:nvPr/>
+          </p:nvSpPr>
+          <p:spPr>
+            <a:xfrm>
+              <a:off x="25585362" y="1009135"/>
+              <a:ext cx="324000" cy="4248000"/>
+            </a:xfrm>
+            <a:prstGeom prst="rect">
+              <a:avLst/>
+            </a:prstGeom>
+          </p:spPr>
+          <p:style>
+            <a:lnRef idx="2">
+              <a:schemeClr val="accent4">
+                <a:shade val="50000"/>
+              </a:schemeClr>
+            </a:lnRef>
+            <a:fillRef idx="1">
+              <a:schemeClr val="accent4"/>
+            </a:fillRef>
+            <a:effectRef idx="0">
+              <a:schemeClr val="accent4"/>
+            </a:effectRef>
+            <a:fontRef idx="minor">
+              <a:schemeClr val="lt1"/>
+            </a:fontRef>
+          </p:style>
+          <p:txBody>
+            <a:bodyPr rtlCol="0" anchor="ctr"/>
+            <a:lstStyle/>
+            <a:p>
+              <a:pPr algn="ctr"/>
+              <a:endParaRPr lang="en-PH"/>
+            </a:p>
+          </p:txBody>
+        </p:sp>
+      </p:grpSp>
+      <p:grpSp>
+        <p:nvGrpSpPr>
+          <p:cNvPr id="335" name="Group 334"/>
+          <p:cNvGrpSpPr/>
+          <p:nvPr/>
+        </p:nvGrpSpPr>
+        <p:grpSpPr>
+          <a:xfrm>
+            <a:off x="11197604" y="8208689"/>
+            <a:ext cx="540000" cy="4248000"/>
+            <a:chOff x="25275108" y="1009135"/>
+            <a:chExt cx="634254" cy="4248000"/>
+          </a:xfrm>
+        </p:grpSpPr>
+        <p:sp>
+          <p:nvSpPr>
+            <p:cNvPr id="336" name="Rectangle 335"/>
+            <p:cNvSpPr/>
+            <p:nvPr/>
+          </p:nvSpPr>
+          <p:spPr>
+            <a:xfrm>
+              <a:off x="25275108" y="1009135"/>
+              <a:ext cx="324000" cy="4248000"/>
+            </a:xfrm>
+            <a:prstGeom prst="rect">
+              <a:avLst/>
+            </a:prstGeom>
+          </p:spPr>
+          <p:style>
+            <a:lnRef idx="2">
+              <a:schemeClr val="accent1">
+                <a:shade val="50000"/>
+              </a:schemeClr>
+            </a:lnRef>
+            <a:fillRef idx="1">
+              <a:schemeClr val="accent1"/>
+            </a:fillRef>
+            <a:effectRef idx="0">
+              <a:schemeClr val="accent1"/>
+            </a:effectRef>
+            <a:fontRef idx="minor">
+              <a:schemeClr val="lt1"/>
+            </a:fontRef>
+          </p:style>
+          <p:txBody>
+            <a:bodyPr rtlCol="0" anchor="ctr"/>
+            <a:lstStyle/>
+            <a:p>
+              <a:pPr algn="ctr"/>
+              <a:endParaRPr lang="en-PH"/>
+            </a:p>
+          </p:txBody>
+        </p:sp>
+        <p:sp>
+          <p:nvSpPr>
+            <p:cNvPr id="337" name="Rectangle 336"/>
+            <p:cNvSpPr/>
+            <p:nvPr/>
+          </p:nvSpPr>
+          <p:spPr>
+            <a:xfrm>
+              <a:off x="25585362" y="1009135"/>
+              <a:ext cx="324000" cy="4248000"/>
+            </a:xfrm>
+            <a:prstGeom prst="rect">
+              <a:avLst/>
+            </a:prstGeom>
+          </p:spPr>
+          <p:style>
+            <a:lnRef idx="2">
+              <a:schemeClr val="accent4">
+                <a:shade val="50000"/>
+              </a:schemeClr>
+            </a:lnRef>
+            <a:fillRef idx="1">
+              <a:schemeClr val="accent4"/>
+            </a:fillRef>
+            <a:effectRef idx="0">
+              <a:schemeClr val="accent4"/>
+            </a:effectRef>
+            <a:fontRef idx="minor">
+              <a:schemeClr val="lt1"/>
+            </a:fontRef>
+          </p:style>
+          <p:txBody>
+            <a:bodyPr rtlCol="0" anchor="ctr"/>
+            <a:lstStyle/>
+            <a:p>
+              <a:pPr algn="ctr"/>
+              <a:endParaRPr lang="en-PH"/>
+            </a:p>
+          </p:txBody>
+        </p:sp>
+      </p:grpSp>
+      <p:grpSp>
+        <p:nvGrpSpPr>
+          <p:cNvPr id="338" name="Group 337"/>
+          <p:cNvGrpSpPr/>
+          <p:nvPr/>
+        </p:nvGrpSpPr>
+        <p:grpSpPr>
+          <a:xfrm>
+            <a:off x="12169652" y="8208689"/>
+            <a:ext cx="540000" cy="4248000"/>
+            <a:chOff x="25275108" y="1009135"/>
+            <a:chExt cx="634254" cy="4248000"/>
+          </a:xfrm>
+        </p:grpSpPr>
+        <p:sp>
+          <p:nvSpPr>
+            <p:cNvPr id="339" name="Rectangle 338"/>
+            <p:cNvSpPr/>
+            <p:nvPr/>
+          </p:nvSpPr>
+          <p:spPr>
+            <a:xfrm>
+              <a:off x="25275108" y="1009135"/>
+              <a:ext cx="324000" cy="4248000"/>
+            </a:xfrm>
+            <a:prstGeom prst="rect">
+              <a:avLst/>
+            </a:prstGeom>
+          </p:spPr>
+          <p:style>
+            <a:lnRef idx="2">
+              <a:schemeClr val="accent1">
+                <a:shade val="50000"/>
+              </a:schemeClr>
+            </a:lnRef>
+            <a:fillRef idx="1">
+              <a:schemeClr val="accent1"/>
+            </a:fillRef>
+            <a:effectRef idx="0">
+              <a:schemeClr val="accent1"/>
+            </a:effectRef>
+            <a:fontRef idx="minor">
+              <a:schemeClr val="lt1"/>
+            </a:fontRef>
+          </p:style>
+          <p:txBody>
+            <a:bodyPr rtlCol="0" anchor="ctr"/>
+            <a:lstStyle/>
+            <a:p>
+              <a:pPr algn="ctr"/>
+              <a:endParaRPr lang="en-PH"/>
+            </a:p>
+          </p:txBody>
+        </p:sp>
+        <p:sp>
+          <p:nvSpPr>
+            <p:cNvPr id="340" name="Rectangle 339"/>
+            <p:cNvSpPr/>
+            <p:nvPr/>
+          </p:nvSpPr>
+          <p:spPr>
+            <a:xfrm>
+              <a:off x="25585362" y="1009135"/>
+              <a:ext cx="324000" cy="4248000"/>
+            </a:xfrm>
+            <a:prstGeom prst="rect">
+              <a:avLst/>
+            </a:prstGeom>
+          </p:spPr>
+          <p:style>
+            <a:lnRef idx="2">
+              <a:schemeClr val="accent4">
+                <a:shade val="50000"/>
+              </a:schemeClr>
+            </a:lnRef>
+            <a:fillRef idx="1">
+              <a:schemeClr val="accent4"/>
+            </a:fillRef>
+            <a:effectRef idx="0">
+              <a:schemeClr val="accent4"/>
+            </a:effectRef>
+            <a:fontRef idx="minor">
+              <a:schemeClr val="lt1"/>
+            </a:fontRef>
+          </p:style>
+          <p:txBody>
+            <a:bodyPr rtlCol="0" anchor="ctr"/>
+            <a:lstStyle/>
+            <a:p>
+              <a:pPr algn="ctr"/>
+              <a:endParaRPr lang="en-PH"/>
+            </a:p>
+          </p:txBody>
+        </p:sp>
+      </p:grpSp>
+      <p:grpSp>
+        <p:nvGrpSpPr>
+          <p:cNvPr id="341" name="Group 340"/>
+          <p:cNvGrpSpPr/>
+          <p:nvPr/>
+        </p:nvGrpSpPr>
+        <p:grpSpPr>
+          <a:xfrm>
+            <a:off x="13177764" y="8209161"/>
+            <a:ext cx="540000" cy="4248000"/>
+            <a:chOff x="25275108" y="1009135"/>
+            <a:chExt cx="634254" cy="4248000"/>
+          </a:xfrm>
+        </p:grpSpPr>
+        <p:sp>
+          <p:nvSpPr>
+            <p:cNvPr id="342" name="Rectangle 341"/>
+            <p:cNvSpPr/>
+            <p:nvPr/>
+          </p:nvSpPr>
+          <p:spPr>
+            <a:xfrm>
+              <a:off x="25275108" y="1009135"/>
+              <a:ext cx="324000" cy="4248000"/>
+            </a:xfrm>
+            <a:prstGeom prst="rect">
+              <a:avLst/>
+            </a:prstGeom>
+          </p:spPr>
+          <p:style>
+            <a:lnRef idx="2">
+              <a:schemeClr val="accent1">
+                <a:shade val="50000"/>
+              </a:schemeClr>
+            </a:lnRef>
+            <a:fillRef idx="1">
+              <a:schemeClr val="accent1"/>
+            </a:fillRef>
+            <a:effectRef idx="0">
+              <a:schemeClr val="accent1"/>
+            </a:effectRef>
+            <a:fontRef idx="minor">
+              <a:schemeClr val="lt1"/>
+            </a:fontRef>
+          </p:style>
+          <p:txBody>
+            <a:bodyPr rtlCol="0" anchor="ctr"/>
+            <a:lstStyle/>
+            <a:p>
+              <a:pPr algn="ctr"/>
+              <a:endParaRPr lang="en-PH"/>
+            </a:p>
+          </p:txBody>
+        </p:sp>
+        <p:sp>
+          <p:nvSpPr>
+            <p:cNvPr id="343" name="Rectangle 342"/>
+            <p:cNvSpPr/>
+            <p:nvPr/>
+          </p:nvSpPr>
+          <p:spPr>
+            <a:xfrm>
+              <a:off x="25585362" y="1009135"/>
+              <a:ext cx="324000" cy="4248000"/>
+            </a:xfrm>
+            <a:prstGeom prst="rect">
+              <a:avLst/>
+            </a:prstGeom>
+          </p:spPr>
+          <p:style>
+            <a:lnRef idx="2">
+              <a:schemeClr val="accent4">
+                <a:shade val="50000"/>
+              </a:schemeClr>
+            </a:lnRef>
+            <a:fillRef idx="1">
+              <a:schemeClr val="accent4"/>
+            </a:fillRef>
+            <a:effectRef idx="0">
+              <a:schemeClr val="accent4"/>
+            </a:effectRef>
+            <a:fontRef idx="minor">
+              <a:schemeClr val="lt1"/>
+            </a:fontRef>
+          </p:style>
+          <p:txBody>
+            <a:bodyPr rtlCol="0" anchor="ctr"/>
+            <a:lstStyle/>
+            <a:p>
+              <a:pPr algn="ctr"/>
+              <a:endParaRPr lang="en-PH"/>
+            </a:p>
+          </p:txBody>
+        </p:sp>
+      </p:grpSp>
+      <p:grpSp>
+        <p:nvGrpSpPr>
+          <p:cNvPr id="344" name="Group 343"/>
+          <p:cNvGrpSpPr/>
+          <p:nvPr/>
+        </p:nvGrpSpPr>
+        <p:grpSpPr>
+          <a:xfrm>
+            <a:off x="14257884" y="8208689"/>
+            <a:ext cx="540000" cy="4248000"/>
+            <a:chOff x="25275108" y="1009135"/>
+            <a:chExt cx="634254" cy="4248000"/>
+          </a:xfrm>
+        </p:grpSpPr>
+        <p:sp>
+          <p:nvSpPr>
+            <p:cNvPr id="345" name="Rectangle 344"/>
+            <p:cNvSpPr/>
+            <p:nvPr/>
+          </p:nvSpPr>
+          <p:spPr>
+            <a:xfrm>
+              <a:off x="25275108" y="1009135"/>
+              <a:ext cx="324000" cy="4248000"/>
+            </a:xfrm>
+            <a:prstGeom prst="rect">
+              <a:avLst/>
+            </a:prstGeom>
+          </p:spPr>
+          <p:style>
+            <a:lnRef idx="2">
+              <a:schemeClr val="accent1">
+                <a:shade val="50000"/>
+              </a:schemeClr>
+            </a:lnRef>
+            <a:fillRef idx="1">
+              <a:schemeClr val="accent1"/>
+            </a:fillRef>
+            <a:effectRef idx="0">
+              <a:schemeClr val="accent1"/>
+            </a:effectRef>
+            <a:fontRef idx="minor">
+              <a:schemeClr val="lt1"/>
+            </a:fontRef>
+          </p:style>
+          <p:txBody>
+            <a:bodyPr rtlCol="0" anchor="ctr"/>
+            <a:lstStyle/>
+            <a:p>
+              <a:pPr algn="ctr"/>
+              <a:endParaRPr lang="en-PH"/>
+            </a:p>
+          </p:txBody>
+        </p:sp>
+        <p:sp>
+          <p:nvSpPr>
+            <p:cNvPr id="346" name="Rectangle 345"/>
+            <p:cNvSpPr/>
+            <p:nvPr/>
+          </p:nvSpPr>
+          <p:spPr>
+            <a:xfrm>
+              <a:off x="25585362" y="1009135"/>
+              <a:ext cx="324000" cy="4248000"/>
+            </a:xfrm>
+            <a:prstGeom prst="rect">
+              <a:avLst/>
+            </a:prstGeom>
+          </p:spPr>
+          <p:style>
+            <a:lnRef idx="2">
+              <a:schemeClr val="accent4">
+                <a:shade val="50000"/>
+              </a:schemeClr>
+            </a:lnRef>
+            <a:fillRef idx="1">
+              <a:schemeClr val="accent4"/>
+            </a:fillRef>
+            <a:effectRef idx="0">
+              <a:schemeClr val="accent4"/>
+            </a:effectRef>
+            <a:fontRef idx="minor">
+              <a:schemeClr val="lt1"/>
+            </a:fontRef>
+          </p:style>
+          <p:txBody>
+            <a:bodyPr rtlCol="0" anchor="ctr"/>
+            <a:lstStyle/>
+            <a:p>
+              <a:pPr algn="ctr"/>
+              <a:endParaRPr lang="en-PH"/>
+            </a:p>
+          </p:txBody>
+        </p:sp>
+      </p:grpSp>
+      <p:grpSp>
+        <p:nvGrpSpPr>
+          <p:cNvPr id="347" name="Group 346"/>
+          <p:cNvGrpSpPr/>
+          <p:nvPr/>
+        </p:nvGrpSpPr>
+        <p:grpSpPr>
+          <a:xfrm>
+            <a:off x="15265996" y="8208689"/>
+            <a:ext cx="540000" cy="4248000"/>
+            <a:chOff x="25275108" y="1009135"/>
+            <a:chExt cx="634254" cy="4248000"/>
+          </a:xfrm>
+        </p:grpSpPr>
+        <p:sp>
+          <p:nvSpPr>
+            <p:cNvPr id="348" name="Rectangle 347"/>
+            <p:cNvSpPr/>
+            <p:nvPr/>
+          </p:nvSpPr>
+          <p:spPr>
+            <a:xfrm>
+              <a:off x="25275108" y="1009135"/>
+              <a:ext cx="324000" cy="4248000"/>
+            </a:xfrm>
+            <a:prstGeom prst="rect">
+              <a:avLst/>
+            </a:prstGeom>
+          </p:spPr>
+          <p:style>
+            <a:lnRef idx="2">
+              <a:schemeClr val="accent1">
+                <a:shade val="50000"/>
+              </a:schemeClr>
+            </a:lnRef>
+            <a:fillRef idx="1">
+              <a:schemeClr val="accent1"/>
+            </a:fillRef>
+            <a:effectRef idx="0">
+              <a:schemeClr val="accent1"/>
+            </a:effectRef>
+            <a:fontRef idx="minor">
+              <a:schemeClr val="lt1"/>
+            </a:fontRef>
+          </p:style>
+          <p:txBody>
+            <a:bodyPr rtlCol="0" anchor="ctr"/>
+            <a:lstStyle/>
+            <a:p>
+              <a:pPr algn="ctr"/>
+              <a:endParaRPr lang="en-PH"/>
+            </a:p>
+          </p:txBody>
+        </p:sp>
+        <p:sp>
+          <p:nvSpPr>
+            <p:cNvPr id="349" name="Rectangle 348"/>
+            <p:cNvSpPr/>
+            <p:nvPr/>
+          </p:nvSpPr>
+          <p:spPr>
+            <a:xfrm>
+              <a:off x="25585362" y="1009135"/>
+              <a:ext cx="324000" cy="4248000"/>
+            </a:xfrm>
+            <a:prstGeom prst="rect">
+              <a:avLst/>
+            </a:prstGeom>
+          </p:spPr>
+          <p:style>
+            <a:lnRef idx="2">
+              <a:schemeClr val="accent4">
+                <a:shade val="50000"/>
+              </a:schemeClr>
+            </a:lnRef>
+            <a:fillRef idx="1">
+              <a:schemeClr val="accent4"/>
+            </a:fillRef>
+            <a:effectRef idx="0">
+              <a:schemeClr val="accent4"/>
+            </a:effectRef>
+            <a:fontRef idx="minor">
+              <a:schemeClr val="lt1"/>
+            </a:fontRef>
+          </p:style>
+          <p:txBody>
+            <a:bodyPr rtlCol="0" anchor="ctr"/>
+            <a:lstStyle/>
+            <a:p>
+              <a:pPr algn="ctr"/>
+              <a:endParaRPr lang="en-PH"/>
+            </a:p>
+          </p:txBody>
+        </p:sp>
+      </p:grpSp>
+      <p:cxnSp>
+        <p:nvCxnSpPr>
+          <p:cNvPr id="6" name="Straight Connector 5"/>
+          <p:cNvCxnSpPr/>
+          <p:nvPr/>
+        </p:nvCxnSpPr>
+        <p:spPr>
+          <a:xfrm>
+            <a:off x="17138204" y="6564995"/>
+            <a:ext cx="0" cy="6468229"/>
+          </a:xfrm>
+          <a:prstGeom prst="line">
+            <a:avLst/>
+          </a:prstGeom>
+          <a:ln w="57150"/>
+        </p:spPr>
+        <p:style>
+          <a:lnRef idx="1">
+            <a:schemeClr val="accent1"/>
+          </a:lnRef>
+          <a:fillRef idx="0">
+            <a:schemeClr val="accent1"/>
+          </a:fillRef>
+          <a:effectRef idx="0">
+            <a:schemeClr val="accent1"/>
+          </a:effectRef>
+          <a:fontRef idx="minor">
+            <a:schemeClr val="tx1"/>
+          </a:fontRef>
+        </p:style>
+      </p:cxnSp>
+      <p:cxnSp>
+        <p:nvCxnSpPr>
+          <p:cNvPr id="359" name="Straight Connector 358"/>
+          <p:cNvCxnSpPr/>
+          <p:nvPr/>
+        </p:nvCxnSpPr>
+        <p:spPr>
+          <a:xfrm>
+            <a:off x="25995188" y="6552505"/>
+            <a:ext cx="0" cy="6468229"/>
+          </a:xfrm>
+          <a:prstGeom prst="line">
+            <a:avLst/>
+          </a:prstGeom>
+          <a:ln w="57150"/>
+        </p:spPr>
+        <p:style>
+          <a:lnRef idx="1">
+            <a:schemeClr val="accent1"/>
+          </a:lnRef>
+          <a:fillRef idx="0">
+            <a:schemeClr val="accent1"/>
+          </a:fillRef>
+          <a:effectRef idx="0">
+            <a:schemeClr val="accent1"/>
+          </a:effectRef>
+          <a:fontRef idx="minor">
+            <a:schemeClr val="tx1"/>
+          </a:fontRef>
+        </p:style>
+      </p:cxnSp>
+    </p:spTree>
+    <p:extLst>
+      <p:ext uri="{BB962C8B-B14F-4D97-AF65-F5344CB8AC3E}">
+        <p14:creationId xmlns:p14="http://schemas.microsoft.com/office/powerpoint/2010/main" val="398163519"/>
+      </p:ext>
+    </p:extLst>
+  </p:cSld>
+  <p:clrMapOvr>
+    <a:masterClrMapping/>
+  </p:clrMapOvr>
+  <p:timing>
+    <p:tnLst>
+      <p:par>
+        <p:cTn id="1" dur="indefinite" restart="never" nodeType="tmRoot"/>
+      </p:par>
+    </p:tnLst>
+  </p:timing>
+</p:sld>
+</file>
+
+<file path=ppt/slides/slide4.xml><?xml version="1.0" encoding="utf-8"?>
+<p:sld xmlns:a="http://schemas.openxmlformats.org/drawingml/2006/main" xmlns:r="http://schemas.openxmlformats.org/officeDocument/2006/relationships" xmlns:p="http://schemas.openxmlformats.org/presentationml/2006/main">
+  <p:cSld>
+    <p:spTree>
+      <p:nvGrpSpPr>
+        <p:cNvPr id="1" name=""/>
+        <p:cNvGrpSpPr/>
+        <p:nvPr/>
+      </p:nvGrpSpPr>
+      <p:grpSpPr>
+        <a:xfrm>
+          <a:off x="0" y="0"/>
+          <a:ext cx="0" cy="0"/>
+          <a:chOff x="0" y="0"/>
+          <a:chExt cx="0" cy="0"/>
+        </a:xfrm>
+      </p:grpSpPr>
+      <p:sp>
+        <p:nvSpPr>
           <p:cNvPr id="94" name="Rectangle 93"/>
           <p:cNvSpPr/>
           <p:nvPr/>
@@ -19038,6 +25606,49 @@
           </a:fillRef>
           <a:effectRef idx="0">
             <a:schemeClr val="accent1"/>
+          </a:effectRef>
+          <a:fontRef idx="minor">
+            <a:schemeClr val="lt1"/>
+          </a:fontRef>
+        </p:style>
+        <p:txBody>
+          <a:bodyPr rtlCol="0" anchor="ctr"/>
+          <a:lstStyle/>
+          <a:p>
+            <a:pPr algn="ctr"/>
+            <a:endParaRPr lang="en-PH"/>
+          </a:p>
+        </p:txBody>
+      </p:sp>
+      <p:sp>
+        <p:nvSpPr>
+          <p:cNvPr id="77" name="L-Shape 76"/>
+          <p:cNvSpPr/>
+          <p:nvPr/>
+        </p:nvSpPr>
+        <p:spPr>
+          <a:xfrm rot="16200000" flipV="1">
+            <a:off x="22780694" y="6876541"/>
+            <a:ext cx="720080" cy="936104"/>
+          </a:xfrm>
+          <a:prstGeom prst="corner">
+            <a:avLst>
+              <a:gd name="adj1" fmla="val 39704"/>
+              <a:gd name="adj2" fmla="val 19111"/>
+            </a:avLst>
+          </a:prstGeom>
+        </p:spPr>
+        <p:style>
+          <a:lnRef idx="2">
+            <a:schemeClr val="accent4">
+              <a:shade val="50000"/>
+            </a:schemeClr>
+          </a:lnRef>
+          <a:fillRef idx="1">
+            <a:schemeClr val="accent4"/>
+          </a:fillRef>
+          <a:effectRef idx="0">
+            <a:schemeClr val="accent4"/>
           </a:effectRef>
           <a:fontRef idx="minor">
             <a:schemeClr val="lt1"/>

--- a/MP1/SVG maps/library.pptx
+++ b/MP1/SVG maps/library.pptx
@@ -662,6 +662,90 @@
 </file>
 
 <file path=ppt/notesSlides/notesSlide1.xml><?xml version="1.0" encoding="utf-8"?>
+<p:notes xmlns:a="http://schemas.openxmlformats.org/drawingml/2006/main" xmlns:r="http://schemas.openxmlformats.org/officeDocument/2006/relationships" xmlns:p="http://schemas.openxmlformats.org/presentationml/2006/main">
+  <p:cSld>
+    <p:spTree>
+      <p:nvGrpSpPr>
+        <p:cNvPr id="1" name=""/>
+        <p:cNvGrpSpPr/>
+        <p:nvPr/>
+      </p:nvGrpSpPr>
+      <p:grpSpPr>
+        <a:xfrm>
+          <a:off x="0" y="0"/>
+          <a:ext cx="0" cy="0"/>
+          <a:chOff x="0" y="0"/>
+          <a:chExt cx="0" cy="0"/>
+        </a:xfrm>
+      </p:grpSpPr>
+      <p:sp>
+        <p:nvSpPr>
+          <p:cNvPr id="2" name="Slide Image Placeholder 1"/>
+          <p:cNvSpPr>
+            <a:spLocks noGrp="1" noRot="1" noChangeAspect="1"/>
+          </p:cNvSpPr>
+          <p:nvPr>
+            <p:ph type="sldImg"/>
+          </p:nvPr>
+        </p:nvSpPr>
+        <p:spPr/>
+      </p:sp>
+      <p:sp>
+        <p:nvSpPr>
+          <p:cNvPr id="3" name="Notes Placeholder 2"/>
+          <p:cNvSpPr>
+            <a:spLocks noGrp="1"/>
+          </p:cNvSpPr>
+          <p:nvPr>
+            <p:ph type="body" idx="1"/>
+          </p:nvPr>
+        </p:nvSpPr>
+        <p:spPr/>
+        <p:txBody>
+          <a:bodyPr/>
+          <a:lstStyle/>
+          <a:p>
+            <a:endParaRPr lang="en-US" dirty="0"/>
+          </a:p>
+        </p:txBody>
+      </p:sp>
+      <p:sp>
+        <p:nvSpPr>
+          <p:cNvPr id="4" name="Slide Number Placeholder 3"/>
+          <p:cNvSpPr>
+            <a:spLocks noGrp="1"/>
+          </p:cNvSpPr>
+          <p:nvPr>
+            <p:ph type="sldNum" sz="quarter" idx="10"/>
+          </p:nvPr>
+        </p:nvSpPr>
+        <p:spPr/>
+        <p:txBody>
+          <a:bodyPr/>
+          <a:lstStyle/>
+          <a:p>
+            <a:fld id="{223FB6ED-9980-4739-97C6-112DBF3635CE}" type="slidenum">
+              <a:rPr lang="en-US" smtClean="0"/>
+              <a:t>2</a:t>
+            </a:fld>
+            <a:endParaRPr lang="en-US"/>
+          </a:p>
+        </p:txBody>
+      </p:sp>
+    </p:spTree>
+    <p:extLst>
+      <p:ext uri="{BB962C8B-B14F-4D97-AF65-F5344CB8AC3E}">
+        <p14:creationId xmlns:p14="http://schemas.microsoft.com/office/powerpoint/2010/main" val="56720715"/>
+      </p:ext>
+    </p:extLst>
+  </p:cSld>
+  <p:clrMapOvr>
+    <a:masterClrMapping/>
+  </p:clrMapOvr>
+</p:notes>
+</file>
+
+<file path=ppt/notesSlides/notesSlide2.xml><?xml version="1.0" encoding="utf-8"?>
 <p:notes xmlns:a="http://schemas.openxmlformats.org/drawingml/2006/main" xmlns:r="http://schemas.openxmlformats.org/officeDocument/2006/relationships" xmlns:p="http://schemas.openxmlformats.org/presentationml/2006/main">
   <p:cSld>
     <p:spTree>
@@ -11321,10 +11405,7 @@
             <a:avLst/>
           </a:prstGeom>
           <a:solidFill>
-            <a:schemeClr val="accent4">
-              <a:lumMod val="20000"/>
-              <a:lumOff val="80000"/>
-            </a:schemeClr>
+            <a:srgbClr val="DBEEF4"/>
           </a:solidFill>
         </p:spPr>
         <p:style>
@@ -12400,178 +12481,6 @@
           </a:p>
         </p:txBody>
       </p:sp>
-      <p:sp>
-        <p:nvSpPr>
-          <p:cNvPr id="64" name="L-Shape 63"/>
-          <p:cNvSpPr/>
-          <p:nvPr/>
-        </p:nvSpPr>
-        <p:spPr>
-          <a:xfrm rot="5400000">
-            <a:off x="1404456" y="5545639"/>
-            <a:ext cx="864096" cy="720080"/>
-          </a:xfrm>
-          <a:prstGeom prst="corner">
-            <a:avLst>
-              <a:gd name="adj1" fmla="val 39704"/>
-              <a:gd name="adj2" fmla="val 19111"/>
-            </a:avLst>
-          </a:prstGeom>
-        </p:spPr>
-        <p:style>
-          <a:lnRef idx="2">
-            <a:schemeClr val="accent4">
-              <a:shade val="50000"/>
-            </a:schemeClr>
-          </a:lnRef>
-          <a:fillRef idx="1">
-            <a:schemeClr val="accent4"/>
-          </a:fillRef>
-          <a:effectRef idx="0">
-            <a:schemeClr val="accent4"/>
-          </a:effectRef>
-          <a:fontRef idx="minor">
-            <a:schemeClr val="lt1"/>
-          </a:fontRef>
-        </p:style>
-        <p:txBody>
-          <a:bodyPr rtlCol="0" anchor="ctr"/>
-          <a:lstStyle/>
-          <a:p>
-            <a:pPr algn="ctr"/>
-            <a:endParaRPr lang="en-PH"/>
-          </a:p>
-        </p:txBody>
-      </p:sp>
-      <p:sp>
-        <p:nvSpPr>
-          <p:cNvPr id="65" name="L-Shape 64"/>
-          <p:cNvSpPr/>
-          <p:nvPr/>
-        </p:nvSpPr>
-        <p:spPr>
-          <a:xfrm>
-            <a:off x="3168652" y="5670498"/>
-            <a:ext cx="864096" cy="720080"/>
-          </a:xfrm>
-          <a:prstGeom prst="corner">
-            <a:avLst>
-              <a:gd name="adj1" fmla="val 39704"/>
-              <a:gd name="adj2" fmla="val 19111"/>
-            </a:avLst>
-          </a:prstGeom>
-        </p:spPr>
-        <p:style>
-          <a:lnRef idx="2">
-            <a:schemeClr val="accent4">
-              <a:shade val="50000"/>
-            </a:schemeClr>
-          </a:lnRef>
-          <a:fillRef idx="1">
-            <a:schemeClr val="accent4"/>
-          </a:fillRef>
-          <a:effectRef idx="0">
-            <a:schemeClr val="accent4"/>
-          </a:effectRef>
-          <a:fontRef idx="minor">
-            <a:schemeClr val="lt1"/>
-          </a:fontRef>
-        </p:style>
-        <p:txBody>
-          <a:bodyPr rtlCol="0" anchor="ctr"/>
-          <a:lstStyle/>
-          <a:p>
-            <a:pPr algn="ctr"/>
-            <a:endParaRPr lang="en-PH"/>
-          </a:p>
-        </p:txBody>
-      </p:sp>
-      <p:sp>
-        <p:nvSpPr>
-          <p:cNvPr id="67" name="L-Shape 66"/>
-          <p:cNvSpPr/>
-          <p:nvPr/>
-        </p:nvSpPr>
-        <p:spPr>
-          <a:xfrm flipH="1">
-            <a:off x="38596588" y="5655561"/>
-            <a:ext cx="864096" cy="720080"/>
-          </a:xfrm>
-          <a:prstGeom prst="corner">
-            <a:avLst>
-              <a:gd name="adj1" fmla="val 39704"/>
-              <a:gd name="adj2" fmla="val 19111"/>
-            </a:avLst>
-          </a:prstGeom>
-        </p:spPr>
-        <p:style>
-          <a:lnRef idx="2">
-            <a:schemeClr val="accent4">
-              <a:shade val="50000"/>
-            </a:schemeClr>
-          </a:lnRef>
-          <a:fillRef idx="1">
-            <a:schemeClr val="accent4"/>
-          </a:fillRef>
-          <a:effectRef idx="0">
-            <a:schemeClr val="accent4"/>
-          </a:effectRef>
-          <a:fontRef idx="minor">
-            <a:schemeClr val="lt1"/>
-          </a:fontRef>
-        </p:style>
-        <p:txBody>
-          <a:bodyPr rtlCol="0" anchor="ctr"/>
-          <a:lstStyle/>
-          <a:p>
-            <a:pPr algn="ctr"/>
-            <a:endParaRPr lang="en-PH"/>
-          </a:p>
-        </p:txBody>
-      </p:sp>
-      <p:sp>
-        <p:nvSpPr>
-          <p:cNvPr id="68" name="L-Shape 67"/>
-          <p:cNvSpPr/>
-          <p:nvPr/>
-        </p:nvSpPr>
-        <p:spPr>
-          <a:xfrm flipH="1">
-            <a:off x="41260884" y="5681566"/>
-            <a:ext cx="864096" cy="720080"/>
-          </a:xfrm>
-          <a:prstGeom prst="corner">
-            <a:avLst>
-              <a:gd name="adj1" fmla="val 39704"/>
-              <a:gd name="adj2" fmla="val 19111"/>
-            </a:avLst>
-          </a:prstGeom>
-        </p:spPr>
-        <p:style>
-          <a:lnRef idx="2">
-            <a:schemeClr val="accent4">
-              <a:shade val="50000"/>
-            </a:schemeClr>
-          </a:lnRef>
-          <a:fillRef idx="1">
-            <a:schemeClr val="accent4"/>
-          </a:fillRef>
-          <a:effectRef idx="0">
-            <a:schemeClr val="accent4"/>
-          </a:effectRef>
-          <a:fontRef idx="minor">
-            <a:schemeClr val="lt1"/>
-          </a:fontRef>
-        </p:style>
-        <p:txBody>
-          <a:bodyPr rtlCol="0" anchor="ctr"/>
-          <a:lstStyle/>
-          <a:p>
-            <a:pPr algn="ctr"/>
-            <a:endParaRPr lang="en-PH"/>
-          </a:p>
-        </p:txBody>
-      </p:sp>
       <p:cxnSp>
         <p:nvCxnSpPr>
           <p:cNvPr id="69" name="Straight Connector 68"/>
@@ -12716,49 +12625,6 @@
           </a:fillRef>
           <a:effectRef idx="0">
             <a:schemeClr val="accent1"/>
-          </a:effectRef>
-          <a:fontRef idx="minor">
-            <a:schemeClr val="lt1"/>
-          </a:fontRef>
-        </p:style>
-        <p:txBody>
-          <a:bodyPr rtlCol="0" anchor="ctr"/>
-          <a:lstStyle/>
-          <a:p>
-            <a:pPr algn="ctr"/>
-            <a:endParaRPr lang="en-PH"/>
-          </a:p>
-        </p:txBody>
-      </p:sp>
-      <p:sp>
-        <p:nvSpPr>
-          <p:cNvPr id="78" name="L-Shape 77"/>
-          <p:cNvSpPr/>
-          <p:nvPr/>
-        </p:nvSpPr>
-        <p:spPr>
-          <a:xfrm rot="5400000" flipH="1">
-            <a:off x="20882620" y="10296921"/>
-            <a:ext cx="864096" cy="720080"/>
-          </a:xfrm>
-          <a:prstGeom prst="corner">
-            <a:avLst>
-              <a:gd name="adj1" fmla="val 39704"/>
-              <a:gd name="adj2" fmla="val 19111"/>
-            </a:avLst>
-          </a:prstGeom>
-        </p:spPr>
-        <p:style>
-          <a:lnRef idx="2">
-            <a:schemeClr val="accent4">
-              <a:shade val="50000"/>
-            </a:schemeClr>
-          </a:lnRef>
-          <a:fillRef idx="1">
-            <a:schemeClr val="accent4"/>
-          </a:fillRef>
-          <a:effectRef idx="0">
-            <a:schemeClr val="accent4"/>
           </a:effectRef>
           <a:fontRef idx="minor">
             <a:schemeClr val="lt1"/>
@@ -16900,92 +16766,216 @@
           </a:p>
         </p:txBody>
       </p:sp>
-      <p:sp>
-        <p:nvSpPr>
-          <p:cNvPr id="282" name="L-Shape 281"/>
-          <p:cNvSpPr/>
+      <p:pic>
+        <p:nvPicPr>
+          <p:cNvPr id="8" name="Picture 7"/>
+          <p:cNvPicPr>
+            <a:picLocks noChangeAspect="1"/>
+          </p:cNvPicPr>
           <p:nvPr/>
-        </p:nvSpPr>
+        </p:nvPicPr>
+        <p:blipFill>
+          <a:blip r:embed="rId3">
+            <a:extLst>
+              <a:ext uri="{28A0092B-C50C-407E-A947-70E740481C1C}">
+                <a14:useLocalDpi xmlns:a14="http://schemas.microsoft.com/office/drawing/2010/main" val="0"/>
+              </a:ext>
+            </a:extLst>
+          </a:blip>
+          <a:stretch>
+            <a:fillRect/>
+          </a:stretch>
+        </p:blipFill>
         <p:spPr>
-          <a:xfrm rot="5400000">
-            <a:off x="18715471" y="1550164"/>
-            <a:ext cx="720080" cy="936104"/>
+          <a:xfrm flipV="1">
+            <a:off x="18850899" y="1654715"/>
+            <a:ext cx="548688" cy="542591"/>
           </a:xfrm>
-          <a:prstGeom prst="corner">
-            <a:avLst>
-              <a:gd name="adj1" fmla="val 39704"/>
-              <a:gd name="adj2" fmla="val 19111"/>
-            </a:avLst>
+          <a:prstGeom prst="rect">
+            <a:avLst/>
           </a:prstGeom>
         </p:spPr>
-        <p:style>
-          <a:lnRef idx="2">
-            <a:schemeClr val="accent4">
-              <a:shade val="50000"/>
-            </a:schemeClr>
-          </a:lnRef>
-          <a:fillRef idx="1">
-            <a:schemeClr val="accent4"/>
-          </a:fillRef>
-          <a:effectRef idx="0">
-            <a:schemeClr val="accent4"/>
-          </a:effectRef>
-          <a:fontRef idx="minor">
-            <a:schemeClr val="lt1"/>
-          </a:fontRef>
-        </p:style>
-        <p:txBody>
-          <a:bodyPr rtlCol="0" anchor="ctr"/>
-          <a:lstStyle/>
-          <a:p>
-            <a:pPr algn="ctr"/>
-            <a:endParaRPr lang="en-PH"/>
-          </a:p>
-        </p:txBody>
-      </p:sp>
-      <p:sp>
-        <p:nvSpPr>
-          <p:cNvPr id="283" name="L-Shape 282"/>
-          <p:cNvSpPr/>
+      </p:pic>
+      <p:pic>
+        <p:nvPicPr>
+          <p:cNvPr id="291" name="Picture 290"/>
+          <p:cNvPicPr>
+            <a:picLocks noChangeAspect="1"/>
+          </p:cNvPicPr>
           <p:nvPr/>
-        </p:nvSpPr>
+        </p:nvPicPr>
+        <p:blipFill>
+          <a:blip r:embed="rId3">
+            <a:extLst>
+              <a:ext uri="{28A0092B-C50C-407E-A947-70E740481C1C}">
+                <a14:useLocalDpi xmlns:a14="http://schemas.microsoft.com/office/drawing/2010/main" val="0"/>
+              </a:ext>
+            </a:extLst>
+          </a:blip>
+          <a:stretch>
+            <a:fillRect/>
+          </a:stretch>
+        </p:blipFill>
         <p:spPr>
-          <a:xfrm rot="16200000" flipV="1">
-            <a:off x="23396251" y="786629"/>
-            <a:ext cx="720080" cy="936104"/>
+          <a:xfrm>
+            <a:off x="23502284" y="1080552"/>
+            <a:ext cx="548688" cy="542591"/>
           </a:xfrm>
-          <a:prstGeom prst="corner">
-            <a:avLst>
-              <a:gd name="adj1" fmla="val 39704"/>
-              <a:gd name="adj2" fmla="val 19111"/>
-            </a:avLst>
+          <a:prstGeom prst="rect">
+            <a:avLst/>
           </a:prstGeom>
         </p:spPr>
-        <p:style>
-          <a:lnRef idx="2">
-            <a:schemeClr val="accent4">
-              <a:shade val="50000"/>
-            </a:schemeClr>
-          </a:lnRef>
-          <a:fillRef idx="1">
-            <a:schemeClr val="accent4"/>
-          </a:fillRef>
-          <a:effectRef idx="0">
-            <a:schemeClr val="accent4"/>
-          </a:effectRef>
-          <a:fontRef idx="minor">
-            <a:schemeClr val="lt1"/>
-          </a:fontRef>
-        </p:style>
-        <p:txBody>
-          <a:bodyPr rtlCol="0" anchor="ctr"/>
-          <a:lstStyle/>
-          <a:p>
-            <a:pPr algn="ctr"/>
-            <a:endParaRPr lang="en-PH"/>
-          </a:p>
-        </p:txBody>
-      </p:sp>
+      </p:pic>
+      <p:pic>
+        <p:nvPicPr>
+          <p:cNvPr id="292" name="Picture 291"/>
+          <p:cNvPicPr>
+            <a:picLocks noChangeAspect="1"/>
+          </p:cNvPicPr>
+          <p:nvPr/>
+        </p:nvPicPr>
+        <p:blipFill>
+          <a:blip r:embed="rId3">
+            <a:extLst>
+              <a:ext uri="{28A0092B-C50C-407E-A947-70E740481C1C}">
+                <a14:useLocalDpi xmlns:a14="http://schemas.microsoft.com/office/drawing/2010/main" val="0"/>
+              </a:ext>
+            </a:extLst>
+          </a:blip>
+          <a:stretch>
+            <a:fillRect/>
+          </a:stretch>
+        </p:blipFill>
+        <p:spPr>
+          <a:xfrm flipV="1">
+            <a:off x="3200867" y="5792462"/>
+            <a:ext cx="548688" cy="542591"/>
+          </a:xfrm>
+          <a:prstGeom prst="rect">
+            <a:avLst/>
+          </a:prstGeom>
+        </p:spPr>
+      </p:pic>
+      <p:pic>
+        <p:nvPicPr>
+          <p:cNvPr id="293" name="Picture 292"/>
+          <p:cNvPicPr>
+            <a:picLocks noChangeAspect="1"/>
+          </p:cNvPicPr>
+          <p:nvPr/>
+        </p:nvPicPr>
+        <p:blipFill>
+          <a:blip r:embed="rId3">
+            <a:extLst>
+              <a:ext uri="{28A0092B-C50C-407E-A947-70E740481C1C}">
+                <a14:useLocalDpi xmlns:a14="http://schemas.microsoft.com/office/drawing/2010/main" val="0"/>
+              </a:ext>
+            </a:extLst>
+          </a:blip>
+          <a:stretch>
+            <a:fillRect/>
+          </a:stretch>
+        </p:blipFill>
+        <p:spPr>
+          <a:xfrm rot="16200000">
+            <a:off x="38888569" y="5646825"/>
+            <a:ext cx="548688" cy="542591"/>
+          </a:xfrm>
+          <a:prstGeom prst="rect">
+            <a:avLst/>
+          </a:prstGeom>
+        </p:spPr>
+      </p:pic>
+      <p:pic>
+        <p:nvPicPr>
+          <p:cNvPr id="295" name="Picture 294"/>
+          <p:cNvPicPr>
+            <a:picLocks noChangeAspect="1"/>
+          </p:cNvPicPr>
+          <p:nvPr/>
+        </p:nvPicPr>
+        <p:blipFill>
+          <a:blip r:embed="rId3">
+            <a:extLst>
+              <a:ext uri="{28A0092B-C50C-407E-A947-70E740481C1C}">
+                <a14:useLocalDpi xmlns:a14="http://schemas.microsoft.com/office/drawing/2010/main" val="0"/>
+              </a:ext>
+            </a:extLst>
+          </a:blip>
+          <a:stretch>
+            <a:fillRect/>
+          </a:stretch>
+        </p:blipFill>
+        <p:spPr>
+          <a:xfrm flipV="1">
+            <a:off x="1554682" y="5496383"/>
+            <a:ext cx="548688" cy="542591"/>
+          </a:xfrm>
+          <a:prstGeom prst="rect">
+            <a:avLst/>
+          </a:prstGeom>
+        </p:spPr>
+      </p:pic>
+      <p:pic>
+        <p:nvPicPr>
+          <p:cNvPr id="297" name="Picture 296"/>
+          <p:cNvPicPr>
+            <a:picLocks noChangeAspect="1"/>
+          </p:cNvPicPr>
+          <p:nvPr/>
+        </p:nvPicPr>
+        <p:blipFill>
+          <a:blip r:embed="rId3">
+            <a:extLst>
+              <a:ext uri="{28A0092B-C50C-407E-A947-70E740481C1C}">
+                <a14:useLocalDpi xmlns:a14="http://schemas.microsoft.com/office/drawing/2010/main" val="0"/>
+              </a:ext>
+            </a:extLst>
+          </a:blip>
+          <a:stretch>
+            <a:fillRect/>
+          </a:stretch>
+        </p:blipFill>
+        <p:spPr>
+          <a:xfrm>
+            <a:off x="21024351" y="10546416"/>
+            <a:ext cx="548688" cy="542591"/>
+          </a:xfrm>
+          <a:prstGeom prst="rect">
+            <a:avLst/>
+          </a:prstGeom>
+        </p:spPr>
+      </p:pic>
+      <p:pic>
+        <p:nvPicPr>
+          <p:cNvPr id="299" name="Picture 298"/>
+          <p:cNvPicPr>
+            <a:picLocks noChangeAspect="1"/>
+          </p:cNvPicPr>
+          <p:nvPr/>
+        </p:nvPicPr>
+        <p:blipFill>
+          <a:blip r:embed="rId3">
+            <a:extLst>
+              <a:ext uri="{28A0092B-C50C-407E-A947-70E740481C1C}">
+                <a14:useLocalDpi xmlns:a14="http://schemas.microsoft.com/office/drawing/2010/main" val="0"/>
+              </a:ext>
+            </a:extLst>
+          </a:blip>
+          <a:stretch>
+            <a:fillRect/>
+          </a:stretch>
+        </p:blipFill>
+        <p:spPr>
+          <a:xfrm rot="16200000">
+            <a:off x="41545868" y="5734936"/>
+            <a:ext cx="548688" cy="542591"/>
+          </a:xfrm>
+          <a:prstGeom prst="rect">
+            <a:avLst/>
+          </a:prstGeom>
+        </p:spPr>
+      </p:pic>
     </p:spTree>
     <p:extLst>
       <p:ext uri="{BB962C8B-B14F-4D97-AF65-F5344CB8AC3E}">
@@ -17131,10 +17121,7 @@
             <a:avLst/>
           </a:prstGeom>
           <a:solidFill>
-            <a:schemeClr val="accent5">
-              <a:lumMod val="20000"/>
-              <a:lumOff val="80000"/>
-            </a:schemeClr>
+            <a:srgbClr val="DBEEF4"/>
           </a:solidFill>
         </p:spPr>
         <p:style>
@@ -18015,92 +18002,6 @@
           </a:fontRef>
         </p:style>
       </p:cxnSp>
-      <p:sp>
-        <p:nvSpPr>
-          <p:cNvPr id="52" name="L-Shape 51"/>
-          <p:cNvSpPr/>
-          <p:nvPr/>
-        </p:nvSpPr>
-        <p:spPr>
-          <a:xfrm rot="5400000">
-            <a:off x="18362340" y="1655961"/>
-            <a:ext cx="864096" cy="720080"/>
-          </a:xfrm>
-          <a:prstGeom prst="corner">
-            <a:avLst>
-              <a:gd name="adj1" fmla="val 39704"/>
-              <a:gd name="adj2" fmla="val 19111"/>
-            </a:avLst>
-          </a:prstGeom>
-        </p:spPr>
-        <p:style>
-          <a:lnRef idx="2">
-            <a:schemeClr val="accent4">
-              <a:shade val="50000"/>
-            </a:schemeClr>
-          </a:lnRef>
-          <a:fillRef idx="1">
-            <a:schemeClr val="accent4"/>
-          </a:fillRef>
-          <a:effectRef idx="0">
-            <a:schemeClr val="accent4"/>
-          </a:effectRef>
-          <a:fontRef idx="minor">
-            <a:schemeClr val="lt1"/>
-          </a:fontRef>
-        </p:style>
-        <p:txBody>
-          <a:bodyPr rtlCol="0" anchor="ctr"/>
-          <a:lstStyle/>
-          <a:p>
-            <a:pPr algn="ctr"/>
-            <a:endParaRPr lang="en-PH"/>
-          </a:p>
-        </p:txBody>
-      </p:sp>
-      <p:sp>
-        <p:nvSpPr>
-          <p:cNvPr id="54" name="L-Shape 53"/>
-          <p:cNvSpPr/>
-          <p:nvPr/>
-        </p:nvSpPr>
-        <p:spPr>
-          <a:xfrm rot="16200000" flipH="1">
-            <a:off x="23618924" y="1686729"/>
-            <a:ext cx="864096" cy="720080"/>
-          </a:xfrm>
-          <a:prstGeom prst="corner">
-            <a:avLst>
-              <a:gd name="adj1" fmla="val 39704"/>
-              <a:gd name="adj2" fmla="val 19111"/>
-            </a:avLst>
-          </a:prstGeom>
-        </p:spPr>
-        <p:style>
-          <a:lnRef idx="2">
-            <a:schemeClr val="accent4">
-              <a:shade val="50000"/>
-            </a:schemeClr>
-          </a:lnRef>
-          <a:fillRef idx="1">
-            <a:schemeClr val="accent4"/>
-          </a:fillRef>
-          <a:effectRef idx="0">
-            <a:schemeClr val="accent4"/>
-          </a:effectRef>
-          <a:fontRef idx="minor">
-            <a:schemeClr val="lt1"/>
-          </a:fontRef>
-        </p:style>
-        <p:txBody>
-          <a:bodyPr rtlCol="0" anchor="ctr"/>
-          <a:lstStyle/>
-          <a:p>
-            <a:pPr algn="ctr"/>
-            <a:endParaRPr lang="en-PH"/>
-          </a:p>
-        </p:txBody>
-      </p:sp>
       <p:cxnSp>
         <p:nvCxnSpPr>
           <p:cNvPr id="55" name="Straight Connector 54"/>
@@ -18296,178 +18197,6 @@
           </a:p>
         </p:txBody>
       </p:sp>
-      <p:sp>
-        <p:nvSpPr>
-          <p:cNvPr id="64" name="L-Shape 63"/>
-          <p:cNvSpPr/>
-          <p:nvPr/>
-        </p:nvSpPr>
-        <p:spPr>
-          <a:xfrm rot="5400000">
-            <a:off x="1404456" y="5545639"/>
-            <a:ext cx="864096" cy="720080"/>
-          </a:xfrm>
-          <a:prstGeom prst="corner">
-            <a:avLst>
-              <a:gd name="adj1" fmla="val 39704"/>
-              <a:gd name="adj2" fmla="val 19111"/>
-            </a:avLst>
-          </a:prstGeom>
-        </p:spPr>
-        <p:style>
-          <a:lnRef idx="2">
-            <a:schemeClr val="accent4">
-              <a:shade val="50000"/>
-            </a:schemeClr>
-          </a:lnRef>
-          <a:fillRef idx="1">
-            <a:schemeClr val="accent4"/>
-          </a:fillRef>
-          <a:effectRef idx="0">
-            <a:schemeClr val="accent4"/>
-          </a:effectRef>
-          <a:fontRef idx="minor">
-            <a:schemeClr val="lt1"/>
-          </a:fontRef>
-        </p:style>
-        <p:txBody>
-          <a:bodyPr rtlCol="0" anchor="ctr"/>
-          <a:lstStyle/>
-          <a:p>
-            <a:pPr algn="ctr"/>
-            <a:endParaRPr lang="en-PH"/>
-          </a:p>
-        </p:txBody>
-      </p:sp>
-      <p:sp>
-        <p:nvSpPr>
-          <p:cNvPr id="65" name="L-Shape 64"/>
-          <p:cNvSpPr/>
-          <p:nvPr/>
-        </p:nvSpPr>
-        <p:spPr>
-          <a:xfrm>
-            <a:off x="3168652" y="5670498"/>
-            <a:ext cx="864096" cy="720080"/>
-          </a:xfrm>
-          <a:prstGeom prst="corner">
-            <a:avLst>
-              <a:gd name="adj1" fmla="val 39704"/>
-              <a:gd name="adj2" fmla="val 19111"/>
-            </a:avLst>
-          </a:prstGeom>
-        </p:spPr>
-        <p:style>
-          <a:lnRef idx="2">
-            <a:schemeClr val="accent4">
-              <a:shade val="50000"/>
-            </a:schemeClr>
-          </a:lnRef>
-          <a:fillRef idx="1">
-            <a:schemeClr val="accent4"/>
-          </a:fillRef>
-          <a:effectRef idx="0">
-            <a:schemeClr val="accent4"/>
-          </a:effectRef>
-          <a:fontRef idx="minor">
-            <a:schemeClr val="lt1"/>
-          </a:fontRef>
-        </p:style>
-        <p:txBody>
-          <a:bodyPr rtlCol="0" anchor="ctr"/>
-          <a:lstStyle/>
-          <a:p>
-            <a:pPr algn="ctr"/>
-            <a:endParaRPr lang="en-PH"/>
-          </a:p>
-        </p:txBody>
-      </p:sp>
-      <p:sp>
-        <p:nvSpPr>
-          <p:cNvPr id="67" name="L-Shape 66"/>
-          <p:cNvSpPr/>
-          <p:nvPr/>
-        </p:nvSpPr>
-        <p:spPr>
-          <a:xfrm flipH="1">
-            <a:off x="38596588" y="5655561"/>
-            <a:ext cx="864096" cy="720080"/>
-          </a:xfrm>
-          <a:prstGeom prst="corner">
-            <a:avLst>
-              <a:gd name="adj1" fmla="val 39704"/>
-              <a:gd name="adj2" fmla="val 19111"/>
-            </a:avLst>
-          </a:prstGeom>
-        </p:spPr>
-        <p:style>
-          <a:lnRef idx="2">
-            <a:schemeClr val="accent4">
-              <a:shade val="50000"/>
-            </a:schemeClr>
-          </a:lnRef>
-          <a:fillRef idx="1">
-            <a:schemeClr val="accent4"/>
-          </a:fillRef>
-          <a:effectRef idx="0">
-            <a:schemeClr val="accent4"/>
-          </a:effectRef>
-          <a:fontRef idx="minor">
-            <a:schemeClr val="lt1"/>
-          </a:fontRef>
-        </p:style>
-        <p:txBody>
-          <a:bodyPr rtlCol="0" anchor="ctr"/>
-          <a:lstStyle/>
-          <a:p>
-            <a:pPr algn="ctr"/>
-            <a:endParaRPr lang="en-PH"/>
-          </a:p>
-        </p:txBody>
-      </p:sp>
-      <p:sp>
-        <p:nvSpPr>
-          <p:cNvPr id="68" name="L-Shape 67"/>
-          <p:cNvSpPr/>
-          <p:nvPr/>
-        </p:nvSpPr>
-        <p:spPr>
-          <a:xfrm flipH="1">
-            <a:off x="41260884" y="5681566"/>
-            <a:ext cx="864096" cy="720080"/>
-          </a:xfrm>
-          <a:prstGeom prst="corner">
-            <a:avLst>
-              <a:gd name="adj1" fmla="val 39704"/>
-              <a:gd name="adj2" fmla="val 19111"/>
-            </a:avLst>
-          </a:prstGeom>
-        </p:spPr>
-        <p:style>
-          <a:lnRef idx="2">
-            <a:schemeClr val="accent4">
-              <a:shade val="50000"/>
-            </a:schemeClr>
-          </a:lnRef>
-          <a:fillRef idx="1">
-            <a:schemeClr val="accent4"/>
-          </a:fillRef>
-          <a:effectRef idx="0">
-            <a:schemeClr val="accent4"/>
-          </a:effectRef>
-          <a:fontRef idx="minor">
-            <a:schemeClr val="lt1"/>
-          </a:fontRef>
-        </p:style>
-        <p:txBody>
-          <a:bodyPr rtlCol="0" anchor="ctr"/>
-          <a:lstStyle/>
-          <a:p>
-            <a:pPr algn="ctr"/>
-            <a:endParaRPr lang="en-PH"/>
-          </a:p>
-        </p:txBody>
-      </p:sp>
       <p:cxnSp>
         <p:nvCxnSpPr>
           <p:cNvPr id="69" name="Straight Connector 68"/>
@@ -18612,49 +18341,6 @@
           </a:fillRef>
           <a:effectRef idx="0">
             <a:schemeClr val="accent1"/>
-          </a:effectRef>
-          <a:fontRef idx="minor">
-            <a:schemeClr val="lt1"/>
-          </a:fontRef>
-        </p:style>
-        <p:txBody>
-          <a:bodyPr rtlCol="0" anchor="ctr"/>
-          <a:lstStyle/>
-          <a:p>
-            <a:pPr algn="ctr"/>
-            <a:endParaRPr lang="en-PH"/>
-          </a:p>
-        </p:txBody>
-      </p:sp>
-      <p:sp>
-        <p:nvSpPr>
-          <p:cNvPr id="78" name="L-Shape 77"/>
-          <p:cNvSpPr/>
-          <p:nvPr/>
-        </p:nvSpPr>
-        <p:spPr>
-          <a:xfrm rot="5400000" flipH="1">
-            <a:off x="20882620" y="10296921"/>
-            <a:ext cx="864096" cy="720080"/>
-          </a:xfrm>
-          <a:prstGeom prst="corner">
-            <a:avLst>
-              <a:gd name="adj1" fmla="val 39704"/>
-              <a:gd name="adj2" fmla="val 19111"/>
-            </a:avLst>
-          </a:prstGeom>
-        </p:spPr>
-        <p:style>
-          <a:lnRef idx="2">
-            <a:schemeClr val="accent4">
-              <a:shade val="50000"/>
-            </a:schemeClr>
-          </a:lnRef>
-          <a:fillRef idx="1">
-            <a:schemeClr val="accent4"/>
-          </a:fillRef>
-          <a:effectRef idx="0">
-            <a:schemeClr val="accent4"/>
           </a:effectRef>
           <a:fontRef idx="minor">
             <a:schemeClr val="lt1"/>
@@ -23553,6 +23239,216 @@
           </a:fontRef>
         </p:style>
       </p:cxnSp>
+      <p:pic>
+        <p:nvPicPr>
+          <p:cNvPr id="216" name="Picture 215"/>
+          <p:cNvPicPr>
+            <a:picLocks noChangeAspect="1"/>
+          </p:cNvPicPr>
+          <p:nvPr/>
+        </p:nvPicPr>
+        <p:blipFill>
+          <a:blip r:embed="rId2">
+            <a:extLst>
+              <a:ext uri="{28A0092B-C50C-407E-A947-70E740481C1C}">
+                <a14:useLocalDpi xmlns:a14="http://schemas.microsoft.com/office/drawing/2010/main" val="0"/>
+              </a:ext>
+            </a:extLst>
+          </a:blip>
+          <a:stretch>
+            <a:fillRect/>
+          </a:stretch>
+        </p:blipFill>
+        <p:spPr>
+          <a:xfrm flipV="1">
+            <a:off x="18850899" y="1654715"/>
+            <a:ext cx="548688" cy="542591"/>
+          </a:xfrm>
+          <a:prstGeom prst="rect">
+            <a:avLst/>
+          </a:prstGeom>
+        </p:spPr>
+      </p:pic>
+      <p:pic>
+        <p:nvPicPr>
+          <p:cNvPr id="253" name="Picture 252"/>
+          <p:cNvPicPr>
+            <a:picLocks noChangeAspect="1"/>
+          </p:cNvPicPr>
+          <p:nvPr/>
+        </p:nvPicPr>
+        <p:blipFill>
+          <a:blip r:embed="rId2">
+            <a:extLst>
+              <a:ext uri="{28A0092B-C50C-407E-A947-70E740481C1C}">
+                <a14:useLocalDpi xmlns:a14="http://schemas.microsoft.com/office/drawing/2010/main" val="0"/>
+              </a:ext>
+            </a:extLst>
+          </a:blip>
+          <a:stretch>
+            <a:fillRect/>
+          </a:stretch>
+        </p:blipFill>
+        <p:spPr>
+          <a:xfrm>
+            <a:off x="23502284" y="1080552"/>
+            <a:ext cx="548688" cy="542591"/>
+          </a:xfrm>
+          <a:prstGeom prst="rect">
+            <a:avLst/>
+          </a:prstGeom>
+        </p:spPr>
+      </p:pic>
+      <p:pic>
+        <p:nvPicPr>
+          <p:cNvPr id="254" name="Picture 253"/>
+          <p:cNvPicPr>
+            <a:picLocks noChangeAspect="1"/>
+          </p:cNvPicPr>
+          <p:nvPr/>
+        </p:nvPicPr>
+        <p:blipFill>
+          <a:blip r:embed="rId2">
+            <a:extLst>
+              <a:ext uri="{28A0092B-C50C-407E-A947-70E740481C1C}">
+                <a14:useLocalDpi xmlns:a14="http://schemas.microsoft.com/office/drawing/2010/main" val="0"/>
+              </a:ext>
+            </a:extLst>
+          </a:blip>
+          <a:stretch>
+            <a:fillRect/>
+          </a:stretch>
+        </p:blipFill>
+        <p:spPr>
+          <a:xfrm flipV="1">
+            <a:off x="3200867" y="5792462"/>
+            <a:ext cx="548688" cy="542591"/>
+          </a:xfrm>
+          <a:prstGeom prst="rect">
+            <a:avLst/>
+          </a:prstGeom>
+        </p:spPr>
+      </p:pic>
+      <p:pic>
+        <p:nvPicPr>
+          <p:cNvPr id="282" name="Picture 281"/>
+          <p:cNvPicPr>
+            <a:picLocks noChangeAspect="1"/>
+          </p:cNvPicPr>
+          <p:nvPr/>
+        </p:nvPicPr>
+        <p:blipFill>
+          <a:blip r:embed="rId2">
+            <a:extLst>
+              <a:ext uri="{28A0092B-C50C-407E-A947-70E740481C1C}">
+                <a14:useLocalDpi xmlns:a14="http://schemas.microsoft.com/office/drawing/2010/main" val="0"/>
+              </a:ext>
+            </a:extLst>
+          </a:blip>
+          <a:stretch>
+            <a:fillRect/>
+          </a:stretch>
+        </p:blipFill>
+        <p:spPr>
+          <a:xfrm flipV="1">
+            <a:off x="1554682" y="5496383"/>
+            <a:ext cx="548688" cy="542591"/>
+          </a:xfrm>
+          <a:prstGeom prst="rect">
+            <a:avLst/>
+          </a:prstGeom>
+        </p:spPr>
+      </p:pic>
+      <p:pic>
+        <p:nvPicPr>
+          <p:cNvPr id="283" name="Picture 282"/>
+          <p:cNvPicPr>
+            <a:picLocks noChangeAspect="1"/>
+          </p:cNvPicPr>
+          <p:nvPr/>
+        </p:nvPicPr>
+        <p:blipFill>
+          <a:blip r:embed="rId2">
+            <a:extLst>
+              <a:ext uri="{28A0092B-C50C-407E-A947-70E740481C1C}">
+                <a14:useLocalDpi xmlns:a14="http://schemas.microsoft.com/office/drawing/2010/main" val="0"/>
+              </a:ext>
+            </a:extLst>
+          </a:blip>
+          <a:stretch>
+            <a:fillRect/>
+          </a:stretch>
+        </p:blipFill>
+        <p:spPr>
+          <a:xfrm rot="16200000">
+            <a:off x="38888569" y="5646825"/>
+            <a:ext cx="548688" cy="542591"/>
+          </a:xfrm>
+          <a:prstGeom prst="rect">
+            <a:avLst/>
+          </a:prstGeom>
+        </p:spPr>
+      </p:pic>
+      <p:pic>
+        <p:nvPicPr>
+          <p:cNvPr id="284" name="Picture 283"/>
+          <p:cNvPicPr>
+            <a:picLocks noChangeAspect="1"/>
+          </p:cNvPicPr>
+          <p:nvPr/>
+        </p:nvPicPr>
+        <p:blipFill>
+          <a:blip r:embed="rId2">
+            <a:extLst>
+              <a:ext uri="{28A0092B-C50C-407E-A947-70E740481C1C}">
+                <a14:useLocalDpi xmlns:a14="http://schemas.microsoft.com/office/drawing/2010/main" val="0"/>
+              </a:ext>
+            </a:extLst>
+          </a:blip>
+          <a:stretch>
+            <a:fillRect/>
+          </a:stretch>
+        </p:blipFill>
+        <p:spPr>
+          <a:xfrm rot="16200000">
+            <a:off x="41545868" y="5734936"/>
+            <a:ext cx="548688" cy="542591"/>
+          </a:xfrm>
+          <a:prstGeom prst="rect">
+            <a:avLst/>
+          </a:prstGeom>
+        </p:spPr>
+      </p:pic>
+      <p:pic>
+        <p:nvPicPr>
+          <p:cNvPr id="285" name="Picture 284"/>
+          <p:cNvPicPr>
+            <a:picLocks noChangeAspect="1"/>
+          </p:cNvPicPr>
+          <p:nvPr/>
+        </p:nvPicPr>
+        <p:blipFill>
+          <a:blip r:embed="rId2">
+            <a:extLst>
+              <a:ext uri="{28A0092B-C50C-407E-A947-70E740481C1C}">
+                <a14:useLocalDpi xmlns:a14="http://schemas.microsoft.com/office/drawing/2010/main" val="0"/>
+              </a:ext>
+            </a:extLst>
+          </a:blip>
+          <a:stretch>
+            <a:fillRect/>
+          </a:stretch>
+        </p:blipFill>
+        <p:spPr>
+          <a:xfrm>
+            <a:off x="21098644" y="10584953"/>
+            <a:ext cx="548688" cy="542591"/>
+          </a:xfrm>
+          <a:prstGeom prst="rect">
+            <a:avLst/>
+          </a:prstGeom>
+        </p:spPr>
+      </p:pic>
     </p:spTree>
     <p:extLst>
       <p:ext uri="{BB962C8B-B14F-4D97-AF65-F5344CB8AC3E}">
@@ -23605,10 +23501,7 @@
             <a:avLst/>
           </a:prstGeom>
           <a:solidFill>
-            <a:schemeClr val="accent4">
-              <a:lumMod val="20000"/>
-              <a:lumOff val="80000"/>
-            </a:schemeClr>
+            <a:srgbClr val="DBEEF4"/>
           </a:solidFill>
           <a:ln w="76200"/>
         </p:spPr>
@@ -25489,92 +25382,6 @@
       </p:sp>
       <p:sp>
         <p:nvSpPr>
-          <p:cNvPr id="79" name="L-Shape 78"/>
-          <p:cNvSpPr/>
-          <p:nvPr/>
-        </p:nvSpPr>
-        <p:spPr>
-          <a:xfrm rot="5400000">
-            <a:off x="17981248" y="290580"/>
-            <a:ext cx="720080" cy="936104"/>
-          </a:xfrm>
-          <a:prstGeom prst="corner">
-            <a:avLst>
-              <a:gd name="adj1" fmla="val 39704"/>
-              <a:gd name="adj2" fmla="val 19111"/>
-            </a:avLst>
-          </a:prstGeom>
-        </p:spPr>
-        <p:style>
-          <a:lnRef idx="2">
-            <a:schemeClr val="accent4">
-              <a:shade val="50000"/>
-            </a:schemeClr>
-          </a:lnRef>
-          <a:fillRef idx="1">
-            <a:schemeClr val="accent4"/>
-          </a:fillRef>
-          <a:effectRef idx="0">
-            <a:schemeClr val="accent4"/>
-          </a:effectRef>
-          <a:fontRef idx="minor">
-            <a:schemeClr val="lt1"/>
-          </a:fontRef>
-        </p:style>
-        <p:txBody>
-          <a:bodyPr rtlCol="0" anchor="ctr"/>
-          <a:lstStyle/>
-          <a:p>
-            <a:pPr algn="ctr"/>
-            <a:endParaRPr lang="en-PH"/>
-          </a:p>
-        </p:txBody>
-      </p:sp>
-      <p:sp>
-        <p:nvSpPr>
-          <p:cNvPr id="80" name="L-Shape 79"/>
-          <p:cNvSpPr/>
-          <p:nvPr/>
-        </p:nvSpPr>
-        <p:spPr>
-          <a:xfrm rot="16200000" flipV="1">
-            <a:off x="19247859" y="-277754"/>
-            <a:ext cx="720080" cy="936104"/>
-          </a:xfrm>
-          <a:prstGeom prst="corner">
-            <a:avLst>
-              <a:gd name="adj1" fmla="val 39704"/>
-              <a:gd name="adj2" fmla="val 19111"/>
-            </a:avLst>
-          </a:prstGeom>
-        </p:spPr>
-        <p:style>
-          <a:lnRef idx="2">
-            <a:schemeClr val="accent4">
-              <a:shade val="50000"/>
-            </a:schemeClr>
-          </a:lnRef>
-          <a:fillRef idx="1">
-            <a:schemeClr val="accent4"/>
-          </a:fillRef>
-          <a:effectRef idx="0">
-            <a:schemeClr val="accent4"/>
-          </a:effectRef>
-          <a:fontRef idx="minor">
-            <a:schemeClr val="lt1"/>
-          </a:fontRef>
-        </p:style>
-        <p:txBody>
-          <a:bodyPr rtlCol="0" anchor="ctr"/>
-          <a:lstStyle/>
-          <a:p>
-            <a:pPr algn="ctr"/>
-            <a:endParaRPr lang="en-PH"/>
-          </a:p>
-        </p:txBody>
-      </p:sp>
-      <p:sp>
-        <p:nvSpPr>
           <p:cNvPr id="102" name="Rectangle 101"/>
           <p:cNvSpPr/>
           <p:nvPr/>
@@ -25620,49 +25427,216 @@
           </a:p>
         </p:txBody>
       </p:sp>
-      <p:sp>
-        <p:nvSpPr>
-          <p:cNvPr id="77" name="L-Shape 76"/>
-          <p:cNvSpPr/>
+      <p:pic>
+        <p:nvPicPr>
+          <p:cNvPr id="86" name="Picture 85"/>
+          <p:cNvPicPr>
+            <a:picLocks noChangeAspect="1"/>
+          </p:cNvPicPr>
           <p:nvPr/>
-        </p:nvSpPr>
+        </p:nvPicPr>
+        <p:blipFill>
+          <a:blip r:embed="rId3">
+            <a:extLst>
+              <a:ext uri="{28A0092B-C50C-407E-A947-70E740481C1C}">
+                <a14:useLocalDpi xmlns:a14="http://schemas.microsoft.com/office/drawing/2010/main" val="0"/>
+              </a:ext>
+            </a:extLst>
+          </a:blip>
+          <a:stretch>
+            <a:fillRect/>
+          </a:stretch>
+        </p:blipFill>
         <p:spPr>
-          <a:xfrm rot="16200000" flipV="1">
-            <a:off x="22780694" y="6876541"/>
-            <a:ext cx="720080" cy="936104"/>
+          <a:xfrm flipV="1">
+            <a:off x="18174028" y="583591"/>
+            <a:ext cx="548688" cy="542591"/>
           </a:xfrm>
-          <a:prstGeom prst="corner">
-            <a:avLst>
-              <a:gd name="adj1" fmla="val 39704"/>
-              <a:gd name="adj2" fmla="val 19111"/>
-            </a:avLst>
+          <a:prstGeom prst="rect">
+            <a:avLst/>
           </a:prstGeom>
         </p:spPr>
-        <p:style>
-          <a:lnRef idx="2">
-            <a:schemeClr val="accent4">
-              <a:shade val="50000"/>
-            </a:schemeClr>
-          </a:lnRef>
-          <a:fillRef idx="1">
-            <a:schemeClr val="accent4"/>
-          </a:fillRef>
-          <a:effectRef idx="0">
-            <a:schemeClr val="accent4"/>
-          </a:effectRef>
-          <a:fontRef idx="minor">
-            <a:schemeClr val="lt1"/>
-          </a:fontRef>
-        </p:style>
-        <p:txBody>
-          <a:bodyPr rtlCol="0" anchor="ctr"/>
-          <a:lstStyle/>
-          <a:p>
-            <a:pPr algn="ctr"/>
-            <a:endParaRPr lang="en-PH"/>
-          </a:p>
-        </p:txBody>
-      </p:sp>
+      </p:pic>
+      <p:pic>
+        <p:nvPicPr>
+          <p:cNvPr id="87" name="Picture 86"/>
+          <p:cNvPicPr>
+            <a:picLocks noChangeAspect="1"/>
+          </p:cNvPicPr>
+          <p:nvPr/>
+        </p:nvPicPr>
+        <p:blipFill>
+          <a:blip r:embed="rId3">
+            <a:extLst>
+              <a:ext uri="{28A0092B-C50C-407E-A947-70E740481C1C}">
+                <a14:useLocalDpi xmlns:a14="http://schemas.microsoft.com/office/drawing/2010/main" val="0"/>
+              </a:ext>
+            </a:extLst>
+          </a:blip>
+          <a:stretch>
+            <a:fillRect/>
+          </a:stretch>
+        </p:blipFill>
+        <p:spPr>
+          <a:xfrm>
+            <a:off x="19338739" y="18531"/>
+            <a:ext cx="548688" cy="542591"/>
+          </a:xfrm>
+          <a:prstGeom prst="rect">
+            <a:avLst/>
+          </a:prstGeom>
+        </p:spPr>
+      </p:pic>
+      <p:pic>
+        <p:nvPicPr>
+          <p:cNvPr id="96" name="Picture 95"/>
+          <p:cNvPicPr>
+            <a:picLocks noChangeAspect="1"/>
+          </p:cNvPicPr>
+          <p:nvPr/>
+        </p:nvPicPr>
+        <p:blipFill>
+          <a:blip r:embed="rId3">
+            <a:extLst>
+              <a:ext uri="{28A0092B-C50C-407E-A947-70E740481C1C}">
+                <a14:useLocalDpi xmlns:a14="http://schemas.microsoft.com/office/drawing/2010/main" val="0"/>
+              </a:ext>
+            </a:extLst>
+          </a:blip>
+          <a:stretch>
+            <a:fillRect/>
+          </a:stretch>
+        </p:blipFill>
+        <p:spPr>
+          <a:xfrm>
+            <a:off x="22866390" y="7102061"/>
+            <a:ext cx="548688" cy="542591"/>
+          </a:xfrm>
+          <a:prstGeom prst="rect">
+            <a:avLst/>
+          </a:prstGeom>
+        </p:spPr>
+      </p:pic>
+      <p:pic>
+        <p:nvPicPr>
+          <p:cNvPr id="97" name="Picture 96"/>
+          <p:cNvPicPr>
+            <a:picLocks noChangeAspect="1"/>
+          </p:cNvPicPr>
+          <p:nvPr/>
+        </p:nvPicPr>
+        <p:blipFill>
+          <a:blip r:embed="rId3">
+            <a:extLst>
+              <a:ext uri="{28A0092B-C50C-407E-A947-70E740481C1C}">
+                <a14:useLocalDpi xmlns:a14="http://schemas.microsoft.com/office/drawing/2010/main" val="0"/>
+              </a:ext>
+            </a:extLst>
+          </a:blip>
+          <a:stretch>
+            <a:fillRect/>
+          </a:stretch>
+        </p:blipFill>
+        <p:spPr>
+          <a:xfrm flipV="1">
+            <a:off x="2900850" y="7062079"/>
+            <a:ext cx="548688" cy="542591"/>
+          </a:xfrm>
+          <a:prstGeom prst="rect">
+            <a:avLst/>
+          </a:prstGeom>
+        </p:spPr>
+      </p:pic>
+      <p:pic>
+        <p:nvPicPr>
+          <p:cNvPr id="99" name="Picture 98"/>
+          <p:cNvPicPr>
+            <a:picLocks noChangeAspect="1"/>
+          </p:cNvPicPr>
+          <p:nvPr/>
+        </p:nvPicPr>
+        <p:blipFill>
+          <a:blip r:embed="rId3">
+            <a:extLst>
+              <a:ext uri="{28A0092B-C50C-407E-A947-70E740481C1C}">
+                <a14:useLocalDpi xmlns:a14="http://schemas.microsoft.com/office/drawing/2010/main" val="0"/>
+              </a:ext>
+            </a:extLst>
+          </a:blip>
+          <a:stretch>
+            <a:fillRect/>
+          </a:stretch>
+        </p:blipFill>
+        <p:spPr>
+          <a:xfrm flipV="1">
+            <a:off x="2931887" y="5985624"/>
+            <a:ext cx="548688" cy="542591"/>
+          </a:xfrm>
+          <a:prstGeom prst="rect">
+            <a:avLst/>
+          </a:prstGeom>
+        </p:spPr>
+      </p:pic>
+      <p:pic>
+        <p:nvPicPr>
+          <p:cNvPr id="100" name="Picture 99"/>
+          <p:cNvPicPr>
+            <a:picLocks noChangeAspect="1"/>
+          </p:cNvPicPr>
+          <p:nvPr/>
+        </p:nvPicPr>
+        <p:blipFill>
+          <a:blip r:embed="rId3">
+            <a:extLst>
+              <a:ext uri="{28A0092B-C50C-407E-A947-70E740481C1C}">
+                <a14:useLocalDpi xmlns:a14="http://schemas.microsoft.com/office/drawing/2010/main" val="0"/>
+              </a:ext>
+            </a:extLst>
+          </a:blip>
+          <a:stretch>
+            <a:fillRect/>
+          </a:stretch>
+        </p:blipFill>
+        <p:spPr>
+          <a:xfrm rot="5400000" flipV="1">
+            <a:off x="38632551" y="7105110"/>
+            <a:ext cx="548688" cy="542591"/>
+          </a:xfrm>
+          <a:prstGeom prst="rect">
+            <a:avLst/>
+          </a:prstGeom>
+        </p:spPr>
+      </p:pic>
+      <p:pic>
+        <p:nvPicPr>
+          <p:cNvPr id="101" name="Picture 100"/>
+          <p:cNvPicPr>
+            <a:picLocks noChangeAspect="1"/>
+          </p:cNvPicPr>
+          <p:nvPr/>
+        </p:nvPicPr>
+        <p:blipFill>
+          <a:blip r:embed="rId3">
+            <a:extLst>
+              <a:ext uri="{28A0092B-C50C-407E-A947-70E740481C1C}">
+                <a14:useLocalDpi xmlns:a14="http://schemas.microsoft.com/office/drawing/2010/main" val="0"/>
+              </a:ext>
+            </a:extLst>
+          </a:blip>
+          <a:stretch>
+            <a:fillRect/>
+          </a:stretch>
+        </p:blipFill>
+        <p:spPr>
+          <a:xfrm rot="5400000" flipV="1">
+            <a:off x="38663588" y="6028655"/>
+            <a:ext cx="548688" cy="542591"/>
+          </a:xfrm>
+          <a:prstGeom prst="rect">
+            <a:avLst/>
+          </a:prstGeom>
+        </p:spPr>
+      </p:pic>
     </p:spTree>
     <p:extLst>
       <p:ext uri="{BB962C8B-B14F-4D97-AF65-F5344CB8AC3E}">

--- a/MP1/SVG maps/library.pptx
+++ b/MP1/SVG maps/library.pptx
@@ -7290,3935 +7290,185 @@
           <a:chExt cx="0" cy="0"/>
         </a:xfrm>
       </p:grpSpPr>
-      <p:graphicFrame>
-        <p:nvGraphicFramePr>
-          <p:cNvPr id="7" name="Table 6"/>
-          <p:cNvGraphicFramePr>
-            <a:graphicFrameLocks noGrp="1"/>
-          </p:cNvGraphicFramePr>
-          <p:nvPr>
-            <p:extLst>
-              <p:ext uri="{D42A27DB-BD31-4B8C-83A1-F6EECF244321}">
-                <p14:modId xmlns:p14="http://schemas.microsoft.com/office/powerpoint/2010/main" val="1693210463"/>
-              </p:ext>
-            </p:extLst>
-          </p:nvPr>
-        </p:nvGraphicFramePr>
-        <p:xfrm>
-          <a:off x="0" y="0"/>
-          <a:ext cx="43205400" cy="13681104"/>
-        </p:xfrm>
-        <a:graphic>
-          <a:graphicData uri="http://schemas.openxmlformats.org/drawingml/2006/table">
-            <a:tbl>
-              <a:tblPr firstRow="1" bandRow="1">
-                <a:tableStyleId>{2D5ABB26-0587-4C30-8999-92F81FD0307C}</a:tableStyleId>
-              </a:tblPr>
-              <a:tblGrid>
-                <a:gridCol w="4320540"/>
-                <a:gridCol w="4320540"/>
-                <a:gridCol w="4320540"/>
-                <a:gridCol w="4320540"/>
-                <a:gridCol w="4320540"/>
-                <a:gridCol w="4320540"/>
-                <a:gridCol w="4320540"/>
-                <a:gridCol w="4320540"/>
-                <a:gridCol w="4320540"/>
-                <a:gridCol w="4320540"/>
-              </a:tblGrid>
-              <a:tr h="1710138">
-                <a:tc>
-                  <a:txBody>
-                    <a:bodyPr/>
-                    <a:lstStyle/>
-                    <a:p>
-                      <a:endParaRPr lang="en-PH" sz="5200" dirty="0"/>
-                    </a:p>
-                  </a:txBody>
-                  <a:tcPr marL="182880" marR="182880" marT="57910" marB="57910">
-                    <a:lnL w="12700" cap="flat" cmpd="sng" algn="ctr">
-                      <a:solidFill>
-                        <a:schemeClr val="tx1"/>
-                      </a:solidFill>
-                      <a:prstDash val="solid"/>
-                      <a:round/>
-                      <a:headEnd type="none" w="med" len="med"/>
-                      <a:tailEnd type="none" w="med" len="med"/>
-                    </a:lnL>
-                    <a:lnR w="12700" cap="flat" cmpd="sng" algn="ctr">
-                      <a:solidFill>
-                        <a:schemeClr val="tx1"/>
-                      </a:solidFill>
-                      <a:prstDash val="solid"/>
-                      <a:round/>
-                      <a:headEnd type="none" w="med" len="med"/>
-                      <a:tailEnd type="none" w="med" len="med"/>
-                    </a:lnR>
-                    <a:lnT w="12700" cap="flat" cmpd="sng" algn="ctr">
-                      <a:solidFill>
-                        <a:schemeClr val="tx1"/>
-                      </a:solidFill>
-                      <a:prstDash val="solid"/>
-                      <a:round/>
-                      <a:headEnd type="none" w="med" len="med"/>
-                      <a:tailEnd type="none" w="med" len="med"/>
-                    </a:lnT>
-                    <a:lnB w="12700" cap="flat" cmpd="sng" algn="ctr">
-                      <a:solidFill>
-                        <a:schemeClr val="tx1"/>
-                      </a:solidFill>
-                      <a:prstDash val="solid"/>
-                      <a:round/>
-                      <a:headEnd type="none" w="med" len="med"/>
-                      <a:tailEnd type="none" w="med" len="med"/>
-                    </a:lnB>
-                  </a:tcPr>
-                </a:tc>
-                <a:tc>
-                  <a:txBody>
-                    <a:bodyPr/>
-                    <a:lstStyle/>
-                    <a:p>
-                      <a:endParaRPr lang="en-PH" sz="5200" dirty="0"/>
-                    </a:p>
-                  </a:txBody>
-                  <a:tcPr marL="182880" marR="182880" marT="57910" marB="57910">
-                    <a:lnL w="12700" cap="flat" cmpd="sng" algn="ctr">
-                      <a:solidFill>
-                        <a:schemeClr val="tx1"/>
-                      </a:solidFill>
-                      <a:prstDash val="solid"/>
-                      <a:round/>
-                      <a:headEnd type="none" w="med" len="med"/>
-                      <a:tailEnd type="none" w="med" len="med"/>
-                    </a:lnL>
-                    <a:lnR w="12700" cap="flat" cmpd="sng" algn="ctr">
-                      <a:solidFill>
-                        <a:schemeClr val="tx1"/>
-                      </a:solidFill>
-                      <a:prstDash val="solid"/>
-                      <a:round/>
-                      <a:headEnd type="none" w="med" len="med"/>
-                      <a:tailEnd type="none" w="med" len="med"/>
-                    </a:lnR>
-                    <a:lnT w="12700" cap="flat" cmpd="sng" algn="ctr">
-                      <a:solidFill>
-                        <a:schemeClr val="tx1"/>
-                      </a:solidFill>
-                      <a:prstDash val="solid"/>
-                      <a:round/>
-                      <a:headEnd type="none" w="med" len="med"/>
-                      <a:tailEnd type="none" w="med" len="med"/>
-                    </a:lnT>
-                    <a:lnB w="12700" cap="flat" cmpd="sng" algn="ctr">
-                      <a:solidFill>
-                        <a:schemeClr val="tx1"/>
-                      </a:solidFill>
-                      <a:prstDash val="solid"/>
-                      <a:round/>
-                      <a:headEnd type="none" w="med" len="med"/>
-                      <a:tailEnd type="none" w="med" len="med"/>
-                    </a:lnB>
-                  </a:tcPr>
-                </a:tc>
-                <a:tc>
-                  <a:txBody>
-                    <a:bodyPr/>
-                    <a:lstStyle/>
-                    <a:p>
-                      <a:endParaRPr lang="en-PH" sz="5200" dirty="0"/>
-                    </a:p>
-                  </a:txBody>
-                  <a:tcPr marL="182880" marR="182880" marT="57910" marB="57910">
-                    <a:lnL w="12700" cap="flat" cmpd="sng" algn="ctr">
-                      <a:solidFill>
-                        <a:schemeClr val="tx1"/>
-                      </a:solidFill>
-                      <a:prstDash val="solid"/>
-                      <a:round/>
-                      <a:headEnd type="none" w="med" len="med"/>
-                      <a:tailEnd type="none" w="med" len="med"/>
-                    </a:lnL>
-                    <a:lnR w="12700" cap="flat" cmpd="sng" algn="ctr">
-                      <a:solidFill>
-                        <a:schemeClr val="tx1"/>
-                      </a:solidFill>
-                      <a:prstDash val="solid"/>
-                      <a:round/>
-                      <a:headEnd type="none" w="med" len="med"/>
-                      <a:tailEnd type="none" w="med" len="med"/>
-                    </a:lnR>
-                    <a:lnT w="12700" cap="flat" cmpd="sng" algn="ctr">
-                      <a:solidFill>
-                        <a:schemeClr val="tx1"/>
-                      </a:solidFill>
-                      <a:prstDash val="solid"/>
-                      <a:round/>
-                      <a:headEnd type="none" w="med" len="med"/>
-                      <a:tailEnd type="none" w="med" len="med"/>
-                    </a:lnT>
-                    <a:lnB w="12700" cap="flat" cmpd="sng" algn="ctr">
-                      <a:solidFill>
-                        <a:schemeClr val="tx1"/>
-                      </a:solidFill>
-                      <a:prstDash val="solid"/>
-                      <a:round/>
-                      <a:headEnd type="none" w="med" len="med"/>
-                      <a:tailEnd type="none" w="med" len="med"/>
-                    </a:lnB>
-                  </a:tcPr>
-                </a:tc>
-                <a:tc>
-                  <a:txBody>
-                    <a:bodyPr/>
-                    <a:lstStyle/>
-                    <a:p>
-                      <a:endParaRPr lang="en-PH" sz="5200"/>
-                    </a:p>
-                  </a:txBody>
-                  <a:tcPr marL="182880" marR="182880" marT="57910" marB="57910">
-                    <a:lnL w="12700" cap="flat" cmpd="sng" algn="ctr">
-                      <a:solidFill>
-                        <a:schemeClr val="tx1"/>
-                      </a:solidFill>
-                      <a:prstDash val="solid"/>
-                      <a:round/>
-                      <a:headEnd type="none" w="med" len="med"/>
-                      <a:tailEnd type="none" w="med" len="med"/>
-                    </a:lnL>
-                    <a:lnR w="12700" cap="flat" cmpd="sng" algn="ctr">
-                      <a:solidFill>
-                        <a:schemeClr val="tx1"/>
-                      </a:solidFill>
-                      <a:prstDash val="solid"/>
-                      <a:round/>
-                      <a:headEnd type="none" w="med" len="med"/>
-                      <a:tailEnd type="none" w="med" len="med"/>
-                    </a:lnR>
-                    <a:lnT w="12700" cap="flat" cmpd="sng" algn="ctr">
-                      <a:solidFill>
-                        <a:schemeClr val="tx1"/>
-                      </a:solidFill>
-                      <a:prstDash val="solid"/>
-                      <a:round/>
-                      <a:headEnd type="none" w="med" len="med"/>
-                      <a:tailEnd type="none" w="med" len="med"/>
-                    </a:lnT>
-                    <a:lnB w="12700" cap="flat" cmpd="sng" algn="ctr">
-                      <a:solidFill>
-                        <a:schemeClr val="tx1"/>
-                      </a:solidFill>
-                      <a:prstDash val="solid"/>
-                      <a:round/>
-                      <a:headEnd type="none" w="med" len="med"/>
-                      <a:tailEnd type="none" w="med" len="med"/>
-                    </a:lnB>
-                  </a:tcPr>
-                </a:tc>
-                <a:tc>
-                  <a:txBody>
-                    <a:bodyPr/>
-                    <a:lstStyle/>
-                    <a:p>
-                      <a:endParaRPr lang="en-PH" sz="5200" dirty="0"/>
-                    </a:p>
-                  </a:txBody>
-                  <a:tcPr marL="182880" marR="182880" marT="57910" marB="57910">
-                    <a:lnL w="12700" cap="flat" cmpd="sng" algn="ctr">
-                      <a:solidFill>
-                        <a:schemeClr val="tx1"/>
-                      </a:solidFill>
-                      <a:prstDash val="solid"/>
-                      <a:round/>
-                      <a:headEnd type="none" w="med" len="med"/>
-                      <a:tailEnd type="none" w="med" len="med"/>
-                    </a:lnL>
-                    <a:lnR w="12700" cap="flat" cmpd="sng" algn="ctr">
-                      <a:solidFill>
-                        <a:schemeClr val="tx1"/>
-                      </a:solidFill>
-                      <a:prstDash val="solid"/>
-                      <a:round/>
-                      <a:headEnd type="none" w="med" len="med"/>
-                      <a:tailEnd type="none" w="med" len="med"/>
-                    </a:lnR>
-                    <a:lnT w="12700" cap="flat" cmpd="sng" algn="ctr">
-                      <a:solidFill>
-                        <a:schemeClr val="tx1"/>
-                      </a:solidFill>
-                      <a:prstDash val="solid"/>
-                      <a:round/>
-                      <a:headEnd type="none" w="med" len="med"/>
-                      <a:tailEnd type="none" w="med" len="med"/>
-                    </a:lnT>
-                    <a:lnB w="12700" cap="flat" cmpd="sng" algn="ctr">
-                      <a:solidFill>
-                        <a:schemeClr val="tx1"/>
-                      </a:solidFill>
-                      <a:prstDash val="solid"/>
-                      <a:round/>
-                      <a:headEnd type="none" w="med" len="med"/>
-                      <a:tailEnd type="none" w="med" len="med"/>
-                    </a:lnB>
-                  </a:tcPr>
-                </a:tc>
-                <a:tc>
-                  <a:txBody>
-                    <a:bodyPr/>
-                    <a:lstStyle/>
-                    <a:p>
-                      <a:endParaRPr lang="en-PH" sz="5200" dirty="0"/>
-                    </a:p>
-                  </a:txBody>
-                  <a:tcPr marL="182880" marR="182880" marT="57910" marB="57910">
-                    <a:lnL w="12700" cap="flat" cmpd="sng" algn="ctr">
-                      <a:solidFill>
-                        <a:schemeClr val="tx1"/>
-                      </a:solidFill>
-                      <a:prstDash val="solid"/>
-                      <a:round/>
-                      <a:headEnd type="none" w="med" len="med"/>
-                      <a:tailEnd type="none" w="med" len="med"/>
-                    </a:lnL>
-                    <a:lnR w="12700" cap="flat" cmpd="sng" algn="ctr">
-                      <a:solidFill>
-                        <a:schemeClr val="tx1"/>
-                      </a:solidFill>
-                      <a:prstDash val="solid"/>
-                      <a:round/>
-                      <a:headEnd type="none" w="med" len="med"/>
-                      <a:tailEnd type="none" w="med" len="med"/>
-                    </a:lnR>
-                    <a:lnT w="12700" cap="flat" cmpd="sng" algn="ctr">
-                      <a:solidFill>
-                        <a:schemeClr val="tx1"/>
-                      </a:solidFill>
-                      <a:prstDash val="solid"/>
-                      <a:round/>
-                      <a:headEnd type="none" w="med" len="med"/>
-                      <a:tailEnd type="none" w="med" len="med"/>
-                    </a:lnT>
-                    <a:lnB w="12700" cap="flat" cmpd="sng" algn="ctr">
-                      <a:solidFill>
-                        <a:schemeClr val="tx1"/>
-                      </a:solidFill>
-                      <a:prstDash val="solid"/>
-                      <a:round/>
-                      <a:headEnd type="none" w="med" len="med"/>
-                      <a:tailEnd type="none" w="med" len="med"/>
-                    </a:lnB>
-                  </a:tcPr>
-                </a:tc>
-                <a:tc>
-                  <a:txBody>
-                    <a:bodyPr/>
-                    <a:lstStyle/>
-                    <a:p>
-                      <a:endParaRPr lang="en-PH" sz="5200" dirty="0"/>
-                    </a:p>
-                  </a:txBody>
-                  <a:tcPr marL="182880" marR="182880" marT="57910" marB="57910">
-                    <a:lnL w="12700" cap="flat" cmpd="sng" algn="ctr">
-                      <a:solidFill>
-                        <a:schemeClr val="tx1"/>
-                      </a:solidFill>
-                      <a:prstDash val="solid"/>
-                      <a:round/>
-                      <a:headEnd type="none" w="med" len="med"/>
-                      <a:tailEnd type="none" w="med" len="med"/>
-                    </a:lnL>
-                    <a:lnR w="12700" cap="flat" cmpd="sng" algn="ctr">
-                      <a:solidFill>
-                        <a:schemeClr val="tx1"/>
-                      </a:solidFill>
-                      <a:prstDash val="solid"/>
-                      <a:round/>
-                      <a:headEnd type="none" w="med" len="med"/>
-                      <a:tailEnd type="none" w="med" len="med"/>
-                    </a:lnR>
-                    <a:lnT w="12700" cap="flat" cmpd="sng" algn="ctr">
-                      <a:solidFill>
-                        <a:schemeClr val="tx1"/>
-                      </a:solidFill>
-                      <a:prstDash val="solid"/>
-                      <a:round/>
-                      <a:headEnd type="none" w="med" len="med"/>
-                      <a:tailEnd type="none" w="med" len="med"/>
-                    </a:lnT>
-                    <a:lnB w="12700" cap="flat" cmpd="sng" algn="ctr">
-                      <a:solidFill>
-                        <a:schemeClr val="tx1"/>
-                      </a:solidFill>
-                      <a:prstDash val="solid"/>
-                      <a:round/>
-                      <a:headEnd type="none" w="med" len="med"/>
-                      <a:tailEnd type="none" w="med" len="med"/>
-                    </a:lnB>
-                  </a:tcPr>
-                </a:tc>
-                <a:tc>
-                  <a:txBody>
-                    <a:bodyPr/>
-                    <a:lstStyle/>
-                    <a:p>
-                      <a:endParaRPr lang="en-PH" sz="5200"/>
-                    </a:p>
-                  </a:txBody>
-                  <a:tcPr marL="182880" marR="182880" marT="57910" marB="57910">
-                    <a:lnL w="12700" cap="flat" cmpd="sng" algn="ctr">
-                      <a:solidFill>
-                        <a:schemeClr val="tx1"/>
-                      </a:solidFill>
-                      <a:prstDash val="solid"/>
-                      <a:round/>
-                      <a:headEnd type="none" w="med" len="med"/>
-                      <a:tailEnd type="none" w="med" len="med"/>
-                    </a:lnL>
-                    <a:lnR w="12700" cap="flat" cmpd="sng" algn="ctr">
-                      <a:solidFill>
-                        <a:schemeClr val="tx1"/>
-                      </a:solidFill>
-                      <a:prstDash val="solid"/>
-                      <a:round/>
-                      <a:headEnd type="none" w="med" len="med"/>
-                      <a:tailEnd type="none" w="med" len="med"/>
-                    </a:lnR>
-                    <a:lnT w="12700" cap="flat" cmpd="sng" algn="ctr">
-                      <a:solidFill>
-                        <a:schemeClr val="tx1"/>
-                      </a:solidFill>
-                      <a:prstDash val="solid"/>
-                      <a:round/>
-                      <a:headEnd type="none" w="med" len="med"/>
-                      <a:tailEnd type="none" w="med" len="med"/>
-                    </a:lnT>
-                    <a:lnB w="12700" cap="flat" cmpd="sng" algn="ctr">
-                      <a:solidFill>
-                        <a:schemeClr val="tx1"/>
-                      </a:solidFill>
-                      <a:prstDash val="solid"/>
-                      <a:round/>
-                      <a:headEnd type="none" w="med" len="med"/>
-                      <a:tailEnd type="none" w="med" len="med"/>
-                    </a:lnB>
-                  </a:tcPr>
-                </a:tc>
-                <a:tc>
-                  <a:txBody>
-                    <a:bodyPr/>
-                    <a:lstStyle/>
-                    <a:p>
-                      <a:endParaRPr lang="en-PH" sz="5200"/>
-                    </a:p>
-                  </a:txBody>
-                  <a:tcPr marL="182880" marR="182880" marT="57910" marB="57910">
-                    <a:lnL w="12700" cap="flat" cmpd="sng" algn="ctr">
-                      <a:solidFill>
-                        <a:schemeClr val="tx1"/>
-                      </a:solidFill>
-                      <a:prstDash val="solid"/>
-                      <a:round/>
-                      <a:headEnd type="none" w="med" len="med"/>
-                      <a:tailEnd type="none" w="med" len="med"/>
-                    </a:lnL>
-                    <a:lnR w="12700" cap="flat" cmpd="sng" algn="ctr">
-                      <a:solidFill>
-                        <a:schemeClr val="tx1"/>
-                      </a:solidFill>
-                      <a:prstDash val="solid"/>
-                      <a:round/>
-                      <a:headEnd type="none" w="med" len="med"/>
-                      <a:tailEnd type="none" w="med" len="med"/>
-                    </a:lnR>
-                    <a:lnT w="12700" cap="flat" cmpd="sng" algn="ctr">
-                      <a:solidFill>
-                        <a:schemeClr val="tx1"/>
-                      </a:solidFill>
-                      <a:prstDash val="solid"/>
-                      <a:round/>
-                      <a:headEnd type="none" w="med" len="med"/>
-                      <a:tailEnd type="none" w="med" len="med"/>
-                    </a:lnT>
-                    <a:lnB w="12700" cap="flat" cmpd="sng" algn="ctr">
-                      <a:solidFill>
-                        <a:schemeClr val="tx1"/>
-                      </a:solidFill>
-                      <a:prstDash val="solid"/>
-                      <a:round/>
-                      <a:headEnd type="none" w="med" len="med"/>
-                      <a:tailEnd type="none" w="med" len="med"/>
-                    </a:lnB>
-                  </a:tcPr>
-                </a:tc>
-                <a:tc>
-                  <a:txBody>
-                    <a:bodyPr/>
-                    <a:lstStyle/>
-                    <a:p>
-                      <a:endParaRPr lang="en-PH" sz="5200"/>
-                    </a:p>
-                  </a:txBody>
-                  <a:tcPr marL="182880" marR="182880" marT="57910" marB="57910">
-                    <a:lnL w="12700" cap="flat" cmpd="sng" algn="ctr">
-                      <a:solidFill>
-                        <a:schemeClr val="tx1"/>
-                      </a:solidFill>
-                      <a:prstDash val="solid"/>
-                      <a:round/>
-                      <a:headEnd type="none" w="med" len="med"/>
-                      <a:tailEnd type="none" w="med" len="med"/>
-                    </a:lnL>
-                    <a:lnR w="12700" cap="flat" cmpd="sng" algn="ctr">
-                      <a:solidFill>
-                        <a:schemeClr val="tx1"/>
-                      </a:solidFill>
-                      <a:prstDash val="solid"/>
-                      <a:round/>
-                      <a:headEnd type="none" w="med" len="med"/>
-                      <a:tailEnd type="none" w="med" len="med"/>
-                    </a:lnR>
-                    <a:lnT w="12700" cap="flat" cmpd="sng" algn="ctr">
-                      <a:solidFill>
-                        <a:schemeClr val="tx1"/>
-                      </a:solidFill>
-                      <a:prstDash val="solid"/>
-                      <a:round/>
-                      <a:headEnd type="none" w="med" len="med"/>
-                      <a:tailEnd type="none" w="med" len="med"/>
-                    </a:lnT>
-                    <a:lnB w="12700" cap="flat" cmpd="sng" algn="ctr">
-                      <a:solidFill>
-                        <a:schemeClr val="tx1"/>
-                      </a:solidFill>
-                      <a:prstDash val="solid"/>
-                      <a:round/>
-                      <a:headEnd type="none" w="med" len="med"/>
-                      <a:tailEnd type="none" w="med" len="med"/>
-                    </a:lnB>
-                  </a:tcPr>
-                </a:tc>
-              </a:tr>
-              <a:tr h="1710138">
-                <a:tc>
-                  <a:txBody>
-                    <a:bodyPr/>
-                    <a:lstStyle/>
-                    <a:p>
-                      <a:endParaRPr lang="en-PH" sz="5200" dirty="0"/>
-                    </a:p>
-                  </a:txBody>
-                  <a:tcPr marL="182880" marR="182880" marT="57910" marB="57910">
-                    <a:lnL w="12700" cap="flat" cmpd="sng" algn="ctr">
-                      <a:solidFill>
-                        <a:schemeClr val="tx1"/>
-                      </a:solidFill>
-                      <a:prstDash val="solid"/>
-                      <a:round/>
-                      <a:headEnd type="none" w="med" len="med"/>
-                      <a:tailEnd type="none" w="med" len="med"/>
-                    </a:lnL>
-                    <a:lnR w="12700" cap="flat" cmpd="sng" algn="ctr">
-                      <a:solidFill>
-                        <a:schemeClr val="tx1"/>
-                      </a:solidFill>
-                      <a:prstDash val="solid"/>
-                      <a:round/>
-                      <a:headEnd type="none" w="med" len="med"/>
-                      <a:tailEnd type="none" w="med" len="med"/>
-                    </a:lnR>
-                    <a:lnT w="12700" cap="flat" cmpd="sng" algn="ctr">
-                      <a:solidFill>
-                        <a:schemeClr val="tx1"/>
-                      </a:solidFill>
-                      <a:prstDash val="solid"/>
-                      <a:round/>
-                      <a:headEnd type="none" w="med" len="med"/>
-                      <a:tailEnd type="none" w="med" len="med"/>
-                    </a:lnT>
-                    <a:lnB w="12700" cap="flat" cmpd="sng" algn="ctr">
-                      <a:solidFill>
-                        <a:schemeClr val="tx1"/>
-                      </a:solidFill>
-                      <a:prstDash val="solid"/>
-                      <a:round/>
-                      <a:headEnd type="none" w="med" len="med"/>
-                      <a:tailEnd type="none" w="med" len="med"/>
-                    </a:lnB>
-                  </a:tcPr>
-                </a:tc>
-                <a:tc>
-                  <a:txBody>
-                    <a:bodyPr/>
-                    <a:lstStyle/>
-                    <a:p>
-                      <a:endParaRPr lang="en-PH" sz="5200" dirty="0"/>
-                    </a:p>
-                  </a:txBody>
-                  <a:tcPr marL="182880" marR="182880" marT="57910" marB="57910">
-                    <a:lnL w="12700" cap="flat" cmpd="sng" algn="ctr">
-                      <a:solidFill>
-                        <a:schemeClr val="tx1"/>
-                      </a:solidFill>
-                      <a:prstDash val="solid"/>
-                      <a:round/>
-                      <a:headEnd type="none" w="med" len="med"/>
-                      <a:tailEnd type="none" w="med" len="med"/>
-                    </a:lnL>
-                    <a:lnR w="12700" cap="flat" cmpd="sng" algn="ctr">
-                      <a:solidFill>
-                        <a:schemeClr val="tx1"/>
-                      </a:solidFill>
-                      <a:prstDash val="solid"/>
-                      <a:round/>
-                      <a:headEnd type="none" w="med" len="med"/>
-                      <a:tailEnd type="none" w="med" len="med"/>
-                    </a:lnR>
-                    <a:lnT w="12700" cap="flat" cmpd="sng" algn="ctr">
-                      <a:solidFill>
-                        <a:schemeClr val="tx1"/>
-                      </a:solidFill>
-                      <a:prstDash val="solid"/>
-                      <a:round/>
-                      <a:headEnd type="none" w="med" len="med"/>
-                      <a:tailEnd type="none" w="med" len="med"/>
-                    </a:lnT>
-                    <a:lnB w="12700" cap="flat" cmpd="sng" algn="ctr">
-                      <a:solidFill>
-                        <a:schemeClr val="tx1"/>
-                      </a:solidFill>
-                      <a:prstDash val="solid"/>
-                      <a:round/>
-                      <a:headEnd type="none" w="med" len="med"/>
-                      <a:tailEnd type="none" w="med" len="med"/>
-                    </a:lnB>
-                  </a:tcPr>
-                </a:tc>
-                <a:tc>
-                  <a:txBody>
-                    <a:bodyPr/>
-                    <a:lstStyle/>
-                    <a:p>
-                      <a:endParaRPr lang="en-PH" sz="5200" dirty="0"/>
-                    </a:p>
-                  </a:txBody>
-                  <a:tcPr marL="182880" marR="182880" marT="57910" marB="57910">
-                    <a:lnL w="12700" cap="flat" cmpd="sng" algn="ctr">
-                      <a:solidFill>
-                        <a:schemeClr val="tx1"/>
-                      </a:solidFill>
-                      <a:prstDash val="solid"/>
-                      <a:round/>
-                      <a:headEnd type="none" w="med" len="med"/>
-                      <a:tailEnd type="none" w="med" len="med"/>
-                    </a:lnL>
-                    <a:lnR w="12700" cap="flat" cmpd="sng" algn="ctr">
-                      <a:solidFill>
-                        <a:schemeClr val="tx1"/>
-                      </a:solidFill>
-                      <a:prstDash val="solid"/>
-                      <a:round/>
-                      <a:headEnd type="none" w="med" len="med"/>
-                      <a:tailEnd type="none" w="med" len="med"/>
-                    </a:lnR>
-                    <a:lnT w="12700" cap="flat" cmpd="sng" algn="ctr">
-                      <a:solidFill>
-                        <a:schemeClr val="tx1"/>
-                      </a:solidFill>
-                      <a:prstDash val="solid"/>
-                      <a:round/>
-                      <a:headEnd type="none" w="med" len="med"/>
-                      <a:tailEnd type="none" w="med" len="med"/>
-                    </a:lnT>
-                    <a:lnB w="12700" cap="flat" cmpd="sng" algn="ctr">
-                      <a:solidFill>
-                        <a:schemeClr val="tx1"/>
-                      </a:solidFill>
-                      <a:prstDash val="solid"/>
-                      <a:round/>
-                      <a:headEnd type="none" w="med" len="med"/>
-                      <a:tailEnd type="none" w="med" len="med"/>
-                    </a:lnB>
-                  </a:tcPr>
-                </a:tc>
-                <a:tc>
-                  <a:txBody>
-                    <a:bodyPr/>
-                    <a:lstStyle/>
-                    <a:p>
-                      <a:endParaRPr lang="en-PH" sz="5200" dirty="0"/>
-                    </a:p>
-                  </a:txBody>
-                  <a:tcPr marL="182880" marR="182880" marT="57910" marB="57910">
-                    <a:lnL w="12700" cap="flat" cmpd="sng" algn="ctr">
-                      <a:solidFill>
-                        <a:schemeClr val="tx1"/>
-                      </a:solidFill>
-                      <a:prstDash val="solid"/>
-                      <a:round/>
-                      <a:headEnd type="none" w="med" len="med"/>
-                      <a:tailEnd type="none" w="med" len="med"/>
-                    </a:lnL>
-                    <a:lnR w="12700" cap="flat" cmpd="sng" algn="ctr">
-                      <a:solidFill>
-                        <a:schemeClr val="tx1"/>
-                      </a:solidFill>
-                      <a:prstDash val="solid"/>
-                      <a:round/>
-                      <a:headEnd type="none" w="med" len="med"/>
-                      <a:tailEnd type="none" w="med" len="med"/>
-                    </a:lnR>
-                    <a:lnT w="12700" cap="flat" cmpd="sng" algn="ctr">
-                      <a:solidFill>
-                        <a:schemeClr val="tx1"/>
-                      </a:solidFill>
-                      <a:prstDash val="solid"/>
-                      <a:round/>
-                      <a:headEnd type="none" w="med" len="med"/>
-                      <a:tailEnd type="none" w="med" len="med"/>
-                    </a:lnT>
-                    <a:lnB w="12700" cap="flat" cmpd="sng" algn="ctr">
-                      <a:solidFill>
-                        <a:schemeClr val="tx1"/>
-                      </a:solidFill>
-                      <a:prstDash val="solid"/>
-                      <a:round/>
-                      <a:headEnd type="none" w="med" len="med"/>
-                      <a:tailEnd type="none" w="med" len="med"/>
-                    </a:lnB>
-                  </a:tcPr>
-                </a:tc>
-                <a:tc>
-                  <a:txBody>
-                    <a:bodyPr/>
-                    <a:lstStyle/>
-                    <a:p>
-                      <a:endParaRPr lang="en-PH" sz="5200" dirty="0"/>
-                    </a:p>
-                  </a:txBody>
-                  <a:tcPr marL="182880" marR="182880" marT="57910" marB="57910">
-                    <a:lnL w="12700" cap="flat" cmpd="sng" algn="ctr">
-                      <a:solidFill>
-                        <a:schemeClr val="tx1"/>
-                      </a:solidFill>
-                      <a:prstDash val="solid"/>
-                      <a:round/>
-                      <a:headEnd type="none" w="med" len="med"/>
-                      <a:tailEnd type="none" w="med" len="med"/>
-                    </a:lnL>
-                    <a:lnR w="12700" cap="flat" cmpd="sng" algn="ctr">
-                      <a:solidFill>
-                        <a:schemeClr val="tx1"/>
-                      </a:solidFill>
-                      <a:prstDash val="solid"/>
-                      <a:round/>
-                      <a:headEnd type="none" w="med" len="med"/>
-                      <a:tailEnd type="none" w="med" len="med"/>
-                    </a:lnR>
-                    <a:lnT w="12700" cap="flat" cmpd="sng" algn="ctr">
-                      <a:solidFill>
-                        <a:schemeClr val="tx1"/>
-                      </a:solidFill>
-                      <a:prstDash val="solid"/>
-                      <a:round/>
-                      <a:headEnd type="none" w="med" len="med"/>
-                      <a:tailEnd type="none" w="med" len="med"/>
-                    </a:lnT>
-                    <a:lnB w="12700" cap="flat" cmpd="sng" algn="ctr">
-                      <a:solidFill>
-                        <a:schemeClr val="tx1"/>
-                      </a:solidFill>
-                      <a:prstDash val="solid"/>
-                      <a:round/>
-                      <a:headEnd type="none" w="med" len="med"/>
-                      <a:tailEnd type="none" w="med" len="med"/>
-                    </a:lnB>
-                  </a:tcPr>
-                </a:tc>
-                <a:tc>
-                  <a:txBody>
-                    <a:bodyPr/>
-                    <a:lstStyle/>
-                    <a:p>
-                      <a:endParaRPr lang="en-PH" sz="5200"/>
-                    </a:p>
-                  </a:txBody>
-                  <a:tcPr marL="182880" marR="182880" marT="57910" marB="57910">
-                    <a:lnL w="12700" cap="flat" cmpd="sng" algn="ctr">
-                      <a:solidFill>
-                        <a:schemeClr val="tx1"/>
-                      </a:solidFill>
-                      <a:prstDash val="solid"/>
-                      <a:round/>
-                      <a:headEnd type="none" w="med" len="med"/>
-                      <a:tailEnd type="none" w="med" len="med"/>
-                    </a:lnL>
-                    <a:lnR w="12700" cap="flat" cmpd="sng" algn="ctr">
-                      <a:solidFill>
-                        <a:schemeClr val="tx1"/>
-                      </a:solidFill>
-                      <a:prstDash val="solid"/>
-                      <a:round/>
-                      <a:headEnd type="none" w="med" len="med"/>
-                      <a:tailEnd type="none" w="med" len="med"/>
-                    </a:lnR>
-                    <a:lnT w="12700" cap="flat" cmpd="sng" algn="ctr">
-                      <a:solidFill>
-                        <a:schemeClr val="tx1"/>
-                      </a:solidFill>
-                      <a:prstDash val="solid"/>
-                      <a:round/>
-                      <a:headEnd type="none" w="med" len="med"/>
-                      <a:tailEnd type="none" w="med" len="med"/>
-                    </a:lnT>
-                    <a:lnB w="12700" cap="flat" cmpd="sng" algn="ctr">
-                      <a:solidFill>
-                        <a:schemeClr val="tx1"/>
-                      </a:solidFill>
-                      <a:prstDash val="solid"/>
-                      <a:round/>
-                      <a:headEnd type="none" w="med" len="med"/>
-                      <a:tailEnd type="none" w="med" len="med"/>
-                    </a:lnB>
-                  </a:tcPr>
-                </a:tc>
-                <a:tc>
-                  <a:txBody>
-                    <a:bodyPr/>
-                    <a:lstStyle/>
-                    <a:p>
-                      <a:endParaRPr lang="en-PH" sz="5200" dirty="0"/>
-                    </a:p>
-                  </a:txBody>
-                  <a:tcPr marL="182880" marR="182880" marT="57910" marB="57910">
-                    <a:lnL w="12700" cap="flat" cmpd="sng" algn="ctr">
-                      <a:solidFill>
-                        <a:schemeClr val="tx1"/>
-                      </a:solidFill>
-                      <a:prstDash val="solid"/>
-                      <a:round/>
-                      <a:headEnd type="none" w="med" len="med"/>
-                      <a:tailEnd type="none" w="med" len="med"/>
-                    </a:lnL>
-                    <a:lnR w="12700" cap="flat" cmpd="sng" algn="ctr">
-                      <a:solidFill>
-                        <a:schemeClr val="tx1"/>
-                      </a:solidFill>
-                      <a:prstDash val="solid"/>
-                      <a:round/>
-                      <a:headEnd type="none" w="med" len="med"/>
-                      <a:tailEnd type="none" w="med" len="med"/>
-                    </a:lnR>
-                    <a:lnT w="12700" cap="flat" cmpd="sng" algn="ctr">
-                      <a:solidFill>
-                        <a:schemeClr val="tx1"/>
-                      </a:solidFill>
-                      <a:prstDash val="solid"/>
-                      <a:round/>
-                      <a:headEnd type="none" w="med" len="med"/>
-                      <a:tailEnd type="none" w="med" len="med"/>
-                    </a:lnT>
-                    <a:lnB w="12700" cap="flat" cmpd="sng" algn="ctr">
-                      <a:solidFill>
-                        <a:schemeClr val="tx1"/>
-                      </a:solidFill>
-                      <a:prstDash val="solid"/>
-                      <a:round/>
-                      <a:headEnd type="none" w="med" len="med"/>
-                      <a:tailEnd type="none" w="med" len="med"/>
-                    </a:lnB>
-                  </a:tcPr>
-                </a:tc>
-                <a:tc>
-                  <a:txBody>
-                    <a:bodyPr/>
-                    <a:lstStyle/>
-                    <a:p>
-                      <a:endParaRPr lang="en-PH" sz="5200"/>
-                    </a:p>
-                  </a:txBody>
-                  <a:tcPr marL="182880" marR="182880" marT="57910" marB="57910">
-                    <a:lnL w="12700" cap="flat" cmpd="sng" algn="ctr">
-                      <a:solidFill>
-                        <a:schemeClr val="tx1"/>
-                      </a:solidFill>
-                      <a:prstDash val="solid"/>
-                      <a:round/>
-                      <a:headEnd type="none" w="med" len="med"/>
-                      <a:tailEnd type="none" w="med" len="med"/>
-                    </a:lnL>
-                    <a:lnR w="12700" cap="flat" cmpd="sng" algn="ctr">
-                      <a:solidFill>
-                        <a:schemeClr val="tx1"/>
-                      </a:solidFill>
-                      <a:prstDash val="solid"/>
-                      <a:round/>
-                      <a:headEnd type="none" w="med" len="med"/>
-                      <a:tailEnd type="none" w="med" len="med"/>
-                    </a:lnR>
-                    <a:lnT w="12700" cap="flat" cmpd="sng" algn="ctr">
-                      <a:solidFill>
-                        <a:schemeClr val="tx1"/>
-                      </a:solidFill>
-                      <a:prstDash val="solid"/>
-                      <a:round/>
-                      <a:headEnd type="none" w="med" len="med"/>
-                      <a:tailEnd type="none" w="med" len="med"/>
-                    </a:lnT>
-                    <a:lnB w="12700" cap="flat" cmpd="sng" algn="ctr">
-                      <a:solidFill>
-                        <a:schemeClr val="tx1"/>
-                      </a:solidFill>
-                      <a:prstDash val="solid"/>
-                      <a:round/>
-                      <a:headEnd type="none" w="med" len="med"/>
-                      <a:tailEnd type="none" w="med" len="med"/>
-                    </a:lnB>
-                  </a:tcPr>
-                </a:tc>
-                <a:tc>
-                  <a:txBody>
-                    <a:bodyPr/>
-                    <a:lstStyle/>
-                    <a:p>
-                      <a:endParaRPr lang="en-PH" sz="5200"/>
-                    </a:p>
-                  </a:txBody>
-                  <a:tcPr marL="182880" marR="182880" marT="57910" marB="57910">
-                    <a:lnL w="12700" cap="flat" cmpd="sng" algn="ctr">
-                      <a:solidFill>
-                        <a:schemeClr val="tx1"/>
-                      </a:solidFill>
-                      <a:prstDash val="solid"/>
-                      <a:round/>
-                      <a:headEnd type="none" w="med" len="med"/>
-                      <a:tailEnd type="none" w="med" len="med"/>
-                    </a:lnL>
-                    <a:lnR w="12700" cap="flat" cmpd="sng" algn="ctr">
-                      <a:solidFill>
-                        <a:schemeClr val="tx1"/>
-                      </a:solidFill>
-                      <a:prstDash val="solid"/>
-                      <a:round/>
-                      <a:headEnd type="none" w="med" len="med"/>
-                      <a:tailEnd type="none" w="med" len="med"/>
-                    </a:lnR>
-                    <a:lnT w="12700" cap="flat" cmpd="sng" algn="ctr">
-                      <a:solidFill>
-                        <a:schemeClr val="tx1"/>
-                      </a:solidFill>
-                      <a:prstDash val="solid"/>
-                      <a:round/>
-                      <a:headEnd type="none" w="med" len="med"/>
-                      <a:tailEnd type="none" w="med" len="med"/>
-                    </a:lnT>
-                    <a:lnB w="12700" cap="flat" cmpd="sng" algn="ctr">
-                      <a:solidFill>
-                        <a:schemeClr val="tx1"/>
-                      </a:solidFill>
-                      <a:prstDash val="solid"/>
-                      <a:round/>
-                      <a:headEnd type="none" w="med" len="med"/>
-                      <a:tailEnd type="none" w="med" len="med"/>
-                    </a:lnB>
-                  </a:tcPr>
-                </a:tc>
-                <a:tc>
-                  <a:txBody>
-                    <a:bodyPr/>
-                    <a:lstStyle/>
-                    <a:p>
-                      <a:endParaRPr lang="en-PH" sz="5200"/>
-                    </a:p>
-                  </a:txBody>
-                  <a:tcPr marL="182880" marR="182880" marT="57910" marB="57910">
-                    <a:lnL w="12700" cap="flat" cmpd="sng" algn="ctr">
-                      <a:solidFill>
-                        <a:schemeClr val="tx1"/>
-                      </a:solidFill>
-                      <a:prstDash val="solid"/>
-                      <a:round/>
-                      <a:headEnd type="none" w="med" len="med"/>
-                      <a:tailEnd type="none" w="med" len="med"/>
-                    </a:lnL>
-                    <a:lnR w="12700" cap="flat" cmpd="sng" algn="ctr">
-                      <a:solidFill>
-                        <a:schemeClr val="tx1"/>
-                      </a:solidFill>
-                      <a:prstDash val="solid"/>
-                      <a:round/>
-                      <a:headEnd type="none" w="med" len="med"/>
-                      <a:tailEnd type="none" w="med" len="med"/>
-                    </a:lnR>
-                    <a:lnT w="12700" cap="flat" cmpd="sng" algn="ctr">
-                      <a:solidFill>
-                        <a:schemeClr val="tx1"/>
-                      </a:solidFill>
-                      <a:prstDash val="solid"/>
-                      <a:round/>
-                      <a:headEnd type="none" w="med" len="med"/>
-                      <a:tailEnd type="none" w="med" len="med"/>
-                    </a:lnT>
-                    <a:lnB w="12700" cap="flat" cmpd="sng" algn="ctr">
-                      <a:solidFill>
-                        <a:schemeClr val="tx1"/>
-                      </a:solidFill>
-                      <a:prstDash val="solid"/>
-                      <a:round/>
-                      <a:headEnd type="none" w="med" len="med"/>
-                      <a:tailEnd type="none" w="med" len="med"/>
-                    </a:lnB>
-                  </a:tcPr>
-                </a:tc>
-              </a:tr>
-              <a:tr h="1710138">
-                <a:tc>
-                  <a:txBody>
-                    <a:bodyPr/>
-                    <a:lstStyle/>
-                    <a:p>
-                      <a:endParaRPr lang="en-PH" sz="5200" dirty="0"/>
-                    </a:p>
-                  </a:txBody>
-                  <a:tcPr marL="182880" marR="182880" marT="57910" marB="57910">
-                    <a:lnL w="12700" cap="flat" cmpd="sng" algn="ctr">
-                      <a:solidFill>
-                        <a:schemeClr val="tx1"/>
-                      </a:solidFill>
-                      <a:prstDash val="solid"/>
-                      <a:round/>
-                      <a:headEnd type="none" w="med" len="med"/>
-                      <a:tailEnd type="none" w="med" len="med"/>
-                    </a:lnL>
-                    <a:lnR w="12700" cap="flat" cmpd="sng" algn="ctr">
-                      <a:solidFill>
-                        <a:schemeClr val="tx1"/>
-                      </a:solidFill>
-                      <a:prstDash val="solid"/>
-                      <a:round/>
-                      <a:headEnd type="none" w="med" len="med"/>
-                      <a:tailEnd type="none" w="med" len="med"/>
-                    </a:lnR>
-                    <a:lnT w="12700" cap="flat" cmpd="sng" algn="ctr">
-                      <a:solidFill>
-                        <a:schemeClr val="tx1"/>
-                      </a:solidFill>
-                      <a:prstDash val="solid"/>
-                      <a:round/>
-                      <a:headEnd type="none" w="med" len="med"/>
-                      <a:tailEnd type="none" w="med" len="med"/>
-                    </a:lnT>
-                    <a:lnB w="12700" cap="flat" cmpd="sng" algn="ctr">
-                      <a:solidFill>
-                        <a:schemeClr val="tx1"/>
-                      </a:solidFill>
-                      <a:prstDash val="solid"/>
-                      <a:round/>
-                      <a:headEnd type="none" w="med" len="med"/>
-                      <a:tailEnd type="none" w="med" len="med"/>
-                    </a:lnB>
-                  </a:tcPr>
-                </a:tc>
-                <a:tc>
-                  <a:txBody>
-                    <a:bodyPr/>
-                    <a:lstStyle/>
-                    <a:p>
-                      <a:endParaRPr lang="en-PH" sz="5200"/>
-                    </a:p>
-                  </a:txBody>
-                  <a:tcPr marL="182880" marR="182880" marT="57910" marB="57910">
-                    <a:lnL w="12700" cap="flat" cmpd="sng" algn="ctr">
-                      <a:solidFill>
-                        <a:schemeClr val="tx1"/>
-                      </a:solidFill>
-                      <a:prstDash val="solid"/>
-                      <a:round/>
-                      <a:headEnd type="none" w="med" len="med"/>
-                      <a:tailEnd type="none" w="med" len="med"/>
-                    </a:lnL>
-                    <a:lnR w="12700" cap="flat" cmpd="sng" algn="ctr">
-                      <a:solidFill>
-                        <a:schemeClr val="tx1"/>
-                      </a:solidFill>
-                      <a:prstDash val="solid"/>
-                      <a:round/>
-                      <a:headEnd type="none" w="med" len="med"/>
-                      <a:tailEnd type="none" w="med" len="med"/>
-                    </a:lnR>
-                    <a:lnT w="12700" cap="flat" cmpd="sng" algn="ctr">
-                      <a:solidFill>
-                        <a:schemeClr val="tx1"/>
-                      </a:solidFill>
-                      <a:prstDash val="solid"/>
-                      <a:round/>
-                      <a:headEnd type="none" w="med" len="med"/>
-                      <a:tailEnd type="none" w="med" len="med"/>
-                    </a:lnT>
-                    <a:lnB w="12700" cap="flat" cmpd="sng" algn="ctr">
-                      <a:solidFill>
-                        <a:schemeClr val="tx1"/>
-                      </a:solidFill>
-                      <a:prstDash val="solid"/>
-                      <a:round/>
-                      <a:headEnd type="none" w="med" len="med"/>
-                      <a:tailEnd type="none" w="med" len="med"/>
-                    </a:lnB>
-                  </a:tcPr>
-                </a:tc>
-                <a:tc>
-                  <a:txBody>
-                    <a:bodyPr/>
-                    <a:lstStyle/>
-                    <a:p>
-                      <a:endParaRPr lang="en-PH" sz="5200"/>
-                    </a:p>
-                  </a:txBody>
-                  <a:tcPr marL="182880" marR="182880" marT="57910" marB="57910">
-                    <a:lnL w="12700" cap="flat" cmpd="sng" algn="ctr">
-                      <a:solidFill>
-                        <a:schemeClr val="tx1"/>
-                      </a:solidFill>
-                      <a:prstDash val="solid"/>
-                      <a:round/>
-                      <a:headEnd type="none" w="med" len="med"/>
-                      <a:tailEnd type="none" w="med" len="med"/>
-                    </a:lnL>
-                    <a:lnR w="12700" cap="flat" cmpd="sng" algn="ctr">
-                      <a:solidFill>
-                        <a:schemeClr val="tx1"/>
-                      </a:solidFill>
-                      <a:prstDash val="solid"/>
-                      <a:round/>
-                      <a:headEnd type="none" w="med" len="med"/>
-                      <a:tailEnd type="none" w="med" len="med"/>
-                    </a:lnR>
-                    <a:lnT w="12700" cap="flat" cmpd="sng" algn="ctr">
-                      <a:solidFill>
-                        <a:schemeClr val="tx1"/>
-                      </a:solidFill>
-                      <a:prstDash val="solid"/>
-                      <a:round/>
-                      <a:headEnd type="none" w="med" len="med"/>
-                      <a:tailEnd type="none" w="med" len="med"/>
-                    </a:lnT>
-                    <a:lnB w="12700" cap="flat" cmpd="sng" algn="ctr">
-                      <a:solidFill>
-                        <a:schemeClr val="tx1"/>
-                      </a:solidFill>
-                      <a:prstDash val="solid"/>
-                      <a:round/>
-                      <a:headEnd type="none" w="med" len="med"/>
-                      <a:tailEnd type="none" w="med" len="med"/>
-                    </a:lnB>
-                  </a:tcPr>
-                </a:tc>
-                <a:tc>
-                  <a:txBody>
-                    <a:bodyPr/>
-                    <a:lstStyle/>
-                    <a:p>
-                      <a:endParaRPr lang="en-PH" sz="5200"/>
-                    </a:p>
-                  </a:txBody>
-                  <a:tcPr marL="182880" marR="182880" marT="57910" marB="57910">
-                    <a:lnL w="12700" cap="flat" cmpd="sng" algn="ctr">
-                      <a:solidFill>
-                        <a:schemeClr val="tx1"/>
-                      </a:solidFill>
-                      <a:prstDash val="solid"/>
-                      <a:round/>
-                      <a:headEnd type="none" w="med" len="med"/>
-                      <a:tailEnd type="none" w="med" len="med"/>
-                    </a:lnL>
-                    <a:lnR w="12700" cap="flat" cmpd="sng" algn="ctr">
-                      <a:solidFill>
-                        <a:schemeClr val="tx1"/>
-                      </a:solidFill>
-                      <a:prstDash val="solid"/>
-                      <a:round/>
-                      <a:headEnd type="none" w="med" len="med"/>
-                      <a:tailEnd type="none" w="med" len="med"/>
-                    </a:lnR>
-                    <a:lnT w="12700" cap="flat" cmpd="sng" algn="ctr">
-                      <a:solidFill>
-                        <a:schemeClr val="tx1"/>
-                      </a:solidFill>
-                      <a:prstDash val="solid"/>
-                      <a:round/>
-                      <a:headEnd type="none" w="med" len="med"/>
-                      <a:tailEnd type="none" w="med" len="med"/>
-                    </a:lnT>
-                    <a:lnB w="12700" cap="flat" cmpd="sng" algn="ctr">
-                      <a:solidFill>
-                        <a:schemeClr val="tx1"/>
-                      </a:solidFill>
-                      <a:prstDash val="solid"/>
-                      <a:round/>
-                      <a:headEnd type="none" w="med" len="med"/>
-                      <a:tailEnd type="none" w="med" len="med"/>
-                    </a:lnB>
-                  </a:tcPr>
-                </a:tc>
-                <a:tc>
-                  <a:txBody>
-                    <a:bodyPr/>
-                    <a:lstStyle/>
-                    <a:p>
-                      <a:endParaRPr lang="en-PH" sz="5200"/>
-                    </a:p>
-                  </a:txBody>
-                  <a:tcPr marL="182880" marR="182880" marT="57910" marB="57910">
-                    <a:lnL w="12700" cap="flat" cmpd="sng" algn="ctr">
-                      <a:solidFill>
-                        <a:schemeClr val="tx1"/>
-                      </a:solidFill>
-                      <a:prstDash val="solid"/>
-                      <a:round/>
-                      <a:headEnd type="none" w="med" len="med"/>
-                      <a:tailEnd type="none" w="med" len="med"/>
-                    </a:lnL>
-                    <a:lnR w="12700" cap="flat" cmpd="sng" algn="ctr">
-                      <a:solidFill>
-                        <a:schemeClr val="tx1"/>
-                      </a:solidFill>
-                      <a:prstDash val="solid"/>
-                      <a:round/>
-                      <a:headEnd type="none" w="med" len="med"/>
-                      <a:tailEnd type="none" w="med" len="med"/>
-                    </a:lnR>
-                    <a:lnT w="12700" cap="flat" cmpd="sng" algn="ctr">
-                      <a:solidFill>
-                        <a:schemeClr val="tx1"/>
-                      </a:solidFill>
-                      <a:prstDash val="solid"/>
-                      <a:round/>
-                      <a:headEnd type="none" w="med" len="med"/>
-                      <a:tailEnd type="none" w="med" len="med"/>
-                    </a:lnT>
-                    <a:lnB w="12700" cap="flat" cmpd="sng" algn="ctr">
-                      <a:solidFill>
-                        <a:schemeClr val="tx1"/>
-                      </a:solidFill>
-                      <a:prstDash val="solid"/>
-                      <a:round/>
-                      <a:headEnd type="none" w="med" len="med"/>
-                      <a:tailEnd type="none" w="med" len="med"/>
-                    </a:lnB>
-                  </a:tcPr>
-                </a:tc>
-                <a:tc>
-                  <a:txBody>
-                    <a:bodyPr/>
-                    <a:lstStyle/>
-                    <a:p>
-                      <a:endParaRPr lang="en-PH" sz="5200" dirty="0"/>
-                    </a:p>
-                  </a:txBody>
-                  <a:tcPr marL="182880" marR="182880" marT="57910" marB="57910">
-                    <a:lnL w="12700" cap="flat" cmpd="sng" algn="ctr">
-                      <a:solidFill>
-                        <a:schemeClr val="tx1"/>
-                      </a:solidFill>
-                      <a:prstDash val="solid"/>
-                      <a:round/>
-                      <a:headEnd type="none" w="med" len="med"/>
-                      <a:tailEnd type="none" w="med" len="med"/>
-                    </a:lnL>
-                    <a:lnR w="12700" cap="flat" cmpd="sng" algn="ctr">
-                      <a:solidFill>
-                        <a:schemeClr val="tx1"/>
-                      </a:solidFill>
-                      <a:prstDash val="solid"/>
-                      <a:round/>
-                      <a:headEnd type="none" w="med" len="med"/>
-                      <a:tailEnd type="none" w="med" len="med"/>
-                    </a:lnR>
-                    <a:lnT w="12700" cap="flat" cmpd="sng" algn="ctr">
-                      <a:solidFill>
-                        <a:schemeClr val="tx1"/>
-                      </a:solidFill>
-                      <a:prstDash val="solid"/>
-                      <a:round/>
-                      <a:headEnd type="none" w="med" len="med"/>
-                      <a:tailEnd type="none" w="med" len="med"/>
-                    </a:lnT>
-                    <a:lnB w="12700" cap="flat" cmpd="sng" algn="ctr">
-                      <a:solidFill>
-                        <a:schemeClr val="tx1"/>
-                      </a:solidFill>
-                      <a:prstDash val="solid"/>
-                      <a:round/>
-                      <a:headEnd type="none" w="med" len="med"/>
-                      <a:tailEnd type="none" w="med" len="med"/>
-                    </a:lnB>
-                  </a:tcPr>
-                </a:tc>
-                <a:tc>
-                  <a:txBody>
-                    <a:bodyPr/>
-                    <a:lstStyle/>
-                    <a:p>
-                      <a:endParaRPr lang="en-PH" sz="5200" dirty="0"/>
-                    </a:p>
-                  </a:txBody>
-                  <a:tcPr marL="182880" marR="182880" marT="57910" marB="57910">
-                    <a:lnL w="12700" cap="flat" cmpd="sng" algn="ctr">
-                      <a:solidFill>
-                        <a:schemeClr val="tx1"/>
-                      </a:solidFill>
-                      <a:prstDash val="solid"/>
-                      <a:round/>
-                      <a:headEnd type="none" w="med" len="med"/>
-                      <a:tailEnd type="none" w="med" len="med"/>
-                    </a:lnL>
-                    <a:lnR w="12700" cap="flat" cmpd="sng" algn="ctr">
-                      <a:solidFill>
-                        <a:schemeClr val="tx1"/>
-                      </a:solidFill>
-                      <a:prstDash val="solid"/>
-                      <a:round/>
-                      <a:headEnd type="none" w="med" len="med"/>
-                      <a:tailEnd type="none" w="med" len="med"/>
-                    </a:lnR>
-                    <a:lnT w="12700" cap="flat" cmpd="sng" algn="ctr">
-                      <a:solidFill>
-                        <a:schemeClr val="tx1"/>
-                      </a:solidFill>
-                      <a:prstDash val="solid"/>
-                      <a:round/>
-                      <a:headEnd type="none" w="med" len="med"/>
-                      <a:tailEnd type="none" w="med" len="med"/>
-                    </a:lnT>
-                    <a:lnB w="12700" cap="flat" cmpd="sng" algn="ctr">
-                      <a:solidFill>
-                        <a:schemeClr val="tx1"/>
-                      </a:solidFill>
-                      <a:prstDash val="solid"/>
-                      <a:round/>
-                      <a:headEnd type="none" w="med" len="med"/>
-                      <a:tailEnd type="none" w="med" len="med"/>
-                    </a:lnB>
-                  </a:tcPr>
-                </a:tc>
-                <a:tc>
-                  <a:txBody>
-                    <a:bodyPr/>
-                    <a:lstStyle/>
-                    <a:p>
-                      <a:endParaRPr lang="en-PH" sz="5200" dirty="0"/>
-                    </a:p>
-                  </a:txBody>
-                  <a:tcPr marL="182880" marR="182880" marT="57910" marB="57910">
-                    <a:lnL w="12700" cap="flat" cmpd="sng" algn="ctr">
-                      <a:solidFill>
-                        <a:schemeClr val="tx1"/>
-                      </a:solidFill>
-                      <a:prstDash val="solid"/>
-                      <a:round/>
-                      <a:headEnd type="none" w="med" len="med"/>
-                      <a:tailEnd type="none" w="med" len="med"/>
-                    </a:lnL>
-                    <a:lnR w="12700" cap="flat" cmpd="sng" algn="ctr">
-                      <a:solidFill>
-                        <a:schemeClr val="tx1"/>
-                      </a:solidFill>
-                      <a:prstDash val="solid"/>
-                      <a:round/>
-                      <a:headEnd type="none" w="med" len="med"/>
-                      <a:tailEnd type="none" w="med" len="med"/>
-                    </a:lnR>
-                    <a:lnT w="12700" cap="flat" cmpd="sng" algn="ctr">
-                      <a:solidFill>
-                        <a:schemeClr val="tx1"/>
-                      </a:solidFill>
-                      <a:prstDash val="solid"/>
-                      <a:round/>
-                      <a:headEnd type="none" w="med" len="med"/>
-                      <a:tailEnd type="none" w="med" len="med"/>
-                    </a:lnT>
-                    <a:lnB w="12700" cap="flat" cmpd="sng" algn="ctr">
-                      <a:solidFill>
-                        <a:schemeClr val="tx1"/>
-                      </a:solidFill>
-                      <a:prstDash val="solid"/>
-                      <a:round/>
-                      <a:headEnd type="none" w="med" len="med"/>
-                      <a:tailEnd type="none" w="med" len="med"/>
-                    </a:lnB>
-                  </a:tcPr>
-                </a:tc>
-                <a:tc>
-                  <a:txBody>
-                    <a:bodyPr/>
-                    <a:lstStyle/>
-                    <a:p>
-                      <a:endParaRPr lang="en-PH" sz="5200" dirty="0"/>
-                    </a:p>
-                  </a:txBody>
-                  <a:tcPr marL="182880" marR="182880" marT="57910" marB="57910">
-                    <a:lnL w="12700" cap="flat" cmpd="sng" algn="ctr">
-                      <a:solidFill>
-                        <a:schemeClr val="tx1"/>
-                      </a:solidFill>
-                      <a:prstDash val="solid"/>
-                      <a:round/>
-                      <a:headEnd type="none" w="med" len="med"/>
-                      <a:tailEnd type="none" w="med" len="med"/>
-                    </a:lnL>
-                    <a:lnR w="12700" cap="flat" cmpd="sng" algn="ctr">
-                      <a:solidFill>
-                        <a:schemeClr val="tx1"/>
-                      </a:solidFill>
-                      <a:prstDash val="solid"/>
-                      <a:round/>
-                      <a:headEnd type="none" w="med" len="med"/>
-                      <a:tailEnd type="none" w="med" len="med"/>
-                    </a:lnR>
-                    <a:lnT w="12700" cap="flat" cmpd="sng" algn="ctr">
-                      <a:solidFill>
-                        <a:schemeClr val="tx1"/>
-                      </a:solidFill>
-                      <a:prstDash val="solid"/>
-                      <a:round/>
-                      <a:headEnd type="none" w="med" len="med"/>
-                      <a:tailEnd type="none" w="med" len="med"/>
-                    </a:lnT>
-                    <a:lnB w="12700" cap="flat" cmpd="sng" algn="ctr">
-                      <a:solidFill>
-                        <a:schemeClr val="tx1"/>
-                      </a:solidFill>
-                      <a:prstDash val="solid"/>
-                      <a:round/>
-                      <a:headEnd type="none" w="med" len="med"/>
-                      <a:tailEnd type="none" w="med" len="med"/>
-                    </a:lnB>
-                  </a:tcPr>
-                </a:tc>
-                <a:tc>
-                  <a:txBody>
-                    <a:bodyPr/>
-                    <a:lstStyle/>
-                    <a:p>
-                      <a:endParaRPr lang="en-PH" sz="5200"/>
-                    </a:p>
-                  </a:txBody>
-                  <a:tcPr marL="182880" marR="182880" marT="57910" marB="57910">
-                    <a:lnL w="12700" cap="flat" cmpd="sng" algn="ctr">
-                      <a:solidFill>
-                        <a:schemeClr val="tx1"/>
-                      </a:solidFill>
-                      <a:prstDash val="solid"/>
-                      <a:round/>
-                      <a:headEnd type="none" w="med" len="med"/>
-                      <a:tailEnd type="none" w="med" len="med"/>
-                    </a:lnL>
-                    <a:lnR w="12700" cap="flat" cmpd="sng" algn="ctr">
-                      <a:solidFill>
-                        <a:schemeClr val="tx1"/>
-                      </a:solidFill>
-                      <a:prstDash val="solid"/>
-                      <a:round/>
-                      <a:headEnd type="none" w="med" len="med"/>
-                      <a:tailEnd type="none" w="med" len="med"/>
-                    </a:lnR>
-                    <a:lnT w="12700" cap="flat" cmpd="sng" algn="ctr">
-                      <a:solidFill>
-                        <a:schemeClr val="tx1"/>
-                      </a:solidFill>
-                      <a:prstDash val="solid"/>
-                      <a:round/>
-                      <a:headEnd type="none" w="med" len="med"/>
-                      <a:tailEnd type="none" w="med" len="med"/>
-                    </a:lnT>
-                    <a:lnB w="12700" cap="flat" cmpd="sng" algn="ctr">
-                      <a:solidFill>
-                        <a:schemeClr val="tx1"/>
-                      </a:solidFill>
-                      <a:prstDash val="solid"/>
-                      <a:round/>
-                      <a:headEnd type="none" w="med" len="med"/>
-                      <a:tailEnd type="none" w="med" len="med"/>
-                    </a:lnB>
-                  </a:tcPr>
-                </a:tc>
-              </a:tr>
-              <a:tr h="1710138">
-                <a:tc>
-                  <a:txBody>
-                    <a:bodyPr/>
-                    <a:lstStyle/>
-                    <a:p>
-                      <a:endParaRPr lang="en-PH" sz="5200" dirty="0"/>
-                    </a:p>
-                  </a:txBody>
-                  <a:tcPr marL="182880" marR="182880" marT="57910" marB="57910">
-                    <a:lnL w="12700" cap="flat" cmpd="sng" algn="ctr">
-                      <a:solidFill>
-                        <a:schemeClr val="tx1"/>
-                      </a:solidFill>
-                      <a:prstDash val="solid"/>
-                      <a:round/>
-                      <a:headEnd type="none" w="med" len="med"/>
-                      <a:tailEnd type="none" w="med" len="med"/>
-                    </a:lnL>
-                    <a:lnR w="12700" cap="flat" cmpd="sng" algn="ctr">
-                      <a:solidFill>
-                        <a:schemeClr val="tx1"/>
-                      </a:solidFill>
-                      <a:prstDash val="solid"/>
-                      <a:round/>
-                      <a:headEnd type="none" w="med" len="med"/>
-                      <a:tailEnd type="none" w="med" len="med"/>
-                    </a:lnR>
-                    <a:lnT w="12700" cap="flat" cmpd="sng" algn="ctr">
-                      <a:solidFill>
-                        <a:schemeClr val="tx1"/>
-                      </a:solidFill>
-                      <a:prstDash val="solid"/>
-                      <a:round/>
-                      <a:headEnd type="none" w="med" len="med"/>
-                      <a:tailEnd type="none" w="med" len="med"/>
-                    </a:lnT>
-                    <a:lnB w="12700" cap="flat" cmpd="sng" algn="ctr">
-                      <a:solidFill>
-                        <a:schemeClr val="tx1"/>
-                      </a:solidFill>
-                      <a:prstDash val="solid"/>
-                      <a:round/>
-                      <a:headEnd type="none" w="med" len="med"/>
-                      <a:tailEnd type="none" w="med" len="med"/>
-                    </a:lnB>
-                  </a:tcPr>
-                </a:tc>
-                <a:tc>
-                  <a:txBody>
-                    <a:bodyPr/>
-                    <a:lstStyle/>
-                    <a:p>
-                      <a:endParaRPr lang="en-PH" sz="5200"/>
-                    </a:p>
-                  </a:txBody>
-                  <a:tcPr marL="182880" marR="182880" marT="57910" marB="57910">
-                    <a:lnL w="12700" cap="flat" cmpd="sng" algn="ctr">
-                      <a:solidFill>
-                        <a:schemeClr val="tx1"/>
-                      </a:solidFill>
-                      <a:prstDash val="solid"/>
-                      <a:round/>
-                      <a:headEnd type="none" w="med" len="med"/>
-                      <a:tailEnd type="none" w="med" len="med"/>
-                    </a:lnL>
-                    <a:lnR w="12700" cap="flat" cmpd="sng" algn="ctr">
-                      <a:solidFill>
-                        <a:schemeClr val="tx1"/>
-                      </a:solidFill>
-                      <a:prstDash val="solid"/>
-                      <a:round/>
-                      <a:headEnd type="none" w="med" len="med"/>
-                      <a:tailEnd type="none" w="med" len="med"/>
-                    </a:lnR>
-                    <a:lnT w="12700" cap="flat" cmpd="sng" algn="ctr">
-                      <a:solidFill>
-                        <a:schemeClr val="tx1"/>
-                      </a:solidFill>
-                      <a:prstDash val="solid"/>
-                      <a:round/>
-                      <a:headEnd type="none" w="med" len="med"/>
-                      <a:tailEnd type="none" w="med" len="med"/>
-                    </a:lnT>
-                    <a:lnB w="12700" cap="flat" cmpd="sng" algn="ctr">
-                      <a:solidFill>
-                        <a:schemeClr val="tx1"/>
-                      </a:solidFill>
-                      <a:prstDash val="solid"/>
-                      <a:round/>
-                      <a:headEnd type="none" w="med" len="med"/>
-                      <a:tailEnd type="none" w="med" len="med"/>
-                    </a:lnB>
-                  </a:tcPr>
-                </a:tc>
-                <a:tc>
-                  <a:txBody>
-                    <a:bodyPr/>
-                    <a:lstStyle/>
-                    <a:p>
-                      <a:endParaRPr lang="en-PH" sz="5200"/>
-                    </a:p>
-                  </a:txBody>
-                  <a:tcPr marL="182880" marR="182880" marT="57910" marB="57910">
-                    <a:lnL w="12700" cap="flat" cmpd="sng" algn="ctr">
-                      <a:solidFill>
-                        <a:schemeClr val="tx1"/>
-                      </a:solidFill>
-                      <a:prstDash val="solid"/>
-                      <a:round/>
-                      <a:headEnd type="none" w="med" len="med"/>
-                      <a:tailEnd type="none" w="med" len="med"/>
-                    </a:lnL>
-                    <a:lnR w="12700" cap="flat" cmpd="sng" algn="ctr">
-                      <a:solidFill>
-                        <a:schemeClr val="tx1"/>
-                      </a:solidFill>
-                      <a:prstDash val="solid"/>
-                      <a:round/>
-                      <a:headEnd type="none" w="med" len="med"/>
-                      <a:tailEnd type="none" w="med" len="med"/>
-                    </a:lnR>
-                    <a:lnT w="12700" cap="flat" cmpd="sng" algn="ctr">
-                      <a:solidFill>
-                        <a:schemeClr val="tx1"/>
-                      </a:solidFill>
-                      <a:prstDash val="solid"/>
-                      <a:round/>
-                      <a:headEnd type="none" w="med" len="med"/>
-                      <a:tailEnd type="none" w="med" len="med"/>
-                    </a:lnT>
-                    <a:lnB w="12700" cap="flat" cmpd="sng" algn="ctr">
-                      <a:solidFill>
-                        <a:schemeClr val="tx1"/>
-                      </a:solidFill>
-                      <a:prstDash val="solid"/>
-                      <a:round/>
-                      <a:headEnd type="none" w="med" len="med"/>
-                      <a:tailEnd type="none" w="med" len="med"/>
-                    </a:lnB>
-                  </a:tcPr>
-                </a:tc>
-                <a:tc>
-                  <a:txBody>
-                    <a:bodyPr/>
-                    <a:lstStyle/>
-                    <a:p>
-                      <a:endParaRPr lang="en-PH" sz="5200" dirty="0"/>
-                    </a:p>
-                  </a:txBody>
-                  <a:tcPr marL="182880" marR="182880" marT="57910" marB="57910">
-                    <a:lnL w="12700" cap="flat" cmpd="sng" algn="ctr">
-                      <a:solidFill>
-                        <a:schemeClr val="tx1"/>
-                      </a:solidFill>
-                      <a:prstDash val="solid"/>
-                      <a:round/>
-                      <a:headEnd type="none" w="med" len="med"/>
-                      <a:tailEnd type="none" w="med" len="med"/>
-                    </a:lnL>
-                    <a:lnR w="12700" cap="flat" cmpd="sng" algn="ctr">
-                      <a:solidFill>
-                        <a:schemeClr val="tx1"/>
-                      </a:solidFill>
-                      <a:prstDash val="solid"/>
-                      <a:round/>
-                      <a:headEnd type="none" w="med" len="med"/>
-                      <a:tailEnd type="none" w="med" len="med"/>
-                    </a:lnR>
-                    <a:lnT w="12700" cap="flat" cmpd="sng" algn="ctr">
-                      <a:solidFill>
-                        <a:schemeClr val="tx1"/>
-                      </a:solidFill>
-                      <a:prstDash val="solid"/>
-                      <a:round/>
-                      <a:headEnd type="none" w="med" len="med"/>
-                      <a:tailEnd type="none" w="med" len="med"/>
-                    </a:lnT>
-                    <a:lnB w="12700" cap="flat" cmpd="sng" algn="ctr">
-                      <a:solidFill>
-                        <a:schemeClr val="tx1"/>
-                      </a:solidFill>
-                      <a:prstDash val="solid"/>
-                      <a:round/>
-                      <a:headEnd type="none" w="med" len="med"/>
-                      <a:tailEnd type="none" w="med" len="med"/>
-                    </a:lnB>
-                  </a:tcPr>
-                </a:tc>
-                <a:tc>
-                  <a:txBody>
-                    <a:bodyPr/>
-                    <a:lstStyle/>
-                    <a:p>
-                      <a:endParaRPr lang="en-PH" sz="5200"/>
-                    </a:p>
-                  </a:txBody>
-                  <a:tcPr marL="182880" marR="182880" marT="57910" marB="57910">
-                    <a:lnL w="12700" cap="flat" cmpd="sng" algn="ctr">
-                      <a:solidFill>
-                        <a:schemeClr val="tx1"/>
-                      </a:solidFill>
-                      <a:prstDash val="solid"/>
-                      <a:round/>
-                      <a:headEnd type="none" w="med" len="med"/>
-                      <a:tailEnd type="none" w="med" len="med"/>
-                    </a:lnL>
-                    <a:lnR w="12700" cap="flat" cmpd="sng" algn="ctr">
-                      <a:solidFill>
-                        <a:schemeClr val="tx1"/>
-                      </a:solidFill>
-                      <a:prstDash val="solid"/>
-                      <a:round/>
-                      <a:headEnd type="none" w="med" len="med"/>
-                      <a:tailEnd type="none" w="med" len="med"/>
-                    </a:lnR>
-                    <a:lnT w="12700" cap="flat" cmpd="sng" algn="ctr">
-                      <a:solidFill>
-                        <a:schemeClr val="tx1"/>
-                      </a:solidFill>
-                      <a:prstDash val="solid"/>
-                      <a:round/>
-                      <a:headEnd type="none" w="med" len="med"/>
-                      <a:tailEnd type="none" w="med" len="med"/>
-                    </a:lnT>
-                    <a:lnB w="12700" cap="flat" cmpd="sng" algn="ctr">
-                      <a:solidFill>
-                        <a:schemeClr val="tx1"/>
-                      </a:solidFill>
-                      <a:prstDash val="solid"/>
-                      <a:round/>
-                      <a:headEnd type="none" w="med" len="med"/>
-                      <a:tailEnd type="none" w="med" len="med"/>
-                    </a:lnB>
-                  </a:tcPr>
-                </a:tc>
-                <a:tc>
-                  <a:txBody>
-                    <a:bodyPr/>
-                    <a:lstStyle/>
-                    <a:p>
-                      <a:endParaRPr lang="en-PH" sz="5200"/>
-                    </a:p>
-                  </a:txBody>
-                  <a:tcPr marL="182880" marR="182880" marT="57910" marB="57910">
-                    <a:lnL w="12700" cap="flat" cmpd="sng" algn="ctr">
-                      <a:solidFill>
-                        <a:schemeClr val="tx1"/>
-                      </a:solidFill>
-                      <a:prstDash val="solid"/>
-                      <a:round/>
-                      <a:headEnd type="none" w="med" len="med"/>
-                      <a:tailEnd type="none" w="med" len="med"/>
-                    </a:lnL>
-                    <a:lnR w="12700" cap="flat" cmpd="sng" algn="ctr">
-                      <a:solidFill>
-                        <a:schemeClr val="tx1"/>
-                      </a:solidFill>
-                      <a:prstDash val="solid"/>
-                      <a:round/>
-                      <a:headEnd type="none" w="med" len="med"/>
-                      <a:tailEnd type="none" w="med" len="med"/>
-                    </a:lnR>
-                    <a:lnT w="12700" cap="flat" cmpd="sng" algn="ctr">
-                      <a:solidFill>
-                        <a:schemeClr val="tx1"/>
-                      </a:solidFill>
-                      <a:prstDash val="solid"/>
-                      <a:round/>
-                      <a:headEnd type="none" w="med" len="med"/>
-                      <a:tailEnd type="none" w="med" len="med"/>
-                    </a:lnT>
-                    <a:lnB w="12700" cap="flat" cmpd="sng" algn="ctr">
-                      <a:solidFill>
-                        <a:schemeClr val="tx1"/>
-                      </a:solidFill>
-                      <a:prstDash val="solid"/>
-                      <a:round/>
-                      <a:headEnd type="none" w="med" len="med"/>
-                      <a:tailEnd type="none" w="med" len="med"/>
-                    </a:lnB>
-                  </a:tcPr>
-                </a:tc>
-                <a:tc>
-                  <a:txBody>
-                    <a:bodyPr/>
-                    <a:lstStyle/>
-                    <a:p>
-                      <a:endParaRPr lang="en-PH" sz="5200" dirty="0"/>
-                    </a:p>
-                  </a:txBody>
-                  <a:tcPr marL="182880" marR="182880" marT="57910" marB="57910">
-                    <a:lnL w="12700" cap="flat" cmpd="sng" algn="ctr">
-                      <a:solidFill>
-                        <a:schemeClr val="tx1"/>
-                      </a:solidFill>
-                      <a:prstDash val="solid"/>
-                      <a:round/>
-                      <a:headEnd type="none" w="med" len="med"/>
-                      <a:tailEnd type="none" w="med" len="med"/>
-                    </a:lnL>
-                    <a:lnR w="12700" cap="flat" cmpd="sng" algn="ctr">
-                      <a:solidFill>
-                        <a:schemeClr val="tx1"/>
-                      </a:solidFill>
-                      <a:prstDash val="solid"/>
-                      <a:round/>
-                      <a:headEnd type="none" w="med" len="med"/>
-                      <a:tailEnd type="none" w="med" len="med"/>
-                    </a:lnR>
-                    <a:lnT w="12700" cap="flat" cmpd="sng" algn="ctr">
-                      <a:solidFill>
-                        <a:schemeClr val="tx1"/>
-                      </a:solidFill>
-                      <a:prstDash val="solid"/>
-                      <a:round/>
-                      <a:headEnd type="none" w="med" len="med"/>
-                      <a:tailEnd type="none" w="med" len="med"/>
-                    </a:lnT>
-                    <a:lnB w="12700" cap="flat" cmpd="sng" algn="ctr">
-                      <a:solidFill>
-                        <a:schemeClr val="tx1"/>
-                      </a:solidFill>
-                      <a:prstDash val="solid"/>
-                      <a:round/>
-                      <a:headEnd type="none" w="med" len="med"/>
-                      <a:tailEnd type="none" w="med" len="med"/>
-                    </a:lnB>
-                  </a:tcPr>
-                </a:tc>
-                <a:tc>
-                  <a:txBody>
-                    <a:bodyPr/>
-                    <a:lstStyle/>
-                    <a:p>
-                      <a:endParaRPr lang="en-PH" sz="5200" dirty="0"/>
-                    </a:p>
-                  </a:txBody>
-                  <a:tcPr marL="182880" marR="182880" marT="57910" marB="57910">
-                    <a:lnL w="12700" cap="flat" cmpd="sng" algn="ctr">
-                      <a:solidFill>
-                        <a:schemeClr val="tx1"/>
-                      </a:solidFill>
-                      <a:prstDash val="solid"/>
-                      <a:round/>
-                      <a:headEnd type="none" w="med" len="med"/>
-                      <a:tailEnd type="none" w="med" len="med"/>
-                    </a:lnL>
-                    <a:lnR w="12700" cap="flat" cmpd="sng" algn="ctr">
-                      <a:solidFill>
-                        <a:schemeClr val="tx1"/>
-                      </a:solidFill>
-                      <a:prstDash val="solid"/>
-                      <a:round/>
-                      <a:headEnd type="none" w="med" len="med"/>
-                      <a:tailEnd type="none" w="med" len="med"/>
-                    </a:lnR>
-                    <a:lnT w="12700" cap="flat" cmpd="sng" algn="ctr">
-                      <a:solidFill>
-                        <a:schemeClr val="tx1"/>
-                      </a:solidFill>
-                      <a:prstDash val="solid"/>
-                      <a:round/>
-                      <a:headEnd type="none" w="med" len="med"/>
-                      <a:tailEnd type="none" w="med" len="med"/>
-                    </a:lnT>
-                    <a:lnB w="12700" cap="flat" cmpd="sng" algn="ctr">
-                      <a:solidFill>
-                        <a:schemeClr val="tx1"/>
-                      </a:solidFill>
-                      <a:prstDash val="solid"/>
-                      <a:round/>
-                      <a:headEnd type="none" w="med" len="med"/>
-                      <a:tailEnd type="none" w="med" len="med"/>
-                    </a:lnB>
-                  </a:tcPr>
-                </a:tc>
-                <a:tc>
-                  <a:txBody>
-                    <a:bodyPr/>
-                    <a:lstStyle/>
-                    <a:p>
-                      <a:endParaRPr lang="en-PH" sz="5200"/>
-                    </a:p>
-                  </a:txBody>
-                  <a:tcPr marL="182880" marR="182880" marT="57910" marB="57910">
-                    <a:lnL w="12700" cap="flat" cmpd="sng" algn="ctr">
-                      <a:solidFill>
-                        <a:schemeClr val="tx1"/>
-                      </a:solidFill>
-                      <a:prstDash val="solid"/>
-                      <a:round/>
-                      <a:headEnd type="none" w="med" len="med"/>
-                      <a:tailEnd type="none" w="med" len="med"/>
-                    </a:lnL>
-                    <a:lnR w="12700" cap="flat" cmpd="sng" algn="ctr">
-                      <a:solidFill>
-                        <a:schemeClr val="tx1"/>
-                      </a:solidFill>
-                      <a:prstDash val="solid"/>
-                      <a:round/>
-                      <a:headEnd type="none" w="med" len="med"/>
-                      <a:tailEnd type="none" w="med" len="med"/>
-                    </a:lnR>
-                    <a:lnT w="12700" cap="flat" cmpd="sng" algn="ctr">
-                      <a:solidFill>
-                        <a:schemeClr val="tx1"/>
-                      </a:solidFill>
-                      <a:prstDash val="solid"/>
-                      <a:round/>
-                      <a:headEnd type="none" w="med" len="med"/>
-                      <a:tailEnd type="none" w="med" len="med"/>
-                    </a:lnT>
-                    <a:lnB w="12700" cap="flat" cmpd="sng" algn="ctr">
-                      <a:solidFill>
-                        <a:schemeClr val="tx1"/>
-                      </a:solidFill>
-                      <a:prstDash val="solid"/>
-                      <a:round/>
-                      <a:headEnd type="none" w="med" len="med"/>
-                      <a:tailEnd type="none" w="med" len="med"/>
-                    </a:lnB>
-                  </a:tcPr>
-                </a:tc>
-                <a:tc>
-                  <a:txBody>
-                    <a:bodyPr/>
-                    <a:lstStyle/>
-                    <a:p>
-                      <a:endParaRPr lang="en-PH" sz="5200"/>
-                    </a:p>
-                  </a:txBody>
-                  <a:tcPr marL="182880" marR="182880" marT="57910" marB="57910">
-                    <a:lnL w="12700" cap="flat" cmpd="sng" algn="ctr">
-                      <a:solidFill>
-                        <a:schemeClr val="tx1"/>
-                      </a:solidFill>
-                      <a:prstDash val="solid"/>
-                      <a:round/>
-                      <a:headEnd type="none" w="med" len="med"/>
-                      <a:tailEnd type="none" w="med" len="med"/>
-                    </a:lnL>
-                    <a:lnR w="12700" cap="flat" cmpd="sng" algn="ctr">
-                      <a:solidFill>
-                        <a:schemeClr val="tx1"/>
-                      </a:solidFill>
-                      <a:prstDash val="solid"/>
-                      <a:round/>
-                      <a:headEnd type="none" w="med" len="med"/>
-                      <a:tailEnd type="none" w="med" len="med"/>
-                    </a:lnR>
-                    <a:lnT w="12700" cap="flat" cmpd="sng" algn="ctr">
-                      <a:solidFill>
-                        <a:schemeClr val="tx1"/>
-                      </a:solidFill>
-                      <a:prstDash val="solid"/>
-                      <a:round/>
-                      <a:headEnd type="none" w="med" len="med"/>
-                      <a:tailEnd type="none" w="med" len="med"/>
-                    </a:lnT>
-                    <a:lnB w="12700" cap="flat" cmpd="sng" algn="ctr">
-                      <a:solidFill>
-                        <a:schemeClr val="tx1"/>
-                      </a:solidFill>
-                      <a:prstDash val="solid"/>
-                      <a:round/>
-                      <a:headEnd type="none" w="med" len="med"/>
-                      <a:tailEnd type="none" w="med" len="med"/>
-                    </a:lnB>
-                  </a:tcPr>
-                </a:tc>
-              </a:tr>
-              <a:tr h="1710138">
-                <a:tc>
-                  <a:txBody>
-                    <a:bodyPr/>
-                    <a:lstStyle/>
-                    <a:p>
-                      <a:endParaRPr lang="en-PH" sz="5200" dirty="0"/>
-                    </a:p>
-                  </a:txBody>
-                  <a:tcPr marL="182880" marR="182880" marT="57910" marB="57910">
-                    <a:lnL w="12700" cap="flat" cmpd="sng" algn="ctr">
-                      <a:solidFill>
-                        <a:schemeClr val="tx1"/>
-                      </a:solidFill>
-                      <a:prstDash val="solid"/>
-                      <a:round/>
-                      <a:headEnd type="none" w="med" len="med"/>
-                      <a:tailEnd type="none" w="med" len="med"/>
-                    </a:lnL>
-                    <a:lnR w="12700" cap="flat" cmpd="sng" algn="ctr">
-                      <a:solidFill>
-                        <a:schemeClr val="tx1"/>
-                      </a:solidFill>
-                      <a:prstDash val="solid"/>
-                      <a:round/>
-                      <a:headEnd type="none" w="med" len="med"/>
-                      <a:tailEnd type="none" w="med" len="med"/>
-                    </a:lnR>
-                    <a:lnT w="12700" cap="flat" cmpd="sng" algn="ctr">
-                      <a:solidFill>
-                        <a:schemeClr val="tx1"/>
-                      </a:solidFill>
-                      <a:prstDash val="solid"/>
-                      <a:round/>
-                      <a:headEnd type="none" w="med" len="med"/>
-                      <a:tailEnd type="none" w="med" len="med"/>
-                    </a:lnT>
-                    <a:lnB w="12700" cap="flat" cmpd="sng" algn="ctr">
-                      <a:solidFill>
-                        <a:schemeClr val="tx1"/>
-                      </a:solidFill>
-                      <a:prstDash val="solid"/>
-                      <a:round/>
-                      <a:headEnd type="none" w="med" len="med"/>
-                      <a:tailEnd type="none" w="med" len="med"/>
-                    </a:lnB>
-                  </a:tcPr>
-                </a:tc>
-                <a:tc>
-                  <a:txBody>
-                    <a:bodyPr/>
-                    <a:lstStyle/>
-                    <a:p>
-                      <a:endParaRPr lang="en-PH" sz="5200"/>
-                    </a:p>
-                  </a:txBody>
-                  <a:tcPr marL="182880" marR="182880" marT="57910" marB="57910">
-                    <a:lnL w="12700" cap="flat" cmpd="sng" algn="ctr">
-                      <a:solidFill>
-                        <a:schemeClr val="tx1"/>
-                      </a:solidFill>
-                      <a:prstDash val="solid"/>
-                      <a:round/>
-                      <a:headEnd type="none" w="med" len="med"/>
-                      <a:tailEnd type="none" w="med" len="med"/>
-                    </a:lnL>
-                    <a:lnR w="12700" cap="flat" cmpd="sng" algn="ctr">
-                      <a:solidFill>
-                        <a:schemeClr val="tx1"/>
-                      </a:solidFill>
-                      <a:prstDash val="solid"/>
-                      <a:round/>
-                      <a:headEnd type="none" w="med" len="med"/>
-                      <a:tailEnd type="none" w="med" len="med"/>
-                    </a:lnR>
-                    <a:lnT w="12700" cap="flat" cmpd="sng" algn="ctr">
-                      <a:solidFill>
-                        <a:schemeClr val="tx1"/>
-                      </a:solidFill>
-                      <a:prstDash val="solid"/>
-                      <a:round/>
-                      <a:headEnd type="none" w="med" len="med"/>
-                      <a:tailEnd type="none" w="med" len="med"/>
-                    </a:lnT>
-                    <a:lnB w="12700" cap="flat" cmpd="sng" algn="ctr">
-                      <a:solidFill>
-                        <a:schemeClr val="tx1"/>
-                      </a:solidFill>
-                      <a:prstDash val="solid"/>
-                      <a:round/>
-                      <a:headEnd type="none" w="med" len="med"/>
-                      <a:tailEnd type="none" w="med" len="med"/>
-                    </a:lnB>
-                  </a:tcPr>
-                </a:tc>
-                <a:tc>
-                  <a:txBody>
-                    <a:bodyPr/>
-                    <a:lstStyle/>
-                    <a:p>
-                      <a:endParaRPr lang="en-PH" sz="5200"/>
-                    </a:p>
-                  </a:txBody>
-                  <a:tcPr marL="182880" marR="182880" marT="57910" marB="57910">
-                    <a:lnL w="12700" cap="flat" cmpd="sng" algn="ctr">
-                      <a:solidFill>
-                        <a:schemeClr val="tx1"/>
-                      </a:solidFill>
-                      <a:prstDash val="solid"/>
-                      <a:round/>
-                      <a:headEnd type="none" w="med" len="med"/>
-                      <a:tailEnd type="none" w="med" len="med"/>
-                    </a:lnL>
-                    <a:lnR w="12700" cap="flat" cmpd="sng" algn="ctr">
-                      <a:solidFill>
-                        <a:schemeClr val="tx1"/>
-                      </a:solidFill>
-                      <a:prstDash val="solid"/>
-                      <a:round/>
-                      <a:headEnd type="none" w="med" len="med"/>
-                      <a:tailEnd type="none" w="med" len="med"/>
-                    </a:lnR>
-                    <a:lnT w="12700" cap="flat" cmpd="sng" algn="ctr">
-                      <a:solidFill>
-                        <a:schemeClr val="tx1"/>
-                      </a:solidFill>
-                      <a:prstDash val="solid"/>
-                      <a:round/>
-                      <a:headEnd type="none" w="med" len="med"/>
-                      <a:tailEnd type="none" w="med" len="med"/>
-                    </a:lnT>
-                    <a:lnB w="12700" cap="flat" cmpd="sng" algn="ctr">
-                      <a:solidFill>
-                        <a:schemeClr val="tx1"/>
-                      </a:solidFill>
-                      <a:prstDash val="solid"/>
-                      <a:round/>
-                      <a:headEnd type="none" w="med" len="med"/>
-                      <a:tailEnd type="none" w="med" len="med"/>
-                    </a:lnB>
-                  </a:tcPr>
-                </a:tc>
-                <a:tc>
-                  <a:txBody>
-                    <a:bodyPr/>
-                    <a:lstStyle/>
-                    <a:p>
-                      <a:endParaRPr lang="en-PH" sz="5200"/>
-                    </a:p>
-                  </a:txBody>
-                  <a:tcPr marL="182880" marR="182880" marT="57910" marB="57910">
-                    <a:lnL w="12700" cap="flat" cmpd="sng" algn="ctr">
-                      <a:solidFill>
-                        <a:schemeClr val="tx1"/>
-                      </a:solidFill>
-                      <a:prstDash val="solid"/>
-                      <a:round/>
-                      <a:headEnd type="none" w="med" len="med"/>
-                      <a:tailEnd type="none" w="med" len="med"/>
-                    </a:lnL>
-                    <a:lnR w="12700" cap="flat" cmpd="sng" algn="ctr">
-                      <a:solidFill>
-                        <a:schemeClr val="tx1"/>
-                      </a:solidFill>
-                      <a:prstDash val="solid"/>
-                      <a:round/>
-                      <a:headEnd type="none" w="med" len="med"/>
-                      <a:tailEnd type="none" w="med" len="med"/>
-                    </a:lnR>
-                    <a:lnT w="12700" cap="flat" cmpd="sng" algn="ctr">
-                      <a:solidFill>
-                        <a:schemeClr val="tx1"/>
-                      </a:solidFill>
-                      <a:prstDash val="solid"/>
-                      <a:round/>
-                      <a:headEnd type="none" w="med" len="med"/>
-                      <a:tailEnd type="none" w="med" len="med"/>
-                    </a:lnT>
-                    <a:lnB w="12700" cap="flat" cmpd="sng" algn="ctr">
-                      <a:solidFill>
-                        <a:schemeClr val="tx1"/>
-                      </a:solidFill>
-                      <a:prstDash val="solid"/>
-                      <a:round/>
-                      <a:headEnd type="none" w="med" len="med"/>
-                      <a:tailEnd type="none" w="med" len="med"/>
-                    </a:lnB>
-                  </a:tcPr>
-                </a:tc>
-                <a:tc>
-                  <a:txBody>
-                    <a:bodyPr/>
-                    <a:lstStyle/>
-                    <a:p>
-                      <a:endParaRPr lang="en-PH" sz="5200"/>
-                    </a:p>
-                  </a:txBody>
-                  <a:tcPr marL="182880" marR="182880" marT="57910" marB="57910">
-                    <a:lnL w="12700" cap="flat" cmpd="sng" algn="ctr">
-                      <a:solidFill>
-                        <a:schemeClr val="tx1"/>
-                      </a:solidFill>
-                      <a:prstDash val="solid"/>
-                      <a:round/>
-                      <a:headEnd type="none" w="med" len="med"/>
-                      <a:tailEnd type="none" w="med" len="med"/>
-                    </a:lnL>
-                    <a:lnR w="12700" cap="flat" cmpd="sng" algn="ctr">
-                      <a:solidFill>
-                        <a:schemeClr val="tx1"/>
-                      </a:solidFill>
-                      <a:prstDash val="solid"/>
-                      <a:round/>
-                      <a:headEnd type="none" w="med" len="med"/>
-                      <a:tailEnd type="none" w="med" len="med"/>
-                    </a:lnR>
-                    <a:lnT w="12700" cap="flat" cmpd="sng" algn="ctr">
-                      <a:solidFill>
-                        <a:schemeClr val="tx1"/>
-                      </a:solidFill>
-                      <a:prstDash val="solid"/>
-                      <a:round/>
-                      <a:headEnd type="none" w="med" len="med"/>
-                      <a:tailEnd type="none" w="med" len="med"/>
-                    </a:lnT>
-                    <a:lnB w="12700" cap="flat" cmpd="sng" algn="ctr">
-                      <a:solidFill>
-                        <a:schemeClr val="tx1"/>
-                      </a:solidFill>
-                      <a:prstDash val="solid"/>
-                      <a:round/>
-                      <a:headEnd type="none" w="med" len="med"/>
-                      <a:tailEnd type="none" w="med" len="med"/>
-                    </a:lnB>
-                  </a:tcPr>
-                </a:tc>
-                <a:tc>
-                  <a:txBody>
-                    <a:bodyPr/>
-                    <a:lstStyle/>
-                    <a:p>
-                      <a:endParaRPr lang="en-PH" sz="5200"/>
-                    </a:p>
-                  </a:txBody>
-                  <a:tcPr marL="182880" marR="182880" marT="57910" marB="57910">
-                    <a:lnL w="12700" cap="flat" cmpd="sng" algn="ctr">
-                      <a:solidFill>
-                        <a:schemeClr val="tx1"/>
-                      </a:solidFill>
-                      <a:prstDash val="solid"/>
-                      <a:round/>
-                      <a:headEnd type="none" w="med" len="med"/>
-                      <a:tailEnd type="none" w="med" len="med"/>
-                    </a:lnL>
-                    <a:lnR w="12700" cap="flat" cmpd="sng" algn="ctr">
-                      <a:solidFill>
-                        <a:schemeClr val="tx1"/>
-                      </a:solidFill>
-                      <a:prstDash val="solid"/>
-                      <a:round/>
-                      <a:headEnd type="none" w="med" len="med"/>
-                      <a:tailEnd type="none" w="med" len="med"/>
-                    </a:lnR>
-                    <a:lnT w="12700" cap="flat" cmpd="sng" algn="ctr">
-                      <a:solidFill>
-                        <a:schemeClr val="tx1"/>
-                      </a:solidFill>
-                      <a:prstDash val="solid"/>
-                      <a:round/>
-                      <a:headEnd type="none" w="med" len="med"/>
-                      <a:tailEnd type="none" w="med" len="med"/>
-                    </a:lnT>
-                    <a:lnB w="12700" cap="flat" cmpd="sng" algn="ctr">
-                      <a:solidFill>
-                        <a:schemeClr val="tx1"/>
-                      </a:solidFill>
-                      <a:prstDash val="solid"/>
-                      <a:round/>
-                      <a:headEnd type="none" w="med" len="med"/>
-                      <a:tailEnd type="none" w="med" len="med"/>
-                    </a:lnB>
-                  </a:tcPr>
-                </a:tc>
-                <a:tc>
-                  <a:txBody>
-                    <a:bodyPr/>
-                    <a:lstStyle/>
-                    <a:p>
-                      <a:endParaRPr lang="en-PH" sz="5200"/>
-                    </a:p>
-                  </a:txBody>
-                  <a:tcPr marL="182880" marR="182880" marT="57910" marB="57910">
-                    <a:lnL w="12700" cap="flat" cmpd="sng" algn="ctr">
-                      <a:solidFill>
-                        <a:schemeClr val="tx1"/>
-                      </a:solidFill>
-                      <a:prstDash val="solid"/>
-                      <a:round/>
-                      <a:headEnd type="none" w="med" len="med"/>
-                      <a:tailEnd type="none" w="med" len="med"/>
-                    </a:lnL>
-                    <a:lnR w="12700" cap="flat" cmpd="sng" algn="ctr">
-                      <a:solidFill>
-                        <a:schemeClr val="tx1"/>
-                      </a:solidFill>
-                      <a:prstDash val="solid"/>
-                      <a:round/>
-                      <a:headEnd type="none" w="med" len="med"/>
-                      <a:tailEnd type="none" w="med" len="med"/>
-                    </a:lnR>
-                    <a:lnT w="12700" cap="flat" cmpd="sng" algn="ctr">
-                      <a:solidFill>
-                        <a:schemeClr val="tx1"/>
-                      </a:solidFill>
-                      <a:prstDash val="solid"/>
-                      <a:round/>
-                      <a:headEnd type="none" w="med" len="med"/>
-                      <a:tailEnd type="none" w="med" len="med"/>
-                    </a:lnT>
-                    <a:lnB w="12700" cap="flat" cmpd="sng" algn="ctr">
-                      <a:solidFill>
-                        <a:schemeClr val="tx1"/>
-                      </a:solidFill>
-                      <a:prstDash val="solid"/>
-                      <a:round/>
-                      <a:headEnd type="none" w="med" len="med"/>
-                      <a:tailEnd type="none" w="med" len="med"/>
-                    </a:lnB>
-                  </a:tcPr>
-                </a:tc>
-                <a:tc>
-                  <a:txBody>
-                    <a:bodyPr/>
-                    <a:lstStyle/>
-                    <a:p>
-                      <a:endParaRPr lang="en-PH" sz="5200"/>
-                    </a:p>
-                  </a:txBody>
-                  <a:tcPr marL="182880" marR="182880" marT="57910" marB="57910">
-                    <a:lnL w="12700" cap="flat" cmpd="sng" algn="ctr">
-                      <a:solidFill>
-                        <a:schemeClr val="tx1"/>
-                      </a:solidFill>
-                      <a:prstDash val="solid"/>
-                      <a:round/>
-                      <a:headEnd type="none" w="med" len="med"/>
-                      <a:tailEnd type="none" w="med" len="med"/>
-                    </a:lnL>
-                    <a:lnR w="12700" cap="flat" cmpd="sng" algn="ctr">
-                      <a:solidFill>
-                        <a:schemeClr val="tx1"/>
-                      </a:solidFill>
-                      <a:prstDash val="solid"/>
-                      <a:round/>
-                      <a:headEnd type="none" w="med" len="med"/>
-                      <a:tailEnd type="none" w="med" len="med"/>
-                    </a:lnR>
-                    <a:lnT w="12700" cap="flat" cmpd="sng" algn="ctr">
-                      <a:solidFill>
-                        <a:schemeClr val="tx1"/>
-                      </a:solidFill>
-                      <a:prstDash val="solid"/>
-                      <a:round/>
-                      <a:headEnd type="none" w="med" len="med"/>
-                      <a:tailEnd type="none" w="med" len="med"/>
-                    </a:lnT>
-                    <a:lnB w="12700" cap="flat" cmpd="sng" algn="ctr">
-                      <a:solidFill>
-                        <a:schemeClr val="tx1"/>
-                      </a:solidFill>
-                      <a:prstDash val="solid"/>
-                      <a:round/>
-                      <a:headEnd type="none" w="med" len="med"/>
-                      <a:tailEnd type="none" w="med" len="med"/>
-                    </a:lnB>
-                  </a:tcPr>
-                </a:tc>
-                <a:tc>
-                  <a:txBody>
-                    <a:bodyPr/>
-                    <a:lstStyle/>
-                    <a:p>
-                      <a:endParaRPr lang="en-PH" sz="5200" dirty="0"/>
-                    </a:p>
-                  </a:txBody>
-                  <a:tcPr marL="182880" marR="182880" marT="57910" marB="57910">
-                    <a:lnL w="12700" cap="flat" cmpd="sng" algn="ctr">
-                      <a:solidFill>
-                        <a:schemeClr val="tx1"/>
-                      </a:solidFill>
-                      <a:prstDash val="solid"/>
-                      <a:round/>
-                      <a:headEnd type="none" w="med" len="med"/>
-                      <a:tailEnd type="none" w="med" len="med"/>
-                    </a:lnL>
-                    <a:lnR w="12700" cap="flat" cmpd="sng" algn="ctr">
-                      <a:solidFill>
-                        <a:schemeClr val="tx1"/>
-                      </a:solidFill>
-                      <a:prstDash val="solid"/>
-                      <a:round/>
-                      <a:headEnd type="none" w="med" len="med"/>
-                      <a:tailEnd type="none" w="med" len="med"/>
-                    </a:lnR>
-                    <a:lnT w="12700" cap="flat" cmpd="sng" algn="ctr">
-                      <a:solidFill>
-                        <a:schemeClr val="tx1"/>
-                      </a:solidFill>
-                      <a:prstDash val="solid"/>
-                      <a:round/>
-                      <a:headEnd type="none" w="med" len="med"/>
-                      <a:tailEnd type="none" w="med" len="med"/>
-                    </a:lnT>
-                    <a:lnB w="12700" cap="flat" cmpd="sng" algn="ctr">
-                      <a:solidFill>
-                        <a:schemeClr val="tx1"/>
-                      </a:solidFill>
-                      <a:prstDash val="solid"/>
-                      <a:round/>
-                      <a:headEnd type="none" w="med" len="med"/>
-                      <a:tailEnd type="none" w="med" len="med"/>
-                    </a:lnB>
-                  </a:tcPr>
-                </a:tc>
-                <a:tc>
-                  <a:txBody>
-                    <a:bodyPr/>
-                    <a:lstStyle/>
-                    <a:p>
-                      <a:endParaRPr lang="en-PH" sz="5200"/>
-                    </a:p>
-                  </a:txBody>
-                  <a:tcPr marL="182880" marR="182880" marT="57910" marB="57910">
-                    <a:lnL w="12700" cap="flat" cmpd="sng" algn="ctr">
-                      <a:solidFill>
-                        <a:schemeClr val="tx1"/>
-                      </a:solidFill>
-                      <a:prstDash val="solid"/>
-                      <a:round/>
-                      <a:headEnd type="none" w="med" len="med"/>
-                      <a:tailEnd type="none" w="med" len="med"/>
-                    </a:lnL>
-                    <a:lnR w="12700" cap="flat" cmpd="sng" algn="ctr">
-                      <a:solidFill>
-                        <a:schemeClr val="tx1"/>
-                      </a:solidFill>
-                      <a:prstDash val="solid"/>
-                      <a:round/>
-                      <a:headEnd type="none" w="med" len="med"/>
-                      <a:tailEnd type="none" w="med" len="med"/>
-                    </a:lnR>
-                    <a:lnT w="12700" cap="flat" cmpd="sng" algn="ctr">
-                      <a:solidFill>
-                        <a:schemeClr val="tx1"/>
-                      </a:solidFill>
-                      <a:prstDash val="solid"/>
-                      <a:round/>
-                      <a:headEnd type="none" w="med" len="med"/>
-                      <a:tailEnd type="none" w="med" len="med"/>
-                    </a:lnT>
-                    <a:lnB w="12700" cap="flat" cmpd="sng" algn="ctr">
-                      <a:solidFill>
-                        <a:schemeClr val="tx1"/>
-                      </a:solidFill>
-                      <a:prstDash val="solid"/>
-                      <a:round/>
-                      <a:headEnd type="none" w="med" len="med"/>
-                      <a:tailEnd type="none" w="med" len="med"/>
-                    </a:lnB>
-                  </a:tcPr>
-                </a:tc>
-              </a:tr>
-              <a:tr h="1710138">
-                <a:tc>
-                  <a:txBody>
-                    <a:bodyPr/>
-                    <a:lstStyle/>
-                    <a:p>
-                      <a:endParaRPr lang="en-PH" sz="5200" dirty="0"/>
-                    </a:p>
-                  </a:txBody>
-                  <a:tcPr marL="182880" marR="182880" marT="57910" marB="57910">
-                    <a:lnL w="12700" cap="flat" cmpd="sng" algn="ctr">
-                      <a:solidFill>
-                        <a:schemeClr val="tx1"/>
-                      </a:solidFill>
-                      <a:prstDash val="solid"/>
-                      <a:round/>
-                      <a:headEnd type="none" w="med" len="med"/>
-                      <a:tailEnd type="none" w="med" len="med"/>
-                    </a:lnL>
-                    <a:lnR w="12700" cap="flat" cmpd="sng" algn="ctr">
-                      <a:solidFill>
-                        <a:schemeClr val="tx1"/>
-                      </a:solidFill>
-                      <a:prstDash val="solid"/>
-                      <a:round/>
-                      <a:headEnd type="none" w="med" len="med"/>
-                      <a:tailEnd type="none" w="med" len="med"/>
-                    </a:lnR>
-                    <a:lnT w="12700" cap="flat" cmpd="sng" algn="ctr">
-                      <a:solidFill>
-                        <a:schemeClr val="tx1"/>
-                      </a:solidFill>
-                      <a:prstDash val="solid"/>
-                      <a:round/>
-                      <a:headEnd type="none" w="med" len="med"/>
-                      <a:tailEnd type="none" w="med" len="med"/>
-                    </a:lnT>
-                    <a:lnB w="12700" cap="flat" cmpd="sng" algn="ctr">
-                      <a:solidFill>
-                        <a:schemeClr val="tx1"/>
-                      </a:solidFill>
-                      <a:prstDash val="solid"/>
-                      <a:round/>
-                      <a:headEnd type="none" w="med" len="med"/>
-                      <a:tailEnd type="none" w="med" len="med"/>
-                    </a:lnB>
-                  </a:tcPr>
-                </a:tc>
-                <a:tc>
-                  <a:txBody>
-                    <a:bodyPr/>
-                    <a:lstStyle/>
-                    <a:p>
-                      <a:endParaRPr lang="en-PH" sz="5200"/>
-                    </a:p>
-                  </a:txBody>
-                  <a:tcPr marL="182880" marR="182880" marT="57910" marB="57910">
-                    <a:lnL w="12700" cap="flat" cmpd="sng" algn="ctr">
-                      <a:solidFill>
-                        <a:schemeClr val="tx1"/>
-                      </a:solidFill>
-                      <a:prstDash val="solid"/>
-                      <a:round/>
-                      <a:headEnd type="none" w="med" len="med"/>
-                      <a:tailEnd type="none" w="med" len="med"/>
-                    </a:lnL>
-                    <a:lnR w="12700" cap="flat" cmpd="sng" algn="ctr">
-                      <a:solidFill>
-                        <a:schemeClr val="tx1"/>
-                      </a:solidFill>
-                      <a:prstDash val="solid"/>
-                      <a:round/>
-                      <a:headEnd type="none" w="med" len="med"/>
-                      <a:tailEnd type="none" w="med" len="med"/>
-                    </a:lnR>
-                    <a:lnT w="12700" cap="flat" cmpd="sng" algn="ctr">
-                      <a:solidFill>
-                        <a:schemeClr val="tx1"/>
-                      </a:solidFill>
-                      <a:prstDash val="solid"/>
-                      <a:round/>
-                      <a:headEnd type="none" w="med" len="med"/>
-                      <a:tailEnd type="none" w="med" len="med"/>
-                    </a:lnT>
-                    <a:lnB w="12700" cap="flat" cmpd="sng" algn="ctr">
-                      <a:solidFill>
-                        <a:schemeClr val="tx1"/>
-                      </a:solidFill>
-                      <a:prstDash val="solid"/>
-                      <a:round/>
-                      <a:headEnd type="none" w="med" len="med"/>
-                      <a:tailEnd type="none" w="med" len="med"/>
-                    </a:lnB>
-                  </a:tcPr>
-                </a:tc>
-                <a:tc>
-                  <a:txBody>
-                    <a:bodyPr/>
-                    <a:lstStyle/>
-                    <a:p>
-                      <a:endParaRPr lang="en-PH" sz="5200"/>
-                    </a:p>
-                  </a:txBody>
-                  <a:tcPr marL="182880" marR="182880" marT="57910" marB="57910">
-                    <a:lnL w="12700" cap="flat" cmpd="sng" algn="ctr">
-                      <a:solidFill>
-                        <a:schemeClr val="tx1"/>
-                      </a:solidFill>
-                      <a:prstDash val="solid"/>
-                      <a:round/>
-                      <a:headEnd type="none" w="med" len="med"/>
-                      <a:tailEnd type="none" w="med" len="med"/>
-                    </a:lnL>
-                    <a:lnR w="12700" cap="flat" cmpd="sng" algn="ctr">
-                      <a:solidFill>
-                        <a:schemeClr val="tx1"/>
-                      </a:solidFill>
-                      <a:prstDash val="solid"/>
-                      <a:round/>
-                      <a:headEnd type="none" w="med" len="med"/>
-                      <a:tailEnd type="none" w="med" len="med"/>
-                    </a:lnR>
-                    <a:lnT w="12700" cap="flat" cmpd="sng" algn="ctr">
-                      <a:solidFill>
-                        <a:schemeClr val="tx1"/>
-                      </a:solidFill>
-                      <a:prstDash val="solid"/>
-                      <a:round/>
-                      <a:headEnd type="none" w="med" len="med"/>
-                      <a:tailEnd type="none" w="med" len="med"/>
-                    </a:lnT>
-                    <a:lnB w="12700" cap="flat" cmpd="sng" algn="ctr">
-                      <a:solidFill>
-                        <a:schemeClr val="tx1"/>
-                      </a:solidFill>
-                      <a:prstDash val="solid"/>
-                      <a:round/>
-                      <a:headEnd type="none" w="med" len="med"/>
-                      <a:tailEnd type="none" w="med" len="med"/>
-                    </a:lnB>
-                  </a:tcPr>
-                </a:tc>
-                <a:tc>
-                  <a:txBody>
-                    <a:bodyPr/>
-                    <a:lstStyle/>
-                    <a:p>
-                      <a:endParaRPr lang="en-PH" sz="5200"/>
-                    </a:p>
-                  </a:txBody>
-                  <a:tcPr marL="182880" marR="182880" marT="57910" marB="57910">
-                    <a:lnL w="12700" cap="flat" cmpd="sng" algn="ctr">
-                      <a:solidFill>
-                        <a:schemeClr val="tx1"/>
-                      </a:solidFill>
-                      <a:prstDash val="solid"/>
-                      <a:round/>
-                      <a:headEnd type="none" w="med" len="med"/>
-                      <a:tailEnd type="none" w="med" len="med"/>
-                    </a:lnL>
-                    <a:lnR w="12700" cap="flat" cmpd="sng" algn="ctr">
-                      <a:solidFill>
-                        <a:schemeClr val="tx1"/>
-                      </a:solidFill>
-                      <a:prstDash val="solid"/>
-                      <a:round/>
-                      <a:headEnd type="none" w="med" len="med"/>
-                      <a:tailEnd type="none" w="med" len="med"/>
-                    </a:lnR>
-                    <a:lnT w="12700" cap="flat" cmpd="sng" algn="ctr">
-                      <a:solidFill>
-                        <a:schemeClr val="tx1"/>
-                      </a:solidFill>
-                      <a:prstDash val="solid"/>
-                      <a:round/>
-                      <a:headEnd type="none" w="med" len="med"/>
-                      <a:tailEnd type="none" w="med" len="med"/>
-                    </a:lnT>
-                    <a:lnB w="12700" cap="flat" cmpd="sng" algn="ctr">
-                      <a:solidFill>
-                        <a:schemeClr val="tx1"/>
-                      </a:solidFill>
-                      <a:prstDash val="solid"/>
-                      <a:round/>
-                      <a:headEnd type="none" w="med" len="med"/>
-                      <a:tailEnd type="none" w="med" len="med"/>
-                    </a:lnB>
-                  </a:tcPr>
-                </a:tc>
-                <a:tc>
-                  <a:txBody>
-                    <a:bodyPr/>
-                    <a:lstStyle/>
-                    <a:p>
-                      <a:endParaRPr lang="en-PH" sz="5200"/>
-                    </a:p>
-                  </a:txBody>
-                  <a:tcPr marL="182880" marR="182880" marT="57910" marB="57910">
-                    <a:lnL w="12700" cap="flat" cmpd="sng" algn="ctr">
-                      <a:solidFill>
-                        <a:schemeClr val="tx1"/>
-                      </a:solidFill>
-                      <a:prstDash val="solid"/>
-                      <a:round/>
-                      <a:headEnd type="none" w="med" len="med"/>
-                      <a:tailEnd type="none" w="med" len="med"/>
-                    </a:lnL>
-                    <a:lnR w="12700" cap="flat" cmpd="sng" algn="ctr">
-                      <a:solidFill>
-                        <a:schemeClr val="tx1"/>
-                      </a:solidFill>
-                      <a:prstDash val="solid"/>
-                      <a:round/>
-                      <a:headEnd type="none" w="med" len="med"/>
-                      <a:tailEnd type="none" w="med" len="med"/>
-                    </a:lnR>
-                    <a:lnT w="12700" cap="flat" cmpd="sng" algn="ctr">
-                      <a:solidFill>
-                        <a:schemeClr val="tx1"/>
-                      </a:solidFill>
-                      <a:prstDash val="solid"/>
-                      <a:round/>
-                      <a:headEnd type="none" w="med" len="med"/>
-                      <a:tailEnd type="none" w="med" len="med"/>
-                    </a:lnT>
-                    <a:lnB w="12700" cap="flat" cmpd="sng" algn="ctr">
-                      <a:solidFill>
-                        <a:schemeClr val="tx1"/>
-                      </a:solidFill>
-                      <a:prstDash val="solid"/>
-                      <a:round/>
-                      <a:headEnd type="none" w="med" len="med"/>
-                      <a:tailEnd type="none" w="med" len="med"/>
-                    </a:lnB>
-                  </a:tcPr>
-                </a:tc>
-                <a:tc>
-                  <a:txBody>
-                    <a:bodyPr/>
-                    <a:lstStyle/>
-                    <a:p>
-                      <a:endParaRPr lang="en-PH" sz="5200"/>
-                    </a:p>
-                  </a:txBody>
-                  <a:tcPr marL="182880" marR="182880" marT="57910" marB="57910">
-                    <a:lnL w="12700" cap="flat" cmpd="sng" algn="ctr">
-                      <a:solidFill>
-                        <a:schemeClr val="tx1"/>
-                      </a:solidFill>
-                      <a:prstDash val="solid"/>
-                      <a:round/>
-                      <a:headEnd type="none" w="med" len="med"/>
-                      <a:tailEnd type="none" w="med" len="med"/>
-                    </a:lnL>
-                    <a:lnR w="12700" cap="flat" cmpd="sng" algn="ctr">
-                      <a:solidFill>
-                        <a:schemeClr val="tx1"/>
-                      </a:solidFill>
-                      <a:prstDash val="solid"/>
-                      <a:round/>
-                      <a:headEnd type="none" w="med" len="med"/>
-                      <a:tailEnd type="none" w="med" len="med"/>
-                    </a:lnR>
-                    <a:lnT w="12700" cap="flat" cmpd="sng" algn="ctr">
-                      <a:solidFill>
-                        <a:schemeClr val="tx1"/>
-                      </a:solidFill>
-                      <a:prstDash val="solid"/>
-                      <a:round/>
-                      <a:headEnd type="none" w="med" len="med"/>
-                      <a:tailEnd type="none" w="med" len="med"/>
-                    </a:lnT>
-                    <a:lnB w="12700" cap="flat" cmpd="sng" algn="ctr">
-                      <a:solidFill>
-                        <a:schemeClr val="tx1"/>
-                      </a:solidFill>
-                      <a:prstDash val="solid"/>
-                      <a:round/>
-                      <a:headEnd type="none" w="med" len="med"/>
-                      <a:tailEnd type="none" w="med" len="med"/>
-                    </a:lnB>
-                  </a:tcPr>
-                </a:tc>
-                <a:tc>
-                  <a:txBody>
-                    <a:bodyPr/>
-                    <a:lstStyle/>
-                    <a:p>
-                      <a:endParaRPr lang="en-PH" sz="5200"/>
-                    </a:p>
-                  </a:txBody>
-                  <a:tcPr marL="182880" marR="182880" marT="57910" marB="57910">
-                    <a:lnL w="12700" cap="flat" cmpd="sng" algn="ctr">
-                      <a:solidFill>
-                        <a:schemeClr val="tx1"/>
-                      </a:solidFill>
-                      <a:prstDash val="solid"/>
-                      <a:round/>
-                      <a:headEnd type="none" w="med" len="med"/>
-                      <a:tailEnd type="none" w="med" len="med"/>
-                    </a:lnL>
-                    <a:lnR w="12700" cap="flat" cmpd="sng" algn="ctr">
-                      <a:solidFill>
-                        <a:schemeClr val="tx1"/>
-                      </a:solidFill>
-                      <a:prstDash val="solid"/>
-                      <a:round/>
-                      <a:headEnd type="none" w="med" len="med"/>
-                      <a:tailEnd type="none" w="med" len="med"/>
-                    </a:lnR>
-                    <a:lnT w="12700" cap="flat" cmpd="sng" algn="ctr">
-                      <a:solidFill>
-                        <a:schemeClr val="tx1"/>
-                      </a:solidFill>
-                      <a:prstDash val="solid"/>
-                      <a:round/>
-                      <a:headEnd type="none" w="med" len="med"/>
-                      <a:tailEnd type="none" w="med" len="med"/>
-                    </a:lnT>
-                    <a:lnB w="12700" cap="flat" cmpd="sng" algn="ctr">
-                      <a:solidFill>
-                        <a:schemeClr val="tx1"/>
-                      </a:solidFill>
-                      <a:prstDash val="solid"/>
-                      <a:round/>
-                      <a:headEnd type="none" w="med" len="med"/>
-                      <a:tailEnd type="none" w="med" len="med"/>
-                    </a:lnB>
-                  </a:tcPr>
-                </a:tc>
-                <a:tc>
-                  <a:txBody>
-                    <a:bodyPr/>
-                    <a:lstStyle/>
-                    <a:p>
-                      <a:endParaRPr lang="en-PH" sz="5200"/>
-                    </a:p>
-                  </a:txBody>
-                  <a:tcPr marL="182880" marR="182880" marT="57910" marB="57910">
-                    <a:lnL w="12700" cap="flat" cmpd="sng" algn="ctr">
-                      <a:solidFill>
-                        <a:schemeClr val="tx1"/>
-                      </a:solidFill>
-                      <a:prstDash val="solid"/>
-                      <a:round/>
-                      <a:headEnd type="none" w="med" len="med"/>
-                      <a:tailEnd type="none" w="med" len="med"/>
-                    </a:lnL>
-                    <a:lnR w="12700" cap="flat" cmpd="sng" algn="ctr">
-                      <a:solidFill>
-                        <a:schemeClr val="tx1"/>
-                      </a:solidFill>
-                      <a:prstDash val="solid"/>
-                      <a:round/>
-                      <a:headEnd type="none" w="med" len="med"/>
-                      <a:tailEnd type="none" w="med" len="med"/>
-                    </a:lnR>
-                    <a:lnT w="12700" cap="flat" cmpd="sng" algn="ctr">
-                      <a:solidFill>
-                        <a:schemeClr val="tx1"/>
-                      </a:solidFill>
-                      <a:prstDash val="solid"/>
-                      <a:round/>
-                      <a:headEnd type="none" w="med" len="med"/>
-                      <a:tailEnd type="none" w="med" len="med"/>
-                    </a:lnT>
-                    <a:lnB w="12700" cap="flat" cmpd="sng" algn="ctr">
-                      <a:solidFill>
-                        <a:schemeClr val="tx1"/>
-                      </a:solidFill>
-                      <a:prstDash val="solid"/>
-                      <a:round/>
-                      <a:headEnd type="none" w="med" len="med"/>
-                      <a:tailEnd type="none" w="med" len="med"/>
-                    </a:lnB>
-                  </a:tcPr>
-                </a:tc>
-                <a:tc>
-                  <a:txBody>
-                    <a:bodyPr/>
-                    <a:lstStyle/>
-                    <a:p>
-                      <a:endParaRPr lang="en-PH" sz="5200"/>
-                    </a:p>
-                  </a:txBody>
-                  <a:tcPr marL="182880" marR="182880" marT="57910" marB="57910">
-                    <a:lnL w="12700" cap="flat" cmpd="sng" algn="ctr">
-                      <a:solidFill>
-                        <a:schemeClr val="tx1"/>
-                      </a:solidFill>
-                      <a:prstDash val="solid"/>
-                      <a:round/>
-                      <a:headEnd type="none" w="med" len="med"/>
-                      <a:tailEnd type="none" w="med" len="med"/>
-                    </a:lnL>
-                    <a:lnR w="12700" cap="flat" cmpd="sng" algn="ctr">
-                      <a:solidFill>
-                        <a:schemeClr val="tx1"/>
-                      </a:solidFill>
-                      <a:prstDash val="solid"/>
-                      <a:round/>
-                      <a:headEnd type="none" w="med" len="med"/>
-                      <a:tailEnd type="none" w="med" len="med"/>
-                    </a:lnR>
-                    <a:lnT w="12700" cap="flat" cmpd="sng" algn="ctr">
-                      <a:solidFill>
-                        <a:schemeClr val="tx1"/>
-                      </a:solidFill>
-                      <a:prstDash val="solid"/>
-                      <a:round/>
-                      <a:headEnd type="none" w="med" len="med"/>
-                      <a:tailEnd type="none" w="med" len="med"/>
-                    </a:lnT>
-                    <a:lnB w="12700" cap="flat" cmpd="sng" algn="ctr">
-                      <a:solidFill>
-                        <a:schemeClr val="tx1"/>
-                      </a:solidFill>
-                      <a:prstDash val="solid"/>
-                      <a:round/>
-                      <a:headEnd type="none" w="med" len="med"/>
-                      <a:tailEnd type="none" w="med" len="med"/>
-                    </a:lnB>
-                  </a:tcPr>
-                </a:tc>
-                <a:tc>
-                  <a:txBody>
-                    <a:bodyPr/>
-                    <a:lstStyle/>
-                    <a:p>
-                      <a:endParaRPr lang="en-PH" sz="5200" dirty="0"/>
-                    </a:p>
-                  </a:txBody>
-                  <a:tcPr marL="182880" marR="182880" marT="57910" marB="57910">
-                    <a:lnL w="12700" cap="flat" cmpd="sng" algn="ctr">
-                      <a:solidFill>
-                        <a:schemeClr val="tx1"/>
-                      </a:solidFill>
-                      <a:prstDash val="solid"/>
-                      <a:round/>
-                      <a:headEnd type="none" w="med" len="med"/>
-                      <a:tailEnd type="none" w="med" len="med"/>
-                    </a:lnL>
-                    <a:lnR w="12700" cap="flat" cmpd="sng" algn="ctr">
-                      <a:solidFill>
-                        <a:schemeClr val="tx1"/>
-                      </a:solidFill>
-                      <a:prstDash val="solid"/>
-                      <a:round/>
-                      <a:headEnd type="none" w="med" len="med"/>
-                      <a:tailEnd type="none" w="med" len="med"/>
-                    </a:lnR>
-                    <a:lnT w="12700" cap="flat" cmpd="sng" algn="ctr">
-                      <a:solidFill>
-                        <a:schemeClr val="tx1"/>
-                      </a:solidFill>
-                      <a:prstDash val="solid"/>
-                      <a:round/>
-                      <a:headEnd type="none" w="med" len="med"/>
-                      <a:tailEnd type="none" w="med" len="med"/>
-                    </a:lnT>
-                    <a:lnB w="12700" cap="flat" cmpd="sng" algn="ctr">
-                      <a:solidFill>
-                        <a:schemeClr val="tx1"/>
-                      </a:solidFill>
-                      <a:prstDash val="solid"/>
-                      <a:round/>
-                      <a:headEnd type="none" w="med" len="med"/>
-                      <a:tailEnd type="none" w="med" len="med"/>
-                    </a:lnB>
-                  </a:tcPr>
-                </a:tc>
-              </a:tr>
-              <a:tr h="1710138">
-                <a:tc>
-                  <a:txBody>
-                    <a:bodyPr/>
-                    <a:lstStyle/>
-                    <a:p>
-                      <a:endParaRPr lang="en-PH" sz="5200" dirty="0"/>
-                    </a:p>
-                  </a:txBody>
-                  <a:tcPr marL="182880" marR="182880" marT="57910" marB="57910">
-                    <a:lnL w="12700" cap="flat" cmpd="sng" algn="ctr">
-                      <a:solidFill>
-                        <a:schemeClr val="tx1"/>
-                      </a:solidFill>
-                      <a:prstDash val="solid"/>
-                      <a:round/>
-                      <a:headEnd type="none" w="med" len="med"/>
-                      <a:tailEnd type="none" w="med" len="med"/>
-                    </a:lnL>
-                    <a:lnR w="12700" cap="flat" cmpd="sng" algn="ctr">
-                      <a:solidFill>
-                        <a:schemeClr val="tx1"/>
-                      </a:solidFill>
-                      <a:prstDash val="solid"/>
-                      <a:round/>
-                      <a:headEnd type="none" w="med" len="med"/>
-                      <a:tailEnd type="none" w="med" len="med"/>
-                    </a:lnR>
-                    <a:lnT w="12700" cap="flat" cmpd="sng" algn="ctr">
-                      <a:solidFill>
-                        <a:schemeClr val="tx1"/>
-                      </a:solidFill>
-                      <a:prstDash val="solid"/>
-                      <a:round/>
-                      <a:headEnd type="none" w="med" len="med"/>
-                      <a:tailEnd type="none" w="med" len="med"/>
-                    </a:lnT>
-                    <a:lnB w="12700" cap="flat" cmpd="sng" algn="ctr">
-                      <a:solidFill>
-                        <a:schemeClr val="tx1"/>
-                      </a:solidFill>
-                      <a:prstDash val="solid"/>
-                      <a:round/>
-                      <a:headEnd type="none" w="med" len="med"/>
-                      <a:tailEnd type="none" w="med" len="med"/>
-                    </a:lnB>
-                  </a:tcPr>
-                </a:tc>
-                <a:tc>
-                  <a:txBody>
-                    <a:bodyPr/>
-                    <a:lstStyle/>
-                    <a:p>
-                      <a:endParaRPr lang="en-PH" sz="5200"/>
-                    </a:p>
-                  </a:txBody>
-                  <a:tcPr marL="182880" marR="182880" marT="57910" marB="57910">
-                    <a:lnL w="12700" cap="flat" cmpd="sng" algn="ctr">
-                      <a:solidFill>
-                        <a:schemeClr val="tx1"/>
-                      </a:solidFill>
-                      <a:prstDash val="solid"/>
-                      <a:round/>
-                      <a:headEnd type="none" w="med" len="med"/>
-                      <a:tailEnd type="none" w="med" len="med"/>
-                    </a:lnL>
-                    <a:lnR w="12700" cap="flat" cmpd="sng" algn="ctr">
-                      <a:solidFill>
-                        <a:schemeClr val="tx1"/>
-                      </a:solidFill>
-                      <a:prstDash val="solid"/>
-                      <a:round/>
-                      <a:headEnd type="none" w="med" len="med"/>
-                      <a:tailEnd type="none" w="med" len="med"/>
-                    </a:lnR>
-                    <a:lnT w="12700" cap="flat" cmpd="sng" algn="ctr">
-                      <a:solidFill>
-                        <a:schemeClr val="tx1"/>
-                      </a:solidFill>
-                      <a:prstDash val="solid"/>
-                      <a:round/>
-                      <a:headEnd type="none" w="med" len="med"/>
-                      <a:tailEnd type="none" w="med" len="med"/>
-                    </a:lnT>
-                    <a:lnB w="12700" cap="flat" cmpd="sng" algn="ctr">
-                      <a:solidFill>
-                        <a:schemeClr val="tx1"/>
-                      </a:solidFill>
-                      <a:prstDash val="solid"/>
-                      <a:round/>
-                      <a:headEnd type="none" w="med" len="med"/>
-                      <a:tailEnd type="none" w="med" len="med"/>
-                    </a:lnB>
-                  </a:tcPr>
-                </a:tc>
-                <a:tc>
-                  <a:txBody>
-                    <a:bodyPr/>
-                    <a:lstStyle/>
-                    <a:p>
-                      <a:endParaRPr lang="en-PH" sz="5200"/>
-                    </a:p>
-                  </a:txBody>
-                  <a:tcPr marL="182880" marR="182880" marT="57910" marB="57910">
-                    <a:lnL w="12700" cap="flat" cmpd="sng" algn="ctr">
-                      <a:solidFill>
-                        <a:schemeClr val="tx1"/>
-                      </a:solidFill>
-                      <a:prstDash val="solid"/>
-                      <a:round/>
-                      <a:headEnd type="none" w="med" len="med"/>
-                      <a:tailEnd type="none" w="med" len="med"/>
-                    </a:lnL>
-                    <a:lnR w="12700" cap="flat" cmpd="sng" algn="ctr">
-                      <a:solidFill>
-                        <a:schemeClr val="tx1"/>
-                      </a:solidFill>
-                      <a:prstDash val="solid"/>
-                      <a:round/>
-                      <a:headEnd type="none" w="med" len="med"/>
-                      <a:tailEnd type="none" w="med" len="med"/>
-                    </a:lnR>
-                    <a:lnT w="12700" cap="flat" cmpd="sng" algn="ctr">
-                      <a:solidFill>
-                        <a:schemeClr val="tx1"/>
-                      </a:solidFill>
-                      <a:prstDash val="solid"/>
-                      <a:round/>
-                      <a:headEnd type="none" w="med" len="med"/>
-                      <a:tailEnd type="none" w="med" len="med"/>
-                    </a:lnT>
-                    <a:lnB w="12700" cap="flat" cmpd="sng" algn="ctr">
-                      <a:solidFill>
-                        <a:schemeClr val="tx1"/>
-                      </a:solidFill>
-                      <a:prstDash val="solid"/>
-                      <a:round/>
-                      <a:headEnd type="none" w="med" len="med"/>
-                      <a:tailEnd type="none" w="med" len="med"/>
-                    </a:lnB>
-                  </a:tcPr>
-                </a:tc>
-                <a:tc>
-                  <a:txBody>
-                    <a:bodyPr/>
-                    <a:lstStyle/>
-                    <a:p>
-                      <a:endParaRPr lang="en-PH" sz="5200"/>
-                    </a:p>
-                  </a:txBody>
-                  <a:tcPr marL="182880" marR="182880" marT="57910" marB="57910">
-                    <a:lnL w="12700" cap="flat" cmpd="sng" algn="ctr">
-                      <a:solidFill>
-                        <a:schemeClr val="tx1"/>
-                      </a:solidFill>
-                      <a:prstDash val="solid"/>
-                      <a:round/>
-                      <a:headEnd type="none" w="med" len="med"/>
-                      <a:tailEnd type="none" w="med" len="med"/>
-                    </a:lnL>
-                    <a:lnR w="12700" cap="flat" cmpd="sng" algn="ctr">
-                      <a:solidFill>
-                        <a:schemeClr val="tx1"/>
-                      </a:solidFill>
-                      <a:prstDash val="solid"/>
-                      <a:round/>
-                      <a:headEnd type="none" w="med" len="med"/>
-                      <a:tailEnd type="none" w="med" len="med"/>
-                    </a:lnR>
-                    <a:lnT w="12700" cap="flat" cmpd="sng" algn="ctr">
-                      <a:solidFill>
-                        <a:schemeClr val="tx1"/>
-                      </a:solidFill>
-                      <a:prstDash val="solid"/>
-                      <a:round/>
-                      <a:headEnd type="none" w="med" len="med"/>
-                      <a:tailEnd type="none" w="med" len="med"/>
-                    </a:lnT>
-                    <a:lnB w="12700" cap="flat" cmpd="sng" algn="ctr">
-                      <a:solidFill>
-                        <a:schemeClr val="tx1"/>
-                      </a:solidFill>
-                      <a:prstDash val="solid"/>
-                      <a:round/>
-                      <a:headEnd type="none" w="med" len="med"/>
-                      <a:tailEnd type="none" w="med" len="med"/>
-                    </a:lnB>
-                  </a:tcPr>
-                </a:tc>
-                <a:tc>
-                  <a:txBody>
-                    <a:bodyPr/>
-                    <a:lstStyle/>
-                    <a:p>
-                      <a:endParaRPr lang="en-PH" sz="5200"/>
-                    </a:p>
-                  </a:txBody>
-                  <a:tcPr marL="182880" marR="182880" marT="57910" marB="57910">
-                    <a:lnL w="12700" cap="flat" cmpd="sng" algn="ctr">
-                      <a:solidFill>
-                        <a:schemeClr val="tx1"/>
-                      </a:solidFill>
-                      <a:prstDash val="solid"/>
-                      <a:round/>
-                      <a:headEnd type="none" w="med" len="med"/>
-                      <a:tailEnd type="none" w="med" len="med"/>
-                    </a:lnL>
-                    <a:lnR w="12700" cap="flat" cmpd="sng" algn="ctr">
-                      <a:solidFill>
-                        <a:schemeClr val="tx1"/>
-                      </a:solidFill>
-                      <a:prstDash val="solid"/>
-                      <a:round/>
-                      <a:headEnd type="none" w="med" len="med"/>
-                      <a:tailEnd type="none" w="med" len="med"/>
-                    </a:lnR>
-                    <a:lnT w="12700" cap="flat" cmpd="sng" algn="ctr">
-                      <a:solidFill>
-                        <a:schemeClr val="tx1"/>
-                      </a:solidFill>
-                      <a:prstDash val="solid"/>
-                      <a:round/>
-                      <a:headEnd type="none" w="med" len="med"/>
-                      <a:tailEnd type="none" w="med" len="med"/>
-                    </a:lnT>
-                    <a:lnB w="12700" cap="flat" cmpd="sng" algn="ctr">
-                      <a:solidFill>
-                        <a:schemeClr val="tx1"/>
-                      </a:solidFill>
-                      <a:prstDash val="solid"/>
-                      <a:round/>
-                      <a:headEnd type="none" w="med" len="med"/>
-                      <a:tailEnd type="none" w="med" len="med"/>
-                    </a:lnB>
-                  </a:tcPr>
-                </a:tc>
-                <a:tc>
-                  <a:txBody>
-                    <a:bodyPr/>
-                    <a:lstStyle/>
-                    <a:p>
-                      <a:endParaRPr lang="en-PH" sz="5200" dirty="0"/>
-                    </a:p>
-                  </a:txBody>
-                  <a:tcPr marL="182880" marR="182880" marT="57910" marB="57910">
-                    <a:lnL w="12700" cap="flat" cmpd="sng" algn="ctr">
-                      <a:solidFill>
-                        <a:schemeClr val="tx1"/>
-                      </a:solidFill>
-                      <a:prstDash val="solid"/>
-                      <a:round/>
-                      <a:headEnd type="none" w="med" len="med"/>
-                      <a:tailEnd type="none" w="med" len="med"/>
-                    </a:lnL>
-                    <a:lnR w="12700" cap="flat" cmpd="sng" algn="ctr">
-                      <a:solidFill>
-                        <a:schemeClr val="tx1"/>
-                      </a:solidFill>
-                      <a:prstDash val="solid"/>
-                      <a:round/>
-                      <a:headEnd type="none" w="med" len="med"/>
-                      <a:tailEnd type="none" w="med" len="med"/>
-                    </a:lnR>
-                    <a:lnT w="12700" cap="flat" cmpd="sng" algn="ctr">
-                      <a:solidFill>
-                        <a:schemeClr val="tx1"/>
-                      </a:solidFill>
-                      <a:prstDash val="solid"/>
-                      <a:round/>
-                      <a:headEnd type="none" w="med" len="med"/>
-                      <a:tailEnd type="none" w="med" len="med"/>
-                    </a:lnT>
-                    <a:lnB w="12700" cap="flat" cmpd="sng" algn="ctr">
-                      <a:solidFill>
-                        <a:schemeClr val="tx1"/>
-                      </a:solidFill>
-                      <a:prstDash val="solid"/>
-                      <a:round/>
-                      <a:headEnd type="none" w="med" len="med"/>
-                      <a:tailEnd type="none" w="med" len="med"/>
-                    </a:lnB>
-                  </a:tcPr>
-                </a:tc>
-                <a:tc>
-                  <a:txBody>
-                    <a:bodyPr/>
-                    <a:lstStyle/>
-                    <a:p>
-                      <a:endParaRPr lang="en-PH" sz="5200"/>
-                    </a:p>
-                  </a:txBody>
-                  <a:tcPr marL="182880" marR="182880" marT="57910" marB="57910">
-                    <a:lnL w="12700" cap="flat" cmpd="sng" algn="ctr">
-                      <a:solidFill>
-                        <a:schemeClr val="tx1"/>
-                      </a:solidFill>
-                      <a:prstDash val="solid"/>
-                      <a:round/>
-                      <a:headEnd type="none" w="med" len="med"/>
-                      <a:tailEnd type="none" w="med" len="med"/>
-                    </a:lnL>
-                    <a:lnR w="12700" cap="flat" cmpd="sng" algn="ctr">
-                      <a:solidFill>
-                        <a:schemeClr val="tx1"/>
-                      </a:solidFill>
-                      <a:prstDash val="solid"/>
-                      <a:round/>
-                      <a:headEnd type="none" w="med" len="med"/>
-                      <a:tailEnd type="none" w="med" len="med"/>
-                    </a:lnR>
-                    <a:lnT w="12700" cap="flat" cmpd="sng" algn="ctr">
-                      <a:solidFill>
-                        <a:schemeClr val="tx1"/>
-                      </a:solidFill>
-                      <a:prstDash val="solid"/>
-                      <a:round/>
-                      <a:headEnd type="none" w="med" len="med"/>
-                      <a:tailEnd type="none" w="med" len="med"/>
-                    </a:lnT>
-                    <a:lnB w="12700" cap="flat" cmpd="sng" algn="ctr">
-                      <a:solidFill>
-                        <a:schemeClr val="tx1"/>
-                      </a:solidFill>
-                      <a:prstDash val="solid"/>
-                      <a:round/>
-                      <a:headEnd type="none" w="med" len="med"/>
-                      <a:tailEnd type="none" w="med" len="med"/>
-                    </a:lnB>
-                  </a:tcPr>
-                </a:tc>
-                <a:tc>
-                  <a:txBody>
-                    <a:bodyPr/>
-                    <a:lstStyle/>
-                    <a:p>
-                      <a:endParaRPr lang="en-PH" sz="5200"/>
-                    </a:p>
-                  </a:txBody>
-                  <a:tcPr marL="182880" marR="182880" marT="57910" marB="57910">
-                    <a:lnL w="12700" cap="flat" cmpd="sng" algn="ctr">
-                      <a:solidFill>
-                        <a:schemeClr val="tx1"/>
-                      </a:solidFill>
-                      <a:prstDash val="solid"/>
-                      <a:round/>
-                      <a:headEnd type="none" w="med" len="med"/>
-                      <a:tailEnd type="none" w="med" len="med"/>
-                    </a:lnL>
-                    <a:lnR w="12700" cap="flat" cmpd="sng" algn="ctr">
-                      <a:solidFill>
-                        <a:schemeClr val="tx1"/>
-                      </a:solidFill>
-                      <a:prstDash val="solid"/>
-                      <a:round/>
-                      <a:headEnd type="none" w="med" len="med"/>
-                      <a:tailEnd type="none" w="med" len="med"/>
-                    </a:lnR>
-                    <a:lnT w="12700" cap="flat" cmpd="sng" algn="ctr">
-                      <a:solidFill>
-                        <a:schemeClr val="tx1"/>
-                      </a:solidFill>
-                      <a:prstDash val="solid"/>
-                      <a:round/>
-                      <a:headEnd type="none" w="med" len="med"/>
-                      <a:tailEnd type="none" w="med" len="med"/>
-                    </a:lnT>
-                    <a:lnB w="12700" cap="flat" cmpd="sng" algn="ctr">
-                      <a:solidFill>
-                        <a:schemeClr val="tx1"/>
-                      </a:solidFill>
-                      <a:prstDash val="solid"/>
-                      <a:round/>
-                      <a:headEnd type="none" w="med" len="med"/>
-                      <a:tailEnd type="none" w="med" len="med"/>
-                    </a:lnB>
-                  </a:tcPr>
-                </a:tc>
-                <a:tc>
-                  <a:txBody>
-                    <a:bodyPr/>
-                    <a:lstStyle/>
-                    <a:p>
-                      <a:endParaRPr lang="en-PH" sz="5200"/>
-                    </a:p>
-                  </a:txBody>
-                  <a:tcPr marL="182880" marR="182880" marT="57910" marB="57910">
-                    <a:lnL w="12700" cap="flat" cmpd="sng" algn="ctr">
-                      <a:solidFill>
-                        <a:schemeClr val="tx1"/>
-                      </a:solidFill>
-                      <a:prstDash val="solid"/>
-                      <a:round/>
-                      <a:headEnd type="none" w="med" len="med"/>
-                      <a:tailEnd type="none" w="med" len="med"/>
-                    </a:lnL>
-                    <a:lnR w="12700" cap="flat" cmpd="sng" algn="ctr">
-                      <a:solidFill>
-                        <a:schemeClr val="tx1"/>
-                      </a:solidFill>
-                      <a:prstDash val="solid"/>
-                      <a:round/>
-                      <a:headEnd type="none" w="med" len="med"/>
-                      <a:tailEnd type="none" w="med" len="med"/>
-                    </a:lnR>
-                    <a:lnT w="12700" cap="flat" cmpd="sng" algn="ctr">
-                      <a:solidFill>
-                        <a:schemeClr val="tx1"/>
-                      </a:solidFill>
-                      <a:prstDash val="solid"/>
-                      <a:round/>
-                      <a:headEnd type="none" w="med" len="med"/>
-                      <a:tailEnd type="none" w="med" len="med"/>
-                    </a:lnT>
-                    <a:lnB w="12700" cap="flat" cmpd="sng" algn="ctr">
-                      <a:solidFill>
-                        <a:schemeClr val="tx1"/>
-                      </a:solidFill>
-                      <a:prstDash val="solid"/>
-                      <a:round/>
-                      <a:headEnd type="none" w="med" len="med"/>
-                      <a:tailEnd type="none" w="med" len="med"/>
-                    </a:lnB>
-                  </a:tcPr>
-                </a:tc>
-                <a:tc>
-                  <a:txBody>
-                    <a:bodyPr/>
-                    <a:lstStyle/>
-                    <a:p>
-                      <a:endParaRPr lang="en-PH" sz="5200" dirty="0"/>
-                    </a:p>
-                  </a:txBody>
-                  <a:tcPr marL="182880" marR="182880" marT="57910" marB="57910">
-                    <a:lnL w="12700" cap="flat" cmpd="sng" algn="ctr">
-                      <a:solidFill>
-                        <a:schemeClr val="tx1"/>
-                      </a:solidFill>
-                      <a:prstDash val="solid"/>
-                      <a:round/>
-                      <a:headEnd type="none" w="med" len="med"/>
-                      <a:tailEnd type="none" w="med" len="med"/>
-                    </a:lnL>
-                    <a:lnR w="12700" cap="flat" cmpd="sng" algn="ctr">
-                      <a:solidFill>
-                        <a:schemeClr val="tx1"/>
-                      </a:solidFill>
-                      <a:prstDash val="solid"/>
-                      <a:round/>
-                      <a:headEnd type="none" w="med" len="med"/>
-                      <a:tailEnd type="none" w="med" len="med"/>
-                    </a:lnR>
-                    <a:lnT w="12700" cap="flat" cmpd="sng" algn="ctr">
-                      <a:solidFill>
-                        <a:schemeClr val="tx1"/>
-                      </a:solidFill>
-                      <a:prstDash val="solid"/>
-                      <a:round/>
-                      <a:headEnd type="none" w="med" len="med"/>
-                      <a:tailEnd type="none" w="med" len="med"/>
-                    </a:lnT>
-                    <a:lnB w="12700" cap="flat" cmpd="sng" algn="ctr">
-                      <a:solidFill>
-                        <a:schemeClr val="tx1"/>
-                      </a:solidFill>
-                      <a:prstDash val="solid"/>
-                      <a:round/>
-                      <a:headEnd type="none" w="med" len="med"/>
-                      <a:tailEnd type="none" w="med" len="med"/>
-                    </a:lnB>
-                  </a:tcPr>
-                </a:tc>
-              </a:tr>
-              <a:tr h="1710138">
-                <a:tc>
-                  <a:txBody>
-                    <a:bodyPr/>
-                    <a:lstStyle/>
-                    <a:p>
-                      <a:endParaRPr lang="en-PH" sz="5200" dirty="0"/>
-                    </a:p>
-                  </a:txBody>
-                  <a:tcPr marL="182880" marR="182880" marT="57910" marB="57910">
-                    <a:lnL w="12700" cap="flat" cmpd="sng" algn="ctr">
-                      <a:solidFill>
-                        <a:schemeClr val="tx1"/>
-                      </a:solidFill>
-                      <a:prstDash val="solid"/>
-                      <a:round/>
-                      <a:headEnd type="none" w="med" len="med"/>
-                      <a:tailEnd type="none" w="med" len="med"/>
-                    </a:lnL>
-                    <a:lnR w="12700" cap="flat" cmpd="sng" algn="ctr">
-                      <a:solidFill>
-                        <a:schemeClr val="tx1"/>
-                      </a:solidFill>
-                      <a:prstDash val="solid"/>
-                      <a:round/>
-                      <a:headEnd type="none" w="med" len="med"/>
-                      <a:tailEnd type="none" w="med" len="med"/>
-                    </a:lnR>
-                    <a:lnT w="12700" cap="flat" cmpd="sng" algn="ctr">
-                      <a:solidFill>
-                        <a:schemeClr val="tx1"/>
-                      </a:solidFill>
-                      <a:prstDash val="solid"/>
-                      <a:round/>
-                      <a:headEnd type="none" w="med" len="med"/>
-                      <a:tailEnd type="none" w="med" len="med"/>
-                    </a:lnT>
-                    <a:lnB w="12700" cap="flat" cmpd="sng" algn="ctr">
-                      <a:solidFill>
-                        <a:schemeClr val="tx1"/>
-                      </a:solidFill>
-                      <a:prstDash val="solid"/>
-                      <a:round/>
-                      <a:headEnd type="none" w="med" len="med"/>
-                      <a:tailEnd type="none" w="med" len="med"/>
-                    </a:lnB>
-                  </a:tcPr>
-                </a:tc>
-                <a:tc>
-                  <a:txBody>
-                    <a:bodyPr/>
-                    <a:lstStyle/>
-                    <a:p>
-                      <a:endParaRPr lang="en-PH" sz="5200"/>
-                    </a:p>
-                  </a:txBody>
-                  <a:tcPr marL="182880" marR="182880" marT="57910" marB="57910">
-                    <a:lnL w="12700" cap="flat" cmpd="sng" algn="ctr">
-                      <a:solidFill>
-                        <a:schemeClr val="tx1"/>
-                      </a:solidFill>
-                      <a:prstDash val="solid"/>
-                      <a:round/>
-                      <a:headEnd type="none" w="med" len="med"/>
-                      <a:tailEnd type="none" w="med" len="med"/>
-                    </a:lnL>
-                    <a:lnR w="12700" cap="flat" cmpd="sng" algn="ctr">
-                      <a:solidFill>
-                        <a:schemeClr val="tx1"/>
-                      </a:solidFill>
-                      <a:prstDash val="solid"/>
-                      <a:round/>
-                      <a:headEnd type="none" w="med" len="med"/>
-                      <a:tailEnd type="none" w="med" len="med"/>
-                    </a:lnR>
-                    <a:lnT w="12700" cap="flat" cmpd="sng" algn="ctr">
-                      <a:solidFill>
-                        <a:schemeClr val="tx1"/>
-                      </a:solidFill>
-                      <a:prstDash val="solid"/>
-                      <a:round/>
-                      <a:headEnd type="none" w="med" len="med"/>
-                      <a:tailEnd type="none" w="med" len="med"/>
-                    </a:lnT>
-                    <a:lnB w="12700" cap="flat" cmpd="sng" algn="ctr">
-                      <a:solidFill>
-                        <a:schemeClr val="tx1"/>
-                      </a:solidFill>
-                      <a:prstDash val="solid"/>
-                      <a:round/>
-                      <a:headEnd type="none" w="med" len="med"/>
-                      <a:tailEnd type="none" w="med" len="med"/>
-                    </a:lnB>
-                  </a:tcPr>
-                </a:tc>
-                <a:tc>
-                  <a:txBody>
-                    <a:bodyPr/>
-                    <a:lstStyle/>
-                    <a:p>
-                      <a:endParaRPr lang="en-PH" sz="5200" dirty="0"/>
-                    </a:p>
-                  </a:txBody>
-                  <a:tcPr marL="182880" marR="182880" marT="57910" marB="57910">
-                    <a:lnL w="12700" cap="flat" cmpd="sng" algn="ctr">
-                      <a:solidFill>
-                        <a:schemeClr val="tx1"/>
-                      </a:solidFill>
-                      <a:prstDash val="solid"/>
-                      <a:round/>
-                      <a:headEnd type="none" w="med" len="med"/>
-                      <a:tailEnd type="none" w="med" len="med"/>
-                    </a:lnL>
-                    <a:lnR w="12700" cap="flat" cmpd="sng" algn="ctr">
-                      <a:solidFill>
-                        <a:schemeClr val="tx1"/>
-                      </a:solidFill>
-                      <a:prstDash val="solid"/>
-                      <a:round/>
-                      <a:headEnd type="none" w="med" len="med"/>
-                      <a:tailEnd type="none" w="med" len="med"/>
-                    </a:lnR>
-                    <a:lnT w="12700" cap="flat" cmpd="sng" algn="ctr">
-                      <a:solidFill>
-                        <a:schemeClr val="tx1"/>
-                      </a:solidFill>
-                      <a:prstDash val="solid"/>
-                      <a:round/>
-                      <a:headEnd type="none" w="med" len="med"/>
-                      <a:tailEnd type="none" w="med" len="med"/>
-                    </a:lnT>
-                    <a:lnB w="12700" cap="flat" cmpd="sng" algn="ctr">
-                      <a:solidFill>
-                        <a:schemeClr val="tx1"/>
-                      </a:solidFill>
-                      <a:prstDash val="solid"/>
-                      <a:round/>
-                      <a:headEnd type="none" w="med" len="med"/>
-                      <a:tailEnd type="none" w="med" len="med"/>
-                    </a:lnB>
-                  </a:tcPr>
-                </a:tc>
-                <a:tc>
-                  <a:txBody>
-                    <a:bodyPr/>
-                    <a:lstStyle/>
-                    <a:p>
-                      <a:endParaRPr lang="en-PH" sz="5200"/>
-                    </a:p>
-                  </a:txBody>
-                  <a:tcPr marL="182880" marR="182880" marT="57910" marB="57910">
-                    <a:lnL w="12700" cap="flat" cmpd="sng" algn="ctr">
-                      <a:solidFill>
-                        <a:schemeClr val="tx1"/>
-                      </a:solidFill>
-                      <a:prstDash val="solid"/>
-                      <a:round/>
-                      <a:headEnd type="none" w="med" len="med"/>
-                      <a:tailEnd type="none" w="med" len="med"/>
-                    </a:lnL>
-                    <a:lnR w="12700" cap="flat" cmpd="sng" algn="ctr">
-                      <a:solidFill>
-                        <a:schemeClr val="tx1"/>
-                      </a:solidFill>
-                      <a:prstDash val="solid"/>
-                      <a:round/>
-                      <a:headEnd type="none" w="med" len="med"/>
-                      <a:tailEnd type="none" w="med" len="med"/>
-                    </a:lnR>
-                    <a:lnT w="12700" cap="flat" cmpd="sng" algn="ctr">
-                      <a:solidFill>
-                        <a:schemeClr val="tx1"/>
-                      </a:solidFill>
-                      <a:prstDash val="solid"/>
-                      <a:round/>
-                      <a:headEnd type="none" w="med" len="med"/>
-                      <a:tailEnd type="none" w="med" len="med"/>
-                    </a:lnT>
-                    <a:lnB w="12700" cap="flat" cmpd="sng" algn="ctr">
-                      <a:solidFill>
-                        <a:schemeClr val="tx1"/>
-                      </a:solidFill>
-                      <a:prstDash val="solid"/>
-                      <a:round/>
-                      <a:headEnd type="none" w="med" len="med"/>
-                      <a:tailEnd type="none" w="med" len="med"/>
-                    </a:lnB>
-                  </a:tcPr>
-                </a:tc>
-                <a:tc>
-                  <a:txBody>
-                    <a:bodyPr/>
-                    <a:lstStyle/>
-                    <a:p>
-                      <a:endParaRPr lang="en-PH" sz="5200"/>
-                    </a:p>
-                  </a:txBody>
-                  <a:tcPr marL="182880" marR="182880" marT="57910" marB="57910">
-                    <a:lnL w="12700" cap="flat" cmpd="sng" algn="ctr">
-                      <a:solidFill>
-                        <a:schemeClr val="tx1"/>
-                      </a:solidFill>
-                      <a:prstDash val="solid"/>
-                      <a:round/>
-                      <a:headEnd type="none" w="med" len="med"/>
-                      <a:tailEnd type="none" w="med" len="med"/>
-                    </a:lnL>
-                    <a:lnR w="12700" cap="flat" cmpd="sng" algn="ctr">
-                      <a:solidFill>
-                        <a:schemeClr val="tx1"/>
-                      </a:solidFill>
-                      <a:prstDash val="solid"/>
-                      <a:round/>
-                      <a:headEnd type="none" w="med" len="med"/>
-                      <a:tailEnd type="none" w="med" len="med"/>
-                    </a:lnR>
-                    <a:lnT w="12700" cap="flat" cmpd="sng" algn="ctr">
-                      <a:solidFill>
-                        <a:schemeClr val="tx1"/>
-                      </a:solidFill>
-                      <a:prstDash val="solid"/>
-                      <a:round/>
-                      <a:headEnd type="none" w="med" len="med"/>
-                      <a:tailEnd type="none" w="med" len="med"/>
-                    </a:lnT>
-                    <a:lnB w="12700" cap="flat" cmpd="sng" algn="ctr">
-                      <a:solidFill>
-                        <a:schemeClr val="tx1"/>
-                      </a:solidFill>
-                      <a:prstDash val="solid"/>
-                      <a:round/>
-                      <a:headEnd type="none" w="med" len="med"/>
-                      <a:tailEnd type="none" w="med" len="med"/>
-                    </a:lnB>
-                  </a:tcPr>
-                </a:tc>
-                <a:tc>
-                  <a:txBody>
-                    <a:bodyPr/>
-                    <a:lstStyle/>
-                    <a:p>
-                      <a:endParaRPr lang="en-PH" sz="5200"/>
-                    </a:p>
-                  </a:txBody>
-                  <a:tcPr marL="182880" marR="182880" marT="57910" marB="57910">
-                    <a:lnL w="12700" cap="flat" cmpd="sng" algn="ctr">
-                      <a:solidFill>
-                        <a:schemeClr val="tx1"/>
-                      </a:solidFill>
-                      <a:prstDash val="solid"/>
-                      <a:round/>
-                      <a:headEnd type="none" w="med" len="med"/>
-                      <a:tailEnd type="none" w="med" len="med"/>
-                    </a:lnL>
-                    <a:lnR w="12700" cap="flat" cmpd="sng" algn="ctr">
-                      <a:solidFill>
-                        <a:schemeClr val="tx1"/>
-                      </a:solidFill>
-                      <a:prstDash val="solid"/>
-                      <a:round/>
-                      <a:headEnd type="none" w="med" len="med"/>
-                      <a:tailEnd type="none" w="med" len="med"/>
-                    </a:lnR>
-                    <a:lnT w="12700" cap="flat" cmpd="sng" algn="ctr">
-                      <a:solidFill>
-                        <a:schemeClr val="tx1"/>
-                      </a:solidFill>
-                      <a:prstDash val="solid"/>
-                      <a:round/>
-                      <a:headEnd type="none" w="med" len="med"/>
-                      <a:tailEnd type="none" w="med" len="med"/>
-                    </a:lnT>
-                    <a:lnB w="12700" cap="flat" cmpd="sng" algn="ctr">
-                      <a:solidFill>
-                        <a:schemeClr val="tx1"/>
-                      </a:solidFill>
-                      <a:prstDash val="solid"/>
-                      <a:round/>
-                      <a:headEnd type="none" w="med" len="med"/>
-                      <a:tailEnd type="none" w="med" len="med"/>
-                    </a:lnB>
-                  </a:tcPr>
-                </a:tc>
-                <a:tc>
-                  <a:txBody>
-                    <a:bodyPr/>
-                    <a:lstStyle/>
-                    <a:p>
-                      <a:endParaRPr lang="en-PH" sz="5200" dirty="0"/>
-                    </a:p>
-                  </a:txBody>
-                  <a:tcPr marL="182880" marR="182880" marT="57910" marB="57910">
-                    <a:lnL w="12700" cap="flat" cmpd="sng" algn="ctr">
-                      <a:solidFill>
-                        <a:schemeClr val="tx1"/>
-                      </a:solidFill>
-                      <a:prstDash val="solid"/>
-                      <a:round/>
-                      <a:headEnd type="none" w="med" len="med"/>
-                      <a:tailEnd type="none" w="med" len="med"/>
-                    </a:lnL>
-                    <a:lnR w="12700" cap="flat" cmpd="sng" algn="ctr">
-                      <a:solidFill>
-                        <a:schemeClr val="tx1"/>
-                      </a:solidFill>
-                      <a:prstDash val="solid"/>
-                      <a:round/>
-                      <a:headEnd type="none" w="med" len="med"/>
-                      <a:tailEnd type="none" w="med" len="med"/>
-                    </a:lnR>
-                    <a:lnT w="12700" cap="flat" cmpd="sng" algn="ctr">
-                      <a:solidFill>
-                        <a:schemeClr val="tx1"/>
-                      </a:solidFill>
-                      <a:prstDash val="solid"/>
-                      <a:round/>
-                      <a:headEnd type="none" w="med" len="med"/>
-                      <a:tailEnd type="none" w="med" len="med"/>
-                    </a:lnT>
-                    <a:lnB w="12700" cap="flat" cmpd="sng" algn="ctr">
-                      <a:solidFill>
-                        <a:schemeClr val="tx1"/>
-                      </a:solidFill>
-                      <a:prstDash val="solid"/>
-                      <a:round/>
-                      <a:headEnd type="none" w="med" len="med"/>
-                      <a:tailEnd type="none" w="med" len="med"/>
-                    </a:lnB>
-                  </a:tcPr>
-                </a:tc>
-                <a:tc>
-                  <a:txBody>
-                    <a:bodyPr/>
-                    <a:lstStyle/>
-                    <a:p>
-                      <a:endParaRPr lang="en-PH" sz="5200"/>
-                    </a:p>
-                  </a:txBody>
-                  <a:tcPr marL="182880" marR="182880" marT="57910" marB="57910">
-                    <a:lnL w="12700" cap="flat" cmpd="sng" algn="ctr">
-                      <a:solidFill>
-                        <a:schemeClr val="tx1"/>
-                      </a:solidFill>
-                      <a:prstDash val="solid"/>
-                      <a:round/>
-                      <a:headEnd type="none" w="med" len="med"/>
-                      <a:tailEnd type="none" w="med" len="med"/>
-                    </a:lnL>
-                    <a:lnR w="12700" cap="flat" cmpd="sng" algn="ctr">
-                      <a:solidFill>
-                        <a:schemeClr val="tx1"/>
-                      </a:solidFill>
-                      <a:prstDash val="solid"/>
-                      <a:round/>
-                      <a:headEnd type="none" w="med" len="med"/>
-                      <a:tailEnd type="none" w="med" len="med"/>
-                    </a:lnR>
-                    <a:lnT w="12700" cap="flat" cmpd="sng" algn="ctr">
-                      <a:solidFill>
-                        <a:schemeClr val="tx1"/>
-                      </a:solidFill>
-                      <a:prstDash val="solid"/>
-                      <a:round/>
-                      <a:headEnd type="none" w="med" len="med"/>
-                      <a:tailEnd type="none" w="med" len="med"/>
-                    </a:lnT>
-                    <a:lnB w="12700" cap="flat" cmpd="sng" algn="ctr">
-                      <a:solidFill>
-                        <a:schemeClr val="tx1"/>
-                      </a:solidFill>
-                      <a:prstDash val="solid"/>
-                      <a:round/>
-                      <a:headEnd type="none" w="med" len="med"/>
-                      <a:tailEnd type="none" w="med" len="med"/>
-                    </a:lnB>
-                  </a:tcPr>
-                </a:tc>
-                <a:tc>
-                  <a:txBody>
-                    <a:bodyPr/>
-                    <a:lstStyle/>
-                    <a:p>
-                      <a:endParaRPr lang="en-PH" sz="5200"/>
-                    </a:p>
-                  </a:txBody>
-                  <a:tcPr marL="182880" marR="182880" marT="57910" marB="57910">
-                    <a:lnL w="12700" cap="flat" cmpd="sng" algn="ctr">
-                      <a:solidFill>
-                        <a:schemeClr val="tx1"/>
-                      </a:solidFill>
-                      <a:prstDash val="solid"/>
-                      <a:round/>
-                      <a:headEnd type="none" w="med" len="med"/>
-                      <a:tailEnd type="none" w="med" len="med"/>
-                    </a:lnL>
-                    <a:lnR w="12700" cap="flat" cmpd="sng" algn="ctr">
-                      <a:solidFill>
-                        <a:schemeClr val="tx1"/>
-                      </a:solidFill>
-                      <a:prstDash val="solid"/>
-                      <a:round/>
-                      <a:headEnd type="none" w="med" len="med"/>
-                      <a:tailEnd type="none" w="med" len="med"/>
-                    </a:lnR>
-                    <a:lnT w="12700" cap="flat" cmpd="sng" algn="ctr">
-                      <a:solidFill>
-                        <a:schemeClr val="tx1"/>
-                      </a:solidFill>
-                      <a:prstDash val="solid"/>
-                      <a:round/>
-                      <a:headEnd type="none" w="med" len="med"/>
-                      <a:tailEnd type="none" w="med" len="med"/>
-                    </a:lnT>
-                    <a:lnB w="12700" cap="flat" cmpd="sng" algn="ctr">
-                      <a:solidFill>
-                        <a:schemeClr val="tx1"/>
-                      </a:solidFill>
-                      <a:prstDash val="solid"/>
-                      <a:round/>
-                      <a:headEnd type="none" w="med" len="med"/>
-                      <a:tailEnd type="none" w="med" len="med"/>
-                    </a:lnB>
-                  </a:tcPr>
-                </a:tc>
-                <a:tc>
-                  <a:txBody>
-                    <a:bodyPr/>
-                    <a:lstStyle/>
-                    <a:p>
-                      <a:endParaRPr lang="en-PH" sz="5200" dirty="0"/>
-                    </a:p>
-                  </a:txBody>
-                  <a:tcPr marL="182880" marR="182880" marT="57910" marB="57910">
-                    <a:lnL w="12700" cap="flat" cmpd="sng" algn="ctr">
-                      <a:solidFill>
-                        <a:schemeClr val="tx1"/>
-                      </a:solidFill>
-                      <a:prstDash val="solid"/>
-                      <a:round/>
-                      <a:headEnd type="none" w="med" len="med"/>
-                      <a:tailEnd type="none" w="med" len="med"/>
-                    </a:lnL>
-                    <a:lnR w="12700" cap="flat" cmpd="sng" algn="ctr">
-                      <a:solidFill>
-                        <a:schemeClr val="tx1"/>
-                      </a:solidFill>
-                      <a:prstDash val="solid"/>
-                      <a:round/>
-                      <a:headEnd type="none" w="med" len="med"/>
-                      <a:tailEnd type="none" w="med" len="med"/>
-                    </a:lnR>
-                    <a:lnT w="12700" cap="flat" cmpd="sng" algn="ctr">
-                      <a:solidFill>
-                        <a:schemeClr val="tx1"/>
-                      </a:solidFill>
-                      <a:prstDash val="solid"/>
-                      <a:round/>
-                      <a:headEnd type="none" w="med" len="med"/>
-                      <a:tailEnd type="none" w="med" len="med"/>
-                    </a:lnT>
-                    <a:lnB w="12700" cap="flat" cmpd="sng" algn="ctr">
-                      <a:solidFill>
-                        <a:schemeClr val="tx1"/>
-                      </a:solidFill>
-                      <a:prstDash val="solid"/>
-                      <a:round/>
-                      <a:headEnd type="none" w="med" len="med"/>
-                      <a:tailEnd type="none" w="med" len="med"/>
-                    </a:lnB>
-                  </a:tcPr>
-                </a:tc>
-              </a:tr>
-            </a:tbl>
-          </a:graphicData>
-        </a:graphic>
-      </p:graphicFrame>
-      <p:cxnSp>
-        <p:nvCxnSpPr>
-          <p:cNvPr id="12" name="Straight Connector 11"/>
-          <p:cNvCxnSpPr/>
+      <p:sp>
+        <p:nvSpPr>
+          <p:cNvPr id="2" name="Rectangle 1"/>
+          <p:cNvSpPr/>
           <p:nvPr/>
-        </p:nvCxnSpPr>
+        </p:nvSpPr>
         <p:spPr>
           <a:xfrm>
-            <a:off x="15142" y="1362969"/>
-            <a:ext cx="16706156" cy="0"/>
+            <a:off x="11737604" y="719857"/>
+            <a:ext cx="13321480" cy="12241360"/>
           </a:xfrm>
-          <a:prstGeom prst="line">
+          <a:prstGeom prst="rect">
             <a:avLst/>
           </a:prstGeom>
-          <a:ln w="76200">
-            <a:solidFill>
-              <a:schemeClr val="tx2">
-                <a:lumMod val="50000"/>
-              </a:schemeClr>
-            </a:solidFill>
-          </a:ln>
+          <a:solidFill>
+            <a:schemeClr val="accent2">
+              <a:lumMod val="20000"/>
+              <a:lumOff val="80000"/>
+            </a:schemeClr>
+          </a:solidFill>
         </p:spPr>
         <p:style>
-          <a:lnRef idx="1">
-            <a:schemeClr val="accent1"/>
+          <a:lnRef idx="2">
+            <a:schemeClr val="accent1">
+              <a:shade val="50000"/>
+            </a:schemeClr>
           </a:lnRef>
-          <a:fillRef idx="0">
+          <a:fillRef idx="1">
             <a:schemeClr val="accent1"/>
           </a:fillRef>
           <a:effectRef idx="0">
             <a:schemeClr val="accent1"/>
           </a:effectRef>
           <a:fontRef idx="minor">
-            <a:schemeClr val="tx1"/>
+            <a:schemeClr val="lt1"/>
           </a:fontRef>
         </p:style>
-      </p:cxnSp>
-      <p:cxnSp>
-        <p:nvCxnSpPr>
-          <p:cNvPr id="15" name="Straight Connector 14"/>
-          <p:cNvCxnSpPr/>
+        <p:txBody>
+          <a:bodyPr rtlCol="0" anchor="ctr"/>
+          <a:lstStyle/>
+          <a:p>
+            <a:pPr algn="ctr"/>
+            <a:endParaRPr lang="en-US" dirty="0"/>
+          </a:p>
+        </p:txBody>
+      </p:sp>
+      <p:grpSp>
+        <p:nvGrpSpPr>
+          <p:cNvPr id="8" name="Group 7"/>
+          <p:cNvGrpSpPr/>
           <p:nvPr/>
-        </p:nvCxnSpPr>
+        </p:nvGrpSpPr>
+        <p:grpSpPr>
+          <a:xfrm>
+            <a:off x="12817724" y="1583953"/>
+            <a:ext cx="634254" cy="630936"/>
+            <a:chOff x="25275108" y="1009135"/>
+            <a:chExt cx="634254" cy="4248000"/>
+          </a:xfrm>
+        </p:grpSpPr>
+        <p:sp>
+          <p:nvSpPr>
+            <p:cNvPr id="9" name="Rectangle 8"/>
+            <p:cNvSpPr/>
+            <p:nvPr/>
+          </p:nvSpPr>
+          <p:spPr>
+            <a:xfrm>
+              <a:off x="25275108" y="1009135"/>
+              <a:ext cx="324000" cy="4248000"/>
+            </a:xfrm>
+            <a:prstGeom prst="rect">
+              <a:avLst/>
+            </a:prstGeom>
+          </p:spPr>
+          <p:style>
+            <a:lnRef idx="2">
+              <a:schemeClr val="accent1">
+                <a:shade val="50000"/>
+              </a:schemeClr>
+            </a:lnRef>
+            <a:fillRef idx="1">
+              <a:schemeClr val="accent1"/>
+            </a:fillRef>
+            <a:effectRef idx="0">
+              <a:schemeClr val="accent1"/>
+            </a:effectRef>
+            <a:fontRef idx="minor">
+              <a:schemeClr val="lt1"/>
+            </a:fontRef>
+          </p:style>
+          <p:txBody>
+            <a:bodyPr rtlCol="0" anchor="ctr"/>
+            <a:lstStyle/>
+            <a:p>
+              <a:pPr algn="ctr"/>
+              <a:endParaRPr lang="en-PH"/>
+            </a:p>
+          </p:txBody>
+        </p:sp>
+        <p:sp>
+          <p:nvSpPr>
+            <p:cNvPr id="10" name="Rectangle 9"/>
+            <p:cNvSpPr/>
+            <p:nvPr/>
+          </p:nvSpPr>
+          <p:spPr>
+            <a:xfrm>
+              <a:off x="25585362" y="1009135"/>
+              <a:ext cx="324000" cy="4248000"/>
+            </a:xfrm>
+            <a:prstGeom prst="rect">
+              <a:avLst/>
+            </a:prstGeom>
+          </p:spPr>
+          <p:style>
+            <a:lnRef idx="2">
+              <a:schemeClr val="accent4">
+                <a:shade val="50000"/>
+              </a:schemeClr>
+            </a:lnRef>
+            <a:fillRef idx="1">
+              <a:schemeClr val="accent4"/>
+            </a:fillRef>
+            <a:effectRef idx="0">
+              <a:schemeClr val="accent4"/>
+            </a:effectRef>
+            <a:fontRef idx="minor">
+              <a:schemeClr val="lt1"/>
+            </a:fontRef>
+          </p:style>
+          <p:txBody>
+            <a:bodyPr rtlCol="0" anchor="ctr"/>
+            <a:lstStyle/>
+            <a:p>
+              <a:pPr algn="ctr"/>
+              <a:endParaRPr lang="en-PH"/>
+            </a:p>
+          </p:txBody>
+        </p:sp>
+      </p:grpSp>
+      <p:sp>
+        <p:nvSpPr>
+          <p:cNvPr id="3" name="TextBox 2"/>
+          <p:cNvSpPr txBox="1"/>
+          <p:nvPr/>
+        </p:nvSpPr>
         <p:spPr>
-          <a:xfrm flipV="1">
-            <a:off x="16706173" y="1362969"/>
-            <a:ext cx="26499227" cy="3"/>
+          <a:xfrm>
+            <a:off x="12601700" y="827435"/>
+            <a:ext cx="6408712" cy="707886"/>
           </a:xfrm>
-          <a:prstGeom prst="line">
+          <a:prstGeom prst="rect">
             <a:avLst/>
           </a:prstGeom>
-          <a:ln w="76200">
-            <a:solidFill>
-              <a:schemeClr val="tx2">
-                <a:lumMod val="50000"/>
-              </a:schemeClr>
-            </a:solidFill>
-          </a:ln>
+          <a:noFill/>
         </p:spPr>
-        <p:style>
-          <a:lnRef idx="1">
-            <a:schemeClr val="accent1"/>
-          </a:lnRef>
-          <a:fillRef idx="0">
-            <a:schemeClr val="accent1"/>
-          </a:fillRef>
-          <a:effectRef idx="0">
-            <a:schemeClr val="accent1"/>
-          </a:effectRef>
-          <a:fontRef idx="minor">
-            <a:schemeClr val="tx1"/>
-          </a:fontRef>
-        </p:style>
-      </p:cxnSp>
-      <p:cxnSp>
-        <p:nvCxnSpPr>
-          <p:cNvPr id="23" name="Straight Connector 22"/>
-          <p:cNvCxnSpPr>
-            <a:endCxn id="7" idx="3"/>
-          </p:cNvCxnSpPr>
-          <p:nvPr/>
-        </p:nvCxnSpPr>
-        <p:spPr>
-          <a:xfrm>
-            <a:off x="0" y="6840538"/>
-            <a:ext cx="43205400" cy="14"/>
-          </a:xfrm>
-          <a:prstGeom prst="line">
-            <a:avLst/>
-          </a:prstGeom>
-          <a:ln w="76200">
-            <a:solidFill>
-              <a:schemeClr val="tx2">
-                <a:lumMod val="50000"/>
-              </a:schemeClr>
-            </a:solidFill>
-          </a:ln>
-        </p:spPr>
-        <p:style>
-          <a:lnRef idx="1">
-            <a:schemeClr val="accent1"/>
-          </a:lnRef>
-          <a:fillRef idx="0">
-            <a:schemeClr val="accent1"/>
-          </a:fillRef>
-          <a:effectRef idx="0">
-            <a:schemeClr val="accent1"/>
-          </a:effectRef>
-          <a:fontRef idx="minor">
-            <a:schemeClr val="tx1"/>
-          </a:fontRef>
-        </p:style>
-      </p:cxnSp>
+        <p:txBody>
+          <a:bodyPr wrap="square" rtlCol="0">
+            <a:spAutoFit/>
+          </a:bodyPr>
+          <a:lstStyle/>
+          <a:p>
+            <a:r>
+              <a:rPr lang="en-US" sz="4000" dirty="0" smtClean="0">
+                <a:solidFill>
+                  <a:srgbClr val="FF0000"/>
+                </a:solidFill>
+              </a:rPr>
+              <a:t>Book Shelves</a:t>
+            </a:r>
+            <a:endParaRPr lang="en-US" sz="4000" dirty="0">
+              <a:solidFill>
+                <a:srgbClr val="FF0000"/>
+              </a:solidFill>
+            </a:endParaRPr>
+          </a:p>
+        </p:txBody>
+      </p:sp>
     </p:spTree>
     <p:extLst>
       <p:ext uri="{BB962C8B-B14F-4D97-AF65-F5344CB8AC3E}">
@@ -12458,15 +8708,15 @@
         </p:spPr>
         <p:style>
           <a:lnRef idx="2">
-            <a:schemeClr val="accent2">
+            <a:schemeClr val="accent6">
               <a:shade val="50000"/>
             </a:schemeClr>
           </a:lnRef>
           <a:fillRef idx="1">
-            <a:schemeClr val="accent2"/>
+            <a:schemeClr val="accent6"/>
           </a:fillRef>
           <a:effectRef idx="0">
-            <a:schemeClr val="accent2"/>
+            <a:schemeClr val="accent6"/>
           </a:effectRef>
           <a:fontRef idx="minor">
             <a:schemeClr val="lt1"/>
@@ -18174,15 +14424,15 @@
         </p:spPr>
         <p:style>
           <a:lnRef idx="2">
-            <a:schemeClr val="accent2">
+            <a:schemeClr val="accent6">
               <a:shade val="50000"/>
             </a:schemeClr>
           </a:lnRef>
           <a:fillRef idx="1">
-            <a:schemeClr val="accent2"/>
+            <a:schemeClr val="accent6"/>
           </a:fillRef>
           <a:effectRef idx="0">
-            <a:schemeClr val="accent2"/>
+            <a:schemeClr val="accent6"/>
           </a:effectRef>
           <a:fontRef idx="minor">
             <a:schemeClr val="lt1"/>
@@ -18437,766 +14687,6 @@
       </p:sp>
       <p:grpSp>
         <p:nvGrpSpPr>
-          <p:cNvPr id="156" name="Group 155"/>
-          <p:cNvGrpSpPr/>
-          <p:nvPr/>
-        </p:nvGrpSpPr>
-        <p:grpSpPr>
-          <a:xfrm>
-            <a:off x="4291709" y="935881"/>
-            <a:ext cx="540000" cy="4248000"/>
-            <a:chOff x="25275108" y="1009135"/>
-            <a:chExt cx="634254" cy="4248000"/>
-          </a:xfrm>
-        </p:grpSpPr>
-        <p:sp>
-          <p:nvSpPr>
-            <p:cNvPr id="157" name="Rectangle 156"/>
-            <p:cNvSpPr/>
-            <p:nvPr/>
-          </p:nvSpPr>
-          <p:spPr>
-            <a:xfrm>
-              <a:off x="25275108" y="1009135"/>
-              <a:ext cx="324000" cy="4248000"/>
-            </a:xfrm>
-            <a:prstGeom prst="rect">
-              <a:avLst/>
-            </a:prstGeom>
-          </p:spPr>
-          <p:style>
-            <a:lnRef idx="2">
-              <a:schemeClr val="accent1">
-                <a:shade val="50000"/>
-              </a:schemeClr>
-            </a:lnRef>
-            <a:fillRef idx="1">
-              <a:schemeClr val="accent1"/>
-            </a:fillRef>
-            <a:effectRef idx="0">
-              <a:schemeClr val="accent1"/>
-            </a:effectRef>
-            <a:fontRef idx="minor">
-              <a:schemeClr val="lt1"/>
-            </a:fontRef>
-          </p:style>
-          <p:txBody>
-            <a:bodyPr rtlCol="0" anchor="ctr"/>
-            <a:lstStyle/>
-            <a:p>
-              <a:pPr algn="ctr"/>
-              <a:endParaRPr lang="en-PH"/>
-            </a:p>
-          </p:txBody>
-        </p:sp>
-        <p:sp>
-          <p:nvSpPr>
-            <p:cNvPr id="158" name="Rectangle 157"/>
-            <p:cNvSpPr/>
-            <p:nvPr/>
-          </p:nvSpPr>
-          <p:spPr>
-            <a:xfrm>
-              <a:off x="25585362" y="1009135"/>
-              <a:ext cx="324000" cy="4248000"/>
-            </a:xfrm>
-            <a:prstGeom prst="rect">
-              <a:avLst/>
-            </a:prstGeom>
-          </p:spPr>
-          <p:style>
-            <a:lnRef idx="2">
-              <a:schemeClr val="accent4">
-                <a:shade val="50000"/>
-              </a:schemeClr>
-            </a:lnRef>
-            <a:fillRef idx="1">
-              <a:schemeClr val="accent4"/>
-            </a:fillRef>
-            <a:effectRef idx="0">
-              <a:schemeClr val="accent4"/>
-            </a:effectRef>
-            <a:fontRef idx="minor">
-              <a:schemeClr val="lt1"/>
-            </a:fontRef>
-          </p:style>
-          <p:txBody>
-            <a:bodyPr rtlCol="0" anchor="ctr"/>
-            <a:lstStyle/>
-            <a:p>
-              <a:pPr algn="ctr"/>
-              <a:endParaRPr lang="en-PH"/>
-            </a:p>
-          </p:txBody>
-        </p:sp>
-      </p:grpSp>
-      <p:grpSp>
-        <p:nvGrpSpPr>
-          <p:cNvPr id="159" name="Group 158"/>
-          <p:cNvGrpSpPr/>
-          <p:nvPr/>
-        </p:nvGrpSpPr>
-        <p:grpSpPr>
-          <a:xfrm>
-            <a:off x="5148932" y="935881"/>
-            <a:ext cx="540000" cy="4248000"/>
-            <a:chOff x="25275108" y="1009135"/>
-            <a:chExt cx="634254" cy="4248000"/>
-          </a:xfrm>
-        </p:grpSpPr>
-        <p:sp>
-          <p:nvSpPr>
-            <p:cNvPr id="160" name="Rectangle 159"/>
-            <p:cNvSpPr/>
-            <p:nvPr/>
-          </p:nvSpPr>
-          <p:spPr>
-            <a:xfrm>
-              <a:off x="25275108" y="1009135"/>
-              <a:ext cx="324000" cy="4248000"/>
-            </a:xfrm>
-            <a:prstGeom prst="rect">
-              <a:avLst/>
-            </a:prstGeom>
-          </p:spPr>
-          <p:style>
-            <a:lnRef idx="2">
-              <a:schemeClr val="accent1">
-                <a:shade val="50000"/>
-              </a:schemeClr>
-            </a:lnRef>
-            <a:fillRef idx="1">
-              <a:schemeClr val="accent1"/>
-            </a:fillRef>
-            <a:effectRef idx="0">
-              <a:schemeClr val="accent1"/>
-            </a:effectRef>
-            <a:fontRef idx="minor">
-              <a:schemeClr val="lt1"/>
-            </a:fontRef>
-          </p:style>
-          <p:txBody>
-            <a:bodyPr rtlCol="0" anchor="ctr"/>
-            <a:lstStyle/>
-            <a:p>
-              <a:pPr algn="ctr"/>
-              <a:endParaRPr lang="en-PH"/>
-            </a:p>
-          </p:txBody>
-        </p:sp>
-        <p:sp>
-          <p:nvSpPr>
-            <p:cNvPr id="161" name="Rectangle 160"/>
-            <p:cNvSpPr/>
-            <p:nvPr/>
-          </p:nvSpPr>
-          <p:spPr>
-            <a:xfrm>
-              <a:off x="25585362" y="1009135"/>
-              <a:ext cx="324000" cy="4248000"/>
-            </a:xfrm>
-            <a:prstGeom prst="rect">
-              <a:avLst/>
-            </a:prstGeom>
-          </p:spPr>
-          <p:style>
-            <a:lnRef idx="2">
-              <a:schemeClr val="accent4">
-                <a:shade val="50000"/>
-              </a:schemeClr>
-            </a:lnRef>
-            <a:fillRef idx="1">
-              <a:schemeClr val="accent4"/>
-            </a:fillRef>
-            <a:effectRef idx="0">
-              <a:schemeClr val="accent4"/>
-            </a:effectRef>
-            <a:fontRef idx="minor">
-              <a:schemeClr val="lt1"/>
-            </a:fontRef>
-          </p:style>
-          <p:txBody>
-            <a:bodyPr rtlCol="0" anchor="ctr"/>
-            <a:lstStyle/>
-            <a:p>
-              <a:pPr algn="ctr"/>
-              <a:endParaRPr lang="en-PH"/>
-            </a:p>
-          </p:txBody>
-        </p:sp>
-      </p:grpSp>
-      <p:grpSp>
-        <p:nvGrpSpPr>
-          <p:cNvPr id="162" name="Group 161"/>
-          <p:cNvGrpSpPr/>
-          <p:nvPr/>
-        </p:nvGrpSpPr>
-        <p:grpSpPr>
-          <a:xfrm>
-            <a:off x="6085036" y="935881"/>
-            <a:ext cx="540000" cy="4248000"/>
-            <a:chOff x="25275108" y="1009135"/>
-            <a:chExt cx="634254" cy="4248000"/>
-          </a:xfrm>
-        </p:grpSpPr>
-        <p:sp>
-          <p:nvSpPr>
-            <p:cNvPr id="163" name="Rectangle 162"/>
-            <p:cNvSpPr/>
-            <p:nvPr/>
-          </p:nvSpPr>
-          <p:spPr>
-            <a:xfrm>
-              <a:off x="25275108" y="1009135"/>
-              <a:ext cx="324000" cy="4248000"/>
-            </a:xfrm>
-            <a:prstGeom prst="rect">
-              <a:avLst/>
-            </a:prstGeom>
-          </p:spPr>
-          <p:style>
-            <a:lnRef idx="2">
-              <a:schemeClr val="accent1">
-                <a:shade val="50000"/>
-              </a:schemeClr>
-            </a:lnRef>
-            <a:fillRef idx="1">
-              <a:schemeClr val="accent1"/>
-            </a:fillRef>
-            <a:effectRef idx="0">
-              <a:schemeClr val="accent1"/>
-            </a:effectRef>
-            <a:fontRef idx="minor">
-              <a:schemeClr val="lt1"/>
-            </a:fontRef>
-          </p:style>
-          <p:txBody>
-            <a:bodyPr rtlCol="0" anchor="ctr"/>
-            <a:lstStyle/>
-            <a:p>
-              <a:pPr algn="ctr"/>
-              <a:endParaRPr lang="en-PH"/>
-            </a:p>
-          </p:txBody>
-        </p:sp>
-        <p:sp>
-          <p:nvSpPr>
-            <p:cNvPr id="164" name="Rectangle 163"/>
-            <p:cNvSpPr/>
-            <p:nvPr/>
-          </p:nvSpPr>
-          <p:spPr>
-            <a:xfrm>
-              <a:off x="25585362" y="1009135"/>
-              <a:ext cx="324000" cy="4248000"/>
-            </a:xfrm>
-            <a:prstGeom prst="rect">
-              <a:avLst/>
-            </a:prstGeom>
-          </p:spPr>
-          <p:style>
-            <a:lnRef idx="2">
-              <a:schemeClr val="accent4">
-                <a:shade val="50000"/>
-              </a:schemeClr>
-            </a:lnRef>
-            <a:fillRef idx="1">
-              <a:schemeClr val="accent4"/>
-            </a:fillRef>
-            <a:effectRef idx="0">
-              <a:schemeClr val="accent4"/>
-            </a:effectRef>
-            <a:fontRef idx="minor">
-              <a:schemeClr val="lt1"/>
-            </a:fontRef>
-          </p:style>
-          <p:txBody>
-            <a:bodyPr rtlCol="0" anchor="ctr"/>
-            <a:lstStyle/>
-            <a:p>
-              <a:pPr algn="ctr"/>
-              <a:endParaRPr lang="en-PH"/>
-            </a:p>
-          </p:txBody>
-        </p:sp>
-      </p:grpSp>
-      <p:grpSp>
-        <p:nvGrpSpPr>
-          <p:cNvPr id="165" name="Group 164"/>
-          <p:cNvGrpSpPr/>
-          <p:nvPr/>
-        </p:nvGrpSpPr>
-        <p:grpSpPr>
-          <a:xfrm>
-            <a:off x="7021140" y="935881"/>
-            <a:ext cx="540000" cy="4248000"/>
-            <a:chOff x="25275108" y="1009135"/>
-            <a:chExt cx="634254" cy="4248000"/>
-          </a:xfrm>
-        </p:grpSpPr>
-        <p:sp>
-          <p:nvSpPr>
-            <p:cNvPr id="166" name="Rectangle 165"/>
-            <p:cNvSpPr/>
-            <p:nvPr/>
-          </p:nvSpPr>
-          <p:spPr>
-            <a:xfrm>
-              <a:off x="25275108" y="1009135"/>
-              <a:ext cx="324000" cy="4248000"/>
-            </a:xfrm>
-            <a:prstGeom prst="rect">
-              <a:avLst/>
-            </a:prstGeom>
-          </p:spPr>
-          <p:style>
-            <a:lnRef idx="2">
-              <a:schemeClr val="accent1">
-                <a:shade val="50000"/>
-              </a:schemeClr>
-            </a:lnRef>
-            <a:fillRef idx="1">
-              <a:schemeClr val="accent1"/>
-            </a:fillRef>
-            <a:effectRef idx="0">
-              <a:schemeClr val="accent1"/>
-            </a:effectRef>
-            <a:fontRef idx="minor">
-              <a:schemeClr val="lt1"/>
-            </a:fontRef>
-          </p:style>
-          <p:txBody>
-            <a:bodyPr rtlCol="0" anchor="ctr"/>
-            <a:lstStyle/>
-            <a:p>
-              <a:pPr algn="ctr"/>
-              <a:endParaRPr lang="en-PH"/>
-            </a:p>
-          </p:txBody>
-        </p:sp>
-        <p:sp>
-          <p:nvSpPr>
-            <p:cNvPr id="167" name="Rectangle 166"/>
-            <p:cNvSpPr/>
-            <p:nvPr/>
-          </p:nvSpPr>
-          <p:spPr>
-            <a:xfrm>
-              <a:off x="25585362" y="1009135"/>
-              <a:ext cx="324000" cy="4248000"/>
-            </a:xfrm>
-            <a:prstGeom prst="rect">
-              <a:avLst/>
-            </a:prstGeom>
-          </p:spPr>
-          <p:style>
-            <a:lnRef idx="2">
-              <a:schemeClr val="accent4">
-                <a:shade val="50000"/>
-              </a:schemeClr>
-            </a:lnRef>
-            <a:fillRef idx="1">
-              <a:schemeClr val="accent4"/>
-            </a:fillRef>
-            <a:effectRef idx="0">
-              <a:schemeClr val="accent4"/>
-            </a:effectRef>
-            <a:fontRef idx="minor">
-              <a:schemeClr val="lt1"/>
-            </a:fontRef>
-          </p:style>
-          <p:txBody>
-            <a:bodyPr rtlCol="0" anchor="ctr"/>
-            <a:lstStyle/>
-            <a:p>
-              <a:pPr algn="ctr"/>
-              <a:endParaRPr lang="en-PH"/>
-            </a:p>
-          </p:txBody>
-        </p:sp>
-      </p:grpSp>
-      <p:grpSp>
-        <p:nvGrpSpPr>
-          <p:cNvPr id="168" name="Group 167"/>
-          <p:cNvGrpSpPr/>
-          <p:nvPr/>
-        </p:nvGrpSpPr>
-        <p:grpSpPr>
-          <a:xfrm>
-            <a:off x="7957244" y="935881"/>
-            <a:ext cx="540000" cy="4248000"/>
-            <a:chOff x="25275108" y="1009135"/>
-            <a:chExt cx="634254" cy="4248000"/>
-          </a:xfrm>
-        </p:grpSpPr>
-        <p:sp>
-          <p:nvSpPr>
-            <p:cNvPr id="169" name="Rectangle 168"/>
-            <p:cNvSpPr/>
-            <p:nvPr/>
-          </p:nvSpPr>
-          <p:spPr>
-            <a:xfrm>
-              <a:off x="25275108" y="1009135"/>
-              <a:ext cx="324000" cy="4248000"/>
-            </a:xfrm>
-            <a:prstGeom prst="rect">
-              <a:avLst/>
-            </a:prstGeom>
-          </p:spPr>
-          <p:style>
-            <a:lnRef idx="2">
-              <a:schemeClr val="accent1">
-                <a:shade val="50000"/>
-              </a:schemeClr>
-            </a:lnRef>
-            <a:fillRef idx="1">
-              <a:schemeClr val="accent1"/>
-            </a:fillRef>
-            <a:effectRef idx="0">
-              <a:schemeClr val="accent1"/>
-            </a:effectRef>
-            <a:fontRef idx="minor">
-              <a:schemeClr val="lt1"/>
-            </a:fontRef>
-          </p:style>
-          <p:txBody>
-            <a:bodyPr rtlCol="0" anchor="ctr"/>
-            <a:lstStyle/>
-            <a:p>
-              <a:pPr algn="ctr"/>
-              <a:endParaRPr lang="en-PH"/>
-            </a:p>
-          </p:txBody>
-        </p:sp>
-        <p:sp>
-          <p:nvSpPr>
-            <p:cNvPr id="170" name="Rectangle 169"/>
-            <p:cNvSpPr/>
-            <p:nvPr/>
-          </p:nvSpPr>
-          <p:spPr>
-            <a:xfrm>
-              <a:off x="25585362" y="1009135"/>
-              <a:ext cx="324000" cy="4248000"/>
-            </a:xfrm>
-            <a:prstGeom prst="rect">
-              <a:avLst/>
-            </a:prstGeom>
-          </p:spPr>
-          <p:style>
-            <a:lnRef idx="2">
-              <a:schemeClr val="accent4">
-                <a:shade val="50000"/>
-              </a:schemeClr>
-            </a:lnRef>
-            <a:fillRef idx="1">
-              <a:schemeClr val="accent4"/>
-            </a:fillRef>
-            <a:effectRef idx="0">
-              <a:schemeClr val="accent4"/>
-            </a:effectRef>
-            <a:fontRef idx="minor">
-              <a:schemeClr val="lt1"/>
-            </a:fontRef>
-          </p:style>
-          <p:txBody>
-            <a:bodyPr rtlCol="0" anchor="ctr"/>
-            <a:lstStyle/>
-            <a:p>
-              <a:pPr algn="ctr"/>
-              <a:endParaRPr lang="en-PH"/>
-            </a:p>
-          </p:txBody>
-        </p:sp>
-      </p:grpSp>
-      <p:grpSp>
-        <p:nvGrpSpPr>
-          <p:cNvPr id="171" name="Group 170"/>
-          <p:cNvGrpSpPr/>
-          <p:nvPr/>
-        </p:nvGrpSpPr>
-        <p:grpSpPr>
-          <a:xfrm>
-            <a:off x="8965356" y="935881"/>
-            <a:ext cx="540000" cy="4248000"/>
-            <a:chOff x="25275108" y="1009135"/>
-            <a:chExt cx="634254" cy="4248000"/>
-          </a:xfrm>
-        </p:grpSpPr>
-        <p:sp>
-          <p:nvSpPr>
-            <p:cNvPr id="172" name="Rectangle 171"/>
-            <p:cNvSpPr/>
-            <p:nvPr/>
-          </p:nvSpPr>
-          <p:spPr>
-            <a:xfrm>
-              <a:off x="25275108" y="1009135"/>
-              <a:ext cx="324000" cy="4248000"/>
-            </a:xfrm>
-            <a:prstGeom prst="rect">
-              <a:avLst/>
-            </a:prstGeom>
-          </p:spPr>
-          <p:style>
-            <a:lnRef idx="2">
-              <a:schemeClr val="accent1">
-                <a:shade val="50000"/>
-              </a:schemeClr>
-            </a:lnRef>
-            <a:fillRef idx="1">
-              <a:schemeClr val="accent1"/>
-            </a:fillRef>
-            <a:effectRef idx="0">
-              <a:schemeClr val="accent1"/>
-            </a:effectRef>
-            <a:fontRef idx="minor">
-              <a:schemeClr val="lt1"/>
-            </a:fontRef>
-          </p:style>
-          <p:txBody>
-            <a:bodyPr rtlCol="0" anchor="ctr"/>
-            <a:lstStyle/>
-            <a:p>
-              <a:pPr algn="ctr"/>
-              <a:endParaRPr lang="en-PH"/>
-            </a:p>
-          </p:txBody>
-        </p:sp>
-        <p:sp>
-          <p:nvSpPr>
-            <p:cNvPr id="173" name="Rectangle 172"/>
-            <p:cNvSpPr/>
-            <p:nvPr/>
-          </p:nvSpPr>
-          <p:spPr>
-            <a:xfrm>
-              <a:off x="25585362" y="1009135"/>
-              <a:ext cx="324000" cy="4248000"/>
-            </a:xfrm>
-            <a:prstGeom prst="rect">
-              <a:avLst/>
-            </a:prstGeom>
-          </p:spPr>
-          <p:style>
-            <a:lnRef idx="2">
-              <a:schemeClr val="accent4">
-                <a:shade val="50000"/>
-              </a:schemeClr>
-            </a:lnRef>
-            <a:fillRef idx="1">
-              <a:schemeClr val="accent4"/>
-            </a:fillRef>
-            <a:effectRef idx="0">
-              <a:schemeClr val="accent4"/>
-            </a:effectRef>
-            <a:fontRef idx="minor">
-              <a:schemeClr val="lt1"/>
-            </a:fontRef>
-          </p:style>
-          <p:txBody>
-            <a:bodyPr rtlCol="0" anchor="ctr"/>
-            <a:lstStyle/>
-            <a:p>
-              <a:pPr algn="ctr"/>
-              <a:endParaRPr lang="en-PH"/>
-            </a:p>
-          </p:txBody>
-        </p:sp>
-      </p:grpSp>
-      <p:grpSp>
-        <p:nvGrpSpPr>
-          <p:cNvPr id="174" name="Group 173"/>
-          <p:cNvGrpSpPr/>
-          <p:nvPr/>
-        </p:nvGrpSpPr>
-        <p:grpSpPr>
-          <a:xfrm>
-            <a:off x="9973468" y="935881"/>
-            <a:ext cx="540000" cy="4248000"/>
-            <a:chOff x="25275108" y="1009135"/>
-            <a:chExt cx="634254" cy="4248000"/>
-          </a:xfrm>
-        </p:grpSpPr>
-        <p:sp>
-          <p:nvSpPr>
-            <p:cNvPr id="175" name="Rectangle 174"/>
-            <p:cNvSpPr/>
-            <p:nvPr/>
-          </p:nvSpPr>
-          <p:spPr>
-            <a:xfrm>
-              <a:off x="25275108" y="1009135"/>
-              <a:ext cx="324000" cy="4248000"/>
-            </a:xfrm>
-            <a:prstGeom prst="rect">
-              <a:avLst/>
-            </a:prstGeom>
-          </p:spPr>
-          <p:style>
-            <a:lnRef idx="2">
-              <a:schemeClr val="accent1">
-                <a:shade val="50000"/>
-              </a:schemeClr>
-            </a:lnRef>
-            <a:fillRef idx="1">
-              <a:schemeClr val="accent1"/>
-            </a:fillRef>
-            <a:effectRef idx="0">
-              <a:schemeClr val="accent1"/>
-            </a:effectRef>
-            <a:fontRef idx="minor">
-              <a:schemeClr val="lt1"/>
-            </a:fontRef>
-          </p:style>
-          <p:txBody>
-            <a:bodyPr rtlCol="0" anchor="ctr"/>
-            <a:lstStyle/>
-            <a:p>
-              <a:pPr algn="ctr"/>
-              <a:endParaRPr lang="en-PH"/>
-            </a:p>
-          </p:txBody>
-        </p:sp>
-        <p:sp>
-          <p:nvSpPr>
-            <p:cNvPr id="176" name="Rectangle 175"/>
-            <p:cNvSpPr/>
-            <p:nvPr/>
-          </p:nvSpPr>
-          <p:spPr>
-            <a:xfrm>
-              <a:off x="25585362" y="1009135"/>
-              <a:ext cx="324000" cy="4248000"/>
-            </a:xfrm>
-            <a:prstGeom prst="rect">
-              <a:avLst/>
-            </a:prstGeom>
-          </p:spPr>
-          <p:style>
-            <a:lnRef idx="2">
-              <a:schemeClr val="accent4">
-                <a:shade val="50000"/>
-              </a:schemeClr>
-            </a:lnRef>
-            <a:fillRef idx="1">
-              <a:schemeClr val="accent4"/>
-            </a:fillRef>
-            <a:effectRef idx="0">
-              <a:schemeClr val="accent4"/>
-            </a:effectRef>
-            <a:fontRef idx="minor">
-              <a:schemeClr val="lt1"/>
-            </a:fontRef>
-          </p:style>
-          <p:txBody>
-            <a:bodyPr rtlCol="0" anchor="ctr"/>
-            <a:lstStyle/>
-            <a:p>
-              <a:pPr algn="ctr"/>
-              <a:endParaRPr lang="en-PH"/>
-            </a:p>
-          </p:txBody>
-        </p:sp>
-      </p:grpSp>
-      <p:grpSp>
-        <p:nvGrpSpPr>
-          <p:cNvPr id="177" name="Group 176"/>
-          <p:cNvGrpSpPr/>
-          <p:nvPr/>
-        </p:nvGrpSpPr>
-        <p:grpSpPr>
-          <a:xfrm>
-            <a:off x="10909572" y="935881"/>
-            <a:ext cx="540000" cy="4248000"/>
-            <a:chOff x="25275108" y="1009135"/>
-            <a:chExt cx="634254" cy="4248000"/>
-          </a:xfrm>
-        </p:grpSpPr>
-        <p:sp>
-          <p:nvSpPr>
-            <p:cNvPr id="178" name="Rectangle 177"/>
-            <p:cNvSpPr/>
-            <p:nvPr/>
-          </p:nvSpPr>
-          <p:spPr>
-            <a:xfrm>
-              <a:off x="25275108" y="1009135"/>
-              <a:ext cx="324000" cy="4248000"/>
-            </a:xfrm>
-            <a:prstGeom prst="rect">
-              <a:avLst/>
-            </a:prstGeom>
-          </p:spPr>
-          <p:style>
-            <a:lnRef idx="2">
-              <a:schemeClr val="accent1">
-                <a:shade val="50000"/>
-              </a:schemeClr>
-            </a:lnRef>
-            <a:fillRef idx="1">
-              <a:schemeClr val="accent1"/>
-            </a:fillRef>
-            <a:effectRef idx="0">
-              <a:schemeClr val="accent1"/>
-            </a:effectRef>
-            <a:fontRef idx="minor">
-              <a:schemeClr val="lt1"/>
-            </a:fontRef>
-          </p:style>
-          <p:txBody>
-            <a:bodyPr rtlCol="0" anchor="ctr"/>
-            <a:lstStyle/>
-            <a:p>
-              <a:pPr algn="ctr"/>
-              <a:endParaRPr lang="en-PH"/>
-            </a:p>
-          </p:txBody>
-        </p:sp>
-        <p:sp>
-          <p:nvSpPr>
-            <p:cNvPr id="179" name="Rectangle 178"/>
-            <p:cNvSpPr/>
-            <p:nvPr/>
-          </p:nvSpPr>
-          <p:spPr>
-            <a:xfrm>
-              <a:off x="25585362" y="1009135"/>
-              <a:ext cx="324000" cy="4248000"/>
-            </a:xfrm>
-            <a:prstGeom prst="rect">
-              <a:avLst/>
-            </a:prstGeom>
-          </p:spPr>
-          <p:style>
-            <a:lnRef idx="2">
-              <a:schemeClr val="accent4">
-                <a:shade val="50000"/>
-              </a:schemeClr>
-            </a:lnRef>
-            <a:fillRef idx="1">
-              <a:schemeClr val="accent4"/>
-            </a:fillRef>
-            <a:effectRef idx="0">
-              <a:schemeClr val="accent4"/>
-            </a:effectRef>
-            <a:fontRef idx="minor">
-              <a:schemeClr val="lt1"/>
-            </a:fontRef>
-          </p:style>
-          <p:txBody>
-            <a:bodyPr rtlCol="0" anchor="ctr"/>
-            <a:lstStyle/>
-            <a:p>
-              <a:pPr algn="ctr"/>
-              <a:endParaRPr lang="en-PH"/>
-            </a:p>
-          </p:txBody>
-        </p:sp>
-      </p:grpSp>
-      <p:grpSp>
-        <p:nvGrpSpPr>
           <p:cNvPr id="180" name="Group 179"/>
           <p:cNvGrpSpPr/>
           <p:nvPr/>
@@ -21673,7 +17163,7 @@
         </p:nvGrpSpPr>
         <p:grpSpPr>
           <a:xfrm>
-            <a:off x="5328892" y="8244456"/>
+            <a:off x="5292948" y="8244456"/>
             <a:ext cx="540000" cy="4248000"/>
             <a:chOff x="25275108" y="1009135"/>
             <a:chExt cx="634254" cy="4248000"/>
@@ -21958,7 +17448,7 @@
         </p:nvGrpSpPr>
         <p:grpSpPr>
           <a:xfrm>
-            <a:off x="8173268" y="8244456"/>
+            <a:off x="8065196" y="8244456"/>
             <a:ext cx="540000" cy="4248000"/>
             <a:chOff x="25275108" y="1009135"/>
             <a:chExt cx="634254" cy="4248000"/>
@@ -22053,7 +17543,7 @@
         </p:nvGrpSpPr>
         <p:grpSpPr>
           <a:xfrm>
-            <a:off x="9217324" y="8244456"/>
+            <a:off x="9001300" y="8244456"/>
             <a:ext cx="540000" cy="4248000"/>
             <a:chOff x="25275108" y="1009135"/>
             <a:chExt cx="634254" cy="4248000"/>
@@ -22148,7 +17638,7 @@
         </p:nvGrpSpPr>
         <p:grpSpPr>
           <a:xfrm>
-            <a:off x="10225436" y="8244456"/>
+            <a:off x="9865396" y="8244456"/>
             <a:ext cx="540000" cy="4248000"/>
             <a:chOff x="25275108" y="1009135"/>
             <a:chExt cx="634254" cy="4248000"/>
@@ -22324,393 +17814,13 @@
       </p:sp>
       <p:grpSp>
         <p:nvGrpSpPr>
-          <p:cNvPr id="288" name="Group 287"/>
-          <p:cNvGrpSpPr/>
-          <p:nvPr/>
-        </p:nvGrpSpPr>
-        <p:grpSpPr>
-          <a:xfrm>
-            <a:off x="3492748" y="936353"/>
-            <a:ext cx="540000" cy="4248000"/>
-            <a:chOff x="25275108" y="1009135"/>
-            <a:chExt cx="634254" cy="4248000"/>
-          </a:xfrm>
-        </p:grpSpPr>
-        <p:sp>
-          <p:nvSpPr>
-            <p:cNvPr id="289" name="Rectangle 288"/>
-            <p:cNvSpPr/>
-            <p:nvPr/>
-          </p:nvSpPr>
-          <p:spPr>
-            <a:xfrm>
-              <a:off x="25275108" y="1009135"/>
-              <a:ext cx="324000" cy="4248000"/>
-            </a:xfrm>
-            <a:prstGeom prst="rect">
-              <a:avLst/>
-            </a:prstGeom>
-          </p:spPr>
-          <p:style>
-            <a:lnRef idx="2">
-              <a:schemeClr val="accent1">
-                <a:shade val="50000"/>
-              </a:schemeClr>
-            </a:lnRef>
-            <a:fillRef idx="1">
-              <a:schemeClr val="accent1"/>
-            </a:fillRef>
-            <a:effectRef idx="0">
-              <a:schemeClr val="accent1"/>
-            </a:effectRef>
-            <a:fontRef idx="minor">
-              <a:schemeClr val="lt1"/>
-            </a:fontRef>
-          </p:style>
-          <p:txBody>
-            <a:bodyPr rtlCol="0" anchor="ctr"/>
-            <a:lstStyle/>
-            <a:p>
-              <a:pPr algn="ctr"/>
-              <a:endParaRPr lang="en-PH"/>
-            </a:p>
-          </p:txBody>
-        </p:sp>
-        <p:sp>
-          <p:nvSpPr>
-            <p:cNvPr id="290" name="Rectangle 289"/>
-            <p:cNvSpPr/>
-            <p:nvPr/>
-          </p:nvSpPr>
-          <p:spPr>
-            <a:xfrm>
-              <a:off x="25585362" y="1009135"/>
-              <a:ext cx="324000" cy="4248000"/>
-            </a:xfrm>
-            <a:prstGeom prst="rect">
-              <a:avLst/>
-            </a:prstGeom>
-          </p:spPr>
-          <p:style>
-            <a:lnRef idx="2">
-              <a:schemeClr val="accent4">
-                <a:shade val="50000"/>
-              </a:schemeClr>
-            </a:lnRef>
-            <a:fillRef idx="1">
-              <a:schemeClr val="accent4"/>
-            </a:fillRef>
-            <a:effectRef idx="0">
-              <a:schemeClr val="accent4"/>
-            </a:effectRef>
-            <a:fontRef idx="minor">
-              <a:schemeClr val="lt1"/>
-            </a:fontRef>
-          </p:style>
-          <p:txBody>
-            <a:bodyPr rtlCol="0" anchor="ctr"/>
-            <a:lstStyle/>
-            <a:p>
-              <a:pPr algn="ctr"/>
-              <a:endParaRPr lang="en-PH"/>
-            </a:p>
-          </p:txBody>
-        </p:sp>
-      </p:grpSp>
-      <p:grpSp>
-        <p:nvGrpSpPr>
-          <p:cNvPr id="291" name="Group 290"/>
-          <p:cNvGrpSpPr/>
-          <p:nvPr/>
-        </p:nvGrpSpPr>
-        <p:grpSpPr>
-          <a:xfrm>
-            <a:off x="11917684" y="899311"/>
-            <a:ext cx="540000" cy="4248000"/>
-            <a:chOff x="25275108" y="1009135"/>
-            <a:chExt cx="634254" cy="4248000"/>
-          </a:xfrm>
-        </p:grpSpPr>
-        <p:sp>
-          <p:nvSpPr>
-            <p:cNvPr id="292" name="Rectangle 291"/>
-            <p:cNvSpPr/>
-            <p:nvPr/>
-          </p:nvSpPr>
-          <p:spPr>
-            <a:xfrm>
-              <a:off x="25275108" y="1009135"/>
-              <a:ext cx="324000" cy="4248000"/>
-            </a:xfrm>
-            <a:prstGeom prst="rect">
-              <a:avLst/>
-            </a:prstGeom>
-          </p:spPr>
-          <p:style>
-            <a:lnRef idx="2">
-              <a:schemeClr val="accent1">
-                <a:shade val="50000"/>
-              </a:schemeClr>
-            </a:lnRef>
-            <a:fillRef idx="1">
-              <a:schemeClr val="accent1"/>
-            </a:fillRef>
-            <a:effectRef idx="0">
-              <a:schemeClr val="accent1"/>
-            </a:effectRef>
-            <a:fontRef idx="minor">
-              <a:schemeClr val="lt1"/>
-            </a:fontRef>
-          </p:style>
-          <p:txBody>
-            <a:bodyPr rtlCol="0" anchor="ctr"/>
-            <a:lstStyle/>
-            <a:p>
-              <a:pPr algn="ctr"/>
-              <a:endParaRPr lang="en-PH"/>
-            </a:p>
-          </p:txBody>
-        </p:sp>
-        <p:sp>
-          <p:nvSpPr>
-            <p:cNvPr id="293" name="Rectangle 292"/>
-            <p:cNvSpPr/>
-            <p:nvPr/>
-          </p:nvSpPr>
-          <p:spPr>
-            <a:xfrm>
-              <a:off x="25585362" y="1009135"/>
-              <a:ext cx="324000" cy="4248000"/>
-            </a:xfrm>
-            <a:prstGeom prst="rect">
-              <a:avLst/>
-            </a:prstGeom>
-          </p:spPr>
-          <p:style>
-            <a:lnRef idx="2">
-              <a:schemeClr val="accent4">
-                <a:shade val="50000"/>
-              </a:schemeClr>
-            </a:lnRef>
-            <a:fillRef idx="1">
-              <a:schemeClr val="accent4"/>
-            </a:fillRef>
-            <a:effectRef idx="0">
-              <a:schemeClr val="accent4"/>
-            </a:effectRef>
-            <a:fontRef idx="minor">
-              <a:schemeClr val="lt1"/>
-            </a:fontRef>
-          </p:style>
-          <p:txBody>
-            <a:bodyPr rtlCol="0" anchor="ctr"/>
-            <a:lstStyle/>
-            <a:p>
-              <a:pPr algn="ctr"/>
-              <a:endParaRPr lang="en-PH"/>
-            </a:p>
-          </p:txBody>
-        </p:sp>
-      </p:grpSp>
-      <p:grpSp>
-        <p:nvGrpSpPr>
-          <p:cNvPr id="294" name="Group 293"/>
-          <p:cNvGrpSpPr/>
-          <p:nvPr/>
-        </p:nvGrpSpPr>
-        <p:grpSpPr>
-          <a:xfrm>
-            <a:off x="12925796" y="936353"/>
-            <a:ext cx="540000" cy="4248000"/>
-            <a:chOff x="25275108" y="1009135"/>
-            <a:chExt cx="634254" cy="4248000"/>
-          </a:xfrm>
-        </p:grpSpPr>
-        <p:sp>
-          <p:nvSpPr>
-            <p:cNvPr id="295" name="Rectangle 294"/>
-            <p:cNvSpPr/>
-            <p:nvPr/>
-          </p:nvSpPr>
-          <p:spPr>
-            <a:xfrm>
-              <a:off x="25275108" y="1009135"/>
-              <a:ext cx="324000" cy="4248000"/>
-            </a:xfrm>
-            <a:prstGeom prst="rect">
-              <a:avLst/>
-            </a:prstGeom>
-          </p:spPr>
-          <p:style>
-            <a:lnRef idx="2">
-              <a:schemeClr val="accent1">
-                <a:shade val="50000"/>
-              </a:schemeClr>
-            </a:lnRef>
-            <a:fillRef idx="1">
-              <a:schemeClr val="accent1"/>
-            </a:fillRef>
-            <a:effectRef idx="0">
-              <a:schemeClr val="accent1"/>
-            </a:effectRef>
-            <a:fontRef idx="minor">
-              <a:schemeClr val="lt1"/>
-            </a:fontRef>
-          </p:style>
-          <p:txBody>
-            <a:bodyPr rtlCol="0" anchor="ctr"/>
-            <a:lstStyle/>
-            <a:p>
-              <a:pPr algn="ctr"/>
-              <a:endParaRPr lang="en-PH"/>
-            </a:p>
-          </p:txBody>
-        </p:sp>
-        <p:sp>
-          <p:nvSpPr>
-            <p:cNvPr id="296" name="Rectangle 295"/>
-            <p:cNvSpPr/>
-            <p:nvPr/>
-          </p:nvSpPr>
-          <p:spPr>
-            <a:xfrm>
-              <a:off x="25585362" y="1009135"/>
-              <a:ext cx="324000" cy="4248000"/>
-            </a:xfrm>
-            <a:prstGeom prst="rect">
-              <a:avLst/>
-            </a:prstGeom>
-          </p:spPr>
-          <p:style>
-            <a:lnRef idx="2">
-              <a:schemeClr val="accent4">
-                <a:shade val="50000"/>
-              </a:schemeClr>
-            </a:lnRef>
-            <a:fillRef idx="1">
-              <a:schemeClr val="accent4"/>
-            </a:fillRef>
-            <a:effectRef idx="0">
-              <a:schemeClr val="accent4"/>
-            </a:effectRef>
-            <a:fontRef idx="minor">
-              <a:schemeClr val="lt1"/>
-            </a:fontRef>
-          </p:style>
-          <p:txBody>
-            <a:bodyPr rtlCol="0" anchor="ctr"/>
-            <a:lstStyle/>
-            <a:p>
-              <a:pPr algn="ctr"/>
-              <a:endParaRPr lang="en-PH"/>
-            </a:p>
-          </p:txBody>
-        </p:sp>
-      </p:grpSp>
-      <p:grpSp>
-        <p:nvGrpSpPr>
-          <p:cNvPr id="306" name="Group 305"/>
-          <p:cNvGrpSpPr/>
-          <p:nvPr/>
-        </p:nvGrpSpPr>
-        <p:grpSpPr>
-          <a:xfrm>
-            <a:off x="13861900" y="899311"/>
-            <a:ext cx="540000" cy="4248000"/>
-            <a:chOff x="25275108" y="1009135"/>
-            <a:chExt cx="634254" cy="4248000"/>
-          </a:xfrm>
-        </p:grpSpPr>
-        <p:sp>
-          <p:nvSpPr>
-            <p:cNvPr id="307" name="Rectangle 306"/>
-            <p:cNvSpPr/>
-            <p:nvPr/>
-          </p:nvSpPr>
-          <p:spPr>
-            <a:xfrm>
-              <a:off x="25275108" y="1009135"/>
-              <a:ext cx="324000" cy="4248000"/>
-            </a:xfrm>
-            <a:prstGeom prst="rect">
-              <a:avLst/>
-            </a:prstGeom>
-          </p:spPr>
-          <p:style>
-            <a:lnRef idx="2">
-              <a:schemeClr val="accent1">
-                <a:shade val="50000"/>
-              </a:schemeClr>
-            </a:lnRef>
-            <a:fillRef idx="1">
-              <a:schemeClr val="accent1"/>
-            </a:fillRef>
-            <a:effectRef idx="0">
-              <a:schemeClr val="accent1"/>
-            </a:effectRef>
-            <a:fontRef idx="minor">
-              <a:schemeClr val="lt1"/>
-            </a:fontRef>
-          </p:style>
-          <p:txBody>
-            <a:bodyPr rtlCol="0" anchor="ctr"/>
-            <a:lstStyle/>
-            <a:p>
-              <a:pPr algn="ctr"/>
-              <a:endParaRPr lang="en-PH"/>
-            </a:p>
-          </p:txBody>
-        </p:sp>
-        <p:sp>
-          <p:nvSpPr>
-            <p:cNvPr id="308" name="Rectangle 307"/>
-            <p:cNvSpPr/>
-            <p:nvPr/>
-          </p:nvSpPr>
-          <p:spPr>
-            <a:xfrm>
-              <a:off x="25585362" y="1009135"/>
-              <a:ext cx="324000" cy="4248000"/>
-            </a:xfrm>
-            <a:prstGeom prst="rect">
-              <a:avLst/>
-            </a:prstGeom>
-          </p:spPr>
-          <p:style>
-            <a:lnRef idx="2">
-              <a:schemeClr val="accent4">
-                <a:shade val="50000"/>
-              </a:schemeClr>
-            </a:lnRef>
-            <a:fillRef idx="1">
-              <a:schemeClr val="accent4"/>
-            </a:fillRef>
-            <a:effectRef idx="0">
-              <a:schemeClr val="accent4"/>
-            </a:effectRef>
-            <a:fontRef idx="minor">
-              <a:schemeClr val="lt1"/>
-            </a:fontRef>
-          </p:style>
-          <p:txBody>
-            <a:bodyPr rtlCol="0" anchor="ctr"/>
-            <a:lstStyle/>
-            <a:p>
-              <a:pPr algn="ctr"/>
-              <a:endParaRPr lang="en-PH"/>
-            </a:p>
-          </p:txBody>
-        </p:sp>
-      </p:grpSp>
-      <p:grpSp>
-        <p:nvGrpSpPr>
           <p:cNvPr id="335" name="Group 334"/>
           <p:cNvGrpSpPr/>
           <p:nvPr/>
         </p:nvGrpSpPr>
         <p:grpSpPr>
           <a:xfrm>
-            <a:off x="11197604" y="8208689"/>
+            <a:off x="10945516" y="8208689"/>
             <a:ext cx="540000" cy="4248000"/>
             <a:chOff x="25275108" y="1009135"/>
             <a:chExt cx="634254" cy="4248000"/>
@@ -22805,7 +17915,7 @@
         </p:nvGrpSpPr>
         <p:grpSpPr>
           <a:xfrm>
-            <a:off x="12169652" y="8208689"/>
+            <a:off x="11881620" y="8208689"/>
             <a:ext cx="540000" cy="4248000"/>
             <a:chOff x="25275108" y="1009135"/>
             <a:chExt cx="634254" cy="4248000"/>
@@ -22900,7 +18010,7 @@
         </p:nvGrpSpPr>
         <p:grpSpPr>
           <a:xfrm>
-            <a:off x="13177764" y="8209161"/>
+            <a:off x="12889732" y="8209161"/>
             <a:ext cx="540000" cy="4248000"/>
             <a:chOff x="25275108" y="1009135"/>
             <a:chExt cx="634254" cy="4248000"/>
@@ -22995,7 +18105,7 @@
         </p:nvGrpSpPr>
         <p:grpSpPr>
           <a:xfrm>
-            <a:off x="14257884" y="8208689"/>
+            <a:off x="13897844" y="8208689"/>
             <a:ext cx="540000" cy="4248000"/>
             <a:chOff x="25275108" y="1009135"/>
             <a:chExt cx="634254" cy="4248000"/>
@@ -23090,7 +18200,7 @@
         </p:nvGrpSpPr>
         <p:grpSpPr>
           <a:xfrm>
-            <a:off x="15265996" y="8208689"/>
+            <a:off x="14905956" y="8244456"/>
             <a:ext cx="540000" cy="4248000"/>
             <a:chOff x="25275108" y="1009135"/>
             <a:chExt cx="634254" cy="4248000"/>
@@ -23449,6 +18559,1241 @@
           </a:prstGeom>
         </p:spPr>
       </p:pic>
+      <p:grpSp>
+        <p:nvGrpSpPr>
+          <p:cNvPr id="286" name="Group 285"/>
+          <p:cNvGrpSpPr/>
+          <p:nvPr/>
+        </p:nvGrpSpPr>
+        <p:grpSpPr>
+          <a:xfrm>
+            <a:off x="7809000" y="792337"/>
+            <a:ext cx="612000" cy="4248000"/>
+            <a:chOff x="25275108" y="1009135"/>
+            <a:chExt cx="634254" cy="4248000"/>
+          </a:xfrm>
+        </p:grpSpPr>
+        <p:sp>
+          <p:nvSpPr>
+            <p:cNvPr id="287" name="Rectangle 286"/>
+            <p:cNvSpPr/>
+            <p:nvPr/>
+          </p:nvSpPr>
+          <p:spPr>
+            <a:xfrm>
+              <a:off x="25275108" y="1009135"/>
+              <a:ext cx="324000" cy="4248000"/>
+            </a:xfrm>
+            <a:prstGeom prst="rect">
+              <a:avLst/>
+            </a:prstGeom>
+          </p:spPr>
+          <p:style>
+            <a:lnRef idx="2">
+              <a:schemeClr val="accent1">
+                <a:shade val="50000"/>
+              </a:schemeClr>
+            </a:lnRef>
+            <a:fillRef idx="1">
+              <a:schemeClr val="accent1"/>
+            </a:fillRef>
+            <a:effectRef idx="0">
+              <a:schemeClr val="accent1"/>
+            </a:effectRef>
+            <a:fontRef idx="minor">
+              <a:schemeClr val="lt1"/>
+            </a:fontRef>
+          </p:style>
+          <p:txBody>
+            <a:bodyPr rtlCol="0" anchor="ctr"/>
+            <a:lstStyle/>
+            <a:p>
+              <a:pPr algn="ctr"/>
+              <a:endParaRPr lang="en-PH"/>
+            </a:p>
+          </p:txBody>
+        </p:sp>
+        <p:sp>
+          <p:nvSpPr>
+            <p:cNvPr id="297" name="Rectangle 296"/>
+            <p:cNvSpPr/>
+            <p:nvPr/>
+          </p:nvSpPr>
+          <p:spPr>
+            <a:xfrm>
+              <a:off x="25585362" y="1009135"/>
+              <a:ext cx="324000" cy="4248000"/>
+            </a:xfrm>
+            <a:prstGeom prst="rect">
+              <a:avLst/>
+            </a:prstGeom>
+          </p:spPr>
+          <p:style>
+            <a:lnRef idx="2">
+              <a:schemeClr val="accent4">
+                <a:shade val="50000"/>
+              </a:schemeClr>
+            </a:lnRef>
+            <a:fillRef idx="1">
+              <a:schemeClr val="accent4"/>
+            </a:fillRef>
+            <a:effectRef idx="0">
+              <a:schemeClr val="accent4"/>
+            </a:effectRef>
+            <a:fontRef idx="minor">
+              <a:schemeClr val="lt1"/>
+            </a:fontRef>
+          </p:style>
+          <p:txBody>
+            <a:bodyPr rtlCol="0" anchor="ctr"/>
+            <a:lstStyle/>
+            <a:p>
+              <a:pPr algn="ctr"/>
+              <a:endParaRPr lang="en-PH"/>
+            </a:p>
+          </p:txBody>
+        </p:sp>
+      </p:grpSp>
+      <p:grpSp>
+        <p:nvGrpSpPr>
+          <p:cNvPr id="298" name="Group 297"/>
+          <p:cNvGrpSpPr/>
+          <p:nvPr/>
+        </p:nvGrpSpPr>
+        <p:grpSpPr>
+          <a:xfrm>
+            <a:off x="8745104" y="755474"/>
+            <a:ext cx="612000" cy="4248000"/>
+            <a:chOff x="25275108" y="1009135"/>
+            <a:chExt cx="634254" cy="4248000"/>
+          </a:xfrm>
+        </p:grpSpPr>
+        <p:sp>
+          <p:nvSpPr>
+            <p:cNvPr id="299" name="Rectangle 298"/>
+            <p:cNvSpPr/>
+            <p:nvPr/>
+          </p:nvSpPr>
+          <p:spPr>
+            <a:xfrm>
+              <a:off x="25275108" y="1009135"/>
+              <a:ext cx="324000" cy="4248000"/>
+            </a:xfrm>
+            <a:prstGeom prst="rect">
+              <a:avLst/>
+            </a:prstGeom>
+          </p:spPr>
+          <p:style>
+            <a:lnRef idx="2">
+              <a:schemeClr val="accent1">
+                <a:shade val="50000"/>
+              </a:schemeClr>
+            </a:lnRef>
+            <a:fillRef idx="1">
+              <a:schemeClr val="accent1"/>
+            </a:fillRef>
+            <a:effectRef idx="0">
+              <a:schemeClr val="accent1"/>
+            </a:effectRef>
+            <a:fontRef idx="minor">
+              <a:schemeClr val="lt1"/>
+            </a:fontRef>
+          </p:style>
+          <p:txBody>
+            <a:bodyPr rtlCol="0" anchor="ctr"/>
+            <a:lstStyle/>
+            <a:p>
+              <a:pPr algn="ctr"/>
+              <a:endParaRPr lang="en-PH"/>
+            </a:p>
+          </p:txBody>
+        </p:sp>
+        <p:sp>
+          <p:nvSpPr>
+            <p:cNvPr id="300" name="Rectangle 299"/>
+            <p:cNvSpPr/>
+            <p:nvPr/>
+          </p:nvSpPr>
+          <p:spPr>
+            <a:xfrm>
+              <a:off x="25585362" y="1009135"/>
+              <a:ext cx="324000" cy="4248000"/>
+            </a:xfrm>
+            <a:prstGeom prst="rect">
+              <a:avLst/>
+            </a:prstGeom>
+          </p:spPr>
+          <p:style>
+            <a:lnRef idx="2">
+              <a:schemeClr val="accent4">
+                <a:shade val="50000"/>
+              </a:schemeClr>
+            </a:lnRef>
+            <a:fillRef idx="1">
+              <a:schemeClr val="accent4"/>
+            </a:fillRef>
+            <a:effectRef idx="0">
+              <a:schemeClr val="accent4"/>
+            </a:effectRef>
+            <a:fontRef idx="minor">
+              <a:schemeClr val="lt1"/>
+            </a:fontRef>
+          </p:style>
+          <p:txBody>
+            <a:bodyPr rtlCol="0" anchor="ctr"/>
+            <a:lstStyle/>
+            <a:p>
+              <a:pPr algn="ctr"/>
+              <a:endParaRPr lang="en-PH"/>
+            </a:p>
+          </p:txBody>
+        </p:sp>
+      </p:grpSp>
+      <p:grpSp>
+        <p:nvGrpSpPr>
+          <p:cNvPr id="301" name="Group 300"/>
+          <p:cNvGrpSpPr/>
+          <p:nvPr/>
+        </p:nvGrpSpPr>
+        <p:grpSpPr>
+          <a:xfrm>
+            <a:off x="9717272" y="792337"/>
+            <a:ext cx="612000" cy="4248000"/>
+            <a:chOff x="25275108" y="1009135"/>
+            <a:chExt cx="634254" cy="4248000"/>
+          </a:xfrm>
+        </p:grpSpPr>
+        <p:sp>
+          <p:nvSpPr>
+            <p:cNvPr id="302" name="Rectangle 301"/>
+            <p:cNvSpPr/>
+            <p:nvPr/>
+          </p:nvSpPr>
+          <p:spPr>
+            <a:xfrm>
+              <a:off x="25275108" y="1009135"/>
+              <a:ext cx="324000" cy="4248000"/>
+            </a:xfrm>
+            <a:prstGeom prst="rect">
+              <a:avLst/>
+            </a:prstGeom>
+          </p:spPr>
+          <p:style>
+            <a:lnRef idx="2">
+              <a:schemeClr val="accent1">
+                <a:shade val="50000"/>
+              </a:schemeClr>
+            </a:lnRef>
+            <a:fillRef idx="1">
+              <a:schemeClr val="accent1"/>
+            </a:fillRef>
+            <a:effectRef idx="0">
+              <a:schemeClr val="accent1"/>
+            </a:effectRef>
+            <a:fontRef idx="minor">
+              <a:schemeClr val="lt1"/>
+            </a:fontRef>
+          </p:style>
+          <p:txBody>
+            <a:bodyPr rtlCol="0" anchor="ctr"/>
+            <a:lstStyle/>
+            <a:p>
+              <a:pPr algn="ctr"/>
+              <a:endParaRPr lang="en-PH"/>
+            </a:p>
+          </p:txBody>
+        </p:sp>
+        <p:sp>
+          <p:nvSpPr>
+            <p:cNvPr id="303" name="Rectangle 302"/>
+            <p:cNvSpPr/>
+            <p:nvPr/>
+          </p:nvSpPr>
+          <p:spPr>
+            <a:xfrm>
+              <a:off x="25585362" y="1009135"/>
+              <a:ext cx="324000" cy="4248000"/>
+            </a:xfrm>
+            <a:prstGeom prst="rect">
+              <a:avLst/>
+            </a:prstGeom>
+          </p:spPr>
+          <p:style>
+            <a:lnRef idx="2">
+              <a:schemeClr val="accent4">
+                <a:shade val="50000"/>
+              </a:schemeClr>
+            </a:lnRef>
+            <a:fillRef idx="1">
+              <a:schemeClr val="accent4"/>
+            </a:fillRef>
+            <a:effectRef idx="0">
+              <a:schemeClr val="accent4"/>
+            </a:effectRef>
+            <a:fontRef idx="minor">
+              <a:schemeClr val="lt1"/>
+            </a:fontRef>
+          </p:style>
+          <p:txBody>
+            <a:bodyPr rtlCol="0" anchor="ctr"/>
+            <a:lstStyle/>
+            <a:p>
+              <a:pPr algn="ctr"/>
+              <a:endParaRPr lang="en-PH"/>
+            </a:p>
+          </p:txBody>
+        </p:sp>
+      </p:grpSp>
+      <p:grpSp>
+        <p:nvGrpSpPr>
+          <p:cNvPr id="304" name="Group 303"/>
+          <p:cNvGrpSpPr/>
+          <p:nvPr/>
+        </p:nvGrpSpPr>
+        <p:grpSpPr>
+          <a:xfrm>
+            <a:off x="10653376" y="792337"/>
+            <a:ext cx="612000" cy="4248000"/>
+            <a:chOff x="25275108" y="1009135"/>
+            <a:chExt cx="634254" cy="4248000"/>
+          </a:xfrm>
+        </p:grpSpPr>
+        <p:sp>
+          <p:nvSpPr>
+            <p:cNvPr id="305" name="Rectangle 304"/>
+            <p:cNvSpPr/>
+            <p:nvPr/>
+          </p:nvSpPr>
+          <p:spPr>
+            <a:xfrm>
+              <a:off x="25275108" y="1009135"/>
+              <a:ext cx="324000" cy="4248000"/>
+            </a:xfrm>
+            <a:prstGeom prst="rect">
+              <a:avLst/>
+            </a:prstGeom>
+          </p:spPr>
+          <p:style>
+            <a:lnRef idx="2">
+              <a:schemeClr val="accent1">
+                <a:shade val="50000"/>
+              </a:schemeClr>
+            </a:lnRef>
+            <a:fillRef idx="1">
+              <a:schemeClr val="accent1"/>
+            </a:fillRef>
+            <a:effectRef idx="0">
+              <a:schemeClr val="accent1"/>
+            </a:effectRef>
+            <a:fontRef idx="minor">
+              <a:schemeClr val="lt1"/>
+            </a:fontRef>
+          </p:style>
+          <p:txBody>
+            <a:bodyPr rtlCol="0" anchor="ctr"/>
+            <a:lstStyle/>
+            <a:p>
+              <a:pPr algn="ctr"/>
+              <a:endParaRPr lang="en-PH"/>
+            </a:p>
+          </p:txBody>
+        </p:sp>
+        <p:sp>
+          <p:nvSpPr>
+            <p:cNvPr id="309" name="Rectangle 308"/>
+            <p:cNvSpPr/>
+            <p:nvPr/>
+          </p:nvSpPr>
+          <p:spPr>
+            <a:xfrm>
+              <a:off x="25585362" y="1009135"/>
+              <a:ext cx="324000" cy="4248000"/>
+            </a:xfrm>
+            <a:prstGeom prst="rect">
+              <a:avLst/>
+            </a:prstGeom>
+          </p:spPr>
+          <p:style>
+            <a:lnRef idx="2">
+              <a:schemeClr val="accent4">
+                <a:shade val="50000"/>
+              </a:schemeClr>
+            </a:lnRef>
+            <a:fillRef idx="1">
+              <a:schemeClr val="accent4"/>
+            </a:fillRef>
+            <a:effectRef idx="0">
+              <a:schemeClr val="accent4"/>
+            </a:effectRef>
+            <a:fontRef idx="minor">
+              <a:schemeClr val="lt1"/>
+            </a:fontRef>
+          </p:style>
+          <p:txBody>
+            <a:bodyPr rtlCol="0" anchor="ctr"/>
+            <a:lstStyle/>
+            <a:p>
+              <a:pPr algn="ctr"/>
+              <a:endParaRPr lang="en-PH"/>
+            </a:p>
+          </p:txBody>
+        </p:sp>
+      </p:grpSp>
+      <p:grpSp>
+        <p:nvGrpSpPr>
+          <p:cNvPr id="310" name="Group 309"/>
+          <p:cNvGrpSpPr/>
+          <p:nvPr/>
+        </p:nvGrpSpPr>
+        <p:grpSpPr>
+          <a:xfrm>
+            <a:off x="11625424" y="792337"/>
+            <a:ext cx="612000" cy="4248000"/>
+            <a:chOff x="25275108" y="1009135"/>
+            <a:chExt cx="634254" cy="4248000"/>
+          </a:xfrm>
+        </p:grpSpPr>
+        <p:sp>
+          <p:nvSpPr>
+            <p:cNvPr id="311" name="Rectangle 310"/>
+            <p:cNvSpPr/>
+            <p:nvPr/>
+          </p:nvSpPr>
+          <p:spPr>
+            <a:xfrm>
+              <a:off x="25275108" y="1009135"/>
+              <a:ext cx="324000" cy="4248000"/>
+            </a:xfrm>
+            <a:prstGeom prst="rect">
+              <a:avLst/>
+            </a:prstGeom>
+          </p:spPr>
+          <p:style>
+            <a:lnRef idx="2">
+              <a:schemeClr val="accent1">
+                <a:shade val="50000"/>
+              </a:schemeClr>
+            </a:lnRef>
+            <a:fillRef idx="1">
+              <a:schemeClr val="accent1"/>
+            </a:fillRef>
+            <a:effectRef idx="0">
+              <a:schemeClr val="accent1"/>
+            </a:effectRef>
+            <a:fontRef idx="minor">
+              <a:schemeClr val="lt1"/>
+            </a:fontRef>
+          </p:style>
+          <p:txBody>
+            <a:bodyPr rtlCol="0" anchor="ctr"/>
+            <a:lstStyle/>
+            <a:p>
+              <a:pPr algn="ctr"/>
+              <a:endParaRPr lang="en-PH"/>
+            </a:p>
+          </p:txBody>
+        </p:sp>
+        <p:sp>
+          <p:nvSpPr>
+            <p:cNvPr id="312" name="Rectangle 311"/>
+            <p:cNvSpPr/>
+            <p:nvPr/>
+          </p:nvSpPr>
+          <p:spPr>
+            <a:xfrm>
+              <a:off x="25585362" y="1009135"/>
+              <a:ext cx="324000" cy="4248000"/>
+            </a:xfrm>
+            <a:prstGeom prst="rect">
+              <a:avLst/>
+            </a:prstGeom>
+          </p:spPr>
+          <p:style>
+            <a:lnRef idx="2">
+              <a:schemeClr val="accent4">
+                <a:shade val="50000"/>
+              </a:schemeClr>
+            </a:lnRef>
+            <a:fillRef idx="1">
+              <a:schemeClr val="accent4"/>
+            </a:fillRef>
+            <a:effectRef idx="0">
+              <a:schemeClr val="accent4"/>
+            </a:effectRef>
+            <a:fontRef idx="minor">
+              <a:schemeClr val="lt1"/>
+            </a:fontRef>
+          </p:style>
+          <p:txBody>
+            <a:bodyPr rtlCol="0" anchor="ctr"/>
+            <a:lstStyle/>
+            <a:p>
+              <a:pPr algn="ctr"/>
+              <a:endParaRPr lang="en-PH"/>
+            </a:p>
+          </p:txBody>
+        </p:sp>
+      </p:grpSp>
+      <p:grpSp>
+        <p:nvGrpSpPr>
+          <p:cNvPr id="313" name="Group 312"/>
+          <p:cNvGrpSpPr/>
+          <p:nvPr/>
+        </p:nvGrpSpPr>
+        <p:grpSpPr>
+          <a:xfrm>
+            <a:off x="12597592" y="792337"/>
+            <a:ext cx="612000" cy="4248000"/>
+            <a:chOff x="25275108" y="1009135"/>
+            <a:chExt cx="634254" cy="4248000"/>
+          </a:xfrm>
+        </p:grpSpPr>
+        <p:sp>
+          <p:nvSpPr>
+            <p:cNvPr id="314" name="Rectangle 313"/>
+            <p:cNvSpPr/>
+            <p:nvPr/>
+          </p:nvSpPr>
+          <p:spPr>
+            <a:xfrm>
+              <a:off x="25275108" y="1009135"/>
+              <a:ext cx="324000" cy="4248000"/>
+            </a:xfrm>
+            <a:prstGeom prst="rect">
+              <a:avLst/>
+            </a:prstGeom>
+          </p:spPr>
+          <p:style>
+            <a:lnRef idx="2">
+              <a:schemeClr val="accent1">
+                <a:shade val="50000"/>
+              </a:schemeClr>
+            </a:lnRef>
+            <a:fillRef idx="1">
+              <a:schemeClr val="accent1"/>
+            </a:fillRef>
+            <a:effectRef idx="0">
+              <a:schemeClr val="accent1"/>
+            </a:effectRef>
+            <a:fontRef idx="minor">
+              <a:schemeClr val="lt1"/>
+            </a:fontRef>
+          </p:style>
+          <p:txBody>
+            <a:bodyPr rtlCol="0" anchor="ctr"/>
+            <a:lstStyle/>
+            <a:p>
+              <a:pPr algn="ctr"/>
+              <a:endParaRPr lang="en-PH"/>
+            </a:p>
+          </p:txBody>
+        </p:sp>
+        <p:sp>
+          <p:nvSpPr>
+            <p:cNvPr id="315" name="Rectangle 314"/>
+            <p:cNvSpPr/>
+            <p:nvPr/>
+          </p:nvSpPr>
+          <p:spPr>
+            <a:xfrm>
+              <a:off x="25585362" y="1009135"/>
+              <a:ext cx="324000" cy="4248000"/>
+            </a:xfrm>
+            <a:prstGeom prst="rect">
+              <a:avLst/>
+            </a:prstGeom>
+          </p:spPr>
+          <p:style>
+            <a:lnRef idx="2">
+              <a:schemeClr val="accent4">
+                <a:shade val="50000"/>
+              </a:schemeClr>
+            </a:lnRef>
+            <a:fillRef idx="1">
+              <a:schemeClr val="accent4"/>
+            </a:fillRef>
+            <a:effectRef idx="0">
+              <a:schemeClr val="accent4"/>
+            </a:effectRef>
+            <a:fontRef idx="minor">
+              <a:schemeClr val="lt1"/>
+            </a:fontRef>
+          </p:style>
+          <p:txBody>
+            <a:bodyPr rtlCol="0" anchor="ctr"/>
+            <a:lstStyle/>
+            <a:p>
+              <a:pPr algn="ctr"/>
+              <a:endParaRPr lang="en-PH"/>
+            </a:p>
+          </p:txBody>
+        </p:sp>
+      </p:grpSp>
+      <p:grpSp>
+        <p:nvGrpSpPr>
+          <p:cNvPr id="316" name="Group 315"/>
+          <p:cNvGrpSpPr/>
+          <p:nvPr/>
+        </p:nvGrpSpPr>
+        <p:grpSpPr>
+          <a:xfrm>
+            <a:off x="13533696" y="792337"/>
+            <a:ext cx="612000" cy="4248000"/>
+            <a:chOff x="25275108" y="1009135"/>
+            <a:chExt cx="634254" cy="4248000"/>
+          </a:xfrm>
+        </p:grpSpPr>
+        <p:sp>
+          <p:nvSpPr>
+            <p:cNvPr id="317" name="Rectangle 316"/>
+            <p:cNvSpPr/>
+            <p:nvPr/>
+          </p:nvSpPr>
+          <p:spPr>
+            <a:xfrm>
+              <a:off x="25275108" y="1009135"/>
+              <a:ext cx="324000" cy="4248000"/>
+            </a:xfrm>
+            <a:prstGeom prst="rect">
+              <a:avLst/>
+            </a:prstGeom>
+          </p:spPr>
+          <p:style>
+            <a:lnRef idx="2">
+              <a:schemeClr val="accent1">
+                <a:shade val="50000"/>
+              </a:schemeClr>
+            </a:lnRef>
+            <a:fillRef idx="1">
+              <a:schemeClr val="accent1"/>
+            </a:fillRef>
+            <a:effectRef idx="0">
+              <a:schemeClr val="accent1"/>
+            </a:effectRef>
+            <a:fontRef idx="minor">
+              <a:schemeClr val="lt1"/>
+            </a:fontRef>
+          </p:style>
+          <p:txBody>
+            <a:bodyPr rtlCol="0" anchor="ctr"/>
+            <a:lstStyle/>
+            <a:p>
+              <a:pPr algn="ctr"/>
+              <a:endParaRPr lang="en-PH"/>
+            </a:p>
+          </p:txBody>
+        </p:sp>
+        <p:sp>
+          <p:nvSpPr>
+            <p:cNvPr id="318" name="Rectangle 317"/>
+            <p:cNvSpPr/>
+            <p:nvPr/>
+          </p:nvSpPr>
+          <p:spPr>
+            <a:xfrm>
+              <a:off x="25585362" y="1009135"/>
+              <a:ext cx="324000" cy="4248000"/>
+            </a:xfrm>
+            <a:prstGeom prst="rect">
+              <a:avLst/>
+            </a:prstGeom>
+          </p:spPr>
+          <p:style>
+            <a:lnRef idx="2">
+              <a:schemeClr val="accent4">
+                <a:shade val="50000"/>
+              </a:schemeClr>
+            </a:lnRef>
+            <a:fillRef idx="1">
+              <a:schemeClr val="accent4"/>
+            </a:fillRef>
+            <a:effectRef idx="0">
+              <a:schemeClr val="accent4"/>
+            </a:effectRef>
+            <a:fontRef idx="minor">
+              <a:schemeClr val="lt1"/>
+            </a:fontRef>
+          </p:style>
+          <p:txBody>
+            <a:bodyPr rtlCol="0" anchor="ctr"/>
+            <a:lstStyle/>
+            <a:p>
+              <a:pPr algn="ctr"/>
+              <a:endParaRPr lang="en-PH"/>
+            </a:p>
+          </p:txBody>
+        </p:sp>
+      </p:grpSp>
+      <p:grpSp>
+        <p:nvGrpSpPr>
+          <p:cNvPr id="319" name="Group 318"/>
+          <p:cNvGrpSpPr/>
+          <p:nvPr/>
+        </p:nvGrpSpPr>
+        <p:grpSpPr>
+          <a:xfrm>
+            <a:off x="14541808" y="792337"/>
+            <a:ext cx="612000" cy="4248000"/>
+            <a:chOff x="25275108" y="1009135"/>
+            <a:chExt cx="634254" cy="4248000"/>
+          </a:xfrm>
+        </p:grpSpPr>
+        <p:sp>
+          <p:nvSpPr>
+            <p:cNvPr id="320" name="Rectangle 319"/>
+            <p:cNvSpPr/>
+            <p:nvPr/>
+          </p:nvSpPr>
+          <p:spPr>
+            <a:xfrm>
+              <a:off x="25275108" y="1009135"/>
+              <a:ext cx="324000" cy="4248000"/>
+            </a:xfrm>
+            <a:prstGeom prst="rect">
+              <a:avLst/>
+            </a:prstGeom>
+          </p:spPr>
+          <p:style>
+            <a:lnRef idx="2">
+              <a:schemeClr val="accent1">
+                <a:shade val="50000"/>
+              </a:schemeClr>
+            </a:lnRef>
+            <a:fillRef idx="1">
+              <a:schemeClr val="accent1"/>
+            </a:fillRef>
+            <a:effectRef idx="0">
+              <a:schemeClr val="accent1"/>
+            </a:effectRef>
+            <a:fontRef idx="minor">
+              <a:schemeClr val="lt1"/>
+            </a:fontRef>
+          </p:style>
+          <p:txBody>
+            <a:bodyPr rtlCol="0" anchor="ctr"/>
+            <a:lstStyle/>
+            <a:p>
+              <a:pPr algn="ctr"/>
+              <a:endParaRPr lang="en-PH"/>
+            </a:p>
+          </p:txBody>
+        </p:sp>
+        <p:sp>
+          <p:nvSpPr>
+            <p:cNvPr id="321" name="Rectangle 320"/>
+            <p:cNvSpPr/>
+            <p:nvPr/>
+          </p:nvSpPr>
+          <p:spPr>
+            <a:xfrm>
+              <a:off x="25585362" y="1009135"/>
+              <a:ext cx="324000" cy="4248000"/>
+            </a:xfrm>
+            <a:prstGeom prst="rect">
+              <a:avLst/>
+            </a:prstGeom>
+          </p:spPr>
+          <p:style>
+            <a:lnRef idx="2">
+              <a:schemeClr val="accent4">
+                <a:shade val="50000"/>
+              </a:schemeClr>
+            </a:lnRef>
+            <a:fillRef idx="1">
+              <a:schemeClr val="accent4"/>
+            </a:fillRef>
+            <a:effectRef idx="0">
+              <a:schemeClr val="accent4"/>
+            </a:effectRef>
+            <a:fontRef idx="minor">
+              <a:schemeClr val="lt1"/>
+            </a:fontRef>
+          </p:style>
+          <p:txBody>
+            <a:bodyPr rtlCol="0" anchor="ctr"/>
+            <a:lstStyle/>
+            <a:p>
+              <a:pPr algn="ctr"/>
+              <a:endParaRPr lang="en-PH"/>
+            </a:p>
+          </p:txBody>
+        </p:sp>
+      </p:grpSp>
+      <p:grpSp>
+        <p:nvGrpSpPr>
+          <p:cNvPr id="322" name="Group 321"/>
+          <p:cNvGrpSpPr/>
+          <p:nvPr/>
+        </p:nvGrpSpPr>
+        <p:grpSpPr>
+          <a:xfrm>
+            <a:off x="3812616" y="792337"/>
+            <a:ext cx="612000" cy="4248000"/>
+            <a:chOff x="25275108" y="1009135"/>
+            <a:chExt cx="634254" cy="4248000"/>
+          </a:xfrm>
+        </p:grpSpPr>
+        <p:sp>
+          <p:nvSpPr>
+            <p:cNvPr id="323" name="Rectangle 322"/>
+            <p:cNvSpPr/>
+            <p:nvPr/>
+          </p:nvSpPr>
+          <p:spPr>
+            <a:xfrm>
+              <a:off x="25275108" y="1009135"/>
+              <a:ext cx="324000" cy="4248000"/>
+            </a:xfrm>
+            <a:prstGeom prst="rect">
+              <a:avLst/>
+            </a:prstGeom>
+          </p:spPr>
+          <p:style>
+            <a:lnRef idx="2">
+              <a:schemeClr val="accent1">
+                <a:shade val="50000"/>
+              </a:schemeClr>
+            </a:lnRef>
+            <a:fillRef idx="1">
+              <a:schemeClr val="accent1"/>
+            </a:fillRef>
+            <a:effectRef idx="0">
+              <a:schemeClr val="accent1"/>
+            </a:effectRef>
+            <a:fontRef idx="minor">
+              <a:schemeClr val="lt1"/>
+            </a:fontRef>
+          </p:style>
+          <p:txBody>
+            <a:bodyPr rtlCol="0" anchor="ctr"/>
+            <a:lstStyle/>
+            <a:p>
+              <a:pPr algn="ctr"/>
+              <a:endParaRPr lang="en-PH"/>
+            </a:p>
+          </p:txBody>
+        </p:sp>
+        <p:sp>
+          <p:nvSpPr>
+            <p:cNvPr id="324" name="Rectangle 323"/>
+            <p:cNvSpPr/>
+            <p:nvPr/>
+          </p:nvSpPr>
+          <p:spPr>
+            <a:xfrm>
+              <a:off x="25585362" y="1009135"/>
+              <a:ext cx="324000" cy="4248000"/>
+            </a:xfrm>
+            <a:prstGeom prst="rect">
+              <a:avLst/>
+            </a:prstGeom>
+          </p:spPr>
+          <p:style>
+            <a:lnRef idx="2">
+              <a:schemeClr val="accent4">
+                <a:shade val="50000"/>
+              </a:schemeClr>
+            </a:lnRef>
+            <a:fillRef idx="1">
+              <a:schemeClr val="accent4"/>
+            </a:fillRef>
+            <a:effectRef idx="0">
+              <a:schemeClr val="accent4"/>
+            </a:effectRef>
+            <a:fontRef idx="minor">
+              <a:schemeClr val="lt1"/>
+            </a:fontRef>
+          </p:style>
+          <p:txBody>
+            <a:bodyPr rtlCol="0" anchor="ctr"/>
+            <a:lstStyle/>
+            <a:p>
+              <a:pPr algn="ctr"/>
+              <a:endParaRPr lang="en-PH"/>
+            </a:p>
+          </p:txBody>
+        </p:sp>
+      </p:grpSp>
+      <p:grpSp>
+        <p:nvGrpSpPr>
+          <p:cNvPr id="325" name="Group 324"/>
+          <p:cNvGrpSpPr/>
+          <p:nvPr/>
+        </p:nvGrpSpPr>
+        <p:grpSpPr>
+          <a:xfrm>
+            <a:off x="4820728" y="792337"/>
+            <a:ext cx="612000" cy="4248000"/>
+            <a:chOff x="25275108" y="1009135"/>
+            <a:chExt cx="634254" cy="4248000"/>
+          </a:xfrm>
+        </p:grpSpPr>
+        <p:sp>
+          <p:nvSpPr>
+            <p:cNvPr id="326" name="Rectangle 325"/>
+            <p:cNvSpPr/>
+            <p:nvPr/>
+          </p:nvSpPr>
+          <p:spPr>
+            <a:xfrm>
+              <a:off x="25275108" y="1009135"/>
+              <a:ext cx="324000" cy="4248000"/>
+            </a:xfrm>
+            <a:prstGeom prst="rect">
+              <a:avLst/>
+            </a:prstGeom>
+          </p:spPr>
+          <p:style>
+            <a:lnRef idx="2">
+              <a:schemeClr val="accent1">
+                <a:shade val="50000"/>
+              </a:schemeClr>
+            </a:lnRef>
+            <a:fillRef idx="1">
+              <a:schemeClr val="accent1"/>
+            </a:fillRef>
+            <a:effectRef idx="0">
+              <a:schemeClr val="accent1"/>
+            </a:effectRef>
+            <a:fontRef idx="minor">
+              <a:schemeClr val="lt1"/>
+            </a:fontRef>
+          </p:style>
+          <p:txBody>
+            <a:bodyPr rtlCol="0" anchor="ctr"/>
+            <a:lstStyle/>
+            <a:p>
+              <a:pPr algn="ctr"/>
+              <a:endParaRPr lang="en-PH"/>
+            </a:p>
+          </p:txBody>
+        </p:sp>
+        <p:sp>
+          <p:nvSpPr>
+            <p:cNvPr id="327" name="Rectangle 326"/>
+            <p:cNvSpPr/>
+            <p:nvPr/>
+          </p:nvSpPr>
+          <p:spPr>
+            <a:xfrm>
+              <a:off x="25585362" y="1009135"/>
+              <a:ext cx="324000" cy="4248000"/>
+            </a:xfrm>
+            <a:prstGeom prst="rect">
+              <a:avLst/>
+            </a:prstGeom>
+          </p:spPr>
+          <p:style>
+            <a:lnRef idx="2">
+              <a:schemeClr val="accent4">
+                <a:shade val="50000"/>
+              </a:schemeClr>
+            </a:lnRef>
+            <a:fillRef idx="1">
+              <a:schemeClr val="accent4"/>
+            </a:fillRef>
+            <a:effectRef idx="0">
+              <a:schemeClr val="accent4"/>
+            </a:effectRef>
+            <a:fontRef idx="minor">
+              <a:schemeClr val="lt1"/>
+            </a:fontRef>
+          </p:style>
+          <p:txBody>
+            <a:bodyPr rtlCol="0" anchor="ctr"/>
+            <a:lstStyle/>
+            <a:p>
+              <a:pPr algn="ctr"/>
+              <a:endParaRPr lang="en-PH"/>
+            </a:p>
+          </p:txBody>
+        </p:sp>
+      </p:grpSp>
+      <p:grpSp>
+        <p:nvGrpSpPr>
+          <p:cNvPr id="328" name="Group 327"/>
+          <p:cNvGrpSpPr/>
+          <p:nvPr/>
+        </p:nvGrpSpPr>
+        <p:grpSpPr>
+          <a:xfrm>
+            <a:off x="5828840" y="827954"/>
+            <a:ext cx="612000" cy="4248000"/>
+            <a:chOff x="25275108" y="1009135"/>
+            <a:chExt cx="634254" cy="4248000"/>
+          </a:xfrm>
+        </p:grpSpPr>
+        <p:sp>
+          <p:nvSpPr>
+            <p:cNvPr id="329" name="Rectangle 328"/>
+            <p:cNvSpPr/>
+            <p:nvPr/>
+          </p:nvSpPr>
+          <p:spPr>
+            <a:xfrm>
+              <a:off x="25275108" y="1009135"/>
+              <a:ext cx="324000" cy="4248000"/>
+            </a:xfrm>
+            <a:prstGeom prst="rect">
+              <a:avLst/>
+            </a:prstGeom>
+          </p:spPr>
+          <p:style>
+            <a:lnRef idx="2">
+              <a:schemeClr val="accent1">
+                <a:shade val="50000"/>
+              </a:schemeClr>
+            </a:lnRef>
+            <a:fillRef idx="1">
+              <a:schemeClr val="accent1"/>
+            </a:fillRef>
+            <a:effectRef idx="0">
+              <a:schemeClr val="accent1"/>
+            </a:effectRef>
+            <a:fontRef idx="minor">
+              <a:schemeClr val="lt1"/>
+            </a:fontRef>
+          </p:style>
+          <p:txBody>
+            <a:bodyPr rtlCol="0" anchor="ctr"/>
+            <a:lstStyle/>
+            <a:p>
+              <a:pPr algn="ctr"/>
+              <a:endParaRPr lang="en-PH"/>
+            </a:p>
+          </p:txBody>
+        </p:sp>
+        <p:sp>
+          <p:nvSpPr>
+            <p:cNvPr id="330" name="Rectangle 329"/>
+            <p:cNvSpPr/>
+            <p:nvPr/>
+          </p:nvSpPr>
+          <p:spPr>
+            <a:xfrm>
+              <a:off x="25585362" y="1009135"/>
+              <a:ext cx="324000" cy="4248000"/>
+            </a:xfrm>
+            <a:prstGeom prst="rect">
+              <a:avLst/>
+            </a:prstGeom>
+          </p:spPr>
+          <p:style>
+            <a:lnRef idx="2">
+              <a:schemeClr val="accent4">
+                <a:shade val="50000"/>
+              </a:schemeClr>
+            </a:lnRef>
+            <a:fillRef idx="1">
+              <a:schemeClr val="accent4"/>
+            </a:fillRef>
+            <a:effectRef idx="0">
+              <a:schemeClr val="accent4"/>
+            </a:effectRef>
+            <a:fontRef idx="minor">
+              <a:schemeClr val="lt1"/>
+            </a:fontRef>
+          </p:style>
+          <p:txBody>
+            <a:bodyPr rtlCol="0" anchor="ctr"/>
+            <a:lstStyle/>
+            <a:p>
+              <a:pPr algn="ctr"/>
+              <a:endParaRPr lang="en-PH"/>
+            </a:p>
+          </p:txBody>
+        </p:sp>
+      </p:grpSp>
+      <p:grpSp>
+        <p:nvGrpSpPr>
+          <p:cNvPr id="331" name="Group 330"/>
+          <p:cNvGrpSpPr/>
+          <p:nvPr/>
+        </p:nvGrpSpPr>
+        <p:grpSpPr>
+          <a:xfrm>
+            <a:off x="6836952" y="792337"/>
+            <a:ext cx="612000" cy="4248000"/>
+            <a:chOff x="25275108" y="1009135"/>
+            <a:chExt cx="634254" cy="4248000"/>
+          </a:xfrm>
+        </p:grpSpPr>
+        <p:sp>
+          <p:nvSpPr>
+            <p:cNvPr id="332" name="Rectangle 331"/>
+            <p:cNvSpPr/>
+            <p:nvPr/>
+          </p:nvSpPr>
+          <p:spPr>
+            <a:xfrm>
+              <a:off x="25275108" y="1009135"/>
+              <a:ext cx="324000" cy="4248000"/>
+            </a:xfrm>
+            <a:prstGeom prst="rect">
+              <a:avLst/>
+            </a:prstGeom>
+          </p:spPr>
+          <p:style>
+            <a:lnRef idx="2">
+              <a:schemeClr val="accent1">
+                <a:shade val="50000"/>
+              </a:schemeClr>
+            </a:lnRef>
+            <a:fillRef idx="1">
+              <a:schemeClr val="accent1"/>
+            </a:fillRef>
+            <a:effectRef idx="0">
+              <a:schemeClr val="accent1"/>
+            </a:effectRef>
+            <a:fontRef idx="minor">
+              <a:schemeClr val="lt1"/>
+            </a:fontRef>
+          </p:style>
+          <p:txBody>
+            <a:bodyPr rtlCol="0" anchor="ctr"/>
+            <a:lstStyle/>
+            <a:p>
+              <a:pPr algn="ctr"/>
+              <a:endParaRPr lang="en-PH"/>
+            </a:p>
+          </p:txBody>
+        </p:sp>
+        <p:sp>
+          <p:nvSpPr>
+            <p:cNvPr id="333" name="Rectangle 332"/>
+            <p:cNvSpPr/>
+            <p:nvPr/>
+          </p:nvSpPr>
+          <p:spPr>
+            <a:xfrm>
+              <a:off x="25585362" y="1009135"/>
+              <a:ext cx="324000" cy="4248000"/>
+            </a:xfrm>
+            <a:prstGeom prst="rect">
+              <a:avLst/>
+            </a:prstGeom>
+          </p:spPr>
+          <p:style>
+            <a:lnRef idx="2">
+              <a:schemeClr val="accent4">
+                <a:shade val="50000"/>
+              </a:schemeClr>
+            </a:lnRef>
+            <a:fillRef idx="1">
+              <a:schemeClr val="accent4"/>
+            </a:fillRef>
+            <a:effectRef idx="0">
+              <a:schemeClr val="accent4"/>
+            </a:effectRef>
+            <a:fontRef idx="minor">
+              <a:schemeClr val="lt1"/>
+            </a:fontRef>
+          </p:style>
+          <p:txBody>
+            <a:bodyPr rtlCol="0" anchor="ctr"/>
+            <a:lstStyle/>
+            <a:p>
+              <a:pPr algn="ctr"/>
+              <a:endParaRPr lang="en-PH"/>
+            </a:p>
+          </p:txBody>
+        </p:sp>
+      </p:grpSp>
+      <p:grpSp>
+        <p:nvGrpSpPr>
+          <p:cNvPr id="334" name="Group 333"/>
+          <p:cNvGrpSpPr/>
+          <p:nvPr/>
+        </p:nvGrpSpPr>
+        <p:grpSpPr>
+          <a:xfrm>
+            <a:off x="15914068" y="8244456"/>
+            <a:ext cx="540000" cy="4248000"/>
+            <a:chOff x="25275108" y="1009135"/>
+            <a:chExt cx="634254" cy="4248000"/>
+          </a:xfrm>
+        </p:grpSpPr>
+        <p:sp>
+          <p:nvSpPr>
+            <p:cNvPr id="350" name="Rectangle 349"/>
+            <p:cNvSpPr/>
+            <p:nvPr/>
+          </p:nvSpPr>
+          <p:spPr>
+            <a:xfrm>
+              <a:off x="25275108" y="1009135"/>
+              <a:ext cx="324000" cy="4248000"/>
+            </a:xfrm>
+            <a:prstGeom prst="rect">
+              <a:avLst/>
+            </a:prstGeom>
+          </p:spPr>
+          <p:style>
+            <a:lnRef idx="2">
+              <a:schemeClr val="accent1">
+                <a:shade val="50000"/>
+              </a:schemeClr>
+            </a:lnRef>
+            <a:fillRef idx="1">
+              <a:schemeClr val="accent1"/>
+            </a:fillRef>
+            <a:effectRef idx="0">
+              <a:schemeClr val="accent1"/>
+            </a:effectRef>
+            <a:fontRef idx="minor">
+              <a:schemeClr val="lt1"/>
+            </a:fontRef>
+          </p:style>
+          <p:txBody>
+            <a:bodyPr rtlCol="0" anchor="ctr"/>
+            <a:lstStyle/>
+            <a:p>
+              <a:pPr algn="ctr"/>
+              <a:endParaRPr lang="en-PH"/>
+            </a:p>
+          </p:txBody>
+        </p:sp>
+        <p:sp>
+          <p:nvSpPr>
+            <p:cNvPr id="351" name="Rectangle 350"/>
+            <p:cNvSpPr/>
+            <p:nvPr/>
+          </p:nvSpPr>
+          <p:spPr>
+            <a:xfrm>
+              <a:off x="25585362" y="1009135"/>
+              <a:ext cx="324000" cy="4248000"/>
+            </a:xfrm>
+            <a:prstGeom prst="rect">
+              <a:avLst/>
+            </a:prstGeom>
+          </p:spPr>
+          <p:style>
+            <a:lnRef idx="2">
+              <a:schemeClr val="accent4">
+                <a:shade val="50000"/>
+              </a:schemeClr>
+            </a:lnRef>
+            <a:fillRef idx="1">
+              <a:schemeClr val="accent4"/>
+            </a:fillRef>
+            <a:effectRef idx="0">
+              <a:schemeClr val="accent4"/>
+            </a:effectRef>
+            <a:fontRef idx="minor">
+              <a:schemeClr val="lt1"/>
+            </a:fontRef>
+          </p:style>
+          <p:txBody>
+            <a:bodyPr rtlCol="0" anchor="ctr"/>
+            <a:lstStyle/>
+            <a:p>
+              <a:pPr algn="ctr"/>
+              <a:endParaRPr lang="en-PH"/>
+            </a:p>
+          </p:txBody>
+        </p:sp>
+      </p:grpSp>
     </p:spTree>
     <p:extLst>
       <p:ext uri="{BB962C8B-B14F-4D97-AF65-F5344CB8AC3E}">

--- a/MP1/SVG maps/library.pptx
+++ b/MP1/SVG maps/library.pptx
@@ -115,7 +115,7 @@
   </p:defaultTextStyle>
   <p:extLst>
     <p:ext uri="{EFAFB233-063F-42B5-8137-9DF3F51BA10A}">
-      <p15:sldGuideLst xmlns:p15="http://schemas.microsoft.com/office/powerpoint/2012/main">
+      <p15:sldGuideLst xmlns="" xmlns:p15="http://schemas.microsoft.com/office/powerpoint/2012/main">
         <p15:guide id="1" orient="horz" pos="4310">
           <p15:clr>
             <a:srgbClr val="A4A3A4"/>
@@ -129,7 +129,7 @@
       </p15:sldGuideLst>
     </p:ext>
     <p:ext uri="{2D200454-40CA-4A62-9FC3-DE9A4176ACB9}">
-      <p15:notesGuideLst xmlns:p15="http://schemas.microsoft.com/office/powerpoint/2012/main">
+      <p15:notesGuideLst xmlns="" xmlns:p15="http://schemas.microsoft.com/office/powerpoint/2012/main">
         <p15:guide id="1" orient="horz" pos="2880">
           <p15:clr>
             <a:srgbClr val="A4A3A4"/>
@@ -13038,8 +13038,8 @@
         </p:blipFill>
         <p:spPr>
           <a:xfrm flipV="1">
-            <a:off x="18850899" y="1654715"/>
-            <a:ext cx="548688" cy="542591"/>
+            <a:off x="18853947" y="1654715"/>
+            <a:ext cx="542591" cy="542591"/>
           </a:xfrm>
           <a:prstGeom prst="rect">
             <a:avLst/>
@@ -13068,8 +13068,8 @@
         </p:blipFill>
         <p:spPr>
           <a:xfrm>
-            <a:off x="23502284" y="1080552"/>
-            <a:ext cx="548688" cy="542591"/>
+            <a:off x="23505332" y="1080552"/>
+            <a:ext cx="542591" cy="542591"/>
           </a:xfrm>
           <a:prstGeom prst="rect">
             <a:avLst/>
@@ -13097,9 +13097,9 @@
           </a:stretch>
         </p:blipFill>
         <p:spPr>
-          <a:xfrm flipV="1">
-            <a:off x="3200867" y="5792462"/>
-            <a:ext cx="548688" cy="542591"/>
+          <a:xfrm rot="16200000" flipV="1">
+            <a:off x="3203915" y="5792462"/>
+            <a:ext cx="542591" cy="542591"/>
           </a:xfrm>
           <a:prstGeom prst="rect">
             <a:avLst/>
@@ -13128,8 +13128,8 @@
         </p:blipFill>
         <p:spPr>
           <a:xfrm rot="16200000">
-            <a:off x="38888569" y="5646825"/>
-            <a:ext cx="548688" cy="542591"/>
+            <a:off x="38891617" y="5646825"/>
+            <a:ext cx="542591" cy="542591"/>
           </a:xfrm>
           <a:prstGeom prst="rect">
             <a:avLst/>
@@ -13158,8 +13158,8 @@
         </p:blipFill>
         <p:spPr>
           <a:xfrm flipV="1">
-            <a:off x="1554682" y="5496383"/>
-            <a:ext cx="548688" cy="542591"/>
+            <a:off x="1557730" y="5496383"/>
+            <a:ext cx="542591" cy="542591"/>
           </a:xfrm>
           <a:prstGeom prst="rect">
             <a:avLst/>
@@ -13188,8 +13188,8 @@
         </p:blipFill>
         <p:spPr>
           <a:xfrm>
-            <a:off x="21024351" y="10546416"/>
-            <a:ext cx="548688" cy="542591"/>
+            <a:off x="21027399" y="10546416"/>
+            <a:ext cx="542591" cy="542591"/>
           </a:xfrm>
           <a:prstGeom prst="rect">
             <a:avLst/>
@@ -13218,8 +13218,8 @@
         </p:blipFill>
         <p:spPr>
           <a:xfrm rot="16200000">
-            <a:off x="41545868" y="5734936"/>
-            <a:ext cx="548688" cy="542591"/>
+            <a:off x="41548916" y="5734936"/>
+            <a:ext cx="542591" cy="542591"/>
           </a:xfrm>
           <a:prstGeom prst="rect">
             <a:avLst/>
@@ -18371,8 +18371,8 @@
         </p:blipFill>
         <p:spPr>
           <a:xfrm flipV="1">
-            <a:off x="18850899" y="1654715"/>
-            <a:ext cx="548688" cy="542591"/>
+            <a:off x="18853947" y="1654715"/>
+            <a:ext cx="542591" cy="542591"/>
           </a:xfrm>
           <a:prstGeom prst="rect">
             <a:avLst/>
@@ -18401,8 +18401,8 @@
         </p:blipFill>
         <p:spPr>
           <a:xfrm>
-            <a:off x="23502284" y="1080552"/>
-            <a:ext cx="548688" cy="542591"/>
+            <a:off x="23505332" y="1080552"/>
+            <a:ext cx="542591" cy="542591"/>
           </a:xfrm>
           <a:prstGeom prst="rect">
             <a:avLst/>
@@ -18431,8 +18431,8 @@
         </p:blipFill>
         <p:spPr>
           <a:xfrm flipV="1">
-            <a:off x="3200867" y="5792462"/>
-            <a:ext cx="548688" cy="542591"/>
+            <a:off x="3203915" y="5792462"/>
+            <a:ext cx="542591" cy="542591"/>
           </a:xfrm>
           <a:prstGeom prst="rect">
             <a:avLst/>
@@ -18461,8 +18461,8 @@
         </p:blipFill>
         <p:spPr>
           <a:xfrm flipV="1">
-            <a:off x="1554682" y="5496383"/>
-            <a:ext cx="548688" cy="542591"/>
+            <a:off x="1557730" y="5496383"/>
+            <a:ext cx="542591" cy="542591"/>
           </a:xfrm>
           <a:prstGeom prst="rect">
             <a:avLst/>
@@ -18491,8 +18491,8 @@
         </p:blipFill>
         <p:spPr>
           <a:xfrm rot="16200000">
-            <a:off x="38888569" y="5646825"/>
-            <a:ext cx="548688" cy="542591"/>
+            <a:off x="38891617" y="5646825"/>
+            <a:ext cx="542591" cy="542591"/>
           </a:xfrm>
           <a:prstGeom prst="rect">
             <a:avLst/>
@@ -18521,8 +18521,8 @@
         </p:blipFill>
         <p:spPr>
           <a:xfrm rot="16200000">
-            <a:off x="41545868" y="5734936"/>
-            <a:ext cx="548688" cy="542591"/>
+            <a:off x="41548916" y="5734936"/>
+            <a:ext cx="542591" cy="542591"/>
           </a:xfrm>
           <a:prstGeom prst="rect">
             <a:avLst/>
@@ -18551,8 +18551,8 @@
         </p:blipFill>
         <p:spPr>
           <a:xfrm>
-            <a:off x="21098644" y="10584953"/>
-            <a:ext cx="548688" cy="542591"/>
+            <a:off x="21101692" y="10584953"/>
+            <a:ext cx="542591" cy="542591"/>
           </a:xfrm>
           <a:prstGeom prst="rect">
             <a:avLst/>
@@ -21794,8 +21794,8 @@
         </p:blipFill>
         <p:spPr>
           <a:xfrm flipV="1">
-            <a:off x="18174028" y="583591"/>
-            <a:ext cx="548688" cy="542591"/>
+            <a:off x="18177076" y="583591"/>
+            <a:ext cx="542591" cy="542591"/>
           </a:xfrm>
           <a:prstGeom prst="rect">
             <a:avLst/>
@@ -21824,8 +21824,8 @@
         </p:blipFill>
         <p:spPr>
           <a:xfrm>
-            <a:off x="19338739" y="18531"/>
-            <a:ext cx="548688" cy="542591"/>
+            <a:off x="19341787" y="18531"/>
+            <a:ext cx="542591" cy="542591"/>
           </a:xfrm>
           <a:prstGeom prst="rect">
             <a:avLst/>
@@ -21854,8 +21854,8 @@
         </p:blipFill>
         <p:spPr>
           <a:xfrm>
-            <a:off x="22866390" y="7102061"/>
-            <a:ext cx="548688" cy="542591"/>
+            <a:off x="22869438" y="7102061"/>
+            <a:ext cx="542591" cy="542591"/>
           </a:xfrm>
           <a:prstGeom prst="rect">
             <a:avLst/>
@@ -21883,9 +21883,9 @@
           </a:stretch>
         </p:blipFill>
         <p:spPr>
-          <a:xfrm flipV="1">
-            <a:off x="2900850" y="7062079"/>
-            <a:ext cx="548688" cy="542591"/>
+          <a:xfrm rot="5400000" flipH="1" flipV="1">
+            <a:off x="2338029" y="6848064"/>
+            <a:ext cx="542591" cy="542591"/>
           </a:xfrm>
           <a:prstGeom prst="rect">
             <a:avLst/>
@@ -21913,9 +21913,9 @@
           </a:stretch>
         </p:blipFill>
         <p:spPr>
-          <a:xfrm flipV="1">
-            <a:off x="2931887" y="5985624"/>
-            <a:ext cx="548688" cy="542591"/>
+          <a:xfrm rot="5400000" flipH="1" flipV="1">
+            <a:off x="2332043" y="6022068"/>
+            <a:ext cx="542591" cy="542591"/>
           </a:xfrm>
           <a:prstGeom prst="rect">
             <a:avLst/>
@@ -21943,9 +21943,9 @@
           </a:stretch>
         </p:blipFill>
         <p:spPr>
-          <a:xfrm rot="5400000" flipV="1">
-            <a:off x="38632551" y="7105110"/>
-            <a:ext cx="548688" cy="542591"/>
+          <a:xfrm rot="5400000" flipH="1">
+            <a:off x="39233032" y="7065799"/>
+            <a:ext cx="542591" cy="542591"/>
           </a:xfrm>
           <a:prstGeom prst="rect">
             <a:avLst/>
@@ -21973,9 +21973,9 @@
           </a:stretch>
         </p:blipFill>
         <p:spPr>
-          <a:xfrm rot="5400000" flipV="1">
-            <a:off x="38663588" y="6028655"/>
-            <a:ext cx="548688" cy="542591"/>
+          <a:xfrm rot="5400000" flipH="1">
+            <a:off x="39233032" y="5985623"/>
+            <a:ext cx="542591" cy="542591"/>
           </a:xfrm>
           <a:prstGeom prst="rect">
             <a:avLst/>
@@ -22323,7 +22323,7 @@
     </a:clrScheme>
     <a:fontScheme name="Office">
       <a:majorFont>
-        <a:latin typeface="Calibri Light" panose="020F0302020204030204"/>
+        <a:latin typeface="Calibri Light"/>
         <a:ea typeface=""/>
         <a:cs typeface=""/>
         <a:font script="Jpan" typeface="ＭＳ Ｐゴシック"/>
@@ -22358,7 +22358,7 @@
         <a:font script="Geor" typeface="Sylfaen"/>
       </a:majorFont>
       <a:minorFont>
-        <a:latin typeface="Calibri" panose="020F0502020204030204"/>
+        <a:latin typeface="Calibri"/>
         <a:ea typeface=""/>
         <a:cs typeface=""/>
         <a:font script="Jpan" typeface="ＭＳ Ｐゴシック"/>
@@ -22535,7 +22535,7 @@
   <a:extraClrSchemeLst/>
   <a:extLst>
     <a:ext uri="{05A4C25C-085E-4340-85A3-A5531E510DB2}">
-      <thm15:themeFamily xmlns:thm15="http://schemas.microsoft.com/office/thememl/2012/main" name="Office Theme" id="{62F939B6-93AF-4DB8-9C6B-D6C7DFDC589F}" vid="{4A3C46E8-61CC-4603-A589-7422A47A8E4A}"/>
+      <thm15:themeFamily xmlns="" xmlns:thm15="http://schemas.microsoft.com/office/thememl/2012/main" name="Office Theme" id="{62F939B6-93AF-4DB8-9C6B-D6C7DFDC589F}" vid="{4A3C46E8-61CC-4603-A589-7422A47A8E4A}"/>
     </a:ext>
   </a:extLst>
 </a:theme>

--- a/MP1/SVG maps/library.pptx
+++ b/MP1/SVG maps/library.pptx
@@ -115,7 +115,7 @@
   </p:defaultTextStyle>
   <p:extLst>
     <p:ext uri="{EFAFB233-063F-42B5-8137-9DF3F51BA10A}">
-      <p15:sldGuideLst xmlns="" xmlns:p15="http://schemas.microsoft.com/office/powerpoint/2012/main">
+      <p15:sldGuideLst xmlns:p15="http://schemas.microsoft.com/office/powerpoint/2012/main" xmlns="">
         <p15:guide id="1" orient="horz" pos="4310">
           <p15:clr>
             <a:srgbClr val="A4A3A4"/>
@@ -129,7 +129,7 @@
       </p15:sldGuideLst>
     </p:ext>
     <p:ext uri="{2D200454-40CA-4A62-9FC3-DE9A4176ACB9}">
-      <p15:notesGuideLst xmlns="" xmlns:p15="http://schemas.microsoft.com/office/powerpoint/2012/main">
+      <p15:notesGuideLst xmlns:p15="http://schemas.microsoft.com/office/powerpoint/2012/main" xmlns="">
         <p15:guide id="1" orient="horz" pos="2880">
           <p15:clr>
             <a:srgbClr val="A4A3A4"/>
@@ -18430,7 +18430,7 @@
           </a:stretch>
         </p:blipFill>
         <p:spPr>
-          <a:xfrm flipV="1">
+          <a:xfrm rot="16200000" flipV="1">
             <a:off x="3203915" y="5792462"/>
             <a:ext cx="542591" cy="542591"/>
           </a:xfrm>
@@ -22535,7 +22535,7 @@
   <a:extraClrSchemeLst/>
   <a:extLst>
     <a:ext uri="{05A4C25C-085E-4340-85A3-A5531E510DB2}">
-      <thm15:themeFamily xmlns="" xmlns:thm15="http://schemas.microsoft.com/office/thememl/2012/main" name="Office Theme" id="{62F939B6-93AF-4DB8-9C6B-D6C7DFDC589F}" vid="{4A3C46E8-61CC-4603-A589-7422A47A8E4A}"/>
+      <thm15:themeFamily xmlns:thm15="http://schemas.microsoft.com/office/thememl/2012/main" xmlns="" name="Office Theme" id="{62F939B6-93AF-4DB8-9C6B-D6C7DFDC589F}" vid="{4A3C46E8-61CC-4603-A589-7422A47A8E4A}"/>
     </a:ext>
   </a:extLst>
 </a:theme>

--- a/MP1/SVG maps/library.pptx
+++ b/MP1/SVG maps/library.pptx
@@ -115,7 +115,7 @@
   </p:defaultTextStyle>
   <p:extLst>
     <p:ext uri="{EFAFB233-063F-42B5-8137-9DF3F51BA10A}">
-      <p15:sldGuideLst xmlns:p15="http://schemas.microsoft.com/office/powerpoint/2012/main" xmlns="">
+      <p15:sldGuideLst xmlns="" xmlns:p15="http://schemas.microsoft.com/office/powerpoint/2012/main">
         <p15:guide id="1" orient="horz" pos="4310">
           <p15:clr>
             <a:srgbClr val="A4A3A4"/>
@@ -129,7 +129,7 @@
       </p15:sldGuideLst>
     </p:ext>
     <p:ext uri="{2D200454-40CA-4A62-9FC3-DE9A4176ACB9}">
-      <p15:notesGuideLst xmlns:p15="http://schemas.microsoft.com/office/powerpoint/2012/main" xmlns="">
+      <p15:notesGuideLst xmlns="" xmlns:p15="http://schemas.microsoft.com/office/powerpoint/2012/main">
         <p15:guide id="1" orient="horz" pos="2880">
           <p15:clr>
             <a:srgbClr val="A4A3A4"/>
@@ -19839,7 +19839,7 @@
         </p:nvSpPr>
         <p:spPr>
           <a:xfrm flipV="1">
-            <a:off x="2906836" y="543668"/>
+            <a:off x="2931466" y="641002"/>
             <a:ext cx="36299980" cy="12849593"/>
           </a:xfrm>
           <a:prstGeom prst="rect">
@@ -21854,7 +21854,7 @@
         </p:blipFill>
         <p:spPr>
           <a:xfrm>
-            <a:off x="22869438" y="7102061"/>
+            <a:off x="22869438" y="7168241"/>
             <a:ext cx="542591" cy="542591"/>
           </a:xfrm>
           <a:prstGeom prst="rect">
@@ -22535,7 +22535,7 @@
   <a:extraClrSchemeLst/>
   <a:extLst>
     <a:ext uri="{05A4C25C-085E-4340-85A3-A5531E510DB2}">
-      <thm15:themeFamily xmlns:thm15="http://schemas.microsoft.com/office/thememl/2012/main" xmlns="" name="Office Theme" id="{62F939B6-93AF-4DB8-9C6B-D6C7DFDC589F}" vid="{4A3C46E8-61CC-4603-A589-7422A47A8E4A}"/>
+      <thm15:themeFamily xmlns="" xmlns:thm15="http://schemas.microsoft.com/office/thememl/2012/main" name="Office Theme" id="{62F939B6-93AF-4DB8-9C6B-D6C7DFDC589F}" vid="{4A3C46E8-61CC-4603-A589-7422A47A8E4A}"/>
     </a:ext>
   </a:extLst>
 </a:theme>

--- a/MP1/SVG maps/library.pptx
+++ b/MP1/SVG maps/library.pptx
@@ -115,7 +115,7 @@
   </p:defaultTextStyle>
   <p:extLst>
     <p:ext uri="{EFAFB233-063F-42B5-8137-9DF3F51BA10A}">
-      <p15:sldGuideLst xmlns="" xmlns:p15="http://schemas.microsoft.com/office/powerpoint/2012/main">
+      <p15:sldGuideLst xmlns:p15="http://schemas.microsoft.com/office/powerpoint/2012/main">
         <p15:guide id="1" orient="horz" pos="4310">
           <p15:clr>
             <a:srgbClr val="A4A3A4"/>
@@ -129,7 +129,7 @@
       </p15:sldGuideLst>
     </p:ext>
     <p:ext uri="{2D200454-40CA-4A62-9FC3-DE9A4176ACB9}">
-      <p15:notesGuideLst xmlns="" xmlns:p15="http://schemas.microsoft.com/office/powerpoint/2012/main">
+      <p15:notesGuideLst xmlns:p15="http://schemas.microsoft.com/office/powerpoint/2012/main">
         <p15:guide id="1" orient="horz" pos="2880">
           <p15:clr>
             <a:srgbClr val="A4A3A4"/>
@@ -228,7 +228,7 @@
           <a:p>
             <a:fld id="{0EEB80C7-568E-4336-8748-0853E0112BA8}" type="datetimeFigureOut">
               <a:rPr lang="en-PH" smtClean="0"/>
-              <a:t>30/03/2017</a:t>
+              <a:t>31/03/2017</a:t>
             </a:fld>
             <a:endParaRPr lang="en-PH"/>
           </a:p>
@@ -393,7 +393,7 @@
           <a:p>
             <a:fld id="{6270E0D2-8F04-444F-8DD2-70DC9D5820D7}" type="datetimeFigureOut">
               <a:rPr lang="en-US" smtClean="0"/>
-              <a:t>3/30/2017</a:t>
+              <a:t>3/31/2017</a:t>
             </a:fld>
             <a:endParaRPr lang="en-US"/>
           </a:p>
@@ -975,7 +975,7 @@
           <a:p>
             <a:fld id="{3AA74B47-8083-4345-865C-BA7499E5DF64}" type="datetimeFigureOut">
               <a:rPr lang="en-PH" smtClean="0"/>
-              <a:t>30/03/2017</a:t>
+              <a:t>31/03/2017</a:t>
             </a:fld>
             <a:endParaRPr lang="en-PH"/>
           </a:p>
@@ -4998,7 +4998,7 @@
           <a:p>
             <a:fld id="{3AA74B47-8083-4345-865C-BA7499E5DF64}" type="datetimeFigureOut">
               <a:rPr lang="en-PH" smtClean="0"/>
-              <a:t>30/03/2017</a:t>
+              <a:t>31/03/2017</a:t>
             </a:fld>
             <a:endParaRPr lang="en-PH"/>
           </a:p>
@@ -5244,7 +5244,7 @@
           <a:p>
             <a:fld id="{3AA74B47-8083-4345-865C-BA7499E5DF64}" type="datetimeFigureOut">
               <a:rPr lang="en-PH" smtClean="0"/>
-              <a:t>30/03/2017</a:t>
+              <a:t>31/03/2017</a:t>
             </a:fld>
             <a:endParaRPr lang="en-PH"/>
           </a:p>
@@ -5532,7 +5532,7 @@
           <a:p>
             <a:fld id="{3AA74B47-8083-4345-865C-BA7499E5DF64}" type="datetimeFigureOut">
               <a:rPr lang="en-PH" smtClean="0"/>
-              <a:t>30/03/2017</a:t>
+              <a:t>31/03/2017</a:t>
             </a:fld>
             <a:endParaRPr lang="en-PH"/>
           </a:p>
@@ -5959,7 +5959,7 @@
           <a:p>
             <a:fld id="{3AA74B47-8083-4345-865C-BA7499E5DF64}" type="datetimeFigureOut">
               <a:rPr lang="en-PH" smtClean="0"/>
-              <a:t>30/03/2017</a:t>
+              <a:t>31/03/2017</a:t>
             </a:fld>
             <a:endParaRPr lang="en-PH"/>
           </a:p>
@@ -6077,7 +6077,7 @@
           <a:p>
             <a:fld id="{3AA74B47-8083-4345-865C-BA7499E5DF64}" type="datetimeFigureOut">
               <a:rPr lang="en-PH" smtClean="0"/>
-              <a:t>30/03/2017</a:t>
+              <a:t>31/03/2017</a:t>
             </a:fld>
             <a:endParaRPr lang="en-PH"/>
           </a:p>
@@ -6172,7 +6172,7 @@
           <a:p>
             <a:fld id="{3AA74B47-8083-4345-865C-BA7499E5DF64}" type="datetimeFigureOut">
               <a:rPr lang="en-PH" smtClean="0"/>
-              <a:t>30/03/2017</a:t>
+              <a:t>31/03/2017</a:t>
             </a:fld>
             <a:endParaRPr lang="en-PH"/>
           </a:p>
@@ -6449,7 +6449,7 @@
           <a:p>
             <a:fld id="{3AA74B47-8083-4345-865C-BA7499E5DF64}" type="datetimeFigureOut">
               <a:rPr lang="en-PH" smtClean="0"/>
-              <a:t>30/03/2017</a:t>
+              <a:t>31/03/2017</a:t>
             </a:fld>
             <a:endParaRPr lang="en-PH"/>
           </a:p>
@@ -6702,7 +6702,7 @@
           <a:p>
             <a:fld id="{3AA74B47-8083-4345-865C-BA7499E5DF64}" type="datetimeFigureOut">
               <a:rPr lang="en-PH" smtClean="0"/>
-              <a:t>30/03/2017</a:t>
+              <a:t>31/03/2017</a:t>
             </a:fld>
             <a:endParaRPr lang="en-PH"/>
           </a:p>
@@ -6915,7 +6915,7 @@
           <a:p>
             <a:fld id="{3AA74B47-8083-4345-865C-BA7499E5DF64}" type="datetimeFigureOut">
               <a:rPr lang="en-PH" smtClean="0"/>
-              <a:t>30/03/2017</a:t>
+              <a:t>31/03/2017</a:t>
             </a:fld>
             <a:endParaRPr lang="en-PH"/>
           </a:p>
@@ -7344,8 +7344,8 @@
         </p:nvGrpSpPr>
         <p:grpSpPr>
           <a:xfrm>
-            <a:off x="12817724" y="1583953"/>
-            <a:ext cx="634254" cy="630936"/>
+            <a:off x="12702366" y="2850526"/>
+            <a:ext cx="914400" cy="914400"/>
             <a:chOff x="25275108" y="1009135"/>
             <a:chExt cx="634254" cy="4248000"/>
           </a:xfrm>
@@ -7439,8 +7439,8 @@
         </p:nvSpPr>
         <p:spPr>
           <a:xfrm>
-            <a:off x="12601700" y="827435"/>
-            <a:ext cx="6408712" cy="707886"/>
+            <a:off x="13720608" y="2985299"/>
+            <a:ext cx="6408712" cy="830997"/>
           </a:xfrm>
           <a:prstGeom prst="rect">
             <a:avLst/>
@@ -7454,16 +7454,857 @@
           <a:lstStyle/>
           <a:p>
             <a:r>
-              <a:rPr lang="en-US" sz="4000" dirty="0" smtClean="0">
+              <a:rPr lang="en-US" sz="4800" dirty="0" smtClean="0">
                 <a:solidFill>
-                  <a:srgbClr val="FF0000"/>
+                  <a:schemeClr val="tx1">
+                    <a:lumMod val="95000"/>
+                    <a:lumOff val="5000"/>
+                  </a:schemeClr>
                 </a:solidFill>
               </a:rPr>
               <a:t>Book Shelves</a:t>
             </a:r>
-            <a:endParaRPr lang="en-US" sz="4000" dirty="0">
+            <a:endParaRPr lang="en-US" sz="4800" dirty="0">
               <a:solidFill>
-                <a:srgbClr val="FF0000"/>
+                <a:schemeClr val="tx1">
+                  <a:lumMod val="95000"/>
+                  <a:lumOff val="5000"/>
+                </a:schemeClr>
+              </a:solidFill>
+            </a:endParaRPr>
+          </a:p>
+        </p:txBody>
+      </p:sp>
+      <p:sp>
+        <p:nvSpPr>
+          <p:cNvPr id="7" name="Rectangle 6"/>
+          <p:cNvSpPr/>
+          <p:nvPr/>
+        </p:nvSpPr>
+        <p:spPr>
+          <a:xfrm>
+            <a:off x="12702366" y="4020268"/>
+            <a:ext cx="914400" cy="914400"/>
+          </a:xfrm>
+          <a:prstGeom prst="rect">
+            <a:avLst/>
+          </a:prstGeom>
+          <a:solidFill>
+            <a:srgbClr val="F8FC42"/>
+          </a:solidFill>
+          <a:ln w="76200"/>
+        </p:spPr>
+        <p:style>
+          <a:lnRef idx="2">
+            <a:schemeClr val="accent1">
+              <a:shade val="50000"/>
+            </a:schemeClr>
+          </a:lnRef>
+          <a:fillRef idx="1">
+            <a:schemeClr val="accent1"/>
+          </a:fillRef>
+          <a:effectRef idx="0">
+            <a:schemeClr val="accent1"/>
+          </a:effectRef>
+          <a:fontRef idx="minor">
+            <a:schemeClr val="lt1"/>
+          </a:fontRef>
+        </p:style>
+        <p:txBody>
+          <a:bodyPr rtlCol="0" anchor="ctr"/>
+          <a:lstStyle/>
+          <a:p>
+            <a:pPr algn="ctr"/>
+            <a:endParaRPr lang="en-PH"/>
+          </a:p>
+        </p:txBody>
+      </p:sp>
+      <p:sp>
+        <p:nvSpPr>
+          <p:cNvPr id="11" name="TextBox 10"/>
+          <p:cNvSpPr txBox="1"/>
+          <p:nvPr/>
+        </p:nvSpPr>
+        <p:spPr>
+          <a:xfrm>
+            <a:off x="13720608" y="4112275"/>
+            <a:ext cx="7480428" cy="830997"/>
+          </a:xfrm>
+          <a:prstGeom prst="rect">
+            <a:avLst/>
+          </a:prstGeom>
+          <a:noFill/>
+        </p:spPr>
+        <p:txBody>
+          <a:bodyPr wrap="square" rtlCol="0">
+            <a:spAutoFit/>
+          </a:bodyPr>
+          <a:lstStyle/>
+          <a:p>
+            <a:r>
+              <a:rPr lang="en-US" sz="4800" dirty="0" smtClean="0">
+                <a:solidFill>
+                  <a:schemeClr val="tx1">
+                    <a:lumMod val="95000"/>
+                    <a:lumOff val="5000"/>
+                  </a:schemeClr>
+                </a:solidFill>
+              </a:rPr>
+              <a:t>Authorized Area /Staff Area</a:t>
+            </a:r>
+            <a:endParaRPr lang="en-US" sz="4800" dirty="0">
+              <a:solidFill>
+                <a:schemeClr val="tx1">
+                  <a:lumMod val="95000"/>
+                  <a:lumOff val="5000"/>
+                </a:schemeClr>
+              </a:solidFill>
+            </a:endParaRPr>
+          </a:p>
+        </p:txBody>
+      </p:sp>
+      <p:sp>
+        <p:nvSpPr>
+          <p:cNvPr id="12" name="Rectangle 11"/>
+          <p:cNvSpPr/>
+          <p:nvPr/>
+        </p:nvSpPr>
+        <p:spPr>
+          <a:xfrm>
+            <a:off x="12702366" y="5252860"/>
+            <a:ext cx="914400" cy="914400"/>
+          </a:xfrm>
+          <a:prstGeom prst="rect">
+            <a:avLst/>
+          </a:prstGeom>
+          <a:solidFill>
+            <a:srgbClr val="00B0F0"/>
+          </a:solidFill>
+          <a:ln w="76200"/>
+        </p:spPr>
+        <p:style>
+          <a:lnRef idx="2">
+            <a:schemeClr val="accent1">
+              <a:shade val="50000"/>
+            </a:schemeClr>
+          </a:lnRef>
+          <a:fillRef idx="1">
+            <a:schemeClr val="accent1"/>
+          </a:fillRef>
+          <a:effectRef idx="0">
+            <a:schemeClr val="accent1"/>
+          </a:effectRef>
+          <a:fontRef idx="minor">
+            <a:schemeClr val="lt1"/>
+          </a:fontRef>
+        </p:style>
+        <p:txBody>
+          <a:bodyPr rtlCol="0" anchor="ctr"/>
+          <a:lstStyle/>
+          <a:p>
+            <a:pPr algn="ctr"/>
+            <a:endParaRPr lang="en-PH"/>
+          </a:p>
+        </p:txBody>
+      </p:sp>
+      <p:sp>
+        <p:nvSpPr>
+          <p:cNvPr id="13" name="TextBox 12"/>
+          <p:cNvSpPr txBox="1"/>
+          <p:nvPr/>
+        </p:nvSpPr>
+        <p:spPr>
+          <a:xfrm>
+            <a:off x="13753828" y="5328369"/>
+            <a:ext cx="6408712" cy="830997"/>
+          </a:xfrm>
+          <a:prstGeom prst="rect">
+            <a:avLst/>
+          </a:prstGeom>
+          <a:noFill/>
+        </p:spPr>
+        <p:txBody>
+          <a:bodyPr wrap="square" rtlCol="0">
+            <a:spAutoFit/>
+          </a:bodyPr>
+          <a:lstStyle/>
+          <a:p>
+            <a:r>
+              <a:rPr lang="en-US" sz="4800" dirty="0" smtClean="0">
+                <a:solidFill>
+                  <a:schemeClr val="tx1">
+                    <a:lumMod val="95000"/>
+                    <a:lumOff val="5000"/>
+                  </a:schemeClr>
+                </a:solidFill>
+              </a:rPr>
+              <a:t>Baggage Counter</a:t>
+            </a:r>
+            <a:endParaRPr lang="en-US" sz="4800" dirty="0">
+              <a:solidFill>
+                <a:schemeClr val="tx1">
+                  <a:lumMod val="95000"/>
+                  <a:lumOff val="5000"/>
+                </a:schemeClr>
+              </a:solidFill>
+            </a:endParaRPr>
+          </a:p>
+        </p:txBody>
+      </p:sp>
+      <p:sp>
+        <p:nvSpPr>
+          <p:cNvPr id="14" name="Rectangle 13"/>
+          <p:cNvSpPr/>
+          <p:nvPr/>
+        </p:nvSpPr>
+        <p:spPr>
+          <a:xfrm>
+            <a:off x="12712275" y="6422508"/>
+            <a:ext cx="914400" cy="914400"/>
+          </a:xfrm>
+          <a:prstGeom prst="rect">
+            <a:avLst/>
+          </a:prstGeom>
+        </p:spPr>
+        <p:style>
+          <a:lnRef idx="2">
+            <a:schemeClr val="accent2">
+              <a:shade val="50000"/>
+            </a:schemeClr>
+          </a:lnRef>
+          <a:fillRef idx="1">
+            <a:schemeClr val="accent2"/>
+          </a:fillRef>
+          <a:effectRef idx="0">
+            <a:schemeClr val="accent2"/>
+          </a:effectRef>
+          <a:fontRef idx="minor">
+            <a:schemeClr val="lt1"/>
+          </a:fontRef>
+        </p:style>
+        <p:txBody>
+          <a:bodyPr rtlCol="0" anchor="ctr"/>
+          <a:lstStyle/>
+          <a:p>
+            <a:pPr algn="ctr"/>
+            <a:endParaRPr lang="en-PH"/>
+          </a:p>
+        </p:txBody>
+      </p:sp>
+      <p:sp>
+        <p:nvSpPr>
+          <p:cNvPr id="15" name="TextBox 14"/>
+          <p:cNvSpPr txBox="1"/>
+          <p:nvPr/>
+        </p:nvSpPr>
+        <p:spPr>
+          <a:xfrm>
+            <a:off x="13753828" y="6355055"/>
+            <a:ext cx="6408712" cy="830997"/>
+          </a:xfrm>
+          <a:prstGeom prst="rect">
+            <a:avLst/>
+          </a:prstGeom>
+          <a:noFill/>
+        </p:spPr>
+        <p:txBody>
+          <a:bodyPr wrap="square" rtlCol="0">
+            <a:spAutoFit/>
+          </a:bodyPr>
+          <a:lstStyle/>
+          <a:p>
+            <a:r>
+              <a:rPr lang="en-US" sz="4800" dirty="0" smtClean="0">
+                <a:solidFill>
+                  <a:schemeClr val="tx1">
+                    <a:lumMod val="95000"/>
+                    <a:lumOff val="5000"/>
+                  </a:schemeClr>
+                </a:solidFill>
+              </a:rPr>
+              <a:t>Men’s CR</a:t>
+            </a:r>
+            <a:endParaRPr lang="en-US" sz="4800" dirty="0">
+              <a:solidFill>
+                <a:schemeClr val="tx1">
+                  <a:lumMod val="95000"/>
+                  <a:lumOff val="5000"/>
+                </a:schemeClr>
+              </a:solidFill>
+            </a:endParaRPr>
+          </a:p>
+        </p:txBody>
+      </p:sp>
+      <p:sp>
+        <p:nvSpPr>
+          <p:cNvPr id="16" name="Rectangle 15"/>
+          <p:cNvSpPr/>
+          <p:nvPr/>
+        </p:nvSpPr>
+        <p:spPr>
+          <a:xfrm>
+            <a:off x="12712275" y="7655100"/>
+            <a:ext cx="912656" cy="914400"/>
+          </a:xfrm>
+          <a:prstGeom prst="rect">
+            <a:avLst/>
+          </a:prstGeom>
+        </p:spPr>
+        <p:style>
+          <a:lnRef idx="2">
+            <a:schemeClr val="accent6">
+              <a:shade val="50000"/>
+            </a:schemeClr>
+          </a:lnRef>
+          <a:fillRef idx="1">
+            <a:schemeClr val="accent6"/>
+          </a:fillRef>
+          <a:effectRef idx="0">
+            <a:schemeClr val="accent6"/>
+          </a:effectRef>
+          <a:fontRef idx="minor">
+            <a:schemeClr val="lt1"/>
+          </a:fontRef>
+        </p:style>
+        <p:txBody>
+          <a:bodyPr rtlCol="0" anchor="ctr"/>
+          <a:lstStyle/>
+          <a:p>
+            <a:pPr algn="ctr"/>
+            <a:endParaRPr lang="en-PH"/>
+          </a:p>
+        </p:txBody>
+      </p:sp>
+      <p:sp>
+        <p:nvSpPr>
+          <p:cNvPr id="17" name="TextBox 16"/>
+          <p:cNvSpPr txBox="1"/>
+          <p:nvPr/>
+        </p:nvSpPr>
+        <p:spPr>
+          <a:xfrm>
+            <a:off x="13753828" y="7694570"/>
+            <a:ext cx="6408712" cy="830997"/>
+          </a:xfrm>
+          <a:prstGeom prst="rect">
+            <a:avLst/>
+          </a:prstGeom>
+          <a:noFill/>
+        </p:spPr>
+        <p:txBody>
+          <a:bodyPr wrap="square" rtlCol="0">
+            <a:spAutoFit/>
+          </a:bodyPr>
+          <a:lstStyle/>
+          <a:p>
+            <a:r>
+              <a:rPr lang="en-US" sz="4800" dirty="0" smtClean="0">
+                <a:solidFill>
+                  <a:schemeClr val="tx1">
+                    <a:lumMod val="95000"/>
+                    <a:lumOff val="5000"/>
+                  </a:schemeClr>
+                </a:solidFill>
+              </a:rPr>
+              <a:t>Women’s CR</a:t>
+            </a:r>
+            <a:endParaRPr lang="en-US" sz="4800" dirty="0">
+              <a:solidFill>
+                <a:schemeClr val="tx1">
+                  <a:lumMod val="95000"/>
+                  <a:lumOff val="5000"/>
+                </a:schemeClr>
+              </a:solidFill>
+            </a:endParaRPr>
+          </a:p>
+        </p:txBody>
+      </p:sp>
+      <p:grpSp>
+        <p:nvGrpSpPr>
+          <p:cNvPr id="18" name="Group 17"/>
+          <p:cNvGrpSpPr/>
+          <p:nvPr/>
+        </p:nvGrpSpPr>
+        <p:grpSpPr>
+          <a:xfrm>
+            <a:off x="12710531" y="9010230"/>
+            <a:ext cx="914400" cy="914400"/>
+            <a:chOff x="17650644" y="6552505"/>
+            <a:chExt cx="1935832" cy="942142"/>
+          </a:xfrm>
+          <a:solidFill>
+            <a:schemeClr val="accent2">
+              <a:lumMod val="40000"/>
+              <a:lumOff val="60000"/>
+            </a:schemeClr>
+          </a:solidFill>
+        </p:grpSpPr>
+        <p:sp>
+          <p:nvSpPr>
+            <p:cNvPr id="19" name="Rectangle 18"/>
+            <p:cNvSpPr/>
+            <p:nvPr/>
+          </p:nvSpPr>
+          <p:spPr>
+            <a:xfrm>
+              <a:off x="17650644" y="6552505"/>
+              <a:ext cx="1935832" cy="936104"/>
+            </a:xfrm>
+            <a:prstGeom prst="rect">
+              <a:avLst/>
+            </a:prstGeom>
+            <a:grpFill/>
+            <a:ln w="76200"/>
+          </p:spPr>
+          <p:style>
+            <a:lnRef idx="2">
+              <a:schemeClr val="accent1">
+                <a:shade val="50000"/>
+              </a:schemeClr>
+            </a:lnRef>
+            <a:fillRef idx="1">
+              <a:schemeClr val="accent1"/>
+            </a:fillRef>
+            <a:effectRef idx="0">
+              <a:schemeClr val="accent1"/>
+            </a:effectRef>
+            <a:fontRef idx="minor">
+              <a:schemeClr val="lt1"/>
+            </a:fontRef>
+          </p:style>
+          <p:txBody>
+            <a:bodyPr rtlCol="0" anchor="ctr"/>
+            <a:lstStyle/>
+            <a:p>
+              <a:pPr algn="ctr"/>
+              <a:endParaRPr lang="en-PH"/>
+            </a:p>
+          </p:txBody>
+        </p:sp>
+        <p:cxnSp>
+          <p:nvCxnSpPr>
+            <p:cNvPr id="20" name="Straight Connector 19"/>
+            <p:cNvCxnSpPr/>
+            <p:nvPr/>
+          </p:nvCxnSpPr>
+          <p:spPr>
+            <a:xfrm>
+              <a:off x="17930292" y="6552505"/>
+              <a:ext cx="0" cy="936104"/>
+            </a:xfrm>
+            <a:prstGeom prst="line">
+              <a:avLst/>
+            </a:prstGeom>
+            <a:grpFill/>
+            <a:ln w="76200">
+              <a:solidFill>
+                <a:schemeClr val="tx2">
+                  <a:lumMod val="75000"/>
+                </a:schemeClr>
+              </a:solidFill>
+            </a:ln>
+          </p:spPr>
+          <p:style>
+            <a:lnRef idx="1">
+              <a:schemeClr val="accent1"/>
+            </a:lnRef>
+            <a:fillRef idx="0">
+              <a:schemeClr val="accent1"/>
+            </a:fillRef>
+            <a:effectRef idx="0">
+              <a:schemeClr val="accent1"/>
+            </a:effectRef>
+            <a:fontRef idx="minor">
+              <a:schemeClr val="tx1"/>
+            </a:fontRef>
+          </p:style>
+        </p:cxnSp>
+        <p:cxnSp>
+          <p:nvCxnSpPr>
+            <p:cNvPr id="21" name="Straight Connector 20"/>
+            <p:cNvCxnSpPr/>
+            <p:nvPr/>
+          </p:nvCxnSpPr>
+          <p:spPr>
+            <a:xfrm>
+              <a:off x="18146316" y="6552505"/>
+              <a:ext cx="0" cy="936104"/>
+            </a:xfrm>
+            <a:prstGeom prst="line">
+              <a:avLst/>
+            </a:prstGeom>
+            <a:grpFill/>
+            <a:ln w="76200">
+              <a:solidFill>
+                <a:schemeClr val="tx2">
+                  <a:lumMod val="75000"/>
+                </a:schemeClr>
+              </a:solidFill>
+            </a:ln>
+          </p:spPr>
+          <p:style>
+            <a:lnRef idx="1">
+              <a:schemeClr val="accent1"/>
+            </a:lnRef>
+            <a:fillRef idx="0">
+              <a:schemeClr val="accent1"/>
+            </a:fillRef>
+            <a:effectRef idx="0">
+              <a:schemeClr val="accent1"/>
+            </a:effectRef>
+            <a:fontRef idx="minor">
+              <a:schemeClr val="tx1"/>
+            </a:fontRef>
+          </p:style>
+        </p:cxnSp>
+        <p:cxnSp>
+          <p:nvCxnSpPr>
+            <p:cNvPr id="22" name="Straight Connector 21"/>
+            <p:cNvCxnSpPr/>
+            <p:nvPr/>
+          </p:nvCxnSpPr>
+          <p:spPr>
+            <a:xfrm>
+              <a:off x="18362340" y="6552505"/>
+              <a:ext cx="0" cy="936104"/>
+            </a:xfrm>
+            <a:prstGeom prst="line">
+              <a:avLst/>
+            </a:prstGeom>
+            <a:grpFill/>
+            <a:ln w="76200">
+              <a:solidFill>
+                <a:schemeClr val="tx2">
+                  <a:lumMod val="75000"/>
+                </a:schemeClr>
+              </a:solidFill>
+            </a:ln>
+          </p:spPr>
+          <p:style>
+            <a:lnRef idx="1">
+              <a:schemeClr val="accent1"/>
+            </a:lnRef>
+            <a:fillRef idx="0">
+              <a:schemeClr val="accent1"/>
+            </a:fillRef>
+            <a:effectRef idx="0">
+              <a:schemeClr val="accent1"/>
+            </a:effectRef>
+            <a:fontRef idx="minor">
+              <a:schemeClr val="tx1"/>
+            </a:fontRef>
+          </p:style>
+        </p:cxnSp>
+        <p:cxnSp>
+          <p:nvCxnSpPr>
+            <p:cNvPr id="23" name="Straight Connector 22"/>
+            <p:cNvCxnSpPr/>
+            <p:nvPr/>
+          </p:nvCxnSpPr>
+          <p:spPr>
+            <a:xfrm>
+              <a:off x="18618560" y="6552505"/>
+              <a:ext cx="0" cy="936104"/>
+            </a:xfrm>
+            <a:prstGeom prst="line">
+              <a:avLst/>
+            </a:prstGeom>
+            <a:grpFill/>
+            <a:ln w="76200">
+              <a:solidFill>
+                <a:schemeClr val="tx2">
+                  <a:lumMod val="75000"/>
+                </a:schemeClr>
+              </a:solidFill>
+            </a:ln>
+          </p:spPr>
+          <p:style>
+            <a:lnRef idx="1">
+              <a:schemeClr val="accent1"/>
+            </a:lnRef>
+            <a:fillRef idx="0">
+              <a:schemeClr val="accent1"/>
+            </a:fillRef>
+            <a:effectRef idx="0">
+              <a:schemeClr val="accent1"/>
+            </a:effectRef>
+            <a:fontRef idx="minor">
+              <a:schemeClr val="tx1"/>
+            </a:fontRef>
+          </p:style>
+        </p:cxnSp>
+        <p:cxnSp>
+          <p:nvCxnSpPr>
+            <p:cNvPr id="24" name="Straight Connector 23"/>
+            <p:cNvCxnSpPr/>
+            <p:nvPr/>
+          </p:nvCxnSpPr>
+          <p:spPr>
+            <a:xfrm>
+              <a:off x="18866396" y="6558543"/>
+              <a:ext cx="0" cy="936104"/>
+            </a:xfrm>
+            <a:prstGeom prst="line">
+              <a:avLst/>
+            </a:prstGeom>
+            <a:grpFill/>
+            <a:ln w="76200">
+              <a:solidFill>
+                <a:schemeClr val="tx2">
+                  <a:lumMod val="75000"/>
+                </a:schemeClr>
+              </a:solidFill>
+            </a:ln>
+          </p:spPr>
+          <p:style>
+            <a:lnRef idx="1">
+              <a:schemeClr val="accent1"/>
+            </a:lnRef>
+            <a:fillRef idx="0">
+              <a:schemeClr val="accent1"/>
+            </a:fillRef>
+            <a:effectRef idx="0">
+              <a:schemeClr val="accent1"/>
+            </a:effectRef>
+            <a:fontRef idx="minor">
+              <a:schemeClr val="tx1"/>
+            </a:fontRef>
+          </p:style>
+        </p:cxnSp>
+        <p:cxnSp>
+          <p:nvCxnSpPr>
+            <p:cNvPr id="25" name="Straight Connector 24"/>
+            <p:cNvCxnSpPr/>
+            <p:nvPr/>
+          </p:nvCxnSpPr>
+          <p:spPr>
+            <a:xfrm>
+              <a:off x="19154428" y="6552505"/>
+              <a:ext cx="0" cy="936104"/>
+            </a:xfrm>
+            <a:prstGeom prst="line">
+              <a:avLst/>
+            </a:prstGeom>
+            <a:grpFill/>
+            <a:ln w="76200">
+              <a:solidFill>
+                <a:schemeClr val="tx2">
+                  <a:lumMod val="75000"/>
+                </a:schemeClr>
+              </a:solidFill>
+            </a:ln>
+          </p:spPr>
+          <p:style>
+            <a:lnRef idx="1">
+              <a:schemeClr val="accent1"/>
+            </a:lnRef>
+            <a:fillRef idx="0">
+              <a:schemeClr val="accent1"/>
+            </a:fillRef>
+            <a:effectRef idx="0">
+              <a:schemeClr val="accent1"/>
+            </a:effectRef>
+            <a:fontRef idx="minor">
+              <a:schemeClr val="tx1"/>
+            </a:fontRef>
+          </p:style>
+        </p:cxnSp>
+        <p:cxnSp>
+          <p:nvCxnSpPr>
+            <p:cNvPr id="26" name="Straight Connector 25"/>
+            <p:cNvCxnSpPr/>
+            <p:nvPr/>
+          </p:nvCxnSpPr>
+          <p:spPr>
+            <a:xfrm>
+              <a:off x="19370452" y="6552505"/>
+              <a:ext cx="0" cy="936104"/>
+            </a:xfrm>
+            <a:prstGeom prst="line">
+              <a:avLst/>
+            </a:prstGeom>
+            <a:grpFill/>
+            <a:ln w="76200">
+              <a:solidFill>
+                <a:schemeClr val="tx2">
+                  <a:lumMod val="75000"/>
+                </a:schemeClr>
+              </a:solidFill>
+            </a:ln>
+          </p:spPr>
+          <p:style>
+            <a:lnRef idx="1">
+              <a:schemeClr val="accent1"/>
+            </a:lnRef>
+            <a:fillRef idx="0">
+              <a:schemeClr val="accent1"/>
+            </a:fillRef>
+            <a:effectRef idx="0">
+              <a:schemeClr val="accent1"/>
+            </a:effectRef>
+            <a:fontRef idx="minor">
+              <a:schemeClr val="tx1"/>
+            </a:fontRef>
+          </p:style>
+        </p:cxnSp>
+      </p:grpSp>
+      <p:sp>
+        <p:nvSpPr>
+          <p:cNvPr id="27" name="TextBox 26"/>
+          <p:cNvSpPr txBox="1"/>
+          <p:nvPr/>
+        </p:nvSpPr>
+        <p:spPr>
+          <a:xfrm>
+            <a:off x="13848078" y="9087773"/>
+            <a:ext cx="6408712" cy="830997"/>
+          </a:xfrm>
+          <a:prstGeom prst="rect">
+            <a:avLst/>
+          </a:prstGeom>
+          <a:noFill/>
+        </p:spPr>
+        <p:txBody>
+          <a:bodyPr wrap="square" rtlCol="0">
+            <a:spAutoFit/>
+          </a:bodyPr>
+          <a:lstStyle/>
+          <a:p>
+            <a:r>
+              <a:rPr lang="en-US" sz="4800" dirty="0" smtClean="0">
+                <a:solidFill>
+                  <a:schemeClr val="tx1">
+                    <a:lumMod val="95000"/>
+                    <a:lumOff val="5000"/>
+                  </a:schemeClr>
+                </a:solidFill>
+              </a:rPr>
+              <a:t>Stairs</a:t>
+            </a:r>
+            <a:endParaRPr lang="en-US" sz="4800" dirty="0">
+              <a:solidFill>
+                <a:schemeClr val="tx1">
+                  <a:lumMod val="95000"/>
+                  <a:lumOff val="5000"/>
+                </a:schemeClr>
+              </a:solidFill>
+            </a:endParaRPr>
+          </a:p>
+        </p:txBody>
+      </p:sp>
+      <p:pic>
+        <p:nvPicPr>
+          <p:cNvPr id="28" name="Picture 27"/>
+          <p:cNvPicPr>
+            <a:picLocks noChangeAspect="1"/>
+          </p:cNvPicPr>
+          <p:nvPr/>
+        </p:nvPicPr>
+        <p:blipFill>
+          <a:blip r:embed="rId2">
+            <a:extLst>
+              <a:ext uri="{28A0092B-C50C-407E-A947-70E740481C1C}">
+                <a14:useLocalDpi xmlns:a14="http://schemas.microsoft.com/office/drawing/2010/main" val="0"/>
+              </a:ext>
+            </a:extLst>
+          </a:blip>
+          <a:stretch>
+            <a:fillRect/>
+          </a:stretch>
+        </p:blipFill>
+        <p:spPr>
+          <a:xfrm>
+            <a:off x="12692457" y="10498070"/>
+            <a:ext cx="914400" cy="914400"/>
+          </a:xfrm>
+          <a:prstGeom prst="rect">
+            <a:avLst/>
+          </a:prstGeom>
+        </p:spPr>
+      </p:pic>
+      <p:sp>
+        <p:nvSpPr>
+          <p:cNvPr id="29" name="TextBox 28"/>
+          <p:cNvSpPr txBox="1"/>
+          <p:nvPr/>
+        </p:nvSpPr>
+        <p:spPr>
+          <a:xfrm>
+            <a:off x="13863081" y="10509299"/>
+            <a:ext cx="6408712" cy="830997"/>
+          </a:xfrm>
+          <a:prstGeom prst="rect">
+            <a:avLst/>
+          </a:prstGeom>
+          <a:noFill/>
+        </p:spPr>
+        <p:txBody>
+          <a:bodyPr wrap="square" rtlCol="0">
+            <a:spAutoFit/>
+          </a:bodyPr>
+          <a:lstStyle/>
+          <a:p>
+            <a:r>
+              <a:rPr lang="en-US" sz="4800" dirty="0" smtClean="0">
+                <a:solidFill>
+                  <a:schemeClr val="tx1">
+                    <a:lumMod val="95000"/>
+                    <a:lumOff val="5000"/>
+                  </a:schemeClr>
+                </a:solidFill>
+              </a:rPr>
+              <a:t>Door</a:t>
+            </a:r>
+            <a:endParaRPr lang="en-US" sz="4800" dirty="0">
+              <a:solidFill>
+                <a:schemeClr val="tx1">
+                  <a:lumMod val="95000"/>
+                  <a:lumOff val="5000"/>
+                </a:schemeClr>
+              </a:solidFill>
+            </a:endParaRPr>
+          </a:p>
+        </p:txBody>
+      </p:sp>
+      <p:sp>
+        <p:nvSpPr>
+          <p:cNvPr id="30" name="TextBox 29"/>
+          <p:cNvSpPr txBox="1"/>
+          <p:nvPr/>
+        </p:nvSpPr>
+        <p:spPr>
+          <a:xfrm>
+            <a:off x="16924964" y="1563773"/>
+            <a:ext cx="6408712" cy="830997"/>
+          </a:xfrm>
+          <a:prstGeom prst="rect">
+            <a:avLst/>
+          </a:prstGeom>
+          <a:noFill/>
+        </p:spPr>
+        <p:txBody>
+          <a:bodyPr wrap="square" rtlCol="0">
+            <a:spAutoFit/>
+          </a:bodyPr>
+          <a:lstStyle/>
+          <a:p>
+            <a:r>
+              <a:rPr lang="en-US" sz="4800" dirty="0" smtClean="0">
+                <a:solidFill>
+                  <a:schemeClr val="tx1">
+                    <a:lumMod val="95000"/>
+                    <a:lumOff val="5000"/>
+                  </a:schemeClr>
+                </a:solidFill>
+              </a:rPr>
+              <a:t>LEGENDS:</a:t>
+            </a:r>
+            <a:endParaRPr lang="en-US" sz="4800" dirty="0">
+              <a:solidFill>
+                <a:schemeClr val="tx1">
+                  <a:lumMod val="95000"/>
+                  <a:lumOff val="5000"/>
+                </a:schemeClr>
               </a:solidFill>
             </a:endParaRPr>
           </a:p>
@@ -7698,10 +8539,7 @@
             <a:avLst/>
           </a:prstGeom>
           <a:solidFill>
-            <a:schemeClr val="accent6">
-              <a:lumMod val="40000"/>
-              <a:lumOff val="60000"/>
-            </a:schemeClr>
+            <a:srgbClr val="00B0F0"/>
           </a:solidFill>
           <a:ln w="76200"/>
         </p:spPr>
@@ -8857,10 +9695,7 @@
             <a:avLst/>
           </a:prstGeom>
           <a:solidFill>
-            <a:schemeClr val="accent3">
-              <a:lumMod val="40000"/>
-              <a:lumOff val="60000"/>
-            </a:schemeClr>
+            <a:srgbClr val="F8FC42"/>
           </a:solidFill>
           <a:ln w="76200"/>
         </p:spPr>
@@ -12984,10 +13819,7 @@
             <a:avLst/>
           </a:prstGeom>
           <a:solidFill>
-            <a:schemeClr val="accent3">
-              <a:lumMod val="40000"/>
-              <a:lumOff val="60000"/>
-            </a:schemeClr>
+            <a:srgbClr val="F8FC42"/>
           </a:solidFill>
           <a:ln w="76200"/>
         </p:spPr>
@@ -13414,10 +14246,7 @@
             <a:avLst/>
           </a:prstGeom>
           <a:solidFill>
-            <a:schemeClr val="accent6">
-              <a:lumMod val="40000"/>
-              <a:lumOff val="60000"/>
-            </a:schemeClr>
+            <a:srgbClr val="00B0F0"/>
           </a:solidFill>
           <a:ln w="76200"/>
         </p:spPr>
@@ -14573,10 +15402,7 @@
             <a:avLst/>
           </a:prstGeom>
           <a:solidFill>
-            <a:schemeClr val="accent3">
-              <a:lumMod val="40000"/>
-              <a:lumOff val="60000"/>
-            </a:schemeClr>
+            <a:srgbClr val="F8FC42"/>
           </a:solidFill>
           <a:ln w="76200"/>
         </p:spPr>
@@ -17780,10 +18606,7 @@
             <a:avLst/>
           </a:prstGeom>
           <a:solidFill>
-            <a:schemeClr val="accent3">
-              <a:lumMod val="40000"/>
-              <a:lumOff val="60000"/>
-            </a:schemeClr>
+            <a:srgbClr val="F8FC42"/>
           </a:solidFill>
           <a:ln w="76200"/>
         </p:spPr>
@@ -19883,7 +20706,7 @@
         </p:nvSpPr>
         <p:spPr>
           <a:xfrm>
-            <a:off x="40468795" y="518067"/>
+            <a:off x="40515295" y="620967"/>
             <a:ext cx="1296144" cy="7416824"/>
           </a:xfrm>
           <a:prstGeom prst="rect">
@@ -19926,7 +20749,7 @@
         </p:nvSpPr>
         <p:spPr>
           <a:xfrm>
-            <a:off x="45588" y="531114"/>
+            <a:off x="35213" y="628409"/>
             <a:ext cx="1296144" cy="7416824"/>
           </a:xfrm>
           <a:prstGeom prst="rect">
@@ -19969,8 +20792,8 @@
         </p:nvSpPr>
         <p:spPr>
           <a:xfrm>
-            <a:off x="38925" y="6579786"/>
-            <a:ext cx="2835709" cy="1368152"/>
+            <a:off x="57559" y="6579785"/>
+            <a:ext cx="2852901" cy="1465447"/>
           </a:xfrm>
           <a:prstGeom prst="rect">
             <a:avLst/>
@@ -20012,7 +20835,7 @@
         </p:nvSpPr>
         <p:spPr>
           <a:xfrm>
-            <a:off x="39206817" y="6644865"/>
+            <a:off x="39279444" y="6745642"/>
             <a:ext cx="2414108" cy="1290026"/>
           </a:xfrm>
           <a:prstGeom prst="rect">
@@ -20055,12 +20878,17 @@
         </p:nvSpPr>
         <p:spPr>
           <a:xfrm>
-            <a:off x="1095724" y="531114"/>
-            <a:ext cx="1784896" cy="6138127"/>
+            <a:off x="1269398" y="636520"/>
+            <a:ext cx="1641061" cy="6138127"/>
           </a:xfrm>
           <a:prstGeom prst="rect">
             <a:avLst/>
           </a:prstGeom>
+          <a:ln>
+            <a:solidFill>
+              <a:schemeClr val="tx1"/>
+            </a:solidFill>
+          </a:ln>
         </p:spPr>
         <p:style>
           <a:lnRef idx="2">
@@ -20095,12 +20923,17 @@
         </p:nvSpPr>
         <p:spPr>
           <a:xfrm>
-            <a:off x="39233032" y="518067"/>
-            <a:ext cx="1784896" cy="6138127"/>
+            <a:off x="39290852" y="585137"/>
+            <a:ext cx="1321960" cy="6138127"/>
           </a:xfrm>
           <a:prstGeom prst="rect">
             <a:avLst/>
           </a:prstGeom>
+          <a:ln>
+            <a:solidFill>
+              <a:schemeClr val="tx1"/>
+            </a:solidFill>
+          </a:ln>
         </p:spPr>
         <p:style>
           <a:lnRef idx="2">
@@ -20135,7 +20968,7 @@
         </p:nvGrpSpPr>
         <p:grpSpPr>
           <a:xfrm>
-            <a:off x="26886708" y="501290"/>
+            <a:off x="26715268" y="870689"/>
             <a:ext cx="548640" cy="3017520"/>
             <a:chOff x="25275108" y="1009135"/>
             <a:chExt cx="634254" cy="4248000"/>
@@ -20230,7 +21063,7 @@
         </p:nvGrpSpPr>
         <p:grpSpPr>
           <a:xfrm>
-            <a:off x="26166628" y="501290"/>
+            <a:off x="25995188" y="870689"/>
             <a:ext cx="548640" cy="3017520"/>
             <a:chOff x="25275108" y="1009135"/>
             <a:chExt cx="634254" cy="4248000"/>
@@ -20325,7 +21158,7 @@
         </p:nvGrpSpPr>
         <p:grpSpPr>
           <a:xfrm>
-            <a:off x="24726468" y="501290"/>
+            <a:off x="24555028" y="870689"/>
             <a:ext cx="548640" cy="3017520"/>
             <a:chOff x="25275108" y="1009135"/>
             <a:chExt cx="634254" cy="4248000"/>
@@ -20420,7 +21253,7 @@
         </p:nvGrpSpPr>
         <p:grpSpPr>
           <a:xfrm>
-            <a:off x="25446548" y="501290"/>
+            <a:off x="25275108" y="870689"/>
             <a:ext cx="548640" cy="3017520"/>
             <a:chOff x="25275108" y="1009135"/>
             <a:chExt cx="634254" cy="4248000"/>
@@ -20515,7 +21348,7 @@
         </p:nvGrpSpPr>
         <p:grpSpPr>
           <a:xfrm>
-            <a:off x="27626220" y="479331"/>
+            <a:off x="27454599" y="885991"/>
             <a:ext cx="548640" cy="3017520"/>
             <a:chOff x="25275108" y="1009135"/>
             <a:chExt cx="634254" cy="4248000"/>
@@ -21077,47 +21910,6 @@
           </p:txBody>
         </p:sp>
       </p:grpSp>
-      <p:sp>
-        <p:nvSpPr>
-          <p:cNvPr id="70" name="Rectangle 69"/>
-          <p:cNvSpPr/>
-          <p:nvPr/>
-        </p:nvSpPr>
-        <p:spPr>
-          <a:xfrm>
-            <a:off x="34987727" y="3928816"/>
-            <a:ext cx="4136926" cy="1903609"/>
-          </a:xfrm>
-          <a:prstGeom prst="rect">
-            <a:avLst/>
-          </a:prstGeom>
-          <a:ln/>
-        </p:spPr>
-        <p:style>
-          <a:lnRef idx="2">
-            <a:schemeClr val="accent3">
-              <a:shade val="50000"/>
-            </a:schemeClr>
-          </a:lnRef>
-          <a:fillRef idx="1">
-            <a:schemeClr val="accent3"/>
-          </a:fillRef>
-          <a:effectRef idx="0">
-            <a:schemeClr val="accent3"/>
-          </a:effectRef>
-          <a:fontRef idx="minor">
-            <a:schemeClr val="lt1"/>
-          </a:fontRef>
-        </p:style>
-        <p:txBody>
-          <a:bodyPr rtlCol="0" anchor="ctr"/>
-          <a:lstStyle/>
-          <a:p>
-            <a:pPr algn="ctr"/>
-            <a:endParaRPr lang="en-PH"/>
-          </a:p>
-        </p:txBody>
-      </p:sp>
       <p:grpSp>
         <p:nvGrpSpPr>
           <p:cNvPr id="71" name="Group 70"/>
@@ -21316,7 +22108,7 @@
         </p:nvSpPr>
         <p:spPr>
           <a:xfrm>
-            <a:off x="38870355" y="1823953"/>
+            <a:off x="38906485" y="1240827"/>
             <a:ext cx="280265" cy="2103120"/>
           </a:xfrm>
           <a:prstGeom prst="rect">
@@ -21356,7 +22148,7 @@
         </p:nvSpPr>
         <p:spPr>
           <a:xfrm>
-            <a:off x="38870354" y="3178698"/>
+            <a:off x="38906485" y="3288441"/>
             <a:ext cx="280265" cy="731520"/>
           </a:xfrm>
           <a:prstGeom prst="rect">
@@ -21396,23 +22188,18 @@
         </p:nvSpPr>
         <p:spPr>
           <a:xfrm>
-            <a:off x="28248144" y="545117"/>
+            <a:off x="28248144" y="689133"/>
             <a:ext cx="3032720" cy="5287308"/>
           </a:xfrm>
           <a:prstGeom prst="rect">
             <a:avLst/>
           </a:prstGeom>
           <a:solidFill>
-            <a:schemeClr val="accent3">
-              <a:lumMod val="40000"/>
-              <a:lumOff val="60000"/>
-            </a:schemeClr>
+            <a:srgbClr val="F8FC42"/>
           </a:solidFill>
           <a:ln w="76200">
             <a:solidFill>
-              <a:schemeClr val="accent3">
-                <a:lumMod val="75000"/>
-              </a:schemeClr>
+              <a:srgbClr val="0070C0"/>
             </a:solidFill>
           </a:ln>
         </p:spPr>
@@ -21449,23 +22236,18 @@
         </p:nvSpPr>
         <p:spPr>
           <a:xfrm>
-            <a:off x="25174064" y="7736035"/>
+            <a:off x="25174064" y="7808043"/>
             <a:ext cx="3074080" cy="5657230"/>
           </a:xfrm>
           <a:prstGeom prst="rect">
             <a:avLst/>
           </a:prstGeom>
           <a:solidFill>
-            <a:schemeClr val="accent6">
-              <a:lumMod val="40000"/>
-              <a:lumOff val="60000"/>
-            </a:schemeClr>
+            <a:srgbClr val="00B0F0"/>
           </a:solidFill>
-          <a:ln w="76200">
+          <a:ln w="57150">
             <a:solidFill>
-              <a:schemeClr val="accent6">
-                <a:lumMod val="75000"/>
-              </a:schemeClr>
+              <a:srgbClr val="0070C0"/>
             </a:solidFill>
           </a:ln>
         </p:spPr>
@@ -21692,25 +22474,31 @@
         </p:nvSpPr>
         <p:spPr>
           <a:xfrm>
-            <a:off x="2931887" y="7794588"/>
-            <a:ext cx="18310774" cy="5540123"/>
+            <a:off x="2960012" y="7925150"/>
+            <a:ext cx="18138559" cy="5540123"/>
           </a:xfrm>
           <a:prstGeom prst="rect">
             <a:avLst/>
           </a:prstGeom>
-          <a:ln/>
+          <a:ln>
+            <a:solidFill>
+              <a:schemeClr val="accent5">
+                <a:lumMod val="50000"/>
+              </a:schemeClr>
+            </a:solidFill>
+          </a:ln>
         </p:spPr>
         <p:style>
           <a:lnRef idx="2">
-            <a:schemeClr val="accent4">
+            <a:schemeClr val="accent5">
               <a:shade val="50000"/>
             </a:schemeClr>
           </a:lnRef>
           <a:fillRef idx="1">
-            <a:schemeClr val="accent4"/>
+            <a:schemeClr val="accent5"/>
           </a:fillRef>
           <a:effectRef idx="0">
-            <a:schemeClr val="accent4"/>
+            <a:schemeClr val="accent5"/>
           </a:effectRef>
           <a:fontRef idx="minor">
             <a:schemeClr val="lt1"/>
@@ -21740,24 +22528,25 @@
             <a:avLst/>
           </a:prstGeom>
           <a:solidFill>
-            <a:schemeClr val="accent3">
-              <a:lumMod val="40000"/>
-              <a:lumOff val="60000"/>
-            </a:schemeClr>
+            <a:srgbClr val="F8FC42"/>
           </a:solidFill>
-          <a:ln w="76200"/>
+          <a:ln w="57150">
+            <a:solidFill>
+              <a:srgbClr val="0070C0"/>
+            </a:solidFill>
+          </a:ln>
         </p:spPr>
         <p:style>
           <a:lnRef idx="2">
-            <a:schemeClr val="accent1">
+            <a:schemeClr val="accent6">
               <a:shade val="50000"/>
             </a:schemeClr>
           </a:lnRef>
           <a:fillRef idx="1">
-            <a:schemeClr val="accent1"/>
+            <a:schemeClr val="accent6"/>
           </a:fillRef>
           <a:effectRef idx="0">
-            <a:schemeClr val="accent1"/>
+            <a:schemeClr val="accent6"/>
           </a:effectRef>
           <a:fontRef idx="minor">
             <a:schemeClr val="lt1"/>
@@ -21824,7 +22613,7 @@
         </p:blipFill>
         <p:spPr>
           <a:xfrm>
-            <a:off x="19341787" y="18531"/>
+            <a:off x="19341787" y="105258"/>
             <a:ext cx="542591" cy="542591"/>
           </a:xfrm>
           <a:prstGeom prst="rect">
@@ -21884,7 +22673,7 @@
         </p:blipFill>
         <p:spPr>
           <a:xfrm rot="5400000" flipH="1" flipV="1">
-            <a:off x="2338029" y="6848064"/>
+            <a:off x="2410037" y="6848064"/>
             <a:ext cx="542591" cy="542591"/>
           </a:xfrm>
           <a:prstGeom prst="rect">
@@ -21914,7 +22703,7 @@
         </p:blipFill>
         <p:spPr>
           <a:xfrm rot="5400000" flipH="1" flipV="1">
-            <a:off x="2332043" y="6022068"/>
+            <a:off x="2410037" y="6022068"/>
             <a:ext cx="542591" cy="542591"/>
           </a:xfrm>
           <a:prstGeom prst="rect">
@@ -21944,7 +22733,7 @@
         </p:blipFill>
         <p:spPr>
           <a:xfrm rot="5400000" flipH="1">
-            <a:off x="39233032" y="7065799"/>
+            <a:off x="39257327" y="7187298"/>
             <a:ext cx="542591" cy="542591"/>
           </a:xfrm>
           <a:prstGeom prst="rect">
@@ -21974,7 +22763,7 @@
         </p:blipFill>
         <p:spPr>
           <a:xfrm rot="5400000" flipH="1">
-            <a:off x="39233032" y="5985623"/>
+            <a:off x="39297759" y="6105652"/>
             <a:ext cx="542591" cy="542591"/>
           </a:xfrm>
           <a:prstGeom prst="rect">
@@ -22535,7 +23324,7 @@
   <a:extraClrSchemeLst/>
   <a:extLst>
     <a:ext uri="{05A4C25C-085E-4340-85A3-A5531E510DB2}">
-      <thm15:themeFamily xmlns="" xmlns:thm15="http://schemas.microsoft.com/office/thememl/2012/main" name="Office Theme" id="{62F939B6-93AF-4DB8-9C6B-D6C7DFDC589F}" vid="{4A3C46E8-61CC-4603-A589-7422A47A8E4A}"/>
+      <thm15:themeFamily xmlns:thm15="http://schemas.microsoft.com/office/thememl/2012/main" name="Office Theme" id="{62F939B6-93AF-4DB8-9C6B-D6C7DFDC589F}" vid="{4A3C46E8-61CC-4603-A589-7422A47A8E4A}"/>
     </a:ext>
   </a:extLst>
 </a:theme>
